--- a/00_General/Presentation/MS 5/Presentation_Milestone_v_Master.pptx
+++ b/00_General/Presentation/MS 5/Presentation_Milestone_v_Master.pptx
@@ -2,22 +2,22 @@
 <file path=ppt/presentation.xml><?xml version="1.0" encoding="utf-8"?>
 <p:presentation xmlns:a="http://schemas.openxmlformats.org/drawingml/2006/main" xmlns:r="http://schemas.openxmlformats.org/officeDocument/2006/relationships" xmlns:p="http://schemas.openxmlformats.org/presentationml/2006/main">
   <p:sldMasterIdLst>
-    <p:sldMasterId id="2147483648" r:id="rId5"/>
+    <p:sldMasterId id="2147483648" r:id="rId1"/>
   </p:sldMasterIdLst>
   <p:notesMasterIdLst>
-    <p:notesMasterId r:id="rId7"/>
+    <p:notesMasterId r:id="rId12"/>
   </p:notesMasterIdLst>
   <p:sldIdLst>
-    <p:sldId id="256" r:id="rId8"/>
-    <p:sldId id="257" r:id="rId9"/>
-    <p:sldId id="258" r:id="rId10"/>
-    <p:sldId id="259" r:id="rId11"/>
-    <p:sldId id="260" r:id="rId12"/>
-    <p:sldId id="261" r:id="rId13"/>
-    <p:sldId id="262" r:id="rId14"/>
-    <p:sldId id="263" r:id="rId15"/>
-    <p:sldId id="264" r:id="rId16"/>
-    <p:sldId id="265" r:id="rId17"/>
+    <p:sldId id="256" r:id="rId2"/>
+    <p:sldId id="257" r:id="rId3"/>
+    <p:sldId id="258" r:id="rId4"/>
+    <p:sldId id="259" r:id="rId5"/>
+    <p:sldId id="260" r:id="rId6"/>
+    <p:sldId id="261" r:id="rId7"/>
+    <p:sldId id="262" r:id="rId8"/>
+    <p:sldId id="263" r:id="rId9"/>
+    <p:sldId id="266" r:id="rId10"/>
+    <p:sldId id="265" r:id="rId11"/>
   </p:sldIdLst>
   <p:sldSz cx="12192000" cy="6858000"/>
   <p:notesSz cx="6858000" cy="9144000"/>
@@ -37,7 +37,7 @@
       <a:buFontTx/>
       <a:buNone/>
       <a:tabLst/>
-      <a:defRPr b="0" baseline="0" cap="none" i="0" spc="0" strike="noStrike" sz="1800" u="none" kumimoji="0" normalizeH="0">
+      <a:defRPr kumimoji="0" sz="1800" b="0" i="0" u="none" strike="noStrike" cap="none" spc="0" normalizeH="0" baseline="0">
         <a:ln>
           <a:noFill/>
         </a:ln>
@@ -63,7 +63,7 @@
       <a:buFontTx/>
       <a:buNone/>
       <a:tabLst/>
-      <a:defRPr b="0" baseline="0" cap="none" i="0" spc="0" strike="noStrike" sz="1800" u="none" kumimoji="0" normalizeH="0">
+      <a:defRPr kumimoji="0" sz="1800" b="0" i="0" u="none" strike="noStrike" cap="none" spc="0" normalizeH="0" baseline="0">
         <a:ln>
           <a:noFill/>
         </a:ln>
@@ -93,7 +93,7 @@
       <a:buFontTx/>
       <a:buNone/>
       <a:tabLst/>
-      <a:defRPr b="0" baseline="0" cap="none" i="0" spc="0" strike="noStrike" sz="1800" u="none" kumimoji="0" normalizeH="0">
+      <a:defRPr kumimoji="0" sz="1800" b="0" i="0" u="none" strike="noStrike" cap="none" spc="0" normalizeH="0" baseline="0">
         <a:ln>
           <a:noFill/>
         </a:ln>
@@ -123,7 +123,7 @@
       <a:buFontTx/>
       <a:buNone/>
       <a:tabLst/>
-      <a:defRPr b="0" baseline="0" cap="none" i="0" spc="0" strike="noStrike" sz="1800" u="none" kumimoji="0" normalizeH="0">
+      <a:defRPr kumimoji="0" sz="1800" b="0" i="0" u="none" strike="noStrike" cap="none" spc="0" normalizeH="0" baseline="0">
         <a:ln>
           <a:noFill/>
         </a:ln>
@@ -153,7 +153,7 @@
       <a:buFontTx/>
       <a:buNone/>
       <a:tabLst/>
-      <a:defRPr b="0" baseline="0" cap="none" i="0" spc="0" strike="noStrike" sz="1800" u="none" kumimoji="0" normalizeH="0">
+      <a:defRPr kumimoji="0" sz="1800" b="0" i="0" u="none" strike="noStrike" cap="none" spc="0" normalizeH="0" baseline="0">
         <a:ln>
           <a:noFill/>
         </a:ln>
@@ -183,7 +183,7 @@
       <a:buFontTx/>
       <a:buNone/>
       <a:tabLst/>
-      <a:defRPr b="0" baseline="0" cap="none" i="0" spc="0" strike="noStrike" sz="1800" u="none" kumimoji="0" normalizeH="0">
+      <a:defRPr kumimoji="0" sz="1800" b="0" i="0" u="none" strike="noStrike" cap="none" spc="0" normalizeH="0" baseline="0">
         <a:ln>
           <a:noFill/>
         </a:ln>
@@ -213,7 +213,7 @@
       <a:buFontTx/>
       <a:buNone/>
       <a:tabLst/>
-      <a:defRPr b="0" baseline="0" cap="none" i="0" spc="0" strike="noStrike" sz="1800" u="none" kumimoji="0" normalizeH="0">
+      <a:defRPr kumimoji="0" sz="1800" b="0" i="0" u="none" strike="noStrike" cap="none" spc="0" normalizeH="0" baseline="0">
         <a:ln>
           <a:noFill/>
         </a:ln>
@@ -243,7 +243,7 @@
       <a:buFontTx/>
       <a:buNone/>
       <a:tabLst/>
-      <a:defRPr b="0" baseline="0" cap="none" i="0" spc="0" strike="noStrike" sz="1800" u="none" kumimoji="0" normalizeH="0">
+      <a:defRPr kumimoji="0" sz="1800" b="0" i="0" u="none" strike="noStrike" cap="none" spc="0" normalizeH="0" baseline="0">
         <a:ln>
           <a:noFill/>
         </a:ln>
@@ -273,7 +273,7 @@
       <a:buFontTx/>
       <a:buNone/>
       <a:tabLst/>
-      <a:defRPr b="0" baseline="0" cap="none" i="0" spc="0" strike="noStrike" sz="1800" u="none" kumimoji="0" normalizeH="0">
+      <a:defRPr kumimoji="0" sz="1800" b="0" i="0" u="none" strike="noStrike" cap="none" spc="0" normalizeH="0" baseline="0">
         <a:ln>
           <a:noFill/>
         </a:ln>
@@ -303,7 +303,7 @@
       <a:buFontTx/>
       <a:buNone/>
       <a:tabLst/>
-      <a:defRPr b="0" baseline="0" cap="none" i="0" spc="0" strike="noStrike" sz="1800" u="none" kumimoji="0" normalizeH="0">
+      <a:defRPr kumimoji="0" sz="1800" b="0" i="0" u="none" strike="noStrike" cap="none" spc="0" normalizeH="0" baseline="0">
         <a:ln>
           <a:noFill/>
         </a:ln>
@@ -319,16 +319,33 @@
       </a:defRPr>
     </a:lvl9pPr>
   </p:defaultTextStyle>
+  <p:extLst>
+    <p:ext uri="{EFAFB233-063F-42B5-8137-9DF3F51BA10A}">
+      <p15:sldGuideLst xmlns:p15="http://schemas.microsoft.com/office/powerpoint/2012/main">
+        <p15:guide id="1" orient="horz" pos="2160" userDrawn="1">
+          <p15:clr>
+            <a:srgbClr val="A4A3A4"/>
+          </p15:clr>
+        </p15:guide>
+        <p15:guide id="2" pos="3840" userDrawn="1">
+          <p15:clr>
+            <a:srgbClr val="A4A3A4"/>
+          </p15:clr>
+        </p15:guide>
+      </p15:sldGuideLst>
+    </p:ext>
+  </p:extLst>
 </p:presentation>
-</file>
-
-<file path=ppt/commentAuthors.xml><?xml version="1.0" encoding="utf-8"?>
-<p:cmAuthorLst xmlns:a="http://schemas.openxmlformats.org/drawingml/2006/main" xmlns:r="http://schemas.openxmlformats.org/officeDocument/2006/relationships" xmlns:p="http://schemas.openxmlformats.org/presentationml/2006/main"/>
 </file>
 
 <file path=ppt/notesMasters/notesMaster1.xml><?xml version="1.0" encoding="utf-8"?>
 <p:notesMaster xmlns:a="http://schemas.openxmlformats.org/drawingml/2006/main" xmlns:r="http://schemas.openxmlformats.org/officeDocument/2006/relationships" xmlns:p="http://schemas.openxmlformats.org/presentationml/2006/main">
   <p:cSld>
+    <p:bg>
+      <p:bgRef idx="1001">
+        <a:schemeClr val="bg1"/>
+      </p:bgRef>
+    </p:bg>
     <p:spTree>
       <p:nvGrpSpPr>
         <p:cNvPr id="1" name=""/>
@@ -346,7 +363,9 @@
       <p:sp>
         <p:nvSpPr>
           <p:cNvPr id="118" name="Shape 118"/>
-          <p:cNvSpPr/>
+          <p:cNvSpPr>
+            <a:spLocks noGrp="1" noRot="1" noChangeAspect="1"/>
+          </p:cNvSpPr>
           <p:nvPr>
             <p:ph type="sldImg"/>
           </p:nvPr>
@@ -364,14 +383,16 @@
           <a:bodyPr/>
           <a:lstStyle/>
           <a:p>
-            <a:pPr/>
+            <a:endParaRPr/>
           </a:p>
         </p:txBody>
       </p:sp>
       <p:sp>
         <p:nvSpPr>
           <p:cNvPr id="119" name="Shape 119"/>
-          <p:cNvSpPr/>
+          <p:cNvSpPr>
+            <a:spLocks noGrp="1"/>
+          </p:cNvSpPr>
           <p:nvPr>
             <p:ph type="body" sz="quarter" idx="1"/>
           </p:nvPr>
@@ -389,7 +410,7 @@
           <a:bodyPr/>
           <a:lstStyle/>
           <a:p>
-            <a:pPr/>
+            <a:endParaRPr/>
           </a:p>
         </p:txBody>
       </p:sp>
@@ -474,7 +495,7 @@
 </file>
 
 <file path=ppt/slideLayouts/slideLayout1.xml><?xml version="1.0" encoding="utf-8"?>
-<p:sldLayout xmlns:a="http://schemas.openxmlformats.org/drawingml/2006/main" xmlns:r="http://schemas.openxmlformats.org/officeDocument/2006/relationships" xmlns:p="http://schemas.openxmlformats.org/presentationml/2006/main" type="title" showMasterSp="1" showMasterPhAnim="1">
+<p:sldLayout xmlns:a="http://schemas.openxmlformats.org/drawingml/2006/main" xmlns:r="http://schemas.openxmlformats.org/officeDocument/2006/relationships" xmlns:p="http://schemas.openxmlformats.org/presentationml/2006/main" type="title">
   <p:cSld name="Titelfolie">
     <p:spTree>
       <p:nvGrpSpPr>
@@ -493,7 +514,9 @@
       <p:sp>
         <p:nvSpPr>
           <p:cNvPr id="11" name="Shape 11"/>
-          <p:cNvSpPr/>
+          <p:cNvSpPr>
+            <a:spLocks noGrp="1"/>
+          </p:cNvSpPr>
           <p:nvPr>
             <p:ph type="title"/>
           </p:nvPr>
@@ -515,7 +538,6 @@
             </a:lvl1pPr>
           </a:lstStyle>
           <a:p>
-            <a:pPr/>
             <a:r>
               <a:t>Mastertitelformat bearbeiten</a:t>
             </a:r>
@@ -525,7 +547,9 @@
       <p:sp>
         <p:nvSpPr>
           <p:cNvPr id="12" name="Shape 12"/>
-          <p:cNvSpPr/>
+          <p:cNvSpPr>
+            <a:spLocks noGrp="1"/>
+          </p:cNvSpPr>
           <p:nvPr>
             <p:ph type="body" sz="quarter" idx="1"/>
           </p:nvPr>
@@ -550,7 +574,6 @@
             </a:lvl1pPr>
           </a:lstStyle>
           <a:p>
-            <a:pPr/>
             <a:r>
               <a:t>Master-Untertitelformat bearbeiten</a:t>
             </a:r>
@@ -560,7 +583,9 @@
       <p:sp>
         <p:nvSpPr>
           <p:cNvPr id="13" name="Shape 13"/>
-          <p:cNvSpPr/>
+          <p:cNvSpPr>
+            <a:spLocks noGrp="1"/>
+          </p:cNvSpPr>
           <p:nvPr>
             <p:ph type="sldNum" sz="quarter" idx="2"/>
           </p:nvPr>
@@ -574,8 +599,10 @@
           <a:bodyPr/>
           <a:lstStyle/>
           <a:p>
-            <a:pPr/>
-            <a:fld id="{86CB4B4D-7CA3-9044-876B-883B54F8677D}" type="slidenum"/>
+            <a:fld id="{86CB4B4D-7CA3-9044-876B-883B54F8677D}" type="slidenum">
+              <a:t>‹Nr.›</a:t>
+            </a:fld>
+            <a:endParaRPr/>
           </a:p>
         </p:txBody>
       </p:sp>
@@ -584,12 +611,12 @@
   <p:clrMapOvr>
     <a:masterClrMapping/>
   </p:clrMapOvr>
-  <p:transition xmlns:p14="http://schemas.microsoft.com/office/powerpoint/2010/main" spd="med" advClick="1"/>
+  <p:transition spd="med"/>
 </p:sldLayout>
 </file>
 
 <file path=ppt/slideLayouts/slideLayout10.xml><?xml version="1.0" encoding="utf-8"?>
-<p:sldLayout xmlns:a="http://schemas.openxmlformats.org/drawingml/2006/main" xmlns:r="http://schemas.openxmlformats.org/officeDocument/2006/relationships" xmlns:p="http://schemas.openxmlformats.org/presentationml/2006/main" type="tx" showMasterSp="1" showMasterPhAnim="1">
+<p:sldLayout xmlns:a="http://schemas.openxmlformats.org/drawingml/2006/main" xmlns:r="http://schemas.openxmlformats.org/officeDocument/2006/relationships" xmlns:p="http://schemas.openxmlformats.org/presentationml/2006/main" type="tx">
   <p:cSld name="Bild mit Überschrift">
     <p:spTree>
       <p:nvGrpSpPr>
@@ -608,7 +635,9 @@
       <p:sp>
         <p:nvSpPr>
           <p:cNvPr id="91" name="Shape 91"/>
-          <p:cNvSpPr/>
+          <p:cNvSpPr>
+            <a:spLocks noGrp="1"/>
+          </p:cNvSpPr>
           <p:nvPr>
             <p:ph type="title"/>
           </p:nvPr>
@@ -630,7 +659,6 @@
             </a:lvl1pPr>
           </a:lstStyle>
           <a:p>
-            <a:pPr/>
             <a:r>
               <a:t>Titeltext</a:t>
             </a:r>
@@ -640,7 +668,9 @@
       <p:sp>
         <p:nvSpPr>
           <p:cNvPr id="92" name="Shape 92"/>
-          <p:cNvSpPr/>
+          <p:cNvSpPr>
+            <a:spLocks noGrp="1"/>
+          </p:cNvSpPr>
           <p:nvPr>
             <p:ph type="pic" sz="half" idx="13"/>
           </p:nvPr>
@@ -660,14 +690,16 @@
           </a:bodyPr>
           <a:lstStyle/>
           <a:p>
-            <a:pPr/>
+            <a:endParaRPr/>
           </a:p>
         </p:txBody>
       </p:sp>
       <p:sp>
         <p:nvSpPr>
           <p:cNvPr id="93" name="Shape 93"/>
-          <p:cNvSpPr/>
+          <p:cNvSpPr>
+            <a:spLocks noGrp="1"/>
+          </p:cNvSpPr>
           <p:nvPr>
             <p:ph type="body" sz="quarter" idx="1"/>
           </p:nvPr>
@@ -716,7 +748,6 @@
             </a:lvl5pPr>
           </a:lstStyle>
           <a:p>
-            <a:pPr/>
             <a:r>
               <a:t>Textebene 1</a:t>
             </a:r>
@@ -750,7 +781,9 @@
       <p:sp>
         <p:nvSpPr>
           <p:cNvPr id="94" name="Shape 94"/>
-          <p:cNvSpPr/>
+          <p:cNvSpPr>
+            <a:spLocks noGrp="1"/>
+          </p:cNvSpPr>
           <p:nvPr>
             <p:ph type="sldNum" sz="quarter" idx="2"/>
           </p:nvPr>
@@ -764,8 +797,10 @@
           <a:bodyPr/>
           <a:lstStyle/>
           <a:p>
-            <a:pPr/>
-            <a:fld id="{86CB4B4D-7CA3-9044-876B-883B54F8677D}" type="slidenum"/>
+            <a:fld id="{86CB4B4D-7CA3-9044-876B-883B54F8677D}" type="slidenum">
+              <a:t>‹Nr.›</a:t>
+            </a:fld>
+            <a:endParaRPr/>
           </a:p>
         </p:txBody>
       </p:sp>
@@ -774,12 +809,12 @@
   <p:clrMapOvr>
     <a:masterClrMapping/>
   </p:clrMapOvr>
-  <p:transition xmlns:p14="http://schemas.microsoft.com/office/powerpoint/2010/main" spd="med" advClick="1"/>
+  <p:transition spd="med"/>
 </p:sldLayout>
 </file>
 
 <file path=ppt/slideLayouts/slideLayout11.xml><?xml version="1.0" encoding="utf-8"?>
-<p:sldLayout xmlns:a="http://schemas.openxmlformats.org/drawingml/2006/main" xmlns:r="http://schemas.openxmlformats.org/officeDocument/2006/relationships" xmlns:p="http://schemas.openxmlformats.org/presentationml/2006/main" type="tx" showMasterSp="1" showMasterPhAnim="1">
+<p:sldLayout xmlns:a="http://schemas.openxmlformats.org/drawingml/2006/main" xmlns:r="http://schemas.openxmlformats.org/officeDocument/2006/relationships" xmlns:p="http://schemas.openxmlformats.org/presentationml/2006/main" type="tx">
   <p:cSld name="Titel und vertikaler Text">
     <p:spTree>
       <p:nvGrpSpPr>
@@ -798,7 +833,9 @@
       <p:sp>
         <p:nvSpPr>
           <p:cNvPr id="101" name="Shape 101"/>
-          <p:cNvSpPr/>
+          <p:cNvSpPr>
+            <a:spLocks noGrp="1"/>
+          </p:cNvSpPr>
           <p:nvPr>
             <p:ph type="title"/>
           </p:nvPr>
@@ -812,7 +849,6 @@
           <a:bodyPr/>
           <a:lstStyle/>
           <a:p>
-            <a:pPr/>
             <a:r>
               <a:t>Titeltext</a:t>
             </a:r>
@@ -822,7 +858,9 @@
       <p:sp>
         <p:nvSpPr>
           <p:cNvPr id="102" name="Shape 102"/>
-          <p:cNvSpPr/>
+          <p:cNvSpPr>
+            <a:spLocks noGrp="1"/>
+          </p:cNvSpPr>
           <p:nvPr>
             <p:ph type="body" idx="1"/>
           </p:nvPr>
@@ -836,7 +874,6 @@
           <a:bodyPr/>
           <a:lstStyle/>
           <a:p>
-            <a:pPr/>
             <a:r>
               <a:t>Textebene 1</a:t>
             </a:r>
@@ -870,7 +907,9 @@
       <p:sp>
         <p:nvSpPr>
           <p:cNvPr id="103" name="Shape 103"/>
-          <p:cNvSpPr/>
+          <p:cNvSpPr>
+            <a:spLocks noGrp="1"/>
+          </p:cNvSpPr>
           <p:nvPr>
             <p:ph type="sldNum" sz="quarter" idx="2"/>
           </p:nvPr>
@@ -884,8 +923,10 @@
           <a:bodyPr/>
           <a:lstStyle/>
           <a:p>
-            <a:pPr/>
-            <a:fld id="{86CB4B4D-7CA3-9044-876B-883B54F8677D}" type="slidenum"/>
+            <a:fld id="{86CB4B4D-7CA3-9044-876B-883B54F8677D}" type="slidenum">
+              <a:t>‹Nr.›</a:t>
+            </a:fld>
+            <a:endParaRPr/>
           </a:p>
         </p:txBody>
       </p:sp>
@@ -894,12 +935,12 @@
   <p:clrMapOvr>
     <a:masterClrMapping/>
   </p:clrMapOvr>
-  <p:transition xmlns:p14="http://schemas.microsoft.com/office/powerpoint/2010/main" spd="med" advClick="1"/>
+  <p:transition spd="med"/>
 </p:sldLayout>
 </file>
 
 <file path=ppt/slideLayouts/slideLayout12.xml><?xml version="1.0" encoding="utf-8"?>
-<p:sldLayout xmlns:a="http://schemas.openxmlformats.org/drawingml/2006/main" xmlns:r="http://schemas.openxmlformats.org/officeDocument/2006/relationships" xmlns:p="http://schemas.openxmlformats.org/presentationml/2006/main" type="tx" showMasterSp="1" showMasterPhAnim="1">
+<p:sldLayout xmlns:a="http://schemas.openxmlformats.org/drawingml/2006/main" xmlns:r="http://schemas.openxmlformats.org/officeDocument/2006/relationships" xmlns:p="http://schemas.openxmlformats.org/presentationml/2006/main" type="tx">
   <p:cSld name="Vertikaler Titel und Text">
     <p:spTree>
       <p:nvGrpSpPr>
@@ -918,7 +959,9 @@
       <p:sp>
         <p:nvSpPr>
           <p:cNvPr id="110" name="Shape 110"/>
-          <p:cNvSpPr/>
+          <p:cNvSpPr>
+            <a:spLocks noGrp="1"/>
+          </p:cNvSpPr>
           <p:nvPr>
             <p:ph type="title"/>
           </p:nvPr>
@@ -936,7 +979,6 @@
           <a:bodyPr/>
           <a:lstStyle/>
           <a:p>
-            <a:pPr/>
             <a:r>
               <a:t>Mastertitelformat bearbeiten</a:t>
             </a:r>
@@ -946,7 +988,9 @@
       <p:sp>
         <p:nvSpPr>
           <p:cNvPr id="111" name="Shape 111"/>
-          <p:cNvSpPr/>
+          <p:cNvSpPr>
+            <a:spLocks noGrp="1"/>
+          </p:cNvSpPr>
           <p:nvPr>
             <p:ph type="body" idx="1"/>
           </p:nvPr>
@@ -964,7 +1008,6 @@
           <a:bodyPr/>
           <a:lstStyle/>
           <a:p>
-            <a:pPr/>
             <a:r>
               <a:t>Mastertextformat bearbeiten</a:t>
             </a:r>
@@ -998,7 +1041,9 @@
       <p:sp>
         <p:nvSpPr>
           <p:cNvPr id="112" name="Shape 112"/>
-          <p:cNvSpPr/>
+          <p:cNvSpPr>
+            <a:spLocks noGrp="1"/>
+          </p:cNvSpPr>
           <p:nvPr>
             <p:ph type="sldNum" sz="quarter" idx="2"/>
           </p:nvPr>
@@ -1012,8 +1057,10 @@
           <a:bodyPr/>
           <a:lstStyle/>
           <a:p>
-            <a:pPr/>
-            <a:fld id="{86CB4B4D-7CA3-9044-876B-883B54F8677D}" type="slidenum"/>
+            <a:fld id="{86CB4B4D-7CA3-9044-876B-883B54F8677D}" type="slidenum">
+              <a:t>‹Nr.›</a:t>
+            </a:fld>
+            <a:endParaRPr/>
           </a:p>
         </p:txBody>
       </p:sp>
@@ -1022,12 +1069,12 @@
   <p:clrMapOvr>
     <a:masterClrMapping/>
   </p:clrMapOvr>
-  <p:transition xmlns:p14="http://schemas.microsoft.com/office/powerpoint/2010/main" spd="med" advClick="1"/>
+  <p:transition spd="med"/>
 </p:sldLayout>
 </file>
 
 <file path=ppt/slideLayouts/slideLayout2.xml><?xml version="1.0" encoding="utf-8"?>
-<p:sldLayout xmlns:a="http://schemas.openxmlformats.org/drawingml/2006/main" xmlns:r="http://schemas.openxmlformats.org/officeDocument/2006/relationships" xmlns:p="http://schemas.openxmlformats.org/presentationml/2006/main" type="tx" showMasterSp="1" showMasterPhAnim="1">
+<p:sldLayout xmlns:a="http://schemas.openxmlformats.org/drawingml/2006/main" xmlns:r="http://schemas.openxmlformats.org/officeDocument/2006/relationships" xmlns:p="http://schemas.openxmlformats.org/presentationml/2006/main" type="tx">
   <p:cSld name="Titel und Inhalt">
     <p:spTree>
       <p:nvGrpSpPr>
@@ -1046,7 +1093,9 @@
       <p:sp>
         <p:nvSpPr>
           <p:cNvPr id="20" name="Shape 20"/>
-          <p:cNvSpPr/>
+          <p:cNvSpPr>
+            <a:spLocks noGrp="1"/>
+          </p:cNvSpPr>
           <p:nvPr>
             <p:ph type="title"/>
           </p:nvPr>
@@ -1060,7 +1109,6 @@
           <a:bodyPr/>
           <a:lstStyle/>
           <a:p>
-            <a:pPr/>
             <a:r>
               <a:t>Titeltext</a:t>
             </a:r>
@@ -1070,7 +1118,9 @@
       <p:sp>
         <p:nvSpPr>
           <p:cNvPr id="21" name="Shape 21"/>
-          <p:cNvSpPr/>
+          <p:cNvSpPr>
+            <a:spLocks noGrp="1"/>
+          </p:cNvSpPr>
           <p:nvPr>
             <p:ph type="body" idx="1"/>
           </p:nvPr>
@@ -1084,7 +1134,6 @@
           <a:bodyPr/>
           <a:lstStyle/>
           <a:p>
-            <a:pPr/>
             <a:r>
               <a:t>Textebene 1</a:t>
             </a:r>
@@ -1118,7 +1167,9 @@
       <p:sp>
         <p:nvSpPr>
           <p:cNvPr id="22" name="Shape 22"/>
-          <p:cNvSpPr/>
+          <p:cNvSpPr>
+            <a:spLocks noGrp="1"/>
+          </p:cNvSpPr>
           <p:nvPr>
             <p:ph type="sldNum" sz="quarter" idx="2"/>
           </p:nvPr>
@@ -1132,8 +1183,10 @@
           <a:bodyPr/>
           <a:lstStyle/>
           <a:p>
-            <a:pPr/>
-            <a:fld id="{86CB4B4D-7CA3-9044-876B-883B54F8677D}" type="slidenum"/>
+            <a:fld id="{86CB4B4D-7CA3-9044-876B-883B54F8677D}" type="slidenum">
+              <a:t>‹Nr.›</a:t>
+            </a:fld>
+            <a:endParaRPr/>
           </a:p>
         </p:txBody>
       </p:sp>
@@ -1142,18 +1195,19 @@
   <p:clrMapOvr>
     <a:masterClrMapping/>
   </p:clrMapOvr>
-  <p:transition xmlns:p14="http://schemas.microsoft.com/office/powerpoint/2010/main" spd="med" advClick="1"/>
+  <p:transition spd="med"/>
 </p:sldLayout>
 </file>
 
 <file path=ppt/slideLayouts/slideLayout3.xml><?xml version="1.0" encoding="utf-8"?>
-<p:sldLayout xmlns:a="http://schemas.openxmlformats.org/drawingml/2006/main" xmlns:r="http://schemas.openxmlformats.org/officeDocument/2006/relationships" xmlns:p="http://schemas.openxmlformats.org/presentationml/2006/main" type="tx" showMasterSp="1" showMasterPhAnim="1">
+<p:sldLayout xmlns:a="http://schemas.openxmlformats.org/drawingml/2006/main" xmlns:r="http://schemas.openxmlformats.org/officeDocument/2006/relationships" xmlns:p="http://schemas.openxmlformats.org/presentationml/2006/main" type="tx">
   <p:cSld name="Titel und Inhalt 0">
     <p:bg>
       <p:bgPr>
         <a:solidFill>
           <a:srgbClr val="E3FDDB"/>
         </a:solidFill>
+        <a:effectLst/>
       </p:bgPr>
     </p:bg>
     <p:spTree>
@@ -1173,7 +1227,9 @@
       <p:sp>
         <p:nvSpPr>
           <p:cNvPr id="29" name="Shape 29"/>
-          <p:cNvSpPr/>
+          <p:cNvSpPr>
+            <a:spLocks noGrp="1"/>
+          </p:cNvSpPr>
           <p:nvPr>
             <p:ph type="title"/>
           </p:nvPr>
@@ -1187,7 +1243,6 @@
           <a:bodyPr/>
           <a:lstStyle/>
           <a:p>
-            <a:pPr/>
             <a:r>
               <a:t>Mastertitelformat bearbeiten</a:t>
             </a:r>
@@ -1197,7 +1252,9 @@
       <p:sp>
         <p:nvSpPr>
           <p:cNvPr id="30" name="Shape 30"/>
-          <p:cNvSpPr/>
+          <p:cNvSpPr>
+            <a:spLocks noGrp="1"/>
+          </p:cNvSpPr>
           <p:nvPr>
             <p:ph type="body" idx="1"/>
           </p:nvPr>
@@ -1211,7 +1268,6 @@
           <a:bodyPr/>
           <a:lstStyle/>
           <a:p>
-            <a:pPr/>
             <a:r>
               <a:t>Mastertextformat bearbeiten</a:t>
             </a:r>
@@ -1245,7 +1301,9 @@
       <p:sp>
         <p:nvSpPr>
           <p:cNvPr id="31" name="Shape 31"/>
-          <p:cNvSpPr/>
+          <p:cNvSpPr>
+            <a:spLocks noGrp="1"/>
+          </p:cNvSpPr>
           <p:nvPr>
             <p:ph type="sldNum" sz="quarter" idx="2"/>
           </p:nvPr>
@@ -1259,8 +1317,10 @@
           <a:bodyPr/>
           <a:lstStyle/>
           <a:p>
-            <a:pPr/>
-            <a:fld id="{86CB4B4D-7CA3-9044-876B-883B54F8677D}" type="slidenum"/>
+            <a:fld id="{86CB4B4D-7CA3-9044-876B-883B54F8677D}" type="slidenum">
+              <a:t>‹Nr.›</a:t>
+            </a:fld>
+            <a:endParaRPr/>
           </a:p>
         </p:txBody>
       </p:sp>
@@ -1269,12 +1329,12 @@
   <p:clrMapOvr>
     <a:masterClrMapping/>
   </p:clrMapOvr>
-  <p:transition xmlns:p14="http://schemas.microsoft.com/office/powerpoint/2010/main" spd="med" advClick="1"/>
+  <p:transition spd="med"/>
 </p:sldLayout>
 </file>
 
 <file path=ppt/slideLayouts/slideLayout4.xml><?xml version="1.0" encoding="utf-8"?>
-<p:sldLayout xmlns:a="http://schemas.openxmlformats.org/drawingml/2006/main" xmlns:r="http://schemas.openxmlformats.org/officeDocument/2006/relationships" xmlns:p="http://schemas.openxmlformats.org/presentationml/2006/main" type="tx" showMasterSp="1" showMasterPhAnim="1">
+<p:sldLayout xmlns:a="http://schemas.openxmlformats.org/drawingml/2006/main" xmlns:r="http://schemas.openxmlformats.org/officeDocument/2006/relationships" xmlns:p="http://schemas.openxmlformats.org/presentationml/2006/main" type="tx">
   <p:cSld name="Abschnitts-&#10;überschrift">
     <p:spTree>
       <p:nvGrpSpPr>
@@ -1293,7 +1353,9 @@
       <p:sp>
         <p:nvSpPr>
           <p:cNvPr id="38" name="Shape 38"/>
-          <p:cNvSpPr/>
+          <p:cNvSpPr>
+            <a:spLocks noGrp="1"/>
+          </p:cNvSpPr>
           <p:nvPr>
             <p:ph type="title"/>
           </p:nvPr>
@@ -1315,7 +1377,6 @@
             </a:lvl1pPr>
           </a:lstStyle>
           <a:p>
-            <a:pPr/>
             <a:r>
               <a:t>Titeltext</a:t>
             </a:r>
@@ -1325,7 +1386,9 @@
       <p:sp>
         <p:nvSpPr>
           <p:cNvPr id="39" name="Shape 39"/>
-          <p:cNvSpPr/>
+          <p:cNvSpPr>
+            <a:spLocks noGrp="1"/>
+          </p:cNvSpPr>
           <p:nvPr>
             <p:ph type="body" sz="quarter" idx="1"/>
           </p:nvPr>
@@ -1394,7 +1457,6 @@
             </a:lvl5pPr>
           </a:lstStyle>
           <a:p>
-            <a:pPr/>
             <a:r>
               <a:t>Textebene 1</a:t>
             </a:r>
@@ -1428,7 +1490,9 @@
       <p:sp>
         <p:nvSpPr>
           <p:cNvPr id="40" name="Shape 40"/>
-          <p:cNvSpPr/>
+          <p:cNvSpPr>
+            <a:spLocks noGrp="1"/>
+          </p:cNvSpPr>
           <p:nvPr>
             <p:ph type="sldNum" sz="quarter" idx="2"/>
           </p:nvPr>
@@ -1442,8 +1506,10 @@
           <a:bodyPr/>
           <a:lstStyle/>
           <a:p>
-            <a:pPr/>
-            <a:fld id="{86CB4B4D-7CA3-9044-876B-883B54F8677D}" type="slidenum"/>
+            <a:fld id="{86CB4B4D-7CA3-9044-876B-883B54F8677D}" type="slidenum">
+              <a:t>‹Nr.›</a:t>
+            </a:fld>
+            <a:endParaRPr/>
           </a:p>
         </p:txBody>
       </p:sp>
@@ -1452,12 +1518,12 @@
   <p:clrMapOvr>
     <a:masterClrMapping/>
   </p:clrMapOvr>
-  <p:transition xmlns:p14="http://schemas.microsoft.com/office/powerpoint/2010/main" spd="med" advClick="1"/>
+  <p:transition spd="med"/>
 </p:sldLayout>
 </file>
 
 <file path=ppt/slideLayouts/slideLayout5.xml><?xml version="1.0" encoding="utf-8"?>
-<p:sldLayout xmlns:a="http://schemas.openxmlformats.org/drawingml/2006/main" xmlns:r="http://schemas.openxmlformats.org/officeDocument/2006/relationships" xmlns:p="http://schemas.openxmlformats.org/presentationml/2006/main" type="tx" showMasterSp="1" showMasterPhAnim="1">
+<p:sldLayout xmlns:a="http://schemas.openxmlformats.org/drawingml/2006/main" xmlns:r="http://schemas.openxmlformats.org/officeDocument/2006/relationships" xmlns:p="http://schemas.openxmlformats.org/presentationml/2006/main" type="tx">
   <p:cSld name="Zwei Inhalte">
     <p:spTree>
       <p:nvGrpSpPr>
@@ -1476,7 +1542,9 @@
       <p:sp>
         <p:nvSpPr>
           <p:cNvPr id="47" name="Shape 47"/>
-          <p:cNvSpPr/>
+          <p:cNvSpPr>
+            <a:spLocks noGrp="1"/>
+          </p:cNvSpPr>
           <p:nvPr>
             <p:ph type="title"/>
           </p:nvPr>
@@ -1490,7 +1558,6 @@
           <a:bodyPr/>
           <a:lstStyle/>
           <a:p>
-            <a:pPr/>
             <a:r>
               <a:t>Mastertitelformat bearbeiten</a:t>
             </a:r>
@@ -1500,7 +1567,9 @@
       <p:sp>
         <p:nvSpPr>
           <p:cNvPr id="48" name="Shape 48"/>
-          <p:cNvSpPr/>
+          <p:cNvSpPr>
+            <a:spLocks noGrp="1"/>
+          </p:cNvSpPr>
           <p:nvPr>
             <p:ph type="body" sz="half" idx="1"/>
           </p:nvPr>
@@ -1518,7 +1587,6 @@
           <a:bodyPr/>
           <a:lstStyle/>
           <a:p>
-            <a:pPr/>
             <a:r>
               <a:t>Mastertextformat bearbeiten</a:t>
             </a:r>
@@ -1552,7 +1620,9 @@
       <p:sp>
         <p:nvSpPr>
           <p:cNvPr id="49" name="Shape 49"/>
-          <p:cNvSpPr/>
+          <p:cNvSpPr>
+            <a:spLocks noGrp="1"/>
+          </p:cNvSpPr>
           <p:nvPr>
             <p:ph type="sldNum" sz="quarter" idx="2"/>
           </p:nvPr>
@@ -1566,8 +1636,10 @@
           <a:bodyPr/>
           <a:lstStyle/>
           <a:p>
-            <a:pPr/>
-            <a:fld id="{86CB4B4D-7CA3-9044-876B-883B54F8677D}" type="slidenum"/>
+            <a:fld id="{86CB4B4D-7CA3-9044-876B-883B54F8677D}" type="slidenum">
+              <a:t>‹Nr.›</a:t>
+            </a:fld>
+            <a:endParaRPr/>
           </a:p>
         </p:txBody>
       </p:sp>
@@ -1576,12 +1648,12 @@
   <p:clrMapOvr>
     <a:masterClrMapping/>
   </p:clrMapOvr>
-  <p:transition xmlns:p14="http://schemas.microsoft.com/office/powerpoint/2010/main" spd="med" advClick="1"/>
+  <p:transition spd="med"/>
 </p:sldLayout>
 </file>
 
 <file path=ppt/slideLayouts/slideLayout6.xml><?xml version="1.0" encoding="utf-8"?>
-<p:sldLayout xmlns:a="http://schemas.openxmlformats.org/drawingml/2006/main" xmlns:r="http://schemas.openxmlformats.org/officeDocument/2006/relationships" xmlns:p="http://schemas.openxmlformats.org/presentationml/2006/main" type="tx" showMasterSp="1" showMasterPhAnim="1">
+<p:sldLayout xmlns:a="http://schemas.openxmlformats.org/drawingml/2006/main" xmlns:r="http://schemas.openxmlformats.org/officeDocument/2006/relationships" xmlns:p="http://schemas.openxmlformats.org/presentationml/2006/main" type="tx">
   <p:cSld name="Vergleich">
     <p:spTree>
       <p:nvGrpSpPr>
@@ -1600,7 +1672,9 @@
       <p:sp>
         <p:nvSpPr>
           <p:cNvPr id="56" name="Shape 56"/>
-          <p:cNvSpPr/>
+          <p:cNvSpPr>
+            <a:spLocks noGrp="1"/>
+          </p:cNvSpPr>
           <p:nvPr>
             <p:ph type="title"/>
           </p:nvPr>
@@ -1618,7 +1692,6 @@
           <a:bodyPr/>
           <a:lstStyle/>
           <a:p>
-            <a:pPr/>
             <a:r>
               <a:t>Mastertitelformat bearbeiten</a:t>
             </a:r>
@@ -1628,7 +1701,9 @@
       <p:sp>
         <p:nvSpPr>
           <p:cNvPr id="57" name="Shape 57"/>
-          <p:cNvSpPr/>
+          <p:cNvSpPr>
+            <a:spLocks noGrp="1"/>
+          </p:cNvSpPr>
           <p:nvPr>
             <p:ph type="body" sz="quarter" idx="1"/>
           </p:nvPr>
@@ -1649,11 +1724,10 @@
               <a:buSzTx/>
               <a:buFontTx/>
               <a:buNone/>
-              <a:defRPr b="1" sz="2400"/>
+              <a:defRPr sz="2400" b="1"/>
             </a:lvl1pPr>
           </a:lstStyle>
           <a:p>
-            <a:pPr/>
             <a:r>
               <a:t>Mastertextformat bearbeiten</a:t>
             </a:r>
@@ -1663,7 +1737,9 @@
       <p:sp>
         <p:nvSpPr>
           <p:cNvPr id="58" name="Shape 58"/>
-          <p:cNvSpPr/>
+          <p:cNvSpPr>
+            <a:spLocks noGrp="1"/>
+          </p:cNvSpPr>
           <p:nvPr>
             <p:ph type="body" sz="quarter" idx="13"/>
           </p:nvPr>
@@ -1681,14 +1757,16 @@
           <a:bodyPr anchor="b"/>
           <a:lstStyle/>
           <a:p>
-            <a:pPr/>
+            <a:endParaRPr/>
           </a:p>
         </p:txBody>
       </p:sp>
       <p:sp>
         <p:nvSpPr>
           <p:cNvPr id="59" name="Shape 59"/>
-          <p:cNvSpPr/>
+          <p:cNvSpPr>
+            <a:spLocks noGrp="1"/>
+          </p:cNvSpPr>
           <p:nvPr>
             <p:ph type="sldNum" sz="quarter" idx="2"/>
           </p:nvPr>
@@ -1702,8 +1780,10 @@
           <a:bodyPr/>
           <a:lstStyle/>
           <a:p>
-            <a:pPr/>
-            <a:fld id="{86CB4B4D-7CA3-9044-876B-883B54F8677D}" type="slidenum"/>
+            <a:fld id="{86CB4B4D-7CA3-9044-876B-883B54F8677D}" type="slidenum">
+              <a:t>‹Nr.›</a:t>
+            </a:fld>
+            <a:endParaRPr/>
           </a:p>
         </p:txBody>
       </p:sp>
@@ -1712,12 +1792,12 @@
   <p:clrMapOvr>
     <a:masterClrMapping/>
   </p:clrMapOvr>
-  <p:transition xmlns:p14="http://schemas.microsoft.com/office/powerpoint/2010/main" spd="med" advClick="1"/>
+  <p:transition spd="med"/>
 </p:sldLayout>
 </file>
 
 <file path=ppt/slideLayouts/slideLayout7.xml><?xml version="1.0" encoding="utf-8"?>
-<p:sldLayout xmlns:a="http://schemas.openxmlformats.org/drawingml/2006/main" xmlns:r="http://schemas.openxmlformats.org/officeDocument/2006/relationships" xmlns:p="http://schemas.openxmlformats.org/presentationml/2006/main" type="tx" showMasterSp="1" showMasterPhAnim="1">
+<p:sldLayout xmlns:a="http://schemas.openxmlformats.org/drawingml/2006/main" xmlns:r="http://schemas.openxmlformats.org/officeDocument/2006/relationships" xmlns:p="http://schemas.openxmlformats.org/presentationml/2006/main" type="tx">
   <p:cSld name="Nur Titel">
     <p:spTree>
       <p:nvGrpSpPr>
@@ -1736,7 +1816,9 @@
       <p:sp>
         <p:nvSpPr>
           <p:cNvPr id="66" name="Shape 66"/>
-          <p:cNvSpPr/>
+          <p:cNvSpPr>
+            <a:spLocks noGrp="1"/>
+          </p:cNvSpPr>
           <p:nvPr>
             <p:ph type="title"/>
           </p:nvPr>
@@ -1750,7 +1832,6 @@
           <a:bodyPr/>
           <a:lstStyle/>
           <a:p>
-            <a:pPr/>
             <a:r>
               <a:t>Titeltext</a:t>
             </a:r>
@@ -1760,7 +1841,9 @@
       <p:sp>
         <p:nvSpPr>
           <p:cNvPr id="67" name="Shape 67"/>
-          <p:cNvSpPr/>
+          <p:cNvSpPr>
+            <a:spLocks noGrp="1"/>
+          </p:cNvSpPr>
           <p:nvPr>
             <p:ph type="sldNum" sz="quarter" idx="2"/>
           </p:nvPr>
@@ -1774,8 +1857,10 @@
           <a:bodyPr/>
           <a:lstStyle/>
           <a:p>
-            <a:pPr/>
-            <a:fld id="{86CB4B4D-7CA3-9044-876B-883B54F8677D}" type="slidenum"/>
+            <a:fld id="{86CB4B4D-7CA3-9044-876B-883B54F8677D}" type="slidenum">
+              <a:t>‹Nr.›</a:t>
+            </a:fld>
+            <a:endParaRPr/>
           </a:p>
         </p:txBody>
       </p:sp>
@@ -1784,12 +1869,12 @@
   <p:clrMapOvr>
     <a:masterClrMapping/>
   </p:clrMapOvr>
-  <p:transition xmlns:p14="http://schemas.microsoft.com/office/powerpoint/2010/main" spd="med" advClick="1"/>
+  <p:transition spd="med"/>
 </p:sldLayout>
 </file>
 
 <file path=ppt/slideLayouts/slideLayout8.xml><?xml version="1.0" encoding="utf-8"?>
-<p:sldLayout xmlns:a="http://schemas.openxmlformats.org/drawingml/2006/main" xmlns:r="http://schemas.openxmlformats.org/officeDocument/2006/relationships" xmlns:p="http://schemas.openxmlformats.org/presentationml/2006/main" type="tx" showMasterSp="1" showMasterPhAnim="1">
+<p:sldLayout xmlns:a="http://schemas.openxmlformats.org/drawingml/2006/main" xmlns:r="http://schemas.openxmlformats.org/officeDocument/2006/relationships" xmlns:p="http://schemas.openxmlformats.org/presentationml/2006/main" type="tx">
   <p:cSld name="Leer">
     <p:spTree>
       <p:nvGrpSpPr>
@@ -1808,7 +1893,9 @@
       <p:sp>
         <p:nvSpPr>
           <p:cNvPr id="74" name="Shape 74"/>
-          <p:cNvSpPr/>
+          <p:cNvSpPr>
+            <a:spLocks noGrp="1"/>
+          </p:cNvSpPr>
           <p:nvPr>
             <p:ph type="sldNum" sz="quarter" idx="2"/>
           </p:nvPr>
@@ -1822,8 +1909,10 @@
           <a:bodyPr/>
           <a:lstStyle/>
           <a:p>
-            <a:pPr/>
-            <a:fld id="{86CB4B4D-7CA3-9044-876B-883B54F8677D}" type="slidenum"/>
+            <a:fld id="{86CB4B4D-7CA3-9044-876B-883B54F8677D}" type="slidenum">
+              <a:t>‹Nr.›</a:t>
+            </a:fld>
+            <a:endParaRPr/>
           </a:p>
         </p:txBody>
       </p:sp>
@@ -1832,12 +1921,12 @@
   <p:clrMapOvr>
     <a:masterClrMapping/>
   </p:clrMapOvr>
-  <p:transition xmlns:p14="http://schemas.microsoft.com/office/powerpoint/2010/main" spd="med" advClick="1"/>
+  <p:transition spd="med"/>
 </p:sldLayout>
 </file>
 
 <file path=ppt/slideLayouts/slideLayout9.xml><?xml version="1.0" encoding="utf-8"?>
-<p:sldLayout xmlns:a="http://schemas.openxmlformats.org/drawingml/2006/main" xmlns:r="http://schemas.openxmlformats.org/officeDocument/2006/relationships" xmlns:p="http://schemas.openxmlformats.org/presentationml/2006/main" type="tx" showMasterSp="1" showMasterPhAnim="1">
+<p:sldLayout xmlns:a="http://schemas.openxmlformats.org/drawingml/2006/main" xmlns:r="http://schemas.openxmlformats.org/officeDocument/2006/relationships" xmlns:p="http://schemas.openxmlformats.org/presentationml/2006/main" type="tx">
   <p:cSld name="Inhalt mit Überschrift">
     <p:spTree>
       <p:nvGrpSpPr>
@@ -1856,7 +1945,9 @@
       <p:sp>
         <p:nvSpPr>
           <p:cNvPr id="81" name="Shape 81"/>
-          <p:cNvSpPr/>
+          <p:cNvSpPr>
+            <a:spLocks noGrp="1"/>
+          </p:cNvSpPr>
           <p:nvPr>
             <p:ph type="title"/>
           </p:nvPr>
@@ -1878,7 +1969,6 @@
             </a:lvl1pPr>
           </a:lstStyle>
           <a:p>
-            <a:pPr/>
             <a:r>
               <a:t>Titeltext</a:t>
             </a:r>
@@ -1888,7 +1978,9 @@
       <p:sp>
         <p:nvSpPr>
           <p:cNvPr id="82" name="Shape 82"/>
-          <p:cNvSpPr/>
+          <p:cNvSpPr>
+            <a:spLocks noGrp="1"/>
+          </p:cNvSpPr>
           <p:nvPr>
             <p:ph type="body" sz="half" idx="1"/>
           </p:nvPr>
@@ -1922,7 +2014,6 @@
             </a:lvl5pPr>
           </a:lstStyle>
           <a:p>
-            <a:pPr/>
             <a:r>
               <a:t>Textebene 1</a:t>
             </a:r>
@@ -1956,7 +2047,9 @@
       <p:sp>
         <p:nvSpPr>
           <p:cNvPr id="83" name="Shape 83"/>
-          <p:cNvSpPr/>
+          <p:cNvSpPr>
+            <a:spLocks noGrp="1"/>
+          </p:cNvSpPr>
           <p:nvPr>
             <p:ph type="body" sz="quarter" idx="13"/>
           </p:nvPr>
@@ -1974,14 +2067,16 @@
           <a:bodyPr/>
           <a:lstStyle/>
           <a:p>
-            <a:pPr/>
+            <a:endParaRPr/>
           </a:p>
         </p:txBody>
       </p:sp>
       <p:sp>
         <p:nvSpPr>
           <p:cNvPr id="84" name="Shape 84"/>
-          <p:cNvSpPr/>
+          <p:cNvSpPr>
+            <a:spLocks noGrp="1"/>
+          </p:cNvSpPr>
           <p:nvPr>
             <p:ph type="sldNum" sz="quarter" idx="2"/>
           </p:nvPr>
@@ -1995,8 +2090,10 @@
           <a:bodyPr/>
           <a:lstStyle/>
           <a:p>
-            <a:pPr/>
-            <a:fld id="{86CB4B4D-7CA3-9044-876B-883B54F8677D}" type="slidenum"/>
+            <a:fld id="{86CB4B4D-7CA3-9044-876B-883B54F8677D}" type="slidenum">
+              <a:t>‹Nr.›</a:t>
+            </a:fld>
+            <a:endParaRPr/>
           </a:p>
         </p:txBody>
       </p:sp>
@@ -2005,7 +2102,7 @@
   <p:clrMapOvr>
     <a:masterClrMapping/>
   </p:clrMapOvr>
-  <p:transition xmlns:p14="http://schemas.microsoft.com/office/powerpoint/2010/main" spd="med" advClick="1"/>
+  <p:transition spd="med"/>
 </p:sldLayout>
 </file>
 
@@ -2017,6 +2114,7 @@
         <a:solidFill>
           <a:srgbClr val="FFFFFF"/>
         </a:solidFill>
+        <a:effectLst/>
       </p:bgPr>
     </p:bg>
     <p:spTree>
@@ -2036,7 +2134,9 @@
       <p:sp>
         <p:nvSpPr>
           <p:cNvPr id="2" name="Shape 2"/>
-          <p:cNvSpPr/>
+          <p:cNvSpPr>
+            <a:spLocks noGrp="1"/>
+          </p:cNvSpPr>
           <p:nvPr>
             <p:ph type="title"/>
           </p:nvPr>
@@ -2054,17 +2154,16 @@
           </a:ln>
           <a:extLst>
             <a:ext uri="{C572A759-6A51-4108-AA02-DFA0A04FC94B}">
-              <ma14:wrappingTextBoxFlag xmlns:ma14="http://schemas.microsoft.com/office/mac/drawingml/2011/main" val="1"/>
+              <ma14:wrappingTextBoxFlag xmlns:ma14="http://schemas.microsoft.com/office/mac/drawingml/2011/main" xmlns="" val="1"/>
             </a:ext>
           </a:extLst>
         </p:spPr>
         <p:txBody>
           <a:bodyPr lIns="45718" tIns="45718" rIns="45718" bIns="45718" anchor="ctr">
-            <a:normAutofit fontScale="100000" lnSpcReduction="0"/>
+            <a:normAutofit/>
           </a:bodyPr>
           <a:lstStyle/>
           <a:p>
-            <a:pPr/>
             <a:r>
               <a:t>Titeltext</a:t>
             </a:r>
@@ -2074,7 +2173,9 @@
       <p:sp>
         <p:nvSpPr>
           <p:cNvPr id="3" name="Shape 3"/>
-          <p:cNvSpPr/>
+          <p:cNvSpPr>
+            <a:spLocks noGrp="1"/>
+          </p:cNvSpPr>
           <p:nvPr>
             <p:ph type="body" idx="1"/>
           </p:nvPr>
@@ -2092,17 +2193,16 @@
           </a:ln>
           <a:extLst>
             <a:ext uri="{C572A759-6A51-4108-AA02-DFA0A04FC94B}">
-              <ma14:wrappingTextBoxFlag xmlns:ma14="http://schemas.microsoft.com/office/mac/drawingml/2011/main" val="1"/>
+              <ma14:wrappingTextBoxFlag xmlns:ma14="http://schemas.microsoft.com/office/mac/drawingml/2011/main" xmlns="" val="1"/>
             </a:ext>
           </a:extLst>
         </p:spPr>
         <p:txBody>
           <a:bodyPr lIns="45718" tIns="45718" rIns="45718" bIns="45718">
-            <a:normAutofit fontScale="100000" lnSpcReduction="0"/>
+            <a:normAutofit/>
           </a:bodyPr>
           <a:lstStyle/>
           <a:p>
-            <a:pPr/>
             <a:r>
               <a:t>Textebene 1</a:t>
             </a:r>
@@ -2136,7 +2236,9 @@
       <p:sp>
         <p:nvSpPr>
           <p:cNvPr id="4" name="Shape 4"/>
-          <p:cNvSpPr/>
+          <p:cNvSpPr>
+            <a:spLocks noGrp="1"/>
+          </p:cNvSpPr>
           <p:nvPr>
             <p:ph type="sldNum" sz="quarter" idx="2"/>
           </p:nvPr>
@@ -2167,8 +2269,10 @@
             </a:lvl1pPr>
           </a:lstStyle>
           <a:p>
-            <a:pPr/>
-            <a:fld id="{86CB4B4D-7CA3-9044-876B-883B54F8677D}" type="slidenum"/>
+            <a:fld id="{86CB4B4D-7CA3-9044-876B-883B54F8677D}" type="slidenum">
+              <a:t>‹Nr.›</a:t>
+            </a:fld>
+            <a:endParaRPr/>
           </a:p>
         </p:txBody>
       </p:sp>
@@ -2176,20 +2280,20 @@
   </p:cSld>
   <p:clrMap bg1="lt1" tx1="dk1" bg2="lt2" tx2="dk2" accent1="accent1" accent2="accent2" accent3="accent3" accent4="accent4" accent5="accent5" accent6="accent6" hlink="hlink" folHlink="folHlink"/>
   <p:sldLayoutIdLst>
-    <p:sldLayoutId id="2147483649" r:id="rId2"/>
-    <p:sldLayoutId id="2147483650" r:id="rId3"/>
-    <p:sldLayoutId id="2147483651" r:id="rId4"/>
-    <p:sldLayoutId id="2147483652" r:id="rId5"/>
-    <p:sldLayoutId id="2147483653" r:id="rId6"/>
-    <p:sldLayoutId id="2147483654" r:id="rId7"/>
-    <p:sldLayoutId id="2147483655" r:id="rId8"/>
-    <p:sldLayoutId id="2147483656" r:id="rId9"/>
-    <p:sldLayoutId id="2147483657" r:id="rId10"/>
-    <p:sldLayoutId id="2147483658" r:id="rId11"/>
-    <p:sldLayoutId id="2147483659" r:id="rId12"/>
-    <p:sldLayoutId id="2147483660" r:id="rId13"/>
+    <p:sldLayoutId id="2147483649" r:id="rId1"/>
+    <p:sldLayoutId id="2147483650" r:id="rId2"/>
+    <p:sldLayoutId id="2147483651" r:id="rId3"/>
+    <p:sldLayoutId id="2147483652" r:id="rId4"/>
+    <p:sldLayoutId id="2147483653" r:id="rId5"/>
+    <p:sldLayoutId id="2147483654" r:id="rId6"/>
+    <p:sldLayoutId id="2147483655" r:id="rId7"/>
+    <p:sldLayoutId id="2147483656" r:id="rId8"/>
+    <p:sldLayoutId id="2147483657" r:id="rId9"/>
+    <p:sldLayoutId id="2147483658" r:id="rId10"/>
+    <p:sldLayoutId id="2147483659" r:id="rId11"/>
+    <p:sldLayoutId id="2147483660" r:id="rId12"/>
   </p:sldLayoutIdLst>
-  <p:transition xmlns:p14="http://schemas.microsoft.com/office/powerpoint/2010/main" spd="med" advClick="1"/>
+  <p:transition spd="med"/>
   <p:txStyles>
     <p:titleStyle>
       <a:lvl1pPr marL="0" marR="0" indent="0" algn="l" defTabSz="914400" rtl="0" latinLnBrk="0">
@@ -2207,7 +2311,7 @@
         <a:buFontTx/>
         <a:buNone/>
         <a:tabLst/>
-        <a:defRPr b="0" baseline="0" cap="none" i="0" spc="0" strike="noStrike" sz="4400" u="none">
+        <a:defRPr sz="4400" b="0" i="0" u="none" strike="noStrike" cap="none" spc="0" baseline="0">
           <a:ln>
             <a:noFill/>
           </a:ln>
@@ -2236,7 +2340,7 @@
         <a:buFontTx/>
         <a:buNone/>
         <a:tabLst/>
-        <a:defRPr b="0" baseline="0" cap="none" i="0" spc="0" strike="noStrike" sz="4400" u="none">
+        <a:defRPr sz="4400" b="0" i="0" u="none" strike="noStrike" cap="none" spc="0" baseline="0">
           <a:ln>
             <a:noFill/>
           </a:ln>
@@ -2265,7 +2369,7 @@
         <a:buFontTx/>
         <a:buNone/>
         <a:tabLst/>
-        <a:defRPr b="0" baseline="0" cap="none" i="0" spc="0" strike="noStrike" sz="4400" u="none">
+        <a:defRPr sz="4400" b="0" i="0" u="none" strike="noStrike" cap="none" spc="0" baseline="0">
           <a:ln>
             <a:noFill/>
           </a:ln>
@@ -2294,7 +2398,7 @@
         <a:buFontTx/>
         <a:buNone/>
         <a:tabLst/>
-        <a:defRPr b="0" baseline="0" cap="none" i="0" spc="0" strike="noStrike" sz="4400" u="none">
+        <a:defRPr sz="4400" b="0" i="0" u="none" strike="noStrike" cap="none" spc="0" baseline="0">
           <a:ln>
             <a:noFill/>
           </a:ln>
@@ -2323,7 +2427,7 @@
         <a:buFontTx/>
         <a:buNone/>
         <a:tabLst/>
-        <a:defRPr b="0" baseline="0" cap="none" i="0" spc="0" strike="noStrike" sz="4400" u="none">
+        <a:defRPr sz="4400" b="0" i="0" u="none" strike="noStrike" cap="none" spc="0" baseline="0">
           <a:ln>
             <a:noFill/>
           </a:ln>
@@ -2352,7 +2456,7 @@
         <a:buFontTx/>
         <a:buNone/>
         <a:tabLst/>
-        <a:defRPr b="0" baseline="0" cap="none" i="0" spc="0" strike="noStrike" sz="4400" u="none">
+        <a:defRPr sz="4400" b="0" i="0" u="none" strike="noStrike" cap="none" spc="0" baseline="0">
           <a:ln>
             <a:noFill/>
           </a:ln>
@@ -2381,7 +2485,7 @@
         <a:buFontTx/>
         <a:buNone/>
         <a:tabLst/>
-        <a:defRPr b="0" baseline="0" cap="none" i="0" spc="0" strike="noStrike" sz="4400" u="none">
+        <a:defRPr sz="4400" b="0" i="0" u="none" strike="noStrike" cap="none" spc="0" baseline="0">
           <a:ln>
             <a:noFill/>
           </a:ln>
@@ -2410,7 +2514,7 @@
         <a:buFontTx/>
         <a:buNone/>
         <a:tabLst/>
-        <a:defRPr b="0" baseline="0" cap="none" i="0" spc="0" strike="noStrike" sz="4400" u="none">
+        <a:defRPr sz="4400" b="0" i="0" u="none" strike="noStrike" cap="none" spc="0" baseline="0">
           <a:ln>
             <a:noFill/>
           </a:ln>
@@ -2439,7 +2543,7 @@
         <a:buFontTx/>
         <a:buNone/>
         <a:tabLst/>
-        <a:defRPr b="0" baseline="0" cap="none" i="0" spc="0" strike="noStrike" sz="4400" u="none">
+        <a:defRPr sz="4400" b="0" i="0" u="none" strike="noStrike" cap="none" spc="0" baseline="0">
           <a:ln>
             <a:noFill/>
           </a:ln>
@@ -2470,7 +2574,7 @@
         <a:buFont typeface="Arial"/>
         <a:buChar char="•"/>
         <a:tabLst/>
-        <a:defRPr b="0" baseline="0" cap="none" i="0" spc="0" strike="noStrike" sz="2800" u="none">
+        <a:defRPr sz="2800" b="0" i="0" u="none" strike="noStrike" cap="none" spc="0" baseline="0">
           <a:ln>
             <a:noFill/>
           </a:ln>
@@ -2499,7 +2603,7 @@
         <a:buFont typeface="Arial"/>
         <a:buChar char="•"/>
         <a:tabLst/>
-        <a:defRPr b="0" baseline="0" cap="none" i="0" spc="0" strike="noStrike" sz="2800" u="none">
+        <a:defRPr sz="2800" b="0" i="0" u="none" strike="noStrike" cap="none" spc="0" baseline="0">
           <a:ln>
             <a:noFill/>
           </a:ln>
@@ -2528,7 +2632,7 @@
         <a:buFont typeface="Arial"/>
         <a:buChar char="•"/>
         <a:tabLst/>
-        <a:defRPr b="0" baseline="0" cap="none" i="0" spc="0" strike="noStrike" sz="2800" u="none">
+        <a:defRPr sz="2800" b="0" i="0" u="none" strike="noStrike" cap="none" spc="0" baseline="0">
           <a:ln>
             <a:noFill/>
           </a:ln>
@@ -2557,7 +2661,7 @@
         <a:buFont typeface="Arial"/>
         <a:buChar char="•"/>
         <a:tabLst/>
-        <a:defRPr b="0" baseline="0" cap="none" i="0" spc="0" strike="noStrike" sz="2800" u="none">
+        <a:defRPr sz="2800" b="0" i="0" u="none" strike="noStrike" cap="none" spc="0" baseline="0">
           <a:ln>
             <a:noFill/>
           </a:ln>
@@ -2586,7 +2690,7 @@
         <a:buFont typeface="Arial"/>
         <a:buChar char="•"/>
         <a:tabLst/>
-        <a:defRPr b="0" baseline="0" cap="none" i="0" spc="0" strike="noStrike" sz="2800" u="none">
+        <a:defRPr sz="2800" b="0" i="0" u="none" strike="noStrike" cap="none" spc="0" baseline="0">
           <a:ln>
             <a:noFill/>
           </a:ln>
@@ -2615,7 +2719,7 @@
         <a:buFont typeface="Arial"/>
         <a:buChar char="•"/>
         <a:tabLst/>
-        <a:defRPr b="0" baseline="0" cap="none" i="0" spc="0" strike="noStrike" sz="2800" u="none">
+        <a:defRPr sz="2800" b="0" i="0" u="none" strike="noStrike" cap="none" spc="0" baseline="0">
           <a:ln>
             <a:noFill/>
           </a:ln>
@@ -2644,7 +2748,7 @@
         <a:buFont typeface="Arial"/>
         <a:buChar char="•"/>
         <a:tabLst/>
-        <a:defRPr b="0" baseline="0" cap="none" i="0" spc="0" strike="noStrike" sz="2800" u="none">
+        <a:defRPr sz="2800" b="0" i="0" u="none" strike="noStrike" cap="none" spc="0" baseline="0">
           <a:ln>
             <a:noFill/>
           </a:ln>
@@ -2673,7 +2777,7 @@
         <a:buFont typeface="Arial"/>
         <a:buChar char="•"/>
         <a:tabLst/>
-        <a:defRPr b="0" baseline="0" cap="none" i="0" spc="0" strike="noStrike" sz="2800" u="none">
+        <a:defRPr sz="2800" b="0" i="0" u="none" strike="noStrike" cap="none" spc="0" baseline="0">
           <a:ln>
             <a:noFill/>
           </a:ln>
@@ -2702,7 +2806,7 @@
         <a:buFont typeface="Arial"/>
         <a:buChar char="•"/>
         <a:tabLst/>
-        <a:defRPr b="0" baseline="0" cap="none" i="0" spc="0" strike="noStrike" sz="2800" u="none">
+        <a:defRPr sz="2800" b="0" i="0" u="none" strike="noStrike" cap="none" spc="0" baseline="0">
           <a:ln>
             <a:noFill/>
           </a:ln>
@@ -2733,7 +2837,7 @@
         <a:buFontTx/>
         <a:buNone/>
         <a:tabLst/>
-        <a:defRPr b="0" baseline="0" cap="none" i="0" spc="0" strike="noStrike" sz="1200" u="none">
+        <a:defRPr sz="1200" b="0" i="0" u="none" strike="noStrike" cap="none" spc="0" baseline="0">
           <a:ln>
             <a:noFill/>
           </a:ln>
@@ -2762,7 +2866,7 @@
         <a:buFontTx/>
         <a:buNone/>
         <a:tabLst/>
-        <a:defRPr b="0" baseline="0" cap="none" i="0" spc="0" strike="noStrike" sz="1200" u="none">
+        <a:defRPr sz="1200" b="0" i="0" u="none" strike="noStrike" cap="none" spc="0" baseline="0">
           <a:ln>
             <a:noFill/>
           </a:ln>
@@ -2791,7 +2895,7 @@
         <a:buFontTx/>
         <a:buNone/>
         <a:tabLst/>
-        <a:defRPr b="0" baseline="0" cap="none" i="0" spc="0" strike="noStrike" sz="1200" u="none">
+        <a:defRPr sz="1200" b="0" i="0" u="none" strike="noStrike" cap="none" spc="0" baseline="0">
           <a:ln>
             <a:noFill/>
           </a:ln>
@@ -2820,7 +2924,7 @@
         <a:buFontTx/>
         <a:buNone/>
         <a:tabLst/>
-        <a:defRPr b="0" baseline="0" cap="none" i="0" spc="0" strike="noStrike" sz="1200" u="none">
+        <a:defRPr sz="1200" b="0" i="0" u="none" strike="noStrike" cap="none" spc="0" baseline="0">
           <a:ln>
             <a:noFill/>
           </a:ln>
@@ -2849,7 +2953,7 @@
         <a:buFontTx/>
         <a:buNone/>
         <a:tabLst/>
-        <a:defRPr b="0" baseline="0" cap="none" i="0" spc="0" strike="noStrike" sz="1200" u="none">
+        <a:defRPr sz="1200" b="0" i="0" u="none" strike="noStrike" cap="none" spc="0" baseline="0">
           <a:ln>
             <a:noFill/>
           </a:ln>
@@ -2878,7 +2982,7 @@
         <a:buFontTx/>
         <a:buNone/>
         <a:tabLst/>
-        <a:defRPr b="0" baseline="0" cap="none" i="0" spc="0" strike="noStrike" sz="1200" u="none">
+        <a:defRPr sz="1200" b="0" i="0" u="none" strike="noStrike" cap="none" spc="0" baseline="0">
           <a:ln>
             <a:noFill/>
           </a:ln>
@@ -2907,7 +3011,7 @@
         <a:buFontTx/>
         <a:buNone/>
         <a:tabLst/>
-        <a:defRPr b="0" baseline="0" cap="none" i="0" spc="0" strike="noStrike" sz="1200" u="none">
+        <a:defRPr sz="1200" b="0" i="0" u="none" strike="noStrike" cap="none" spc="0" baseline="0">
           <a:ln>
             <a:noFill/>
           </a:ln>
@@ -2936,7 +3040,7 @@
         <a:buFontTx/>
         <a:buNone/>
         <a:tabLst/>
-        <a:defRPr b="0" baseline="0" cap="none" i="0" spc="0" strike="noStrike" sz="1200" u="none">
+        <a:defRPr sz="1200" b="0" i="0" u="none" strike="noStrike" cap="none" spc="0" baseline="0">
           <a:ln>
             <a:noFill/>
           </a:ln>
@@ -2965,7 +3069,7 @@
         <a:buFontTx/>
         <a:buNone/>
         <a:tabLst/>
-        <a:defRPr b="0" baseline="0" cap="none" i="0" spc="0" strike="noStrike" sz="1200" u="none">
+        <a:defRPr sz="1200" b="0" i="0" u="none" strike="noStrike" cap="none" spc="0" baseline="0">
           <a:ln>
             <a:noFill/>
           </a:ln>
@@ -2985,13 +3089,14 @@
 </file>
 
 <file path=ppt/slides/slide1.xml><?xml version="1.0" encoding="utf-8"?>
-<p:sld xmlns:a="http://schemas.openxmlformats.org/drawingml/2006/main" xmlns:r="http://schemas.openxmlformats.org/officeDocument/2006/relationships" xmlns:p="http://schemas.openxmlformats.org/presentationml/2006/main" showMasterSp="1" showMasterPhAnim="1">
+<p:sld xmlns:a="http://schemas.openxmlformats.org/drawingml/2006/main" xmlns:r="http://schemas.openxmlformats.org/officeDocument/2006/relationships" xmlns:p="http://schemas.openxmlformats.org/presentationml/2006/main">
   <p:cSld>
     <p:bg>
       <p:bgPr>
         <a:solidFill>
           <a:srgbClr val="E3FDDB"/>
         </a:solidFill>
+        <a:effectLst/>
       </p:bgPr>
     </p:bg>
     <p:spTree>
@@ -3017,7 +3122,7 @@
         <p:spPr>
           <a:xfrm>
             <a:off x="611423" y="473694"/>
-            <a:ext cx="6348578" cy="5311488"/>
+            <a:ext cx="6348578" cy="5601529"/>
           </a:xfrm>
           <a:prstGeom prst="rect">
             <a:avLst/>
@@ -3027,7 +3132,7 @@
           </a:ln>
           <a:extLst>
             <a:ext uri="{C572A759-6A51-4108-AA02-DFA0A04FC94B}">
-              <ma14:wrappingTextBoxFlag xmlns:ma14="http://schemas.microsoft.com/office/mac/drawingml/2011/main" val="1"/>
+              <ma14:wrappingTextBoxFlag xmlns:ma14="http://schemas.microsoft.com/office/mac/drawingml/2011/main" xmlns="" val="1"/>
             </a:ext>
           </a:extLst>
         </p:spPr>
@@ -3044,7 +3149,7 @@
               <a:spcBef>
                 <a:spcPts val="600"/>
               </a:spcBef>
-              <a:defRPr b="1" sz="3500" u="sng">
+              <a:defRPr sz="3500" b="1" u="sng">
                 <a:latin typeface="Arial"/>
                 <a:ea typeface="Arial"/>
                 <a:cs typeface="Arial"/>
@@ -3052,10 +3157,12 @@
               </a:defRPr>
             </a:pPr>
             <a:r>
-              <a:t>Meilensteinpräsentation </a:t>
-            </a:r>
-            <a:r>
-              <a:t>V</a:t>
+              <a:rPr dirty="0" err="1"/>
+              <a:t>Meilensteinpräsentation</a:t>
+            </a:r>
+            <a:r>
+              <a:rPr dirty="0"/>
+              <a:t> V</a:t>
             </a:r>
           </a:p>
           <a:p>
@@ -3073,6 +3180,7 @@
                 <a:sym typeface="Arial"/>
               </a:defRPr>
             </a:pPr>
+            <a:endParaRPr dirty="0"/>
           </a:p>
           <a:p>
             <a:pPr>
@@ -3090,7 +3198,12 @@
               </a:defRPr>
             </a:pPr>
             <a:r>
-              <a:t>Programmierprojekt 2020 </a:t>
+              <a:rPr dirty="0" err="1"/>
+              <a:t>Programmierprojekt</a:t>
+            </a:r>
+            <a:r>
+              <a:rPr dirty="0"/>
+              <a:t> 2020 </a:t>
             </a:r>
           </a:p>
           <a:p>
@@ -3109,10 +3222,15 @@
               </a:defRPr>
             </a:pPr>
             <a:r>
-              <a:t>Implementierung von </a:t>
-            </a:r>
-            <a:r>
-              <a:rPr b="1"/>
+              <a:rPr dirty="0" err="1"/>
+              <a:t>Implementierung</a:t>
+            </a:r>
+            <a:r>
+              <a:rPr dirty="0"/>
+              <a:t> von </a:t>
+            </a:r>
+            <a:r>
+              <a:rPr b="1" dirty="0"/>
               <a:t>Skip-Bo ©</a:t>
             </a:r>
           </a:p>
@@ -3124,13 +3242,14 @@
               <a:spcBef>
                 <a:spcPts val="600"/>
               </a:spcBef>
-              <a:defRPr b="1" sz="3000">
+              <a:defRPr sz="3000" b="1">
                 <a:latin typeface="Arial"/>
                 <a:ea typeface="Arial"/>
                 <a:cs typeface="Arial"/>
                 <a:sym typeface="Arial"/>
               </a:defRPr>
             </a:pPr>
+            <a:endParaRPr b="1" dirty="0"/>
           </a:p>
           <a:p>
             <a:pPr>
@@ -3140,7 +3259,7 @@
               <a:spcBef>
                 <a:spcPts val="600"/>
               </a:spcBef>
-              <a:defRPr b="1" sz="3000" u="sng">
+              <a:defRPr sz="3000" b="1" u="sng">
                 <a:latin typeface="Arial"/>
                 <a:ea typeface="Arial"/>
                 <a:cs typeface="Arial"/>
@@ -3148,8 +3267,18 @@
               </a:defRPr>
             </a:pPr>
             <a:r>
+              <a:rPr dirty="0"/>
               <a:t>Gruppe:</a:t>
             </a:r>
+            <a:r>
+              <a:rPr lang="de-CH" dirty="0"/>
+              <a:t>  </a:t>
+            </a:r>
+            <a:r>
+              <a:rPr lang="de-CH" sz="3200" dirty="0"/>
+              <a:t>Skip-Bros</a:t>
+            </a:r>
+            <a:endParaRPr dirty="0"/>
           </a:p>
           <a:p>
             <a:pPr>
@@ -3159,13 +3288,14 @@
               <a:spcBef>
                 <a:spcPts val="600"/>
               </a:spcBef>
-              <a:defRPr b="1" sz="1000" u="sng">
+              <a:defRPr sz="1000" b="1" u="sng">
                 <a:latin typeface="Arial"/>
                 <a:ea typeface="Arial"/>
                 <a:cs typeface="Arial"/>
                 <a:sym typeface="Arial"/>
               </a:defRPr>
             </a:pPr>
+            <a:endParaRPr dirty="0"/>
           </a:p>
           <a:p>
             <a:pPr>
@@ -3183,6 +3313,7 @@
               </a:defRPr>
             </a:pPr>
             <a:r>
+              <a:rPr dirty="0"/>
               <a:t> 	</a:t>
             </a:r>
           </a:p>
@@ -3202,8 +3333,14 @@
               </a:defRPr>
             </a:pPr>
             <a:r>
-              <a:t>	Manuela Wildi</a:t>
-            </a:r>
+              <a:rPr dirty="0"/>
+              <a:t>	Manuela </a:t>
+            </a:r>
+            <a:r>
+              <a:rPr dirty="0" err="1"/>
+              <a:t>Wildi</a:t>
+            </a:r>
+            <a:endParaRPr dirty="0"/>
           </a:p>
           <a:p>
             <a:pPr>
@@ -3220,6 +3357,7 @@
                 <a:sym typeface="Arial"/>
               </a:defRPr>
             </a:pPr>
+            <a:endParaRPr dirty="0"/>
           </a:p>
           <a:p>
             <a:pPr>
@@ -3237,6 +3375,7 @@
               </a:defRPr>
             </a:pPr>
             <a:r>
+              <a:rPr dirty="0"/>
               <a:t> 	Rao Rohan Girish</a:t>
             </a:r>
           </a:p>
@@ -3255,6 +3394,7 @@
                 <a:sym typeface="Arial"/>
               </a:defRPr>
             </a:pPr>
+            <a:endParaRPr dirty="0"/>
           </a:p>
           <a:p>
             <a:pPr>
@@ -3272,6 +3412,7 @@
               </a:defRPr>
             </a:pPr>
             <a:r>
+              <a:rPr dirty="0"/>
               <a:t> 	Guillaume Joyet</a:t>
             </a:r>
           </a:p>
@@ -3290,6 +3431,7 @@
                 <a:sym typeface="Arial"/>
               </a:defRPr>
             </a:pPr>
+            <a:endParaRPr dirty="0"/>
           </a:p>
           <a:p>
             <a:pPr>
@@ -3307,6 +3449,7 @@
               </a:defRPr>
             </a:pPr>
             <a:r>
+              <a:rPr dirty="0"/>
               <a:t> 	Janni Batsilas</a:t>
             </a:r>
           </a:p>
@@ -3321,9 +3464,7 @@
           <p:nvPr/>
         </p:nvPicPr>
         <p:blipFill>
-          <a:blip r:embed="rId2">
-            <a:extLst/>
-          </a:blip>
+          <a:blip r:embed="rId2"/>
           <a:stretch>
             <a:fillRect/>
           </a:stretch>
@@ -3360,7 +3501,7 @@
           </a:ln>
           <a:extLst>
             <a:ext uri="{C572A759-6A51-4108-AA02-DFA0A04FC94B}">
-              <ma14:wrappingTextBoxFlag xmlns:ma14="http://schemas.microsoft.com/office/mac/drawingml/2011/main" val="1"/>
+              <ma14:wrappingTextBoxFlag xmlns:ma14="http://schemas.microsoft.com/office/mac/drawingml/2011/main" xmlns="" val="1"/>
             </a:ext>
           </a:extLst>
         </p:spPr>
@@ -3370,7 +3511,6 @@
           </a:bodyPr>
           <a:lstStyle/>
           <a:p>
-            <a:pPr/>
             <a:r>
               <a:t>Quelle:  mercadolibre.com</a:t>
             </a:r>
@@ -3386,9 +3526,7 @@
           <p:nvPr/>
         </p:nvPicPr>
         <p:blipFill>
-          <a:blip r:embed="rId3">
-            <a:extLst/>
-          </a:blip>
+          <a:blip r:embed="rId3"/>
           <a:stretch>
             <a:fillRect/>
           </a:stretch>
@@ -3415,16 +3553,14 @@
           <p:nvPr/>
         </p:nvPicPr>
         <p:blipFill>
-          <a:blip r:embed="rId4">
-            <a:extLst/>
-          </a:blip>
+          <a:blip r:embed="rId4"/>
           <a:stretch>
             <a:fillRect/>
           </a:stretch>
         </p:blipFill>
         <p:spPr>
           <a:xfrm>
-            <a:off x="804000" y="4079849"/>
+            <a:off x="611423" y="4067417"/>
             <a:ext cx="731506" cy="731510"/>
           </a:xfrm>
           <a:prstGeom prst="rect">
@@ -3444,16 +3580,14 @@
           <p:nvPr/>
         </p:nvPicPr>
         <p:blipFill>
-          <a:blip r:embed="rId5">
-            <a:extLst/>
-          </a:blip>
+          <a:blip r:embed="rId5"/>
           <a:stretch>
             <a:fillRect/>
           </a:stretch>
         </p:blipFill>
         <p:spPr>
           <a:xfrm>
-            <a:off x="804000" y="3387576"/>
+            <a:off x="611423" y="3375144"/>
             <a:ext cx="731506" cy="731510"/>
           </a:xfrm>
           <a:prstGeom prst="rect">
@@ -3473,16 +3607,14 @@
           <p:nvPr/>
         </p:nvPicPr>
         <p:blipFill>
-          <a:blip r:embed="rId4">
-            <a:extLst/>
-          </a:blip>
+          <a:blip r:embed="rId4"/>
           <a:stretch>
             <a:fillRect/>
           </a:stretch>
         </p:blipFill>
         <p:spPr>
           <a:xfrm>
-            <a:off x="804000" y="4725510"/>
+            <a:off x="611423" y="4713078"/>
             <a:ext cx="731506" cy="731506"/>
           </a:xfrm>
           <a:prstGeom prst="rect">
@@ -3502,16 +3634,14 @@
           <p:nvPr/>
         </p:nvPicPr>
         <p:blipFill>
-          <a:blip r:embed="rId4">
-            <a:extLst/>
-          </a:blip>
+          <a:blip r:embed="rId4"/>
           <a:stretch>
             <a:fillRect/>
           </a:stretch>
         </p:blipFill>
         <p:spPr>
           <a:xfrm>
-            <a:off x="804000" y="5356145"/>
+            <a:off x="611423" y="5343713"/>
             <a:ext cx="731506" cy="731510"/>
           </a:xfrm>
           <a:prstGeom prst="rect">
@@ -3524,31 +3654,32 @@
       </p:pic>
       <p:pic>
         <p:nvPicPr>
-          <p:cNvPr id="129" name="image5.png"/>
+          <p:cNvPr id="2" name="Grafik 1">
+            <a:extLst>
+              <a:ext uri="{FF2B5EF4-FFF2-40B4-BE49-F238E27FC236}">
+                <a16:creationId xmlns:a16="http://schemas.microsoft.com/office/drawing/2014/main" id="{90B580BB-27D0-4262-B286-27D9CF438E9A}"/>
+              </a:ext>
+            </a:extLst>
+          </p:cNvPr>
           <p:cNvPicPr>
             <a:picLocks noChangeAspect="1"/>
           </p:cNvPicPr>
           <p:nvPr/>
         </p:nvPicPr>
         <p:blipFill>
-          <a:blip r:embed="rId6">
-            <a:extLst/>
-          </a:blip>
+          <a:blip r:embed="rId6"/>
           <a:stretch>
             <a:fillRect/>
           </a:stretch>
         </p:blipFill>
         <p:spPr>
           <a:xfrm>
-            <a:off x="2457655" y="2242654"/>
-            <a:ext cx="2686631" cy="1233797"/>
-          </a:xfrm>
-          <a:prstGeom prst="rect">
-            <a:avLst/>
-          </a:prstGeom>
-          <a:ln w="12700">
-            <a:miter lim="400000"/>
-          </a:ln>
+            <a:off x="4522012" y="2342666"/>
+            <a:ext cx="905122" cy="860505"/>
+          </a:xfrm>
+          <a:prstGeom prst="rect">
+            <a:avLst/>
+          </a:prstGeom>
         </p:spPr>
       </p:pic>
     </p:spTree>
@@ -3556,12 +3687,12 @@
   <p:clrMapOvr>
     <a:masterClrMapping/>
   </p:clrMapOvr>
-  <p:transition xmlns:p14="http://schemas.microsoft.com/office/powerpoint/2010/main" spd="med" advClick="1"/>
+  <p:transition spd="med"/>
 </p:sld>
 </file>
 
 <file path=ppt/slides/slide10.xml><?xml version="1.0" encoding="utf-8"?>
-<p:sld xmlns:a="http://schemas.openxmlformats.org/drawingml/2006/main" xmlns:r="http://schemas.openxmlformats.org/officeDocument/2006/relationships" xmlns:p="http://schemas.openxmlformats.org/presentationml/2006/main" showMasterSp="1" showMasterPhAnim="1">
+<p:sld xmlns:a="http://schemas.openxmlformats.org/drawingml/2006/main" xmlns:r="http://schemas.openxmlformats.org/officeDocument/2006/relationships" xmlns:p="http://schemas.openxmlformats.org/presentationml/2006/main">
   <p:cSld>
     <p:spTree>
       <p:nvGrpSpPr>
@@ -3596,7 +3727,7 @@
           </a:ln>
           <a:extLst>
             <a:ext uri="{C572A759-6A51-4108-AA02-DFA0A04FC94B}">
-              <ma14:wrappingTextBoxFlag xmlns:ma14="http://schemas.microsoft.com/office/mac/drawingml/2011/main" val="1"/>
+              <ma14:wrappingTextBoxFlag xmlns:ma14="http://schemas.microsoft.com/office/mac/drawingml/2011/main" xmlns="" val="1"/>
             </a:ext>
           </a:extLst>
         </p:spPr>
@@ -3614,13 +3745,7 @@
               </a:defRPr>
             </a:pPr>
             <a:r>
-              <a:t>Mlst.-Präsentation Nr. </a:t>
-            </a:r>
-            <a:r>
-              <a:t>V</a:t>
-            </a:r>
-            <a:r>
-              <a:t>  /  Gruppe 15</a:t>
+              <a:t>Mlst.-Präsentation Nr. V  /  Gruppe 15</a:t>
             </a:r>
           </a:p>
         </p:txBody>
@@ -3628,7 +3753,9 @@
       <p:sp>
         <p:nvSpPr>
           <p:cNvPr id="206" name="Shape 206"/>
-          <p:cNvSpPr/>
+          <p:cNvSpPr>
+            <a:spLocks noGrp="1"/>
+          </p:cNvSpPr>
           <p:nvPr>
             <p:ph type="title"/>
           </p:nvPr>
@@ -3646,7 +3773,7 @@
           <a:bodyPr/>
           <a:lstStyle>
             <a:lvl1pPr>
-              <a:defRPr b="1" sz="2000">
+              <a:defRPr sz="2000" b="1">
                 <a:latin typeface="Arial"/>
                 <a:ea typeface="Arial"/>
                 <a:cs typeface="Arial"/>
@@ -3655,7 +3782,6 @@
             </a:lvl1pPr>
           </a:lstStyle>
           <a:p>
-            <a:pPr/>
             <a:r>
               <a:t>	</a:t>
             </a:r>
@@ -3665,7 +3791,9 @@
       <p:sp>
         <p:nvSpPr>
           <p:cNvPr id="207" name="Shape 207"/>
-          <p:cNvSpPr/>
+          <p:cNvSpPr>
+            <a:spLocks noGrp="1"/>
+          </p:cNvSpPr>
           <p:nvPr>
             <p:ph type="sldNum" sz="quarter" idx="4294967295"/>
           </p:nvPr>
@@ -3680,7 +3808,7 @@
           </a:prstGeom>
           <a:extLst>
             <a:ext uri="{C572A759-6A51-4108-AA02-DFA0A04FC94B}">
-              <ma14:wrappingTextBoxFlag xmlns:ma14="http://schemas.microsoft.com/office/mac/drawingml/2011/main" val="1"/>
+              <ma14:wrappingTextBoxFlag xmlns:ma14="http://schemas.microsoft.com/office/mac/drawingml/2011/main" xmlns="" val="1"/>
             </a:ext>
           </a:extLst>
         </p:spPr>
@@ -3688,8 +3816,10 @@
           <a:bodyPr/>
           <a:lstStyle/>
           <a:p>
-            <a:pPr/>
-            <a:fld id="{86CB4B4D-7CA3-9044-876B-883B54F8677D}" type="slidenum"/>
+            <a:fld id="{86CB4B4D-7CA3-9044-876B-883B54F8677D}" type="slidenum">
+              <a:t>10</a:t>
+            </a:fld>
+            <a:endParaRPr/>
           </a:p>
         </p:txBody>
       </p:sp>
@@ -3702,7 +3832,7 @@
         <p:spPr>
           <a:xfrm>
             <a:off x="4535399" y="3136612"/>
-            <a:ext cx="7236002" cy="561337"/>
+            <a:ext cx="7236002" cy="1077214"/>
           </a:xfrm>
           <a:prstGeom prst="rect">
             <a:avLst/>
@@ -3712,7 +3842,7 @@
           </a:ln>
           <a:extLst>
             <a:ext uri="{C572A759-6A51-4108-AA02-DFA0A04FC94B}">
-              <ma14:wrappingTextBoxFlag xmlns:ma14="http://schemas.microsoft.com/office/mac/drawingml/2011/main" val="1"/>
+              <ma14:wrappingTextBoxFlag xmlns:ma14="http://schemas.microsoft.com/office/mac/drawingml/2011/main" xmlns="" val="1"/>
             </a:ext>
           </a:extLst>
         </p:spPr>
@@ -3722,14 +3852,44 @@
           </a:bodyPr>
           <a:lstStyle>
             <a:lvl1pPr>
-              <a:defRPr b="1" i="1" sz="3200"/>
+              <a:defRPr sz="3200" b="1" i="1"/>
             </a:lvl1pPr>
           </a:lstStyle>
           <a:p>
-            <a:pPr/>
-            <a:r>
-              <a:t>Vielen Dank für die Aufmerksamkeit!</a:t>
-            </a:r>
+            <a:pPr algn="ctr"/>
+            <a:r>
+              <a:rPr dirty="0" err="1"/>
+              <a:t>Vielen</a:t>
+            </a:r>
+            <a:r>
+              <a:rPr dirty="0"/>
+              <a:t> Dank </a:t>
+            </a:r>
+            <a:r>
+              <a:rPr dirty="0" err="1"/>
+              <a:t>für</a:t>
+            </a:r>
+            <a:r>
+              <a:rPr dirty="0"/>
+              <a:t> </a:t>
+            </a:r>
+            <a:r>
+              <a:rPr lang="de-CH" dirty="0"/>
+              <a:t>eure</a:t>
+            </a:r>
+            <a:r>
+              <a:rPr dirty="0"/>
+              <a:t> </a:t>
+            </a:r>
+            <a:r>
+              <a:rPr dirty="0" err="1"/>
+              <a:t>Aufmerksamkeit</a:t>
+            </a:r>
+            <a:r>
+              <a:rPr lang="de-CH" dirty="0"/>
+              <a:t> und viel Erfolg bei den Prüfungen !</a:t>
+            </a:r>
+            <a:endParaRPr dirty="0"/>
           </a:p>
         </p:txBody>
       </p:sp>
@@ -3742,9 +3902,7 @@
           <p:nvPr/>
         </p:nvPicPr>
         <p:blipFill>
-          <a:blip r:embed="rId2">
-            <a:extLst/>
-          </a:blip>
+          <a:blip r:embed="rId2"/>
           <a:stretch>
             <a:fillRect/>
           </a:stretch>
@@ -3781,7 +3939,7 @@
           </a:ln>
           <a:extLst>
             <a:ext uri="{C572A759-6A51-4108-AA02-DFA0A04FC94B}">
-              <ma14:wrappingTextBoxFlag xmlns:ma14="http://schemas.microsoft.com/office/mac/drawingml/2011/main" val="1"/>
+              <ma14:wrappingTextBoxFlag xmlns:ma14="http://schemas.microsoft.com/office/mac/drawingml/2011/main" xmlns="" val="1"/>
             </a:ext>
           </a:extLst>
         </p:spPr>
@@ -3795,7 +3953,6 @@
             </a:lvl1pPr>
           </a:lstStyle>
           <a:p>
-            <a:pPr/>
             <a:r>
               <a:t>Quelle:  mercadolibre.com</a:t>
             </a:r>
@@ -3807,12 +3964,12 @@
   <p:clrMapOvr>
     <a:masterClrMapping/>
   </p:clrMapOvr>
-  <p:transition xmlns:p14="http://schemas.microsoft.com/office/powerpoint/2010/main" spd="med" advClick="1" p14:dur="1000"/>
+  <p:transition spd="slow"/>
 </p:sld>
 </file>
 
 <file path=ppt/slides/slide2.xml><?xml version="1.0" encoding="utf-8"?>
-<p:sld xmlns:a="http://schemas.openxmlformats.org/drawingml/2006/main" xmlns:r="http://schemas.openxmlformats.org/officeDocument/2006/relationships" xmlns:p="http://schemas.openxmlformats.org/presentationml/2006/main" showMasterSp="1" showMasterPhAnim="1">
+<p:sld xmlns:a="http://schemas.openxmlformats.org/drawingml/2006/main" xmlns:r="http://schemas.openxmlformats.org/officeDocument/2006/relationships" xmlns:p="http://schemas.openxmlformats.org/presentationml/2006/main">
   <p:cSld>
     <p:spTree>
       <p:nvGrpSpPr>
@@ -3847,7 +4004,7 @@
           </a:ln>
           <a:extLst>
             <a:ext uri="{C572A759-6A51-4108-AA02-DFA0A04FC94B}">
-              <ma14:wrappingTextBoxFlag xmlns:ma14="http://schemas.microsoft.com/office/mac/drawingml/2011/main" val="1"/>
+              <ma14:wrappingTextBoxFlag xmlns:ma14="http://schemas.microsoft.com/office/mac/drawingml/2011/main" xmlns="" val="1"/>
             </a:ext>
           </a:extLst>
         </p:spPr>
@@ -3865,13 +4022,7 @@
               </a:defRPr>
             </a:pPr>
             <a:r>
-              <a:t>Mlst.-Präsentation Nr. </a:t>
-            </a:r>
-            <a:r>
-              <a:t>V</a:t>
-            </a:r>
-            <a:r>
-              <a:t>  /  Gruppe 15</a:t>
+              <a:t>Mlst.-Präsentation Nr. V  /  Gruppe 15</a:t>
             </a:r>
           </a:p>
         </p:txBody>
@@ -3879,7 +4030,9 @@
       <p:sp>
         <p:nvSpPr>
           <p:cNvPr id="132" name="Shape 132"/>
-          <p:cNvSpPr/>
+          <p:cNvSpPr>
+            <a:spLocks noGrp="1"/>
+          </p:cNvSpPr>
           <p:nvPr>
             <p:ph type="body" sz="half" idx="1"/>
           </p:nvPr>
@@ -3922,6 +4075,7 @@
                 <a:sym typeface="Arial"/>
               </a:defRPr>
             </a:pPr>
+            <a:endParaRPr/>
           </a:p>
           <a:p>
             <a:pPr marL="0" indent="0">
@@ -3935,10 +4089,7 @@
               </a:defRPr>
             </a:pPr>
             <a:r>
-              <a:t>Spiel</a:t>
-            </a:r>
-            <a:r>
-              <a:t>demonstration</a:t>
+              <a:t>Spieldemonstration</a:t>
             </a:r>
           </a:p>
           <a:p>
@@ -3952,6 +4103,7 @@
                 <a:sym typeface="Arial"/>
               </a:defRPr>
             </a:pPr>
+            <a:endParaRPr/>
           </a:p>
           <a:p>
             <a:pPr marL="0" indent="0">
@@ -3979,6 +4131,7 @@
                 <a:sym typeface="Arial"/>
               </a:defRPr>
             </a:pPr>
+            <a:endParaRPr/>
           </a:p>
           <a:p>
             <a:pPr marL="0" indent="0">
@@ -4000,7 +4153,9 @@
       <p:sp>
         <p:nvSpPr>
           <p:cNvPr id="133" name="Shape 133"/>
-          <p:cNvSpPr/>
+          <p:cNvSpPr>
+            <a:spLocks noGrp="1"/>
+          </p:cNvSpPr>
           <p:nvPr>
             <p:ph type="sldNum" sz="quarter" idx="4294967295"/>
           </p:nvPr>
@@ -4015,7 +4170,7 @@
           </a:prstGeom>
           <a:extLst>
             <a:ext uri="{C572A759-6A51-4108-AA02-DFA0A04FC94B}">
-              <ma14:wrappingTextBoxFlag xmlns:ma14="http://schemas.microsoft.com/office/mac/drawingml/2011/main" val="1"/>
+              <ma14:wrappingTextBoxFlag xmlns:ma14="http://schemas.microsoft.com/office/mac/drawingml/2011/main" xmlns="" val="1"/>
             </a:ext>
           </a:extLst>
         </p:spPr>
@@ -4023,8 +4178,10 @@
           <a:bodyPr/>
           <a:lstStyle/>
           <a:p>
-            <a:pPr/>
-            <a:fld id="{86CB4B4D-7CA3-9044-876B-883B54F8677D}" type="slidenum"/>
+            <a:fld id="{86CB4B4D-7CA3-9044-876B-883B54F8677D}" type="slidenum">
+              <a:t>2</a:t>
+            </a:fld>
+            <a:endParaRPr/>
           </a:p>
         </p:txBody>
       </p:sp>
@@ -4037,9 +4194,7 @@
           <p:nvPr/>
         </p:nvPicPr>
         <p:blipFill>
-          <a:blip r:embed="rId2">
-            <a:extLst/>
-          </a:blip>
+          <a:blip r:embed="rId2"/>
           <a:stretch>
             <a:fillRect/>
           </a:stretch>
@@ -4060,7 +4215,9 @@
       <p:sp>
         <p:nvSpPr>
           <p:cNvPr id="135" name="Shape 135"/>
-          <p:cNvSpPr/>
+          <p:cNvSpPr>
+            <a:spLocks noGrp="1"/>
+          </p:cNvSpPr>
           <p:nvPr>
             <p:ph type="title"/>
           </p:nvPr>
@@ -4078,7 +4235,7 @@
           <a:bodyPr/>
           <a:lstStyle>
             <a:lvl1pPr>
-              <a:defRPr b="1" sz="2000">
+              <a:defRPr sz="2000" b="1">
                 <a:latin typeface="Arial"/>
                 <a:ea typeface="Arial"/>
                 <a:cs typeface="Arial"/>
@@ -4087,7 +4244,6 @@
             </a:lvl1pPr>
           </a:lstStyle>
           <a:p>
-            <a:pPr/>
             <a:r>
               <a:t>	 Übersicht</a:t>
             </a:r>
@@ -4115,7 +4271,7 @@
             <a:miter/>
           </a:ln>
           <a:effectLst>
-            <a:outerShdw sx="100000" sy="100000" kx="0" ky="0" algn="b" rotWithShape="0" blurRad="50800" dist="38100" dir="2700000">
+            <a:outerShdw blurRad="50800" dist="38100" dir="2700000" rotWithShape="0">
               <a:srgbClr val="000000">
                 <a:alpha val="40000"/>
               </a:srgbClr>
@@ -4126,7 +4282,7 @@
           <a:bodyPr lIns="45718" tIns="45718" rIns="45718" bIns="45718"/>
           <a:lstStyle/>
           <a:p>
-            <a:pPr/>
+            <a:endParaRPr/>
           </a:p>
         </p:txBody>
       </p:sp>
@@ -4139,9 +4295,7 @@
           <p:nvPr/>
         </p:nvPicPr>
         <p:blipFill>
-          <a:blip r:embed="rId3">
-            <a:extLst/>
-          </a:blip>
+          <a:blip r:embed="rId3"/>
           <a:stretch>
             <a:fillRect/>
           </a:stretch>
@@ -4168,9 +4322,7 @@
           <p:nvPr/>
         </p:nvPicPr>
         <p:blipFill>
-          <a:blip r:embed="rId4">
-            <a:extLst/>
-          </a:blip>
+          <a:blip r:embed="rId4"/>
           <a:stretch>
             <a:fillRect/>
           </a:stretch>
@@ -4197,9 +4349,7 @@
           <p:nvPr/>
         </p:nvPicPr>
         <p:blipFill>
-          <a:blip r:embed="rId5">
-            <a:extLst/>
-          </a:blip>
+          <a:blip r:embed="rId5"/>
           <a:stretch>
             <a:fillRect/>
           </a:stretch>
@@ -4226,9 +4376,7 @@
           <p:nvPr/>
         </p:nvPicPr>
         <p:blipFill>
-          <a:blip r:embed="rId6">
-            <a:extLst/>
-          </a:blip>
+          <a:blip r:embed="rId6"/>
           <a:stretch>
             <a:fillRect/>
           </a:stretch>
@@ -4251,12 +4399,12 @@
   <p:clrMapOvr>
     <a:masterClrMapping/>
   </p:clrMapOvr>
-  <p:transition xmlns:p14="http://schemas.microsoft.com/office/powerpoint/2010/main" spd="med" advClick="1" p14:dur="1000"/>
+  <p:transition spd="slow"/>
 </p:sld>
 </file>
 
 <file path=ppt/slides/slide3.xml><?xml version="1.0" encoding="utf-8"?>
-<p:sld xmlns:a="http://schemas.openxmlformats.org/drawingml/2006/main" xmlns:r="http://schemas.openxmlformats.org/officeDocument/2006/relationships" xmlns:p="http://schemas.openxmlformats.org/presentationml/2006/main" showMasterSp="1" showMasterPhAnim="1">
+<p:sld xmlns:a="http://schemas.openxmlformats.org/drawingml/2006/main" xmlns:r="http://schemas.openxmlformats.org/officeDocument/2006/relationships" xmlns:p="http://schemas.openxmlformats.org/presentationml/2006/main">
   <p:cSld>
     <p:spTree>
       <p:nvGrpSpPr>
@@ -4291,7 +4439,7 @@
           </a:ln>
           <a:extLst>
             <a:ext uri="{C572A759-6A51-4108-AA02-DFA0A04FC94B}">
-              <ma14:wrappingTextBoxFlag xmlns:ma14="http://schemas.microsoft.com/office/mac/drawingml/2011/main" val="1"/>
+              <ma14:wrappingTextBoxFlag xmlns:ma14="http://schemas.microsoft.com/office/mac/drawingml/2011/main" xmlns="" val="1"/>
             </a:ext>
           </a:extLst>
         </p:spPr>
@@ -4309,13 +4457,7 @@
               </a:defRPr>
             </a:pPr>
             <a:r>
-              <a:t>Mlst.-Präsentation Nr. </a:t>
-            </a:r>
-            <a:r>
-              <a:t>V</a:t>
-            </a:r>
-            <a:r>
-              <a:t>  /  Gruppe 15</a:t>
+              <a:t>Mlst.-Präsentation Nr. V  /  Gruppe 15</a:t>
             </a:r>
           </a:p>
         </p:txBody>
@@ -4323,7 +4465,9 @@
       <p:sp>
         <p:nvSpPr>
           <p:cNvPr id="143" name="Shape 143"/>
-          <p:cNvSpPr/>
+          <p:cNvSpPr>
+            <a:spLocks noGrp="1"/>
+          </p:cNvSpPr>
           <p:nvPr>
             <p:ph type="body" sz="half" idx="1"/>
           </p:nvPr>
@@ -4344,7 +4488,7 @@
             <a:pPr marL="0" indent="0">
               <a:buSzTx/>
               <a:buNone/>
-              <a:defRPr b="1" sz="3000">
+              <a:defRPr sz="3000" b="1">
                 <a:latin typeface="Arial"/>
                 <a:ea typeface="Arial"/>
                 <a:cs typeface="Arial"/>
@@ -4366,6 +4510,7 @@
                 <a:sym typeface="Arial"/>
               </a:defRPr>
             </a:pPr>
+            <a:endParaRPr/>
           </a:p>
           <a:p>
             <a:pPr marL="0" indent="0">
@@ -4379,10 +4524,7 @@
               </a:defRPr>
             </a:pPr>
             <a:r>
-              <a:t>Spiel</a:t>
-            </a:r>
-            <a:r>
-              <a:t>demonstration</a:t>
+              <a:t>Spieldemonstration</a:t>
             </a:r>
           </a:p>
           <a:p>
@@ -4396,6 +4538,7 @@
                 <a:sym typeface="Arial"/>
               </a:defRPr>
             </a:pPr>
+            <a:endParaRPr/>
           </a:p>
           <a:p>
             <a:pPr marL="0" indent="0">
@@ -4423,6 +4566,7 @@
                 <a:sym typeface="Arial"/>
               </a:defRPr>
             </a:pPr>
+            <a:endParaRPr/>
           </a:p>
           <a:p>
             <a:pPr marL="0" indent="0">
@@ -4444,7 +4588,9 @@
       <p:sp>
         <p:nvSpPr>
           <p:cNvPr id="144" name="Shape 144"/>
-          <p:cNvSpPr/>
+          <p:cNvSpPr>
+            <a:spLocks noGrp="1"/>
+          </p:cNvSpPr>
           <p:nvPr>
             <p:ph type="sldNum" sz="quarter" idx="4294967295"/>
           </p:nvPr>
@@ -4459,7 +4605,7 @@
           </a:prstGeom>
           <a:extLst>
             <a:ext uri="{C572A759-6A51-4108-AA02-DFA0A04FC94B}">
-              <ma14:wrappingTextBoxFlag xmlns:ma14="http://schemas.microsoft.com/office/mac/drawingml/2011/main" val="1"/>
+              <ma14:wrappingTextBoxFlag xmlns:ma14="http://schemas.microsoft.com/office/mac/drawingml/2011/main" xmlns="" val="1"/>
             </a:ext>
           </a:extLst>
         </p:spPr>
@@ -4467,8 +4613,10 @@
           <a:bodyPr/>
           <a:lstStyle/>
           <a:p>
-            <a:pPr/>
-            <a:fld id="{86CB4B4D-7CA3-9044-876B-883B54F8677D}" type="slidenum"/>
+            <a:fld id="{86CB4B4D-7CA3-9044-876B-883B54F8677D}" type="slidenum">
+              <a:t>3</a:t>
+            </a:fld>
+            <a:endParaRPr/>
           </a:p>
         </p:txBody>
       </p:sp>
@@ -4481,9 +4629,7 @@
           <p:nvPr/>
         </p:nvPicPr>
         <p:blipFill>
-          <a:blip r:embed="rId2">
-            <a:extLst/>
-          </a:blip>
+          <a:blip r:embed="rId2"/>
           <a:stretch>
             <a:fillRect/>
           </a:stretch>
@@ -4504,7 +4650,9 @@
       <p:sp>
         <p:nvSpPr>
           <p:cNvPr id="146" name="Shape 146"/>
-          <p:cNvSpPr/>
+          <p:cNvSpPr>
+            <a:spLocks noGrp="1"/>
+          </p:cNvSpPr>
           <p:nvPr>
             <p:ph type="title"/>
           </p:nvPr>
@@ -4522,7 +4670,7 @@
           <a:bodyPr/>
           <a:lstStyle>
             <a:lvl1pPr>
-              <a:defRPr b="1" sz="2000">
+              <a:defRPr sz="2000" b="1">
                 <a:latin typeface="Arial"/>
                 <a:ea typeface="Arial"/>
                 <a:cs typeface="Arial"/>
@@ -4531,7 +4679,6 @@
             </a:lvl1pPr>
           </a:lstStyle>
           <a:p>
-            <a:pPr/>
             <a:r>
               <a:t>	 Übersicht</a:t>
             </a:r>
@@ -4559,7 +4706,7 @@
             <a:miter/>
           </a:ln>
           <a:effectLst>
-            <a:outerShdw sx="100000" sy="100000" kx="0" ky="0" algn="b" rotWithShape="0" blurRad="50800" dist="38100" dir="2700000">
+            <a:outerShdw blurRad="50800" dist="38100" dir="2700000" rotWithShape="0">
               <a:srgbClr val="000000">
                 <a:alpha val="40000"/>
               </a:srgbClr>
@@ -4570,7 +4717,7 @@
           <a:bodyPr lIns="45718" tIns="45718" rIns="45718" bIns="45718"/>
           <a:lstStyle/>
           <a:p>
-            <a:pPr/>
+            <a:endParaRPr/>
           </a:p>
         </p:txBody>
       </p:sp>
@@ -4583,9 +4730,7 @@
           <p:nvPr/>
         </p:nvPicPr>
         <p:blipFill>
-          <a:blip r:embed="rId3">
-            <a:extLst/>
-          </a:blip>
+          <a:blip r:embed="rId3"/>
           <a:stretch>
             <a:fillRect/>
           </a:stretch>
@@ -4612,9 +4757,7 @@
           <p:nvPr/>
         </p:nvPicPr>
         <p:blipFill>
-          <a:blip r:embed="rId4">
-            <a:extLst/>
-          </a:blip>
+          <a:blip r:embed="rId4"/>
           <a:stretch>
             <a:fillRect/>
           </a:stretch>
@@ -4641,9 +4784,7 @@
           <p:nvPr/>
         </p:nvPicPr>
         <p:blipFill>
-          <a:blip r:embed="rId5">
-            <a:extLst/>
-          </a:blip>
+          <a:blip r:embed="rId5"/>
           <a:stretch>
             <a:fillRect/>
           </a:stretch>
@@ -4670,9 +4811,7 @@
           <p:nvPr/>
         </p:nvPicPr>
         <p:blipFill>
-          <a:blip r:embed="rId6">
-            <a:extLst/>
-          </a:blip>
+          <a:blip r:embed="rId6"/>
           <a:stretch>
             <a:fillRect/>
           </a:stretch>
@@ -4695,12 +4834,12 @@
   <p:clrMapOvr>
     <a:masterClrMapping/>
   </p:clrMapOvr>
-  <p:transition xmlns:p14="http://schemas.microsoft.com/office/powerpoint/2010/main" spd="med" advClick="1" p14:dur="1000"/>
+  <p:transition spd="slow"/>
 </p:sld>
 </file>
 
 <file path=ppt/slides/slide4.xml><?xml version="1.0" encoding="utf-8"?>
-<p:sld xmlns:a="http://schemas.openxmlformats.org/drawingml/2006/main" xmlns:r="http://schemas.openxmlformats.org/officeDocument/2006/relationships" xmlns:p="http://schemas.openxmlformats.org/presentationml/2006/main" showMasterSp="1" showMasterPhAnim="1">
+<p:sld xmlns:a="http://schemas.openxmlformats.org/drawingml/2006/main" xmlns:r="http://schemas.openxmlformats.org/officeDocument/2006/relationships" xmlns:p="http://schemas.openxmlformats.org/presentationml/2006/main">
   <p:cSld>
     <p:spTree>
       <p:nvGrpSpPr>
@@ -4735,7 +4874,7 @@
           </a:ln>
           <a:extLst>
             <a:ext uri="{C572A759-6A51-4108-AA02-DFA0A04FC94B}">
-              <ma14:wrappingTextBoxFlag xmlns:ma14="http://schemas.microsoft.com/office/mac/drawingml/2011/main" val="1"/>
+              <ma14:wrappingTextBoxFlag xmlns:ma14="http://schemas.microsoft.com/office/mac/drawingml/2011/main" xmlns="" val="1"/>
             </a:ext>
           </a:extLst>
         </p:spPr>
@@ -4753,13 +4892,7 @@
               </a:defRPr>
             </a:pPr>
             <a:r>
-              <a:t>Mlst.-Präsentation Nr. </a:t>
-            </a:r>
-            <a:r>
-              <a:t>V</a:t>
-            </a:r>
-            <a:r>
-              <a:t> /  Gruppe 15</a:t>
+              <a:t>Mlst.-Präsentation Nr. V /  Gruppe 15</a:t>
             </a:r>
           </a:p>
         </p:txBody>
@@ -4767,7 +4900,9 @@
       <p:sp>
         <p:nvSpPr>
           <p:cNvPr id="154" name="Shape 154"/>
-          <p:cNvSpPr/>
+          <p:cNvSpPr>
+            <a:spLocks noGrp="1"/>
+          </p:cNvSpPr>
           <p:nvPr>
             <p:ph type="sldNum" sz="quarter" idx="4294967295"/>
           </p:nvPr>
@@ -4782,7 +4917,7 @@
           </a:prstGeom>
           <a:extLst>
             <a:ext uri="{C572A759-6A51-4108-AA02-DFA0A04FC94B}">
-              <ma14:wrappingTextBoxFlag xmlns:ma14="http://schemas.microsoft.com/office/mac/drawingml/2011/main" val="1"/>
+              <ma14:wrappingTextBoxFlag xmlns:ma14="http://schemas.microsoft.com/office/mac/drawingml/2011/main" xmlns="" val="1"/>
             </a:ext>
           </a:extLst>
         </p:spPr>
@@ -4790,15 +4925,19 @@
           <a:bodyPr/>
           <a:lstStyle/>
           <a:p>
-            <a:pPr/>
-            <a:fld id="{86CB4B4D-7CA3-9044-876B-883B54F8677D}" type="slidenum"/>
+            <a:fld id="{86CB4B4D-7CA3-9044-876B-883B54F8677D}" type="slidenum">
+              <a:t>4</a:t>
+            </a:fld>
+            <a:endParaRPr/>
           </a:p>
         </p:txBody>
       </p:sp>
       <p:sp>
         <p:nvSpPr>
           <p:cNvPr id="155" name="Shape 155"/>
-          <p:cNvSpPr/>
+          <p:cNvSpPr>
+            <a:spLocks noGrp="1"/>
+          </p:cNvSpPr>
           <p:nvPr>
             <p:ph type="title"/>
           </p:nvPr>
@@ -4817,7 +4956,7 @@
           <a:lstStyle/>
           <a:p>
             <a:pPr>
-              <a:defRPr b="1" sz="2000">
+              <a:defRPr sz="2000" b="1">
                 <a:latin typeface="Arial"/>
                 <a:ea typeface="Arial"/>
                 <a:cs typeface="Arial"/>
@@ -4825,10 +4964,7 @@
               </a:defRPr>
             </a:pPr>
             <a:r>
-              <a:t>	</a:t>
-            </a:r>
-            <a:r>
-              <a:t> Skip-Bro: Regeln, Ziel und Mechanik</a:t>
+              <a:t>	 Skip-Bro: Regeln, Ziel und Mechanik</a:t>
             </a:r>
           </a:p>
         </p:txBody>
@@ -4854,7 +4990,7 @@
             <a:miter/>
           </a:ln>
           <a:effectLst>
-            <a:outerShdw sx="100000" sy="100000" kx="0" ky="0" algn="b" rotWithShape="0" blurRad="50800" dist="38100" dir="2700000">
+            <a:outerShdw blurRad="50800" dist="38100" dir="2700000" rotWithShape="0">
               <a:srgbClr val="000000">
                 <a:alpha val="40000"/>
               </a:srgbClr>
@@ -4865,7 +5001,7 @@
           <a:bodyPr lIns="45718" tIns="45718" rIns="45718" bIns="45718"/>
           <a:lstStyle/>
           <a:p>
-            <a:pPr/>
+            <a:endParaRPr/>
           </a:p>
         </p:txBody>
       </p:sp>
@@ -4878,9 +5014,7 @@
           <p:nvPr/>
         </p:nvPicPr>
         <p:blipFill>
-          <a:blip r:embed="rId2">
-            <a:extLst/>
-          </a:blip>
+          <a:blip r:embed="rId2"/>
           <a:stretch>
             <a:fillRect/>
           </a:stretch>
@@ -4903,12 +5037,12 @@
   <p:clrMapOvr>
     <a:masterClrMapping/>
   </p:clrMapOvr>
-  <p:transition xmlns:p14="http://schemas.microsoft.com/office/powerpoint/2010/main" spd="med" advClick="1" p14:dur="1000"/>
+  <p:transition spd="slow"/>
 </p:sld>
 </file>
 
 <file path=ppt/slides/slide5.xml><?xml version="1.0" encoding="utf-8"?>
-<p:sld xmlns:a="http://schemas.openxmlformats.org/drawingml/2006/main" xmlns:r="http://schemas.openxmlformats.org/officeDocument/2006/relationships" xmlns:p="http://schemas.openxmlformats.org/presentationml/2006/main" showMasterSp="1" showMasterPhAnim="1">
+<p:sld xmlns:a="http://schemas.openxmlformats.org/drawingml/2006/main" xmlns:r="http://schemas.openxmlformats.org/officeDocument/2006/relationships" xmlns:p="http://schemas.openxmlformats.org/presentationml/2006/main">
   <p:cSld>
     <p:spTree>
       <p:nvGrpSpPr>
@@ -4943,7 +5077,7 @@
           </a:ln>
           <a:extLst>
             <a:ext uri="{C572A759-6A51-4108-AA02-DFA0A04FC94B}">
-              <ma14:wrappingTextBoxFlag xmlns:ma14="http://schemas.microsoft.com/office/mac/drawingml/2011/main" val="1"/>
+              <ma14:wrappingTextBoxFlag xmlns:ma14="http://schemas.microsoft.com/office/mac/drawingml/2011/main" xmlns="" val="1"/>
             </a:ext>
           </a:extLst>
         </p:spPr>
@@ -4961,13 +5095,7 @@
               </a:defRPr>
             </a:pPr>
             <a:r>
-              <a:t>Mlst.-Präsentation Nr. </a:t>
-            </a:r>
-            <a:r>
-              <a:t>V</a:t>
-            </a:r>
-            <a:r>
-              <a:t>  /  Gruppe 15</a:t>
+              <a:t>Mlst.-Präsentation Nr. V  /  Gruppe 15</a:t>
             </a:r>
           </a:p>
         </p:txBody>
@@ -4975,7 +5103,9 @@
       <p:sp>
         <p:nvSpPr>
           <p:cNvPr id="160" name="Shape 160"/>
-          <p:cNvSpPr/>
+          <p:cNvSpPr>
+            <a:spLocks noGrp="1"/>
+          </p:cNvSpPr>
           <p:nvPr>
             <p:ph type="body" sz="half" idx="1"/>
           </p:nvPr>
@@ -5018,12 +5148,13 @@
                 <a:sym typeface="Arial"/>
               </a:defRPr>
             </a:pPr>
+            <a:endParaRPr/>
           </a:p>
           <a:p>
             <a:pPr marL="0" indent="0">
               <a:buSzTx/>
               <a:buNone/>
-              <a:defRPr b="1" sz="3000">
+              <a:defRPr sz="3000" b="1">
                 <a:latin typeface="Arial"/>
                 <a:ea typeface="Arial"/>
                 <a:cs typeface="Arial"/>
@@ -5031,10 +5162,7 @@
               </a:defRPr>
             </a:pPr>
             <a:r>
-              <a:t>Spiel</a:t>
-            </a:r>
-            <a:r>
-              <a:t>demonstration</a:t>
+              <a:t>Spieldemonstration</a:t>
             </a:r>
           </a:p>
           <a:p>
@@ -5048,6 +5176,7 @@
                 <a:sym typeface="Arial"/>
               </a:defRPr>
             </a:pPr>
+            <a:endParaRPr/>
           </a:p>
           <a:p>
             <a:pPr marL="0" indent="0">
@@ -5075,6 +5204,7 @@
                 <a:sym typeface="Arial"/>
               </a:defRPr>
             </a:pPr>
+            <a:endParaRPr/>
           </a:p>
           <a:p>
             <a:pPr marL="0" indent="0">
@@ -5096,7 +5226,9 @@
       <p:sp>
         <p:nvSpPr>
           <p:cNvPr id="161" name="Shape 161"/>
-          <p:cNvSpPr/>
+          <p:cNvSpPr>
+            <a:spLocks noGrp="1"/>
+          </p:cNvSpPr>
           <p:nvPr>
             <p:ph type="sldNum" sz="quarter" idx="4294967295"/>
           </p:nvPr>
@@ -5111,7 +5243,7 @@
           </a:prstGeom>
           <a:extLst>
             <a:ext uri="{C572A759-6A51-4108-AA02-DFA0A04FC94B}">
-              <ma14:wrappingTextBoxFlag xmlns:ma14="http://schemas.microsoft.com/office/mac/drawingml/2011/main" val="1"/>
+              <ma14:wrappingTextBoxFlag xmlns:ma14="http://schemas.microsoft.com/office/mac/drawingml/2011/main" xmlns="" val="1"/>
             </a:ext>
           </a:extLst>
         </p:spPr>
@@ -5119,8 +5251,10 @@
           <a:bodyPr/>
           <a:lstStyle/>
           <a:p>
-            <a:pPr/>
-            <a:fld id="{86CB4B4D-7CA3-9044-876B-883B54F8677D}" type="slidenum"/>
+            <a:fld id="{86CB4B4D-7CA3-9044-876B-883B54F8677D}" type="slidenum">
+              <a:t>5</a:t>
+            </a:fld>
+            <a:endParaRPr/>
           </a:p>
         </p:txBody>
       </p:sp>
@@ -5133,9 +5267,7 @@
           <p:nvPr/>
         </p:nvPicPr>
         <p:blipFill>
-          <a:blip r:embed="rId2">
-            <a:extLst/>
-          </a:blip>
+          <a:blip r:embed="rId2"/>
           <a:stretch>
             <a:fillRect/>
           </a:stretch>
@@ -5156,7 +5288,9 @@
       <p:sp>
         <p:nvSpPr>
           <p:cNvPr id="163" name="Shape 163"/>
-          <p:cNvSpPr/>
+          <p:cNvSpPr>
+            <a:spLocks noGrp="1"/>
+          </p:cNvSpPr>
           <p:nvPr>
             <p:ph type="title"/>
           </p:nvPr>
@@ -5174,7 +5308,7 @@
           <a:bodyPr/>
           <a:lstStyle>
             <a:lvl1pPr>
-              <a:defRPr b="1" sz="2000">
+              <a:defRPr sz="2000" b="1">
                 <a:latin typeface="Arial"/>
                 <a:ea typeface="Arial"/>
                 <a:cs typeface="Arial"/>
@@ -5183,7 +5317,6 @@
             </a:lvl1pPr>
           </a:lstStyle>
           <a:p>
-            <a:pPr/>
             <a:r>
               <a:t>	 Übersicht</a:t>
             </a:r>
@@ -5211,7 +5344,7 @@
             <a:miter/>
           </a:ln>
           <a:effectLst>
-            <a:outerShdw sx="100000" sy="100000" kx="0" ky="0" algn="b" rotWithShape="0" blurRad="50800" dist="38100" dir="2700000">
+            <a:outerShdw blurRad="50800" dist="38100" dir="2700000" rotWithShape="0">
               <a:srgbClr val="000000">
                 <a:alpha val="40000"/>
               </a:srgbClr>
@@ -5222,7 +5355,7 @@
           <a:bodyPr lIns="45718" tIns="45718" rIns="45718" bIns="45718"/>
           <a:lstStyle/>
           <a:p>
-            <a:pPr/>
+            <a:endParaRPr/>
           </a:p>
         </p:txBody>
       </p:sp>
@@ -5235,9 +5368,7 @@
           <p:nvPr/>
         </p:nvPicPr>
         <p:blipFill>
-          <a:blip r:embed="rId3">
-            <a:extLst/>
-          </a:blip>
+          <a:blip r:embed="rId3"/>
           <a:stretch>
             <a:fillRect/>
           </a:stretch>
@@ -5264,9 +5395,7 @@
           <p:nvPr/>
         </p:nvPicPr>
         <p:blipFill>
-          <a:blip r:embed="rId4">
-            <a:extLst/>
-          </a:blip>
+          <a:blip r:embed="rId4"/>
           <a:stretch>
             <a:fillRect/>
           </a:stretch>
@@ -5293,9 +5422,7 @@
           <p:nvPr/>
         </p:nvPicPr>
         <p:blipFill>
-          <a:blip r:embed="rId5">
-            <a:extLst/>
-          </a:blip>
+          <a:blip r:embed="rId5"/>
           <a:stretch>
             <a:fillRect/>
           </a:stretch>
@@ -5322,9 +5449,7 @@
           <p:nvPr/>
         </p:nvPicPr>
         <p:blipFill>
-          <a:blip r:embed="rId6">
-            <a:extLst/>
-          </a:blip>
+          <a:blip r:embed="rId6"/>
           <a:stretch>
             <a:fillRect/>
           </a:stretch>
@@ -5347,12 +5472,12 @@
   <p:clrMapOvr>
     <a:masterClrMapping/>
   </p:clrMapOvr>
-  <p:transition xmlns:p14="http://schemas.microsoft.com/office/powerpoint/2010/main" spd="med" advClick="1" p14:dur="1000"/>
+  <p:transition spd="slow"/>
 </p:sld>
 </file>
 
 <file path=ppt/slides/slide6.xml><?xml version="1.0" encoding="utf-8"?>
-<p:sld xmlns:a="http://schemas.openxmlformats.org/drawingml/2006/main" xmlns:r="http://schemas.openxmlformats.org/officeDocument/2006/relationships" xmlns:p="http://schemas.openxmlformats.org/presentationml/2006/main" showMasterSp="1" showMasterPhAnim="1">
+<p:sld xmlns:a="http://schemas.openxmlformats.org/drawingml/2006/main" xmlns:r="http://schemas.openxmlformats.org/officeDocument/2006/relationships" xmlns:p="http://schemas.openxmlformats.org/presentationml/2006/main">
   <p:cSld>
     <p:spTree>
       <p:nvGrpSpPr>
@@ -5387,7 +5512,7 @@
           </a:ln>
           <a:extLst>
             <a:ext uri="{C572A759-6A51-4108-AA02-DFA0A04FC94B}">
-              <ma14:wrappingTextBoxFlag xmlns:ma14="http://schemas.microsoft.com/office/mac/drawingml/2011/main" val="1"/>
+              <ma14:wrappingTextBoxFlag xmlns:ma14="http://schemas.microsoft.com/office/mac/drawingml/2011/main" xmlns="" val="1"/>
             </a:ext>
           </a:extLst>
         </p:spPr>
@@ -5405,13 +5530,7 @@
               </a:defRPr>
             </a:pPr>
             <a:r>
-              <a:t>Mlst.-Präsentation Nr. </a:t>
-            </a:r>
-            <a:r>
-              <a:t>V</a:t>
-            </a:r>
-            <a:r>
-              <a:t>  /  Gruppe 15</a:t>
+              <a:t>Mlst.-Präsentation Nr. V  /  Gruppe 15</a:t>
             </a:r>
           </a:p>
         </p:txBody>
@@ -5419,7 +5538,9 @@
       <p:sp>
         <p:nvSpPr>
           <p:cNvPr id="171" name="Shape 171"/>
-          <p:cNvSpPr/>
+          <p:cNvSpPr>
+            <a:spLocks noGrp="1"/>
+          </p:cNvSpPr>
           <p:nvPr>
             <p:ph type="body" sz="half" idx="1"/>
           </p:nvPr>
@@ -5462,6 +5583,7 @@
                 <a:sym typeface="Arial"/>
               </a:defRPr>
             </a:pPr>
+            <a:endParaRPr/>
           </a:p>
           <a:p>
             <a:pPr marL="0" indent="0">
@@ -5475,10 +5597,7 @@
               </a:defRPr>
             </a:pPr>
             <a:r>
-              <a:t>Spiel</a:t>
-            </a:r>
-            <a:r>
-              <a:t>demonstration</a:t>
+              <a:t>Spieldemonstration</a:t>
             </a:r>
           </a:p>
           <a:p>
@@ -5492,12 +5611,13 @@
                 <a:sym typeface="Arial"/>
               </a:defRPr>
             </a:pPr>
+            <a:endParaRPr/>
           </a:p>
           <a:p>
             <a:pPr marL="0" indent="0">
               <a:buSzTx/>
               <a:buNone/>
-              <a:defRPr b="1" sz="3000">
+              <a:defRPr sz="3000" b="1">
                 <a:latin typeface="Arial"/>
                 <a:ea typeface="Arial"/>
                 <a:cs typeface="Arial"/>
@@ -5519,6 +5639,7 @@
                 <a:sym typeface="Arial"/>
               </a:defRPr>
             </a:pPr>
+            <a:endParaRPr/>
           </a:p>
           <a:p>
             <a:pPr marL="0" indent="0">
@@ -5540,7 +5661,9 @@
       <p:sp>
         <p:nvSpPr>
           <p:cNvPr id="172" name="Shape 172"/>
-          <p:cNvSpPr/>
+          <p:cNvSpPr>
+            <a:spLocks noGrp="1"/>
+          </p:cNvSpPr>
           <p:nvPr>
             <p:ph type="sldNum" sz="quarter" idx="4294967295"/>
           </p:nvPr>
@@ -5555,7 +5678,7 @@
           </a:prstGeom>
           <a:extLst>
             <a:ext uri="{C572A759-6A51-4108-AA02-DFA0A04FC94B}">
-              <ma14:wrappingTextBoxFlag xmlns:ma14="http://schemas.microsoft.com/office/mac/drawingml/2011/main" val="1"/>
+              <ma14:wrappingTextBoxFlag xmlns:ma14="http://schemas.microsoft.com/office/mac/drawingml/2011/main" xmlns="" val="1"/>
             </a:ext>
           </a:extLst>
         </p:spPr>
@@ -5563,8 +5686,10 @@
           <a:bodyPr/>
           <a:lstStyle/>
           <a:p>
-            <a:pPr/>
-            <a:fld id="{86CB4B4D-7CA3-9044-876B-883B54F8677D}" type="slidenum"/>
+            <a:fld id="{86CB4B4D-7CA3-9044-876B-883B54F8677D}" type="slidenum">
+              <a:t>6</a:t>
+            </a:fld>
+            <a:endParaRPr/>
           </a:p>
         </p:txBody>
       </p:sp>
@@ -5577,9 +5702,7 @@
           <p:nvPr/>
         </p:nvPicPr>
         <p:blipFill>
-          <a:blip r:embed="rId2">
-            <a:extLst/>
-          </a:blip>
+          <a:blip r:embed="rId2"/>
           <a:stretch>
             <a:fillRect/>
           </a:stretch>
@@ -5600,7 +5723,9 @@
       <p:sp>
         <p:nvSpPr>
           <p:cNvPr id="174" name="Shape 174"/>
-          <p:cNvSpPr/>
+          <p:cNvSpPr>
+            <a:spLocks noGrp="1"/>
+          </p:cNvSpPr>
           <p:nvPr>
             <p:ph type="title"/>
           </p:nvPr>
@@ -5618,7 +5743,7 @@
           <a:bodyPr/>
           <a:lstStyle>
             <a:lvl1pPr>
-              <a:defRPr b="1" sz="2000">
+              <a:defRPr sz="2000" b="1">
                 <a:latin typeface="Arial"/>
                 <a:ea typeface="Arial"/>
                 <a:cs typeface="Arial"/>
@@ -5627,7 +5752,6 @@
             </a:lvl1pPr>
           </a:lstStyle>
           <a:p>
-            <a:pPr/>
             <a:r>
               <a:t>	 Übersicht</a:t>
             </a:r>
@@ -5655,7 +5779,7 @@
             <a:miter/>
           </a:ln>
           <a:effectLst>
-            <a:outerShdw sx="100000" sy="100000" kx="0" ky="0" algn="b" rotWithShape="0" blurRad="50800" dist="38100" dir="2700000">
+            <a:outerShdw blurRad="50800" dist="38100" dir="2700000" rotWithShape="0">
               <a:srgbClr val="000000">
                 <a:alpha val="40000"/>
               </a:srgbClr>
@@ -5666,7 +5790,7 @@
           <a:bodyPr lIns="45718" tIns="45718" rIns="45718" bIns="45718"/>
           <a:lstStyle/>
           <a:p>
-            <a:pPr/>
+            <a:endParaRPr/>
           </a:p>
         </p:txBody>
       </p:sp>
@@ -5679,9 +5803,7 @@
           <p:nvPr/>
         </p:nvPicPr>
         <p:blipFill>
-          <a:blip r:embed="rId3">
-            <a:extLst/>
-          </a:blip>
+          <a:blip r:embed="rId3"/>
           <a:stretch>
             <a:fillRect/>
           </a:stretch>
@@ -5708,9 +5830,7 @@
           <p:nvPr/>
         </p:nvPicPr>
         <p:blipFill>
-          <a:blip r:embed="rId4">
-            <a:extLst/>
-          </a:blip>
+          <a:blip r:embed="rId4"/>
           <a:stretch>
             <a:fillRect/>
           </a:stretch>
@@ -5737,9 +5857,7 @@
           <p:nvPr/>
         </p:nvPicPr>
         <p:blipFill>
-          <a:blip r:embed="rId5">
-            <a:extLst/>
-          </a:blip>
+          <a:blip r:embed="rId5"/>
           <a:stretch>
             <a:fillRect/>
           </a:stretch>
@@ -5766,9 +5884,7 @@
           <p:nvPr/>
         </p:nvPicPr>
         <p:blipFill>
-          <a:blip r:embed="rId6">
-            <a:extLst/>
-          </a:blip>
+          <a:blip r:embed="rId6"/>
           <a:stretch>
             <a:fillRect/>
           </a:stretch>
@@ -5791,12 +5907,12 @@
   <p:clrMapOvr>
     <a:masterClrMapping/>
   </p:clrMapOvr>
-  <p:transition xmlns:p14="http://schemas.microsoft.com/office/powerpoint/2010/main" spd="med" advClick="1" p14:dur="1000"/>
+  <p:transition spd="slow"/>
 </p:sld>
 </file>
 
 <file path=ppt/slides/slide7.xml><?xml version="1.0" encoding="utf-8"?>
-<p:sld xmlns:a="http://schemas.openxmlformats.org/drawingml/2006/main" xmlns:r="http://schemas.openxmlformats.org/officeDocument/2006/relationships" xmlns:p="http://schemas.openxmlformats.org/presentationml/2006/main" showMasterSp="1" showMasterPhAnim="1">
+<p:sld xmlns:a="http://schemas.openxmlformats.org/drawingml/2006/main" xmlns:r="http://schemas.openxmlformats.org/officeDocument/2006/relationships" xmlns:p="http://schemas.openxmlformats.org/presentationml/2006/main">
   <p:cSld>
     <p:spTree>
       <p:nvGrpSpPr>
@@ -5831,7 +5947,7 @@
           </a:ln>
           <a:extLst>
             <a:ext uri="{C572A759-6A51-4108-AA02-DFA0A04FC94B}">
-              <ma14:wrappingTextBoxFlag xmlns:ma14="http://schemas.microsoft.com/office/mac/drawingml/2011/main" val="1"/>
+              <ma14:wrappingTextBoxFlag xmlns:ma14="http://schemas.microsoft.com/office/mac/drawingml/2011/main" xmlns="" val="1"/>
             </a:ext>
           </a:extLst>
         </p:spPr>
@@ -5849,13 +5965,7 @@
               </a:defRPr>
             </a:pPr>
             <a:r>
-              <a:t>Mlst.-Präsentation Nr. </a:t>
-            </a:r>
-            <a:r>
-              <a:t>V</a:t>
-            </a:r>
-            <a:r>
-              <a:t>  /  Gruppe 15</a:t>
+              <a:t>Mlst.-Präsentation Nr. V  /  Gruppe 15</a:t>
             </a:r>
           </a:p>
         </p:txBody>
@@ -5863,7 +5973,9 @@
       <p:sp>
         <p:nvSpPr>
           <p:cNvPr id="182" name="Shape 182"/>
-          <p:cNvSpPr/>
+          <p:cNvSpPr>
+            <a:spLocks noGrp="1"/>
+          </p:cNvSpPr>
           <p:nvPr>
             <p:ph type="title"/>
           </p:nvPr>
@@ -5881,7 +5993,7 @@
           <a:bodyPr/>
           <a:lstStyle>
             <a:lvl1pPr>
-              <a:defRPr b="1" sz="2000">
+              <a:defRPr sz="2000" b="1">
                 <a:latin typeface="Arial"/>
                 <a:ea typeface="Arial"/>
                 <a:cs typeface="Arial"/>
@@ -5890,7 +6002,6 @@
             </a:lvl1pPr>
           </a:lstStyle>
           <a:p>
-            <a:pPr/>
             <a:r>
               <a:t>	Technische Eigenheiten</a:t>
             </a:r>
@@ -5900,7 +6011,9 @@
       <p:sp>
         <p:nvSpPr>
           <p:cNvPr id="183" name="Shape 183"/>
-          <p:cNvSpPr/>
+          <p:cNvSpPr>
+            <a:spLocks noGrp="1"/>
+          </p:cNvSpPr>
           <p:nvPr>
             <p:ph type="sldNum" sz="quarter" idx="4294967295"/>
           </p:nvPr>
@@ -5915,7 +6028,7 @@
           </a:prstGeom>
           <a:extLst>
             <a:ext uri="{C572A759-6A51-4108-AA02-DFA0A04FC94B}">
-              <ma14:wrappingTextBoxFlag xmlns:ma14="http://schemas.microsoft.com/office/mac/drawingml/2011/main" val="1"/>
+              <ma14:wrappingTextBoxFlag xmlns:ma14="http://schemas.microsoft.com/office/mac/drawingml/2011/main" xmlns="" val="1"/>
             </a:ext>
           </a:extLst>
         </p:spPr>
@@ -5923,8 +6036,10 @@
           <a:bodyPr/>
           <a:lstStyle/>
           <a:p>
-            <a:pPr/>
-            <a:fld id="{86CB4B4D-7CA3-9044-876B-883B54F8677D}" type="slidenum"/>
+            <a:fld id="{86CB4B4D-7CA3-9044-876B-883B54F8677D}" type="slidenum">
+              <a:t>7</a:t>
+            </a:fld>
+            <a:endParaRPr/>
           </a:p>
         </p:txBody>
       </p:sp>
@@ -5949,7 +6064,7 @@
             <a:miter/>
           </a:ln>
           <a:effectLst>
-            <a:outerShdw sx="100000" sy="100000" kx="0" ky="0" algn="b" rotWithShape="0" blurRad="50800" dist="38100" dir="2700000">
+            <a:outerShdw blurRad="50800" dist="38100" dir="2700000" rotWithShape="0">
               <a:srgbClr val="000000">
                 <a:alpha val="40000"/>
               </a:srgbClr>
@@ -5960,7 +6075,7 @@
           <a:bodyPr lIns="45718" tIns="45718" rIns="45718" bIns="45718"/>
           <a:lstStyle/>
           <a:p>
-            <a:pPr/>
+            <a:endParaRPr/>
           </a:p>
         </p:txBody>
       </p:sp>
@@ -5973,9 +6088,7 @@
           <p:nvPr/>
         </p:nvPicPr>
         <p:blipFill>
-          <a:blip r:embed="rId2">
-            <a:extLst/>
-          </a:blip>
+          <a:blip r:embed="rId2"/>
           <a:stretch>
             <a:fillRect/>
           </a:stretch>
@@ -5998,12 +6111,12 @@
   <p:clrMapOvr>
     <a:masterClrMapping/>
   </p:clrMapOvr>
-  <p:transition xmlns:p14="http://schemas.microsoft.com/office/powerpoint/2010/main" spd="med" advClick="1" p14:dur="1000"/>
+  <p:transition spd="slow"/>
 </p:sld>
 </file>
 
 <file path=ppt/slides/slide8.xml><?xml version="1.0" encoding="utf-8"?>
-<p:sld xmlns:a="http://schemas.openxmlformats.org/drawingml/2006/main" xmlns:r="http://schemas.openxmlformats.org/officeDocument/2006/relationships" xmlns:p="http://schemas.openxmlformats.org/presentationml/2006/main" showMasterSp="1" showMasterPhAnim="1">
+<p:sld xmlns:a="http://schemas.openxmlformats.org/drawingml/2006/main" xmlns:r="http://schemas.openxmlformats.org/officeDocument/2006/relationships" xmlns:p="http://schemas.openxmlformats.org/presentationml/2006/main">
   <p:cSld>
     <p:spTree>
       <p:nvGrpSpPr>
@@ -6038,7 +6151,7 @@
           </a:ln>
           <a:extLst>
             <a:ext uri="{C572A759-6A51-4108-AA02-DFA0A04FC94B}">
-              <ma14:wrappingTextBoxFlag xmlns:ma14="http://schemas.microsoft.com/office/mac/drawingml/2011/main" val="1"/>
+              <ma14:wrappingTextBoxFlag xmlns:ma14="http://schemas.microsoft.com/office/mac/drawingml/2011/main" xmlns="" val="1"/>
             </a:ext>
           </a:extLst>
         </p:spPr>
@@ -6056,13 +6169,7 @@
               </a:defRPr>
             </a:pPr>
             <a:r>
-              <a:t>Mlst.-Präsentation Nr. </a:t>
-            </a:r>
-            <a:r>
-              <a:t>V</a:t>
-            </a:r>
-            <a:r>
-              <a:t>  /  Gruppe 15</a:t>
+              <a:t>Mlst.-Präsentation Nr. V  /  Gruppe 15</a:t>
             </a:r>
           </a:p>
         </p:txBody>
@@ -6070,7 +6177,9 @@
       <p:sp>
         <p:nvSpPr>
           <p:cNvPr id="188" name="Shape 188"/>
-          <p:cNvSpPr/>
+          <p:cNvSpPr>
+            <a:spLocks noGrp="1"/>
+          </p:cNvSpPr>
           <p:nvPr>
             <p:ph type="body" sz="half" idx="1"/>
           </p:nvPr>
@@ -6113,6 +6222,7 @@
                 <a:sym typeface="Arial"/>
               </a:defRPr>
             </a:pPr>
+            <a:endParaRPr/>
           </a:p>
           <a:p>
             <a:pPr marL="0" indent="0">
@@ -6126,10 +6236,7 @@
               </a:defRPr>
             </a:pPr>
             <a:r>
-              <a:t>Spiel</a:t>
-            </a:r>
-            <a:r>
-              <a:t>demonstration</a:t>
+              <a:t>Spieldemonstration</a:t>
             </a:r>
           </a:p>
           <a:p>
@@ -6143,6 +6250,7 @@
                 <a:sym typeface="Arial"/>
               </a:defRPr>
             </a:pPr>
+            <a:endParaRPr/>
           </a:p>
           <a:p>
             <a:pPr marL="0" indent="0">
@@ -6170,12 +6278,13 @@
                 <a:sym typeface="Arial"/>
               </a:defRPr>
             </a:pPr>
+            <a:endParaRPr/>
           </a:p>
           <a:p>
             <a:pPr marL="0" indent="0">
               <a:buSzTx/>
               <a:buNone/>
-              <a:defRPr b="1" sz="3000">
+              <a:defRPr sz="3000" b="1">
                 <a:latin typeface="Arial"/>
                 <a:ea typeface="Arial"/>
                 <a:cs typeface="Arial"/>
@@ -6191,7 +6300,9 @@
       <p:sp>
         <p:nvSpPr>
           <p:cNvPr id="189" name="Shape 189"/>
-          <p:cNvSpPr/>
+          <p:cNvSpPr>
+            <a:spLocks noGrp="1"/>
+          </p:cNvSpPr>
           <p:nvPr>
             <p:ph type="sldNum" sz="quarter" idx="4294967295"/>
           </p:nvPr>
@@ -6206,7 +6317,7 @@
           </a:prstGeom>
           <a:extLst>
             <a:ext uri="{C572A759-6A51-4108-AA02-DFA0A04FC94B}">
-              <ma14:wrappingTextBoxFlag xmlns:ma14="http://schemas.microsoft.com/office/mac/drawingml/2011/main" val="1"/>
+              <ma14:wrappingTextBoxFlag xmlns:ma14="http://schemas.microsoft.com/office/mac/drawingml/2011/main" xmlns="" val="1"/>
             </a:ext>
           </a:extLst>
         </p:spPr>
@@ -6214,8 +6325,10 @@
           <a:bodyPr/>
           <a:lstStyle/>
           <a:p>
-            <a:pPr/>
-            <a:fld id="{86CB4B4D-7CA3-9044-876B-883B54F8677D}" type="slidenum"/>
+            <a:fld id="{86CB4B4D-7CA3-9044-876B-883B54F8677D}" type="slidenum">
+              <a:t>8</a:t>
+            </a:fld>
+            <a:endParaRPr/>
           </a:p>
         </p:txBody>
       </p:sp>
@@ -6228,9 +6341,7 @@
           <p:nvPr/>
         </p:nvPicPr>
         <p:blipFill>
-          <a:blip r:embed="rId2">
-            <a:extLst/>
-          </a:blip>
+          <a:blip r:embed="rId2"/>
           <a:stretch>
             <a:fillRect/>
           </a:stretch>
@@ -6251,7 +6362,9 @@
       <p:sp>
         <p:nvSpPr>
           <p:cNvPr id="191" name="Shape 191"/>
-          <p:cNvSpPr/>
+          <p:cNvSpPr>
+            <a:spLocks noGrp="1"/>
+          </p:cNvSpPr>
           <p:nvPr>
             <p:ph type="title"/>
           </p:nvPr>
@@ -6269,7 +6382,7 @@
           <a:bodyPr/>
           <a:lstStyle>
             <a:lvl1pPr>
-              <a:defRPr b="1" sz="2000">
+              <a:defRPr sz="2000" b="1">
                 <a:latin typeface="Arial"/>
                 <a:ea typeface="Arial"/>
                 <a:cs typeface="Arial"/>
@@ -6278,7 +6391,6 @@
             </a:lvl1pPr>
           </a:lstStyle>
           <a:p>
-            <a:pPr/>
             <a:r>
               <a:t>	 Übersicht</a:t>
             </a:r>
@@ -6306,7 +6418,7 @@
             <a:miter/>
           </a:ln>
           <a:effectLst>
-            <a:outerShdw sx="100000" sy="100000" kx="0" ky="0" algn="b" rotWithShape="0" blurRad="50800" dist="38100" dir="2700000">
+            <a:outerShdw blurRad="50800" dist="38100" dir="2700000" rotWithShape="0">
               <a:srgbClr val="000000">
                 <a:alpha val="40000"/>
               </a:srgbClr>
@@ -6317,7 +6429,7 @@
           <a:bodyPr lIns="45718" tIns="45718" rIns="45718" bIns="45718"/>
           <a:lstStyle/>
           <a:p>
-            <a:pPr/>
+            <a:endParaRPr/>
           </a:p>
         </p:txBody>
       </p:sp>
@@ -6330,9 +6442,7 @@
           <p:nvPr/>
         </p:nvPicPr>
         <p:blipFill>
-          <a:blip r:embed="rId3">
-            <a:extLst/>
-          </a:blip>
+          <a:blip r:embed="rId3"/>
           <a:stretch>
             <a:fillRect/>
           </a:stretch>
@@ -6359,9 +6469,7 @@
           <p:nvPr/>
         </p:nvPicPr>
         <p:blipFill>
-          <a:blip r:embed="rId4">
-            <a:extLst/>
-          </a:blip>
+          <a:blip r:embed="rId4"/>
           <a:stretch>
             <a:fillRect/>
           </a:stretch>
@@ -6388,9 +6496,7 @@
           <p:nvPr/>
         </p:nvPicPr>
         <p:blipFill>
-          <a:blip r:embed="rId5">
-            <a:extLst/>
-          </a:blip>
+          <a:blip r:embed="rId5"/>
           <a:stretch>
             <a:fillRect/>
           </a:stretch>
@@ -6417,9 +6523,7 @@
           <p:nvPr/>
         </p:nvPicPr>
         <p:blipFill>
-          <a:blip r:embed="rId6">
-            <a:extLst/>
-          </a:blip>
+          <a:blip r:embed="rId6"/>
           <a:stretch>
             <a:fillRect/>
           </a:stretch>
@@ -6442,12 +6546,12 @@
   <p:clrMapOvr>
     <a:masterClrMapping/>
   </p:clrMapOvr>
-  <p:transition xmlns:p14="http://schemas.microsoft.com/office/powerpoint/2010/main" spd="med" advClick="1" p14:dur="1000"/>
+  <p:transition spd="slow"/>
 </p:sld>
 </file>
 
 <file path=ppt/slides/slide9.xml><?xml version="1.0" encoding="utf-8"?>
-<p:sld xmlns:a="http://schemas.openxmlformats.org/drawingml/2006/main" xmlns:r="http://schemas.openxmlformats.org/officeDocument/2006/relationships" xmlns:p="http://schemas.openxmlformats.org/presentationml/2006/main" showMasterSp="1" showMasterPhAnim="1">
+<p:sld xmlns:a="http://schemas.openxmlformats.org/drawingml/2006/main" xmlns:r="http://schemas.openxmlformats.org/officeDocument/2006/relationships" xmlns:p="http://schemas.openxmlformats.org/presentationml/2006/main">
   <p:cSld>
     <p:spTree>
       <p:nvGrpSpPr>
@@ -6482,7 +6586,7 @@
           </a:ln>
           <a:extLst>
             <a:ext uri="{C572A759-6A51-4108-AA02-DFA0A04FC94B}">
-              <ma14:wrappingTextBoxFlag xmlns:ma14="http://schemas.microsoft.com/office/mac/drawingml/2011/main" val="1"/>
+              <ma14:wrappingTextBoxFlag xmlns:ma14="http://schemas.microsoft.com/office/mac/drawingml/2011/main" xmlns="" val="1"/>
             </a:ext>
           </a:extLst>
         </p:spPr>
@@ -6500,13 +6604,7 @@
               </a:defRPr>
             </a:pPr>
             <a:r>
-              <a:t>Mlst.-Präsentation Nr. </a:t>
-            </a:r>
-            <a:r>
-              <a:t>V</a:t>
-            </a:r>
-            <a:r>
-              <a:t>  /  Gruppe 15</a:t>
+              <a:t>Mlst.-Präsentation Nr. V  /  Gruppe 15</a:t>
             </a:r>
           </a:p>
         </p:txBody>
@@ -6514,7 +6612,9 @@
       <p:sp>
         <p:nvSpPr>
           <p:cNvPr id="199" name="Shape 199"/>
-          <p:cNvSpPr/>
+          <p:cNvSpPr>
+            <a:spLocks noGrp="1"/>
+          </p:cNvSpPr>
           <p:nvPr>
             <p:ph type="title"/>
           </p:nvPr>
@@ -6533,7 +6633,7 @@
           <a:lstStyle/>
           <a:p>
             <a:pPr>
-              <a:defRPr b="1" sz="2000">
+              <a:defRPr sz="2000" b="1">
                 <a:latin typeface="Arial"/>
                 <a:ea typeface="Arial"/>
                 <a:cs typeface="Arial"/>
@@ -6541,18 +6641,31 @@
               </a:defRPr>
             </a:pPr>
             <a:r>
+              <a:rPr dirty="0"/>
               <a:t>	</a:t>
             </a:r>
             <a:r>
-              <a:t>Lektion gelernt</a:t>
-            </a:r>
+              <a:rPr dirty="0" err="1"/>
+              <a:t>Lektion</a:t>
+            </a:r>
+            <a:r>
+              <a:rPr dirty="0"/>
+              <a:t> </a:t>
+            </a:r>
+            <a:r>
+              <a:rPr dirty="0" err="1"/>
+              <a:t>gelernt</a:t>
+            </a:r>
+            <a:endParaRPr dirty="0"/>
           </a:p>
         </p:txBody>
       </p:sp>
       <p:sp>
         <p:nvSpPr>
           <p:cNvPr id="200" name="Shape 200"/>
-          <p:cNvSpPr/>
+          <p:cNvSpPr>
+            <a:spLocks noGrp="1"/>
+          </p:cNvSpPr>
           <p:nvPr>
             <p:ph type="sldNum" sz="quarter" idx="4294967295"/>
           </p:nvPr>
@@ -6567,7 +6680,7 @@
           </a:prstGeom>
           <a:extLst>
             <a:ext uri="{C572A759-6A51-4108-AA02-DFA0A04FC94B}">
-              <ma14:wrappingTextBoxFlag xmlns:ma14="http://schemas.microsoft.com/office/mac/drawingml/2011/main" val="1"/>
+              <ma14:wrappingTextBoxFlag xmlns:ma14="http://schemas.microsoft.com/office/mac/drawingml/2011/main" xmlns="" val="1"/>
             </a:ext>
           </a:extLst>
         </p:spPr>
@@ -6575,8 +6688,10 @@
           <a:bodyPr/>
           <a:lstStyle/>
           <a:p>
-            <a:pPr/>
-            <a:fld id="{86CB4B4D-7CA3-9044-876B-883B54F8677D}" type="slidenum"/>
+            <a:fld id="{86CB4B4D-7CA3-9044-876B-883B54F8677D}" type="slidenum">
+              <a:t>9</a:t>
+            </a:fld>
+            <a:endParaRPr/>
           </a:p>
         </p:txBody>
       </p:sp>
@@ -6601,7 +6716,7 @@
             <a:miter/>
           </a:ln>
           <a:effectLst>
-            <a:outerShdw sx="100000" sy="100000" kx="0" ky="0" algn="b" rotWithShape="0" blurRad="50800" dist="38100" dir="2700000">
+            <a:outerShdw blurRad="50800" dist="38100" dir="2700000" rotWithShape="0">
               <a:srgbClr val="000000">
                 <a:alpha val="40000"/>
               </a:srgbClr>
@@ -6612,7 +6727,7 @@
           <a:bodyPr lIns="45718" tIns="45718" rIns="45718" bIns="45718"/>
           <a:lstStyle/>
           <a:p>
-            <a:pPr/>
+            <a:endParaRPr/>
           </a:p>
         </p:txBody>
       </p:sp>
@@ -6624,8 +6739,8 @@
         </p:nvSpPr>
         <p:spPr>
           <a:xfrm>
-            <a:off x="418555" y="1052999"/>
-            <a:ext cx="9678490" cy="6108697"/>
+            <a:off x="340969" y="919996"/>
+            <a:ext cx="9678490" cy="6740303"/>
           </a:xfrm>
           <a:prstGeom prst="rect">
             <a:avLst/>
@@ -6635,7 +6750,7 @@
           </a:ln>
           <a:extLst>
             <a:ext uri="{C572A759-6A51-4108-AA02-DFA0A04FC94B}">
-              <ma14:wrappingTextBoxFlag xmlns:ma14="http://schemas.microsoft.com/office/mac/drawingml/2011/main" val="1"/>
+              <ma14:wrappingTextBoxFlag xmlns:ma14="http://schemas.microsoft.com/office/mac/drawingml/2011/main" xmlns="" val="1"/>
             </a:ext>
           </a:extLst>
         </p:spPr>
@@ -6652,36 +6767,87 @@
               <a:buSzPct val="100000"/>
               <a:buFont typeface="Arial"/>
               <a:buChar char="•"/>
-              <a:defRPr b="1" sz="2000"/>
+              <a:defRPr sz="2000" b="1"/>
             </a:pPr>
             <a:r>
-              <a:t>Organisatorisch:</a:t>
-            </a:r>
-          </a:p>
-          <a:p>
-            <a:pPr lvl="1" marL="800100" indent="-342900">
+              <a:rPr dirty="0" err="1"/>
+              <a:t>Organisatorisch</a:t>
+            </a:r>
+            <a:r>
+              <a:rPr dirty="0"/>
+              <a:t>:</a:t>
+            </a:r>
+          </a:p>
+          <a:p>
+            <a:pPr marL="800100" lvl="1" indent="-342900">
               <a:buSzPct val="100000"/>
               <a:buChar char="-"/>
               <a:defRPr sz="2000"/>
             </a:pPr>
             <a:r>
-              <a:t>Mehr Zeit für neues einplanen</a:t>
-            </a:r>
-          </a:p>
-          <a:p>
-            <a:pPr lvl="1" marL="800100" indent="-342900">
+              <a:rPr dirty="0" err="1"/>
+              <a:t>Mehr</a:t>
+            </a:r>
+            <a:r>
+              <a:rPr dirty="0"/>
+              <a:t> Zeit </a:t>
+            </a:r>
+            <a:r>
+              <a:rPr dirty="0" err="1"/>
+              <a:t>für</a:t>
+            </a:r>
+            <a:r>
+              <a:rPr dirty="0"/>
+              <a:t> </a:t>
+            </a:r>
+            <a:r>
+              <a:rPr lang="de-CH" dirty="0"/>
+              <a:t>N</a:t>
+            </a:r>
+            <a:r>
+              <a:rPr dirty="0" err="1"/>
+              <a:t>eues</a:t>
+            </a:r>
+            <a:r>
+              <a:rPr dirty="0"/>
+              <a:t> </a:t>
+            </a:r>
+            <a:r>
+              <a:rPr dirty="0" err="1"/>
+              <a:t>einplanen</a:t>
+            </a:r>
+            <a:endParaRPr dirty="0"/>
+          </a:p>
+          <a:p>
+            <a:pPr marL="800100" lvl="1" indent="-342900">
               <a:buSzPct val="100000"/>
+              <a:buFontTx/>
               <a:buChar char="-"/>
               <a:defRPr sz="2000"/>
             </a:pPr>
             <a:r>
-              <a:t>Genauer Informieren (JUnit-Tests)</a:t>
-            </a:r>
+              <a:rPr lang="de-DE" dirty="0"/>
+              <a:t>Code der anderen laufend überfliegen (Übersicht halten)</a:t>
+            </a:r>
+          </a:p>
+          <a:p>
+            <a:pPr marL="800100" lvl="1" indent="-342900">
+              <a:buSzPct val="100000"/>
+              <a:buFontTx/>
+              <a:buChar char="-"/>
+              <a:defRPr sz="2000"/>
+            </a:pPr>
+            <a:r>
+              <a:rPr lang="de-DE" dirty="0"/>
+              <a:t>Bessere Strukturierung von Beginn an</a:t>
+            </a:r>
+            <a:endParaRPr dirty="0"/>
           </a:p>
           <a:p>
             <a:pPr lvl="1" indent="457200">
               <a:defRPr sz="2000"/>
             </a:pPr>
+            <a:endParaRPr dirty="0"/>
           </a:p>
           <a:p>
             <a:pPr marL="342900" indent="-342900">
@@ -6691,68 +6857,143 @@
               <a:buSzPct val="100000"/>
               <a:buFont typeface="Arial"/>
               <a:buChar char="•"/>
-              <a:defRPr b="1" sz="2000"/>
+              <a:defRPr sz="2000" b="1"/>
             </a:pPr>
             <a:r>
-              <a:t>Programmieren:</a:t>
-            </a:r>
-          </a:p>
-          <a:p>
-            <a:pPr lvl="1" marL="800100" indent="-342900">
+              <a:rPr lang="de-CH" dirty="0"/>
+              <a:t>Code vom Spiel</a:t>
+            </a:r>
+            <a:r>
+              <a:rPr dirty="0"/>
+              <a:t>:</a:t>
+            </a:r>
+          </a:p>
+          <a:p>
+            <a:pPr marL="800100" lvl="1" indent="-342900">
               <a:buSzPct val="100000"/>
               <a:buChar char="-"/>
               <a:defRPr sz="2000"/>
             </a:pPr>
             <a:r>
-              <a:t>Mehr Vererbung anstatt eigenständige Klassen</a:t>
-            </a:r>
-          </a:p>
-          <a:p>
-            <a:pPr lvl="1" marL="800100" indent="-342900">
+              <a:rPr dirty="0" err="1"/>
+              <a:t>Mehr</a:t>
+            </a:r>
+            <a:r>
+              <a:rPr dirty="0"/>
+              <a:t> </a:t>
+            </a:r>
+            <a:r>
+              <a:rPr dirty="0" err="1"/>
+              <a:t>Vererbung</a:t>
+            </a:r>
+            <a:r>
+              <a:rPr dirty="0"/>
+              <a:t> </a:t>
+            </a:r>
+            <a:r>
+              <a:rPr dirty="0" err="1"/>
+              <a:t>anstatt</a:t>
+            </a:r>
+            <a:r>
+              <a:rPr dirty="0"/>
+              <a:t> </a:t>
+            </a:r>
+            <a:r>
+              <a:rPr dirty="0" err="1"/>
+              <a:t>eigenständige</a:t>
+            </a:r>
+            <a:r>
+              <a:rPr dirty="0"/>
+              <a:t> Klassen</a:t>
+            </a:r>
+          </a:p>
+          <a:p>
+            <a:pPr marL="800100" lvl="1" indent="-342900">
               <a:buSzPct val="100000"/>
               <a:buChar char="-"/>
               <a:defRPr sz="2000"/>
             </a:pPr>
             <a:r>
-              <a:t>Wo möglich Enum-Typen verwenden </a:t>
-            </a:r>
-          </a:p>
-          <a:p>
-            <a:pPr lvl="1" marL="800100" indent="-342900">
+              <a:rPr dirty="0"/>
+              <a:t>Wo </a:t>
+            </a:r>
+            <a:r>
+              <a:rPr dirty="0" err="1"/>
+              <a:t>möglich</a:t>
+            </a:r>
+            <a:r>
+              <a:rPr dirty="0"/>
+              <a:t> Enum-</a:t>
+            </a:r>
+            <a:r>
+              <a:rPr dirty="0" err="1"/>
+              <a:t>Typen</a:t>
+            </a:r>
+            <a:r>
+              <a:rPr dirty="0"/>
+              <a:t> </a:t>
+            </a:r>
+            <a:r>
+              <a:rPr dirty="0" err="1"/>
+              <a:t>verwenden</a:t>
+            </a:r>
+            <a:r>
+              <a:rPr dirty="0"/>
+              <a:t> </a:t>
+            </a:r>
+          </a:p>
+          <a:p>
+            <a:pPr marL="457200" lvl="1">
+              <a:buSzPct val="100000"/>
+              <a:defRPr sz="2000"/>
+            </a:pPr>
+            <a:r>
+              <a:rPr lang="de-CH" dirty="0"/>
+              <a:t>      + </a:t>
+            </a:r>
+            <a:r>
+              <a:rPr dirty="0" err="1"/>
+              <a:t>Strukturierte</a:t>
+            </a:r>
+            <a:r>
+              <a:rPr dirty="0"/>
+              <a:t> </a:t>
+            </a:r>
+            <a:r>
+              <a:rPr dirty="0" err="1"/>
+              <a:t>Vergabe</a:t>
+            </a:r>
+            <a:r>
+              <a:rPr dirty="0"/>
+              <a:t> von </a:t>
+            </a:r>
+            <a:r>
+              <a:rPr dirty="0" err="1"/>
+              <a:t>Variablennamen</a:t>
+            </a:r>
+            <a:endParaRPr dirty="0"/>
+          </a:p>
+          <a:p>
+            <a:pPr marL="800100" lvl="1" indent="-342900">
               <a:buSzPct val="100000"/>
               <a:buChar char="-"/>
               <a:defRPr sz="2000"/>
             </a:pPr>
             <a:r>
-              <a:t>Strukturierte Vergabe von Variablennamen</a:t>
-            </a:r>
-          </a:p>
-          <a:p>
-            <a:pPr lvl="1" marL="800100" indent="-342900">
+              <a:rPr dirty="0" err="1"/>
+              <a:t>Verwendung</a:t>
+            </a:r>
+            <a:r>
+              <a:rPr dirty="0"/>
+              <a:t> von JavaFX</a:t>
+            </a:r>
+          </a:p>
+          <a:p>
+            <a:pPr marL="457200" lvl="1">
               <a:buSzPct val="100000"/>
-              <a:buChar char="-"/>
               <a:defRPr sz="2000"/>
             </a:pPr>
-            <a:r>
-              <a:t>Verwendung von JavaFX</a:t>
-            </a:r>
-          </a:p>
-          <a:p>
-            <a:pPr lvl="1" marL="800100" indent="-342900">
-              <a:buSzPct val="100000"/>
-              <a:buChar char="-"/>
-              <a:defRPr sz="2000"/>
-            </a:pPr>
-            <a:r>
-              <a:t>Bessere Strukturierung von Beginn</a:t>
-            </a:r>
-          </a:p>
-          <a:p>
-            <a:pPr lvl="1" marL="800100" indent="-342900">
-              <a:buSzPct val="100000"/>
-              <a:buChar char="-"/>
-              <a:defRPr sz="2000"/>
-            </a:pPr>
+            <a:endParaRPr dirty="0"/>
           </a:p>
           <a:p>
             <a:pPr marL="342900" indent="-342900">
@@ -6762,60 +7003,142 @@
               <a:buSzPct val="100000"/>
               <a:buFont typeface="Arial"/>
               <a:buChar char="•"/>
-              <a:defRPr b="1" sz="2000"/>
+              <a:defRPr sz="2000" b="1"/>
             </a:pPr>
             <a:r>
+              <a:rPr dirty="0"/>
               <a:t>JUnit-Tests:</a:t>
             </a:r>
           </a:p>
           <a:p>
-            <a:pPr lvl="1" marL="581526" indent="-200526">
+            <a:pPr marL="581526" lvl="1" indent="-200526">
               <a:buSzPct val="100000"/>
               <a:buChar char="-"/>
               <a:defRPr sz="2000"/>
             </a:pPr>
             <a:r>
-              <a:t>Bereits zu Beginn Überlegungen zu den Tests</a:t>
-            </a:r>
-          </a:p>
-          <a:p>
-            <a:pPr lvl="1" marL="581526" indent="-200526">
+              <a:rPr dirty="0" err="1"/>
+              <a:t>Bereits</a:t>
+            </a:r>
+            <a:r>
+              <a:rPr dirty="0"/>
+              <a:t> </a:t>
+            </a:r>
+            <a:r>
+              <a:rPr dirty="0" err="1"/>
+              <a:t>zu</a:t>
+            </a:r>
+            <a:r>
+              <a:rPr dirty="0"/>
+              <a:t> </a:t>
+            </a:r>
+            <a:r>
+              <a:rPr dirty="0" err="1"/>
+              <a:t>Beginn</a:t>
+            </a:r>
+            <a:r>
+              <a:rPr dirty="0"/>
+              <a:t> </a:t>
+            </a:r>
+            <a:r>
+              <a:rPr dirty="0" err="1"/>
+              <a:t>Überlegungen</a:t>
+            </a:r>
+            <a:r>
+              <a:rPr dirty="0"/>
+              <a:t> </a:t>
+            </a:r>
+            <a:r>
+              <a:rPr dirty="0" err="1"/>
+              <a:t>zu</a:t>
+            </a:r>
+            <a:r>
+              <a:rPr dirty="0"/>
+              <a:t> den Tests</a:t>
+            </a:r>
+            <a:endParaRPr lang="de-CH" dirty="0"/>
+          </a:p>
+          <a:p>
+            <a:pPr marL="581526" lvl="1" indent="-200526">
+              <a:buSzPct val="100000"/>
+              <a:buFontTx/>
+              <a:buChar char="-"/>
+              <a:defRPr sz="2000"/>
+            </a:pPr>
+            <a:r>
+              <a:rPr lang="de-CH" dirty="0"/>
+              <a:t>Genauer informieren </a:t>
+            </a:r>
+          </a:p>
+          <a:p>
+            <a:pPr marL="581526" lvl="1" indent="-200526">
+              <a:buSzPct val="100000"/>
+              <a:buFontTx/>
+              <a:buChar char="-"/>
+              <a:defRPr sz="2000"/>
+            </a:pPr>
+            <a:r>
+              <a:rPr dirty="0" err="1"/>
+              <a:t>Vererbung</a:t>
+            </a:r>
+            <a:r>
+              <a:rPr dirty="0"/>
+              <a:t> und Interfaces </a:t>
+            </a:r>
+            <a:r>
+              <a:rPr dirty="0" err="1"/>
+              <a:t>erhöhen</a:t>
+            </a:r>
+            <a:r>
+              <a:rPr dirty="0"/>
+              <a:t> die </a:t>
+            </a:r>
+            <a:r>
+              <a:rPr dirty="0" err="1"/>
+              <a:t>Testbarkeit</a:t>
+            </a:r>
+            <a:endParaRPr lang="de-CH" dirty="0"/>
+          </a:p>
+          <a:p>
+            <a:pPr marL="381000" lvl="1">
+              <a:buSzPct val="100000"/>
+              <a:defRPr sz="2000"/>
+            </a:pPr>
+            <a:endParaRPr dirty="0"/>
+          </a:p>
+          <a:p>
+            <a:pPr lvl="1" indent="457200">
+              <a:defRPr sz="2000"/>
+            </a:pPr>
+            <a:endParaRPr dirty="0"/>
+          </a:p>
+          <a:p>
+            <a:pPr lvl="1" indent="457200">
+              <a:defRPr sz="2000"/>
+            </a:pPr>
+            <a:endParaRPr dirty="0"/>
+          </a:p>
+          <a:p>
+            <a:pPr lvl="1" indent="457200">
+              <a:defRPr sz="2000"/>
+            </a:pPr>
+            <a:endParaRPr dirty="0"/>
+          </a:p>
+          <a:p>
+            <a:pPr marL="800100" lvl="1" indent="-342900">
               <a:buSzPct val="100000"/>
               <a:buChar char="-"/>
               <a:defRPr sz="2000"/>
             </a:pPr>
-            <a:r>
-              <a:t>Vererbung und Interfaces erhöhen die Testbarkeit</a:t>
-            </a:r>
-          </a:p>
-          <a:p>
-            <a:pPr lvl="1" indent="457200">
-              <a:defRPr sz="2000"/>
-            </a:pPr>
-          </a:p>
-          <a:p>
-            <a:pPr lvl="1" indent="457200">
-              <a:defRPr sz="2000"/>
-            </a:pPr>
-          </a:p>
-          <a:p>
-            <a:pPr lvl="1" indent="457200">
-              <a:defRPr sz="2000"/>
-            </a:pPr>
-          </a:p>
-          <a:p>
-            <a:pPr lvl="1" marL="800100" indent="-342900">
+            <a:endParaRPr dirty="0"/>
+          </a:p>
+          <a:p>
+            <a:pPr marL="800100" lvl="1" indent="-342900">
               <a:buSzPct val="100000"/>
               <a:buChar char="-"/>
               <a:defRPr sz="2000"/>
             </a:pPr>
-          </a:p>
-          <a:p>
-            <a:pPr lvl="1" marL="800100" indent="-342900">
-              <a:buSzPct val="100000"/>
-              <a:buChar char="-"/>
-              <a:defRPr sz="2000"/>
-            </a:pPr>
+            <a:endParaRPr dirty="0"/>
           </a:p>
         </p:txBody>
       </p:sp>
@@ -6828,8 +7151,48 @@
           <p:nvPr/>
         </p:nvPicPr>
         <p:blipFill>
-          <a:blip r:embed="rId2">
-            <a:extLst/>
+          <a:blip r:embed="rId2"/>
+          <a:stretch>
+            <a:fillRect/>
+          </a:stretch>
+        </p:blipFill>
+        <p:spPr>
+          <a:xfrm>
+            <a:off x="122067" y="63730"/>
+            <a:ext cx="592976" cy="592975"/>
+          </a:xfrm>
+          <a:prstGeom prst="rect">
+            <a:avLst/>
+          </a:prstGeom>
+          <a:ln w="12700">
+            <a:miter lim="400000"/>
+          </a:ln>
+        </p:spPr>
+      </p:pic>
+      <p:pic>
+        <p:nvPicPr>
+          <p:cNvPr id="3" name="Grafik 2" descr="Harvey Balls 20%">
+            <a:extLst>
+              <a:ext uri="{FF2B5EF4-FFF2-40B4-BE49-F238E27FC236}">
+                <a16:creationId xmlns:a16="http://schemas.microsoft.com/office/drawing/2014/main" id="{ACF0EE59-966D-41A1-A7BA-802B1DF8A3FB}"/>
+              </a:ext>
+            </a:extLst>
+          </p:cNvPr>
+          <p:cNvPicPr>
+            <a:picLocks noChangeAspect="1"/>
+          </p:cNvPicPr>
+          <p:nvPr/>
+        </p:nvPicPr>
+        <p:blipFill>
+          <a:blip r:embed="rId3">
+            <a:extLst>
+              <a:ext uri="{28A0092B-C50C-407E-A947-70E740481C1C}">
+                <a14:useLocalDpi xmlns:a14="http://schemas.microsoft.com/office/drawing/2010/main" val="0"/>
+              </a:ext>
+              <a:ext uri="{96DAC541-7B7A-43D3-8B79-37D633B846F1}">
+                <asvg:svgBlip xmlns:asvg="http://schemas.microsoft.com/office/drawing/2016/SVG/main" r:embed="rId4"/>
+              </a:ext>
+            </a:extLst>
           </a:blip>
           <a:stretch>
             <a:fillRect/>
@@ -6837,28 +7200,1072 @@
         </p:blipFill>
         <p:spPr>
           <a:xfrm>
-            <a:off x="122067" y="63730"/>
-            <a:ext cx="592976" cy="592975"/>
-          </a:xfrm>
-          <a:prstGeom prst="rect">
-            <a:avLst/>
-          </a:prstGeom>
-          <a:ln w="12700">
-            <a:miter lim="400000"/>
-          </a:ln>
+            <a:off x="7688804" y="656705"/>
+            <a:ext cx="914399" cy="914399"/>
+          </a:xfrm>
+          <a:prstGeom prst="rect">
+            <a:avLst/>
+          </a:prstGeom>
+        </p:spPr>
+      </p:pic>
+      <p:pic>
+        <p:nvPicPr>
+          <p:cNvPr id="5" name="Grafik 4" descr="Geschichten erzählen">
+            <a:extLst>
+              <a:ext uri="{FF2B5EF4-FFF2-40B4-BE49-F238E27FC236}">
+                <a16:creationId xmlns:a16="http://schemas.microsoft.com/office/drawing/2014/main" id="{5AF5DD12-1DB9-4D71-BC5A-265AA913401F}"/>
+              </a:ext>
+            </a:extLst>
+          </p:cNvPr>
+          <p:cNvPicPr>
+            <a:picLocks noChangeAspect="1"/>
+          </p:cNvPicPr>
+          <p:nvPr/>
+        </p:nvPicPr>
+        <p:blipFill>
+          <a:blip r:embed="rId5">
+            <a:extLst>
+              <a:ext uri="{28A0092B-C50C-407E-A947-70E740481C1C}">
+                <a14:useLocalDpi xmlns:a14="http://schemas.microsoft.com/office/drawing/2010/main" val="0"/>
+              </a:ext>
+              <a:ext uri="{96DAC541-7B7A-43D3-8B79-37D633B846F1}">
+                <asvg:svgBlip xmlns:asvg="http://schemas.microsoft.com/office/drawing/2016/SVG/main" r:embed="rId6"/>
+              </a:ext>
+            </a:extLst>
+          </a:blip>
+          <a:stretch>
+            <a:fillRect/>
+          </a:stretch>
+        </p:blipFill>
+        <p:spPr>
+          <a:xfrm>
+            <a:off x="8765925" y="4863456"/>
+            <a:ext cx="914400" cy="914400"/>
+          </a:xfrm>
+          <a:prstGeom prst="rect">
+            <a:avLst/>
+          </a:prstGeom>
+        </p:spPr>
+      </p:pic>
+      <p:pic>
+        <p:nvPicPr>
+          <p:cNvPr id="7" name="Grafik 6" descr="Irre komische Gesichtskontur">
+            <a:extLst>
+              <a:ext uri="{FF2B5EF4-FFF2-40B4-BE49-F238E27FC236}">
+                <a16:creationId xmlns:a16="http://schemas.microsoft.com/office/drawing/2014/main" id="{BCF7C180-C9F1-44A7-A22F-6FE107262864}"/>
+              </a:ext>
+            </a:extLst>
+          </p:cNvPr>
+          <p:cNvPicPr>
+            <a:picLocks noChangeAspect="1"/>
+          </p:cNvPicPr>
+          <p:nvPr/>
+        </p:nvPicPr>
+        <p:blipFill>
+          <a:blip r:embed="rId7">
+            <a:extLst>
+              <a:ext uri="{28A0092B-C50C-407E-A947-70E740481C1C}">
+                <a14:useLocalDpi xmlns:a14="http://schemas.microsoft.com/office/drawing/2010/main" val="0"/>
+              </a:ext>
+              <a:ext uri="{96DAC541-7B7A-43D3-8B79-37D633B846F1}">
+                <asvg:svgBlip xmlns:asvg="http://schemas.microsoft.com/office/drawing/2016/SVG/main" r:embed="rId8"/>
+              </a:ext>
+            </a:extLst>
+          </a:blip>
+          <a:stretch>
+            <a:fillRect/>
+          </a:stretch>
+        </p:blipFill>
+        <p:spPr>
+          <a:xfrm>
+            <a:off x="8773468" y="1113904"/>
+            <a:ext cx="914400" cy="914400"/>
+          </a:xfrm>
+          <a:prstGeom prst="rect">
+            <a:avLst/>
+          </a:prstGeom>
+        </p:spPr>
+      </p:pic>
+      <p:pic>
+        <p:nvPicPr>
+          <p:cNvPr id="9" name="Grafik 8" descr="Höhlenzeichnung">
+            <a:extLst>
+              <a:ext uri="{FF2B5EF4-FFF2-40B4-BE49-F238E27FC236}">
+                <a16:creationId xmlns:a16="http://schemas.microsoft.com/office/drawing/2014/main" id="{6CE76660-4CF2-46D5-A79A-FB4D1D7BA040}"/>
+              </a:ext>
+            </a:extLst>
+          </p:cNvPr>
+          <p:cNvPicPr>
+            <a:picLocks noChangeAspect="1"/>
+          </p:cNvPicPr>
+          <p:nvPr/>
+        </p:nvPicPr>
+        <p:blipFill>
+          <a:blip r:embed="rId9">
+            <a:extLst>
+              <a:ext uri="{28A0092B-C50C-407E-A947-70E740481C1C}">
+                <a14:useLocalDpi xmlns:a14="http://schemas.microsoft.com/office/drawing/2010/main" val="0"/>
+              </a:ext>
+              <a:ext uri="{96DAC541-7B7A-43D3-8B79-37D633B846F1}">
+                <asvg:svgBlip xmlns:asvg="http://schemas.microsoft.com/office/drawing/2016/SVG/main" r:embed="rId10"/>
+              </a:ext>
+            </a:extLst>
+          </a:blip>
+          <a:stretch>
+            <a:fillRect/>
+          </a:stretch>
+        </p:blipFill>
+        <p:spPr>
+          <a:xfrm>
+            <a:off x="8765925" y="2872047"/>
+            <a:ext cx="914400" cy="914400"/>
+          </a:xfrm>
+          <a:prstGeom prst="rect">
+            <a:avLst/>
+          </a:prstGeom>
+        </p:spPr>
+      </p:pic>
+      <p:pic>
+        <p:nvPicPr>
+          <p:cNvPr id="11" name="Grafik 10" descr="Klemmbrett teilweise angekreuzt">
+            <a:extLst>
+              <a:ext uri="{FF2B5EF4-FFF2-40B4-BE49-F238E27FC236}">
+                <a16:creationId xmlns:a16="http://schemas.microsoft.com/office/drawing/2014/main" id="{BD85D64D-75FD-4953-A8B7-9369C1EF421A}"/>
+              </a:ext>
+            </a:extLst>
+          </p:cNvPr>
+          <p:cNvPicPr>
+            <a:picLocks noChangeAspect="1"/>
+          </p:cNvPicPr>
+          <p:nvPr/>
+        </p:nvPicPr>
+        <p:blipFill>
+          <a:blip r:embed="rId11">
+            <a:extLst>
+              <a:ext uri="{28A0092B-C50C-407E-A947-70E740481C1C}">
+                <a14:useLocalDpi xmlns:a14="http://schemas.microsoft.com/office/drawing/2010/main" val="0"/>
+              </a:ext>
+              <a:ext uri="{96DAC541-7B7A-43D3-8B79-37D633B846F1}">
+                <asvg:svgBlip xmlns:asvg="http://schemas.microsoft.com/office/drawing/2016/SVG/main" r:embed="rId12"/>
+              </a:ext>
+            </a:extLst>
+          </a:blip>
+          <a:stretch>
+            <a:fillRect/>
+          </a:stretch>
+        </p:blipFill>
+        <p:spPr>
+          <a:xfrm>
+            <a:off x="9884162" y="1571104"/>
+            <a:ext cx="914400" cy="914400"/>
+          </a:xfrm>
+          <a:prstGeom prst="rect">
+            <a:avLst/>
+          </a:prstGeom>
+        </p:spPr>
+      </p:pic>
+      <p:pic>
+        <p:nvPicPr>
+          <p:cNvPr id="13" name="Grafik 12" descr="Management">
+            <a:extLst>
+              <a:ext uri="{FF2B5EF4-FFF2-40B4-BE49-F238E27FC236}">
+                <a16:creationId xmlns:a16="http://schemas.microsoft.com/office/drawing/2014/main" id="{C801CBFA-8581-4CF5-9F37-7335B06B2B02}"/>
+              </a:ext>
+            </a:extLst>
+          </p:cNvPr>
+          <p:cNvPicPr>
+            <a:picLocks noChangeAspect="1"/>
+          </p:cNvPicPr>
+          <p:nvPr/>
+        </p:nvPicPr>
+        <p:blipFill>
+          <a:blip r:embed="rId13">
+            <a:extLst>
+              <a:ext uri="{28A0092B-C50C-407E-A947-70E740481C1C}">
+                <a14:useLocalDpi xmlns:a14="http://schemas.microsoft.com/office/drawing/2010/main" val="0"/>
+              </a:ext>
+              <a:ext uri="{96DAC541-7B7A-43D3-8B79-37D633B846F1}">
+                <asvg:svgBlip xmlns:asvg="http://schemas.microsoft.com/office/drawing/2016/SVG/main" r:embed="rId14"/>
+              </a:ext>
+            </a:extLst>
+          </a:blip>
+          <a:stretch>
+            <a:fillRect/>
+          </a:stretch>
+        </p:blipFill>
+        <p:spPr>
+          <a:xfrm>
+            <a:off x="7684647" y="2414847"/>
+            <a:ext cx="914400" cy="914400"/>
+          </a:xfrm>
+          <a:prstGeom prst="rect">
+            <a:avLst/>
+          </a:prstGeom>
+        </p:spPr>
+      </p:pic>
+      <p:pic>
+        <p:nvPicPr>
+          <p:cNvPr id="15" name="Grafik 14" descr="Psychische Gesundheit">
+            <a:extLst>
+              <a:ext uri="{FF2B5EF4-FFF2-40B4-BE49-F238E27FC236}">
+                <a16:creationId xmlns:a16="http://schemas.microsoft.com/office/drawing/2014/main" id="{A81EACD8-8FEA-4938-A091-6064D984C847}"/>
+              </a:ext>
+            </a:extLst>
+          </p:cNvPr>
+          <p:cNvPicPr>
+            <a:picLocks noChangeAspect="1"/>
+          </p:cNvPicPr>
+          <p:nvPr/>
+        </p:nvPicPr>
+        <p:blipFill>
+          <a:blip r:embed="rId15">
+            <a:extLst>
+              <a:ext uri="{28A0092B-C50C-407E-A947-70E740481C1C}">
+                <a14:useLocalDpi xmlns:a14="http://schemas.microsoft.com/office/drawing/2010/main" val="0"/>
+              </a:ext>
+              <a:ext uri="{96DAC541-7B7A-43D3-8B79-37D633B846F1}">
+                <asvg:svgBlip xmlns:asvg="http://schemas.microsoft.com/office/drawing/2016/SVG/main" r:embed="rId16"/>
+              </a:ext>
+            </a:extLst>
+          </a:blip>
+          <a:stretch>
+            <a:fillRect/>
+          </a:stretch>
+        </p:blipFill>
+        <p:spPr>
+          <a:xfrm>
+            <a:off x="9884162" y="3329247"/>
+            <a:ext cx="914400" cy="914400"/>
+          </a:xfrm>
+          <a:prstGeom prst="rect">
+            <a:avLst/>
+          </a:prstGeom>
+        </p:spPr>
+      </p:pic>
+      <p:pic>
+        <p:nvPicPr>
+          <p:cNvPr id="17" name="Grafik 16" descr="Künstliche Intelligenz">
+            <a:extLst>
+              <a:ext uri="{FF2B5EF4-FFF2-40B4-BE49-F238E27FC236}">
+                <a16:creationId xmlns:a16="http://schemas.microsoft.com/office/drawing/2014/main" id="{D3AF6713-3BD0-4F5A-B29A-BEC2CFE31D0A}"/>
+              </a:ext>
+            </a:extLst>
+          </p:cNvPr>
+          <p:cNvPicPr>
+            <a:picLocks noChangeAspect="1"/>
+          </p:cNvPicPr>
+          <p:nvPr/>
+        </p:nvPicPr>
+        <p:blipFill>
+          <a:blip r:embed="rId17">
+            <a:extLst>
+              <a:ext uri="{28A0092B-C50C-407E-A947-70E740481C1C}">
+                <a14:useLocalDpi xmlns:a14="http://schemas.microsoft.com/office/drawing/2010/main" val="0"/>
+              </a:ext>
+              <a:ext uri="{96DAC541-7B7A-43D3-8B79-37D633B846F1}">
+                <asvg:svgBlip xmlns:asvg="http://schemas.microsoft.com/office/drawing/2016/SVG/main" r:embed="rId18"/>
+              </a:ext>
+            </a:extLst>
+          </a:blip>
+          <a:stretch>
+            <a:fillRect/>
+          </a:stretch>
+        </p:blipFill>
+        <p:spPr>
+          <a:xfrm>
+            <a:off x="7684647" y="4406256"/>
+            <a:ext cx="914400" cy="914400"/>
+          </a:xfrm>
+          <a:prstGeom prst="rect">
+            <a:avLst/>
+          </a:prstGeom>
+        </p:spPr>
+      </p:pic>
+      <p:pic>
+        <p:nvPicPr>
+          <p:cNvPr id="19" name="Grafik 18" descr="Blaupause">
+            <a:extLst>
+              <a:ext uri="{FF2B5EF4-FFF2-40B4-BE49-F238E27FC236}">
+                <a16:creationId xmlns:a16="http://schemas.microsoft.com/office/drawing/2014/main" id="{BC48230B-D4A1-47C1-A719-933A804DB8CE}"/>
+              </a:ext>
+            </a:extLst>
+          </p:cNvPr>
+          <p:cNvPicPr>
+            <a:picLocks noChangeAspect="1"/>
+          </p:cNvPicPr>
+          <p:nvPr/>
+        </p:nvPicPr>
+        <p:blipFill>
+          <a:blip r:embed="rId19">
+            <a:extLst>
+              <a:ext uri="{28A0092B-C50C-407E-A947-70E740481C1C}">
+                <a14:useLocalDpi xmlns:a14="http://schemas.microsoft.com/office/drawing/2010/main" val="0"/>
+              </a:ext>
+              <a:ext uri="{96DAC541-7B7A-43D3-8B79-37D633B846F1}">
+                <asvg:svgBlip xmlns:asvg="http://schemas.microsoft.com/office/drawing/2016/SVG/main" r:embed="rId20"/>
+              </a:ext>
+            </a:extLst>
+          </a:blip>
+          <a:stretch>
+            <a:fillRect/>
+          </a:stretch>
+        </p:blipFill>
+        <p:spPr>
+          <a:xfrm>
+            <a:off x="9884162" y="5320656"/>
+            <a:ext cx="914400" cy="914400"/>
+          </a:xfrm>
+          <a:prstGeom prst="rect">
+            <a:avLst/>
+          </a:prstGeom>
         </p:spPr>
       </p:pic>
     </p:spTree>
+    <p:extLst>
+      <p:ext uri="{BB962C8B-B14F-4D97-AF65-F5344CB8AC3E}">
+        <p14:creationId xmlns:p14="http://schemas.microsoft.com/office/powerpoint/2010/main" val="957416233"/>
+      </p:ext>
+    </p:extLst>
   </p:cSld>
   <p:clrMapOvr>
     <a:masterClrMapping/>
   </p:clrMapOvr>
-  <p:transition xmlns:p14="http://schemas.microsoft.com/office/powerpoint/2010/main" spd="med" advClick="1" p14:dur="1000"/>
+  <p:transition spd="slow"/>
+  <p:timing>
+    <p:tnLst>
+      <p:par>
+        <p:cTn id="1" dur="indefinite" restart="never" nodeType="tmRoot">
+          <p:childTnLst>
+            <p:seq concurrent="1" nextAc="seek">
+              <p:cTn id="2" dur="indefinite" nodeType="mainSeq">
+                <p:childTnLst>
+                  <p:par>
+                    <p:cTn id="3" fill="hold">
+                      <p:stCondLst>
+                        <p:cond delay="indefinite"/>
+                      </p:stCondLst>
+                      <p:childTnLst>
+                        <p:par>
+                          <p:cTn id="4" fill="hold">
+                            <p:stCondLst>
+                              <p:cond delay="0"/>
+                            </p:stCondLst>
+                            <p:childTnLst>
+                              <p:par>
+                                <p:cTn id="5" presetID="1" presetClass="entr" presetSubtype="0" fill="hold" nodeType="clickEffect">
+                                  <p:stCondLst>
+                                    <p:cond delay="0"/>
+                                  </p:stCondLst>
+                                  <p:childTnLst>
+                                    <p:set>
+                                      <p:cBhvr>
+                                        <p:cTn id="6" dur="1" fill="hold">
+                                          <p:stCondLst>
+                                            <p:cond delay="0"/>
+                                          </p:stCondLst>
+                                        </p:cTn>
+                                        <p:tgtEl>
+                                          <p:spTgt spid="202">
+                                            <p:txEl>
+                                              <p:pRg st="0" end="0"/>
+                                            </p:txEl>
+                                          </p:spTgt>
+                                        </p:tgtEl>
+                                        <p:attrNameLst>
+                                          <p:attrName>style.visibility</p:attrName>
+                                        </p:attrNameLst>
+                                      </p:cBhvr>
+                                      <p:to>
+                                        <p:strVal val="visible"/>
+                                      </p:to>
+                                    </p:set>
+                                  </p:childTnLst>
+                                </p:cTn>
+                              </p:par>
+                              <p:par>
+                                <p:cTn id="7" presetID="1" presetClass="entr" presetSubtype="0" fill="hold" nodeType="withEffect">
+                                  <p:stCondLst>
+                                    <p:cond delay="0"/>
+                                  </p:stCondLst>
+                                  <p:childTnLst>
+                                    <p:set>
+                                      <p:cBhvr>
+                                        <p:cTn id="8" dur="1" fill="hold">
+                                          <p:stCondLst>
+                                            <p:cond delay="0"/>
+                                          </p:stCondLst>
+                                        </p:cTn>
+                                        <p:tgtEl>
+                                          <p:spTgt spid="3"/>
+                                        </p:tgtEl>
+                                        <p:attrNameLst>
+                                          <p:attrName>style.visibility</p:attrName>
+                                        </p:attrNameLst>
+                                      </p:cBhvr>
+                                      <p:to>
+                                        <p:strVal val="visible"/>
+                                      </p:to>
+                                    </p:set>
+                                  </p:childTnLst>
+                                </p:cTn>
+                              </p:par>
+                              <p:par>
+                                <p:cTn id="9" presetID="1" presetClass="entr" presetSubtype="0" fill="hold" nodeType="withEffect">
+                                  <p:stCondLst>
+                                    <p:cond delay="0"/>
+                                  </p:stCondLst>
+                                  <p:childTnLst>
+                                    <p:set>
+                                      <p:cBhvr>
+                                        <p:cTn id="10" dur="1" fill="hold">
+                                          <p:stCondLst>
+                                            <p:cond delay="0"/>
+                                          </p:stCondLst>
+                                        </p:cTn>
+                                        <p:tgtEl>
+                                          <p:spTgt spid="7"/>
+                                        </p:tgtEl>
+                                        <p:attrNameLst>
+                                          <p:attrName>style.visibility</p:attrName>
+                                        </p:attrNameLst>
+                                      </p:cBhvr>
+                                      <p:to>
+                                        <p:strVal val="visible"/>
+                                      </p:to>
+                                    </p:set>
+                                  </p:childTnLst>
+                                </p:cTn>
+                              </p:par>
+                              <p:par>
+                                <p:cTn id="11" presetID="1" presetClass="entr" presetSubtype="0" fill="hold" nodeType="withEffect">
+                                  <p:stCondLst>
+                                    <p:cond delay="0"/>
+                                  </p:stCondLst>
+                                  <p:childTnLst>
+                                    <p:set>
+                                      <p:cBhvr>
+                                        <p:cTn id="12" dur="1" fill="hold">
+                                          <p:stCondLst>
+                                            <p:cond delay="0"/>
+                                          </p:stCondLst>
+                                        </p:cTn>
+                                        <p:tgtEl>
+                                          <p:spTgt spid="11"/>
+                                        </p:tgtEl>
+                                        <p:attrNameLst>
+                                          <p:attrName>style.visibility</p:attrName>
+                                        </p:attrNameLst>
+                                      </p:cBhvr>
+                                      <p:to>
+                                        <p:strVal val="visible"/>
+                                      </p:to>
+                                    </p:set>
+                                  </p:childTnLst>
+                                </p:cTn>
+                              </p:par>
+                              <p:par>
+                                <p:cTn id="13" presetID="1" presetClass="entr" presetSubtype="0" fill="hold" nodeType="withEffect">
+                                  <p:stCondLst>
+                                    <p:cond delay="0"/>
+                                  </p:stCondLst>
+                                  <p:childTnLst>
+                                    <p:set>
+                                      <p:cBhvr>
+                                        <p:cTn id="14" dur="1" fill="hold">
+                                          <p:stCondLst>
+                                            <p:cond delay="0"/>
+                                          </p:stCondLst>
+                                        </p:cTn>
+                                        <p:tgtEl>
+                                          <p:spTgt spid="202">
+                                            <p:txEl>
+                                              <p:pRg st="1" end="1"/>
+                                            </p:txEl>
+                                          </p:spTgt>
+                                        </p:tgtEl>
+                                        <p:attrNameLst>
+                                          <p:attrName>style.visibility</p:attrName>
+                                        </p:attrNameLst>
+                                      </p:cBhvr>
+                                      <p:to>
+                                        <p:strVal val="visible"/>
+                                      </p:to>
+                                    </p:set>
+                                  </p:childTnLst>
+                                </p:cTn>
+                              </p:par>
+                              <p:par>
+                                <p:cTn id="15" presetID="1" presetClass="entr" presetSubtype="0" fill="hold" nodeType="withEffect">
+                                  <p:stCondLst>
+                                    <p:cond delay="0"/>
+                                  </p:stCondLst>
+                                  <p:childTnLst>
+                                    <p:set>
+                                      <p:cBhvr>
+                                        <p:cTn id="16" dur="1" fill="hold">
+                                          <p:stCondLst>
+                                            <p:cond delay="0"/>
+                                          </p:stCondLst>
+                                        </p:cTn>
+                                        <p:tgtEl>
+                                          <p:spTgt spid="202">
+                                            <p:txEl>
+                                              <p:pRg st="2" end="2"/>
+                                            </p:txEl>
+                                          </p:spTgt>
+                                        </p:tgtEl>
+                                        <p:attrNameLst>
+                                          <p:attrName>style.visibility</p:attrName>
+                                        </p:attrNameLst>
+                                      </p:cBhvr>
+                                      <p:to>
+                                        <p:strVal val="visible"/>
+                                      </p:to>
+                                    </p:set>
+                                  </p:childTnLst>
+                                </p:cTn>
+                              </p:par>
+                              <p:par>
+                                <p:cTn id="17" presetID="1" presetClass="entr" presetSubtype="0" fill="hold" nodeType="withEffect">
+                                  <p:stCondLst>
+                                    <p:cond delay="0"/>
+                                  </p:stCondLst>
+                                  <p:childTnLst>
+                                    <p:set>
+                                      <p:cBhvr>
+                                        <p:cTn id="18" dur="1" fill="hold">
+                                          <p:stCondLst>
+                                            <p:cond delay="0"/>
+                                          </p:stCondLst>
+                                        </p:cTn>
+                                        <p:tgtEl>
+                                          <p:spTgt spid="202">
+                                            <p:txEl>
+                                              <p:pRg st="3" end="3"/>
+                                            </p:txEl>
+                                          </p:spTgt>
+                                        </p:tgtEl>
+                                        <p:attrNameLst>
+                                          <p:attrName>style.visibility</p:attrName>
+                                        </p:attrNameLst>
+                                      </p:cBhvr>
+                                      <p:to>
+                                        <p:strVal val="visible"/>
+                                      </p:to>
+                                    </p:set>
+                                  </p:childTnLst>
+                                </p:cTn>
+                              </p:par>
+                            </p:childTnLst>
+                          </p:cTn>
+                        </p:par>
+                      </p:childTnLst>
+                    </p:cTn>
+                  </p:par>
+                  <p:par>
+                    <p:cTn id="19" fill="hold">
+                      <p:stCondLst>
+                        <p:cond delay="indefinite"/>
+                      </p:stCondLst>
+                      <p:childTnLst>
+                        <p:par>
+                          <p:cTn id="20" fill="hold">
+                            <p:stCondLst>
+                              <p:cond delay="0"/>
+                            </p:stCondLst>
+                            <p:childTnLst>
+                              <p:par>
+                                <p:cTn id="21" presetID="1" presetClass="entr" presetSubtype="0" fill="hold" nodeType="clickEffect">
+                                  <p:stCondLst>
+                                    <p:cond delay="0"/>
+                                  </p:stCondLst>
+                                  <p:childTnLst>
+                                    <p:set>
+                                      <p:cBhvr>
+                                        <p:cTn id="22" dur="1" fill="hold">
+                                          <p:stCondLst>
+                                            <p:cond delay="0"/>
+                                          </p:stCondLst>
+                                        </p:cTn>
+                                        <p:tgtEl>
+                                          <p:spTgt spid="202">
+                                            <p:txEl>
+                                              <p:pRg st="5" end="5"/>
+                                            </p:txEl>
+                                          </p:spTgt>
+                                        </p:tgtEl>
+                                        <p:attrNameLst>
+                                          <p:attrName>style.visibility</p:attrName>
+                                        </p:attrNameLst>
+                                      </p:cBhvr>
+                                      <p:to>
+                                        <p:strVal val="visible"/>
+                                      </p:to>
+                                    </p:set>
+                                  </p:childTnLst>
+                                </p:cTn>
+                              </p:par>
+                              <p:par>
+                                <p:cTn id="23" presetID="1" presetClass="entr" presetSubtype="0" fill="hold" nodeType="withEffect">
+                                  <p:stCondLst>
+                                    <p:cond delay="0"/>
+                                  </p:stCondLst>
+                                  <p:childTnLst>
+                                    <p:set>
+                                      <p:cBhvr>
+                                        <p:cTn id="24" dur="1" fill="hold">
+                                          <p:stCondLst>
+                                            <p:cond delay="0"/>
+                                          </p:stCondLst>
+                                        </p:cTn>
+                                        <p:tgtEl>
+                                          <p:spTgt spid="202">
+                                            <p:txEl>
+                                              <p:pRg st="6" end="6"/>
+                                            </p:txEl>
+                                          </p:spTgt>
+                                        </p:tgtEl>
+                                        <p:attrNameLst>
+                                          <p:attrName>style.visibility</p:attrName>
+                                        </p:attrNameLst>
+                                      </p:cBhvr>
+                                      <p:to>
+                                        <p:strVal val="visible"/>
+                                      </p:to>
+                                    </p:set>
+                                  </p:childTnLst>
+                                </p:cTn>
+                              </p:par>
+                              <p:par>
+                                <p:cTn id="25" presetID="1" presetClass="entr" presetSubtype="0" fill="hold" nodeType="withEffect">
+                                  <p:stCondLst>
+                                    <p:cond delay="0"/>
+                                  </p:stCondLst>
+                                  <p:childTnLst>
+                                    <p:set>
+                                      <p:cBhvr>
+                                        <p:cTn id="26" dur="1" fill="hold">
+                                          <p:stCondLst>
+                                            <p:cond delay="0"/>
+                                          </p:stCondLst>
+                                        </p:cTn>
+                                        <p:tgtEl>
+                                          <p:spTgt spid="202">
+                                            <p:txEl>
+                                              <p:pRg st="7" end="7"/>
+                                            </p:txEl>
+                                          </p:spTgt>
+                                        </p:tgtEl>
+                                        <p:attrNameLst>
+                                          <p:attrName>style.visibility</p:attrName>
+                                        </p:attrNameLst>
+                                      </p:cBhvr>
+                                      <p:to>
+                                        <p:strVal val="visible"/>
+                                      </p:to>
+                                    </p:set>
+                                  </p:childTnLst>
+                                </p:cTn>
+                              </p:par>
+                              <p:par>
+                                <p:cTn id="27" presetID="1" presetClass="entr" presetSubtype="0" fill="hold" nodeType="withEffect">
+                                  <p:stCondLst>
+                                    <p:cond delay="0"/>
+                                  </p:stCondLst>
+                                  <p:childTnLst>
+                                    <p:set>
+                                      <p:cBhvr>
+                                        <p:cTn id="28" dur="1" fill="hold">
+                                          <p:stCondLst>
+                                            <p:cond delay="0"/>
+                                          </p:stCondLst>
+                                        </p:cTn>
+                                        <p:tgtEl>
+                                          <p:spTgt spid="13"/>
+                                        </p:tgtEl>
+                                        <p:attrNameLst>
+                                          <p:attrName>style.visibility</p:attrName>
+                                        </p:attrNameLst>
+                                      </p:cBhvr>
+                                      <p:to>
+                                        <p:strVal val="visible"/>
+                                      </p:to>
+                                    </p:set>
+                                  </p:childTnLst>
+                                </p:cTn>
+                              </p:par>
+                              <p:par>
+                                <p:cTn id="29" presetID="1" presetClass="entr" presetSubtype="0" fill="hold" nodeType="withEffect">
+                                  <p:stCondLst>
+                                    <p:cond delay="0"/>
+                                  </p:stCondLst>
+                                  <p:childTnLst>
+                                    <p:set>
+                                      <p:cBhvr>
+                                        <p:cTn id="30" dur="1" fill="hold">
+                                          <p:stCondLst>
+                                            <p:cond delay="0"/>
+                                          </p:stCondLst>
+                                        </p:cTn>
+                                        <p:tgtEl>
+                                          <p:spTgt spid="9"/>
+                                        </p:tgtEl>
+                                        <p:attrNameLst>
+                                          <p:attrName>style.visibility</p:attrName>
+                                        </p:attrNameLst>
+                                      </p:cBhvr>
+                                      <p:to>
+                                        <p:strVal val="visible"/>
+                                      </p:to>
+                                    </p:set>
+                                  </p:childTnLst>
+                                </p:cTn>
+                              </p:par>
+                              <p:par>
+                                <p:cTn id="31" presetID="1" presetClass="entr" presetSubtype="0" fill="hold" nodeType="withEffect">
+                                  <p:stCondLst>
+                                    <p:cond delay="0"/>
+                                  </p:stCondLst>
+                                  <p:childTnLst>
+                                    <p:set>
+                                      <p:cBhvr>
+                                        <p:cTn id="32" dur="1" fill="hold">
+                                          <p:stCondLst>
+                                            <p:cond delay="0"/>
+                                          </p:stCondLst>
+                                        </p:cTn>
+                                        <p:tgtEl>
+                                          <p:spTgt spid="15"/>
+                                        </p:tgtEl>
+                                        <p:attrNameLst>
+                                          <p:attrName>style.visibility</p:attrName>
+                                        </p:attrNameLst>
+                                      </p:cBhvr>
+                                      <p:to>
+                                        <p:strVal val="visible"/>
+                                      </p:to>
+                                    </p:set>
+                                  </p:childTnLst>
+                                </p:cTn>
+                              </p:par>
+                              <p:par>
+                                <p:cTn id="33" presetID="1" presetClass="entr" presetSubtype="0" fill="hold" nodeType="withEffect">
+                                  <p:stCondLst>
+                                    <p:cond delay="0"/>
+                                  </p:stCondLst>
+                                  <p:childTnLst>
+                                    <p:set>
+                                      <p:cBhvr>
+                                        <p:cTn id="34" dur="1" fill="hold">
+                                          <p:stCondLst>
+                                            <p:cond delay="0"/>
+                                          </p:stCondLst>
+                                        </p:cTn>
+                                        <p:tgtEl>
+                                          <p:spTgt spid="202">
+                                            <p:txEl>
+                                              <p:pRg st="8" end="8"/>
+                                            </p:txEl>
+                                          </p:spTgt>
+                                        </p:tgtEl>
+                                        <p:attrNameLst>
+                                          <p:attrName>style.visibility</p:attrName>
+                                        </p:attrNameLst>
+                                      </p:cBhvr>
+                                      <p:to>
+                                        <p:strVal val="visible"/>
+                                      </p:to>
+                                    </p:set>
+                                  </p:childTnLst>
+                                </p:cTn>
+                              </p:par>
+                              <p:par>
+                                <p:cTn id="35" presetID="1" presetClass="entr" presetSubtype="0" fill="hold" nodeType="withEffect">
+                                  <p:stCondLst>
+                                    <p:cond delay="0"/>
+                                  </p:stCondLst>
+                                  <p:childTnLst>
+                                    <p:set>
+                                      <p:cBhvr>
+                                        <p:cTn id="36" dur="1" fill="hold">
+                                          <p:stCondLst>
+                                            <p:cond delay="0"/>
+                                          </p:stCondLst>
+                                        </p:cTn>
+                                        <p:tgtEl>
+                                          <p:spTgt spid="202">
+                                            <p:txEl>
+                                              <p:pRg st="9" end="9"/>
+                                            </p:txEl>
+                                          </p:spTgt>
+                                        </p:tgtEl>
+                                        <p:attrNameLst>
+                                          <p:attrName>style.visibility</p:attrName>
+                                        </p:attrNameLst>
+                                      </p:cBhvr>
+                                      <p:to>
+                                        <p:strVal val="visible"/>
+                                      </p:to>
+                                    </p:set>
+                                  </p:childTnLst>
+                                </p:cTn>
+                              </p:par>
+                            </p:childTnLst>
+                          </p:cTn>
+                        </p:par>
+                      </p:childTnLst>
+                    </p:cTn>
+                  </p:par>
+                  <p:par>
+                    <p:cTn id="37" fill="hold">
+                      <p:stCondLst>
+                        <p:cond delay="indefinite"/>
+                      </p:stCondLst>
+                      <p:childTnLst>
+                        <p:par>
+                          <p:cTn id="38" fill="hold">
+                            <p:stCondLst>
+                              <p:cond delay="0"/>
+                            </p:stCondLst>
+                            <p:childTnLst>
+                              <p:par>
+                                <p:cTn id="39" presetID="1" presetClass="entr" presetSubtype="0" fill="hold" nodeType="clickEffect">
+                                  <p:stCondLst>
+                                    <p:cond delay="0"/>
+                                  </p:stCondLst>
+                                  <p:childTnLst>
+                                    <p:set>
+                                      <p:cBhvr>
+                                        <p:cTn id="40" dur="1" fill="hold">
+                                          <p:stCondLst>
+                                            <p:cond delay="0"/>
+                                          </p:stCondLst>
+                                        </p:cTn>
+                                        <p:tgtEl>
+                                          <p:spTgt spid="202">
+                                            <p:txEl>
+                                              <p:pRg st="11" end="11"/>
+                                            </p:txEl>
+                                          </p:spTgt>
+                                        </p:tgtEl>
+                                        <p:attrNameLst>
+                                          <p:attrName>style.visibility</p:attrName>
+                                        </p:attrNameLst>
+                                      </p:cBhvr>
+                                      <p:to>
+                                        <p:strVal val="visible"/>
+                                      </p:to>
+                                    </p:set>
+                                  </p:childTnLst>
+                                </p:cTn>
+                              </p:par>
+                              <p:par>
+                                <p:cTn id="41" presetID="1" presetClass="entr" presetSubtype="0" fill="hold" nodeType="withEffect">
+                                  <p:stCondLst>
+                                    <p:cond delay="0"/>
+                                  </p:stCondLst>
+                                  <p:childTnLst>
+                                    <p:set>
+                                      <p:cBhvr>
+                                        <p:cTn id="42" dur="1" fill="hold">
+                                          <p:stCondLst>
+                                            <p:cond delay="0"/>
+                                          </p:stCondLst>
+                                        </p:cTn>
+                                        <p:tgtEl>
+                                          <p:spTgt spid="202">
+                                            <p:txEl>
+                                              <p:pRg st="12" end="12"/>
+                                            </p:txEl>
+                                          </p:spTgt>
+                                        </p:tgtEl>
+                                        <p:attrNameLst>
+                                          <p:attrName>style.visibility</p:attrName>
+                                        </p:attrNameLst>
+                                      </p:cBhvr>
+                                      <p:to>
+                                        <p:strVal val="visible"/>
+                                      </p:to>
+                                    </p:set>
+                                  </p:childTnLst>
+                                </p:cTn>
+                              </p:par>
+                              <p:par>
+                                <p:cTn id="43" presetID="1" presetClass="entr" presetSubtype="0" fill="hold" nodeType="withEffect">
+                                  <p:stCondLst>
+                                    <p:cond delay="0"/>
+                                  </p:stCondLst>
+                                  <p:childTnLst>
+                                    <p:set>
+                                      <p:cBhvr>
+                                        <p:cTn id="44" dur="1" fill="hold">
+                                          <p:stCondLst>
+                                            <p:cond delay="0"/>
+                                          </p:stCondLst>
+                                        </p:cTn>
+                                        <p:tgtEl>
+                                          <p:spTgt spid="202">
+                                            <p:txEl>
+                                              <p:pRg st="13" end="13"/>
+                                            </p:txEl>
+                                          </p:spTgt>
+                                        </p:tgtEl>
+                                        <p:attrNameLst>
+                                          <p:attrName>style.visibility</p:attrName>
+                                        </p:attrNameLst>
+                                      </p:cBhvr>
+                                      <p:to>
+                                        <p:strVal val="visible"/>
+                                      </p:to>
+                                    </p:set>
+                                  </p:childTnLst>
+                                </p:cTn>
+                              </p:par>
+                              <p:par>
+                                <p:cTn id="45" presetID="1" presetClass="entr" presetSubtype="0" fill="hold" nodeType="withEffect">
+                                  <p:stCondLst>
+                                    <p:cond delay="0"/>
+                                  </p:stCondLst>
+                                  <p:childTnLst>
+                                    <p:set>
+                                      <p:cBhvr>
+                                        <p:cTn id="46" dur="1" fill="hold">
+                                          <p:stCondLst>
+                                            <p:cond delay="0"/>
+                                          </p:stCondLst>
+                                        </p:cTn>
+                                        <p:tgtEl>
+                                          <p:spTgt spid="202">
+                                            <p:txEl>
+                                              <p:pRg st="14" end="14"/>
+                                            </p:txEl>
+                                          </p:spTgt>
+                                        </p:tgtEl>
+                                        <p:attrNameLst>
+                                          <p:attrName>style.visibility</p:attrName>
+                                        </p:attrNameLst>
+                                      </p:cBhvr>
+                                      <p:to>
+                                        <p:strVal val="visible"/>
+                                      </p:to>
+                                    </p:set>
+                                  </p:childTnLst>
+                                </p:cTn>
+                              </p:par>
+                              <p:par>
+                                <p:cTn id="47" presetID="1" presetClass="entr" presetSubtype="0" fill="hold" nodeType="withEffect">
+                                  <p:stCondLst>
+                                    <p:cond delay="0"/>
+                                  </p:stCondLst>
+                                  <p:childTnLst>
+                                    <p:set>
+                                      <p:cBhvr>
+                                        <p:cTn id="48" dur="1" fill="hold">
+                                          <p:stCondLst>
+                                            <p:cond delay="0"/>
+                                          </p:stCondLst>
+                                        </p:cTn>
+                                        <p:tgtEl>
+                                          <p:spTgt spid="17"/>
+                                        </p:tgtEl>
+                                        <p:attrNameLst>
+                                          <p:attrName>style.visibility</p:attrName>
+                                        </p:attrNameLst>
+                                      </p:cBhvr>
+                                      <p:to>
+                                        <p:strVal val="visible"/>
+                                      </p:to>
+                                    </p:set>
+                                  </p:childTnLst>
+                                </p:cTn>
+                              </p:par>
+                              <p:par>
+                                <p:cTn id="49" presetID="1" presetClass="entr" presetSubtype="0" fill="hold" nodeType="withEffect">
+                                  <p:stCondLst>
+                                    <p:cond delay="0"/>
+                                  </p:stCondLst>
+                                  <p:childTnLst>
+                                    <p:set>
+                                      <p:cBhvr>
+                                        <p:cTn id="50" dur="1" fill="hold">
+                                          <p:stCondLst>
+                                            <p:cond delay="0"/>
+                                          </p:stCondLst>
+                                        </p:cTn>
+                                        <p:tgtEl>
+                                          <p:spTgt spid="5"/>
+                                        </p:tgtEl>
+                                        <p:attrNameLst>
+                                          <p:attrName>style.visibility</p:attrName>
+                                        </p:attrNameLst>
+                                      </p:cBhvr>
+                                      <p:to>
+                                        <p:strVal val="visible"/>
+                                      </p:to>
+                                    </p:set>
+                                  </p:childTnLst>
+                                </p:cTn>
+                              </p:par>
+                              <p:par>
+                                <p:cTn id="51" presetID="1" presetClass="entr" presetSubtype="0" fill="hold" nodeType="withEffect">
+                                  <p:stCondLst>
+                                    <p:cond delay="0"/>
+                                  </p:stCondLst>
+                                  <p:childTnLst>
+                                    <p:set>
+                                      <p:cBhvr>
+                                        <p:cTn id="52" dur="1" fill="hold">
+                                          <p:stCondLst>
+                                            <p:cond delay="0"/>
+                                          </p:stCondLst>
+                                        </p:cTn>
+                                        <p:tgtEl>
+                                          <p:spTgt spid="19"/>
+                                        </p:tgtEl>
+                                        <p:attrNameLst>
+                                          <p:attrName>style.visibility</p:attrName>
+                                        </p:attrNameLst>
+                                      </p:cBhvr>
+                                      <p:to>
+                                        <p:strVal val="visible"/>
+                                      </p:to>
+                                    </p:set>
+                                  </p:childTnLst>
+                                </p:cTn>
+                              </p:par>
+                            </p:childTnLst>
+                          </p:cTn>
+                        </p:par>
+                      </p:childTnLst>
+                    </p:cTn>
+                  </p:par>
+                </p:childTnLst>
+              </p:cTn>
+              <p:prevCondLst>
+                <p:cond evt="onPrev" delay="0">
+                  <p:tgtEl>
+                    <p:sldTgt/>
+                  </p:tgtEl>
+                </p:cond>
+              </p:prevCondLst>
+              <p:nextCondLst>
+                <p:cond evt="onNext" delay="0">
+                  <p:tgtEl>
+                    <p:sldTgt/>
+                  </p:tgtEl>
+                </p:cond>
+              </p:nextCondLst>
+            </p:seq>
+          </p:childTnLst>
+        </p:cTn>
+      </p:par>
+    </p:tnLst>
+  </p:timing>
 </p:sld>
 </file>
 
 <file path=ppt/theme/theme1.xml><?xml version="1.0" encoding="utf-8"?>
-<a:theme xmlns:a="http://schemas.openxmlformats.org/drawingml/2006/main" xmlns:r="http://schemas.openxmlformats.org/officeDocument/2006/relationships" name="Office">
+<a:theme xmlns:a="http://schemas.openxmlformats.org/drawingml/2006/main" name="Office">
   <a:themeElements>
     <a:clrScheme name="Office">
       <a:dk1>
@@ -7060,7 +8467,7 @@
         <a:effectLst/>
         <a:sp3d/>
       </a:spPr>
-      <a:bodyPr rot="0" spcFirstLastPara="1" vertOverflow="overflow" horzOverflow="overflow" vert="horz" wrap="square" lIns="45718" tIns="45718" rIns="45718" bIns="45718" numCol="1" spcCol="38100" rtlCol="0" anchor="ctr" upright="0">
+      <a:bodyPr rot="0" spcFirstLastPara="1" vertOverflow="overflow" horzOverflow="overflow" vert="horz" wrap="square" lIns="45718" tIns="45718" rIns="45718" bIns="45718" numCol="1" spcCol="38100" rtlCol="0" anchor="ctr">
         <a:spAutoFit/>
       </a:bodyPr>
       <a:lstStyle>
@@ -7079,7 +8486,7 @@
           <a:buFontTx/>
           <a:buNone/>
           <a:tabLst/>
-          <a:defRPr b="0" baseline="0" cap="none" i="0" spc="0" strike="noStrike" sz="1800" u="none" kumimoji="0" normalizeH="0">
+          <a:defRPr kumimoji="0" sz="1800" b="0" i="0" u="none" strike="noStrike" cap="none" spc="0" normalizeH="0" baseline="0">
             <a:ln>
               <a:noFill/>
             </a:ln>
@@ -7109,7 +8516,7 @@
           <a:buFontTx/>
           <a:buNone/>
           <a:tabLst/>
-          <a:defRPr b="0" baseline="0" cap="none" i="0" spc="0" strike="noStrike" sz="1800" u="none" kumimoji="0" normalizeH="0">
+          <a:defRPr kumimoji="0" sz="1800" b="0" i="0" u="none" strike="noStrike" cap="none" spc="0" normalizeH="0" baseline="0">
             <a:ln>
               <a:noFill/>
             </a:ln>
@@ -7135,7 +8542,7 @@
           <a:buFontTx/>
           <a:buNone/>
           <a:tabLst/>
-          <a:defRPr b="0" baseline="0" cap="none" i="0" spc="0" strike="noStrike" sz="1800" u="none" kumimoji="0" normalizeH="0">
+          <a:defRPr kumimoji="0" sz="1800" b="0" i="0" u="none" strike="noStrike" cap="none" spc="0" normalizeH="0" baseline="0">
             <a:ln>
               <a:noFill/>
             </a:ln>
@@ -7161,7 +8568,7 @@
           <a:buFontTx/>
           <a:buNone/>
           <a:tabLst/>
-          <a:defRPr b="0" baseline="0" cap="none" i="0" spc="0" strike="noStrike" sz="1800" u="none" kumimoji="0" normalizeH="0">
+          <a:defRPr kumimoji="0" sz="1800" b="0" i="0" u="none" strike="noStrike" cap="none" spc="0" normalizeH="0" baseline="0">
             <a:ln>
               <a:noFill/>
             </a:ln>
@@ -7187,7 +8594,7 @@
           <a:buFontTx/>
           <a:buNone/>
           <a:tabLst/>
-          <a:defRPr b="0" baseline="0" cap="none" i="0" spc="0" strike="noStrike" sz="1800" u="none" kumimoji="0" normalizeH="0">
+          <a:defRPr kumimoji="0" sz="1800" b="0" i="0" u="none" strike="noStrike" cap="none" spc="0" normalizeH="0" baseline="0">
             <a:ln>
               <a:noFill/>
             </a:ln>
@@ -7213,7 +8620,7 @@
           <a:buFontTx/>
           <a:buNone/>
           <a:tabLst/>
-          <a:defRPr b="0" baseline="0" cap="none" i="0" spc="0" strike="noStrike" sz="1800" u="none" kumimoji="0" normalizeH="0">
+          <a:defRPr kumimoji="0" sz="1800" b="0" i="0" u="none" strike="noStrike" cap="none" spc="0" normalizeH="0" baseline="0">
             <a:ln>
               <a:noFill/>
             </a:ln>
@@ -7239,7 +8646,7 @@
           <a:buFontTx/>
           <a:buNone/>
           <a:tabLst/>
-          <a:defRPr b="0" baseline="0" cap="none" i="0" spc="0" strike="noStrike" sz="1800" u="none" kumimoji="0" normalizeH="0">
+          <a:defRPr kumimoji="0" sz="1800" b="0" i="0" u="none" strike="noStrike" cap="none" spc="0" normalizeH="0" baseline="0">
             <a:ln>
               <a:noFill/>
             </a:ln>
@@ -7265,7 +8672,7 @@
           <a:buFontTx/>
           <a:buNone/>
           <a:tabLst/>
-          <a:defRPr b="0" baseline="0" cap="none" i="0" spc="0" strike="noStrike" sz="1800" u="none" kumimoji="0" normalizeH="0">
+          <a:defRPr kumimoji="0" sz="1800" b="0" i="0" u="none" strike="noStrike" cap="none" spc="0" normalizeH="0" baseline="0">
             <a:ln>
               <a:noFill/>
             </a:ln>
@@ -7291,7 +8698,7 @@
           <a:buFontTx/>
           <a:buNone/>
           <a:tabLst/>
-          <a:defRPr b="0" baseline="0" cap="none" i="0" spc="0" strike="noStrike" sz="1800" u="none" kumimoji="0" normalizeH="0">
+          <a:defRPr kumimoji="0" sz="1800" b="0" i="0" u="none" strike="noStrike" cap="none" spc="0" normalizeH="0" baseline="0">
             <a:ln>
               <a:noFill/>
             </a:ln>
@@ -7317,7 +8724,7 @@
           <a:buFontTx/>
           <a:buNone/>
           <a:tabLst/>
-          <a:defRPr b="0" baseline="0" cap="none" i="0" spc="0" strike="noStrike" sz="1800" u="none" kumimoji="0" normalizeH="0">
+          <a:defRPr kumimoji="0" sz="1800" b="0" i="0" u="none" strike="noStrike" cap="none" spc="0" normalizeH="0" baseline="0">
             <a:ln>
               <a:noFill/>
             </a:ln>
@@ -7330,9 +8737,15 @@
         </a:lvl9pPr>
       </a:lstStyle>
       <a:style>
-        <a:lnRef idx="0"/>
-        <a:fillRef idx="0"/>
-        <a:effectRef idx="0"/>
+        <a:lnRef idx="0">
+          <a:scrgbClr r="0" g="0" b="0"/>
+        </a:lnRef>
+        <a:fillRef idx="0">
+          <a:scrgbClr r="0" g="0" b="0"/>
+        </a:fillRef>
+        <a:effectRef idx="0">
+          <a:scrgbClr r="0" g="0" b="0"/>
+        </a:effectRef>
         <a:fontRef idx="none"/>
       </a:style>
     </a:spDef>
@@ -7349,7 +8762,7 @@
         <a:effectLst/>
         <a:sp3d/>
       </a:spPr>
-      <a:bodyPr rot="0" spcFirstLastPara="1" vertOverflow="overflow" horzOverflow="overflow" vert="horz" wrap="square" lIns="91439" tIns="45719" rIns="91439" bIns="45719" numCol="1" spcCol="38100" rtlCol="0" anchor="t" upright="0">
+      <a:bodyPr rot="0" spcFirstLastPara="1" vertOverflow="overflow" horzOverflow="overflow" vert="horz" wrap="square" lIns="91439" tIns="45719" rIns="91439" bIns="45719" numCol="1" spcCol="38100" rtlCol="0" anchor="t">
         <a:noAutofit/>
       </a:bodyPr>
       <a:lstStyle>
@@ -7368,7 +8781,7 @@
           <a:buFontTx/>
           <a:buNone/>
           <a:tabLst/>
-          <a:defRPr b="0" baseline="0" cap="none" i="0" spc="0" strike="noStrike" sz="1800" u="none" kumimoji="0" normalizeH="0">
+          <a:defRPr kumimoji="0" sz="1800" b="0" i="0" u="none" strike="noStrike" cap="none" spc="0" normalizeH="0" baseline="0">
             <a:ln>
               <a:noFill/>
             </a:ln>
@@ -7394,7 +8807,7 @@
           <a:buFontTx/>
           <a:buNone/>
           <a:tabLst/>
-          <a:defRPr b="0" baseline="0" cap="none" i="0" spc="0" strike="noStrike" sz="1800" u="none" kumimoji="0" normalizeH="0">
+          <a:defRPr kumimoji="0" sz="1800" b="0" i="0" u="none" strike="noStrike" cap="none" spc="0" normalizeH="0" baseline="0">
             <a:ln>
               <a:noFill/>
             </a:ln>
@@ -7420,7 +8833,7 @@
           <a:buFontTx/>
           <a:buNone/>
           <a:tabLst/>
-          <a:defRPr b="0" baseline="0" cap="none" i="0" spc="0" strike="noStrike" sz="1800" u="none" kumimoji="0" normalizeH="0">
+          <a:defRPr kumimoji="0" sz="1800" b="0" i="0" u="none" strike="noStrike" cap="none" spc="0" normalizeH="0" baseline="0">
             <a:ln>
               <a:noFill/>
             </a:ln>
@@ -7446,7 +8859,7 @@
           <a:buFontTx/>
           <a:buNone/>
           <a:tabLst/>
-          <a:defRPr b="0" baseline="0" cap="none" i="0" spc="0" strike="noStrike" sz="1800" u="none" kumimoji="0" normalizeH="0">
+          <a:defRPr kumimoji="0" sz="1800" b="0" i="0" u="none" strike="noStrike" cap="none" spc="0" normalizeH="0" baseline="0">
             <a:ln>
               <a:noFill/>
             </a:ln>
@@ -7472,7 +8885,7 @@
           <a:buFontTx/>
           <a:buNone/>
           <a:tabLst/>
-          <a:defRPr b="0" baseline="0" cap="none" i="0" spc="0" strike="noStrike" sz="1800" u="none" kumimoji="0" normalizeH="0">
+          <a:defRPr kumimoji="0" sz="1800" b="0" i="0" u="none" strike="noStrike" cap="none" spc="0" normalizeH="0" baseline="0">
             <a:ln>
               <a:noFill/>
             </a:ln>
@@ -7498,7 +8911,7 @@
           <a:buFontTx/>
           <a:buNone/>
           <a:tabLst/>
-          <a:defRPr b="0" baseline="0" cap="none" i="0" spc="0" strike="noStrike" sz="1800" u="none" kumimoji="0" normalizeH="0">
+          <a:defRPr kumimoji="0" sz="1800" b="0" i="0" u="none" strike="noStrike" cap="none" spc="0" normalizeH="0" baseline="0">
             <a:ln>
               <a:noFill/>
             </a:ln>
@@ -7524,7 +8937,7 @@
           <a:buFontTx/>
           <a:buNone/>
           <a:tabLst/>
-          <a:defRPr b="0" baseline="0" cap="none" i="0" spc="0" strike="noStrike" sz="1800" u="none" kumimoji="0" normalizeH="0">
+          <a:defRPr kumimoji="0" sz="1800" b="0" i="0" u="none" strike="noStrike" cap="none" spc="0" normalizeH="0" baseline="0">
             <a:ln>
               <a:noFill/>
             </a:ln>
@@ -7550,7 +8963,7 @@
           <a:buFontTx/>
           <a:buNone/>
           <a:tabLst/>
-          <a:defRPr b="0" baseline="0" cap="none" i="0" spc="0" strike="noStrike" sz="1800" u="none" kumimoji="0" normalizeH="0">
+          <a:defRPr kumimoji="0" sz="1800" b="0" i="0" u="none" strike="noStrike" cap="none" spc="0" normalizeH="0" baseline="0">
             <a:ln>
               <a:noFill/>
             </a:ln>
@@ -7576,7 +8989,7 @@
           <a:buFontTx/>
           <a:buNone/>
           <a:tabLst/>
-          <a:defRPr b="0" baseline="0" cap="none" i="0" spc="0" strike="noStrike" sz="1800" u="none" kumimoji="0" normalizeH="0">
+          <a:defRPr kumimoji="0" sz="1800" b="0" i="0" u="none" strike="noStrike" cap="none" spc="0" normalizeH="0" baseline="0">
             <a:ln>
               <a:noFill/>
             </a:ln>
@@ -7602,7 +9015,7 @@
           <a:buFontTx/>
           <a:buNone/>
           <a:tabLst/>
-          <a:defRPr b="0" baseline="0" cap="none" i="0" spc="0" strike="noStrike" sz="1800" u="none" kumimoji="0" normalizeH="0">
+          <a:defRPr kumimoji="0" sz="1800" b="0" i="0" u="none" strike="noStrike" cap="none" spc="0" normalizeH="0" baseline="0">
             <a:ln>
               <a:noFill/>
             </a:ln>
@@ -7615,9 +9028,15 @@
         </a:lvl9pPr>
       </a:lstStyle>
       <a:style>
-        <a:lnRef idx="0"/>
-        <a:fillRef idx="0"/>
-        <a:effectRef idx="0"/>
+        <a:lnRef idx="0">
+          <a:scrgbClr r="0" g="0" b="0"/>
+        </a:lnRef>
+        <a:fillRef idx="0">
+          <a:scrgbClr r="0" g="0" b="0"/>
+        </a:fillRef>
+        <a:effectRef idx="0">
+          <a:scrgbClr r="0" g="0" b="0"/>
+        </a:effectRef>
         <a:fontRef idx="none"/>
       </a:style>
     </a:lnDef>
@@ -7631,7 +9050,7 @@
         <a:effectLst/>
         <a:sp3d/>
       </a:spPr>
-      <a:bodyPr rot="0" spcFirstLastPara="1" vertOverflow="overflow" horzOverflow="overflow" vert="horz" wrap="square" lIns="45718" tIns="45718" rIns="45718" bIns="45718" numCol="1" spcCol="38100" rtlCol="0" anchor="t" upright="0">
+      <a:bodyPr rot="0" spcFirstLastPara="1" vertOverflow="overflow" horzOverflow="overflow" vert="horz" wrap="square" lIns="45718" tIns="45718" rIns="45718" bIns="45718" numCol="1" spcCol="38100" rtlCol="0" anchor="t">
         <a:spAutoFit/>
       </a:bodyPr>
       <a:lstStyle>
@@ -7650,7 +9069,7 @@
           <a:buFontTx/>
           <a:buNone/>
           <a:tabLst/>
-          <a:defRPr b="0" baseline="0" cap="none" i="0" spc="0" strike="noStrike" sz="1800" u="none" kumimoji="0" normalizeH="0">
+          <a:defRPr kumimoji="0" sz="1800" b="0" i="0" u="none" strike="noStrike" cap="none" spc="0" normalizeH="0" baseline="0">
             <a:ln>
               <a:noFill/>
             </a:ln>
@@ -7680,7 +9099,7 @@
           <a:buFontTx/>
           <a:buNone/>
           <a:tabLst/>
-          <a:defRPr b="0" baseline="0" cap="none" i="0" spc="0" strike="noStrike" sz="1800" u="none" kumimoji="0" normalizeH="0">
+          <a:defRPr kumimoji="0" sz="1800" b="0" i="0" u="none" strike="noStrike" cap="none" spc="0" normalizeH="0" baseline="0">
             <a:ln>
               <a:noFill/>
             </a:ln>
@@ -7706,7 +9125,7 @@
           <a:buFontTx/>
           <a:buNone/>
           <a:tabLst/>
-          <a:defRPr b="0" baseline="0" cap="none" i="0" spc="0" strike="noStrike" sz="1800" u="none" kumimoji="0" normalizeH="0">
+          <a:defRPr kumimoji="0" sz="1800" b="0" i="0" u="none" strike="noStrike" cap="none" spc="0" normalizeH="0" baseline="0">
             <a:ln>
               <a:noFill/>
             </a:ln>
@@ -7732,7 +9151,7 @@
           <a:buFontTx/>
           <a:buNone/>
           <a:tabLst/>
-          <a:defRPr b="0" baseline="0" cap="none" i="0" spc="0" strike="noStrike" sz="1800" u="none" kumimoji="0" normalizeH="0">
+          <a:defRPr kumimoji="0" sz="1800" b="0" i="0" u="none" strike="noStrike" cap="none" spc="0" normalizeH="0" baseline="0">
             <a:ln>
               <a:noFill/>
             </a:ln>
@@ -7758,7 +9177,7 @@
           <a:buFontTx/>
           <a:buNone/>
           <a:tabLst/>
-          <a:defRPr b="0" baseline="0" cap="none" i="0" spc="0" strike="noStrike" sz="1800" u="none" kumimoji="0" normalizeH="0">
+          <a:defRPr kumimoji="0" sz="1800" b="0" i="0" u="none" strike="noStrike" cap="none" spc="0" normalizeH="0" baseline="0">
             <a:ln>
               <a:noFill/>
             </a:ln>
@@ -7784,7 +9203,7 @@
           <a:buFontTx/>
           <a:buNone/>
           <a:tabLst/>
-          <a:defRPr b="0" baseline="0" cap="none" i="0" spc="0" strike="noStrike" sz="1800" u="none" kumimoji="0" normalizeH="0">
+          <a:defRPr kumimoji="0" sz="1800" b="0" i="0" u="none" strike="noStrike" cap="none" spc="0" normalizeH="0" baseline="0">
             <a:ln>
               <a:noFill/>
             </a:ln>
@@ -7810,7 +9229,7 @@
           <a:buFontTx/>
           <a:buNone/>
           <a:tabLst/>
-          <a:defRPr b="0" baseline="0" cap="none" i="0" spc="0" strike="noStrike" sz="1800" u="none" kumimoji="0" normalizeH="0">
+          <a:defRPr kumimoji="0" sz="1800" b="0" i="0" u="none" strike="noStrike" cap="none" spc="0" normalizeH="0" baseline="0">
             <a:ln>
               <a:noFill/>
             </a:ln>
@@ -7836,7 +9255,7 @@
           <a:buFontTx/>
           <a:buNone/>
           <a:tabLst/>
-          <a:defRPr b="0" baseline="0" cap="none" i="0" spc="0" strike="noStrike" sz="1800" u="none" kumimoji="0" normalizeH="0">
+          <a:defRPr kumimoji="0" sz="1800" b="0" i="0" u="none" strike="noStrike" cap="none" spc="0" normalizeH="0" baseline="0">
             <a:ln>
               <a:noFill/>
             </a:ln>
@@ -7862,7 +9281,7 @@
           <a:buFontTx/>
           <a:buNone/>
           <a:tabLst/>
-          <a:defRPr b="0" baseline="0" cap="none" i="0" spc="0" strike="noStrike" sz="1800" u="none" kumimoji="0" normalizeH="0">
+          <a:defRPr kumimoji="0" sz="1800" b="0" i="0" u="none" strike="noStrike" cap="none" spc="0" normalizeH="0" baseline="0">
             <a:ln>
               <a:noFill/>
             </a:ln>
@@ -7888,7 +9307,7 @@
           <a:buFontTx/>
           <a:buNone/>
           <a:tabLst/>
-          <a:defRPr b="0" baseline="0" cap="none" i="0" spc="0" strike="noStrike" sz="1800" u="none" kumimoji="0" normalizeH="0">
+          <a:defRPr kumimoji="0" sz="1800" b="0" i="0" u="none" strike="noStrike" cap="none" spc="0" normalizeH="0" baseline="0">
             <a:ln>
               <a:noFill/>
             </a:ln>
@@ -7901,18 +9320,25 @@
         </a:lvl9pPr>
       </a:lstStyle>
       <a:style>
-        <a:lnRef idx="0"/>
-        <a:fillRef idx="0"/>
-        <a:effectRef idx="0"/>
+        <a:lnRef idx="0">
+          <a:scrgbClr r="0" g="0" b="0"/>
+        </a:lnRef>
+        <a:fillRef idx="0">
+          <a:scrgbClr r="0" g="0" b="0"/>
+        </a:fillRef>
+        <a:effectRef idx="0">
+          <a:scrgbClr r="0" g="0" b="0"/>
+        </a:effectRef>
         <a:fontRef idx="none"/>
       </a:style>
     </a:txDef>
   </a:objectDefaults>
+  <a:extraClrSchemeLst/>
 </a:theme>
 </file>
 
 <file path=ppt/theme/theme2.xml><?xml version="1.0" encoding="utf-8"?>
-<a:theme xmlns:a="http://schemas.openxmlformats.org/drawingml/2006/main" xmlns:r="http://schemas.openxmlformats.org/officeDocument/2006/relationships" name="Office">
+<a:theme xmlns:a="http://schemas.openxmlformats.org/drawingml/2006/main" name="Office">
   <a:themeElements>
     <a:clrScheme name="Office">
       <a:dk1>
@@ -8114,7 +9540,7 @@
         <a:effectLst/>
         <a:sp3d/>
       </a:spPr>
-      <a:bodyPr rot="0" spcFirstLastPara="1" vertOverflow="overflow" horzOverflow="overflow" vert="horz" wrap="square" lIns="45718" tIns="45718" rIns="45718" bIns="45718" numCol="1" spcCol="38100" rtlCol="0" anchor="ctr" upright="0">
+      <a:bodyPr rot="0" spcFirstLastPara="1" vertOverflow="overflow" horzOverflow="overflow" vert="horz" wrap="square" lIns="45718" tIns="45718" rIns="45718" bIns="45718" numCol="1" spcCol="38100" rtlCol="0" anchor="ctr">
         <a:spAutoFit/>
       </a:bodyPr>
       <a:lstStyle>
@@ -8133,7 +9559,7 @@
           <a:buFontTx/>
           <a:buNone/>
           <a:tabLst/>
-          <a:defRPr b="0" baseline="0" cap="none" i="0" spc="0" strike="noStrike" sz="1800" u="none" kumimoji="0" normalizeH="0">
+          <a:defRPr kumimoji="0" sz="1800" b="0" i="0" u="none" strike="noStrike" cap="none" spc="0" normalizeH="0" baseline="0">
             <a:ln>
               <a:noFill/>
             </a:ln>
@@ -8163,7 +9589,7 @@
           <a:buFontTx/>
           <a:buNone/>
           <a:tabLst/>
-          <a:defRPr b="0" baseline="0" cap="none" i="0" spc="0" strike="noStrike" sz="1800" u="none" kumimoji="0" normalizeH="0">
+          <a:defRPr kumimoji="0" sz="1800" b="0" i="0" u="none" strike="noStrike" cap="none" spc="0" normalizeH="0" baseline="0">
             <a:ln>
               <a:noFill/>
             </a:ln>
@@ -8189,7 +9615,7 @@
           <a:buFontTx/>
           <a:buNone/>
           <a:tabLst/>
-          <a:defRPr b="0" baseline="0" cap="none" i="0" spc="0" strike="noStrike" sz="1800" u="none" kumimoji="0" normalizeH="0">
+          <a:defRPr kumimoji="0" sz="1800" b="0" i="0" u="none" strike="noStrike" cap="none" spc="0" normalizeH="0" baseline="0">
             <a:ln>
               <a:noFill/>
             </a:ln>
@@ -8215,7 +9641,7 @@
           <a:buFontTx/>
           <a:buNone/>
           <a:tabLst/>
-          <a:defRPr b="0" baseline="0" cap="none" i="0" spc="0" strike="noStrike" sz="1800" u="none" kumimoji="0" normalizeH="0">
+          <a:defRPr kumimoji="0" sz="1800" b="0" i="0" u="none" strike="noStrike" cap="none" spc="0" normalizeH="0" baseline="0">
             <a:ln>
               <a:noFill/>
             </a:ln>
@@ -8241,7 +9667,7 @@
           <a:buFontTx/>
           <a:buNone/>
           <a:tabLst/>
-          <a:defRPr b="0" baseline="0" cap="none" i="0" spc="0" strike="noStrike" sz="1800" u="none" kumimoji="0" normalizeH="0">
+          <a:defRPr kumimoji="0" sz="1800" b="0" i="0" u="none" strike="noStrike" cap="none" spc="0" normalizeH="0" baseline="0">
             <a:ln>
               <a:noFill/>
             </a:ln>
@@ -8267,7 +9693,7 @@
           <a:buFontTx/>
           <a:buNone/>
           <a:tabLst/>
-          <a:defRPr b="0" baseline="0" cap="none" i="0" spc="0" strike="noStrike" sz="1800" u="none" kumimoji="0" normalizeH="0">
+          <a:defRPr kumimoji="0" sz="1800" b="0" i="0" u="none" strike="noStrike" cap="none" spc="0" normalizeH="0" baseline="0">
             <a:ln>
               <a:noFill/>
             </a:ln>
@@ -8293,7 +9719,7 @@
           <a:buFontTx/>
           <a:buNone/>
           <a:tabLst/>
-          <a:defRPr b="0" baseline="0" cap="none" i="0" spc="0" strike="noStrike" sz="1800" u="none" kumimoji="0" normalizeH="0">
+          <a:defRPr kumimoji="0" sz="1800" b="0" i="0" u="none" strike="noStrike" cap="none" spc="0" normalizeH="0" baseline="0">
             <a:ln>
               <a:noFill/>
             </a:ln>
@@ -8319,7 +9745,7 @@
           <a:buFontTx/>
           <a:buNone/>
           <a:tabLst/>
-          <a:defRPr b="0" baseline="0" cap="none" i="0" spc="0" strike="noStrike" sz="1800" u="none" kumimoji="0" normalizeH="0">
+          <a:defRPr kumimoji="0" sz="1800" b="0" i="0" u="none" strike="noStrike" cap="none" spc="0" normalizeH="0" baseline="0">
             <a:ln>
               <a:noFill/>
             </a:ln>
@@ -8345,7 +9771,7 @@
           <a:buFontTx/>
           <a:buNone/>
           <a:tabLst/>
-          <a:defRPr b="0" baseline="0" cap="none" i="0" spc="0" strike="noStrike" sz="1800" u="none" kumimoji="0" normalizeH="0">
+          <a:defRPr kumimoji="0" sz="1800" b="0" i="0" u="none" strike="noStrike" cap="none" spc="0" normalizeH="0" baseline="0">
             <a:ln>
               <a:noFill/>
             </a:ln>
@@ -8371,7 +9797,7 @@
           <a:buFontTx/>
           <a:buNone/>
           <a:tabLst/>
-          <a:defRPr b="0" baseline="0" cap="none" i="0" spc="0" strike="noStrike" sz="1800" u="none" kumimoji="0" normalizeH="0">
+          <a:defRPr kumimoji="0" sz="1800" b="0" i="0" u="none" strike="noStrike" cap="none" spc="0" normalizeH="0" baseline="0">
             <a:ln>
               <a:noFill/>
             </a:ln>
@@ -8384,9 +9810,15 @@
         </a:lvl9pPr>
       </a:lstStyle>
       <a:style>
-        <a:lnRef idx="0"/>
-        <a:fillRef idx="0"/>
-        <a:effectRef idx="0"/>
+        <a:lnRef idx="0">
+          <a:scrgbClr r="0" g="0" b="0"/>
+        </a:lnRef>
+        <a:fillRef idx="0">
+          <a:scrgbClr r="0" g="0" b="0"/>
+        </a:fillRef>
+        <a:effectRef idx="0">
+          <a:scrgbClr r="0" g="0" b="0"/>
+        </a:effectRef>
         <a:fontRef idx="none"/>
       </a:style>
     </a:spDef>
@@ -8403,7 +9835,7 @@
         <a:effectLst/>
         <a:sp3d/>
       </a:spPr>
-      <a:bodyPr rot="0" spcFirstLastPara="1" vertOverflow="overflow" horzOverflow="overflow" vert="horz" wrap="square" lIns="91439" tIns="45719" rIns="91439" bIns="45719" numCol="1" spcCol="38100" rtlCol="0" anchor="t" upright="0">
+      <a:bodyPr rot="0" spcFirstLastPara="1" vertOverflow="overflow" horzOverflow="overflow" vert="horz" wrap="square" lIns="91439" tIns="45719" rIns="91439" bIns="45719" numCol="1" spcCol="38100" rtlCol="0" anchor="t">
         <a:noAutofit/>
       </a:bodyPr>
       <a:lstStyle>
@@ -8422,7 +9854,7 @@
           <a:buFontTx/>
           <a:buNone/>
           <a:tabLst/>
-          <a:defRPr b="0" baseline="0" cap="none" i="0" spc="0" strike="noStrike" sz="1800" u="none" kumimoji="0" normalizeH="0">
+          <a:defRPr kumimoji="0" sz="1800" b="0" i="0" u="none" strike="noStrike" cap="none" spc="0" normalizeH="0" baseline="0">
             <a:ln>
               <a:noFill/>
             </a:ln>
@@ -8448,7 +9880,7 @@
           <a:buFontTx/>
           <a:buNone/>
           <a:tabLst/>
-          <a:defRPr b="0" baseline="0" cap="none" i="0" spc="0" strike="noStrike" sz="1800" u="none" kumimoji="0" normalizeH="0">
+          <a:defRPr kumimoji="0" sz="1800" b="0" i="0" u="none" strike="noStrike" cap="none" spc="0" normalizeH="0" baseline="0">
             <a:ln>
               <a:noFill/>
             </a:ln>
@@ -8474,7 +9906,7 @@
           <a:buFontTx/>
           <a:buNone/>
           <a:tabLst/>
-          <a:defRPr b="0" baseline="0" cap="none" i="0" spc="0" strike="noStrike" sz="1800" u="none" kumimoji="0" normalizeH="0">
+          <a:defRPr kumimoji="0" sz="1800" b="0" i="0" u="none" strike="noStrike" cap="none" spc="0" normalizeH="0" baseline="0">
             <a:ln>
               <a:noFill/>
             </a:ln>
@@ -8500,7 +9932,7 @@
           <a:buFontTx/>
           <a:buNone/>
           <a:tabLst/>
-          <a:defRPr b="0" baseline="0" cap="none" i="0" spc="0" strike="noStrike" sz="1800" u="none" kumimoji="0" normalizeH="0">
+          <a:defRPr kumimoji="0" sz="1800" b="0" i="0" u="none" strike="noStrike" cap="none" spc="0" normalizeH="0" baseline="0">
             <a:ln>
               <a:noFill/>
             </a:ln>
@@ -8526,7 +9958,7 @@
           <a:buFontTx/>
           <a:buNone/>
           <a:tabLst/>
-          <a:defRPr b="0" baseline="0" cap="none" i="0" spc="0" strike="noStrike" sz="1800" u="none" kumimoji="0" normalizeH="0">
+          <a:defRPr kumimoji="0" sz="1800" b="0" i="0" u="none" strike="noStrike" cap="none" spc="0" normalizeH="0" baseline="0">
             <a:ln>
               <a:noFill/>
             </a:ln>
@@ -8552,7 +9984,7 @@
           <a:buFontTx/>
           <a:buNone/>
           <a:tabLst/>
-          <a:defRPr b="0" baseline="0" cap="none" i="0" spc="0" strike="noStrike" sz="1800" u="none" kumimoji="0" normalizeH="0">
+          <a:defRPr kumimoji="0" sz="1800" b="0" i="0" u="none" strike="noStrike" cap="none" spc="0" normalizeH="0" baseline="0">
             <a:ln>
               <a:noFill/>
             </a:ln>
@@ -8578,7 +10010,7 @@
           <a:buFontTx/>
           <a:buNone/>
           <a:tabLst/>
-          <a:defRPr b="0" baseline="0" cap="none" i="0" spc="0" strike="noStrike" sz="1800" u="none" kumimoji="0" normalizeH="0">
+          <a:defRPr kumimoji="0" sz="1800" b="0" i="0" u="none" strike="noStrike" cap="none" spc="0" normalizeH="0" baseline="0">
             <a:ln>
               <a:noFill/>
             </a:ln>
@@ -8604,7 +10036,7 @@
           <a:buFontTx/>
           <a:buNone/>
           <a:tabLst/>
-          <a:defRPr b="0" baseline="0" cap="none" i="0" spc="0" strike="noStrike" sz="1800" u="none" kumimoji="0" normalizeH="0">
+          <a:defRPr kumimoji="0" sz="1800" b="0" i="0" u="none" strike="noStrike" cap="none" spc="0" normalizeH="0" baseline="0">
             <a:ln>
               <a:noFill/>
             </a:ln>
@@ -8630,7 +10062,7 @@
           <a:buFontTx/>
           <a:buNone/>
           <a:tabLst/>
-          <a:defRPr b="0" baseline="0" cap="none" i="0" spc="0" strike="noStrike" sz="1800" u="none" kumimoji="0" normalizeH="0">
+          <a:defRPr kumimoji="0" sz="1800" b="0" i="0" u="none" strike="noStrike" cap="none" spc="0" normalizeH="0" baseline="0">
             <a:ln>
               <a:noFill/>
             </a:ln>
@@ -8656,7 +10088,7 @@
           <a:buFontTx/>
           <a:buNone/>
           <a:tabLst/>
-          <a:defRPr b="0" baseline="0" cap="none" i="0" spc="0" strike="noStrike" sz="1800" u="none" kumimoji="0" normalizeH="0">
+          <a:defRPr kumimoji="0" sz="1800" b="0" i="0" u="none" strike="noStrike" cap="none" spc="0" normalizeH="0" baseline="0">
             <a:ln>
               <a:noFill/>
             </a:ln>
@@ -8669,9 +10101,15 @@
         </a:lvl9pPr>
       </a:lstStyle>
       <a:style>
-        <a:lnRef idx="0"/>
-        <a:fillRef idx="0"/>
-        <a:effectRef idx="0"/>
+        <a:lnRef idx="0">
+          <a:scrgbClr r="0" g="0" b="0"/>
+        </a:lnRef>
+        <a:fillRef idx="0">
+          <a:scrgbClr r="0" g="0" b="0"/>
+        </a:fillRef>
+        <a:effectRef idx="0">
+          <a:scrgbClr r="0" g="0" b="0"/>
+        </a:effectRef>
         <a:fontRef idx="none"/>
       </a:style>
     </a:lnDef>
@@ -8685,7 +10123,7 @@
         <a:effectLst/>
         <a:sp3d/>
       </a:spPr>
-      <a:bodyPr rot="0" spcFirstLastPara="1" vertOverflow="overflow" horzOverflow="overflow" vert="horz" wrap="square" lIns="45718" tIns="45718" rIns="45718" bIns="45718" numCol="1" spcCol="38100" rtlCol="0" anchor="t" upright="0">
+      <a:bodyPr rot="0" spcFirstLastPara="1" vertOverflow="overflow" horzOverflow="overflow" vert="horz" wrap="square" lIns="45718" tIns="45718" rIns="45718" bIns="45718" numCol="1" spcCol="38100" rtlCol="0" anchor="t">
         <a:spAutoFit/>
       </a:bodyPr>
       <a:lstStyle>
@@ -8704,7 +10142,7 @@
           <a:buFontTx/>
           <a:buNone/>
           <a:tabLst/>
-          <a:defRPr b="0" baseline="0" cap="none" i="0" spc="0" strike="noStrike" sz="1800" u="none" kumimoji="0" normalizeH="0">
+          <a:defRPr kumimoji="0" sz="1800" b="0" i="0" u="none" strike="noStrike" cap="none" spc="0" normalizeH="0" baseline="0">
             <a:ln>
               <a:noFill/>
             </a:ln>
@@ -8734,7 +10172,7 @@
           <a:buFontTx/>
           <a:buNone/>
           <a:tabLst/>
-          <a:defRPr b="0" baseline="0" cap="none" i="0" spc="0" strike="noStrike" sz="1800" u="none" kumimoji="0" normalizeH="0">
+          <a:defRPr kumimoji="0" sz="1800" b="0" i="0" u="none" strike="noStrike" cap="none" spc="0" normalizeH="0" baseline="0">
             <a:ln>
               <a:noFill/>
             </a:ln>
@@ -8760,7 +10198,7 @@
           <a:buFontTx/>
           <a:buNone/>
           <a:tabLst/>
-          <a:defRPr b="0" baseline="0" cap="none" i="0" spc="0" strike="noStrike" sz="1800" u="none" kumimoji="0" normalizeH="0">
+          <a:defRPr kumimoji="0" sz="1800" b="0" i="0" u="none" strike="noStrike" cap="none" spc="0" normalizeH="0" baseline="0">
             <a:ln>
               <a:noFill/>
             </a:ln>
@@ -8786,7 +10224,7 @@
           <a:buFontTx/>
           <a:buNone/>
           <a:tabLst/>
-          <a:defRPr b="0" baseline="0" cap="none" i="0" spc="0" strike="noStrike" sz="1800" u="none" kumimoji="0" normalizeH="0">
+          <a:defRPr kumimoji="0" sz="1800" b="0" i="0" u="none" strike="noStrike" cap="none" spc="0" normalizeH="0" baseline="0">
             <a:ln>
               <a:noFill/>
             </a:ln>
@@ -8812,7 +10250,7 @@
           <a:buFontTx/>
           <a:buNone/>
           <a:tabLst/>
-          <a:defRPr b="0" baseline="0" cap="none" i="0" spc="0" strike="noStrike" sz="1800" u="none" kumimoji="0" normalizeH="0">
+          <a:defRPr kumimoji="0" sz="1800" b="0" i="0" u="none" strike="noStrike" cap="none" spc="0" normalizeH="0" baseline="0">
             <a:ln>
               <a:noFill/>
             </a:ln>
@@ -8838,7 +10276,7 @@
           <a:buFontTx/>
           <a:buNone/>
           <a:tabLst/>
-          <a:defRPr b="0" baseline="0" cap="none" i="0" spc="0" strike="noStrike" sz="1800" u="none" kumimoji="0" normalizeH="0">
+          <a:defRPr kumimoji="0" sz="1800" b="0" i="0" u="none" strike="noStrike" cap="none" spc="0" normalizeH="0" baseline="0">
             <a:ln>
               <a:noFill/>
             </a:ln>
@@ -8864,7 +10302,7 @@
           <a:buFontTx/>
           <a:buNone/>
           <a:tabLst/>
-          <a:defRPr b="0" baseline="0" cap="none" i="0" spc="0" strike="noStrike" sz="1800" u="none" kumimoji="0" normalizeH="0">
+          <a:defRPr kumimoji="0" sz="1800" b="0" i="0" u="none" strike="noStrike" cap="none" spc="0" normalizeH="0" baseline="0">
             <a:ln>
               <a:noFill/>
             </a:ln>
@@ -8890,7 +10328,7 @@
           <a:buFontTx/>
           <a:buNone/>
           <a:tabLst/>
-          <a:defRPr b="0" baseline="0" cap="none" i="0" spc="0" strike="noStrike" sz="1800" u="none" kumimoji="0" normalizeH="0">
+          <a:defRPr kumimoji="0" sz="1800" b="0" i="0" u="none" strike="noStrike" cap="none" spc="0" normalizeH="0" baseline="0">
             <a:ln>
               <a:noFill/>
             </a:ln>
@@ -8916,7 +10354,7 @@
           <a:buFontTx/>
           <a:buNone/>
           <a:tabLst/>
-          <a:defRPr b="0" baseline="0" cap="none" i="0" spc="0" strike="noStrike" sz="1800" u="none" kumimoji="0" normalizeH="0">
+          <a:defRPr kumimoji="0" sz="1800" b="0" i="0" u="none" strike="noStrike" cap="none" spc="0" normalizeH="0" baseline="0">
             <a:ln>
               <a:noFill/>
             </a:ln>
@@ -8942,7 +10380,7 @@
           <a:buFontTx/>
           <a:buNone/>
           <a:tabLst/>
-          <a:defRPr b="0" baseline="0" cap="none" i="0" spc="0" strike="noStrike" sz="1800" u="none" kumimoji="0" normalizeH="0">
+          <a:defRPr kumimoji="0" sz="1800" b="0" i="0" u="none" strike="noStrike" cap="none" spc="0" normalizeH="0" baseline="0">
             <a:ln>
               <a:noFill/>
             </a:ln>
@@ -8955,12 +10393,19 @@
         </a:lvl9pPr>
       </a:lstStyle>
       <a:style>
-        <a:lnRef idx="0"/>
-        <a:fillRef idx="0"/>
-        <a:effectRef idx="0"/>
+        <a:lnRef idx="0">
+          <a:scrgbClr r="0" g="0" b="0"/>
+        </a:lnRef>
+        <a:fillRef idx="0">
+          <a:scrgbClr r="0" g="0" b="0"/>
+        </a:fillRef>
+        <a:effectRef idx="0">
+          <a:scrgbClr r="0" g="0" b="0"/>
+        </a:effectRef>
         <a:fontRef idx="none"/>
       </a:style>
     </a:txDef>
   </a:objectDefaults>
+  <a:extraClrSchemeLst/>
 </a:theme>
 </file>
--- a/00_General/Presentation/MS 5/Presentation_Milestone_v_Master.pptx
+++ b/00_General/Presentation/MS 5/Presentation_Milestone_v_Master.pptx
@@ -2,22 +2,22 @@
 <file path=ppt/presentation.xml><?xml version="1.0" encoding="utf-8"?>
 <p:presentation xmlns:a="http://schemas.openxmlformats.org/drawingml/2006/main" xmlns:r="http://schemas.openxmlformats.org/officeDocument/2006/relationships" xmlns:p="http://schemas.openxmlformats.org/presentationml/2006/main">
   <p:sldMasterIdLst>
-    <p:sldMasterId id="2147483648" r:id="rId1"/>
+    <p:sldMasterId id="2147483648" r:id="rId5"/>
   </p:sldMasterIdLst>
   <p:notesMasterIdLst>
-    <p:notesMasterId r:id="rId12"/>
+    <p:notesMasterId r:id="rId7"/>
   </p:notesMasterIdLst>
   <p:sldIdLst>
-    <p:sldId id="256" r:id="rId2"/>
-    <p:sldId id="257" r:id="rId3"/>
-    <p:sldId id="258" r:id="rId4"/>
-    <p:sldId id="259" r:id="rId5"/>
-    <p:sldId id="260" r:id="rId6"/>
-    <p:sldId id="261" r:id="rId7"/>
-    <p:sldId id="262" r:id="rId8"/>
-    <p:sldId id="263" r:id="rId9"/>
-    <p:sldId id="266" r:id="rId10"/>
-    <p:sldId id="265" r:id="rId11"/>
+    <p:sldId id="256" r:id="rId8"/>
+    <p:sldId id="257" r:id="rId9"/>
+    <p:sldId id="258" r:id="rId10"/>
+    <p:sldId id="259" r:id="rId11"/>
+    <p:sldId id="260" r:id="rId12"/>
+    <p:sldId id="261" r:id="rId13"/>
+    <p:sldId id="262" r:id="rId14"/>
+    <p:sldId id="263" r:id="rId15"/>
+    <p:sldId id="264" r:id="rId16"/>
+    <p:sldId id="265" r:id="rId17"/>
   </p:sldIdLst>
   <p:sldSz cx="12192000" cy="6858000"/>
   <p:notesSz cx="6858000" cy="9144000"/>
@@ -37,7 +37,7 @@
       <a:buFontTx/>
       <a:buNone/>
       <a:tabLst/>
-      <a:defRPr kumimoji="0" sz="1800" b="0" i="0" u="none" strike="noStrike" cap="none" spc="0" normalizeH="0" baseline="0">
+      <a:defRPr b="0" baseline="0" cap="none" i="0" spc="0" strike="noStrike" sz="1800" u="none" kumimoji="0" normalizeH="0">
         <a:ln>
           <a:noFill/>
         </a:ln>
@@ -63,7 +63,7 @@
       <a:buFontTx/>
       <a:buNone/>
       <a:tabLst/>
-      <a:defRPr kumimoji="0" sz="1800" b="0" i="0" u="none" strike="noStrike" cap="none" spc="0" normalizeH="0" baseline="0">
+      <a:defRPr b="0" baseline="0" cap="none" i="0" spc="0" strike="noStrike" sz="1800" u="none" kumimoji="0" normalizeH="0">
         <a:ln>
           <a:noFill/>
         </a:ln>
@@ -93,7 +93,7 @@
       <a:buFontTx/>
       <a:buNone/>
       <a:tabLst/>
-      <a:defRPr kumimoji="0" sz="1800" b="0" i="0" u="none" strike="noStrike" cap="none" spc="0" normalizeH="0" baseline="0">
+      <a:defRPr b="0" baseline="0" cap="none" i="0" spc="0" strike="noStrike" sz="1800" u="none" kumimoji="0" normalizeH="0">
         <a:ln>
           <a:noFill/>
         </a:ln>
@@ -123,7 +123,7 @@
       <a:buFontTx/>
       <a:buNone/>
       <a:tabLst/>
-      <a:defRPr kumimoji="0" sz="1800" b="0" i="0" u="none" strike="noStrike" cap="none" spc="0" normalizeH="0" baseline="0">
+      <a:defRPr b="0" baseline="0" cap="none" i="0" spc="0" strike="noStrike" sz="1800" u="none" kumimoji="0" normalizeH="0">
         <a:ln>
           <a:noFill/>
         </a:ln>
@@ -153,7 +153,7 @@
       <a:buFontTx/>
       <a:buNone/>
       <a:tabLst/>
-      <a:defRPr kumimoji="0" sz="1800" b="0" i="0" u="none" strike="noStrike" cap="none" spc="0" normalizeH="0" baseline="0">
+      <a:defRPr b="0" baseline="0" cap="none" i="0" spc="0" strike="noStrike" sz="1800" u="none" kumimoji="0" normalizeH="0">
         <a:ln>
           <a:noFill/>
         </a:ln>
@@ -183,7 +183,7 @@
       <a:buFontTx/>
       <a:buNone/>
       <a:tabLst/>
-      <a:defRPr kumimoji="0" sz="1800" b="0" i="0" u="none" strike="noStrike" cap="none" spc="0" normalizeH="0" baseline="0">
+      <a:defRPr b="0" baseline="0" cap="none" i="0" spc="0" strike="noStrike" sz="1800" u="none" kumimoji="0" normalizeH="0">
         <a:ln>
           <a:noFill/>
         </a:ln>
@@ -213,7 +213,7 @@
       <a:buFontTx/>
       <a:buNone/>
       <a:tabLst/>
-      <a:defRPr kumimoji="0" sz="1800" b="0" i="0" u="none" strike="noStrike" cap="none" spc="0" normalizeH="0" baseline="0">
+      <a:defRPr b="0" baseline="0" cap="none" i="0" spc="0" strike="noStrike" sz="1800" u="none" kumimoji="0" normalizeH="0">
         <a:ln>
           <a:noFill/>
         </a:ln>
@@ -243,7 +243,7 @@
       <a:buFontTx/>
       <a:buNone/>
       <a:tabLst/>
-      <a:defRPr kumimoji="0" sz="1800" b="0" i="0" u="none" strike="noStrike" cap="none" spc="0" normalizeH="0" baseline="0">
+      <a:defRPr b="0" baseline="0" cap="none" i="0" spc="0" strike="noStrike" sz="1800" u="none" kumimoji="0" normalizeH="0">
         <a:ln>
           <a:noFill/>
         </a:ln>
@@ -273,7 +273,7 @@
       <a:buFontTx/>
       <a:buNone/>
       <a:tabLst/>
-      <a:defRPr kumimoji="0" sz="1800" b="0" i="0" u="none" strike="noStrike" cap="none" spc="0" normalizeH="0" baseline="0">
+      <a:defRPr b="0" baseline="0" cap="none" i="0" spc="0" strike="noStrike" sz="1800" u="none" kumimoji="0" normalizeH="0">
         <a:ln>
           <a:noFill/>
         </a:ln>
@@ -303,7 +303,7 @@
       <a:buFontTx/>
       <a:buNone/>
       <a:tabLst/>
-      <a:defRPr kumimoji="0" sz="1800" b="0" i="0" u="none" strike="noStrike" cap="none" spc="0" normalizeH="0" baseline="0">
+      <a:defRPr b="0" baseline="0" cap="none" i="0" spc="0" strike="noStrike" sz="1800" u="none" kumimoji="0" normalizeH="0">
         <a:ln>
           <a:noFill/>
         </a:ln>
@@ -319,33 +319,16 @@
       </a:defRPr>
     </a:lvl9pPr>
   </p:defaultTextStyle>
-  <p:extLst>
-    <p:ext uri="{EFAFB233-063F-42B5-8137-9DF3F51BA10A}">
-      <p15:sldGuideLst xmlns:p15="http://schemas.microsoft.com/office/powerpoint/2012/main">
-        <p15:guide id="1" orient="horz" pos="2160" userDrawn="1">
-          <p15:clr>
-            <a:srgbClr val="A4A3A4"/>
-          </p15:clr>
-        </p15:guide>
-        <p15:guide id="2" pos="3840" userDrawn="1">
-          <p15:clr>
-            <a:srgbClr val="A4A3A4"/>
-          </p15:clr>
-        </p15:guide>
-      </p15:sldGuideLst>
-    </p:ext>
-  </p:extLst>
 </p:presentation>
+</file>
+
+<file path=ppt/commentAuthors.xml><?xml version="1.0" encoding="utf-8"?>
+<p:cmAuthorLst xmlns:a="http://schemas.openxmlformats.org/drawingml/2006/main" xmlns:r="http://schemas.openxmlformats.org/officeDocument/2006/relationships" xmlns:p="http://schemas.openxmlformats.org/presentationml/2006/main"/>
 </file>
 
 <file path=ppt/notesMasters/notesMaster1.xml><?xml version="1.0" encoding="utf-8"?>
 <p:notesMaster xmlns:a="http://schemas.openxmlformats.org/drawingml/2006/main" xmlns:r="http://schemas.openxmlformats.org/officeDocument/2006/relationships" xmlns:p="http://schemas.openxmlformats.org/presentationml/2006/main">
   <p:cSld>
-    <p:bg>
-      <p:bgRef idx="1001">
-        <a:schemeClr val="bg1"/>
-      </p:bgRef>
-    </p:bg>
     <p:spTree>
       <p:nvGrpSpPr>
         <p:cNvPr id="1" name=""/>
@@ -363,9 +346,7 @@
       <p:sp>
         <p:nvSpPr>
           <p:cNvPr id="118" name="Shape 118"/>
-          <p:cNvSpPr>
-            <a:spLocks noGrp="1" noRot="1" noChangeAspect="1"/>
-          </p:cNvSpPr>
+          <p:cNvSpPr/>
           <p:nvPr>
             <p:ph type="sldImg"/>
           </p:nvPr>
@@ -383,16 +364,14 @@
           <a:bodyPr/>
           <a:lstStyle/>
           <a:p>
-            <a:endParaRPr/>
+            <a:pPr/>
           </a:p>
         </p:txBody>
       </p:sp>
       <p:sp>
         <p:nvSpPr>
           <p:cNvPr id="119" name="Shape 119"/>
-          <p:cNvSpPr>
-            <a:spLocks noGrp="1"/>
-          </p:cNvSpPr>
+          <p:cNvSpPr/>
           <p:nvPr>
             <p:ph type="body" sz="quarter" idx="1"/>
           </p:nvPr>
@@ -410,7 +389,7 @@
           <a:bodyPr/>
           <a:lstStyle/>
           <a:p>
-            <a:endParaRPr/>
+            <a:pPr/>
           </a:p>
         </p:txBody>
       </p:sp>
@@ -495,7 +474,7 @@
 </file>
 
 <file path=ppt/slideLayouts/slideLayout1.xml><?xml version="1.0" encoding="utf-8"?>
-<p:sldLayout xmlns:a="http://schemas.openxmlformats.org/drawingml/2006/main" xmlns:r="http://schemas.openxmlformats.org/officeDocument/2006/relationships" xmlns:p="http://schemas.openxmlformats.org/presentationml/2006/main" type="title">
+<p:sldLayout xmlns:a="http://schemas.openxmlformats.org/drawingml/2006/main" xmlns:r="http://schemas.openxmlformats.org/officeDocument/2006/relationships" xmlns:p="http://schemas.openxmlformats.org/presentationml/2006/main" type="title" showMasterSp="1" showMasterPhAnim="1">
   <p:cSld name="Titelfolie">
     <p:spTree>
       <p:nvGrpSpPr>
@@ -514,9 +493,7 @@
       <p:sp>
         <p:nvSpPr>
           <p:cNvPr id="11" name="Shape 11"/>
-          <p:cNvSpPr>
-            <a:spLocks noGrp="1"/>
-          </p:cNvSpPr>
+          <p:cNvSpPr/>
           <p:nvPr>
             <p:ph type="title"/>
           </p:nvPr>
@@ -538,6 +515,7 @@
             </a:lvl1pPr>
           </a:lstStyle>
           <a:p>
+            <a:pPr/>
             <a:r>
               <a:t>Mastertitelformat bearbeiten</a:t>
             </a:r>
@@ -547,9 +525,7 @@
       <p:sp>
         <p:nvSpPr>
           <p:cNvPr id="12" name="Shape 12"/>
-          <p:cNvSpPr>
-            <a:spLocks noGrp="1"/>
-          </p:cNvSpPr>
+          <p:cNvSpPr/>
           <p:nvPr>
             <p:ph type="body" sz="quarter" idx="1"/>
           </p:nvPr>
@@ -557,7 +533,7 @@
         <p:spPr>
           <a:xfrm>
             <a:off x="1524000" y="3602037"/>
-            <a:ext cx="9144000" cy="1655766"/>
+            <a:ext cx="9144000" cy="1655767"/>
           </a:xfrm>
           <a:prstGeom prst="rect">
             <a:avLst/>
@@ -574,6 +550,7 @@
             </a:lvl1pPr>
           </a:lstStyle>
           <a:p>
+            <a:pPr/>
             <a:r>
               <a:t>Master-Untertitelformat bearbeiten</a:t>
             </a:r>
@@ -583,9 +560,7 @@
       <p:sp>
         <p:nvSpPr>
           <p:cNvPr id="13" name="Shape 13"/>
-          <p:cNvSpPr>
-            <a:spLocks noGrp="1"/>
-          </p:cNvSpPr>
+          <p:cNvSpPr/>
           <p:nvPr>
             <p:ph type="sldNum" sz="quarter" idx="2"/>
           </p:nvPr>
@@ -599,10 +574,8 @@
           <a:bodyPr/>
           <a:lstStyle/>
           <a:p>
-            <a:fld id="{86CB4B4D-7CA3-9044-876B-883B54F8677D}" type="slidenum">
-              <a:t>‹Nr.›</a:t>
-            </a:fld>
-            <a:endParaRPr/>
+            <a:pPr/>
+            <a:fld id="{86CB4B4D-7CA3-9044-876B-883B54F8677D}" type="slidenum"/>
           </a:p>
         </p:txBody>
       </p:sp>
@@ -611,12 +584,12 @@
   <p:clrMapOvr>
     <a:masterClrMapping/>
   </p:clrMapOvr>
-  <p:transition spd="med"/>
+  <p:transition xmlns:p14="http://schemas.microsoft.com/office/powerpoint/2010/main" spd="med" advClick="1"/>
 </p:sldLayout>
 </file>
 
 <file path=ppt/slideLayouts/slideLayout10.xml><?xml version="1.0" encoding="utf-8"?>
-<p:sldLayout xmlns:a="http://schemas.openxmlformats.org/drawingml/2006/main" xmlns:r="http://schemas.openxmlformats.org/officeDocument/2006/relationships" xmlns:p="http://schemas.openxmlformats.org/presentationml/2006/main" type="tx">
+<p:sldLayout xmlns:a="http://schemas.openxmlformats.org/drawingml/2006/main" xmlns:r="http://schemas.openxmlformats.org/officeDocument/2006/relationships" xmlns:p="http://schemas.openxmlformats.org/presentationml/2006/main" type="tx" showMasterSp="1" showMasterPhAnim="1">
   <p:cSld name="Bild mit Überschrift">
     <p:spTree>
       <p:nvGrpSpPr>
@@ -635,9 +608,7 @@
       <p:sp>
         <p:nvSpPr>
           <p:cNvPr id="91" name="Shape 91"/>
-          <p:cNvSpPr>
-            <a:spLocks noGrp="1"/>
-          </p:cNvSpPr>
+          <p:cNvSpPr/>
           <p:nvPr>
             <p:ph type="title"/>
           </p:nvPr>
@@ -659,6 +630,7 @@
             </a:lvl1pPr>
           </a:lstStyle>
           <a:p>
+            <a:pPr/>
             <a:r>
               <a:t>Titeltext</a:t>
             </a:r>
@@ -668,9 +640,7 @@
       <p:sp>
         <p:nvSpPr>
           <p:cNvPr id="92" name="Shape 92"/>
-          <p:cNvSpPr>
-            <a:spLocks noGrp="1"/>
-          </p:cNvSpPr>
+          <p:cNvSpPr/>
           <p:nvPr>
             <p:ph type="pic" sz="half" idx="13"/>
           </p:nvPr>
@@ -690,16 +660,14 @@
           </a:bodyPr>
           <a:lstStyle/>
           <a:p>
-            <a:endParaRPr/>
+            <a:pPr/>
           </a:p>
         </p:txBody>
       </p:sp>
       <p:sp>
         <p:nvSpPr>
           <p:cNvPr id="93" name="Shape 93"/>
-          <p:cNvSpPr>
-            <a:spLocks noGrp="1"/>
-          </p:cNvSpPr>
+          <p:cNvSpPr/>
           <p:nvPr>
             <p:ph type="body" sz="quarter" idx="1"/>
           </p:nvPr>
@@ -748,6 +716,7 @@
             </a:lvl5pPr>
           </a:lstStyle>
           <a:p>
+            <a:pPr/>
             <a:r>
               <a:t>Textebene 1</a:t>
             </a:r>
@@ -781,9 +750,7 @@
       <p:sp>
         <p:nvSpPr>
           <p:cNvPr id="94" name="Shape 94"/>
-          <p:cNvSpPr>
-            <a:spLocks noGrp="1"/>
-          </p:cNvSpPr>
+          <p:cNvSpPr/>
           <p:nvPr>
             <p:ph type="sldNum" sz="quarter" idx="2"/>
           </p:nvPr>
@@ -797,10 +764,8 @@
           <a:bodyPr/>
           <a:lstStyle/>
           <a:p>
-            <a:fld id="{86CB4B4D-7CA3-9044-876B-883B54F8677D}" type="slidenum">
-              <a:t>‹Nr.›</a:t>
-            </a:fld>
-            <a:endParaRPr/>
+            <a:pPr/>
+            <a:fld id="{86CB4B4D-7CA3-9044-876B-883B54F8677D}" type="slidenum"/>
           </a:p>
         </p:txBody>
       </p:sp>
@@ -809,12 +774,12 @@
   <p:clrMapOvr>
     <a:masterClrMapping/>
   </p:clrMapOvr>
-  <p:transition spd="med"/>
+  <p:transition xmlns:p14="http://schemas.microsoft.com/office/powerpoint/2010/main" spd="med" advClick="1"/>
 </p:sldLayout>
 </file>
 
 <file path=ppt/slideLayouts/slideLayout11.xml><?xml version="1.0" encoding="utf-8"?>
-<p:sldLayout xmlns:a="http://schemas.openxmlformats.org/drawingml/2006/main" xmlns:r="http://schemas.openxmlformats.org/officeDocument/2006/relationships" xmlns:p="http://schemas.openxmlformats.org/presentationml/2006/main" type="tx">
+<p:sldLayout xmlns:a="http://schemas.openxmlformats.org/drawingml/2006/main" xmlns:r="http://schemas.openxmlformats.org/officeDocument/2006/relationships" xmlns:p="http://schemas.openxmlformats.org/presentationml/2006/main" type="tx" showMasterSp="1" showMasterPhAnim="1">
   <p:cSld name="Titel und vertikaler Text">
     <p:spTree>
       <p:nvGrpSpPr>
@@ -833,9 +798,7 @@
       <p:sp>
         <p:nvSpPr>
           <p:cNvPr id="101" name="Shape 101"/>
-          <p:cNvSpPr>
-            <a:spLocks noGrp="1"/>
-          </p:cNvSpPr>
+          <p:cNvSpPr/>
           <p:nvPr>
             <p:ph type="title"/>
           </p:nvPr>
@@ -849,6 +812,7 @@
           <a:bodyPr/>
           <a:lstStyle/>
           <a:p>
+            <a:pPr/>
             <a:r>
               <a:t>Titeltext</a:t>
             </a:r>
@@ -858,9 +822,7 @@
       <p:sp>
         <p:nvSpPr>
           <p:cNvPr id="102" name="Shape 102"/>
-          <p:cNvSpPr>
-            <a:spLocks noGrp="1"/>
-          </p:cNvSpPr>
+          <p:cNvSpPr/>
           <p:nvPr>
             <p:ph type="body" idx="1"/>
           </p:nvPr>
@@ -874,6 +836,7 @@
           <a:bodyPr/>
           <a:lstStyle/>
           <a:p>
+            <a:pPr/>
             <a:r>
               <a:t>Textebene 1</a:t>
             </a:r>
@@ -907,9 +870,7 @@
       <p:sp>
         <p:nvSpPr>
           <p:cNvPr id="103" name="Shape 103"/>
-          <p:cNvSpPr>
-            <a:spLocks noGrp="1"/>
-          </p:cNvSpPr>
+          <p:cNvSpPr/>
           <p:nvPr>
             <p:ph type="sldNum" sz="quarter" idx="2"/>
           </p:nvPr>
@@ -923,10 +884,8 @@
           <a:bodyPr/>
           <a:lstStyle/>
           <a:p>
-            <a:fld id="{86CB4B4D-7CA3-9044-876B-883B54F8677D}" type="slidenum">
-              <a:t>‹Nr.›</a:t>
-            </a:fld>
-            <a:endParaRPr/>
+            <a:pPr/>
+            <a:fld id="{86CB4B4D-7CA3-9044-876B-883B54F8677D}" type="slidenum"/>
           </a:p>
         </p:txBody>
       </p:sp>
@@ -935,12 +894,12 @@
   <p:clrMapOvr>
     <a:masterClrMapping/>
   </p:clrMapOvr>
-  <p:transition spd="med"/>
+  <p:transition xmlns:p14="http://schemas.microsoft.com/office/powerpoint/2010/main" spd="med" advClick="1"/>
 </p:sldLayout>
 </file>
 
 <file path=ppt/slideLayouts/slideLayout12.xml><?xml version="1.0" encoding="utf-8"?>
-<p:sldLayout xmlns:a="http://schemas.openxmlformats.org/drawingml/2006/main" xmlns:r="http://schemas.openxmlformats.org/officeDocument/2006/relationships" xmlns:p="http://schemas.openxmlformats.org/presentationml/2006/main" type="tx">
+<p:sldLayout xmlns:a="http://schemas.openxmlformats.org/drawingml/2006/main" xmlns:r="http://schemas.openxmlformats.org/officeDocument/2006/relationships" xmlns:p="http://schemas.openxmlformats.org/presentationml/2006/main" type="tx" showMasterSp="1" showMasterPhAnim="1">
   <p:cSld name="Vertikaler Titel und Text">
     <p:spTree>
       <p:nvGrpSpPr>
@@ -959,9 +918,7 @@
       <p:sp>
         <p:nvSpPr>
           <p:cNvPr id="110" name="Shape 110"/>
-          <p:cNvSpPr>
-            <a:spLocks noGrp="1"/>
-          </p:cNvSpPr>
+          <p:cNvSpPr/>
           <p:nvPr>
             <p:ph type="title"/>
           </p:nvPr>
@@ -979,6 +936,7 @@
           <a:bodyPr/>
           <a:lstStyle/>
           <a:p>
+            <a:pPr/>
             <a:r>
               <a:t>Mastertitelformat bearbeiten</a:t>
             </a:r>
@@ -988,9 +946,7 @@
       <p:sp>
         <p:nvSpPr>
           <p:cNvPr id="111" name="Shape 111"/>
-          <p:cNvSpPr>
-            <a:spLocks noGrp="1"/>
-          </p:cNvSpPr>
+          <p:cNvSpPr/>
           <p:nvPr>
             <p:ph type="body" idx="1"/>
           </p:nvPr>
@@ -1008,6 +964,7 @@
           <a:bodyPr/>
           <a:lstStyle/>
           <a:p>
+            <a:pPr/>
             <a:r>
               <a:t>Mastertextformat bearbeiten</a:t>
             </a:r>
@@ -1041,9 +998,7 @@
       <p:sp>
         <p:nvSpPr>
           <p:cNvPr id="112" name="Shape 112"/>
-          <p:cNvSpPr>
-            <a:spLocks noGrp="1"/>
-          </p:cNvSpPr>
+          <p:cNvSpPr/>
           <p:nvPr>
             <p:ph type="sldNum" sz="quarter" idx="2"/>
           </p:nvPr>
@@ -1057,10 +1012,8 @@
           <a:bodyPr/>
           <a:lstStyle/>
           <a:p>
-            <a:fld id="{86CB4B4D-7CA3-9044-876B-883B54F8677D}" type="slidenum">
-              <a:t>‹Nr.›</a:t>
-            </a:fld>
-            <a:endParaRPr/>
+            <a:pPr/>
+            <a:fld id="{86CB4B4D-7CA3-9044-876B-883B54F8677D}" type="slidenum"/>
           </a:p>
         </p:txBody>
       </p:sp>
@@ -1069,12 +1022,12 @@
   <p:clrMapOvr>
     <a:masterClrMapping/>
   </p:clrMapOvr>
-  <p:transition spd="med"/>
+  <p:transition xmlns:p14="http://schemas.microsoft.com/office/powerpoint/2010/main" spd="med" advClick="1"/>
 </p:sldLayout>
 </file>
 
 <file path=ppt/slideLayouts/slideLayout2.xml><?xml version="1.0" encoding="utf-8"?>
-<p:sldLayout xmlns:a="http://schemas.openxmlformats.org/drawingml/2006/main" xmlns:r="http://schemas.openxmlformats.org/officeDocument/2006/relationships" xmlns:p="http://schemas.openxmlformats.org/presentationml/2006/main" type="tx">
+<p:sldLayout xmlns:a="http://schemas.openxmlformats.org/drawingml/2006/main" xmlns:r="http://schemas.openxmlformats.org/officeDocument/2006/relationships" xmlns:p="http://schemas.openxmlformats.org/presentationml/2006/main" type="tx" showMasterSp="1" showMasterPhAnim="1">
   <p:cSld name="Titel und Inhalt">
     <p:spTree>
       <p:nvGrpSpPr>
@@ -1093,9 +1046,7 @@
       <p:sp>
         <p:nvSpPr>
           <p:cNvPr id="20" name="Shape 20"/>
-          <p:cNvSpPr>
-            <a:spLocks noGrp="1"/>
-          </p:cNvSpPr>
+          <p:cNvSpPr/>
           <p:nvPr>
             <p:ph type="title"/>
           </p:nvPr>
@@ -1109,6 +1060,7 @@
           <a:bodyPr/>
           <a:lstStyle/>
           <a:p>
+            <a:pPr/>
             <a:r>
               <a:t>Titeltext</a:t>
             </a:r>
@@ -1118,9 +1070,7 @@
       <p:sp>
         <p:nvSpPr>
           <p:cNvPr id="21" name="Shape 21"/>
-          <p:cNvSpPr>
-            <a:spLocks noGrp="1"/>
-          </p:cNvSpPr>
+          <p:cNvSpPr/>
           <p:nvPr>
             <p:ph type="body" idx="1"/>
           </p:nvPr>
@@ -1134,6 +1084,7 @@
           <a:bodyPr/>
           <a:lstStyle/>
           <a:p>
+            <a:pPr/>
             <a:r>
               <a:t>Textebene 1</a:t>
             </a:r>
@@ -1167,9 +1118,7 @@
       <p:sp>
         <p:nvSpPr>
           <p:cNvPr id="22" name="Shape 22"/>
-          <p:cNvSpPr>
-            <a:spLocks noGrp="1"/>
-          </p:cNvSpPr>
+          <p:cNvSpPr/>
           <p:nvPr>
             <p:ph type="sldNum" sz="quarter" idx="2"/>
           </p:nvPr>
@@ -1183,10 +1132,8 @@
           <a:bodyPr/>
           <a:lstStyle/>
           <a:p>
-            <a:fld id="{86CB4B4D-7CA3-9044-876B-883B54F8677D}" type="slidenum">
-              <a:t>‹Nr.›</a:t>
-            </a:fld>
-            <a:endParaRPr/>
+            <a:pPr/>
+            <a:fld id="{86CB4B4D-7CA3-9044-876B-883B54F8677D}" type="slidenum"/>
           </a:p>
         </p:txBody>
       </p:sp>
@@ -1195,19 +1142,18 @@
   <p:clrMapOvr>
     <a:masterClrMapping/>
   </p:clrMapOvr>
-  <p:transition spd="med"/>
+  <p:transition xmlns:p14="http://schemas.microsoft.com/office/powerpoint/2010/main" spd="med" advClick="1"/>
 </p:sldLayout>
 </file>
 
 <file path=ppt/slideLayouts/slideLayout3.xml><?xml version="1.0" encoding="utf-8"?>
-<p:sldLayout xmlns:a="http://schemas.openxmlformats.org/drawingml/2006/main" xmlns:r="http://schemas.openxmlformats.org/officeDocument/2006/relationships" xmlns:p="http://schemas.openxmlformats.org/presentationml/2006/main" type="tx">
+<p:sldLayout xmlns:a="http://schemas.openxmlformats.org/drawingml/2006/main" xmlns:r="http://schemas.openxmlformats.org/officeDocument/2006/relationships" xmlns:p="http://schemas.openxmlformats.org/presentationml/2006/main" type="tx" showMasterSp="1" showMasterPhAnim="1">
   <p:cSld name="Titel und Inhalt 0">
     <p:bg>
       <p:bgPr>
         <a:solidFill>
           <a:srgbClr val="E3FDDB"/>
         </a:solidFill>
-        <a:effectLst/>
       </p:bgPr>
     </p:bg>
     <p:spTree>
@@ -1227,9 +1173,7 @@
       <p:sp>
         <p:nvSpPr>
           <p:cNvPr id="29" name="Shape 29"/>
-          <p:cNvSpPr>
-            <a:spLocks noGrp="1"/>
-          </p:cNvSpPr>
+          <p:cNvSpPr/>
           <p:nvPr>
             <p:ph type="title"/>
           </p:nvPr>
@@ -1243,6 +1187,7 @@
           <a:bodyPr/>
           <a:lstStyle/>
           <a:p>
+            <a:pPr/>
             <a:r>
               <a:t>Mastertitelformat bearbeiten</a:t>
             </a:r>
@@ -1252,9 +1197,7 @@
       <p:sp>
         <p:nvSpPr>
           <p:cNvPr id="30" name="Shape 30"/>
-          <p:cNvSpPr>
-            <a:spLocks noGrp="1"/>
-          </p:cNvSpPr>
+          <p:cNvSpPr/>
           <p:nvPr>
             <p:ph type="body" idx="1"/>
           </p:nvPr>
@@ -1268,6 +1211,7 @@
           <a:bodyPr/>
           <a:lstStyle/>
           <a:p>
+            <a:pPr/>
             <a:r>
               <a:t>Mastertextformat bearbeiten</a:t>
             </a:r>
@@ -1301,9 +1245,7 @@
       <p:sp>
         <p:nvSpPr>
           <p:cNvPr id="31" name="Shape 31"/>
-          <p:cNvSpPr>
-            <a:spLocks noGrp="1"/>
-          </p:cNvSpPr>
+          <p:cNvSpPr/>
           <p:nvPr>
             <p:ph type="sldNum" sz="quarter" idx="2"/>
           </p:nvPr>
@@ -1317,10 +1259,8 @@
           <a:bodyPr/>
           <a:lstStyle/>
           <a:p>
-            <a:fld id="{86CB4B4D-7CA3-9044-876B-883B54F8677D}" type="slidenum">
-              <a:t>‹Nr.›</a:t>
-            </a:fld>
-            <a:endParaRPr/>
+            <a:pPr/>
+            <a:fld id="{86CB4B4D-7CA3-9044-876B-883B54F8677D}" type="slidenum"/>
           </a:p>
         </p:txBody>
       </p:sp>
@@ -1329,12 +1269,12 @@
   <p:clrMapOvr>
     <a:masterClrMapping/>
   </p:clrMapOvr>
-  <p:transition spd="med"/>
+  <p:transition xmlns:p14="http://schemas.microsoft.com/office/powerpoint/2010/main" spd="med" advClick="1"/>
 </p:sldLayout>
 </file>
 
 <file path=ppt/slideLayouts/slideLayout4.xml><?xml version="1.0" encoding="utf-8"?>
-<p:sldLayout xmlns:a="http://schemas.openxmlformats.org/drawingml/2006/main" xmlns:r="http://schemas.openxmlformats.org/officeDocument/2006/relationships" xmlns:p="http://schemas.openxmlformats.org/presentationml/2006/main" type="tx">
+<p:sldLayout xmlns:a="http://schemas.openxmlformats.org/drawingml/2006/main" xmlns:r="http://schemas.openxmlformats.org/officeDocument/2006/relationships" xmlns:p="http://schemas.openxmlformats.org/presentationml/2006/main" type="tx" showMasterSp="1" showMasterPhAnim="1">
   <p:cSld name="Abschnitts-&#10;überschrift">
     <p:spTree>
       <p:nvGrpSpPr>
@@ -1353,9 +1293,7 @@
       <p:sp>
         <p:nvSpPr>
           <p:cNvPr id="38" name="Shape 38"/>
-          <p:cNvSpPr>
-            <a:spLocks noGrp="1"/>
-          </p:cNvSpPr>
+          <p:cNvSpPr/>
           <p:nvPr>
             <p:ph type="title"/>
           </p:nvPr>
@@ -1377,6 +1315,7 @@
             </a:lvl1pPr>
           </a:lstStyle>
           <a:p>
+            <a:pPr/>
             <a:r>
               <a:t>Titeltext</a:t>
             </a:r>
@@ -1386,9 +1325,7 @@
       <p:sp>
         <p:nvSpPr>
           <p:cNvPr id="39" name="Shape 39"/>
-          <p:cNvSpPr>
-            <a:spLocks noGrp="1"/>
-          </p:cNvSpPr>
+          <p:cNvSpPr/>
           <p:nvPr>
             <p:ph type="body" sz="quarter" idx="1"/>
           </p:nvPr>
@@ -1396,7 +1333,7 @@
         <p:spPr>
           <a:xfrm>
             <a:off x="831850" y="4589462"/>
-            <a:ext cx="10515600" cy="1500191"/>
+            <a:ext cx="10515600" cy="1500192"/>
           </a:xfrm>
           <a:prstGeom prst="rect">
             <a:avLst/>
@@ -1457,6 +1394,7 @@
             </a:lvl5pPr>
           </a:lstStyle>
           <a:p>
+            <a:pPr/>
             <a:r>
               <a:t>Textebene 1</a:t>
             </a:r>
@@ -1490,9 +1428,7 @@
       <p:sp>
         <p:nvSpPr>
           <p:cNvPr id="40" name="Shape 40"/>
-          <p:cNvSpPr>
-            <a:spLocks noGrp="1"/>
-          </p:cNvSpPr>
+          <p:cNvSpPr/>
           <p:nvPr>
             <p:ph type="sldNum" sz="quarter" idx="2"/>
           </p:nvPr>
@@ -1506,10 +1442,8 @@
           <a:bodyPr/>
           <a:lstStyle/>
           <a:p>
-            <a:fld id="{86CB4B4D-7CA3-9044-876B-883B54F8677D}" type="slidenum">
-              <a:t>‹Nr.›</a:t>
-            </a:fld>
-            <a:endParaRPr/>
+            <a:pPr/>
+            <a:fld id="{86CB4B4D-7CA3-9044-876B-883B54F8677D}" type="slidenum"/>
           </a:p>
         </p:txBody>
       </p:sp>
@@ -1518,12 +1452,12 @@
   <p:clrMapOvr>
     <a:masterClrMapping/>
   </p:clrMapOvr>
-  <p:transition spd="med"/>
+  <p:transition xmlns:p14="http://schemas.microsoft.com/office/powerpoint/2010/main" spd="med" advClick="1"/>
 </p:sldLayout>
 </file>
 
 <file path=ppt/slideLayouts/slideLayout5.xml><?xml version="1.0" encoding="utf-8"?>
-<p:sldLayout xmlns:a="http://schemas.openxmlformats.org/drawingml/2006/main" xmlns:r="http://schemas.openxmlformats.org/officeDocument/2006/relationships" xmlns:p="http://schemas.openxmlformats.org/presentationml/2006/main" type="tx">
+<p:sldLayout xmlns:a="http://schemas.openxmlformats.org/drawingml/2006/main" xmlns:r="http://schemas.openxmlformats.org/officeDocument/2006/relationships" xmlns:p="http://schemas.openxmlformats.org/presentationml/2006/main" type="tx" showMasterSp="1" showMasterPhAnim="1">
   <p:cSld name="Zwei Inhalte">
     <p:spTree>
       <p:nvGrpSpPr>
@@ -1542,9 +1476,7 @@
       <p:sp>
         <p:nvSpPr>
           <p:cNvPr id="47" name="Shape 47"/>
-          <p:cNvSpPr>
-            <a:spLocks noGrp="1"/>
-          </p:cNvSpPr>
+          <p:cNvSpPr/>
           <p:nvPr>
             <p:ph type="title"/>
           </p:nvPr>
@@ -1558,6 +1490,7 @@
           <a:bodyPr/>
           <a:lstStyle/>
           <a:p>
+            <a:pPr/>
             <a:r>
               <a:t>Mastertitelformat bearbeiten</a:t>
             </a:r>
@@ -1567,9 +1500,7 @@
       <p:sp>
         <p:nvSpPr>
           <p:cNvPr id="48" name="Shape 48"/>
-          <p:cNvSpPr>
-            <a:spLocks noGrp="1"/>
-          </p:cNvSpPr>
+          <p:cNvSpPr/>
           <p:nvPr>
             <p:ph type="body" sz="half" idx="1"/>
           </p:nvPr>
@@ -1587,6 +1518,7 @@
           <a:bodyPr/>
           <a:lstStyle/>
           <a:p>
+            <a:pPr/>
             <a:r>
               <a:t>Mastertextformat bearbeiten</a:t>
             </a:r>
@@ -1620,9 +1552,7 @@
       <p:sp>
         <p:nvSpPr>
           <p:cNvPr id="49" name="Shape 49"/>
-          <p:cNvSpPr>
-            <a:spLocks noGrp="1"/>
-          </p:cNvSpPr>
+          <p:cNvSpPr/>
           <p:nvPr>
             <p:ph type="sldNum" sz="quarter" idx="2"/>
           </p:nvPr>
@@ -1636,10 +1566,8 @@
           <a:bodyPr/>
           <a:lstStyle/>
           <a:p>
-            <a:fld id="{86CB4B4D-7CA3-9044-876B-883B54F8677D}" type="slidenum">
-              <a:t>‹Nr.›</a:t>
-            </a:fld>
-            <a:endParaRPr/>
+            <a:pPr/>
+            <a:fld id="{86CB4B4D-7CA3-9044-876B-883B54F8677D}" type="slidenum"/>
           </a:p>
         </p:txBody>
       </p:sp>
@@ -1648,12 +1576,12 @@
   <p:clrMapOvr>
     <a:masterClrMapping/>
   </p:clrMapOvr>
-  <p:transition spd="med"/>
+  <p:transition xmlns:p14="http://schemas.microsoft.com/office/powerpoint/2010/main" spd="med" advClick="1"/>
 </p:sldLayout>
 </file>
 
 <file path=ppt/slideLayouts/slideLayout6.xml><?xml version="1.0" encoding="utf-8"?>
-<p:sldLayout xmlns:a="http://schemas.openxmlformats.org/drawingml/2006/main" xmlns:r="http://schemas.openxmlformats.org/officeDocument/2006/relationships" xmlns:p="http://schemas.openxmlformats.org/presentationml/2006/main" type="tx">
+<p:sldLayout xmlns:a="http://schemas.openxmlformats.org/drawingml/2006/main" xmlns:r="http://schemas.openxmlformats.org/officeDocument/2006/relationships" xmlns:p="http://schemas.openxmlformats.org/presentationml/2006/main" type="tx" showMasterSp="1" showMasterPhAnim="1">
   <p:cSld name="Vergleich">
     <p:spTree>
       <p:nvGrpSpPr>
@@ -1672,9 +1600,7 @@
       <p:sp>
         <p:nvSpPr>
           <p:cNvPr id="56" name="Shape 56"/>
-          <p:cNvSpPr>
-            <a:spLocks noGrp="1"/>
-          </p:cNvSpPr>
+          <p:cNvSpPr/>
           <p:nvPr>
             <p:ph type="title"/>
           </p:nvPr>
@@ -1692,6 +1618,7 @@
           <a:bodyPr/>
           <a:lstStyle/>
           <a:p>
+            <a:pPr/>
             <a:r>
               <a:t>Mastertitelformat bearbeiten</a:t>
             </a:r>
@@ -1701,9 +1628,7 @@
       <p:sp>
         <p:nvSpPr>
           <p:cNvPr id="57" name="Shape 57"/>
-          <p:cNvSpPr>
-            <a:spLocks noGrp="1"/>
-          </p:cNvSpPr>
+          <p:cNvSpPr/>
           <p:nvPr>
             <p:ph type="body" sz="quarter" idx="1"/>
           </p:nvPr>
@@ -1711,7 +1636,7 @@
         <p:spPr>
           <a:xfrm>
             <a:off x="839787" y="1681163"/>
-            <a:ext cx="5157790" cy="823916"/>
+            <a:ext cx="5157790" cy="823917"/>
           </a:xfrm>
           <a:prstGeom prst="rect">
             <a:avLst/>
@@ -1724,10 +1649,11 @@
               <a:buSzTx/>
               <a:buFontTx/>
               <a:buNone/>
-              <a:defRPr sz="2400" b="1"/>
+              <a:defRPr b="1" sz="2400"/>
             </a:lvl1pPr>
           </a:lstStyle>
           <a:p>
+            <a:pPr/>
             <a:r>
               <a:t>Mastertextformat bearbeiten</a:t>
             </a:r>
@@ -1737,9 +1663,7 @@
       <p:sp>
         <p:nvSpPr>
           <p:cNvPr id="58" name="Shape 58"/>
-          <p:cNvSpPr>
-            <a:spLocks noGrp="1"/>
-          </p:cNvSpPr>
+          <p:cNvSpPr/>
           <p:nvPr>
             <p:ph type="body" sz="quarter" idx="13"/>
           </p:nvPr>
@@ -1757,16 +1681,14 @@
           <a:bodyPr anchor="b"/>
           <a:lstStyle/>
           <a:p>
-            <a:endParaRPr/>
+            <a:pPr/>
           </a:p>
         </p:txBody>
       </p:sp>
       <p:sp>
         <p:nvSpPr>
           <p:cNvPr id="59" name="Shape 59"/>
-          <p:cNvSpPr>
-            <a:spLocks noGrp="1"/>
-          </p:cNvSpPr>
+          <p:cNvSpPr/>
           <p:nvPr>
             <p:ph type="sldNum" sz="quarter" idx="2"/>
           </p:nvPr>
@@ -1780,10 +1702,8 @@
           <a:bodyPr/>
           <a:lstStyle/>
           <a:p>
-            <a:fld id="{86CB4B4D-7CA3-9044-876B-883B54F8677D}" type="slidenum">
-              <a:t>‹Nr.›</a:t>
-            </a:fld>
-            <a:endParaRPr/>
+            <a:pPr/>
+            <a:fld id="{86CB4B4D-7CA3-9044-876B-883B54F8677D}" type="slidenum"/>
           </a:p>
         </p:txBody>
       </p:sp>
@@ -1792,12 +1712,12 @@
   <p:clrMapOvr>
     <a:masterClrMapping/>
   </p:clrMapOvr>
-  <p:transition spd="med"/>
+  <p:transition xmlns:p14="http://schemas.microsoft.com/office/powerpoint/2010/main" spd="med" advClick="1"/>
 </p:sldLayout>
 </file>
 
 <file path=ppt/slideLayouts/slideLayout7.xml><?xml version="1.0" encoding="utf-8"?>
-<p:sldLayout xmlns:a="http://schemas.openxmlformats.org/drawingml/2006/main" xmlns:r="http://schemas.openxmlformats.org/officeDocument/2006/relationships" xmlns:p="http://schemas.openxmlformats.org/presentationml/2006/main" type="tx">
+<p:sldLayout xmlns:a="http://schemas.openxmlformats.org/drawingml/2006/main" xmlns:r="http://schemas.openxmlformats.org/officeDocument/2006/relationships" xmlns:p="http://schemas.openxmlformats.org/presentationml/2006/main" type="tx" showMasterSp="1" showMasterPhAnim="1">
   <p:cSld name="Nur Titel">
     <p:spTree>
       <p:nvGrpSpPr>
@@ -1816,9 +1736,7 @@
       <p:sp>
         <p:nvSpPr>
           <p:cNvPr id="66" name="Shape 66"/>
-          <p:cNvSpPr>
-            <a:spLocks noGrp="1"/>
-          </p:cNvSpPr>
+          <p:cNvSpPr/>
           <p:nvPr>
             <p:ph type="title"/>
           </p:nvPr>
@@ -1832,6 +1750,7 @@
           <a:bodyPr/>
           <a:lstStyle/>
           <a:p>
+            <a:pPr/>
             <a:r>
               <a:t>Titeltext</a:t>
             </a:r>
@@ -1841,9 +1760,7 @@
       <p:sp>
         <p:nvSpPr>
           <p:cNvPr id="67" name="Shape 67"/>
-          <p:cNvSpPr>
-            <a:spLocks noGrp="1"/>
-          </p:cNvSpPr>
+          <p:cNvSpPr/>
           <p:nvPr>
             <p:ph type="sldNum" sz="quarter" idx="2"/>
           </p:nvPr>
@@ -1857,10 +1774,8 @@
           <a:bodyPr/>
           <a:lstStyle/>
           <a:p>
-            <a:fld id="{86CB4B4D-7CA3-9044-876B-883B54F8677D}" type="slidenum">
-              <a:t>‹Nr.›</a:t>
-            </a:fld>
-            <a:endParaRPr/>
+            <a:pPr/>
+            <a:fld id="{86CB4B4D-7CA3-9044-876B-883B54F8677D}" type="slidenum"/>
           </a:p>
         </p:txBody>
       </p:sp>
@@ -1869,12 +1784,12 @@
   <p:clrMapOvr>
     <a:masterClrMapping/>
   </p:clrMapOvr>
-  <p:transition spd="med"/>
+  <p:transition xmlns:p14="http://schemas.microsoft.com/office/powerpoint/2010/main" spd="med" advClick="1"/>
 </p:sldLayout>
 </file>
 
 <file path=ppt/slideLayouts/slideLayout8.xml><?xml version="1.0" encoding="utf-8"?>
-<p:sldLayout xmlns:a="http://schemas.openxmlformats.org/drawingml/2006/main" xmlns:r="http://schemas.openxmlformats.org/officeDocument/2006/relationships" xmlns:p="http://schemas.openxmlformats.org/presentationml/2006/main" type="tx">
+<p:sldLayout xmlns:a="http://schemas.openxmlformats.org/drawingml/2006/main" xmlns:r="http://schemas.openxmlformats.org/officeDocument/2006/relationships" xmlns:p="http://schemas.openxmlformats.org/presentationml/2006/main" type="tx" showMasterSp="1" showMasterPhAnim="1">
   <p:cSld name="Leer">
     <p:spTree>
       <p:nvGrpSpPr>
@@ -1893,9 +1808,7 @@
       <p:sp>
         <p:nvSpPr>
           <p:cNvPr id="74" name="Shape 74"/>
-          <p:cNvSpPr>
-            <a:spLocks noGrp="1"/>
-          </p:cNvSpPr>
+          <p:cNvSpPr/>
           <p:nvPr>
             <p:ph type="sldNum" sz="quarter" idx="2"/>
           </p:nvPr>
@@ -1909,10 +1822,8 @@
           <a:bodyPr/>
           <a:lstStyle/>
           <a:p>
-            <a:fld id="{86CB4B4D-7CA3-9044-876B-883B54F8677D}" type="slidenum">
-              <a:t>‹Nr.›</a:t>
-            </a:fld>
-            <a:endParaRPr/>
+            <a:pPr/>
+            <a:fld id="{86CB4B4D-7CA3-9044-876B-883B54F8677D}" type="slidenum"/>
           </a:p>
         </p:txBody>
       </p:sp>
@@ -1921,12 +1832,12 @@
   <p:clrMapOvr>
     <a:masterClrMapping/>
   </p:clrMapOvr>
-  <p:transition spd="med"/>
+  <p:transition xmlns:p14="http://schemas.microsoft.com/office/powerpoint/2010/main" spd="med" advClick="1"/>
 </p:sldLayout>
 </file>
 
 <file path=ppt/slideLayouts/slideLayout9.xml><?xml version="1.0" encoding="utf-8"?>
-<p:sldLayout xmlns:a="http://schemas.openxmlformats.org/drawingml/2006/main" xmlns:r="http://schemas.openxmlformats.org/officeDocument/2006/relationships" xmlns:p="http://schemas.openxmlformats.org/presentationml/2006/main" type="tx">
+<p:sldLayout xmlns:a="http://schemas.openxmlformats.org/drawingml/2006/main" xmlns:r="http://schemas.openxmlformats.org/officeDocument/2006/relationships" xmlns:p="http://schemas.openxmlformats.org/presentationml/2006/main" type="tx" showMasterSp="1" showMasterPhAnim="1">
   <p:cSld name="Inhalt mit Überschrift">
     <p:spTree>
       <p:nvGrpSpPr>
@@ -1945,9 +1856,7 @@
       <p:sp>
         <p:nvSpPr>
           <p:cNvPr id="81" name="Shape 81"/>
-          <p:cNvSpPr>
-            <a:spLocks noGrp="1"/>
-          </p:cNvSpPr>
+          <p:cNvSpPr/>
           <p:nvPr>
             <p:ph type="title"/>
           </p:nvPr>
@@ -1969,6 +1878,7 @@
             </a:lvl1pPr>
           </a:lstStyle>
           <a:p>
+            <a:pPr/>
             <a:r>
               <a:t>Titeltext</a:t>
             </a:r>
@@ -1978,9 +1888,7 @@
       <p:sp>
         <p:nvSpPr>
           <p:cNvPr id="82" name="Shape 82"/>
-          <p:cNvSpPr>
-            <a:spLocks noGrp="1"/>
-          </p:cNvSpPr>
+          <p:cNvSpPr/>
           <p:nvPr>
             <p:ph type="body" sz="half" idx="1"/>
           </p:nvPr>
@@ -2014,6 +1922,7 @@
             </a:lvl5pPr>
           </a:lstStyle>
           <a:p>
+            <a:pPr/>
             <a:r>
               <a:t>Textebene 1</a:t>
             </a:r>
@@ -2047,9 +1956,7 @@
       <p:sp>
         <p:nvSpPr>
           <p:cNvPr id="83" name="Shape 83"/>
-          <p:cNvSpPr>
-            <a:spLocks noGrp="1"/>
-          </p:cNvSpPr>
+          <p:cNvSpPr/>
           <p:nvPr>
             <p:ph type="body" sz="quarter" idx="13"/>
           </p:nvPr>
@@ -2067,16 +1974,14 @@
           <a:bodyPr/>
           <a:lstStyle/>
           <a:p>
-            <a:endParaRPr/>
+            <a:pPr/>
           </a:p>
         </p:txBody>
       </p:sp>
       <p:sp>
         <p:nvSpPr>
           <p:cNvPr id="84" name="Shape 84"/>
-          <p:cNvSpPr>
-            <a:spLocks noGrp="1"/>
-          </p:cNvSpPr>
+          <p:cNvSpPr/>
           <p:nvPr>
             <p:ph type="sldNum" sz="quarter" idx="2"/>
           </p:nvPr>
@@ -2090,10 +1995,8 @@
           <a:bodyPr/>
           <a:lstStyle/>
           <a:p>
-            <a:fld id="{86CB4B4D-7CA3-9044-876B-883B54F8677D}" type="slidenum">
-              <a:t>‹Nr.›</a:t>
-            </a:fld>
-            <a:endParaRPr/>
+            <a:pPr/>
+            <a:fld id="{86CB4B4D-7CA3-9044-876B-883B54F8677D}" type="slidenum"/>
           </a:p>
         </p:txBody>
       </p:sp>
@@ -2102,7 +2005,7 @@
   <p:clrMapOvr>
     <a:masterClrMapping/>
   </p:clrMapOvr>
-  <p:transition spd="med"/>
+  <p:transition xmlns:p14="http://schemas.microsoft.com/office/powerpoint/2010/main" spd="med" advClick="1"/>
 </p:sldLayout>
 </file>
 
@@ -2114,7 +2017,6 @@
         <a:solidFill>
           <a:srgbClr val="FFFFFF"/>
         </a:solidFill>
-        <a:effectLst/>
       </p:bgPr>
     </p:bg>
     <p:spTree>
@@ -2134,9 +2036,7 @@
       <p:sp>
         <p:nvSpPr>
           <p:cNvPr id="2" name="Shape 2"/>
-          <p:cNvSpPr>
-            <a:spLocks noGrp="1"/>
-          </p:cNvSpPr>
+          <p:cNvSpPr/>
           <p:nvPr>
             <p:ph type="title"/>
           </p:nvPr>
@@ -2154,16 +2054,17 @@
           </a:ln>
           <a:extLst>
             <a:ext uri="{C572A759-6A51-4108-AA02-DFA0A04FC94B}">
-              <ma14:wrappingTextBoxFlag xmlns:ma14="http://schemas.microsoft.com/office/mac/drawingml/2011/main" xmlns="" val="1"/>
+              <ma14:wrappingTextBoxFlag xmlns:ma14="http://schemas.microsoft.com/office/mac/drawingml/2011/main" val="1"/>
             </a:ext>
           </a:extLst>
         </p:spPr>
         <p:txBody>
           <a:bodyPr lIns="45718" tIns="45718" rIns="45718" bIns="45718" anchor="ctr">
-            <a:normAutofit/>
+            <a:normAutofit fontScale="100000" lnSpcReduction="0"/>
           </a:bodyPr>
           <a:lstStyle/>
           <a:p>
+            <a:pPr/>
             <a:r>
               <a:t>Titeltext</a:t>
             </a:r>
@@ -2173,9 +2074,7 @@
       <p:sp>
         <p:nvSpPr>
           <p:cNvPr id="3" name="Shape 3"/>
-          <p:cNvSpPr>
-            <a:spLocks noGrp="1"/>
-          </p:cNvSpPr>
+          <p:cNvSpPr/>
           <p:nvPr>
             <p:ph type="body" idx="1"/>
           </p:nvPr>
@@ -2193,16 +2092,17 @@
           </a:ln>
           <a:extLst>
             <a:ext uri="{C572A759-6A51-4108-AA02-DFA0A04FC94B}">
-              <ma14:wrappingTextBoxFlag xmlns:ma14="http://schemas.microsoft.com/office/mac/drawingml/2011/main" xmlns="" val="1"/>
+              <ma14:wrappingTextBoxFlag xmlns:ma14="http://schemas.microsoft.com/office/mac/drawingml/2011/main" val="1"/>
             </a:ext>
           </a:extLst>
         </p:spPr>
         <p:txBody>
           <a:bodyPr lIns="45718" tIns="45718" rIns="45718" bIns="45718">
-            <a:normAutofit/>
+            <a:normAutofit fontScale="100000" lnSpcReduction="0"/>
           </a:bodyPr>
           <a:lstStyle/>
           <a:p>
+            <a:pPr/>
             <a:r>
               <a:t>Textebene 1</a:t>
             </a:r>
@@ -2236,16 +2136,14 @@
       <p:sp>
         <p:nvSpPr>
           <p:cNvPr id="4" name="Shape 4"/>
-          <p:cNvSpPr>
-            <a:spLocks noGrp="1"/>
-          </p:cNvSpPr>
+          <p:cNvSpPr/>
           <p:nvPr>
             <p:ph type="sldNum" sz="quarter" idx="2"/>
           </p:nvPr>
         </p:nvSpPr>
         <p:spPr>
           <a:xfrm>
-            <a:off x="11089823" y="6404294"/>
+            <a:off x="11089824" y="6404294"/>
             <a:ext cx="263979" cy="269237"/>
           </a:xfrm>
           <a:prstGeom prst="rect">
@@ -2269,10 +2167,8 @@
             </a:lvl1pPr>
           </a:lstStyle>
           <a:p>
-            <a:fld id="{86CB4B4D-7CA3-9044-876B-883B54F8677D}" type="slidenum">
-              <a:t>‹Nr.›</a:t>
-            </a:fld>
-            <a:endParaRPr/>
+            <a:pPr/>
+            <a:fld id="{86CB4B4D-7CA3-9044-876B-883B54F8677D}" type="slidenum"/>
           </a:p>
         </p:txBody>
       </p:sp>
@@ -2280,20 +2176,20 @@
   </p:cSld>
   <p:clrMap bg1="lt1" tx1="dk1" bg2="lt2" tx2="dk2" accent1="accent1" accent2="accent2" accent3="accent3" accent4="accent4" accent5="accent5" accent6="accent6" hlink="hlink" folHlink="folHlink"/>
   <p:sldLayoutIdLst>
-    <p:sldLayoutId id="2147483649" r:id="rId1"/>
-    <p:sldLayoutId id="2147483650" r:id="rId2"/>
-    <p:sldLayoutId id="2147483651" r:id="rId3"/>
-    <p:sldLayoutId id="2147483652" r:id="rId4"/>
-    <p:sldLayoutId id="2147483653" r:id="rId5"/>
-    <p:sldLayoutId id="2147483654" r:id="rId6"/>
-    <p:sldLayoutId id="2147483655" r:id="rId7"/>
-    <p:sldLayoutId id="2147483656" r:id="rId8"/>
-    <p:sldLayoutId id="2147483657" r:id="rId9"/>
-    <p:sldLayoutId id="2147483658" r:id="rId10"/>
-    <p:sldLayoutId id="2147483659" r:id="rId11"/>
-    <p:sldLayoutId id="2147483660" r:id="rId12"/>
+    <p:sldLayoutId id="2147483649" r:id="rId2"/>
+    <p:sldLayoutId id="2147483650" r:id="rId3"/>
+    <p:sldLayoutId id="2147483651" r:id="rId4"/>
+    <p:sldLayoutId id="2147483652" r:id="rId5"/>
+    <p:sldLayoutId id="2147483653" r:id="rId6"/>
+    <p:sldLayoutId id="2147483654" r:id="rId7"/>
+    <p:sldLayoutId id="2147483655" r:id="rId8"/>
+    <p:sldLayoutId id="2147483656" r:id="rId9"/>
+    <p:sldLayoutId id="2147483657" r:id="rId10"/>
+    <p:sldLayoutId id="2147483658" r:id="rId11"/>
+    <p:sldLayoutId id="2147483659" r:id="rId12"/>
+    <p:sldLayoutId id="2147483660" r:id="rId13"/>
   </p:sldLayoutIdLst>
-  <p:transition spd="med"/>
+  <p:transition xmlns:p14="http://schemas.microsoft.com/office/powerpoint/2010/main" spd="med" advClick="1"/>
   <p:txStyles>
     <p:titleStyle>
       <a:lvl1pPr marL="0" marR="0" indent="0" algn="l" defTabSz="914400" rtl="0" latinLnBrk="0">
@@ -2311,7 +2207,7 @@
         <a:buFontTx/>
         <a:buNone/>
         <a:tabLst/>
-        <a:defRPr sz="4400" b="0" i="0" u="none" strike="noStrike" cap="none" spc="0" baseline="0">
+        <a:defRPr b="0" baseline="0" cap="none" i="0" spc="0" strike="noStrike" sz="4400" u="none">
           <a:ln>
             <a:noFill/>
           </a:ln>
@@ -2340,7 +2236,7 @@
         <a:buFontTx/>
         <a:buNone/>
         <a:tabLst/>
-        <a:defRPr sz="4400" b="0" i="0" u="none" strike="noStrike" cap="none" spc="0" baseline="0">
+        <a:defRPr b="0" baseline="0" cap="none" i="0" spc="0" strike="noStrike" sz="4400" u="none">
           <a:ln>
             <a:noFill/>
           </a:ln>
@@ -2369,7 +2265,7 @@
         <a:buFontTx/>
         <a:buNone/>
         <a:tabLst/>
-        <a:defRPr sz="4400" b="0" i="0" u="none" strike="noStrike" cap="none" spc="0" baseline="0">
+        <a:defRPr b="0" baseline="0" cap="none" i="0" spc="0" strike="noStrike" sz="4400" u="none">
           <a:ln>
             <a:noFill/>
           </a:ln>
@@ -2398,7 +2294,7 @@
         <a:buFontTx/>
         <a:buNone/>
         <a:tabLst/>
-        <a:defRPr sz="4400" b="0" i="0" u="none" strike="noStrike" cap="none" spc="0" baseline="0">
+        <a:defRPr b="0" baseline="0" cap="none" i="0" spc="0" strike="noStrike" sz="4400" u="none">
           <a:ln>
             <a:noFill/>
           </a:ln>
@@ -2427,7 +2323,7 @@
         <a:buFontTx/>
         <a:buNone/>
         <a:tabLst/>
-        <a:defRPr sz="4400" b="0" i="0" u="none" strike="noStrike" cap="none" spc="0" baseline="0">
+        <a:defRPr b="0" baseline="0" cap="none" i="0" spc="0" strike="noStrike" sz="4400" u="none">
           <a:ln>
             <a:noFill/>
           </a:ln>
@@ -2456,7 +2352,7 @@
         <a:buFontTx/>
         <a:buNone/>
         <a:tabLst/>
-        <a:defRPr sz="4400" b="0" i="0" u="none" strike="noStrike" cap="none" spc="0" baseline="0">
+        <a:defRPr b="0" baseline="0" cap="none" i="0" spc="0" strike="noStrike" sz="4400" u="none">
           <a:ln>
             <a:noFill/>
           </a:ln>
@@ -2485,7 +2381,7 @@
         <a:buFontTx/>
         <a:buNone/>
         <a:tabLst/>
-        <a:defRPr sz="4400" b="0" i="0" u="none" strike="noStrike" cap="none" spc="0" baseline="0">
+        <a:defRPr b="0" baseline="0" cap="none" i="0" spc="0" strike="noStrike" sz="4400" u="none">
           <a:ln>
             <a:noFill/>
           </a:ln>
@@ -2514,7 +2410,7 @@
         <a:buFontTx/>
         <a:buNone/>
         <a:tabLst/>
-        <a:defRPr sz="4400" b="0" i="0" u="none" strike="noStrike" cap="none" spc="0" baseline="0">
+        <a:defRPr b="0" baseline="0" cap="none" i="0" spc="0" strike="noStrike" sz="4400" u="none">
           <a:ln>
             <a:noFill/>
           </a:ln>
@@ -2543,7 +2439,7 @@
         <a:buFontTx/>
         <a:buNone/>
         <a:tabLst/>
-        <a:defRPr sz="4400" b="0" i="0" u="none" strike="noStrike" cap="none" spc="0" baseline="0">
+        <a:defRPr b="0" baseline="0" cap="none" i="0" spc="0" strike="noStrike" sz="4400" u="none">
           <a:ln>
             <a:noFill/>
           </a:ln>
@@ -2574,7 +2470,7 @@
         <a:buFont typeface="Arial"/>
         <a:buChar char="•"/>
         <a:tabLst/>
-        <a:defRPr sz="2800" b="0" i="0" u="none" strike="noStrike" cap="none" spc="0" baseline="0">
+        <a:defRPr b="0" baseline="0" cap="none" i="0" spc="0" strike="noStrike" sz="2800" u="none">
           <a:ln>
             <a:noFill/>
           </a:ln>
@@ -2603,7 +2499,7 @@
         <a:buFont typeface="Arial"/>
         <a:buChar char="•"/>
         <a:tabLst/>
-        <a:defRPr sz="2800" b="0" i="0" u="none" strike="noStrike" cap="none" spc="0" baseline="0">
+        <a:defRPr b="0" baseline="0" cap="none" i="0" spc="0" strike="noStrike" sz="2800" u="none">
           <a:ln>
             <a:noFill/>
           </a:ln>
@@ -2632,7 +2528,7 @@
         <a:buFont typeface="Arial"/>
         <a:buChar char="•"/>
         <a:tabLst/>
-        <a:defRPr sz="2800" b="0" i="0" u="none" strike="noStrike" cap="none" spc="0" baseline="0">
+        <a:defRPr b="0" baseline="0" cap="none" i="0" spc="0" strike="noStrike" sz="2800" u="none">
           <a:ln>
             <a:noFill/>
           </a:ln>
@@ -2661,7 +2557,7 @@
         <a:buFont typeface="Arial"/>
         <a:buChar char="•"/>
         <a:tabLst/>
-        <a:defRPr sz="2800" b="0" i="0" u="none" strike="noStrike" cap="none" spc="0" baseline="0">
+        <a:defRPr b="0" baseline="0" cap="none" i="0" spc="0" strike="noStrike" sz="2800" u="none">
           <a:ln>
             <a:noFill/>
           </a:ln>
@@ -2690,7 +2586,7 @@
         <a:buFont typeface="Arial"/>
         <a:buChar char="•"/>
         <a:tabLst/>
-        <a:defRPr sz="2800" b="0" i="0" u="none" strike="noStrike" cap="none" spc="0" baseline="0">
+        <a:defRPr b="0" baseline="0" cap="none" i="0" spc="0" strike="noStrike" sz="2800" u="none">
           <a:ln>
             <a:noFill/>
           </a:ln>
@@ -2719,7 +2615,7 @@
         <a:buFont typeface="Arial"/>
         <a:buChar char="•"/>
         <a:tabLst/>
-        <a:defRPr sz="2800" b="0" i="0" u="none" strike="noStrike" cap="none" spc="0" baseline="0">
+        <a:defRPr b="0" baseline="0" cap="none" i="0" spc="0" strike="noStrike" sz="2800" u="none">
           <a:ln>
             <a:noFill/>
           </a:ln>
@@ -2748,7 +2644,7 @@
         <a:buFont typeface="Arial"/>
         <a:buChar char="•"/>
         <a:tabLst/>
-        <a:defRPr sz="2800" b="0" i="0" u="none" strike="noStrike" cap="none" spc="0" baseline="0">
+        <a:defRPr b="0" baseline="0" cap="none" i="0" spc="0" strike="noStrike" sz="2800" u="none">
           <a:ln>
             <a:noFill/>
           </a:ln>
@@ -2777,7 +2673,7 @@
         <a:buFont typeface="Arial"/>
         <a:buChar char="•"/>
         <a:tabLst/>
-        <a:defRPr sz="2800" b="0" i="0" u="none" strike="noStrike" cap="none" spc="0" baseline="0">
+        <a:defRPr b="0" baseline="0" cap="none" i="0" spc="0" strike="noStrike" sz="2800" u="none">
           <a:ln>
             <a:noFill/>
           </a:ln>
@@ -2806,7 +2702,7 @@
         <a:buFont typeface="Arial"/>
         <a:buChar char="•"/>
         <a:tabLst/>
-        <a:defRPr sz="2800" b="0" i="0" u="none" strike="noStrike" cap="none" spc="0" baseline="0">
+        <a:defRPr b="0" baseline="0" cap="none" i="0" spc="0" strike="noStrike" sz="2800" u="none">
           <a:ln>
             <a:noFill/>
           </a:ln>
@@ -2837,7 +2733,7 @@
         <a:buFontTx/>
         <a:buNone/>
         <a:tabLst/>
-        <a:defRPr sz="1200" b="0" i="0" u="none" strike="noStrike" cap="none" spc="0" baseline="0">
+        <a:defRPr b="0" baseline="0" cap="none" i="0" spc="0" strike="noStrike" sz="1200" u="none">
           <a:ln>
             <a:noFill/>
           </a:ln>
@@ -2866,7 +2762,7 @@
         <a:buFontTx/>
         <a:buNone/>
         <a:tabLst/>
-        <a:defRPr sz="1200" b="0" i="0" u="none" strike="noStrike" cap="none" spc="0" baseline="0">
+        <a:defRPr b="0" baseline="0" cap="none" i="0" spc="0" strike="noStrike" sz="1200" u="none">
           <a:ln>
             <a:noFill/>
           </a:ln>
@@ -2895,7 +2791,7 @@
         <a:buFontTx/>
         <a:buNone/>
         <a:tabLst/>
-        <a:defRPr sz="1200" b="0" i="0" u="none" strike="noStrike" cap="none" spc="0" baseline="0">
+        <a:defRPr b="0" baseline="0" cap="none" i="0" spc="0" strike="noStrike" sz="1200" u="none">
           <a:ln>
             <a:noFill/>
           </a:ln>
@@ -2924,7 +2820,7 @@
         <a:buFontTx/>
         <a:buNone/>
         <a:tabLst/>
-        <a:defRPr sz="1200" b="0" i="0" u="none" strike="noStrike" cap="none" spc="0" baseline="0">
+        <a:defRPr b="0" baseline="0" cap="none" i="0" spc="0" strike="noStrike" sz="1200" u="none">
           <a:ln>
             <a:noFill/>
           </a:ln>
@@ -2953,7 +2849,7 @@
         <a:buFontTx/>
         <a:buNone/>
         <a:tabLst/>
-        <a:defRPr sz="1200" b="0" i="0" u="none" strike="noStrike" cap="none" spc="0" baseline="0">
+        <a:defRPr b="0" baseline="0" cap="none" i="0" spc="0" strike="noStrike" sz="1200" u="none">
           <a:ln>
             <a:noFill/>
           </a:ln>
@@ -2982,7 +2878,7 @@
         <a:buFontTx/>
         <a:buNone/>
         <a:tabLst/>
-        <a:defRPr sz="1200" b="0" i="0" u="none" strike="noStrike" cap="none" spc="0" baseline="0">
+        <a:defRPr b="0" baseline="0" cap="none" i="0" spc="0" strike="noStrike" sz="1200" u="none">
           <a:ln>
             <a:noFill/>
           </a:ln>
@@ -3011,7 +2907,7 @@
         <a:buFontTx/>
         <a:buNone/>
         <a:tabLst/>
-        <a:defRPr sz="1200" b="0" i="0" u="none" strike="noStrike" cap="none" spc="0" baseline="0">
+        <a:defRPr b="0" baseline="0" cap="none" i="0" spc="0" strike="noStrike" sz="1200" u="none">
           <a:ln>
             <a:noFill/>
           </a:ln>
@@ -3040,7 +2936,7 @@
         <a:buFontTx/>
         <a:buNone/>
         <a:tabLst/>
-        <a:defRPr sz="1200" b="0" i="0" u="none" strike="noStrike" cap="none" spc="0" baseline="0">
+        <a:defRPr b="0" baseline="0" cap="none" i="0" spc="0" strike="noStrike" sz="1200" u="none">
           <a:ln>
             <a:noFill/>
           </a:ln>
@@ -3069,7 +2965,7 @@
         <a:buFontTx/>
         <a:buNone/>
         <a:tabLst/>
-        <a:defRPr sz="1200" b="0" i="0" u="none" strike="noStrike" cap="none" spc="0" baseline="0">
+        <a:defRPr b="0" baseline="0" cap="none" i="0" spc="0" strike="noStrike" sz="1200" u="none">
           <a:ln>
             <a:noFill/>
           </a:ln>
@@ -3089,14 +2985,13 @@
 </file>
 
 <file path=ppt/slides/slide1.xml><?xml version="1.0" encoding="utf-8"?>
-<p:sld xmlns:a="http://schemas.openxmlformats.org/drawingml/2006/main" xmlns:r="http://schemas.openxmlformats.org/officeDocument/2006/relationships" xmlns:p="http://schemas.openxmlformats.org/presentationml/2006/main">
+<p:sld xmlns:a="http://schemas.openxmlformats.org/drawingml/2006/main" xmlns:r="http://schemas.openxmlformats.org/officeDocument/2006/relationships" xmlns:p="http://schemas.openxmlformats.org/presentationml/2006/main" showMasterSp="1" showMasterPhAnim="1">
   <p:cSld>
     <p:bg>
       <p:bgPr>
         <a:solidFill>
           <a:srgbClr val="E3FDDB"/>
         </a:solidFill>
-        <a:effectLst/>
       </p:bgPr>
     </p:bg>
     <p:spTree>
@@ -3121,8 +3016,8 @@
         </p:nvSpPr>
         <p:spPr>
           <a:xfrm>
-            <a:off x="611423" y="473694"/>
-            <a:ext cx="6348578" cy="5601529"/>
+            <a:off x="611423" y="473693"/>
+            <a:ext cx="6348578" cy="5345861"/>
           </a:xfrm>
           <a:prstGeom prst="rect">
             <a:avLst/>
@@ -3132,7 +3027,7 @@
           </a:ln>
           <a:extLst>
             <a:ext uri="{C572A759-6A51-4108-AA02-DFA0A04FC94B}">
-              <ma14:wrappingTextBoxFlag xmlns:ma14="http://schemas.microsoft.com/office/mac/drawingml/2011/main" xmlns="" val="1"/>
+              <ma14:wrappingTextBoxFlag xmlns:ma14="http://schemas.microsoft.com/office/mac/drawingml/2011/main" val="1"/>
             </a:ext>
           </a:extLst>
         </p:spPr>
@@ -3149,7 +3044,7 @@
               <a:spcBef>
                 <a:spcPts val="600"/>
               </a:spcBef>
-              <a:defRPr sz="3500" b="1" u="sng">
+              <a:defRPr b="1" sz="3500" u="sng">
                 <a:latin typeface="Arial"/>
                 <a:ea typeface="Arial"/>
                 <a:cs typeface="Arial"/>
@@ -3157,12 +3052,7 @@
               </a:defRPr>
             </a:pPr>
             <a:r>
-              <a:rPr dirty="0" err="1"/>
-              <a:t>Meilensteinpräsentation</a:t>
-            </a:r>
-            <a:r>
-              <a:rPr dirty="0"/>
-              <a:t> V</a:t>
+              <a:t>Meilensteinpräsentation V</a:t>
             </a:r>
           </a:p>
           <a:p>
@@ -3180,7 +3070,6 @@
                 <a:sym typeface="Arial"/>
               </a:defRPr>
             </a:pPr>
-            <a:endParaRPr dirty="0"/>
           </a:p>
           <a:p>
             <a:pPr>
@@ -3198,12 +3087,7 @@
               </a:defRPr>
             </a:pPr>
             <a:r>
-              <a:rPr dirty="0" err="1"/>
-              <a:t>Programmierprojekt</a:t>
-            </a:r>
-            <a:r>
-              <a:rPr dirty="0"/>
-              <a:t> 2020 </a:t>
+              <a:t>Programmierprojekt 2020 </a:t>
             </a:r>
           </a:p>
           <a:p>
@@ -3222,15 +3106,10 @@
               </a:defRPr>
             </a:pPr>
             <a:r>
-              <a:rPr dirty="0" err="1"/>
-              <a:t>Implementierung</a:t>
-            </a:r>
-            <a:r>
-              <a:rPr dirty="0"/>
-              <a:t> von </a:t>
-            </a:r>
-            <a:r>
-              <a:rPr b="1" dirty="0"/>
+              <a:t>Implementierung von </a:t>
+            </a:r>
+            <a:r>
+              <a:rPr b="1"/>
               <a:t>Skip-Bo ©</a:t>
             </a:r>
           </a:p>
@@ -3242,14 +3121,13 @@
               <a:spcBef>
                 <a:spcPts val="600"/>
               </a:spcBef>
-              <a:defRPr sz="3000" b="1">
+              <a:defRPr b="1" sz="3000">
                 <a:latin typeface="Arial"/>
                 <a:ea typeface="Arial"/>
                 <a:cs typeface="Arial"/>
                 <a:sym typeface="Arial"/>
               </a:defRPr>
             </a:pPr>
-            <a:endParaRPr b="1" dirty="0"/>
           </a:p>
           <a:p>
             <a:pPr>
@@ -3259,7 +3137,7 @@
               <a:spcBef>
                 <a:spcPts val="600"/>
               </a:spcBef>
-              <a:defRPr sz="3000" b="1" u="sng">
+              <a:defRPr b="1" sz="3000" u="sng">
                 <a:latin typeface="Arial"/>
                 <a:ea typeface="Arial"/>
                 <a:cs typeface="Arial"/>
@@ -3267,18 +3145,15 @@
               </a:defRPr>
             </a:pPr>
             <a:r>
-              <a:rPr dirty="0"/>
               <a:t>Gruppe:</a:t>
             </a:r>
             <a:r>
-              <a:rPr lang="de-CH" dirty="0"/>
               <a:t>  </a:t>
             </a:r>
             <a:r>
-              <a:rPr lang="de-CH" sz="3200" dirty="0"/>
+              <a:rPr sz="3200"/>
               <a:t>Skip-Bros</a:t>
             </a:r>
-            <a:endParaRPr dirty="0"/>
           </a:p>
           <a:p>
             <a:pPr>
@@ -3288,14 +3163,13 @@
               <a:spcBef>
                 <a:spcPts val="600"/>
               </a:spcBef>
-              <a:defRPr sz="1000" b="1" u="sng">
+              <a:defRPr b="1" sz="1000" u="sng">
                 <a:latin typeface="Arial"/>
                 <a:ea typeface="Arial"/>
                 <a:cs typeface="Arial"/>
                 <a:sym typeface="Arial"/>
               </a:defRPr>
             </a:pPr>
-            <a:endParaRPr dirty="0"/>
           </a:p>
           <a:p>
             <a:pPr>
@@ -3313,7 +3187,6 @@
               </a:defRPr>
             </a:pPr>
             <a:r>
-              <a:rPr dirty="0"/>
               <a:t> 	</a:t>
             </a:r>
           </a:p>
@@ -3333,14 +3206,8 @@
               </a:defRPr>
             </a:pPr>
             <a:r>
-              <a:rPr dirty="0"/>
-              <a:t>	Manuela </a:t>
-            </a:r>
-            <a:r>
-              <a:rPr dirty="0" err="1"/>
-              <a:t>Wildi</a:t>
-            </a:r>
-            <a:endParaRPr dirty="0"/>
+              <a:t>	Manuela Wildi</a:t>
+            </a:r>
           </a:p>
           <a:p>
             <a:pPr>
@@ -3357,7 +3224,6 @@
                 <a:sym typeface="Arial"/>
               </a:defRPr>
             </a:pPr>
-            <a:endParaRPr dirty="0"/>
           </a:p>
           <a:p>
             <a:pPr>
@@ -3375,7 +3241,6 @@
               </a:defRPr>
             </a:pPr>
             <a:r>
-              <a:rPr dirty="0"/>
               <a:t> 	Rao Rohan Girish</a:t>
             </a:r>
           </a:p>
@@ -3394,7 +3259,6 @@
                 <a:sym typeface="Arial"/>
               </a:defRPr>
             </a:pPr>
-            <a:endParaRPr dirty="0"/>
           </a:p>
           <a:p>
             <a:pPr>
@@ -3412,7 +3276,6 @@
               </a:defRPr>
             </a:pPr>
             <a:r>
-              <a:rPr dirty="0"/>
               <a:t> 	Guillaume Joyet</a:t>
             </a:r>
           </a:p>
@@ -3431,7 +3294,6 @@
                 <a:sym typeface="Arial"/>
               </a:defRPr>
             </a:pPr>
-            <a:endParaRPr dirty="0"/>
           </a:p>
           <a:p>
             <a:pPr>
@@ -3449,7 +3311,6 @@
               </a:defRPr>
             </a:pPr>
             <a:r>
-              <a:rPr dirty="0"/>
               <a:t> 	Janni Batsilas</a:t>
             </a:r>
           </a:p>
@@ -3464,7 +3325,9 @@
           <p:nvPr/>
         </p:nvPicPr>
         <p:blipFill>
-          <a:blip r:embed="rId2"/>
+          <a:blip r:embed="rId2">
+            <a:extLst/>
+          </a:blip>
           <a:stretch>
             <a:fillRect/>
           </a:stretch>
@@ -3491,7 +3354,7 @@
         <p:spPr>
           <a:xfrm>
             <a:off x="9155734" y="4912193"/>
-            <a:ext cx="2859058" cy="358137"/>
+            <a:ext cx="2859057" cy="358137"/>
           </a:xfrm>
           <a:prstGeom prst="rect">
             <a:avLst/>
@@ -3501,7 +3364,7 @@
           </a:ln>
           <a:extLst>
             <a:ext uri="{C572A759-6A51-4108-AA02-DFA0A04FC94B}">
-              <ma14:wrappingTextBoxFlag xmlns:ma14="http://schemas.microsoft.com/office/mac/drawingml/2011/main" xmlns="" val="1"/>
+              <ma14:wrappingTextBoxFlag xmlns:ma14="http://schemas.microsoft.com/office/mac/drawingml/2011/main" val="1"/>
             </a:ext>
           </a:extLst>
         </p:spPr>
@@ -3511,6 +3374,7 @@
           </a:bodyPr>
           <a:lstStyle/>
           <a:p>
+            <a:pPr/>
             <a:r>
               <a:t>Quelle:  mercadolibre.com</a:t>
             </a:r>
@@ -3526,7 +3390,9 @@
           <p:nvPr/>
         </p:nvPicPr>
         <p:blipFill>
-          <a:blip r:embed="rId3"/>
+          <a:blip r:embed="rId3">
+            <a:extLst/>
+          </a:blip>
           <a:stretch>
             <a:fillRect/>
           </a:stretch>
@@ -3553,15 +3419,17 @@
           <p:nvPr/>
         </p:nvPicPr>
         <p:blipFill>
-          <a:blip r:embed="rId4"/>
+          <a:blip r:embed="rId4">
+            <a:extLst/>
+          </a:blip>
           <a:stretch>
             <a:fillRect/>
           </a:stretch>
         </p:blipFill>
         <p:spPr>
           <a:xfrm>
-            <a:off x="611423" y="4067417"/>
-            <a:ext cx="731506" cy="731510"/>
+            <a:off x="611422" y="4067416"/>
+            <a:ext cx="731507" cy="731511"/>
           </a:xfrm>
           <a:prstGeom prst="rect">
             <a:avLst/>
@@ -3580,15 +3448,17 @@
           <p:nvPr/>
         </p:nvPicPr>
         <p:blipFill>
-          <a:blip r:embed="rId5"/>
+          <a:blip r:embed="rId5">
+            <a:extLst/>
+          </a:blip>
           <a:stretch>
             <a:fillRect/>
           </a:stretch>
         </p:blipFill>
         <p:spPr>
           <a:xfrm>
-            <a:off x="611423" y="3375144"/>
-            <a:ext cx="731506" cy="731510"/>
+            <a:off x="611422" y="3375143"/>
+            <a:ext cx="731507" cy="731511"/>
           </a:xfrm>
           <a:prstGeom prst="rect">
             <a:avLst/>
@@ -3607,15 +3477,17 @@
           <p:nvPr/>
         </p:nvPicPr>
         <p:blipFill>
-          <a:blip r:embed="rId4"/>
+          <a:blip r:embed="rId4">
+            <a:extLst/>
+          </a:blip>
           <a:stretch>
             <a:fillRect/>
           </a:stretch>
         </p:blipFill>
         <p:spPr>
           <a:xfrm>
-            <a:off x="611423" y="4713078"/>
-            <a:ext cx="731506" cy="731506"/>
+            <a:off x="611422" y="4713077"/>
+            <a:ext cx="731507" cy="731507"/>
           </a:xfrm>
           <a:prstGeom prst="rect">
             <a:avLst/>
@@ -3634,15 +3506,17 @@
           <p:nvPr/>
         </p:nvPicPr>
         <p:blipFill>
-          <a:blip r:embed="rId4"/>
+          <a:blip r:embed="rId4">
+            <a:extLst/>
+          </a:blip>
           <a:stretch>
             <a:fillRect/>
           </a:stretch>
         </p:blipFill>
         <p:spPr>
           <a:xfrm>
-            <a:off x="611423" y="5343713"/>
-            <a:ext cx="731506" cy="731510"/>
+            <a:off x="611422" y="5343712"/>
+            <a:ext cx="731507" cy="731511"/>
           </a:xfrm>
           <a:prstGeom prst="rect">
             <a:avLst/>
@@ -3654,32 +3528,31 @@
       </p:pic>
       <p:pic>
         <p:nvPicPr>
-          <p:cNvPr id="2" name="Grafik 1">
-            <a:extLst>
-              <a:ext uri="{FF2B5EF4-FFF2-40B4-BE49-F238E27FC236}">
-                <a16:creationId xmlns:a16="http://schemas.microsoft.com/office/drawing/2014/main" id="{90B580BB-27D0-4262-B286-27D9CF438E9A}"/>
-              </a:ext>
-            </a:extLst>
-          </p:cNvPr>
+          <p:cNvPr id="129" name="image5.png"/>
           <p:cNvPicPr>
             <a:picLocks noChangeAspect="1"/>
           </p:cNvPicPr>
           <p:nvPr/>
         </p:nvPicPr>
         <p:blipFill>
-          <a:blip r:embed="rId6"/>
+          <a:blip r:embed="rId6">
+            <a:extLst/>
+          </a:blip>
           <a:stretch>
             <a:fillRect/>
           </a:stretch>
         </p:blipFill>
         <p:spPr>
           <a:xfrm>
-            <a:off x="4522012" y="2342666"/>
-            <a:ext cx="905122" cy="860505"/>
-          </a:xfrm>
-          <a:prstGeom prst="rect">
-            <a:avLst/>
-          </a:prstGeom>
+            <a:off x="4522011" y="2342665"/>
+            <a:ext cx="905123" cy="860506"/>
+          </a:xfrm>
+          <a:prstGeom prst="rect">
+            <a:avLst/>
+          </a:prstGeom>
+          <a:ln w="12700">
+            <a:miter lim="400000"/>
+          </a:ln>
         </p:spPr>
       </p:pic>
     </p:spTree>
@@ -3687,12 +3560,12 @@
   <p:clrMapOvr>
     <a:masterClrMapping/>
   </p:clrMapOvr>
-  <p:transition spd="med"/>
+  <p:transition xmlns:p14="http://schemas.microsoft.com/office/powerpoint/2010/main" spd="med" advClick="1"/>
 </p:sld>
 </file>
 
 <file path=ppt/slides/slide10.xml><?xml version="1.0" encoding="utf-8"?>
-<p:sld xmlns:a="http://schemas.openxmlformats.org/drawingml/2006/main" xmlns:r="http://schemas.openxmlformats.org/officeDocument/2006/relationships" xmlns:p="http://schemas.openxmlformats.org/presentationml/2006/main">
+<p:sld xmlns:a="http://schemas.openxmlformats.org/drawingml/2006/main" xmlns:r="http://schemas.openxmlformats.org/officeDocument/2006/relationships" xmlns:p="http://schemas.openxmlformats.org/presentationml/2006/main" showMasterSp="1" showMasterPhAnim="1">
   <p:cSld>
     <p:spTree>
       <p:nvGrpSpPr>
@@ -3710,13 +3583,13 @@
       </p:grpSpPr>
       <p:sp>
         <p:nvSpPr>
-          <p:cNvPr id="205" name="Shape 205"/>
+          <p:cNvPr id="216" name="Shape 216"/>
           <p:cNvSpPr/>
           <p:nvPr/>
         </p:nvSpPr>
         <p:spPr>
           <a:xfrm>
-            <a:off x="4038600" y="6404293"/>
+            <a:off x="4038600" y="6404292"/>
             <a:ext cx="4114800" cy="269237"/>
           </a:xfrm>
           <a:prstGeom prst="rect">
@@ -3727,7 +3600,7 @@
           </a:ln>
           <a:extLst>
             <a:ext uri="{C572A759-6A51-4108-AA02-DFA0A04FC94B}">
-              <ma14:wrappingTextBoxFlag xmlns:ma14="http://schemas.microsoft.com/office/mac/drawingml/2011/main" xmlns="" val="1"/>
+              <ma14:wrappingTextBoxFlag xmlns:ma14="http://schemas.microsoft.com/office/mac/drawingml/2011/main" val="1"/>
             </a:ext>
           </a:extLst>
         </p:spPr>
@@ -3735,15 +3608,17 @@
           <a:bodyPr lIns="45718" tIns="45718" rIns="45718" bIns="45718" anchor="ctr">
             <a:spAutoFit/>
           </a:bodyPr>
-          <a:lstStyle/>
-          <a:p>
-            <a:pPr algn="ctr">
+          <a:lstStyle>
+            <a:lvl1pPr algn="ctr">
               <a:defRPr sz="1200">
                 <a:solidFill>
                   <a:srgbClr val="888888"/>
                 </a:solidFill>
               </a:defRPr>
-            </a:pPr>
+            </a:lvl1pPr>
+          </a:lstStyle>
+          <a:p>
+            <a:pPr/>
             <a:r>
               <a:t>Mlst.-Präsentation Nr. V  /  Gruppe 15</a:t>
             </a:r>
@@ -3752,10 +3627,8 @@
       </p:sp>
       <p:sp>
         <p:nvSpPr>
-          <p:cNvPr id="206" name="Shape 206"/>
-          <p:cNvSpPr>
-            <a:spLocks noGrp="1"/>
-          </p:cNvSpPr>
+          <p:cNvPr id="217" name="Shape 217"/>
+          <p:cNvSpPr/>
           <p:nvPr>
             <p:ph type="title"/>
           </p:nvPr>
@@ -3773,7 +3646,7 @@
           <a:bodyPr/>
           <a:lstStyle>
             <a:lvl1pPr>
-              <a:defRPr sz="2000" b="1">
+              <a:defRPr b="1" sz="2000">
                 <a:latin typeface="Arial"/>
                 <a:ea typeface="Arial"/>
                 <a:cs typeface="Arial"/>
@@ -3782,6 +3655,7 @@
             </a:lvl1pPr>
           </a:lstStyle>
           <a:p>
+            <a:pPr/>
             <a:r>
               <a:t>	</a:t>
             </a:r>
@@ -3790,10 +3664,8 @@
       </p:sp>
       <p:sp>
         <p:nvSpPr>
-          <p:cNvPr id="207" name="Shape 207"/>
-          <p:cNvSpPr>
-            <a:spLocks noGrp="1"/>
-          </p:cNvSpPr>
+          <p:cNvPr id="218" name="Shape 218"/>
+          <p:cNvSpPr/>
           <p:nvPr>
             <p:ph type="sldNum" sz="quarter" idx="4294967295"/>
           </p:nvPr>
@@ -3808,7 +3680,7 @@
           </a:prstGeom>
           <a:extLst>
             <a:ext uri="{C572A759-6A51-4108-AA02-DFA0A04FC94B}">
-              <ma14:wrappingTextBoxFlag xmlns:ma14="http://schemas.microsoft.com/office/mac/drawingml/2011/main" xmlns="" val="1"/>
+              <ma14:wrappingTextBoxFlag xmlns:ma14="http://schemas.microsoft.com/office/mac/drawingml/2011/main" val="1"/>
             </a:ext>
           </a:extLst>
         </p:spPr>
@@ -3816,23 +3688,21 @@
           <a:bodyPr/>
           <a:lstStyle/>
           <a:p>
-            <a:fld id="{86CB4B4D-7CA3-9044-876B-883B54F8677D}" type="slidenum">
-              <a:t>10</a:t>
-            </a:fld>
-            <a:endParaRPr/>
+            <a:pPr/>
+            <a:fld id="{86CB4B4D-7CA3-9044-876B-883B54F8677D}" type="slidenum"/>
           </a:p>
         </p:txBody>
       </p:sp>
       <p:sp>
         <p:nvSpPr>
-          <p:cNvPr id="208" name="Shape 208"/>
+          <p:cNvPr id="219" name="Shape 219"/>
           <p:cNvSpPr/>
           <p:nvPr/>
         </p:nvSpPr>
         <p:spPr>
           <a:xfrm>
             <a:off x="4535399" y="3136612"/>
-            <a:ext cx="7236002" cy="1077214"/>
+            <a:ext cx="7236002" cy="1501137"/>
           </a:xfrm>
           <a:prstGeom prst="rect">
             <a:avLst/>
@@ -3842,7 +3712,7 @@
           </a:ln>
           <a:extLst>
             <a:ext uri="{C572A759-6A51-4108-AA02-DFA0A04FC94B}">
-              <ma14:wrappingTextBoxFlag xmlns:ma14="http://schemas.microsoft.com/office/mac/drawingml/2011/main" xmlns="" val="1"/>
+              <ma14:wrappingTextBoxFlag xmlns:ma14="http://schemas.microsoft.com/office/mac/drawingml/2011/main" val="1"/>
             </a:ext>
           </a:extLst>
         </p:spPr>
@@ -3850,59 +3720,38 @@
           <a:bodyPr lIns="45718" tIns="45718" rIns="45718" bIns="45718">
             <a:spAutoFit/>
           </a:bodyPr>
-          <a:lstStyle>
-            <a:lvl1pPr>
-              <a:defRPr sz="3200" b="1" i="1"/>
-            </a:lvl1pPr>
-          </a:lstStyle>
-          <a:p>
-            <a:pPr algn="ctr"/>
-            <a:r>
-              <a:rPr dirty="0" err="1"/>
-              <a:t>Vielen</a:t>
-            </a:r>
-            <a:r>
-              <a:rPr dirty="0"/>
-              <a:t> Dank </a:t>
-            </a:r>
-            <a:r>
-              <a:rPr dirty="0" err="1"/>
-              <a:t>für</a:t>
-            </a:r>
-            <a:r>
-              <a:rPr dirty="0"/>
-              <a:t> </a:t>
-            </a:r>
-            <a:r>
-              <a:rPr lang="de-CH" dirty="0"/>
+          <a:lstStyle/>
+          <a:p>
+            <a:pPr algn="ctr">
+              <a:defRPr b="1" i="1" sz="3200"/>
+            </a:pPr>
+            <a:r>
+              <a:t>Vielen Dank für </a:t>
+            </a:r>
+            <a:r>
               <a:t>eure</a:t>
             </a:r>
             <a:r>
-              <a:rPr dirty="0"/>
-              <a:t> </a:t>
-            </a:r>
-            <a:r>
-              <a:rPr dirty="0" err="1"/>
-              <a:t>Aufmerksamkeit</a:t>
-            </a:r>
-            <a:r>
-              <a:rPr lang="de-CH" dirty="0"/>
+              <a:t> Aufmerksamkeit</a:t>
+            </a:r>
+            <a:r>
               <a:t> und viel Erfolg bei den Prüfungen !</a:t>
             </a:r>
-            <a:endParaRPr dirty="0"/>
           </a:p>
         </p:txBody>
       </p:sp>
       <p:pic>
         <p:nvPicPr>
-          <p:cNvPr id="209" name="image2.png" descr="Bildergebnis für skip bo"/>
+          <p:cNvPr id="220" name="image2.png" descr="Bildergebnis für skip bo"/>
           <p:cNvPicPr>
             <a:picLocks noChangeAspect="1"/>
           </p:cNvPicPr>
           <p:nvPr/>
         </p:nvPicPr>
         <p:blipFill>
-          <a:blip r:embed="rId2"/>
+          <a:blip r:embed="rId2">
+            <a:extLst/>
+          </a:blip>
           <a:stretch>
             <a:fillRect/>
           </a:stretch>
@@ -3922,7 +3771,7 @@
       </p:pic>
       <p:sp>
         <p:nvSpPr>
-          <p:cNvPr id="210" name="Shape 210"/>
+          <p:cNvPr id="221" name="Shape 221"/>
           <p:cNvSpPr/>
           <p:nvPr/>
         </p:nvSpPr>
@@ -3939,7 +3788,7 @@
           </a:ln>
           <a:extLst>
             <a:ext uri="{C572A759-6A51-4108-AA02-DFA0A04FC94B}">
-              <ma14:wrappingTextBoxFlag xmlns:ma14="http://schemas.microsoft.com/office/mac/drawingml/2011/main" xmlns="" val="1"/>
+              <ma14:wrappingTextBoxFlag xmlns:ma14="http://schemas.microsoft.com/office/mac/drawingml/2011/main" val="1"/>
             </a:ext>
           </a:extLst>
         </p:spPr>
@@ -3953,6 +3802,7 @@
             </a:lvl1pPr>
           </a:lstStyle>
           <a:p>
+            <a:pPr/>
             <a:r>
               <a:t>Quelle:  mercadolibre.com</a:t>
             </a:r>
@@ -3964,12 +3814,12 @@
   <p:clrMapOvr>
     <a:masterClrMapping/>
   </p:clrMapOvr>
-  <p:transition spd="slow"/>
+  <p:transition xmlns:p14="http://schemas.microsoft.com/office/powerpoint/2010/main" spd="med" advClick="1" p14:dur="1000"/>
 </p:sld>
 </file>
 
 <file path=ppt/slides/slide2.xml><?xml version="1.0" encoding="utf-8"?>
-<p:sld xmlns:a="http://schemas.openxmlformats.org/drawingml/2006/main" xmlns:r="http://schemas.openxmlformats.org/officeDocument/2006/relationships" xmlns:p="http://schemas.openxmlformats.org/presentationml/2006/main">
+<p:sld xmlns:a="http://schemas.openxmlformats.org/drawingml/2006/main" xmlns:r="http://schemas.openxmlformats.org/officeDocument/2006/relationships" xmlns:p="http://schemas.openxmlformats.org/presentationml/2006/main" showMasterSp="1" showMasterPhAnim="1">
   <p:cSld>
     <p:spTree>
       <p:nvGrpSpPr>
@@ -3993,7 +3843,7 @@
         </p:nvSpPr>
         <p:spPr>
           <a:xfrm>
-            <a:off x="4038600" y="6404293"/>
+            <a:off x="4038600" y="6404292"/>
             <a:ext cx="4114800" cy="269237"/>
           </a:xfrm>
           <a:prstGeom prst="rect">
@@ -4004,7 +3854,7 @@
           </a:ln>
           <a:extLst>
             <a:ext uri="{C572A759-6A51-4108-AA02-DFA0A04FC94B}">
-              <ma14:wrappingTextBoxFlag xmlns:ma14="http://schemas.microsoft.com/office/mac/drawingml/2011/main" xmlns="" val="1"/>
+              <ma14:wrappingTextBoxFlag xmlns:ma14="http://schemas.microsoft.com/office/mac/drawingml/2011/main" val="1"/>
             </a:ext>
           </a:extLst>
         </p:spPr>
@@ -4012,15 +3862,17 @@
           <a:bodyPr lIns="45718" tIns="45718" rIns="45718" bIns="45718" anchor="ctr">
             <a:spAutoFit/>
           </a:bodyPr>
-          <a:lstStyle/>
-          <a:p>
-            <a:pPr algn="ctr">
+          <a:lstStyle>
+            <a:lvl1pPr algn="ctr">
               <a:defRPr sz="1200">
                 <a:solidFill>
                   <a:srgbClr val="888888"/>
                 </a:solidFill>
               </a:defRPr>
-            </a:pPr>
+            </a:lvl1pPr>
+          </a:lstStyle>
+          <a:p>
+            <a:pPr/>
             <a:r>
               <a:t>Mlst.-Präsentation Nr. V  /  Gruppe 15</a:t>
             </a:r>
@@ -4030,9 +3882,7 @@
       <p:sp>
         <p:nvSpPr>
           <p:cNvPr id="132" name="Shape 132"/>
-          <p:cNvSpPr>
-            <a:spLocks noGrp="1"/>
-          </p:cNvSpPr>
+          <p:cNvSpPr/>
           <p:nvPr>
             <p:ph type="body" sz="half" idx="1"/>
           </p:nvPr>
@@ -4075,7 +3925,6 @@
                 <a:sym typeface="Arial"/>
               </a:defRPr>
             </a:pPr>
-            <a:endParaRPr/>
           </a:p>
           <a:p>
             <a:pPr marL="0" indent="0">
@@ -4103,7 +3952,6 @@
                 <a:sym typeface="Arial"/>
               </a:defRPr>
             </a:pPr>
-            <a:endParaRPr/>
           </a:p>
           <a:p>
             <a:pPr marL="0" indent="0">
@@ -4131,7 +3979,6 @@
                 <a:sym typeface="Arial"/>
               </a:defRPr>
             </a:pPr>
-            <a:endParaRPr/>
           </a:p>
           <a:p>
             <a:pPr marL="0" indent="0">
@@ -4153,9 +4000,7 @@
       <p:sp>
         <p:nvSpPr>
           <p:cNvPr id="133" name="Shape 133"/>
-          <p:cNvSpPr>
-            <a:spLocks noGrp="1"/>
-          </p:cNvSpPr>
+          <p:cNvSpPr/>
           <p:nvPr>
             <p:ph type="sldNum" sz="quarter" idx="4294967295"/>
           </p:nvPr>
@@ -4170,7 +4015,7 @@
           </a:prstGeom>
           <a:extLst>
             <a:ext uri="{C572A759-6A51-4108-AA02-DFA0A04FC94B}">
-              <ma14:wrappingTextBoxFlag xmlns:ma14="http://schemas.microsoft.com/office/mac/drawingml/2011/main" xmlns="" val="1"/>
+              <ma14:wrappingTextBoxFlag xmlns:ma14="http://schemas.microsoft.com/office/mac/drawingml/2011/main" val="1"/>
             </a:ext>
           </a:extLst>
         </p:spPr>
@@ -4178,10 +4023,8 @@
           <a:bodyPr/>
           <a:lstStyle/>
           <a:p>
-            <a:fld id="{86CB4B4D-7CA3-9044-876B-883B54F8677D}" type="slidenum">
-              <a:t>2</a:t>
-            </a:fld>
-            <a:endParaRPr/>
+            <a:pPr/>
+            <a:fld id="{86CB4B4D-7CA3-9044-876B-883B54F8677D}" type="slidenum"/>
           </a:p>
         </p:txBody>
       </p:sp>
@@ -4194,15 +4037,17 @@
           <p:nvPr/>
         </p:nvPicPr>
         <p:blipFill>
-          <a:blip r:embed="rId2"/>
+          <a:blip r:embed="rId2">
+            <a:extLst/>
+          </a:blip>
           <a:stretch>
             <a:fillRect/>
           </a:stretch>
         </p:blipFill>
         <p:spPr>
           <a:xfrm>
-            <a:off x="795215" y="2306224"/>
-            <a:ext cx="914402" cy="914402"/>
+            <a:off x="795214" y="2306223"/>
+            <a:ext cx="914404" cy="914403"/>
           </a:xfrm>
           <a:prstGeom prst="rect">
             <a:avLst/>
@@ -4215,9 +4060,7 @@
       <p:sp>
         <p:nvSpPr>
           <p:cNvPr id="135" name="Shape 135"/>
-          <p:cNvSpPr>
-            <a:spLocks noGrp="1"/>
-          </p:cNvSpPr>
+          <p:cNvSpPr/>
           <p:nvPr>
             <p:ph type="title"/>
           </p:nvPr>
@@ -4235,7 +4078,7 @@
           <a:bodyPr/>
           <a:lstStyle>
             <a:lvl1pPr>
-              <a:defRPr sz="2000" b="1">
+              <a:defRPr b="1" sz="2000">
                 <a:latin typeface="Arial"/>
                 <a:ea typeface="Arial"/>
                 <a:cs typeface="Arial"/>
@@ -4244,6 +4087,7 @@
             </a:lvl1pPr>
           </a:lstStyle>
           <a:p>
+            <a:pPr/>
             <a:r>
               <a:t>	 Übersicht</a:t>
             </a:r>
@@ -4258,8 +4102,8 @@
         </p:nvSpPr>
         <p:spPr>
           <a:xfrm>
-            <a:off x="-16628" y="720436"/>
-            <a:ext cx="3088630" cy="4"/>
+            <a:off x="-16629" y="720436"/>
+            <a:ext cx="3088632" cy="5"/>
           </a:xfrm>
           <a:prstGeom prst="line">
             <a:avLst/>
@@ -4271,7 +4115,7 @@
             <a:miter/>
           </a:ln>
           <a:effectLst>
-            <a:outerShdw blurRad="50800" dist="38100" dir="2700000" rotWithShape="0">
+            <a:outerShdw sx="100000" sy="100000" kx="0" ky="0" algn="b" rotWithShape="0" blurRad="50800" dist="38100" dir="2700000">
               <a:srgbClr val="000000">
                 <a:alpha val="40000"/>
               </a:srgbClr>
@@ -4282,7 +4126,7 @@
           <a:bodyPr lIns="45718" tIns="45718" rIns="45718" bIns="45718"/>
           <a:lstStyle/>
           <a:p>
-            <a:endParaRPr/>
+            <a:pPr/>
           </a:p>
         </p:txBody>
       </p:sp>
@@ -4295,7 +4139,9 @@
           <p:nvPr/>
         </p:nvPicPr>
         <p:blipFill>
-          <a:blip r:embed="rId3"/>
+          <a:blip r:embed="rId3">
+            <a:extLst/>
+          </a:blip>
           <a:stretch>
             <a:fillRect/>
           </a:stretch>
@@ -4322,7 +4168,9 @@
           <p:nvPr/>
         </p:nvPicPr>
         <p:blipFill>
-          <a:blip r:embed="rId4"/>
+          <a:blip r:embed="rId4">
+            <a:extLst/>
+          </a:blip>
           <a:stretch>
             <a:fillRect/>
           </a:stretch>
@@ -4330,7 +4178,7 @@
         <p:spPr>
           <a:xfrm>
             <a:off x="795214" y="1241306"/>
-            <a:ext cx="914402" cy="914404"/>
+            <a:ext cx="914403" cy="914404"/>
           </a:xfrm>
           <a:prstGeom prst="rect">
             <a:avLst/>
@@ -4349,7 +4197,9 @@
           <p:nvPr/>
         </p:nvPicPr>
         <p:blipFill>
-          <a:blip r:embed="rId5"/>
+          <a:blip r:embed="rId5">
+            <a:extLst/>
+          </a:blip>
           <a:stretch>
             <a:fillRect/>
           </a:stretch>
@@ -4357,7 +4207,7 @@
         <p:spPr>
           <a:xfrm>
             <a:off x="795217" y="3421174"/>
-            <a:ext cx="914401" cy="914404"/>
+            <a:ext cx="914401" cy="914405"/>
           </a:xfrm>
           <a:prstGeom prst="rect">
             <a:avLst/>
@@ -4376,15 +4226,17 @@
           <p:nvPr/>
         </p:nvPicPr>
         <p:blipFill>
-          <a:blip r:embed="rId6"/>
+          <a:blip r:embed="rId6">
+            <a:extLst/>
+          </a:blip>
           <a:stretch>
             <a:fillRect/>
           </a:stretch>
         </p:blipFill>
         <p:spPr>
           <a:xfrm>
-            <a:off x="795215" y="4536125"/>
-            <a:ext cx="914401" cy="914401"/>
+            <a:off x="795214" y="4536125"/>
+            <a:ext cx="914402" cy="914402"/>
           </a:xfrm>
           <a:prstGeom prst="rect">
             <a:avLst/>
@@ -4399,12 +4251,12 @@
   <p:clrMapOvr>
     <a:masterClrMapping/>
   </p:clrMapOvr>
-  <p:transition spd="slow"/>
+  <p:transition xmlns:p14="http://schemas.microsoft.com/office/powerpoint/2010/main" spd="med" advClick="1" p14:dur="1000"/>
 </p:sld>
 </file>
 
 <file path=ppt/slides/slide3.xml><?xml version="1.0" encoding="utf-8"?>
-<p:sld xmlns:a="http://schemas.openxmlformats.org/drawingml/2006/main" xmlns:r="http://schemas.openxmlformats.org/officeDocument/2006/relationships" xmlns:p="http://schemas.openxmlformats.org/presentationml/2006/main">
+<p:sld xmlns:a="http://schemas.openxmlformats.org/drawingml/2006/main" xmlns:r="http://schemas.openxmlformats.org/officeDocument/2006/relationships" xmlns:p="http://schemas.openxmlformats.org/presentationml/2006/main" showMasterSp="1" showMasterPhAnim="1">
   <p:cSld>
     <p:spTree>
       <p:nvGrpSpPr>
@@ -4428,7 +4280,7 @@
         </p:nvSpPr>
         <p:spPr>
           <a:xfrm>
-            <a:off x="4038600" y="6404293"/>
+            <a:off x="4038600" y="6404292"/>
             <a:ext cx="4114800" cy="269237"/>
           </a:xfrm>
           <a:prstGeom prst="rect">
@@ -4439,7 +4291,7 @@
           </a:ln>
           <a:extLst>
             <a:ext uri="{C572A759-6A51-4108-AA02-DFA0A04FC94B}">
-              <ma14:wrappingTextBoxFlag xmlns:ma14="http://schemas.microsoft.com/office/mac/drawingml/2011/main" xmlns="" val="1"/>
+              <ma14:wrappingTextBoxFlag xmlns:ma14="http://schemas.microsoft.com/office/mac/drawingml/2011/main" val="1"/>
             </a:ext>
           </a:extLst>
         </p:spPr>
@@ -4447,15 +4299,17 @@
           <a:bodyPr lIns="45718" tIns="45718" rIns="45718" bIns="45718" anchor="ctr">
             <a:spAutoFit/>
           </a:bodyPr>
-          <a:lstStyle/>
-          <a:p>
-            <a:pPr algn="ctr">
+          <a:lstStyle>
+            <a:lvl1pPr algn="ctr">
               <a:defRPr sz="1200">
                 <a:solidFill>
                   <a:srgbClr val="888888"/>
                 </a:solidFill>
               </a:defRPr>
-            </a:pPr>
+            </a:lvl1pPr>
+          </a:lstStyle>
+          <a:p>
+            <a:pPr/>
             <a:r>
               <a:t>Mlst.-Präsentation Nr. V  /  Gruppe 15</a:t>
             </a:r>
@@ -4465,9 +4319,7 @@
       <p:sp>
         <p:nvSpPr>
           <p:cNvPr id="143" name="Shape 143"/>
-          <p:cNvSpPr>
-            <a:spLocks noGrp="1"/>
-          </p:cNvSpPr>
+          <p:cNvSpPr/>
           <p:nvPr>
             <p:ph type="body" sz="half" idx="1"/>
           </p:nvPr>
@@ -4488,7 +4340,7 @@
             <a:pPr marL="0" indent="0">
               <a:buSzTx/>
               <a:buNone/>
-              <a:defRPr sz="3000" b="1">
+              <a:defRPr b="1" sz="3000">
                 <a:latin typeface="Arial"/>
                 <a:ea typeface="Arial"/>
                 <a:cs typeface="Arial"/>
@@ -4510,7 +4362,6 @@
                 <a:sym typeface="Arial"/>
               </a:defRPr>
             </a:pPr>
-            <a:endParaRPr/>
           </a:p>
           <a:p>
             <a:pPr marL="0" indent="0">
@@ -4538,7 +4389,6 @@
                 <a:sym typeface="Arial"/>
               </a:defRPr>
             </a:pPr>
-            <a:endParaRPr/>
           </a:p>
           <a:p>
             <a:pPr marL="0" indent="0">
@@ -4566,7 +4416,6 @@
                 <a:sym typeface="Arial"/>
               </a:defRPr>
             </a:pPr>
-            <a:endParaRPr/>
           </a:p>
           <a:p>
             <a:pPr marL="0" indent="0">
@@ -4588,16 +4437,14 @@
       <p:sp>
         <p:nvSpPr>
           <p:cNvPr id="144" name="Shape 144"/>
-          <p:cNvSpPr>
-            <a:spLocks noGrp="1"/>
-          </p:cNvSpPr>
+          <p:cNvSpPr/>
           <p:nvPr>
             <p:ph type="sldNum" sz="quarter" idx="4294967295"/>
           </p:nvPr>
         </p:nvSpPr>
         <p:spPr>
           <a:xfrm>
-            <a:off x="11169739" y="6404292"/>
+            <a:off x="11169739" y="6404291"/>
             <a:ext cx="184057" cy="269237"/>
           </a:xfrm>
           <a:prstGeom prst="rect">
@@ -4605,7 +4452,7 @@
           </a:prstGeom>
           <a:extLst>
             <a:ext uri="{C572A759-6A51-4108-AA02-DFA0A04FC94B}">
-              <ma14:wrappingTextBoxFlag xmlns:ma14="http://schemas.microsoft.com/office/mac/drawingml/2011/main" xmlns="" val="1"/>
+              <ma14:wrappingTextBoxFlag xmlns:ma14="http://schemas.microsoft.com/office/mac/drawingml/2011/main" val="1"/>
             </a:ext>
           </a:extLst>
         </p:spPr>
@@ -4613,10 +4460,8 @@
           <a:bodyPr/>
           <a:lstStyle/>
           <a:p>
-            <a:fld id="{86CB4B4D-7CA3-9044-876B-883B54F8677D}" type="slidenum">
-              <a:t>3</a:t>
-            </a:fld>
-            <a:endParaRPr/>
+            <a:pPr/>
+            <a:fld id="{86CB4B4D-7CA3-9044-876B-883B54F8677D}" type="slidenum"/>
           </a:p>
         </p:txBody>
       </p:sp>
@@ -4629,15 +4474,17 @@
           <p:nvPr/>
         </p:nvPicPr>
         <p:blipFill>
-          <a:blip r:embed="rId2"/>
+          <a:blip r:embed="rId2">
+            <a:extLst/>
+          </a:blip>
           <a:stretch>
             <a:fillRect/>
           </a:stretch>
         </p:blipFill>
         <p:spPr>
           <a:xfrm>
-            <a:off x="795215" y="2306224"/>
-            <a:ext cx="914402" cy="914402"/>
+            <a:off x="795214" y="2306223"/>
+            <a:ext cx="914404" cy="914403"/>
           </a:xfrm>
           <a:prstGeom prst="rect">
             <a:avLst/>
@@ -4650,9 +4497,7 @@
       <p:sp>
         <p:nvSpPr>
           <p:cNvPr id="146" name="Shape 146"/>
-          <p:cNvSpPr>
-            <a:spLocks noGrp="1"/>
-          </p:cNvSpPr>
+          <p:cNvSpPr/>
           <p:nvPr>
             <p:ph type="title"/>
           </p:nvPr>
@@ -4670,7 +4515,7 @@
           <a:bodyPr/>
           <a:lstStyle>
             <a:lvl1pPr>
-              <a:defRPr sz="2000" b="1">
+              <a:defRPr b="1" sz="2000">
                 <a:latin typeface="Arial"/>
                 <a:ea typeface="Arial"/>
                 <a:cs typeface="Arial"/>
@@ -4679,6 +4524,7 @@
             </a:lvl1pPr>
           </a:lstStyle>
           <a:p>
+            <a:pPr/>
             <a:r>
               <a:t>	 Übersicht</a:t>
             </a:r>
@@ -4693,8 +4539,8 @@
         </p:nvSpPr>
         <p:spPr>
           <a:xfrm>
-            <a:off x="-16628" y="720436"/>
-            <a:ext cx="3088630" cy="4"/>
+            <a:off x="-16629" y="720436"/>
+            <a:ext cx="3088632" cy="4"/>
           </a:xfrm>
           <a:prstGeom prst="line">
             <a:avLst/>
@@ -4706,7 +4552,7 @@
             <a:miter/>
           </a:ln>
           <a:effectLst>
-            <a:outerShdw blurRad="50800" dist="38100" dir="2700000" rotWithShape="0">
+            <a:outerShdw sx="100000" sy="100000" kx="0" ky="0" algn="b" rotWithShape="0" blurRad="50800" dist="38100" dir="2700000">
               <a:srgbClr val="000000">
                 <a:alpha val="40000"/>
               </a:srgbClr>
@@ -4717,7 +4563,7 @@
           <a:bodyPr lIns="45718" tIns="45718" rIns="45718" bIns="45718"/>
           <a:lstStyle/>
           <a:p>
-            <a:endParaRPr/>
+            <a:pPr/>
           </a:p>
         </p:txBody>
       </p:sp>
@@ -4730,7 +4576,9 @@
           <p:nvPr/>
         </p:nvPicPr>
         <p:blipFill>
-          <a:blip r:embed="rId3"/>
+          <a:blip r:embed="rId3">
+            <a:extLst/>
+          </a:blip>
           <a:stretch>
             <a:fillRect/>
           </a:stretch>
@@ -4757,7 +4605,9 @@
           <p:nvPr/>
         </p:nvPicPr>
         <p:blipFill>
-          <a:blip r:embed="rId4"/>
+          <a:blip r:embed="rId4">
+            <a:extLst/>
+          </a:blip>
           <a:stretch>
             <a:fillRect/>
           </a:stretch>
@@ -4765,7 +4615,7 @@
         <p:spPr>
           <a:xfrm>
             <a:off x="795214" y="1241306"/>
-            <a:ext cx="914402" cy="914404"/>
+            <a:ext cx="914403" cy="914404"/>
           </a:xfrm>
           <a:prstGeom prst="rect">
             <a:avLst/>
@@ -4784,7 +4634,9 @@
           <p:nvPr/>
         </p:nvPicPr>
         <p:blipFill>
-          <a:blip r:embed="rId5"/>
+          <a:blip r:embed="rId5">
+            <a:extLst/>
+          </a:blip>
           <a:stretch>
             <a:fillRect/>
           </a:stretch>
@@ -4792,7 +4644,7 @@
         <p:spPr>
           <a:xfrm>
             <a:off x="795217" y="3421174"/>
-            <a:ext cx="914401" cy="914404"/>
+            <a:ext cx="914401" cy="914405"/>
           </a:xfrm>
           <a:prstGeom prst="rect">
             <a:avLst/>
@@ -4811,15 +4663,17 @@
           <p:nvPr/>
         </p:nvPicPr>
         <p:blipFill>
-          <a:blip r:embed="rId6"/>
+          <a:blip r:embed="rId6">
+            <a:extLst/>
+          </a:blip>
           <a:stretch>
             <a:fillRect/>
           </a:stretch>
         </p:blipFill>
         <p:spPr>
           <a:xfrm>
-            <a:off x="795215" y="4536125"/>
-            <a:ext cx="914401" cy="914401"/>
+            <a:off x="795214" y="4536125"/>
+            <a:ext cx="914402" cy="914402"/>
           </a:xfrm>
           <a:prstGeom prst="rect">
             <a:avLst/>
@@ -4834,12 +4688,12 @@
   <p:clrMapOvr>
     <a:masterClrMapping/>
   </p:clrMapOvr>
-  <p:transition spd="slow"/>
+  <p:transition xmlns:p14="http://schemas.microsoft.com/office/powerpoint/2010/main" spd="med" advClick="1" p14:dur="1000"/>
 </p:sld>
 </file>
 
 <file path=ppt/slides/slide4.xml><?xml version="1.0" encoding="utf-8"?>
-<p:sld xmlns:a="http://schemas.openxmlformats.org/drawingml/2006/main" xmlns:r="http://schemas.openxmlformats.org/officeDocument/2006/relationships" xmlns:p="http://schemas.openxmlformats.org/presentationml/2006/main">
+<p:sld xmlns:a="http://schemas.openxmlformats.org/drawingml/2006/main" xmlns:r="http://schemas.openxmlformats.org/officeDocument/2006/relationships" xmlns:p="http://schemas.openxmlformats.org/presentationml/2006/main" showMasterSp="1" showMasterPhAnim="1">
   <p:cSld>
     <p:spTree>
       <p:nvGrpSpPr>
@@ -4863,8 +4717,8 @@
         </p:nvSpPr>
         <p:spPr>
           <a:xfrm>
-            <a:off x="3935998" y="6396610"/>
-            <a:ext cx="4114805" cy="269237"/>
+            <a:off x="3935998" y="6396609"/>
+            <a:ext cx="4114806" cy="269237"/>
           </a:xfrm>
           <a:prstGeom prst="rect">
             <a:avLst/>
@@ -4874,7 +4728,7 @@
           </a:ln>
           <a:extLst>
             <a:ext uri="{C572A759-6A51-4108-AA02-DFA0A04FC94B}">
-              <ma14:wrappingTextBoxFlag xmlns:ma14="http://schemas.microsoft.com/office/mac/drawingml/2011/main" xmlns="" val="1"/>
+              <ma14:wrappingTextBoxFlag xmlns:ma14="http://schemas.microsoft.com/office/mac/drawingml/2011/main" val="1"/>
             </a:ext>
           </a:extLst>
         </p:spPr>
@@ -4882,15 +4736,17 @@
           <a:bodyPr lIns="45718" tIns="45718" rIns="45718" bIns="45718" anchor="ctr">
             <a:spAutoFit/>
           </a:bodyPr>
-          <a:lstStyle/>
-          <a:p>
-            <a:pPr algn="ctr">
+          <a:lstStyle>
+            <a:lvl1pPr algn="ctr">
               <a:defRPr sz="1200">
                 <a:solidFill>
                   <a:srgbClr val="888888"/>
                 </a:solidFill>
               </a:defRPr>
-            </a:pPr>
+            </a:lvl1pPr>
+          </a:lstStyle>
+          <a:p>
+            <a:pPr/>
             <a:r>
               <a:t>Mlst.-Präsentation Nr. V /  Gruppe 15</a:t>
             </a:r>
@@ -4900,9 +4756,7 @@
       <p:sp>
         <p:nvSpPr>
           <p:cNvPr id="154" name="Shape 154"/>
-          <p:cNvSpPr>
-            <a:spLocks noGrp="1"/>
-          </p:cNvSpPr>
+          <p:cNvSpPr/>
           <p:nvPr>
             <p:ph type="sldNum" sz="quarter" idx="4294967295"/>
           </p:nvPr>
@@ -4917,7 +4771,7 @@
           </a:prstGeom>
           <a:extLst>
             <a:ext uri="{C572A759-6A51-4108-AA02-DFA0A04FC94B}">
-              <ma14:wrappingTextBoxFlag xmlns:ma14="http://schemas.microsoft.com/office/mac/drawingml/2011/main" xmlns="" val="1"/>
+              <ma14:wrappingTextBoxFlag xmlns:ma14="http://schemas.microsoft.com/office/mac/drawingml/2011/main" val="1"/>
             </a:ext>
           </a:extLst>
         </p:spPr>
@@ -4925,19 +4779,15 @@
           <a:bodyPr/>
           <a:lstStyle/>
           <a:p>
-            <a:fld id="{86CB4B4D-7CA3-9044-876B-883B54F8677D}" type="slidenum">
-              <a:t>4</a:t>
-            </a:fld>
-            <a:endParaRPr/>
+            <a:pPr/>
+            <a:fld id="{86CB4B4D-7CA3-9044-876B-883B54F8677D}" type="slidenum"/>
           </a:p>
         </p:txBody>
       </p:sp>
       <p:sp>
         <p:nvSpPr>
           <p:cNvPr id="155" name="Shape 155"/>
-          <p:cNvSpPr>
-            <a:spLocks noGrp="1"/>
-          </p:cNvSpPr>
+          <p:cNvSpPr/>
           <p:nvPr>
             <p:ph type="title"/>
           </p:nvPr>
@@ -4953,16 +4803,18 @@
         </p:spPr>
         <p:txBody>
           <a:bodyPr/>
-          <a:lstStyle/>
-          <a:p>
-            <a:pPr>
-              <a:defRPr sz="2000" b="1">
+          <a:lstStyle>
+            <a:lvl1pPr>
+              <a:defRPr b="1" sz="2000">
                 <a:latin typeface="Arial"/>
                 <a:ea typeface="Arial"/>
                 <a:cs typeface="Arial"/>
                 <a:sym typeface="Arial"/>
               </a:defRPr>
-            </a:pPr>
+            </a:lvl1pPr>
+          </a:lstStyle>
+          <a:p>
+            <a:pPr/>
             <a:r>
               <a:t>	 Skip-Bro: Regeln, Ziel und Mechanik</a:t>
             </a:r>
@@ -4977,8 +4829,8 @@
         </p:nvSpPr>
         <p:spPr>
           <a:xfrm>
-            <a:off x="-16628" y="720436"/>
-            <a:ext cx="5719159" cy="1"/>
+            <a:off x="-16629" y="720436"/>
+            <a:ext cx="5719161" cy="2"/>
           </a:xfrm>
           <a:prstGeom prst="line">
             <a:avLst/>
@@ -4990,7 +4842,7 @@
             <a:miter/>
           </a:ln>
           <a:effectLst>
-            <a:outerShdw blurRad="50800" dist="38100" dir="2700000" rotWithShape="0">
+            <a:outerShdw sx="100000" sy="100000" kx="0" ky="0" algn="b" rotWithShape="0" blurRad="50800" dist="38100" dir="2700000">
               <a:srgbClr val="000000">
                 <a:alpha val="40000"/>
               </a:srgbClr>
@@ -5001,7 +4853,7 @@
           <a:bodyPr lIns="45718" tIns="45718" rIns="45718" bIns="45718"/>
           <a:lstStyle/>
           <a:p>
-            <a:endParaRPr/>
+            <a:pPr/>
           </a:p>
         </p:txBody>
       </p:sp>
@@ -5014,7 +4866,9 @@
           <p:nvPr/>
         </p:nvPicPr>
         <p:blipFill>
-          <a:blip r:embed="rId2"/>
+          <a:blip r:embed="rId2">
+            <a:extLst/>
+          </a:blip>
           <a:stretch>
             <a:fillRect/>
           </a:stretch>
@@ -5023,6 +4877,35 @@
           <a:xfrm>
             <a:off x="155999" y="90214"/>
             <a:ext cx="540003" cy="540006"/>
+          </a:xfrm>
+          <a:prstGeom prst="rect">
+            <a:avLst/>
+          </a:prstGeom>
+          <a:ln w="12700">
+            <a:miter lim="400000"/>
+          </a:ln>
+        </p:spPr>
+      </p:pic>
+      <p:pic>
+        <p:nvPicPr>
+          <p:cNvPr id="158" name="skip-bro_screenshot.png"/>
+          <p:cNvPicPr>
+            <a:picLocks noChangeAspect="1"/>
+          </p:cNvPicPr>
+          <p:nvPr/>
+        </p:nvPicPr>
+        <p:blipFill>
+          <a:blip r:embed="rId3">
+            <a:extLst/>
+          </a:blip>
+          <a:stretch>
+            <a:fillRect/>
+          </a:stretch>
+        </p:blipFill>
+        <p:spPr>
+          <a:xfrm>
+            <a:off x="1975362" y="981178"/>
+            <a:ext cx="8241276" cy="5168978"/>
           </a:xfrm>
           <a:prstGeom prst="rect">
             <a:avLst/>
@@ -5037,12 +4920,12 @@
   <p:clrMapOvr>
     <a:masterClrMapping/>
   </p:clrMapOvr>
-  <p:transition spd="slow"/>
+  <p:transition xmlns:p14="http://schemas.microsoft.com/office/powerpoint/2010/main" spd="med" advClick="1" p14:dur="1000"/>
 </p:sld>
 </file>
 
 <file path=ppt/slides/slide5.xml><?xml version="1.0" encoding="utf-8"?>
-<p:sld xmlns:a="http://schemas.openxmlformats.org/drawingml/2006/main" xmlns:r="http://schemas.openxmlformats.org/officeDocument/2006/relationships" xmlns:p="http://schemas.openxmlformats.org/presentationml/2006/main">
+<p:sld xmlns:a="http://schemas.openxmlformats.org/drawingml/2006/main" xmlns:r="http://schemas.openxmlformats.org/officeDocument/2006/relationships" xmlns:p="http://schemas.openxmlformats.org/presentationml/2006/main" showMasterSp="1" showMasterPhAnim="1">
   <p:cSld>
     <p:spTree>
       <p:nvGrpSpPr>
@@ -5060,13 +4943,13 @@
       </p:grpSpPr>
       <p:sp>
         <p:nvSpPr>
-          <p:cNvPr id="159" name="Shape 159"/>
+          <p:cNvPr id="160" name="Shape 160"/>
           <p:cNvSpPr/>
           <p:nvPr/>
         </p:nvSpPr>
         <p:spPr>
           <a:xfrm>
-            <a:off x="4038600" y="6404293"/>
+            <a:off x="4038600" y="6404292"/>
             <a:ext cx="4114800" cy="269237"/>
           </a:xfrm>
           <a:prstGeom prst="rect">
@@ -5077,7 +4960,7 @@
           </a:ln>
           <a:extLst>
             <a:ext uri="{C572A759-6A51-4108-AA02-DFA0A04FC94B}">
-              <ma14:wrappingTextBoxFlag xmlns:ma14="http://schemas.microsoft.com/office/mac/drawingml/2011/main" xmlns="" val="1"/>
+              <ma14:wrappingTextBoxFlag xmlns:ma14="http://schemas.microsoft.com/office/mac/drawingml/2011/main" val="1"/>
             </a:ext>
           </a:extLst>
         </p:spPr>
@@ -5085,15 +4968,17 @@
           <a:bodyPr lIns="45718" tIns="45718" rIns="45718" bIns="45718" anchor="ctr">
             <a:spAutoFit/>
           </a:bodyPr>
-          <a:lstStyle/>
-          <a:p>
-            <a:pPr algn="ctr">
+          <a:lstStyle>
+            <a:lvl1pPr algn="ctr">
               <a:defRPr sz="1200">
                 <a:solidFill>
                   <a:srgbClr val="888888"/>
                 </a:solidFill>
               </a:defRPr>
-            </a:pPr>
+            </a:lvl1pPr>
+          </a:lstStyle>
+          <a:p>
+            <a:pPr/>
             <a:r>
               <a:t>Mlst.-Präsentation Nr. V  /  Gruppe 15</a:t>
             </a:r>
@@ -5102,10 +4987,8 @@
       </p:sp>
       <p:sp>
         <p:nvSpPr>
-          <p:cNvPr id="160" name="Shape 160"/>
-          <p:cNvSpPr>
-            <a:spLocks noGrp="1"/>
-          </p:cNvSpPr>
+          <p:cNvPr id="161" name="Shape 161"/>
+          <p:cNvSpPr/>
           <p:nvPr>
             <p:ph type="body" sz="half" idx="1"/>
           </p:nvPr>
@@ -5148,13 +5031,12 @@
                 <a:sym typeface="Arial"/>
               </a:defRPr>
             </a:pPr>
-            <a:endParaRPr/>
           </a:p>
           <a:p>
             <a:pPr marL="0" indent="0">
               <a:buSzTx/>
               <a:buNone/>
-              <a:defRPr sz="3000" b="1">
+              <a:defRPr b="1" sz="3000">
                 <a:latin typeface="Arial"/>
                 <a:ea typeface="Arial"/>
                 <a:cs typeface="Arial"/>
@@ -5176,7 +5058,6 @@
                 <a:sym typeface="Arial"/>
               </a:defRPr>
             </a:pPr>
-            <a:endParaRPr/>
           </a:p>
           <a:p>
             <a:pPr marL="0" indent="0">
@@ -5204,7 +5085,6 @@
                 <a:sym typeface="Arial"/>
               </a:defRPr>
             </a:pPr>
-            <a:endParaRPr/>
           </a:p>
           <a:p>
             <a:pPr marL="0" indent="0">
@@ -5225,17 +5105,15 @@
       </p:sp>
       <p:sp>
         <p:nvSpPr>
-          <p:cNvPr id="161" name="Shape 161"/>
-          <p:cNvSpPr>
-            <a:spLocks noGrp="1"/>
-          </p:cNvSpPr>
+          <p:cNvPr id="162" name="Shape 162"/>
+          <p:cNvSpPr/>
           <p:nvPr>
             <p:ph type="sldNum" sz="quarter" idx="4294967295"/>
           </p:nvPr>
         </p:nvSpPr>
         <p:spPr>
           <a:xfrm>
-            <a:off x="11169739" y="6404292"/>
+            <a:off x="11169739" y="6404291"/>
             <a:ext cx="184057" cy="269237"/>
           </a:xfrm>
           <a:prstGeom prst="rect">
@@ -5243,7 +5121,7 @@
           </a:prstGeom>
           <a:extLst>
             <a:ext uri="{C572A759-6A51-4108-AA02-DFA0A04FC94B}">
-              <ma14:wrappingTextBoxFlag xmlns:ma14="http://schemas.microsoft.com/office/mac/drawingml/2011/main" xmlns="" val="1"/>
+              <ma14:wrappingTextBoxFlag xmlns:ma14="http://schemas.microsoft.com/office/mac/drawingml/2011/main" val="1"/>
             </a:ext>
           </a:extLst>
         </p:spPr>
@@ -5251,31 +5129,31 @@
           <a:bodyPr/>
           <a:lstStyle/>
           <a:p>
-            <a:fld id="{86CB4B4D-7CA3-9044-876B-883B54F8677D}" type="slidenum">
-              <a:t>5</a:t>
-            </a:fld>
-            <a:endParaRPr/>
+            <a:pPr/>
+            <a:fld id="{86CB4B4D-7CA3-9044-876B-883B54F8677D}" type="slidenum"/>
           </a:p>
         </p:txBody>
       </p:sp>
       <p:pic>
         <p:nvPicPr>
-          <p:cNvPr id="162" name="image6.png" descr="Gamecontroller"/>
+          <p:cNvPr id="163" name="image6.png" descr="Gamecontroller"/>
           <p:cNvPicPr>
             <a:picLocks noChangeAspect="1"/>
           </p:cNvPicPr>
           <p:nvPr/>
         </p:nvPicPr>
         <p:blipFill>
-          <a:blip r:embed="rId2"/>
+          <a:blip r:embed="rId2">
+            <a:extLst/>
+          </a:blip>
           <a:stretch>
             <a:fillRect/>
           </a:stretch>
         </p:blipFill>
         <p:spPr>
           <a:xfrm>
-            <a:off x="795215" y="2306224"/>
-            <a:ext cx="914402" cy="914402"/>
+            <a:off x="795214" y="2306223"/>
+            <a:ext cx="914404" cy="914403"/>
           </a:xfrm>
           <a:prstGeom prst="rect">
             <a:avLst/>
@@ -5287,10 +5165,8 @@
       </p:pic>
       <p:sp>
         <p:nvSpPr>
-          <p:cNvPr id="163" name="Shape 163"/>
-          <p:cNvSpPr>
-            <a:spLocks noGrp="1"/>
-          </p:cNvSpPr>
+          <p:cNvPr id="164" name="Shape 164"/>
+          <p:cNvSpPr/>
           <p:nvPr>
             <p:ph type="title"/>
           </p:nvPr>
@@ -5308,7 +5184,7 @@
           <a:bodyPr/>
           <a:lstStyle>
             <a:lvl1pPr>
-              <a:defRPr sz="2000" b="1">
+              <a:defRPr b="1" sz="2000">
                 <a:latin typeface="Arial"/>
                 <a:ea typeface="Arial"/>
                 <a:cs typeface="Arial"/>
@@ -5317,6 +5193,7 @@
             </a:lvl1pPr>
           </a:lstStyle>
           <a:p>
+            <a:pPr/>
             <a:r>
               <a:t>	 Übersicht</a:t>
             </a:r>
@@ -5325,14 +5202,14 @@
       </p:sp>
       <p:sp>
         <p:nvSpPr>
-          <p:cNvPr id="164" name="Shape 164"/>
+          <p:cNvPr id="165" name="Shape 165"/>
           <p:cNvSpPr/>
           <p:nvPr/>
         </p:nvSpPr>
         <p:spPr>
           <a:xfrm>
-            <a:off x="-16628" y="720436"/>
-            <a:ext cx="3088630" cy="4"/>
+            <a:off x="-16629" y="720436"/>
+            <a:ext cx="3088632" cy="4"/>
           </a:xfrm>
           <a:prstGeom prst="line">
             <a:avLst/>
@@ -5344,7 +5221,7 @@
             <a:miter/>
           </a:ln>
           <a:effectLst>
-            <a:outerShdw blurRad="50800" dist="38100" dir="2700000" rotWithShape="0">
+            <a:outerShdw sx="100000" sy="100000" kx="0" ky="0" algn="b" rotWithShape="0" blurRad="50800" dist="38100" dir="2700000">
               <a:srgbClr val="000000">
                 <a:alpha val="40000"/>
               </a:srgbClr>
@@ -5355,20 +5232,22 @@
           <a:bodyPr lIns="45718" tIns="45718" rIns="45718" bIns="45718"/>
           <a:lstStyle/>
           <a:p>
-            <a:endParaRPr/>
+            <a:pPr/>
           </a:p>
         </p:txBody>
       </p:sp>
       <p:pic>
         <p:nvPicPr>
-          <p:cNvPr id="165" name="image7.png" descr="Präsentation mit Checkliste RNL"/>
+          <p:cNvPr id="166" name="image7.png" descr="Präsentation mit Checkliste RNL"/>
           <p:cNvPicPr>
             <a:picLocks noChangeAspect="1"/>
           </p:cNvPicPr>
           <p:nvPr/>
         </p:nvPicPr>
         <p:blipFill>
-          <a:blip r:embed="rId3"/>
+          <a:blip r:embed="rId3">
+            <a:extLst/>
+          </a:blip>
           <a:stretch>
             <a:fillRect/>
           </a:stretch>
@@ -5388,14 +5267,16 @@
       </p:pic>
       <p:pic>
         <p:nvPicPr>
-          <p:cNvPr id="166" name="image8.png" descr="Glühbirne und Zahnrad"/>
+          <p:cNvPr id="167" name="image8.png" descr="Glühbirne und Zahnrad"/>
           <p:cNvPicPr>
             <a:picLocks noChangeAspect="1"/>
           </p:cNvPicPr>
           <p:nvPr/>
         </p:nvPicPr>
         <p:blipFill>
-          <a:blip r:embed="rId4"/>
+          <a:blip r:embed="rId4">
+            <a:extLst/>
+          </a:blip>
           <a:stretch>
             <a:fillRect/>
           </a:stretch>
@@ -5403,7 +5284,7 @@
         <p:spPr>
           <a:xfrm>
             <a:off x="795214" y="1241306"/>
-            <a:ext cx="914402" cy="914404"/>
+            <a:ext cx="914403" cy="914404"/>
           </a:xfrm>
           <a:prstGeom prst="rect">
             <a:avLst/>
@@ -5415,14 +5296,16 @@
       </p:pic>
       <p:pic>
         <p:nvPicPr>
-          <p:cNvPr id="167" name="image9.png" descr="Fingerabdruck"/>
+          <p:cNvPr id="168" name="image9.png" descr="Fingerabdruck"/>
           <p:cNvPicPr>
             <a:picLocks noChangeAspect="1"/>
           </p:cNvPicPr>
           <p:nvPr/>
         </p:nvPicPr>
         <p:blipFill>
-          <a:blip r:embed="rId5"/>
+          <a:blip r:embed="rId5">
+            <a:extLst/>
+          </a:blip>
           <a:stretch>
             <a:fillRect/>
           </a:stretch>
@@ -5430,7 +5313,7 @@
         <p:spPr>
           <a:xfrm>
             <a:off x="795217" y="3421174"/>
-            <a:ext cx="914401" cy="914404"/>
+            <a:ext cx="914401" cy="914405"/>
           </a:xfrm>
           <a:prstGeom prst="rect">
             <a:avLst/>
@@ -5442,22 +5325,24 @@
       </p:pic>
       <p:pic>
         <p:nvPicPr>
-          <p:cNvPr id="168" name="image10.png" descr="Idee"/>
+          <p:cNvPr id="169" name="image10.png" descr="Idee"/>
           <p:cNvPicPr>
             <a:picLocks noChangeAspect="1"/>
           </p:cNvPicPr>
           <p:nvPr/>
         </p:nvPicPr>
         <p:blipFill>
-          <a:blip r:embed="rId6"/>
+          <a:blip r:embed="rId6">
+            <a:extLst/>
+          </a:blip>
           <a:stretch>
             <a:fillRect/>
           </a:stretch>
         </p:blipFill>
         <p:spPr>
           <a:xfrm>
-            <a:off x="795215" y="4536125"/>
-            <a:ext cx="914401" cy="914401"/>
+            <a:off x="795214" y="4536125"/>
+            <a:ext cx="914402" cy="914402"/>
           </a:xfrm>
           <a:prstGeom prst="rect">
             <a:avLst/>
@@ -5472,12 +5357,12 @@
   <p:clrMapOvr>
     <a:masterClrMapping/>
   </p:clrMapOvr>
-  <p:transition spd="slow"/>
+  <p:transition xmlns:p14="http://schemas.microsoft.com/office/powerpoint/2010/main" spd="med" advClick="1" p14:dur="1000"/>
 </p:sld>
 </file>
 
 <file path=ppt/slides/slide6.xml><?xml version="1.0" encoding="utf-8"?>
-<p:sld xmlns:a="http://schemas.openxmlformats.org/drawingml/2006/main" xmlns:r="http://schemas.openxmlformats.org/officeDocument/2006/relationships" xmlns:p="http://schemas.openxmlformats.org/presentationml/2006/main">
+<p:sld xmlns:a="http://schemas.openxmlformats.org/drawingml/2006/main" xmlns:r="http://schemas.openxmlformats.org/officeDocument/2006/relationships" xmlns:p="http://schemas.openxmlformats.org/presentationml/2006/main" showMasterSp="1" showMasterPhAnim="1">
   <p:cSld>
     <p:spTree>
       <p:nvGrpSpPr>
@@ -5495,13 +5380,13 @@
       </p:grpSpPr>
       <p:sp>
         <p:nvSpPr>
-          <p:cNvPr id="170" name="Shape 170"/>
+          <p:cNvPr id="171" name="Shape 171"/>
           <p:cNvSpPr/>
           <p:nvPr/>
         </p:nvSpPr>
         <p:spPr>
           <a:xfrm>
-            <a:off x="4038600" y="6404293"/>
+            <a:off x="4038600" y="6404292"/>
             <a:ext cx="4114800" cy="269237"/>
           </a:xfrm>
           <a:prstGeom prst="rect">
@@ -5512,7 +5397,7 @@
           </a:ln>
           <a:extLst>
             <a:ext uri="{C572A759-6A51-4108-AA02-DFA0A04FC94B}">
-              <ma14:wrappingTextBoxFlag xmlns:ma14="http://schemas.microsoft.com/office/mac/drawingml/2011/main" xmlns="" val="1"/>
+              <ma14:wrappingTextBoxFlag xmlns:ma14="http://schemas.microsoft.com/office/mac/drawingml/2011/main" val="1"/>
             </a:ext>
           </a:extLst>
         </p:spPr>
@@ -5520,15 +5405,17 @@
           <a:bodyPr lIns="45718" tIns="45718" rIns="45718" bIns="45718" anchor="ctr">
             <a:spAutoFit/>
           </a:bodyPr>
-          <a:lstStyle/>
-          <a:p>
-            <a:pPr algn="ctr">
+          <a:lstStyle>
+            <a:lvl1pPr algn="ctr">
               <a:defRPr sz="1200">
                 <a:solidFill>
                   <a:srgbClr val="888888"/>
                 </a:solidFill>
               </a:defRPr>
-            </a:pPr>
+            </a:lvl1pPr>
+          </a:lstStyle>
+          <a:p>
+            <a:pPr/>
             <a:r>
               <a:t>Mlst.-Präsentation Nr. V  /  Gruppe 15</a:t>
             </a:r>
@@ -5537,10 +5424,8 @@
       </p:sp>
       <p:sp>
         <p:nvSpPr>
-          <p:cNvPr id="171" name="Shape 171"/>
-          <p:cNvSpPr>
-            <a:spLocks noGrp="1"/>
-          </p:cNvSpPr>
+          <p:cNvPr id="172" name="Shape 172"/>
+          <p:cNvSpPr/>
           <p:nvPr>
             <p:ph type="body" sz="half" idx="1"/>
           </p:nvPr>
@@ -5583,7 +5468,6 @@
                 <a:sym typeface="Arial"/>
               </a:defRPr>
             </a:pPr>
-            <a:endParaRPr/>
           </a:p>
           <a:p>
             <a:pPr marL="0" indent="0">
@@ -5611,13 +5495,12 @@
                 <a:sym typeface="Arial"/>
               </a:defRPr>
             </a:pPr>
-            <a:endParaRPr/>
           </a:p>
           <a:p>
             <a:pPr marL="0" indent="0">
               <a:buSzTx/>
               <a:buNone/>
-              <a:defRPr sz="3000" b="1">
+              <a:defRPr b="1" sz="3000">
                 <a:latin typeface="Arial"/>
                 <a:ea typeface="Arial"/>
                 <a:cs typeface="Arial"/>
@@ -5639,7 +5522,6 @@
                 <a:sym typeface="Arial"/>
               </a:defRPr>
             </a:pPr>
-            <a:endParaRPr/>
           </a:p>
           <a:p>
             <a:pPr marL="0" indent="0">
@@ -5660,10 +5542,8 @@
       </p:sp>
       <p:sp>
         <p:nvSpPr>
-          <p:cNvPr id="172" name="Shape 172"/>
-          <p:cNvSpPr>
-            <a:spLocks noGrp="1"/>
-          </p:cNvSpPr>
+          <p:cNvPr id="173" name="Shape 173"/>
+          <p:cNvSpPr/>
           <p:nvPr>
             <p:ph type="sldNum" sz="quarter" idx="4294967295"/>
           </p:nvPr>
@@ -5678,7 +5558,7 @@
           </a:prstGeom>
           <a:extLst>
             <a:ext uri="{C572A759-6A51-4108-AA02-DFA0A04FC94B}">
-              <ma14:wrappingTextBoxFlag xmlns:ma14="http://schemas.microsoft.com/office/mac/drawingml/2011/main" xmlns="" val="1"/>
+              <ma14:wrappingTextBoxFlag xmlns:ma14="http://schemas.microsoft.com/office/mac/drawingml/2011/main" val="1"/>
             </a:ext>
           </a:extLst>
         </p:spPr>
@@ -5686,31 +5566,31 @@
           <a:bodyPr/>
           <a:lstStyle/>
           <a:p>
-            <a:fld id="{86CB4B4D-7CA3-9044-876B-883B54F8677D}" type="slidenum">
-              <a:t>6</a:t>
-            </a:fld>
-            <a:endParaRPr/>
+            <a:pPr/>
+            <a:fld id="{86CB4B4D-7CA3-9044-876B-883B54F8677D}" type="slidenum"/>
           </a:p>
         </p:txBody>
       </p:sp>
       <p:pic>
         <p:nvPicPr>
-          <p:cNvPr id="173" name="image6.png" descr="Gamecontroller"/>
+          <p:cNvPr id="174" name="image6.png" descr="Gamecontroller"/>
           <p:cNvPicPr>
             <a:picLocks noChangeAspect="1"/>
           </p:cNvPicPr>
           <p:nvPr/>
         </p:nvPicPr>
         <p:blipFill>
-          <a:blip r:embed="rId2"/>
+          <a:blip r:embed="rId2">
+            <a:extLst/>
+          </a:blip>
           <a:stretch>
             <a:fillRect/>
           </a:stretch>
         </p:blipFill>
         <p:spPr>
           <a:xfrm>
-            <a:off x="795215" y="2306224"/>
-            <a:ext cx="914402" cy="914402"/>
+            <a:off x="795214" y="2306223"/>
+            <a:ext cx="914404" cy="914403"/>
           </a:xfrm>
           <a:prstGeom prst="rect">
             <a:avLst/>
@@ -5722,10 +5602,8 @@
       </p:pic>
       <p:sp>
         <p:nvSpPr>
-          <p:cNvPr id="174" name="Shape 174"/>
-          <p:cNvSpPr>
-            <a:spLocks noGrp="1"/>
-          </p:cNvSpPr>
+          <p:cNvPr id="175" name="Shape 175"/>
+          <p:cNvSpPr/>
           <p:nvPr>
             <p:ph type="title"/>
           </p:nvPr>
@@ -5743,7 +5621,7 @@
           <a:bodyPr/>
           <a:lstStyle>
             <a:lvl1pPr>
-              <a:defRPr sz="2000" b="1">
+              <a:defRPr b="1" sz="2000">
                 <a:latin typeface="Arial"/>
                 <a:ea typeface="Arial"/>
                 <a:cs typeface="Arial"/>
@@ -5752,6 +5630,7 @@
             </a:lvl1pPr>
           </a:lstStyle>
           <a:p>
+            <a:pPr/>
             <a:r>
               <a:t>	 Übersicht</a:t>
             </a:r>
@@ -5760,14 +5639,14 @@
       </p:sp>
       <p:sp>
         <p:nvSpPr>
-          <p:cNvPr id="175" name="Shape 175"/>
+          <p:cNvPr id="176" name="Shape 176"/>
           <p:cNvSpPr/>
           <p:nvPr/>
         </p:nvSpPr>
         <p:spPr>
           <a:xfrm>
-            <a:off x="-16628" y="720436"/>
-            <a:ext cx="3088630" cy="4"/>
+            <a:off x="-16629" y="720436"/>
+            <a:ext cx="3088632" cy="5"/>
           </a:xfrm>
           <a:prstGeom prst="line">
             <a:avLst/>
@@ -5779,7 +5658,7 @@
             <a:miter/>
           </a:ln>
           <a:effectLst>
-            <a:outerShdw blurRad="50800" dist="38100" dir="2700000" rotWithShape="0">
+            <a:outerShdw sx="100000" sy="100000" kx="0" ky="0" algn="b" rotWithShape="0" blurRad="50800" dist="38100" dir="2700000">
               <a:srgbClr val="000000">
                 <a:alpha val="40000"/>
               </a:srgbClr>
@@ -5790,20 +5669,22 @@
           <a:bodyPr lIns="45718" tIns="45718" rIns="45718" bIns="45718"/>
           <a:lstStyle/>
           <a:p>
-            <a:endParaRPr/>
+            <a:pPr/>
           </a:p>
         </p:txBody>
       </p:sp>
       <p:pic>
         <p:nvPicPr>
-          <p:cNvPr id="176" name="image7.png" descr="Präsentation mit Checkliste RNL"/>
+          <p:cNvPr id="177" name="image7.png" descr="Präsentation mit Checkliste RNL"/>
           <p:cNvPicPr>
             <a:picLocks noChangeAspect="1"/>
           </p:cNvPicPr>
           <p:nvPr/>
         </p:nvPicPr>
         <p:blipFill>
-          <a:blip r:embed="rId3"/>
+          <a:blip r:embed="rId3">
+            <a:extLst/>
+          </a:blip>
           <a:stretch>
             <a:fillRect/>
           </a:stretch>
@@ -5823,14 +5704,16 @@
       </p:pic>
       <p:pic>
         <p:nvPicPr>
-          <p:cNvPr id="177" name="image8.png" descr="Glühbirne und Zahnrad"/>
+          <p:cNvPr id="178" name="image8.png" descr="Glühbirne und Zahnrad"/>
           <p:cNvPicPr>
             <a:picLocks noChangeAspect="1"/>
           </p:cNvPicPr>
           <p:nvPr/>
         </p:nvPicPr>
         <p:blipFill>
-          <a:blip r:embed="rId4"/>
+          <a:blip r:embed="rId4">
+            <a:extLst/>
+          </a:blip>
           <a:stretch>
             <a:fillRect/>
           </a:stretch>
@@ -5838,7 +5721,7 @@
         <p:spPr>
           <a:xfrm>
             <a:off x="795214" y="1241306"/>
-            <a:ext cx="914402" cy="914404"/>
+            <a:ext cx="914403" cy="914404"/>
           </a:xfrm>
           <a:prstGeom prst="rect">
             <a:avLst/>
@@ -5850,14 +5733,16 @@
       </p:pic>
       <p:pic>
         <p:nvPicPr>
-          <p:cNvPr id="178" name="image9.png" descr="Fingerabdruck"/>
+          <p:cNvPr id="179" name="image9.png" descr="Fingerabdruck"/>
           <p:cNvPicPr>
             <a:picLocks noChangeAspect="1"/>
           </p:cNvPicPr>
           <p:nvPr/>
         </p:nvPicPr>
         <p:blipFill>
-          <a:blip r:embed="rId5"/>
+          <a:blip r:embed="rId5">
+            <a:extLst/>
+          </a:blip>
           <a:stretch>
             <a:fillRect/>
           </a:stretch>
@@ -5865,7 +5750,7 @@
         <p:spPr>
           <a:xfrm>
             <a:off x="795217" y="3421174"/>
-            <a:ext cx="914401" cy="914404"/>
+            <a:ext cx="914401" cy="914405"/>
           </a:xfrm>
           <a:prstGeom prst="rect">
             <a:avLst/>
@@ -5877,22 +5762,24 @@
       </p:pic>
       <p:pic>
         <p:nvPicPr>
-          <p:cNvPr id="179" name="image10.png" descr="Idee"/>
+          <p:cNvPr id="180" name="image10.png" descr="Idee"/>
           <p:cNvPicPr>
             <a:picLocks noChangeAspect="1"/>
           </p:cNvPicPr>
           <p:nvPr/>
         </p:nvPicPr>
         <p:blipFill>
-          <a:blip r:embed="rId6"/>
+          <a:blip r:embed="rId6">
+            <a:extLst/>
+          </a:blip>
           <a:stretch>
             <a:fillRect/>
           </a:stretch>
         </p:blipFill>
         <p:spPr>
           <a:xfrm>
-            <a:off x="795215" y="4536125"/>
-            <a:ext cx="914401" cy="914401"/>
+            <a:off x="795214" y="4536125"/>
+            <a:ext cx="914402" cy="914402"/>
           </a:xfrm>
           <a:prstGeom prst="rect">
             <a:avLst/>
@@ -5907,12 +5794,12 @@
   <p:clrMapOvr>
     <a:masterClrMapping/>
   </p:clrMapOvr>
-  <p:transition spd="slow"/>
+  <p:transition xmlns:p14="http://schemas.microsoft.com/office/powerpoint/2010/main" spd="med" advClick="1" p14:dur="1000"/>
 </p:sld>
 </file>
 
 <file path=ppt/slides/slide7.xml><?xml version="1.0" encoding="utf-8"?>
-<p:sld xmlns:a="http://schemas.openxmlformats.org/drawingml/2006/main" xmlns:r="http://schemas.openxmlformats.org/officeDocument/2006/relationships" xmlns:p="http://schemas.openxmlformats.org/presentationml/2006/main">
+<p:sld xmlns:a="http://schemas.openxmlformats.org/drawingml/2006/main" xmlns:r="http://schemas.openxmlformats.org/officeDocument/2006/relationships" xmlns:p="http://schemas.openxmlformats.org/presentationml/2006/main" showMasterSp="1" showMasterPhAnim="1">
   <p:cSld>
     <p:spTree>
       <p:nvGrpSpPr>
@@ -5930,13 +5817,13 @@
       </p:grpSpPr>
       <p:sp>
         <p:nvSpPr>
-          <p:cNvPr id="181" name="Shape 181"/>
+          <p:cNvPr id="182" name="Shape 182"/>
           <p:cNvSpPr/>
           <p:nvPr/>
         </p:nvSpPr>
         <p:spPr>
           <a:xfrm>
-            <a:off x="4038600" y="6404293"/>
+            <a:off x="4038600" y="6404292"/>
             <a:ext cx="4114800" cy="269237"/>
           </a:xfrm>
           <a:prstGeom prst="rect">
@@ -5947,7 +5834,7 @@
           </a:ln>
           <a:extLst>
             <a:ext uri="{C572A759-6A51-4108-AA02-DFA0A04FC94B}">
-              <ma14:wrappingTextBoxFlag xmlns:ma14="http://schemas.microsoft.com/office/mac/drawingml/2011/main" xmlns="" val="1"/>
+              <ma14:wrappingTextBoxFlag xmlns:ma14="http://schemas.microsoft.com/office/mac/drawingml/2011/main" val="1"/>
             </a:ext>
           </a:extLst>
         </p:spPr>
@@ -5955,15 +5842,17 @@
           <a:bodyPr lIns="45718" tIns="45718" rIns="45718" bIns="45718" anchor="ctr">
             <a:spAutoFit/>
           </a:bodyPr>
-          <a:lstStyle/>
-          <a:p>
-            <a:pPr algn="ctr">
+          <a:lstStyle>
+            <a:lvl1pPr algn="ctr">
               <a:defRPr sz="1200">
                 <a:solidFill>
                   <a:srgbClr val="888888"/>
                 </a:solidFill>
               </a:defRPr>
-            </a:pPr>
+            </a:lvl1pPr>
+          </a:lstStyle>
+          <a:p>
+            <a:pPr/>
             <a:r>
               <a:t>Mlst.-Präsentation Nr. V  /  Gruppe 15</a:t>
             </a:r>
@@ -5972,10 +5861,8 @@
       </p:sp>
       <p:sp>
         <p:nvSpPr>
-          <p:cNvPr id="182" name="Shape 182"/>
-          <p:cNvSpPr>
-            <a:spLocks noGrp="1"/>
-          </p:cNvSpPr>
+          <p:cNvPr id="183" name="Shape 183"/>
+          <p:cNvSpPr/>
           <p:nvPr>
             <p:ph type="title"/>
           </p:nvPr>
@@ -5993,7 +5880,7 @@
           <a:bodyPr/>
           <a:lstStyle>
             <a:lvl1pPr>
-              <a:defRPr sz="2000" b="1">
+              <a:defRPr b="1" sz="2000">
                 <a:latin typeface="Arial"/>
                 <a:ea typeface="Arial"/>
                 <a:cs typeface="Arial"/>
@@ -6002,44 +5889,10 @@
             </a:lvl1pPr>
           </a:lstStyle>
           <a:p>
+            <a:pPr/>
             <a:r>
               <a:t>	Technische Eigenheiten</a:t>
             </a:r>
-          </a:p>
-        </p:txBody>
-      </p:sp>
-      <p:sp>
-        <p:nvSpPr>
-          <p:cNvPr id="183" name="Shape 183"/>
-          <p:cNvSpPr>
-            <a:spLocks noGrp="1"/>
-          </p:cNvSpPr>
-          <p:nvPr>
-            <p:ph type="sldNum" sz="quarter" idx="4294967295"/>
-          </p:nvPr>
-        </p:nvSpPr>
-        <p:spPr>
-          <a:xfrm>
-            <a:off x="11169739" y="6404292"/>
-            <a:ext cx="184057" cy="269237"/>
-          </a:xfrm>
-          <a:prstGeom prst="rect">
-            <a:avLst/>
-          </a:prstGeom>
-          <a:extLst>
-            <a:ext uri="{C572A759-6A51-4108-AA02-DFA0A04FC94B}">
-              <ma14:wrappingTextBoxFlag xmlns:ma14="http://schemas.microsoft.com/office/mac/drawingml/2011/main" xmlns="" val="1"/>
-            </a:ext>
-          </a:extLst>
-        </p:spPr>
-        <p:txBody>
-          <a:bodyPr/>
-          <a:lstStyle/>
-          <a:p>
-            <a:fld id="{86CB4B4D-7CA3-9044-876B-883B54F8677D}" type="slidenum">
-              <a:t>7</a:t>
-            </a:fld>
-            <a:endParaRPr/>
           </a:p>
         </p:txBody>
       </p:sp>
@@ -6047,12 +5900,43 @@
         <p:nvSpPr>
           <p:cNvPr id="184" name="Shape 184"/>
           <p:cNvSpPr/>
+          <p:nvPr>
+            <p:ph type="sldNum" sz="quarter" idx="4294967295"/>
+          </p:nvPr>
+        </p:nvSpPr>
+        <p:spPr>
+          <a:xfrm>
+            <a:off x="11169739" y="6404292"/>
+            <a:ext cx="184057" cy="269237"/>
+          </a:xfrm>
+          <a:prstGeom prst="rect">
+            <a:avLst/>
+          </a:prstGeom>
+          <a:extLst>
+            <a:ext uri="{C572A759-6A51-4108-AA02-DFA0A04FC94B}">
+              <ma14:wrappingTextBoxFlag xmlns:ma14="http://schemas.microsoft.com/office/mac/drawingml/2011/main" val="1"/>
+            </a:ext>
+          </a:extLst>
+        </p:spPr>
+        <p:txBody>
+          <a:bodyPr/>
+          <a:lstStyle/>
+          <a:p>
+            <a:pPr/>
+            <a:fld id="{86CB4B4D-7CA3-9044-876B-883B54F8677D}" type="slidenum"/>
+          </a:p>
+        </p:txBody>
+      </p:sp>
+      <p:sp>
+        <p:nvSpPr>
+          <p:cNvPr id="185" name="Shape 185"/>
+          <p:cNvSpPr/>
           <p:nvPr/>
         </p:nvSpPr>
         <p:spPr>
           <a:xfrm>
-            <a:off x="-11085" y="720436"/>
-            <a:ext cx="4584005" cy="4"/>
+            <a:off x="-11086" y="720436"/>
+            <a:ext cx="4584007" cy="5"/>
           </a:xfrm>
           <a:prstGeom prst="line">
             <a:avLst/>
@@ -6064,7 +5948,7 @@
             <a:miter/>
           </a:ln>
           <a:effectLst>
-            <a:outerShdw blurRad="50800" dist="38100" dir="2700000" rotWithShape="0">
+            <a:outerShdw sx="100000" sy="100000" kx="0" ky="0" algn="b" rotWithShape="0" blurRad="50800" dist="38100" dir="2700000">
               <a:srgbClr val="000000">
                 <a:alpha val="40000"/>
               </a:srgbClr>
@@ -6075,20 +5959,22 @@
           <a:bodyPr lIns="45718" tIns="45718" rIns="45718" bIns="45718"/>
           <a:lstStyle/>
           <a:p>
-            <a:endParaRPr/>
+            <a:pPr/>
           </a:p>
         </p:txBody>
       </p:sp>
       <p:pic>
         <p:nvPicPr>
-          <p:cNvPr id="185" name="image9.png" descr="Fingerabdruck"/>
+          <p:cNvPr id="186" name="image9.png" descr="Fingerabdruck"/>
           <p:cNvPicPr>
             <a:picLocks noChangeAspect="1"/>
           </p:cNvPicPr>
           <p:nvPr/>
         </p:nvPicPr>
         <p:blipFill>
-          <a:blip r:embed="rId2"/>
+          <a:blip r:embed="rId2">
+            <a:extLst/>
+          </a:blip>
           <a:stretch>
             <a:fillRect/>
           </a:stretch>
@@ -6096,7 +5982,7 @@
         <p:spPr>
           <a:xfrm>
             <a:off x="263999" y="86301"/>
-            <a:ext cx="547828" cy="547832"/>
+            <a:ext cx="547828" cy="547833"/>
           </a:xfrm>
           <a:prstGeom prst="rect">
             <a:avLst/>
@@ -6106,17 +5992,164 @@
           </a:ln>
         </p:spPr>
       </p:pic>
+      <p:sp>
+        <p:nvSpPr>
+          <p:cNvPr id="187" name="Shape 187"/>
+          <p:cNvSpPr/>
+          <p:nvPr/>
+        </p:nvSpPr>
+        <p:spPr>
+          <a:xfrm>
+            <a:off x="848484" y="1703706"/>
+            <a:ext cx="5392888" cy="3450587"/>
+          </a:xfrm>
+          <a:prstGeom prst="rect">
+            <a:avLst/>
+          </a:prstGeom>
+          <a:ln w="12700">
+            <a:miter lim="400000"/>
+          </a:ln>
+          <a:extLst>
+            <a:ext uri="{C572A759-6A51-4108-AA02-DFA0A04FC94B}">
+              <ma14:wrappingTextBoxFlag xmlns:ma14="http://schemas.microsoft.com/office/mac/drawingml/2011/main" val="1"/>
+            </a:ext>
+          </a:extLst>
+        </p:spPr>
+        <p:txBody>
+          <a:bodyPr wrap="none" lIns="45718" tIns="45718" rIns="45718" bIns="45718">
+            <a:spAutoFit/>
+          </a:bodyPr>
+          <a:lstStyle/>
+          <a:p>
+            <a:pPr marL="180473" indent="-180473">
+              <a:lnSpc>
+                <a:spcPct val="150000"/>
+              </a:lnSpc>
+              <a:buSzPct val="100000"/>
+              <a:buChar char="•"/>
+              <a:defRPr b="1" sz="2000"/>
+            </a:pPr>
+            <a:r>
+              <a:t>Apache Log4j2</a:t>
+            </a:r>
+          </a:p>
+          <a:p>
+            <a:pPr marL="180473" indent="-180473">
+              <a:lnSpc>
+                <a:spcPct val="120000"/>
+              </a:lnSpc>
+              <a:buSzPct val="100000"/>
+              <a:buChar char="•"/>
+              <a:defRPr b="1" sz="2000"/>
+            </a:pPr>
+            <a:r>
+              <a:t>MP3SPI</a:t>
+            </a:r>
+          </a:p>
+          <a:p>
+            <a:pPr lvl="1" marL="561473" indent="-180473">
+              <a:lnSpc>
+                <a:spcPct val="120000"/>
+              </a:lnSpc>
+              <a:buSzPct val="100000"/>
+              <a:buChar char="•"/>
+              <a:defRPr sz="2000"/>
+            </a:pPr>
+            <a:r>
+              <a:t>Ermöglicht abspielen von mp3 Dateien</a:t>
+            </a:r>
+          </a:p>
+          <a:p>
+            <a:pPr lvl="1" marL="561473" indent="-180473">
+              <a:lnSpc>
+                <a:spcPct val="120000"/>
+              </a:lnSpc>
+              <a:buSzPct val="100000"/>
+              <a:buChar char="•"/>
+              <a:defRPr sz="2000"/>
+            </a:pPr>
+            <a:r>
+              <a:t>Intuitive Implementation</a:t>
+            </a:r>
+          </a:p>
+          <a:p>
+            <a:pPr lvl="1" marL="561473" indent="-180473">
+              <a:lnSpc>
+                <a:spcPct val="150000"/>
+              </a:lnSpc>
+              <a:buSzPct val="100000"/>
+              <a:buChar char="•"/>
+              <a:defRPr sz="2000"/>
+            </a:pPr>
+            <a:r>
+              <a:t>Eigenhändige Ergänzungen</a:t>
+            </a:r>
+          </a:p>
+          <a:p>
+            <a:pPr marL="180473" indent="-180473">
+              <a:lnSpc>
+                <a:spcPct val="120000"/>
+              </a:lnSpc>
+              <a:buSzPct val="100000"/>
+              <a:buChar char="•"/>
+              <a:defRPr b="1" sz="2000"/>
+            </a:pPr>
+            <a:r>
+              <a:t>WrapEditorKit Klasse</a:t>
+            </a:r>
+          </a:p>
+          <a:p>
+            <a:pPr lvl="1" marL="561473" indent="-180473">
+              <a:lnSpc>
+                <a:spcPct val="150000"/>
+              </a:lnSpc>
+              <a:buSzPct val="100000"/>
+              <a:buChar char="•"/>
+              <a:defRPr sz="2000"/>
+            </a:pPr>
+            <a:r>
+              <a:t>Hilft zur korrekten Darstellung des Chats</a:t>
+            </a:r>
+          </a:p>
+          <a:p>
+            <a:pPr marL="180473" indent="-180473">
+              <a:lnSpc>
+                <a:spcPct val="120000"/>
+              </a:lnSpc>
+              <a:buSzPct val="100000"/>
+              <a:buChar char="•"/>
+              <a:defRPr b="1" sz="2000"/>
+            </a:pPr>
+            <a:r>
+              <a:t>Timer</a:t>
+            </a:r>
+          </a:p>
+          <a:p>
+            <a:pPr lvl="1" marL="561473" indent="-180473">
+              <a:lnSpc>
+                <a:spcPct val="120000"/>
+              </a:lnSpc>
+              <a:buSzPct val="100000"/>
+              <a:buChar char="•"/>
+              <a:defRPr sz="2000"/>
+            </a:pPr>
+            <a:r>
+              <a:t>Verzögerter Ausführung von Tasks</a:t>
+            </a:r>
+          </a:p>
+        </p:txBody>
+      </p:sp>
     </p:spTree>
   </p:cSld>
   <p:clrMapOvr>
     <a:masterClrMapping/>
   </p:clrMapOvr>
-  <p:transition spd="slow"/>
+  <p:transition xmlns:p14="http://schemas.microsoft.com/office/powerpoint/2010/main" spd="med" advClick="1" p14:dur="1000"/>
 </p:sld>
 </file>
 
 <file path=ppt/slides/slide8.xml><?xml version="1.0" encoding="utf-8"?>
-<p:sld xmlns:a="http://schemas.openxmlformats.org/drawingml/2006/main" xmlns:r="http://schemas.openxmlformats.org/officeDocument/2006/relationships" xmlns:p="http://schemas.openxmlformats.org/presentationml/2006/main">
+<p:sld xmlns:a="http://schemas.openxmlformats.org/drawingml/2006/main" xmlns:r="http://schemas.openxmlformats.org/officeDocument/2006/relationships" xmlns:p="http://schemas.openxmlformats.org/presentationml/2006/main" showMasterSp="1" showMasterPhAnim="1">
   <p:cSld>
     <p:spTree>
       <p:nvGrpSpPr>
@@ -6134,13 +6167,13 @@
       </p:grpSpPr>
       <p:sp>
         <p:nvSpPr>
-          <p:cNvPr id="187" name="Shape 187"/>
+          <p:cNvPr id="189" name="Shape 189"/>
           <p:cNvSpPr/>
           <p:nvPr/>
         </p:nvSpPr>
         <p:spPr>
           <a:xfrm>
-            <a:off x="4038600" y="6404293"/>
+            <a:off x="4038600" y="6404292"/>
             <a:ext cx="4114800" cy="269237"/>
           </a:xfrm>
           <a:prstGeom prst="rect">
@@ -6151,7 +6184,7 @@
           </a:ln>
           <a:extLst>
             <a:ext uri="{C572A759-6A51-4108-AA02-DFA0A04FC94B}">
-              <ma14:wrappingTextBoxFlag xmlns:ma14="http://schemas.microsoft.com/office/mac/drawingml/2011/main" xmlns="" val="1"/>
+              <ma14:wrappingTextBoxFlag xmlns:ma14="http://schemas.microsoft.com/office/mac/drawingml/2011/main" val="1"/>
             </a:ext>
           </a:extLst>
         </p:spPr>
@@ -6159,15 +6192,17 @@
           <a:bodyPr lIns="45718" tIns="45718" rIns="45718" bIns="45718" anchor="ctr">
             <a:spAutoFit/>
           </a:bodyPr>
-          <a:lstStyle/>
-          <a:p>
-            <a:pPr algn="ctr">
+          <a:lstStyle>
+            <a:lvl1pPr algn="ctr">
               <a:defRPr sz="1200">
                 <a:solidFill>
                   <a:srgbClr val="888888"/>
                 </a:solidFill>
               </a:defRPr>
-            </a:pPr>
+            </a:lvl1pPr>
+          </a:lstStyle>
+          <a:p>
+            <a:pPr/>
             <a:r>
               <a:t>Mlst.-Präsentation Nr. V  /  Gruppe 15</a:t>
             </a:r>
@@ -6176,10 +6211,8 @@
       </p:sp>
       <p:sp>
         <p:nvSpPr>
-          <p:cNvPr id="188" name="Shape 188"/>
-          <p:cNvSpPr>
-            <a:spLocks noGrp="1"/>
-          </p:cNvSpPr>
+          <p:cNvPr id="190" name="Shape 190"/>
+          <p:cNvSpPr/>
           <p:nvPr>
             <p:ph type="body" sz="half" idx="1"/>
           </p:nvPr>
@@ -6222,7 +6255,6 @@
                 <a:sym typeface="Arial"/>
               </a:defRPr>
             </a:pPr>
-            <a:endParaRPr/>
           </a:p>
           <a:p>
             <a:pPr marL="0" indent="0">
@@ -6250,7 +6282,6 @@
                 <a:sym typeface="Arial"/>
               </a:defRPr>
             </a:pPr>
-            <a:endParaRPr/>
           </a:p>
           <a:p>
             <a:pPr marL="0" indent="0">
@@ -6278,13 +6309,12 @@
                 <a:sym typeface="Arial"/>
               </a:defRPr>
             </a:pPr>
-            <a:endParaRPr/>
           </a:p>
           <a:p>
             <a:pPr marL="0" indent="0">
               <a:buSzTx/>
               <a:buNone/>
-              <a:defRPr sz="3000" b="1">
+              <a:defRPr b="1" sz="3000">
                 <a:latin typeface="Arial"/>
                 <a:ea typeface="Arial"/>
                 <a:cs typeface="Arial"/>
@@ -6299,10 +6329,8 @@
       </p:sp>
       <p:sp>
         <p:nvSpPr>
-          <p:cNvPr id="189" name="Shape 189"/>
-          <p:cNvSpPr>
-            <a:spLocks noGrp="1"/>
-          </p:cNvSpPr>
+          <p:cNvPr id="191" name="Shape 191"/>
+          <p:cNvSpPr/>
           <p:nvPr>
             <p:ph type="sldNum" sz="quarter" idx="4294967295"/>
           </p:nvPr>
@@ -6317,7 +6345,7 @@
           </a:prstGeom>
           <a:extLst>
             <a:ext uri="{C572A759-6A51-4108-AA02-DFA0A04FC94B}">
-              <ma14:wrappingTextBoxFlag xmlns:ma14="http://schemas.microsoft.com/office/mac/drawingml/2011/main" xmlns="" val="1"/>
+              <ma14:wrappingTextBoxFlag xmlns:ma14="http://schemas.microsoft.com/office/mac/drawingml/2011/main" val="1"/>
             </a:ext>
           </a:extLst>
         </p:spPr>
@@ -6325,31 +6353,31 @@
           <a:bodyPr/>
           <a:lstStyle/>
           <a:p>
-            <a:fld id="{86CB4B4D-7CA3-9044-876B-883B54F8677D}" type="slidenum">
-              <a:t>8</a:t>
-            </a:fld>
-            <a:endParaRPr/>
+            <a:pPr/>
+            <a:fld id="{86CB4B4D-7CA3-9044-876B-883B54F8677D}" type="slidenum"/>
           </a:p>
         </p:txBody>
       </p:sp>
       <p:pic>
         <p:nvPicPr>
-          <p:cNvPr id="190" name="image6.png" descr="Gamecontroller"/>
+          <p:cNvPr id="192" name="image6.png" descr="Gamecontroller"/>
           <p:cNvPicPr>
             <a:picLocks noChangeAspect="1"/>
           </p:cNvPicPr>
           <p:nvPr/>
         </p:nvPicPr>
         <p:blipFill>
-          <a:blip r:embed="rId2"/>
+          <a:blip r:embed="rId2">
+            <a:extLst/>
+          </a:blip>
           <a:stretch>
             <a:fillRect/>
           </a:stretch>
         </p:blipFill>
         <p:spPr>
           <a:xfrm>
-            <a:off x="795215" y="2306224"/>
-            <a:ext cx="914402" cy="914402"/>
+            <a:off x="795214" y="2306223"/>
+            <a:ext cx="914404" cy="914403"/>
           </a:xfrm>
           <a:prstGeom prst="rect">
             <a:avLst/>
@@ -6361,10 +6389,8 @@
       </p:pic>
       <p:sp>
         <p:nvSpPr>
-          <p:cNvPr id="191" name="Shape 191"/>
-          <p:cNvSpPr>
-            <a:spLocks noGrp="1"/>
-          </p:cNvSpPr>
+          <p:cNvPr id="193" name="Shape 193"/>
+          <p:cNvSpPr/>
           <p:nvPr>
             <p:ph type="title"/>
           </p:nvPr>
@@ -6382,7 +6408,7 @@
           <a:bodyPr/>
           <a:lstStyle>
             <a:lvl1pPr>
-              <a:defRPr sz="2000" b="1">
+              <a:defRPr b="1" sz="2000">
                 <a:latin typeface="Arial"/>
                 <a:ea typeface="Arial"/>
                 <a:cs typeface="Arial"/>
@@ -6391,6 +6417,7 @@
             </a:lvl1pPr>
           </a:lstStyle>
           <a:p>
+            <a:pPr/>
             <a:r>
               <a:t>	 Übersicht</a:t>
             </a:r>
@@ -6399,14 +6426,14 @@
       </p:sp>
       <p:sp>
         <p:nvSpPr>
-          <p:cNvPr id="192" name="Shape 192"/>
+          <p:cNvPr id="194" name="Shape 194"/>
           <p:cNvSpPr/>
           <p:nvPr/>
         </p:nvSpPr>
         <p:spPr>
           <a:xfrm>
-            <a:off x="-16628" y="720436"/>
-            <a:ext cx="3088630" cy="4"/>
+            <a:off x="-16629" y="720436"/>
+            <a:ext cx="3088632" cy="5"/>
           </a:xfrm>
           <a:prstGeom prst="line">
             <a:avLst/>
@@ -6418,7 +6445,7 @@
             <a:miter/>
           </a:ln>
           <a:effectLst>
-            <a:outerShdw blurRad="50800" dist="38100" dir="2700000" rotWithShape="0">
+            <a:outerShdw sx="100000" sy="100000" kx="0" ky="0" algn="b" rotWithShape="0" blurRad="50800" dist="38100" dir="2700000">
               <a:srgbClr val="000000">
                 <a:alpha val="40000"/>
               </a:srgbClr>
@@ -6429,20 +6456,22 @@
           <a:bodyPr lIns="45718" tIns="45718" rIns="45718" bIns="45718"/>
           <a:lstStyle/>
           <a:p>
-            <a:endParaRPr/>
+            <a:pPr/>
           </a:p>
         </p:txBody>
       </p:sp>
       <p:pic>
         <p:nvPicPr>
-          <p:cNvPr id="193" name="image7.png" descr="Präsentation mit Checkliste RNL"/>
+          <p:cNvPr id="195" name="image7.png" descr="Präsentation mit Checkliste RNL"/>
           <p:cNvPicPr>
             <a:picLocks noChangeAspect="1"/>
           </p:cNvPicPr>
           <p:nvPr/>
         </p:nvPicPr>
         <p:blipFill>
-          <a:blip r:embed="rId3"/>
+          <a:blip r:embed="rId3">
+            <a:extLst/>
+          </a:blip>
           <a:stretch>
             <a:fillRect/>
           </a:stretch>
@@ -6462,14 +6491,16 @@
       </p:pic>
       <p:pic>
         <p:nvPicPr>
-          <p:cNvPr id="194" name="image8.png" descr="Glühbirne und Zahnrad"/>
+          <p:cNvPr id="196" name="image8.png" descr="Glühbirne und Zahnrad"/>
           <p:cNvPicPr>
             <a:picLocks noChangeAspect="1"/>
           </p:cNvPicPr>
           <p:nvPr/>
         </p:nvPicPr>
         <p:blipFill>
-          <a:blip r:embed="rId4"/>
+          <a:blip r:embed="rId4">
+            <a:extLst/>
+          </a:blip>
           <a:stretch>
             <a:fillRect/>
           </a:stretch>
@@ -6477,7 +6508,7 @@
         <p:spPr>
           <a:xfrm>
             <a:off x="795214" y="1241306"/>
-            <a:ext cx="914402" cy="914404"/>
+            <a:ext cx="914403" cy="914404"/>
           </a:xfrm>
           <a:prstGeom prst="rect">
             <a:avLst/>
@@ -6489,14 +6520,16 @@
       </p:pic>
       <p:pic>
         <p:nvPicPr>
-          <p:cNvPr id="195" name="image9.png" descr="Fingerabdruck"/>
+          <p:cNvPr id="197" name="image9.png" descr="Fingerabdruck"/>
           <p:cNvPicPr>
             <a:picLocks noChangeAspect="1"/>
           </p:cNvPicPr>
           <p:nvPr/>
         </p:nvPicPr>
         <p:blipFill>
-          <a:blip r:embed="rId5"/>
+          <a:blip r:embed="rId5">
+            <a:extLst/>
+          </a:blip>
           <a:stretch>
             <a:fillRect/>
           </a:stretch>
@@ -6504,7 +6537,7 @@
         <p:spPr>
           <a:xfrm>
             <a:off x="795217" y="3421174"/>
-            <a:ext cx="914401" cy="914404"/>
+            <a:ext cx="914401" cy="914405"/>
           </a:xfrm>
           <a:prstGeom prst="rect">
             <a:avLst/>
@@ -6516,22 +6549,24 @@
       </p:pic>
       <p:pic>
         <p:nvPicPr>
-          <p:cNvPr id="196" name="image10.png" descr="Idee"/>
+          <p:cNvPr id="198" name="image10.png" descr="Idee"/>
           <p:cNvPicPr>
             <a:picLocks noChangeAspect="1"/>
           </p:cNvPicPr>
           <p:nvPr/>
         </p:nvPicPr>
         <p:blipFill>
-          <a:blip r:embed="rId6"/>
+          <a:blip r:embed="rId6">
+            <a:extLst/>
+          </a:blip>
           <a:stretch>
             <a:fillRect/>
           </a:stretch>
         </p:blipFill>
         <p:spPr>
           <a:xfrm>
-            <a:off x="795215" y="4536125"/>
-            <a:ext cx="914401" cy="914401"/>
+            <a:off x="795214" y="4536125"/>
+            <a:ext cx="914402" cy="914402"/>
           </a:xfrm>
           <a:prstGeom prst="rect">
             <a:avLst/>
@@ -6546,12 +6581,12 @@
   <p:clrMapOvr>
     <a:masterClrMapping/>
   </p:clrMapOvr>
-  <p:transition spd="slow"/>
+  <p:transition xmlns:p14="http://schemas.microsoft.com/office/powerpoint/2010/main" spd="med" advClick="1" p14:dur="1000"/>
 </p:sld>
 </file>
 
 <file path=ppt/slides/slide9.xml><?xml version="1.0" encoding="utf-8"?>
-<p:sld xmlns:a="http://schemas.openxmlformats.org/drawingml/2006/main" xmlns:r="http://schemas.openxmlformats.org/officeDocument/2006/relationships" xmlns:p="http://schemas.openxmlformats.org/presentationml/2006/main">
+<p:sld xmlns:a="http://schemas.openxmlformats.org/drawingml/2006/main" xmlns:r="http://schemas.openxmlformats.org/officeDocument/2006/relationships" xmlns:p="http://schemas.openxmlformats.org/presentationml/2006/main" showMasterSp="1" showMasterPhAnim="1">
   <p:cSld>
     <p:spTree>
       <p:nvGrpSpPr>
@@ -6569,13 +6604,13 @@
       </p:grpSpPr>
       <p:sp>
         <p:nvSpPr>
-          <p:cNvPr id="198" name="Shape 198"/>
+          <p:cNvPr id="200" name="Shape 200"/>
           <p:cNvSpPr/>
           <p:nvPr/>
         </p:nvSpPr>
         <p:spPr>
           <a:xfrm>
-            <a:off x="4038600" y="6404293"/>
+            <a:off x="4038600" y="6404292"/>
             <a:ext cx="4114800" cy="269237"/>
           </a:xfrm>
           <a:prstGeom prst="rect">
@@ -6586,7 +6621,7 @@
           </a:ln>
           <a:extLst>
             <a:ext uri="{C572A759-6A51-4108-AA02-DFA0A04FC94B}">
-              <ma14:wrappingTextBoxFlag xmlns:ma14="http://schemas.microsoft.com/office/mac/drawingml/2011/main" xmlns="" val="1"/>
+              <ma14:wrappingTextBoxFlag xmlns:ma14="http://schemas.microsoft.com/office/mac/drawingml/2011/main" val="1"/>
             </a:ext>
           </a:extLst>
         </p:spPr>
@@ -6594,104 +6629,20 @@
           <a:bodyPr lIns="45718" tIns="45718" rIns="45718" bIns="45718" anchor="ctr">
             <a:spAutoFit/>
           </a:bodyPr>
-          <a:lstStyle/>
-          <a:p>
-            <a:pPr algn="ctr">
+          <a:lstStyle>
+            <a:lvl1pPr algn="ctr">
               <a:defRPr sz="1200">
                 <a:solidFill>
                   <a:srgbClr val="888888"/>
                 </a:solidFill>
               </a:defRPr>
-            </a:pPr>
+            </a:lvl1pPr>
+          </a:lstStyle>
+          <a:p>
+            <a:pPr/>
             <a:r>
               <a:t>Mlst.-Präsentation Nr. V  /  Gruppe 15</a:t>
             </a:r>
-          </a:p>
-        </p:txBody>
-      </p:sp>
-      <p:sp>
-        <p:nvSpPr>
-          <p:cNvPr id="199" name="Shape 199"/>
-          <p:cNvSpPr>
-            <a:spLocks noGrp="1"/>
-          </p:cNvSpPr>
-          <p:nvPr>
-            <p:ph type="title"/>
-          </p:nvPr>
-        </p:nvSpPr>
-        <p:spPr>
-          <a:xfrm>
-            <a:off x="0" y="-2"/>
-            <a:ext cx="10515600" cy="720440"/>
-          </a:xfrm>
-          <a:prstGeom prst="rect">
-            <a:avLst/>
-          </a:prstGeom>
-        </p:spPr>
-        <p:txBody>
-          <a:bodyPr/>
-          <a:lstStyle/>
-          <a:p>
-            <a:pPr>
-              <a:defRPr sz="2000" b="1">
-                <a:latin typeface="Arial"/>
-                <a:ea typeface="Arial"/>
-                <a:cs typeface="Arial"/>
-                <a:sym typeface="Arial"/>
-              </a:defRPr>
-            </a:pPr>
-            <a:r>
-              <a:rPr dirty="0"/>
-              <a:t>	</a:t>
-            </a:r>
-            <a:r>
-              <a:rPr dirty="0" err="1"/>
-              <a:t>Lektion</a:t>
-            </a:r>
-            <a:r>
-              <a:rPr dirty="0"/>
-              <a:t> </a:t>
-            </a:r>
-            <a:r>
-              <a:rPr dirty="0" err="1"/>
-              <a:t>gelernt</a:t>
-            </a:r>
-            <a:endParaRPr dirty="0"/>
-          </a:p>
-        </p:txBody>
-      </p:sp>
-      <p:sp>
-        <p:nvSpPr>
-          <p:cNvPr id="200" name="Shape 200"/>
-          <p:cNvSpPr>
-            <a:spLocks noGrp="1"/>
-          </p:cNvSpPr>
-          <p:nvPr>
-            <p:ph type="sldNum" sz="quarter" idx="4294967295"/>
-          </p:nvPr>
-        </p:nvSpPr>
-        <p:spPr>
-          <a:xfrm>
-            <a:off x="11169738" y="6404292"/>
-            <a:ext cx="184058" cy="269237"/>
-          </a:xfrm>
-          <a:prstGeom prst="rect">
-            <a:avLst/>
-          </a:prstGeom>
-          <a:extLst>
-            <a:ext uri="{C572A759-6A51-4108-AA02-DFA0A04FC94B}">
-              <ma14:wrappingTextBoxFlag xmlns:ma14="http://schemas.microsoft.com/office/mac/drawingml/2011/main" xmlns="" val="1"/>
-            </a:ext>
-          </a:extLst>
-        </p:spPr>
-        <p:txBody>
-          <a:bodyPr/>
-          <a:lstStyle/>
-          <a:p>
-            <a:fld id="{86CB4B4D-7CA3-9044-876B-883B54F8677D}" type="slidenum">
-              <a:t>9</a:t>
-            </a:fld>
-            <a:endParaRPr/>
           </a:p>
         </p:txBody>
       </p:sp>
@@ -6699,12 +6650,80 @@
         <p:nvSpPr>
           <p:cNvPr id="201" name="Shape 201"/>
           <p:cNvSpPr/>
+          <p:nvPr>
+            <p:ph type="title"/>
+          </p:nvPr>
+        </p:nvSpPr>
+        <p:spPr>
+          <a:xfrm>
+            <a:off x="0" y="-2"/>
+            <a:ext cx="10515600" cy="720440"/>
+          </a:xfrm>
+          <a:prstGeom prst="rect">
+            <a:avLst/>
+          </a:prstGeom>
+        </p:spPr>
+        <p:txBody>
+          <a:bodyPr/>
+          <a:lstStyle>
+            <a:lvl1pPr>
+              <a:defRPr b="1" sz="2000">
+                <a:latin typeface="Arial"/>
+                <a:ea typeface="Arial"/>
+                <a:cs typeface="Arial"/>
+                <a:sym typeface="Arial"/>
+              </a:defRPr>
+            </a:lvl1pPr>
+          </a:lstStyle>
+          <a:p>
+            <a:pPr/>
+            <a:r>
+              <a:t>	Lektion gelernt</a:t>
+            </a:r>
+          </a:p>
+        </p:txBody>
+      </p:sp>
+      <p:sp>
+        <p:nvSpPr>
+          <p:cNvPr id="202" name="Shape 202"/>
+          <p:cNvSpPr/>
+          <p:nvPr>
+            <p:ph type="sldNum" sz="quarter" idx="4294967295"/>
+          </p:nvPr>
+        </p:nvSpPr>
+        <p:spPr>
+          <a:xfrm>
+            <a:off x="11169738" y="6404292"/>
+            <a:ext cx="184058" cy="269237"/>
+          </a:xfrm>
+          <a:prstGeom prst="rect">
+            <a:avLst/>
+          </a:prstGeom>
+          <a:extLst>
+            <a:ext uri="{C572A759-6A51-4108-AA02-DFA0A04FC94B}">
+              <ma14:wrappingTextBoxFlag xmlns:ma14="http://schemas.microsoft.com/office/mac/drawingml/2011/main" val="1"/>
+            </a:ext>
+          </a:extLst>
+        </p:spPr>
+        <p:txBody>
+          <a:bodyPr/>
+          <a:lstStyle/>
+          <a:p>
+            <a:pPr/>
+            <a:fld id="{86CB4B4D-7CA3-9044-876B-883B54F8677D}" type="slidenum"/>
+          </a:p>
+        </p:txBody>
+      </p:sp>
+      <p:sp>
+        <p:nvSpPr>
+          <p:cNvPr id="203" name="Shape 203"/>
+          <p:cNvSpPr/>
           <p:nvPr/>
         </p:nvSpPr>
         <p:spPr>
           <a:xfrm>
-            <a:off x="-11086" y="720436"/>
-            <a:ext cx="5268890" cy="4"/>
+            <a:off x="-11087" y="720436"/>
+            <a:ext cx="5268892" cy="5"/>
           </a:xfrm>
           <a:prstGeom prst="line">
             <a:avLst/>
@@ -6716,7 +6735,7 @@
             <a:miter/>
           </a:ln>
           <a:effectLst>
-            <a:outerShdw blurRad="50800" dist="38100" dir="2700000" rotWithShape="0">
+            <a:outerShdw sx="100000" sy="100000" kx="0" ky="0" algn="b" rotWithShape="0" blurRad="50800" dist="38100" dir="2700000">
               <a:srgbClr val="000000">
                 <a:alpha val="40000"/>
               </a:srgbClr>
@@ -6727,20 +6746,20 @@
           <a:bodyPr lIns="45718" tIns="45718" rIns="45718" bIns="45718"/>
           <a:lstStyle/>
           <a:p>
-            <a:endParaRPr/>
+            <a:pPr/>
           </a:p>
         </p:txBody>
       </p:sp>
       <p:sp>
         <p:nvSpPr>
-          <p:cNvPr id="202" name="Shape 202"/>
+          <p:cNvPr id="204" name="Shape 204"/>
           <p:cNvSpPr/>
           <p:nvPr/>
         </p:nvSpPr>
         <p:spPr>
           <a:xfrm>
-            <a:off x="340969" y="919996"/>
-            <a:ext cx="9678490" cy="6740303"/>
+            <a:off x="340969" y="919995"/>
+            <a:ext cx="9678490" cy="6400797"/>
           </a:xfrm>
           <a:prstGeom prst="rect">
             <a:avLst/>
@@ -6750,7 +6769,7 @@
           </a:ln>
           <a:extLst>
             <a:ext uri="{C572A759-6A51-4108-AA02-DFA0A04FC94B}">
-              <ma14:wrappingTextBoxFlag xmlns:ma14="http://schemas.microsoft.com/office/mac/drawingml/2011/main" xmlns="" val="1"/>
+              <ma14:wrappingTextBoxFlag xmlns:ma14="http://schemas.microsoft.com/office/mac/drawingml/2011/main" val="1"/>
             </a:ext>
           </a:extLst>
         </p:spPr>
@@ -6767,87 +6786,52 @@
               <a:buSzPct val="100000"/>
               <a:buFont typeface="Arial"/>
               <a:buChar char="•"/>
-              <a:defRPr sz="2000" b="1"/>
+              <a:defRPr b="1" sz="2000"/>
             </a:pPr>
             <a:r>
-              <a:rPr dirty="0" err="1"/>
-              <a:t>Organisatorisch</a:t>
-            </a:r>
-            <a:r>
-              <a:rPr dirty="0"/>
-              <a:t>:</a:t>
-            </a:r>
-          </a:p>
-          <a:p>
-            <a:pPr marL="800100" lvl="1" indent="-342900">
+              <a:t>Organisatorisch:</a:t>
+            </a:r>
+          </a:p>
+          <a:p>
+            <a:pPr lvl="1" marL="800100" indent="-342900">
               <a:buSzPct val="100000"/>
               <a:buChar char="-"/>
               <a:defRPr sz="2000"/>
             </a:pPr>
             <a:r>
-              <a:rPr dirty="0" err="1"/>
-              <a:t>Mehr</a:t>
-            </a:r>
-            <a:r>
-              <a:rPr dirty="0"/>
-              <a:t> Zeit </a:t>
-            </a:r>
-            <a:r>
-              <a:rPr dirty="0" err="1"/>
-              <a:t>für</a:t>
-            </a:r>
-            <a:r>
-              <a:rPr dirty="0"/>
-              <a:t> </a:t>
-            </a:r>
-            <a:r>
-              <a:rPr lang="de-CH" dirty="0"/>
+              <a:t>Mehr Zeit für </a:t>
+            </a:r>
+            <a:r>
               <a:t>N</a:t>
             </a:r>
             <a:r>
-              <a:rPr dirty="0" err="1"/>
-              <a:t>eues</a:t>
-            </a:r>
-            <a:r>
-              <a:rPr dirty="0"/>
-              <a:t> </a:t>
-            </a:r>
-            <a:r>
-              <a:rPr dirty="0" err="1"/>
-              <a:t>einplanen</a:t>
-            </a:r>
-            <a:endParaRPr dirty="0"/>
-          </a:p>
-          <a:p>
-            <a:pPr marL="800100" lvl="1" indent="-342900">
+              <a:t>eues einplanen</a:t>
+            </a:r>
+          </a:p>
+          <a:p>
+            <a:pPr lvl="1" marL="800100" indent="-342900">
               <a:buSzPct val="100000"/>
-              <a:buFontTx/>
               <a:buChar char="-"/>
               <a:defRPr sz="2000"/>
             </a:pPr>
             <a:r>
-              <a:rPr lang="de-DE" dirty="0"/>
-              <a:t>Code der anderen laufend überfliegen (Übersicht halten)</a:t>
-            </a:r>
-          </a:p>
-          <a:p>
-            <a:pPr marL="800100" lvl="1" indent="-342900">
+              <a:t>Code der Anderen laufend überfliegen</a:t>
+            </a:r>
+          </a:p>
+          <a:p>
+            <a:pPr lvl="1" marL="800100" indent="-342900">
               <a:buSzPct val="100000"/>
-              <a:buFontTx/>
               <a:buChar char="-"/>
               <a:defRPr sz="2000"/>
             </a:pPr>
             <a:r>
-              <a:rPr lang="de-DE" dirty="0"/>
               <a:t>Bessere Strukturierung von Beginn an</a:t>
             </a:r>
-            <a:endParaRPr dirty="0"/>
           </a:p>
           <a:p>
             <a:pPr lvl="1" indent="457200">
               <a:defRPr sz="2000"/>
             </a:pPr>
-            <a:endParaRPr dirty="0"/>
           </a:p>
           <a:p>
             <a:pPr marL="342900" indent="-342900">
@@ -6857,143 +6841,56 @@
               <a:buSzPct val="100000"/>
               <a:buFont typeface="Arial"/>
               <a:buChar char="•"/>
-              <a:defRPr sz="2000" b="1"/>
+              <a:defRPr b="1" sz="2000"/>
             </a:pPr>
             <a:r>
-              <a:rPr lang="de-CH" dirty="0"/>
-              <a:t>Code vom Spiel</a:t>
-            </a:r>
-            <a:r>
-              <a:rPr dirty="0"/>
-              <a:t>:</a:t>
-            </a:r>
-          </a:p>
-          <a:p>
-            <a:pPr marL="800100" lvl="1" indent="-342900">
+              <a:t>Code vom Spiel:</a:t>
+            </a:r>
+          </a:p>
+          <a:p>
+            <a:pPr lvl="1" marL="800100" indent="-342900">
               <a:buSzPct val="100000"/>
               <a:buChar char="-"/>
               <a:defRPr sz="2000"/>
             </a:pPr>
             <a:r>
-              <a:rPr dirty="0" err="1"/>
-              <a:t>Mehr</a:t>
-            </a:r>
-            <a:r>
-              <a:rPr dirty="0"/>
-              <a:t> </a:t>
-            </a:r>
-            <a:r>
-              <a:rPr dirty="0" err="1"/>
-              <a:t>Vererbung</a:t>
-            </a:r>
-            <a:r>
-              <a:rPr dirty="0"/>
-              <a:t> </a:t>
-            </a:r>
-            <a:r>
-              <a:rPr dirty="0" err="1"/>
-              <a:t>anstatt</a:t>
-            </a:r>
-            <a:r>
-              <a:rPr dirty="0"/>
-              <a:t> </a:t>
-            </a:r>
-            <a:r>
-              <a:rPr dirty="0" err="1"/>
-              <a:t>eigenständige</a:t>
-            </a:r>
-            <a:r>
-              <a:rPr dirty="0"/>
-              <a:t> Klassen</a:t>
-            </a:r>
-          </a:p>
-          <a:p>
-            <a:pPr marL="800100" lvl="1" indent="-342900">
+              <a:t>Mehr Vererbung</a:t>
+            </a:r>
+          </a:p>
+          <a:p>
+            <a:pPr lvl="1" marL="800100" indent="-342900">
               <a:buSzPct val="100000"/>
               <a:buChar char="-"/>
               <a:defRPr sz="2000"/>
             </a:pPr>
             <a:r>
-              <a:rPr dirty="0"/>
-              <a:t>Wo </a:t>
-            </a:r>
-            <a:r>
-              <a:rPr dirty="0" err="1"/>
-              <a:t>möglich</a:t>
-            </a:r>
-            <a:r>
-              <a:rPr dirty="0"/>
-              <a:t> Enum-</a:t>
-            </a:r>
-            <a:r>
-              <a:rPr dirty="0" err="1"/>
-              <a:t>Typen</a:t>
-            </a:r>
-            <a:r>
-              <a:rPr dirty="0"/>
-              <a:t> </a:t>
-            </a:r>
-            <a:r>
-              <a:rPr dirty="0" err="1"/>
-              <a:t>verwenden</a:t>
-            </a:r>
-            <a:r>
-              <a:rPr dirty="0"/>
-              <a:t> </a:t>
-            </a:r>
-          </a:p>
-          <a:p>
-            <a:pPr marL="457200" lvl="1">
-              <a:buSzPct val="100000"/>
-              <a:defRPr sz="2000"/>
-            </a:pPr>
-            <a:r>
-              <a:rPr lang="de-CH" dirty="0"/>
-              <a:t>      + </a:t>
-            </a:r>
-            <a:r>
-              <a:rPr dirty="0" err="1"/>
-              <a:t>Strukturierte</a:t>
-            </a:r>
-            <a:r>
-              <a:rPr dirty="0"/>
-              <a:t> </a:t>
-            </a:r>
-            <a:r>
-              <a:rPr dirty="0" err="1"/>
-              <a:t>Vergabe</a:t>
-            </a:r>
-            <a:r>
-              <a:rPr dirty="0"/>
-              <a:t> von </a:t>
-            </a:r>
-            <a:r>
-              <a:rPr dirty="0" err="1"/>
-              <a:t>Variablennamen</a:t>
-            </a:r>
-            <a:endParaRPr dirty="0"/>
-          </a:p>
-          <a:p>
-            <a:pPr marL="800100" lvl="1" indent="-342900">
+              <a:t>Wo möglich Enum-Typen</a:t>
+            </a:r>
+          </a:p>
+          <a:p>
+            <a:pPr lvl="1" marL="800100" indent="-342900">
               <a:buSzPct val="100000"/>
               <a:buChar char="-"/>
               <a:defRPr sz="2000"/>
             </a:pPr>
             <a:r>
-              <a:rPr dirty="0" err="1"/>
-              <a:t>Verwendung</a:t>
-            </a:r>
-            <a:r>
-              <a:rPr dirty="0"/>
-              <a:t> von JavaFX</a:t>
-            </a:r>
-          </a:p>
-          <a:p>
-            <a:pPr marL="457200" lvl="1">
+              <a:t>Strukturierte Vergabe von Variablennamen</a:t>
+            </a:r>
+          </a:p>
+          <a:p>
+            <a:pPr lvl="1" marL="800100" indent="-342900">
               <a:buSzPct val="100000"/>
+              <a:buChar char="-"/>
               <a:defRPr sz="2000"/>
             </a:pPr>
-            <a:endParaRPr dirty="0"/>
+            <a:r>
+              <a:t>Verwendung von JavaFX</a:t>
+            </a:r>
+          </a:p>
+          <a:p>
+            <a:pPr lvl="1" indent="457200">
+              <a:defRPr sz="2000"/>
+            </a:pPr>
           </a:p>
           <a:p>
             <a:pPr marL="342900" indent="-342900">
@@ -7003,155 +6900,87 @@
               <a:buSzPct val="100000"/>
               <a:buFont typeface="Arial"/>
               <a:buChar char="•"/>
-              <a:defRPr sz="2000" b="1"/>
+              <a:defRPr b="1" sz="2000"/>
             </a:pPr>
             <a:r>
-              <a:rPr dirty="0"/>
               <a:t>JUnit-Tests:</a:t>
             </a:r>
           </a:p>
           <a:p>
-            <a:pPr marL="581526" lvl="1" indent="-200526">
+            <a:pPr lvl="1" marL="581525" indent="-200525">
               <a:buSzPct val="100000"/>
               <a:buChar char="-"/>
               <a:defRPr sz="2000"/>
             </a:pPr>
             <a:r>
-              <a:rPr dirty="0" err="1"/>
-              <a:t>Bereits</a:t>
-            </a:r>
-            <a:r>
-              <a:rPr dirty="0"/>
-              <a:t> </a:t>
-            </a:r>
-            <a:r>
-              <a:rPr dirty="0" err="1"/>
-              <a:t>zu</a:t>
-            </a:r>
-            <a:r>
-              <a:rPr dirty="0"/>
-              <a:t> </a:t>
-            </a:r>
-            <a:r>
-              <a:rPr dirty="0" err="1"/>
-              <a:t>Beginn</a:t>
-            </a:r>
-            <a:r>
-              <a:rPr dirty="0"/>
-              <a:t> </a:t>
-            </a:r>
-            <a:r>
-              <a:rPr dirty="0" err="1"/>
-              <a:t>Überlegungen</a:t>
-            </a:r>
-            <a:r>
-              <a:rPr dirty="0"/>
-              <a:t> </a:t>
-            </a:r>
-            <a:r>
-              <a:rPr dirty="0" err="1"/>
-              <a:t>zu</a:t>
-            </a:r>
-            <a:r>
-              <a:rPr dirty="0"/>
-              <a:t> den Tests</a:t>
-            </a:r>
-            <a:endParaRPr lang="de-CH" dirty="0"/>
-          </a:p>
-          <a:p>
-            <a:pPr marL="581526" lvl="1" indent="-200526">
-              <a:buSzPct val="100000"/>
-              <a:buFontTx/>
-              <a:buChar char="-"/>
-              <a:defRPr sz="2000"/>
-            </a:pPr>
-            <a:r>
-              <a:rPr lang="de-CH" dirty="0"/>
-              <a:t>Genauer informieren </a:t>
-            </a:r>
-          </a:p>
-          <a:p>
-            <a:pPr marL="581526" lvl="1" indent="-200526">
-              <a:buSzPct val="100000"/>
-              <a:buFontTx/>
-              <a:buChar char="-"/>
-              <a:defRPr sz="2000"/>
-            </a:pPr>
-            <a:r>
-              <a:rPr dirty="0" err="1"/>
-              <a:t>Vererbung</a:t>
-            </a:r>
-            <a:r>
-              <a:rPr dirty="0"/>
-              <a:t> und Interfaces </a:t>
-            </a:r>
-            <a:r>
-              <a:rPr dirty="0" err="1"/>
-              <a:t>erhöhen</a:t>
-            </a:r>
-            <a:r>
-              <a:rPr dirty="0"/>
-              <a:t> die </a:t>
-            </a:r>
-            <a:r>
-              <a:rPr dirty="0" err="1"/>
-              <a:t>Testbarkeit</a:t>
-            </a:r>
-            <a:endParaRPr lang="de-CH" dirty="0"/>
-          </a:p>
-          <a:p>
-            <a:pPr marL="381000" lvl="1">
-              <a:buSzPct val="100000"/>
-              <a:defRPr sz="2000"/>
-            </a:pPr>
-            <a:endParaRPr dirty="0"/>
-          </a:p>
-          <a:p>
-            <a:pPr lvl="1" indent="457200">
-              <a:defRPr sz="2000"/>
-            </a:pPr>
-            <a:endParaRPr dirty="0"/>
-          </a:p>
-          <a:p>
-            <a:pPr lvl="1" indent="457200">
-              <a:defRPr sz="2000"/>
-            </a:pPr>
-            <a:endParaRPr dirty="0"/>
-          </a:p>
-          <a:p>
-            <a:pPr lvl="1" indent="457200">
-              <a:defRPr sz="2000"/>
-            </a:pPr>
-            <a:endParaRPr dirty="0"/>
-          </a:p>
-          <a:p>
-            <a:pPr marL="800100" lvl="1" indent="-342900">
+              <a:rPr b="1"/>
+              <a:t>Z</a:t>
+            </a:r>
+            <a:r>
+              <a:t>u Beginn Überlegungen zu den Tests</a:t>
+            </a:r>
+          </a:p>
+          <a:p>
+            <a:pPr lvl="1" marL="581525" indent="-200525">
               <a:buSzPct val="100000"/>
               <a:buChar char="-"/>
               <a:defRPr sz="2000"/>
             </a:pPr>
-            <a:endParaRPr dirty="0"/>
-          </a:p>
-          <a:p>
-            <a:pPr marL="800100" lvl="1" indent="-342900">
+            <a:r>
+              <a:t>Genauer informieren </a:t>
+            </a:r>
+          </a:p>
+          <a:p>
+            <a:pPr lvl="1" marL="581525" indent="-200525">
               <a:buSzPct val="100000"/>
               <a:buChar char="-"/>
               <a:defRPr sz="2000"/>
             </a:pPr>
-            <a:endParaRPr dirty="0"/>
+            <a:r>
+              <a:t>Vererbung und Interfaces erhöhen Testbarkeit</a:t>
+            </a:r>
+          </a:p>
+          <a:p>
+            <a:pPr lvl="1" indent="381000">
+              <a:defRPr sz="2000"/>
+            </a:pPr>
+          </a:p>
+          <a:p>
+            <a:pPr lvl="1" indent="457200">
+              <a:defRPr sz="2000"/>
+            </a:pPr>
+          </a:p>
+          <a:p>
+            <a:pPr lvl="1" indent="457200">
+              <a:defRPr sz="2000"/>
+            </a:pPr>
+          </a:p>
+          <a:p>
+            <a:pPr lvl="1" indent="457200">
+              <a:defRPr sz="2000"/>
+            </a:pPr>
+          </a:p>
+          <a:p>
+            <a:pPr lvl="1" marL="800100" indent="-342900">
+              <a:buSzPct val="100000"/>
+              <a:buChar char="-"/>
+              <a:defRPr sz="2000"/>
+            </a:pPr>
           </a:p>
         </p:txBody>
       </p:sp>
       <p:pic>
         <p:nvPicPr>
-          <p:cNvPr id="203" name="image10.png" descr="Idee"/>
+          <p:cNvPr id="205" name="image10.png" descr="Idee"/>
           <p:cNvPicPr>
             <a:picLocks noChangeAspect="1"/>
           </p:cNvPicPr>
           <p:nvPr/>
         </p:nvPicPr>
         <p:blipFill>
-          <a:blip r:embed="rId2"/>
+          <a:blip r:embed="rId2">
+            <a:extLst/>
+          </a:blip>
           <a:stretch>
             <a:fillRect/>
           </a:stretch>
@@ -7159,7 +6988,7 @@
         <p:spPr>
           <a:xfrm>
             <a:off x="122067" y="63730"/>
-            <a:ext cx="592976" cy="592975"/>
+            <a:ext cx="592977" cy="592975"/>
           </a:xfrm>
           <a:prstGeom prst="rect">
             <a:avLst/>
@@ -7171,13 +7000,7 @@
       </p:pic>
       <p:pic>
         <p:nvPicPr>
-          <p:cNvPr id="3" name="Grafik 2" descr="Harvey Balls 20%">
-            <a:extLst>
-              <a:ext uri="{FF2B5EF4-FFF2-40B4-BE49-F238E27FC236}">
-                <a16:creationId xmlns:a16="http://schemas.microsoft.com/office/drawing/2014/main" id="{ACF0EE59-966D-41A1-A7BA-802B1DF8A3FB}"/>
-              </a:ext>
-            </a:extLst>
-          </p:cNvPr>
+          <p:cNvPr id="206" name="image11.png" descr="Harvey Balls 20%"/>
           <p:cNvPicPr>
             <a:picLocks noChangeAspect="1"/>
           </p:cNvPicPr>
@@ -7185,14 +7008,7 @@
         </p:nvPicPr>
         <p:blipFill>
           <a:blip r:embed="rId3">
-            <a:extLst>
-              <a:ext uri="{28A0092B-C50C-407E-A947-70E740481C1C}">
-                <a14:useLocalDpi xmlns:a14="http://schemas.microsoft.com/office/drawing/2010/main" val="0"/>
-              </a:ext>
-              <a:ext uri="{96DAC541-7B7A-43D3-8B79-37D633B846F1}">
-                <asvg:svgBlip xmlns:asvg="http://schemas.microsoft.com/office/drawing/2016/SVG/main" r:embed="rId4"/>
-              </a:ext>
-            </a:extLst>
+            <a:extLst/>
           </a:blip>
           <a:stretch>
             <a:fillRect/>
@@ -7201,22 +7017,48 @@
         <p:spPr>
           <a:xfrm>
             <a:off x="7688804" y="656705"/>
-            <a:ext cx="914399" cy="914399"/>
-          </a:xfrm>
-          <a:prstGeom prst="rect">
-            <a:avLst/>
-          </a:prstGeom>
+            <a:ext cx="914400" cy="914400"/>
+          </a:xfrm>
+          <a:prstGeom prst="rect">
+            <a:avLst/>
+          </a:prstGeom>
+          <a:ln w="12700">
+            <a:miter lim="400000"/>
+          </a:ln>
         </p:spPr>
       </p:pic>
       <p:pic>
         <p:nvPicPr>
-          <p:cNvPr id="5" name="Grafik 4" descr="Geschichten erzählen">
-            <a:extLst>
-              <a:ext uri="{FF2B5EF4-FFF2-40B4-BE49-F238E27FC236}">
-                <a16:creationId xmlns:a16="http://schemas.microsoft.com/office/drawing/2014/main" id="{5AF5DD12-1DB9-4D71-BC5A-265AA913401F}"/>
-              </a:ext>
-            </a:extLst>
-          </p:cNvPr>
+          <p:cNvPr id="207" name="image13.png" descr="Geschichten erzählen"/>
+          <p:cNvPicPr>
+            <a:picLocks noChangeAspect="1"/>
+          </p:cNvPicPr>
+          <p:nvPr/>
+        </p:nvPicPr>
+        <p:blipFill>
+          <a:blip r:embed="rId4">
+            <a:extLst/>
+          </a:blip>
+          <a:stretch>
+            <a:fillRect/>
+          </a:stretch>
+        </p:blipFill>
+        <p:spPr>
+          <a:xfrm>
+            <a:off x="8765924" y="4863455"/>
+            <a:ext cx="914401" cy="914401"/>
+          </a:xfrm>
+          <a:prstGeom prst="rect">
+            <a:avLst/>
+          </a:prstGeom>
+          <a:ln w="12700">
+            <a:miter lim="400000"/>
+          </a:ln>
+        </p:spPr>
+      </p:pic>
+      <p:pic>
+        <p:nvPicPr>
+          <p:cNvPr id="208" name="image15.png" descr="Irre komische Gesichtskontur"/>
           <p:cNvPicPr>
             <a:picLocks noChangeAspect="1"/>
           </p:cNvPicPr>
@@ -7224,14 +7066,7 @@
         </p:nvPicPr>
         <p:blipFill>
           <a:blip r:embed="rId5">
-            <a:extLst>
-              <a:ext uri="{28A0092B-C50C-407E-A947-70E740481C1C}">
-                <a14:useLocalDpi xmlns:a14="http://schemas.microsoft.com/office/drawing/2010/main" val="0"/>
-              </a:ext>
-              <a:ext uri="{96DAC541-7B7A-43D3-8B79-37D633B846F1}">
-                <asvg:svgBlip xmlns:asvg="http://schemas.microsoft.com/office/drawing/2016/SVG/main" r:embed="rId6"/>
-              </a:ext>
-            </a:extLst>
+            <a:extLst/>
           </a:blip>
           <a:stretch>
             <a:fillRect/>
@@ -7239,23 +7074,49 @@
         </p:blipFill>
         <p:spPr>
           <a:xfrm>
-            <a:off x="8765925" y="4863456"/>
-            <a:ext cx="914400" cy="914400"/>
-          </a:xfrm>
-          <a:prstGeom prst="rect">
-            <a:avLst/>
-          </a:prstGeom>
+            <a:off x="8773468" y="1113904"/>
+            <a:ext cx="914401" cy="914401"/>
+          </a:xfrm>
+          <a:prstGeom prst="rect">
+            <a:avLst/>
+          </a:prstGeom>
+          <a:ln w="12700">
+            <a:miter lim="400000"/>
+          </a:ln>
         </p:spPr>
       </p:pic>
       <p:pic>
         <p:nvPicPr>
-          <p:cNvPr id="7" name="Grafik 6" descr="Irre komische Gesichtskontur">
-            <a:extLst>
-              <a:ext uri="{FF2B5EF4-FFF2-40B4-BE49-F238E27FC236}">
-                <a16:creationId xmlns:a16="http://schemas.microsoft.com/office/drawing/2014/main" id="{BCF7C180-C9F1-44A7-A22F-6FE107262864}"/>
-              </a:ext>
-            </a:extLst>
-          </p:cNvPr>
+          <p:cNvPr id="209" name="image17.png" descr="Höhlenzeichnung"/>
+          <p:cNvPicPr>
+            <a:picLocks noChangeAspect="1"/>
+          </p:cNvPicPr>
+          <p:nvPr/>
+        </p:nvPicPr>
+        <p:blipFill>
+          <a:blip r:embed="rId6">
+            <a:extLst/>
+          </a:blip>
+          <a:stretch>
+            <a:fillRect/>
+          </a:stretch>
+        </p:blipFill>
+        <p:spPr>
+          <a:xfrm>
+            <a:off x="8765924" y="2872046"/>
+            <a:ext cx="914401" cy="914401"/>
+          </a:xfrm>
+          <a:prstGeom prst="rect">
+            <a:avLst/>
+          </a:prstGeom>
+          <a:ln w="12700">
+            <a:miter lim="400000"/>
+          </a:ln>
+        </p:spPr>
+      </p:pic>
+      <p:pic>
+        <p:nvPicPr>
+          <p:cNvPr id="210" name="image19.png" descr="Klemmbrett teilweise angekreuzt"/>
           <p:cNvPicPr>
             <a:picLocks noChangeAspect="1"/>
           </p:cNvPicPr>
@@ -7263,14 +7124,7 @@
         </p:nvPicPr>
         <p:blipFill>
           <a:blip r:embed="rId7">
-            <a:extLst>
-              <a:ext uri="{28A0092B-C50C-407E-A947-70E740481C1C}">
-                <a14:useLocalDpi xmlns:a14="http://schemas.microsoft.com/office/drawing/2010/main" val="0"/>
-              </a:ext>
-              <a:ext uri="{96DAC541-7B7A-43D3-8B79-37D633B846F1}">
-                <asvg:svgBlip xmlns:asvg="http://schemas.microsoft.com/office/drawing/2016/SVG/main" r:embed="rId8"/>
-              </a:ext>
-            </a:extLst>
+            <a:extLst/>
           </a:blip>
           <a:stretch>
             <a:fillRect/>
@@ -7278,23 +7132,49 @@
         </p:blipFill>
         <p:spPr>
           <a:xfrm>
-            <a:off x="8773468" y="1113904"/>
-            <a:ext cx="914400" cy="914400"/>
-          </a:xfrm>
-          <a:prstGeom prst="rect">
-            <a:avLst/>
-          </a:prstGeom>
+            <a:off x="9884161" y="1571104"/>
+            <a:ext cx="914401" cy="914401"/>
+          </a:xfrm>
+          <a:prstGeom prst="rect">
+            <a:avLst/>
+          </a:prstGeom>
+          <a:ln w="12700">
+            <a:miter lim="400000"/>
+          </a:ln>
         </p:spPr>
       </p:pic>
       <p:pic>
         <p:nvPicPr>
-          <p:cNvPr id="9" name="Grafik 8" descr="Höhlenzeichnung">
-            <a:extLst>
-              <a:ext uri="{FF2B5EF4-FFF2-40B4-BE49-F238E27FC236}">
-                <a16:creationId xmlns:a16="http://schemas.microsoft.com/office/drawing/2014/main" id="{6CE76660-4CF2-46D5-A79A-FB4D1D7BA040}"/>
-              </a:ext>
-            </a:extLst>
-          </p:cNvPr>
+          <p:cNvPr id="211" name="image21.png" descr="Management"/>
+          <p:cNvPicPr>
+            <a:picLocks noChangeAspect="1"/>
+          </p:cNvPicPr>
+          <p:nvPr/>
+        </p:nvPicPr>
+        <p:blipFill>
+          <a:blip r:embed="rId8">
+            <a:extLst/>
+          </a:blip>
+          <a:stretch>
+            <a:fillRect/>
+          </a:stretch>
+        </p:blipFill>
+        <p:spPr>
+          <a:xfrm>
+            <a:off x="7684647" y="2414846"/>
+            <a:ext cx="914401" cy="914401"/>
+          </a:xfrm>
+          <a:prstGeom prst="rect">
+            <a:avLst/>
+          </a:prstGeom>
+          <a:ln w="12700">
+            <a:miter lim="400000"/>
+          </a:ln>
+        </p:spPr>
+      </p:pic>
+      <p:pic>
+        <p:nvPicPr>
+          <p:cNvPr id="212" name="image23.png" descr="Psychische Gesundheit"/>
           <p:cNvPicPr>
             <a:picLocks noChangeAspect="1"/>
           </p:cNvPicPr>
@@ -7302,14 +7182,7 @@
         </p:nvPicPr>
         <p:blipFill>
           <a:blip r:embed="rId9">
-            <a:extLst>
-              <a:ext uri="{28A0092B-C50C-407E-A947-70E740481C1C}">
-                <a14:useLocalDpi xmlns:a14="http://schemas.microsoft.com/office/drawing/2010/main" val="0"/>
-              </a:ext>
-              <a:ext uri="{96DAC541-7B7A-43D3-8B79-37D633B846F1}">
-                <asvg:svgBlip xmlns:asvg="http://schemas.microsoft.com/office/drawing/2016/SVG/main" r:embed="rId10"/>
-              </a:ext>
-            </a:extLst>
+            <a:extLst/>
           </a:blip>
           <a:stretch>
             <a:fillRect/>
@@ -7317,23 +7190,49 @@
         </p:blipFill>
         <p:spPr>
           <a:xfrm>
-            <a:off x="8765925" y="2872047"/>
-            <a:ext cx="914400" cy="914400"/>
-          </a:xfrm>
-          <a:prstGeom prst="rect">
-            <a:avLst/>
-          </a:prstGeom>
+            <a:off x="9884161" y="3329247"/>
+            <a:ext cx="914401" cy="914401"/>
+          </a:xfrm>
+          <a:prstGeom prst="rect">
+            <a:avLst/>
+          </a:prstGeom>
+          <a:ln w="12700">
+            <a:miter lim="400000"/>
+          </a:ln>
         </p:spPr>
       </p:pic>
       <p:pic>
         <p:nvPicPr>
-          <p:cNvPr id="11" name="Grafik 10" descr="Klemmbrett teilweise angekreuzt">
-            <a:extLst>
-              <a:ext uri="{FF2B5EF4-FFF2-40B4-BE49-F238E27FC236}">
-                <a16:creationId xmlns:a16="http://schemas.microsoft.com/office/drawing/2014/main" id="{BD85D64D-75FD-4953-A8B7-9369C1EF421A}"/>
-              </a:ext>
-            </a:extLst>
-          </p:cNvPr>
+          <p:cNvPr id="213" name="image25.png" descr="Künstliche Intelligenz"/>
+          <p:cNvPicPr>
+            <a:picLocks noChangeAspect="1"/>
+          </p:cNvPicPr>
+          <p:nvPr/>
+        </p:nvPicPr>
+        <p:blipFill>
+          <a:blip r:embed="rId10">
+            <a:extLst/>
+          </a:blip>
+          <a:stretch>
+            <a:fillRect/>
+          </a:stretch>
+        </p:blipFill>
+        <p:spPr>
+          <a:xfrm>
+            <a:off x="7684647" y="4406255"/>
+            <a:ext cx="914401" cy="914401"/>
+          </a:xfrm>
+          <a:prstGeom prst="rect">
+            <a:avLst/>
+          </a:prstGeom>
+          <a:ln w="12700">
+            <a:miter lim="400000"/>
+          </a:ln>
+        </p:spPr>
+      </p:pic>
+      <p:pic>
+        <p:nvPicPr>
+          <p:cNvPr id="214" name="image27.png" descr="Blaupause"/>
           <p:cNvPicPr>
             <a:picLocks noChangeAspect="1"/>
           </p:cNvPicPr>
@@ -7341,14 +7240,7 @@
         </p:nvPicPr>
         <p:blipFill>
           <a:blip r:embed="rId11">
-            <a:extLst>
-              <a:ext uri="{28A0092B-C50C-407E-A947-70E740481C1C}">
-                <a14:useLocalDpi xmlns:a14="http://schemas.microsoft.com/office/drawing/2010/main" val="0"/>
-              </a:ext>
-              <a:ext uri="{96DAC541-7B7A-43D3-8B79-37D633B846F1}">
-                <asvg:svgBlip xmlns:asvg="http://schemas.microsoft.com/office/drawing/2016/SVG/main" r:embed="rId12"/>
-              </a:ext>
-            </a:extLst>
+            <a:extLst/>
           </a:blip>
           <a:stretch>
             <a:fillRect/>
@@ -7356,188 +7248,30 @@
         </p:blipFill>
         <p:spPr>
           <a:xfrm>
-            <a:off x="9884162" y="1571104"/>
-            <a:ext cx="914400" cy="914400"/>
-          </a:xfrm>
-          <a:prstGeom prst="rect">
-            <a:avLst/>
-          </a:prstGeom>
-        </p:spPr>
-      </p:pic>
-      <p:pic>
-        <p:nvPicPr>
-          <p:cNvPr id="13" name="Grafik 12" descr="Management">
-            <a:extLst>
-              <a:ext uri="{FF2B5EF4-FFF2-40B4-BE49-F238E27FC236}">
-                <a16:creationId xmlns:a16="http://schemas.microsoft.com/office/drawing/2014/main" id="{C801CBFA-8581-4CF5-9F37-7335B06B2B02}"/>
-              </a:ext>
-            </a:extLst>
-          </p:cNvPr>
-          <p:cNvPicPr>
-            <a:picLocks noChangeAspect="1"/>
-          </p:cNvPicPr>
-          <p:nvPr/>
-        </p:nvPicPr>
-        <p:blipFill>
-          <a:blip r:embed="rId13">
-            <a:extLst>
-              <a:ext uri="{28A0092B-C50C-407E-A947-70E740481C1C}">
-                <a14:useLocalDpi xmlns:a14="http://schemas.microsoft.com/office/drawing/2010/main" val="0"/>
-              </a:ext>
-              <a:ext uri="{96DAC541-7B7A-43D3-8B79-37D633B846F1}">
-                <asvg:svgBlip xmlns:asvg="http://schemas.microsoft.com/office/drawing/2016/SVG/main" r:embed="rId14"/>
-              </a:ext>
-            </a:extLst>
-          </a:blip>
-          <a:stretch>
-            <a:fillRect/>
-          </a:stretch>
-        </p:blipFill>
-        <p:spPr>
-          <a:xfrm>
-            <a:off x="7684647" y="2414847"/>
-            <a:ext cx="914400" cy="914400"/>
-          </a:xfrm>
-          <a:prstGeom prst="rect">
-            <a:avLst/>
-          </a:prstGeom>
-        </p:spPr>
-      </p:pic>
-      <p:pic>
-        <p:nvPicPr>
-          <p:cNvPr id="15" name="Grafik 14" descr="Psychische Gesundheit">
-            <a:extLst>
-              <a:ext uri="{FF2B5EF4-FFF2-40B4-BE49-F238E27FC236}">
-                <a16:creationId xmlns:a16="http://schemas.microsoft.com/office/drawing/2014/main" id="{A81EACD8-8FEA-4938-A091-6064D984C847}"/>
-              </a:ext>
-            </a:extLst>
-          </p:cNvPr>
-          <p:cNvPicPr>
-            <a:picLocks noChangeAspect="1"/>
-          </p:cNvPicPr>
-          <p:nvPr/>
-        </p:nvPicPr>
-        <p:blipFill>
-          <a:blip r:embed="rId15">
-            <a:extLst>
-              <a:ext uri="{28A0092B-C50C-407E-A947-70E740481C1C}">
-                <a14:useLocalDpi xmlns:a14="http://schemas.microsoft.com/office/drawing/2010/main" val="0"/>
-              </a:ext>
-              <a:ext uri="{96DAC541-7B7A-43D3-8B79-37D633B846F1}">
-                <asvg:svgBlip xmlns:asvg="http://schemas.microsoft.com/office/drawing/2016/SVG/main" r:embed="rId16"/>
-              </a:ext>
-            </a:extLst>
-          </a:blip>
-          <a:stretch>
-            <a:fillRect/>
-          </a:stretch>
-        </p:blipFill>
-        <p:spPr>
-          <a:xfrm>
-            <a:off x="9884162" y="3329247"/>
-            <a:ext cx="914400" cy="914400"/>
-          </a:xfrm>
-          <a:prstGeom prst="rect">
-            <a:avLst/>
-          </a:prstGeom>
-        </p:spPr>
-      </p:pic>
-      <p:pic>
-        <p:nvPicPr>
-          <p:cNvPr id="17" name="Grafik 16" descr="Künstliche Intelligenz">
-            <a:extLst>
-              <a:ext uri="{FF2B5EF4-FFF2-40B4-BE49-F238E27FC236}">
-                <a16:creationId xmlns:a16="http://schemas.microsoft.com/office/drawing/2014/main" id="{D3AF6713-3BD0-4F5A-B29A-BEC2CFE31D0A}"/>
-              </a:ext>
-            </a:extLst>
-          </p:cNvPr>
-          <p:cNvPicPr>
-            <a:picLocks noChangeAspect="1"/>
-          </p:cNvPicPr>
-          <p:nvPr/>
-        </p:nvPicPr>
-        <p:blipFill>
-          <a:blip r:embed="rId17">
-            <a:extLst>
-              <a:ext uri="{28A0092B-C50C-407E-A947-70E740481C1C}">
-                <a14:useLocalDpi xmlns:a14="http://schemas.microsoft.com/office/drawing/2010/main" val="0"/>
-              </a:ext>
-              <a:ext uri="{96DAC541-7B7A-43D3-8B79-37D633B846F1}">
-                <asvg:svgBlip xmlns:asvg="http://schemas.microsoft.com/office/drawing/2016/SVG/main" r:embed="rId18"/>
-              </a:ext>
-            </a:extLst>
-          </a:blip>
-          <a:stretch>
-            <a:fillRect/>
-          </a:stretch>
-        </p:blipFill>
-        <p:spPr>
-          <a:xfrm>
-            <a:off x="7684647" y="4406256"/>
-            <a:ext cx="914400" cy="914400"/>
-          </a:xfrm>
-          <a:prstGeom prst="rect">
-            <a:avLst/>
-          </a:prstGeom>
-        </p:spPr>
-      </p:pic>
-      <p:pic>
-        <p:nvPicPr>
-          <p:cNvPr id="19" name="Grafik 18" descr="Blaupause">
-            <a:extLst>
-              <a:ext uri="{FF2B5EF4-FFF2-40B4-BE49-F238E27FC236}">
-                <a16:creationId xmlns:a16="http://schemas.microsoft.com/office/drawing/2014/main" id="{BC48230B-D4A1-47C1-A719-933A804DB8CE}"/>
-              </a:ext>
-            </a:extLst>
-          </p:cNvPr>
-          <p:cNvPicPr>
-            <a:picLocks noChangeAspect="1"/>
-          </p:cNvPicPr>
-          <p:nvPr/>
-        </p:nvPicPr>
-        <p:blipFill>
-          <a:blip r:embed="rId19">
-            <a:extLst>
-              <a:ext uri="{28A0092B-C50C-407E-A947-70E740481C1C}">
-                <a14:useLocalDpi xmlns:a14="http://schemas.microsoft.com/office/drawing/2010/main" val="0"/>
-              </a:ext>
-              <a:ext uri="{96DAC541-7B7A-43D3-8B79-37D633B846F1}">
-                <asvg:svgBlip xmlns:asvg="http://schemas.microsoft.com/office/drawing/2016/SVG/main" r:embed="rId20"/>
-              </a:ext>
-            </a:extLst>
-          </a:blip>
-          <a:stretch>
-            <a:fillRect/>
-          </a:stretch>
-        </p:blipFill>
-        <p:spPr>
-          <a:xfrm>
-            <a:off x="9884162" y="5320656"/>
-            <a:ext cx="914400" cy="914400"/>
-          </a:xfrm>
-          <a:prstGeom prst="rect">
-            <a:avLst/>
-          </a:prstGeom>
+            <a:off x="9884161" y="5320655"/>
+            <a:ext cx="914401" cy="914401"/>
+          </a:xfrm>
+          <a:prstGeom prst="rect">
+            <a:avLst/>
+          </a:prstGeom>
+          <a:ln w="12700">
+            <a:miter lim="400000"/>
+          </a:ln>
         </p:spPr>
       </p:pic>
     </p:spTree>
-    <p:extLst>
-      <p:ext uri="{BB962C8B-B14F-4D97-AF65-F5344CB8AC3E}">
-        <p14:creationId xmlns:p14="http://schemas.microsoft.com/office/powerpoint/2010/main" val="957416233"/>
-      </p:ext>
-    </p:extLst>
   </p:cSld>
   <p:clrMapOvr>
     <a:masterClrMapping/>
   </p:clrMapOvr>
-  <p:transition spd="slow"/>
+  <p:transition xmlns:p14="http://schemas.microsoft.com/office/powerpoint/2010/main" spd="med" advClick="1" p14:dur="1000"/>
   <p:timing>
     <p:tnLst>
       <p:par>
-        <p:cTn id="1" dur="indefinite" restart="never" nodeType="tmRoot">
+        <p:cTn id="1" nodeType="tmRoot" restart="never" dur="indefinite" fill="hold">
           <p:childTnLst>
-            <p:seq concurrent="1" nextAc="seek">
-              <p:cTn id="2" dur="indefinite" nodeType="mainSeq">
+            <p:seq concurrent="1" prevAc="none" nextAc="seek">
+              <p:cTn id="2" nodeType="mainSeq" dur="indefinite" fill="hold">
                 <p:childTnLst>
                   <p:par>
                     <p:cTn id="3" fill="hold">
@@ -7552,20 +7286,47 @@
                             </p:stCondLst>
                             <p:childTnLst>
                               <p:par>
-                                <p:cTn id="5" presetID="1" presetClass="entr" presetSubtype="0" fill="hold" nodeType="clickEffect">
+                                <p:cTn id="5" presetClass="entr" nodeType="clickEffect" presetSubtype="0" presetID="1" grpId="1" fill="hold">
                                   <p:stCondLst>
                                     <p:cond delay="0"/>
                                   </p:stCondLst>
+                                  <p:iterate type="el" backwards="0">
+                                    <p:tmAbs val="0"/>
+                                  </p:iterate>
                                   <p:childTnLst>
                                     <p:set>
                                       <p:cBhvr>
-                                        <p:cTn id="6" dur="1" fill="hold">
-                                          <p:stCondLst>
-                                            <p:cond delay="0"/>
-                                          </p:stCondLst>
-                                        </p:cTn>
+                                        <p:cTn id="6" fill="hold"/>
                                         <p:tgtEl>
-                                          <p:spTgt spid="202">
+                                          <p:spTgt spid="204">
+                                            <p:bg/>
+                                          </p:spTgt>
+                                        </p:tgtEl>
+                                        <p:attrNameLst>
+                                          <p:attrName>style.visibility</p:attrName>
+                                        </p:attrNameLst>
+                                      </p:cBhvr>
+                                      <p:to>
+                                        <p:strVal val="visible"/>
+                                      </p:to>
+                                    </p:set>
+                                  </p:childTnLst>
+                                </p:cTn>
+                              </p:par>
+                              <p:par>
+                                <p:cTn id="7" presetClass="entr" nodeType="withEffect" presetSubtype="0" presetID="1" grpId="1" fill="hold">
+                                  <p:stCondLst>
+                                    <p:cond delay="0"/>
+                                  </p:stCondLst>
+                                  <p:iterate type="el" backwards="0">
+                                    <p:tmAbs val="0"/>
+                                  </p:iterate>
+                                  <p:childTnLst>
+                                    <p:set>
+                                      <p:cBhvr>
+                                        <p:cTn id="8" fill="hold"/>
+                                        <p:tgtEl>
+                                          <p:spTgt spid="204">
                                             <p:txEl>
                                               <p:pRg st="0" end="0"/>
                                             </p:txEl>
@@ -7582,21 +7343,29 @@
                                   </p:childTnLst>
                                 </p:cTn>
                               </p:par>
+                            </p:childTnLst>
+                          </p:cTn>
+                        </p:par>
+                        <p:par>
+                          <p:cTn id="9" fill="hold">
+                            <p:stCondLst>
+                              <p:cond delay="0"/>
+                            </p:stCondLst>
+                            <p:childTnLst>
                               <p:par>
-                                <p:cTn id="7" presetID="1" presetClass="entr" presetSubtype="0" fill="hold" nodeType="withEffect">
+                                <p:cTn id="10" presetClass="entr" nodeType="afterEffect" presetSubtype="0" presetID="1" grpId="2" fill="hold">
                                   <p:stCondLst>
                                     <p:cond delay="0"/>
                                   </p:stCondLst>
+                                  <p:iterate type="el" backwards="0">
+                                    <p:tmAbs val="0"/>
+                                  </p:iterate>
                                   <p:childTnLst>
                                     <p:set>
                                       <p:cBhvr>
-                                        <p:cTn id="8" dur="1" fill="hold">
-                                          <p:stCondLst>
-                                            <p:cond delay="0"/>
-                                          </p:stCondLst>
-                                        </p:cTn>
+                                        <p:cTn id="11" fill="hold"/>
                                         <p:tgtEl>
-                                          <p:spTgt spid="3"/>
+                                          <p:spTgt spid="206"/>
                                         </p:tgtEl>
                                         <p:attrNameLst>
                                           <p:attrName>style.visibility</p:attrName>
@@ -7609,21 +7378,29 @@
                                   </p:childTnLst>
                                 </p:cTn>
                               </p:par>
+                            </p:childTnLst>
+                          </p:cTn>
+                        </p:par>
+                        <p:par>
+                          <p:cTn id="12" fill="hold">
+                            <p:stCondLst>
+                              <p:cond delay="0"/>
+                            </p:stCondLst>
+                            <p:childTnLst>
                               <p:par>
-                                <p:cTn id="9" presetID="1" presetClass="entr" presetSubtype="0" fill="hold" nodeType="withEffect">
+                                <p:cTn id="13" presetClass="entr" nodeType="afterEffect" presetSubtype="0" presetID="1" grpId="3" fill="hold">
                                   <p:stCondLst>
                                     <p:cond delay="0"/>
                                   </p:stCondLst>
+                                  <p:iterate type="el" backwards="0">
+                                    <p:tmAbs val="0"/>
+                                  </p:iterate>
                                   <p:childTnLst>
                                     <p:set>
                                       <p:cBhvr>
-                                        <p:cTn id="10" dur="1" fill="hold">
-                                          <p:stCondLst>
-                                            <p:cond delay="0"/>
-                                          </p:stCondLst>
-                                        </p:cTn>
+                                        <p:cTn id="14" fill="hold"/>
                                         <p:tgtEl>
-                                          <p:spTgt spid="7"/>
+                                          <p:spTgt spid="208"/>
                                         </p:tgtEl>
                                         <p:attrNameLst>
                                           <p:attrName>style.visibility</p:attrName>
@@ -7636,21 +7413,29 @@
                                   </p:childTnLst>
                                 </p:cTn>
                               </p:par>
+                            </p:childTnLst>
+                          </p:cTn>
+                        </p:par>
+                        <p:par>
+                          <p:cTn id="15" fill="hold">
+                            <p:stCondLst>
+                              <p:cond delay="0"/>
+                            </p:stCondLst>
+                            <p:childTnLst>
                               <p:par>
-                                <p:cTn id="11" presetID="1" presetClass="entr" presetSubtype="0" fill="hold" nodeType="withEffect">
+                                <p:cTn id="16" presetClass="entr" nodeType="afterEffect" presetSubtype="0" presetID="1" grpId="4" fill="hold">
                                   <p:stCondLst>
                                     <p:cond delay="0"/>
                                   </p:stCondLst>
+                                  <p:iterate type="el" backwards="0">
+                                    <p:tmAbs val="0"/>
+                                  </p:iterate>
                                   <p:childTnLst>
                                     <p:set>
                                       <p:cBhvr>
-                                        <p:cTn id="12" dur="1" fill="hold">
-                                          <p:stCondLst>
-                                            <p:cond delay="0"/>
-                                          </p:stCondLst>
-                                        </p:cTn>
+                                        <p:cTn id="17" fill="hold"/>
                                         <p:tgtEl>
-                                          <p:spTgt spid="11"/>
+                                          <p:spTgt spid="210"/>
                                         </p:tgtEl>
                                         <p:attrNameLst>
                                           <p:attrName>style.visibility</p:attrName>
@@ -7663,21 +7448,29 @@
                                   </p:childTnLst>
                                 </p:cTn>
                               </p:par>
+                            </p:childTnLst>
+                          </p:cTn>
+                        </p:par>
+                        <p:par>
+                          <p:cTn id="18" fill="hold">
+                            <p:stCondLst>
+                              <p:cond delay="0"/>
+                            </p:stCondLst>
+                            <p:childTnLst>
                               <p:par>
-                                <p:cTn id="13" presetID="1" presetClass="entr" presetSubtype="0" fill="hold" nodeType="withEffect">
+                                <p:cTn id="19" presetClass="entr" nodeType="afterEffect" presetSubtype="0" presetID="1" grpId="1" fill="hold">
                                   <p:stCondLst>
                                     <p:cond delay="0"/>
                                   </p:stCondLst>
+                                  <p:iterate type="el" backwards="0">
+                                    <p:tmAbs val="0"/>
+                                  </p:iterate>
                                   <p:childTnLst>
                                     <p:set>
                                       <p:cBhvr>
-                                        <p:cTn id="14" dur="1" fill="hold">
-                                          <p:stCondLst>
-                                            <p:cond delay="0"/>
-                                          </p:stCondLst>
-                                        </p:cTn>
+                                        <p:cTn id="20" fill="hold"/>
                                         <p:tgtEl>
-                                          <p:spTgt spid="202">
+                                          <p:spTgt spid="204">
                                             <p:txEl>
                                               <p:pRg st="1" end="1"/>
                                             </p:txEl>
@@ -7694,21 +7487,29 @@
                                   </p:childTnLst>
                                 </p:cTn>
                               </p:par>
+                            </p:childTnLst>
+                          </p:cTn>
+                        </p:par>
+                        <p:par>
+                          <p:cTn id="21" fill="hold">
+                            <p:stCondLst>
+                              <p:cond delay="0"/>
+                            </p:stCondLst>
+                            <p:childTnLst>
                               <p:par>
-                                <p:cTn id="15" presetID="1" presetClass="entr" presetSubtype="0" fill="hold" nodeType="withEffect">
+                                <p:cTn id="22" presetClass="entr" nodeType="afterEffect" presetSubtype="0" presetID="1" grpId="1" fill="hold">
                                   <p:stCondLst>
                                     <p:cond delay="0"/>
                                   </p:stCondLst>
+                                  <p:iterate type="el" backwards="0">
+                                    <p:tmAbs val="0"/>
+                                  </p:iterate>
                                   <p:childTnLst>
                                     <p:set>
                                       <p:cBhvr>
-                                        <p:cTn id="16" dur="1" fill="hold">
-                                          <p:stCondLst>
-                                            <p:cond delay="0"/>
-                                          </p:stCondLst>
-                                        </p:cTn>
+                                        <p:cTn id="23" fill="hold"/>
                                         <p:tgtEl>
-                                          <p:spTgt spid="202">
+                                          <p:spTgt spid="204">
                                             <p:txEl>
                                               <p:pRg st="2" end="2"/>
                                             </p:txEl>
@@ -7725,23 +7526,70 @@
                                   </p:childTnLst>
                                 </p:cTn>
                               </p:par>
+                            </p:childTnLst>
+                          </p:cTn>
+                        </p:par>
+                        <p:par>
+                          <p:cTn id="24" fill="hold">
+                            <p:stCondLst>
+                              <p:cond delay="0"/>
+                            </p:stCondLst>
+                            <p:childTnLst>
                               <p:par>
-                                <p:cTn id="17" presetID="1" presetClass="entr" presetSubtype="0" fill="hold" nodeType="withEffect">
+                                <p:cTn id="25" presetClass="entr" nodeType="afterEffect" presetSubtype="0" presetID="1" grpId="1" fill="hold">
                                   <p:stCondLst>
                                     <p:cond delay="0"/>
                                   </p:stCondLst>
+                                  <p:iterate type="el" backwards="0">
+                                    <p:tmAbs val="0"/>
+                                  </p:iterate>
                                   <p:childTnLst>
                                     <p:set>
                                       <p:cBhvr>
-                                        <p:cTn id="18" dur="1" fill="hold">
-                                          <p:stCondLst>
-                                            <p:cond delay="0"/>
-                                          </p:stCondLst>
-                                        </p:cTn>
+                                        <p:cTn id="26" fill="hold"/>
                                         <p:tgtEl>
-                                          <p:spTgt spid="202">
+                                          <p:spTgt spid="204">
                                             <p:txEl>
                                               <p:pRg st="3" end="3"/>
+                                            </p:txEl>
+                                          </p:spTgt>
+                                        </p:tgtEl>
+                                        <p:attrNameLst>
+                                          <p:attrName>style.visibility</p:attrName>
+                                        </p:attrNameLst>
+                                      </p:cBhvr>
+                                      <p:to>
+                                        <p:strVal val="visible"/>
+                                      </p:to>
+                                    </p:set>
+                                  </p:childTnLst>
+                                </p:cTn>
+                              </p:par>
+                            </p:childTnLst>
+                          </p:cTn>
+                        </p:par>
+                        <p:par>
+                          <p:cTn id="27" fill="hold">
+                            <p:stCondLst>
+                              <p:cond delay="0"/>
+                            </p:stCondLst>
+                            <p:childTnLst>
+                              <p:par>
+                                <p:cTn id="28" presetClass="entr" nodeType="afterEffect" presetSubtype="0" presetID="1" grpId="1" fill="hold">
+                                  <p:stCondLst>
+                                    <p:cond delay="0"/>
+                                  </p:stCondLst>
+                                  <p:iterate type="el" backwards="0">
+                                    <p:tmAbs val="0"/>
+                                  </p:iterate>
+                                  <p:childTnLst>
+                                    <p:set>
+                                      <p:cBhvr>
+                                        <p:cTn id="29" fill="hold"/>
+                                        <p:tgtEl>
+                                          <p:spTgt spid="204">
+                                            <p:txEl>
+                                              <p:pRg st="4" end="4"/>
                                             </p:txEl>
                                           </p:spTgt>
                                         </p:tgtEl>
@@ -7763,32 +7611,31 @@
                     </p:cTn>
                   </p:par>
                   <p:par>
-                    <p:cTn id="19" fill="hold">
+                    <p:cTn id="30" fill="hold">
                       <p:stCondLst>
                         <p:cond delay="indefinite"/>
                       </p:stCondLst>
                       <p:childTnLst>
                         <p:par>
-                          <p:cTn id="20" fill="hold">
+                          <p:cTn id="31" fill="hold">
                             <p:stCondLst>
                               <p:cond delay="0"/>
                             </p:stCondLst>
                             <p:childTnLst>
                               <p:par>
-                                <p:cTn id="21" presetID="1" presetClass="entr" presetSubtype="0" fill="hold" nodeType="clickEffect">
+                                <p:cTn id="32" presetClass="entr" nodeType="clickEffect" presetSubtype="0" presetID="1" grpId="1" fill="hold">
                                   <p:stCondLst>
                                     <p:cond delay="0"/>
                                   </p:stCondLst>
+                                  <p:iterate type="el" backwards="0">
+                                    <p:tmAbs val="0"/>
+                                  </p:iterate>
                                   <p:childTnLst>
                                     <p:set>
                                       <p:cBhvr>
-                                        <p:cTn id="22" dur="1" fill="hold">
-                                          <p:stCondLst>
-                                            <p:cond delay="0"/>
-                                          </p:stCondLst>
-                                        </p:cTn>
+                                        <p:cTn id="33" fill="hold"/>
                                         <p:tgtEl>
-                                          <p:spTgt spid="202">
+                                          <p:spTgt spid="204">
                                             <p:txEl>
                                               <p:pRg st="5" end="5"/>
                                             </p:txEl>
@@ -7805,21 +7652,29 @@
                                   </p:childTnLst>
                                 </p:cTn>
                               </p:par>
+                            </p:childTnLst>
+                          </p:cTn>
+                        </p:par>
+                        <p:par>
+                          <p:cTn id="34" fill="hold">
+                            <p:stCondLst>
+                              <p:cond delay="0"/>
+                            </p:stCondLst>
+                            <p:childTnLst>
                               <p:par>
-                                <p:cTn id="23" presetID="1" presetClass="entr" presetSubtype="0" fill="hold" nodeType="withEffect">
+                                <p:cTn id="35" presetClass="entr" nodeType="afterEffect" presetSubtype="0" presetID="1" grpId="1" fill="hold">
                                   <p:stCondLst>
                                     <p:cond delay="0"/>
                                   </p:stCondLst>
+                                  <p:iterate type="el" backwards="0">
+                                    <p:tmAbs val="0"/>
+                                  </p:iterate>
                                   <p:childTnLst>
                                     <p:set>
                                       <p:cBhvr>
-                                        <p:cTn id="24" dur="1" fill="hold">
-                                          <p:stCondLst>
-                                            <p:cond delay="0"/>
-                                          </p:stCondLst>
-                                        </p:cTn>
+                                        <p:cTn id="36" fill="hold"/>
                                         <p:tgtEl>
-                                          <p:spTgt spid="202">
+                                          <p:spTgt spid="204">
                                             <p:txEl>
                                               <p:pRg st="6" end="6"/>
                                             </p:txEl>
@@ -7836,21 +7691,29 @@
                                   </p:childTnLst>
                                 </p:cTn>
                               </p:par>
+                            </p:childTnLst>
+                          </p:cTn>
+                        </p:par>
+                        <p:par>
+                          <p:cTn id="37" fill="hold">
+                            <p:stCondLst>
+                              <p:cond delay="0"/>
+                            </p:stCondLst>
+                            <p:childTnLst>
                               <p:par>
-                                <p:cTn id="25" presetID="1" presetClass="entr" presetSubtype="0" fill="hold" nodeType="withEffect">
+                                <p:cTn id="38" presetClass="entr" nodeType="afterEffect" presetSubtype="0" presetID="1" grpId="1" fill="hold">
                                   <p:stCondLst>
                                     <p:cond delay="0"/>
                                   </p:stCondLst>
+                                  <p:iterate type="el" backwards="0">
+                                    <p:tmAbs val="0"/>
+                                  </p:iterate>
                                   <p:childTnLst>
                                     <p:set>
                                       <p:cBhvr>
-                                        <p:cTn id="26" dur="1" fill="hold">
-                                          <p:stCondLst>
-                                            <p:cond delay="0"/>
-                                          </p:stCondLst>
-                                        </p:cTn>
+                                        <p:cTn id="39" fill="hold"/>
                                         <p:tgtEl>
-                                          <p:spTgt spid="202">
+                                          <p:spTgt spid="204">
                                             <p:txEl>
                                               <p:pRg st="7" end="7"/>
                                             </p:txEl>
@@ -7867,21 +7730,29 @@
                                   </p:childTnLst>
                                 </p:cTn>
                               </p:par>
+                            </p:childTnLst>
+                          </p:cTn>
+                        </p:par>
+                        <p:par>
+                          <p:cTn id="40" fill="hold">
+                            <p:stCondLst>
+                              <p:cond delay="0"/>
+                            </p:stCondLst>
+                            <p:childTnLst>
                               <p:par>
-                                <p:cTn id="27" presetID="1" presetClass="entr" presetSubtype="0" fill="hold" nodeType="withEffect">
+                                <p:cTn id="41" presetClass="entr" nodeType="afterEffect" presetSubtype="0" presetID="1" grpId="5" fill="hold">
                                   <p:stCondLst>
                                     <p:cond delay="0"/>
                                   </p:stCondLst>
+                                  <p:iterate type="el" backwards="0">
+                                    <p:tmAbs val="0"/>
+                                  </p:iterate>
                                   <p:childTnLst>
                                     <p:set>
                                       <p:cBhvr>
-                                        <p:cTn id="28" dur="1" fill="hold">
-                                          <p:stCondLst>
-                                            <p:cond delay="0"/>
-                                          </p:stCondLst>
-                                        </p:cTn>
+                                        <p:cTn id="42" fill="hold"/>
                                         <p:tgtEl>
-                                          <p:spTgt spid="13"/>
+                                          <p:spTgt spid="211"/>
                                         </p:tgtEl>
                                         <p:attrNameLst>
                                           <p:attrName>style.visibility</p:attrName>
@@ -7894,21 +7765,29 @@
                                   </p:childTnLst>
                                 </p:cTn>
                               </p:par>
+                            </p:childTnLst>
+                          </p:cTn>
+                        </p:par>
+                        <p:par>
+                          <p:cTn id="43" fill="hold">
+                            <p:stCondLst>
+                              <p:cond delay="0"/>
+                            </p:stCondLst>
+                            <p:childTnLst>
                               <p:par>
-                                <p:cTn id="29" presetID="1" presetClass="entr" presetSubtype="0" fill="hold" nodeType="withEffect">
+                                <p:cTn id="44" presetClass="entr" nodeType="afterEffect" presetSubtype="0" presetID="1" grpId="6" fill="hold">
                                   <p:stCondLst>
                                     <p:cond delay="0"/>
                                   </p:stCondLst>
+                                  <p:iterate type="el" backwards="0">
+                                    <p:tmAbs val="0"/>
+                                  </p:iterate>
                                   <p:childTnLst>
                                     <p:set>
                                       <p:cBhvr>
-                                        <p:cTn id="30" dur="1" fill="hold">
-                                          <p:stCondLst>
-                                            <p:cond delay="0"/>
-                                          </p:stCondLst>
-                                        </p:cTn>
+                                        <p:cTn id="45" fill="hold"/>
                                         <p:tgtEl>
-                                          <p:spTgt spid="9"/>
+                                          <p:spTgt spid="209"/>
                                         </p:tgtEl>
                                         <p:attrNameLst>
                                           <p:attrName>style.visibility</p:attrName>
@@ -7921,21 +7800,29 @@
                                   </p:childTnLst>
                                 </p:cTn>
                               </p:par>
+                            </p:childTnLst>
+                          </p:cTn>
+                        </p:par>
+                        <p:par>
+                          <p:cTn id="46" fill="hold">
+                            <p:stCondLst>
+                              <p:cond delay="0"/>
+                            </p:stCondLst>
+                            <p:childTnLst>
                               <p:par>
-                                <p:cTn id="31" presetID="1" presetClass="entr" presetSubtype="0" fill="hold" nodeType="withEffect">
+                                <p:cTn id="47" presetClass="entr" nodeType="afterEffect" presetSubtype="0" presetID="1" grpId="7" fill="hold">
                                   <p:stCondLst>
                                     <p:cond delay="0"/>
                                   </p:stCondLst>
+                                  <p:iterate type="el" backwards="0">
+                                    <p:tmAbs val="0"/>
+                                  </p:iterate>
                                   <p:childTnLst>
                                     <p:set>
                                       <p:cBhvr>
-                                        <p:cTn id="32" dur="1" fill="hold">
-                                          <p:stCondLst>
-                                            <p:cond delay="0"/>
-                                          </p:stCondLst>
-                                        </p:cTn>
+                                        <p:cTn id="48" fill="hold"/>
                                         <p:tgtEl>
-                                          <p:spTgt spid="15"/>
+                                          <p:spTgt spid="212"/>
                                         </p:tgtEl>
                                         <p:attrNameLst>
                                           <p:attrName>style.visibility</p:attrName>
@@ -7948,21 +7835,29 @@
                                   </p:childTnLst>
                                 </p:cTn>
                               </p:par>
+                            </p:childTnLst>
+                          </p:cTn>
+                        </p:par>
+                        <p:par>
+                          <p:cTn id="49" fill="hold">
+                            <p:stCondLst>
+                              <p:cond delay="0"/>
+                            </p:stCondLst>
+                            <p:childTnLst>
                               <p:par>
-                                <p:cTn id="33" presetID="1" presetClass="entr" presetSubtype="0" fill="hold" nodeType="withEffect">
+                                <p:cTn id="50" presetClass="entr" nodeType="afterEffect" presetSubtype="0" presetID="1" grpId="1" fill="hold">
                                   <p:stCondLst>
                                     <p:cond delay="0"/>
                                   </p:stCondLst>
+                                  <p:iterate type="el" backwards="0">
+                                    <p:tmAbs val="0"/>
+                                  </p:iterate>
                                   <p:childTnLst>
                                     <p:set>
                                       <p:cBhvr>
-                                        <p:cTn id="34" dur="1" fill="hold">
-                                          <p:stCondLst>
-                                            <p:cond delay="0"/>
-                                          </p:stCondLst>
-                                        </p:cTn>
+                                        <p:cTn id="51" fill="hold"/>
                                         <p:tgtEl>
-                                          <p:spTgt spid="202">
+                                          <p:spTgt spid="204">
                                             <p:txEl>
                                               <p:pRg st="8" end="8"/>
                                             </p:txEl>
@@ -7979,23 +7874,70 @@
                                   </p:childTnLst>
                                 </p:cTn>
                               </p:par>
+                            </p:childTnLst>
+                          </p:cTn>
+                        </p:par>
+                        <p:par>
+                          <p:cTn id="52" fill="hold">
+                            <p:stCondLst>
+                              <p:cond delay="0"/>
+                            </p:stCondLst>
+                            <p:childTnLst>
                               <p:par>
-                                <p:cTn id="35" presetID="1" presetClass="entr" presetSubtype="0" fill="hold" nodeType="withEffect">
+                                <p:cTn id="53" presetClass="entr" nodeType="afterEffect" presetSubtype="0" presetID="1" grpId="1" fill="hold">
                                   <p:stCondLst>
                                     <p:cond delay="0"/>
                                   </p:stCondLst>
+                                  <p:iterate type="el" backwards="0">
+                                    <p:tmAbs val="0"/>
+                                  </p:iterate>
                                   <p:childTnLst>
                                     <p:set>
                                       <p:cBhvr>
-                                        <p:cTn id="36" dur="1" fill="hold">
-                                          <p:stCondLst>
-                                            <p:cond delay="0"/>
-                                          </p:stCondLst>
-                                        </p:cTn>
+                                        <p:cTn id="54" fill="hold"/>
                                         <p:tgtEl>
-                                          <p:spTgt spid="202">
+                                          <p:spTgt spid="204">
                                             <p:txEl>
                                               <p:pRg st="9" end="9"/>
+                                            </p:txEl>
+                                          </p:spTgt>
+                                        </p:tgtEl>
+                                        <p:attrNameLst>
+                                          <p:attrName>style.visibility</p:attrName>
+                                        </p:attrNameLst>
+                                      </p:cBhvr>
+                                      <p:to>
+                                        <p:strVal val="visible"/>
+                                      </p:to>
+                                    </p:set>
+                                  </p:childTnLst>
+                                </p:cTn>
+                              </p:par>
+                            </p:childTnLst>
+                          </p:cTn>
+                        </p:par>
+                        <p:par>
+                          <p:cTn id="55" fill="hold">
+                            <p:stCondLst>
+                              <p:cond delay="0"/>
+                            </p:stCondLst>
+                            <p:childTnLst>
+                              <p:par>
+                                <p:cTn id="56" presetClass="entr" nodeType="afterEffect" presetSubtype="0" presetID="1" grpId="1" fill="hold">
+                                  <p:stCondLst>
+                                    <p:cond delay="0"/>
+                                  </p:stCondLst>
+                                  <p:iterate type="el" backwards="0">
+                                    <p:tmAbs val="0"/>
+                                  </p:iterate>
+                                  <p:childTnLst>
+                                    <p:set>
+                                      <p:cBhvr>
+                                        <p:cTn id="57" fill="hold"/>
+                                        <p:tgtEl>
+                                          <p:spTgt spid="204">
+                                            <p:txEl>
+                                              <p:pRg st="10" end="10"/>
                                             </p:txEl>
                                           </p:spTgt>
                                         </p:tgtEl>
@@ -8017,32 +7959,31 @@
                     </p:cTn>
                   </p:par>
                   <p:par>
-                    <p:cTn id="37" fill="hold">
+                    <p:cTn id="58" fill="hold">
                       <p:stCondLst>
                         <p:cond delay="indefinite"/>
                       </p:stCondLst>
                       <p:childTnLst>
                         <p:par>
-                          <p:cTn id="38" fill="hold">
+                          <p:cTn id="59" fill="hold">
                             <p:stCondLst>
                               <p:cond delay="0"/>
                             </p:stCondLst>
                             <p:childTnLst>
                               <p:par>
-                                <p:cTn id="39" presetID="1" presetClass="entr" presetSubtype="0" fill="hold" nodeType="clickEffect">
+                                <p:cTn id="60" presetClass="entr" nodeType="clickEffect" presetSubtype="0" presetID="1" grpId="1" fill="hold">
                                   <p:stCondLst>
                                     <p:cond delay="0"/>
                                   </p:stCondLst>
+                                  <p:iterate type="el" backwards="0">
+                                    <p:tmAbs val="0"/>
+                                  </p:iterate>
                                   <p:childTnLst>
                                     <p:set>
                                       <p:cBhvr>
-                                        <p:cTn id="40" dur="1" fill="hold">
-                                          <p:stCondLst>
-                                            <p:cond delay="0"/>
-                                          </p:stCondLst>
-                                        </p:cTn>
+                                        <p:cTn id="61" fill="hold"/>
                                         <p:tgtEl>
-                                          <p:spTgt spid="202">
+                                          <p:spTgt spid="204">
                                             <p:txEl>
                                               <p:pRg st="11" end="11"/>
                                             </p:txEl>
@@ -8059,21 +8000,29 @@
                                   </p:childTnLst>
                                 </p:cTn>
                               </p:par>
+                            </p:childTnLst>
+                          </p:cTn>
+                        </p:par>
+                        <p:par>
+                          <p:cTn id="62" fill="hold">
+                            <p:stCondLst>
+                              <p:cond delay="0"/>
+                            </p:stCondLst>
+                            <p:childTnLst>
                               <p:par>
-                                <p:cTn id="41" presetID="1" presetClass="entr" presetSubtype="0" fill="hold" nodeType="withEffect">
+                                <p:cTn id="63" presetClass="entr" nodeType="afterEffect" presetSubtype="0" presetID="1" grpId="1" fill="hold">
                                   <p:stCondLst>
                                     <p:cond delay="0"/>
                                   </p:stCondLst>
+                                  <p:iterate type="el" backwards="0">
+                                    <p:tmAbs val="0"/>
+                                  </p:iterate>
                                   <p:childTnLst>
                                     <p:set>
                                       <p:cBhvr>
-                                        <p:cTn id="42" dur="1" fill="hold">
-                                          <p:stCondLst>
-                                            <p:cond delay="0"/>
-                                          </p:stCondLst>
-                                        </p:cTn>
+                                        <p:cTn id="64" fill="hold"/>
                                         <p:tgtEl>
-                                          <p:spTgt spid="202">
+                                          <p:spTgt spid="204">
                                             <p:txEl>
                                               <p:pRg st="12" end="12"/>
                                             </p:txEl>
@@ -8090,21 +8039,29 @@
                                   </p:childTnLst>
                                 </p:cTn>
                               </p:par>
+                            </p:childTnLst>
+                          </p:cTn>
+                        </p:par>
+                        <p:par>
+                          <p:cTn id="65" fill="hold">
+                            <p:stCondLst>
+                              <p:cond delay="0"/>
+                            </p:stCondLst>
+                            <p:childTnLst>
                               <p:par>
-                                <p:cTn id="43" presetID="1" presetClass="entr" presetSubtype="0" fill="hold" nodeType="withEffect">
+                                <p:cTn id="66" presetClass="entr" nodeType="afterEffect" presetSubtype="0" presetID="1" grpId="1" fill="hold">
                                   <p:stCondLst>
                                     <p:cond delay="0"/>
                                   </p:stCondLst>
+                                  <p:iterate type="el" backwards="0">
+                                    <p:tmAbs val="0"/>
+                                  </p:iterate>
                                   <p:childTnLst>
                                     <p:set>
                                       <p:cBhvr>
-                                        <p:cTn id="44" dur="1" fill="hold">
-                                          <p:stCondLst>
-                                            <p:cond delay="0"/>
-                                          </p:stCondLst>
-                                        </p:cTn>
+                                        <p:cTn id="67" fill="hold"/>
                                         <p:tgtEl>
-                                          <p:spTgt spid="202">
+                                          <p:spTgt spid="204">
                                             <p:txEl>
                                               <p:pRg st="13" end="13"/>
                                             </p:txEl>
@@ -8121,21 +8078,29 @@
                                   </p:childTnLst>
                                 </p:cTn>
                               </p:par>
+                            </p:childTnLst>
+                          </p:cTn>
+                        </p:par>
+                        <p:par>
+                          <p:cTn id="68" fill="hold">
+                            <p:stCondLst>
+                              <p:cond delay="0"/>
+                            </p:stCondLst>
+                            <p:childTnLst>
                               <p:par>
-                                <p:cTn id="45" presetID="1" presetClass="entr" presetSubtype="0" fill="hold" nodeType="withEffect">
+                                <p:cTn id="69" presetClass="entr" nodeType="afterEffect" presetSubtype="0" presetID="1" grpId="1" fill="hold">
                                   <p:stCondLst>
                                     <p:cond delay="0"/>
                                   </p:stCondLst>
+                                  <p:iterate type="el" backwards="0">
+                                    <p:tmAbs val="0"/>
+                                  </p:iterate>
                                   <p:childTnLst>
                                     <p:set>
                                       <p:cBhvr>
-                                        <p:cTn id="46" dur="1" fill="hold">
-                                          <p:stCondLst>
-                                            <p:cond delay="0"/>
-                                          </p:stCondLst>
-                                        </p:cTn>
+                                        <p:cTn id="70" fill="hold"/>
                                         <p:tgtEl>
-                                          <p:spTgt spid="202">
+                                          <p:spTgt spid="204">
                                             <p:txEl>
                                               <p:pRg st="14" end="14"/>
                                             </p:txEl>
@@ -8152,21 +8117,29 @@
                                   </p:childTnLst>
                                 </p:cTn>
                               </p:par>
+                            </p:childTnLst>
+                          </p:cTn>
+                        </p:par>
+                        <p:par>
+                          <p:cTn id="71" fill="hold">
+                            <p:stCondLst>
+                              <p:cond delay="0"/>
+                            </p:stCondLst>
+                            <p:childTnLst>
                               <p:par>
-                                <p:cTn id="47" presetID="1" presetClass="entr" presetSubtype="0" fill="hold" nodeType="withEffect">
+                                <p:cTn id="72" presetClass="entr" nodeType="afterEffect" presetSubtype="0" presetID="1" grpId="8" fill="hold">
                                   <p:stCondLst>
                                     <p:cond delay="0"/>
                                   </p:stCondLst>
+                                  <p:iterate type="el" backwards="0">
+                                    <p:tmAbs val="0"/>
+                                  </p:iterate>
                                   <p:childTnLst>
                                     <p:set>
                                       <p:cBhvr>
-                                        <p:cTn id="48" dur="1" fill="hold">
-                                          <p:stCondLst>
-                                            <p:cond delay="0"/>
-                                          </p:stCondLst>
-                                        </p:cTn>
+                                        <p:cTn id="73" fill="hold"/>
                                         <p:tgtEl>
-                                          <p:spTgt spid="17"/>
+                                          <p:spTgt spid="213"/>
                                         </p:tgtEl>
                                         <p:attrNameLst>
                                           <p:attrName>style.visibility</p:attrName>
@@ -8179,21 +8152,29 @@
                                   </p:childTnLst>
                                 </p:cTn>
                               </p:par>
+                            </p:childTnLst>
+                          </p:cTn>
+                        </p:par>
+                        <p:par>
+                          <p:cTn id="74" fill="hold">
+                            <p:stCondLst>
+                              <p:cond delay="0"/>
+                            </p:stCondLst>
+                            <p:childTnLst>
                               <p:par>
-                                <p:cTn id="49" presetID="1" presetClass="entr" presetSubtype="0" fill="hold" nodeType="withEffect">
+                                <p:cTn id="75" presetClass="entr" nodeType="afterEffect" presetSubtype="0" presetID="1" grpId="9" fill="hold">
                                   <p:stCondLst>
                                     <p:cond delay="0"/>
                                   </p:stCondLst>
+                                  <p:iterate type="el" backwards="0">
+                                    <p:tmAbs val="0"/>
+                                  </p:iterate>
                                   <p:childTnLst>
                                     <p:set>
                                       <p:cBhvr>
-                                        <p:cTn id="50" dur="1" fill="hold">
-                                          <p:stCondLst>
-                                            <p:cond delay="0"/>
-                                          </p:stCondLst>
-                                        </p:cTn>
+                                        <p:cTn id="76" fill="hold"/>
                                         <p:tgtEl>
-                                          <p:spTgt spid="5"/>
+                                          <p:spTgt spid="207"/>
                                         </p:tgtEl>
                                         <p:attrNameLst>
                                           <p:attrName>style.visibility</p:attrName>
@@ -8206,21 +8187,317 @@
                                   </p:childTnLst>
                                 </p:cTn>
                               </p:par>
+                            </p:childTnLst>
+                          </p:cTn>
+                        </p:par>
+                        <p:par>
+                          <p:cTn id="77" fill="hold">
+                            <p:stCondLst>
+                              <p:cond delay="0"/>
+                            </p:stCondLst>
+                            <p:childTnLst>
                               <p:par>
-                                <p:cTn id="51" presetID="1" presetClass="entr" presetSubtype="0" fill="hold" nodeType="withEffect">
+                                <p:cTn id="78" presetClass="entr" nodeType="afterEffect" presetSubtype="0" presetID="1" grpId="10" fill="hold">
                                   <p:stCondLst>
                                     <p:cond delay="0"/>
                                   </p:stCondLst>
+                                  <p:iterate type="el" backwards="0">
+                                    <p:tmAbs val="0"/>
+                                  </p:iterate>
                                   <p:childTnLst>
                                     <p:set>
                                       <p:cBhvr>
-                                        <p:cTn id="52" dur="1" fill="hold">
-                                          <p:stCondLst>
-                                            <p:cond delay="0"/>
-                                          </p:stCondLst>
-                                        </p:cTn>
+                                        <p:cTn id="79" fill="hold"/>
                                         <p:tgtEl>
-                                          <p:spTgt spid="19"/>
+                                          <p:spTgt spid="214"/>
+                                        </p:tgtEl>
+                                        <p:attrNameLst>
+                                          <p:attrName>style.visibility</p:attrName>
+                                        </p:attrNameLst>
+                                      </p:cBhvr>
+                                      <p:to>
+                                        <p:strVal val="visible"/>
+                                      </p:to>
+                                    </p:set>
+                                  </p:childTnLst>
+                                </p:cTn>
+                              </p:par>
+                            </p:childTnLst>
+                          </p:cTn>
+                        </p:par>
+                      </p:childTnLst>
+                    </p:cTn>
+                  </p:par>
+                  <p:par>
+                    <p:cTn id="80" fill="hold">
+                      <p:stCondLst>
+                        <p:cond delay="indefinite"/>
+                      </p:stCondLst>
+                      <p:childTnLst>
+                        <p:par>
+                          <p:cTn id="81" fill="hold">
+                            <p:stCondLst>
+                              <p:cond delay="0"/>
+                            </p:stCondLst>
+                            <p:childTnLst>
+                              <p:par>
+                                <p:cTn id="82" presetClass="entr" nodeType="clickEffect" presetSubtype="0" presetID="1" grpId="1" fill="hold">
+                                  <p:stCondLst>
+                                    <p:cond delay="0"/>
+                                  </p:stCondLst>
+                                  <p:iterate type="el" backwards="0">
+                                    <p:tmAbs val="0"/>
+                                  </p:iterate>
+                                  <p:childTnLst>
+                                    <p:set>
+                                      <p:cBhvr>
+                                        <p:cTn id="83" fill="hold"/>
+                                        <p:tgtEl>
+                                          <p:spTgt spid="204">
+                                            <p:txEl>
+                                              <p:pRg st="15" end="15"/>
+                                            </p:txEl>
+                                          </p:spTgt>
+                                        </p:tgtEl>
+                                        <p:attrNameLst>
+                                          <p:attrName>style.visibility</p:attrName>
+                                        </p:attrNameLst>
+                                      </p:cBhvr>
+                                      <p:to>
+                                        <p:strVal val="visible"/>
+                                      </p:to>
+                                    </p:set>
+                                  </p:childTnLst>
+                                </p:cTn>
+                              </p:par>
+                            </p:childTnLst>
+                          </p:cTn>
+                        </p:par>
+                      </p:childTnLst>
+                    </p:cTn>
+                  </p:par>
+                  <p:par>
+                    <p:cTn id="84" fill="hold">
+                      <p:stCondLst>
+                        <p:cond delay="indefinite"/>
+                      </p:stCondLst>
+                      <p:childTnLst>
+                        <p:par>
+                          <p:cTn id="85" fill="hold">
+                            <p:stCondLst>
+                              <p:cond delay="0"/>
+                            </p:stCondLst>
+                            <p:childTnLst>
+                              <p:par>
+                                <p:cTn id="86" presetClass="entr" nodeType="clickEffect" presetSubtype="0" presetID="1" grpId="1" fill="hold">
+                                  <p:stCondLst>
+                                    <p:cond delay="0"/>
+                                  </p:stCondLst>
+                                  <p:iterate type="el" backwards="0">
+                                    <p:tmAbs val="0"/>
+                                  </p:iterate>
+                                  <p:childTnLst>
+                                    <p:set>
+                                      <p:cBhvr>
+                                        <p:cTn id="87" fill="hold"/>
+                                        <p:tgtEl>
+                                          <p:spTgt spid="204">
+                                            <p:txEl>
+                                              <p:pRg st="16" end="16"/>
+                                            </p:txEl>
+                                          </p:spTgt>
+                                        </p:tgtEl>
+                                        <p:attrNameLst>
+                                          <p:attrName>style.visibility</p:attrName>
+                                        </p:attrNameLst>
+                                      </p:cBhvr>
+                                      <p:to>
+                                        <p:strVal val="visible"/>
+                                      </p:to>
+                                    </p:set>
+                                  </p:childTnLst>
+                                </p:cTn>
+                              </p:par>
+                            </p:childTnLst>
+                          </p:cTn>
+                        </p:par>
+                      </p:childTnLst>
+                    </p:cTn>
+                  </p:par>
+                  <p:par>
+                    <p:cTn id="88" fill="hold">
+                      <p:stCondLst>
+                        <p:cond delay="indefinite"/>
+                      </p:stCondLst>
+                      <p:childTnLst>
+                        <p:par>
+                          <p:cTn id="89" fill="hold">
+                            <p:stCondLst>
+                              <p:cond delay="0"/>
+                            </p:stCondLst>
+                            <p:childTnLst>
+                              <p:par>
+                                <p:cTn id="90" presetClass="entr" nodeType="clickEffect" presetSubtype="0" presetID="1" grpId="1" fill="hold">
+                                  <p:stCondLst>
+                                    <p:cond delay="0"/>
+                                  </p:stCondLst>
+                                  <p:iterate type="el" backwards="0">
+                                    <p:tmAbs val="0"/>
+                                  </p:iterate>
+                                  <p:childTnLst>
+                                    <p:set>
+                                      <p:cBhvr>
+                                        <p:cTn id="91" fill="hold"/>
+                                        <p:tgtEl>
+                                          <p:spTgt spid="204">
+                                            <p:txEl>
+                                              <p:pRg st="17" end="17"/>
+                                            </p:txEl>
+                                          </p:spTgt>
+                                        </p:tgtEl>
+                                        <p:attrNameLst>
+                                          <p:attrName>style.visibility</p:attrName>
+                                        </p:attrNameLst>
+                                      </p:cBhvr>
+                                      <p:to>
+                                        <p:strVal val="visible"/>
+                                      </p:to>
+                                    </p:set>
+                                  </p:childTnLst>
+                                </p:cTn>
+                              </p:par>
+                            </p:childTnLst>
+                          </p:cTn>
+                        </p:par>
+                      </p:childTnLst>
+                    </p:cTn>
+                  </p:par>
+                  <p:par>
+                    <p:cTn id="92" fill="hold">
+                      <p:stCondLst>
+                        <p:cond delay="indefinite"/>
+                      </p:stCondLst>
+                      <p:childTnLst>
+                        <p:par>
+                          <p:cTn id="93" fill="hold">
+                            <p:stCondLst>
+                              <p:cond delay="0"/>
+                            </p:stCondLst>
+                            <p:childTnLst>
+                              <p:par>
+                                <p:cTn id="94" presetClass="entr" nodeType="clickEffect" presetSubtype="0" presetID="1" grpId="1" fill="hold">
+                                  <p:stCondLst>
+                                    <p:cond delay="0"/>
+                                  </p:stCondLst>
+                                  <p:iterate type="el" backwards="0">
+                                    <p:tmAbs val="0"/>
+                                  </p:iterate>
+                                  <p:childTnLst>
+                                    <p:set>
+                                      <p:cBhvr>
+                                        <p:cTn id="95" fill="hold"/>
+                                        <p:tgtEl>
+                                          <p:spTgt spid="204">
+                                            <p:txEl>
+                                              <p:pRg st="18" end="18"/>
+                                            </p:txEl>
+                                          </p:spTgt>
+                                        </p:tgtEl>
+                                        <p:attrNameLst>
+                                          <p:attrName>style.visibility</p:attrName>
+                                        </p:attrNameLst>
+                                      </p:cBhvr>
+                                      <p:to>
+                                        <p:strVal val="visible"/>
+                                      </p:to>
+                                    </p:set>
+                                  </p:childTnLst>
+                                </p:cTn>
+                              </p:par>
+                            </p:childTnLst>
+                          </p:cTn>
+                        </p:par>
+                      </p:childTnLst>
+                    </p:cTn>
+                  </p:par>
+                  <p:par>
+                    <p:cTn id="96" fill="hold">
+                      <p:stCondLst>
+                        <p:cond delay="indefinite"/>
+                      </p:stCondLst>
+                      <p:childTnLst>
+                        <p:par>
+                          <p:cTn id="97" fill="hold">
+                            <p:stCondLst>
+                              <p:cond delay="0"/>
+                            </p:stCondLst>
+                            <p:childTnLst>
+                              <p:par>
+                                <p:cTn id="98" presetClass="entr" nodeType="clickEffect" presetSubtype="0" presetID="1" grpId="1" fill="hold">
+                                  <p:stCondLst>
+                                    <p:cond delay="0"/>
+                                  </p:stCondLst>
+                                  <p:iterate type="el" backwards="0">
+                                    <p:tmAbs val="0"/>
+                                  </p:iterate>
+                                  <p:childTnLst>
+                                    <p:set>
+                                      <p:cBhvr>
+                                        <p:cTn id="99" fill="hold"/>
+                                        <p:tgtEl>
+                                          <p:spTgt spid="204">
+                                            <p:txEl>
+                                              <p:pRg st="19" end="19"/>
+                                            </p:txEl>
+                                          </p:spTgt>
+                                        </p:tgtEl>
+                                        <p:attrNameLst>
+                                          <p:attrName>style.visibility</p:attrName>
+                                        </p:attrNameLst>
+                                      </p:cBhvr>
+                                      <p:to>
+                                        <p:strVal val="visible"/>
+                                      </p:to>
+                                    </p:set>
+                                  </p:childTnLst>
+                                </p:cTn>
+                              </p:par>
+                            </p:childTnLst>
+                          </p:cTn>
+                        </p:par>
+                      </p:childTnLst>
+                    </p:cTn>
+                  </p:par>
+                  <p:par>
+                    <p:cTn id="100" fill="hold">
+                      <p:stCondLst>
+                        <p:cond delay="indefinite"/>
+                      </p:stCondLst>
+                      <p:childTnLst>
+                        <p:par>
+                          <p:cTn id="101" fill="hold">
+                            <p:stCondLst>
+                              <p:cond delay="0"/>
+                            </p:stCondLst>
+                            <p:childTnLst>
+                              <p:par>
+                                <p:cTn id="102" presetClass="entr" nodeType="clickEffect" presetSubtype="0" presetID="1" grpId="1" fill="hold">
+                                  <p:stCondLst>
+                                    <p:cond delay="0"/>
+                                  </p:stCondLst>
+                                  <p:iterate type="el" backwards="0">
+                                    <p:tmAbs val="0"/>
+                                  </p:iterate>
+                                  <p:childTnLst>
+                                    <p:set>
+                                      <p:cBhvr>
+                                        <p:cTn id="103" fill="hold"/>
+                                        <p:tgtEl>
+                                          <p:spTgt spid="204">
+                                            <p:txEl>
+                                              <p:pRg st="20" end="20"/>
+                                            </p:txEl>
+                                          </p:spTgt>
                                         </p:tgtEl>
                                         <p:attrNameLst>
                                           <p:attrName>style.visibility</p:attrName>
@@ -8242,14 +8519,14 @@
                 </p:childTnLst>
               </p:cTn>
               <p:prevCondLst>
-                <p:cond evt="onPrev" delay="0">
+                <p:cond evt="onPrev">
                   <p:tgtEl>
                     <p:sldTgt/>
                   </p:tgtEl>
                 </p:cond>
               </p:prevCondLst>
               <p:nextCondLst>
-                <p:cond evt="onNext" delay="0">
+                <p:cond evt="onNext">
                   <p:tgtEl>
                     <p:sldTgt/>
                   </p:tgtEl>
@@ -8260,12 +8537,24 @@
         </p:cTn>
       </p:par>
     </p:tnLst>
+    <p:bldLst>
+      <p:bldP build="whole" bldLvl="1" animBg="1" rev="0" advAuto="0" spid="213" grpId="8"/>
+      <p:bldP build="whole" bldLvl="1" animBg="1" rev="0" advAuto="0" spid="211" grpId="5"/>
+      <p:bldP build="whole" bldLvl="1" animBg="1" rev="0" advAuto="0" spid="209" grpId="6"/>
+      <p:bldP build="whole" bldLvl="1" animBg="1" rev="0" advAuto="0" spid="207" grpId="9"/>
+      <p:bldP build="whole" bldLvl="1" animBg="1" rev="0" advAuto="0" spid="214" grpId="10"/>
+      <p:bldP build="p" bldLvl="5" animBg="1" rev="0" advAuto="0" spid="204" grpId="1"/>
+      <p:bldP build="whole" bldLvl="1" animBg="1" rev="0" advAuto="0" spid="212" grpId="7"/>
+      <p:bldP build="whole" bldLvl="1" animBg="1" rev="0" advAuto="0" spid="208" grpId="3"/>
+      <p:bldP build="whole" bldLvl="1" animBg="1" rev="0" advAuto="0" spid="206" grpId="2"/>
+      <p:bldP build="whole" bldLvl="1" animBg="1" rev="0" advAuto="0" spid="210" grpId="4"/>
+    </p:bldLst>
   </p:timing>
 </p:sld>
 </file>
 
 <file path=ppt/theme/theme1.xml><?xml version="1.0" encoding="utf-8"?>
-<a:theme xmlns:a="http://schemas.openxmlformats.org/drawingml/2006/main" name="Office">
+<a:theme xmlns:a="http://schemas.openxmlformats.org/drawingml/2006/main" xmlns:r="http://schemas.openxmlformats.org/officeDocument/2006/relationships" name="Office">
   <a:themeElements>
     <a:clrScheme name="Office">
       <a:dk1>
@@ -8467,7 +8756,7 @@
         <a:effectLst/>
         <a:sp3d/>
       </a:spPr>
-      <a:bodyPr rot="0" spcFirstLastPara="1" vertOverflow="overflow" horzOverflow="overflow" vert="horz" wrap="square" lIns="45718" tIns="45718" rIns="45718" bIns="45718" numCol="1" spcCol="38100" rtlCol="0" anchor="ctr">
+      <a:bodyPr rot="0" spcFirstLastPara="1" vertOverflow="overflow" horzOverflow="overflow" vert="horz" wrap="square" lIns="45718" tIns="45718" rIns="45718" bIns="45718" numCol="1" spcCol="38100" rtlCol="0" anchor="ctr" upright="0">
         <a:spAutoFit/>
       </a:bodyPr>
       <a:lstStyle>
@@ -8486,7 +8775,7 @@
           <a:buFontTx/>
           <a:buNone/>
           <a:tabLst/>
-          <a:defRPr kumimoji="0" sz="1800" b="0" i="0" u="none" strike="noStrike" cap="none" spc="0" normalizeH="0" baseline="0">
+          <a:defRPr b="0" baseline="0" cap="none" i="0" spc="0" strike="noStrike" sz="1800" u="none" kumimoji="0" normalizeH="0">
             <a:ln>
               <a:noFill/>
             </a:ln>
@@ -8516,7 +8805,7 @@
           <a:buFontTx/>
           <a:buNone/>
           <a:tabLst/>
-          <a:defRPr kumimoji="0" sz="1800" b="0" i="0" u="none" strike="noStrike" cap="none" spc="0" normalizeH="0" baseline="0">
+          <a:defRPr b="0" baseline="0" cap="none" i="0" spc="0" strike="noStrike" sz="1800" u="none" kumimoji="0" normalizeH="0">
             <a:ln>
               <a:noFill/>
             </a:ln>
@@ -8542,7 +8831,7 @@
           <a:buFontTx/>
           <a:buNone/>
           <a:tabLst/>
-          <a:defRPr kumimoji="0" sz="1800" b="0" i="0" u="none" strike="noStrike" cap="none" spc="0" normalizeH="0" baseline="0">
+          <a:defRPr b="0" baseline="0" cap="none" i="0" spc="0" strike="noStrike" sz="1800" u="none" kumimoji="0" normalizeH="0">
             <a:ln>
               <a:noFill/>
             </a:ln>
@@ -8568,7 +8857,7 @@
           <a:buFontTx/>
           <a:buNone/>
           <a:tabLst/>
-          <a:defRPr kumimoji="0" sz="1800" b="0" i="0" u="none" strike="noStrike" cap="none" spc="0" normalizeH="0" baseline="0">
+          <a:defRPr b="0" baseline="0" cap="none" i="0" spc="0" strike="noStrike" sz="1800" u="none" kumimoji="0" normalizeH="0">
             <a:ln>
               <a:noFill/>
             </a:ln>
@@ -8594,7 +8883,7 @@
           <a:buFontTx/>
           <a:buNone/>
           <a:tabLst/>
-          <a:defRPr kumimoji="0" sz="1800" b="0" i="0" u="none" strike="noStrike" cap="none" spc="0" normalizeH="0" baseline="0">
+          <a:defRPr b="0" baseline="0" cap="none" i="0" spc="0" strike="noStrike" sz="1800" u="none" kumimoji="0" normalizeH="0">
             <a:ln>
               <a:noFill/>
             </a:ln>
@@ -8620,7 +8909,7 @@
           <a:buFontTx/>
           <a:buNone/>
           <a:tabLst/>
-          <a:defRPr kumimoji="0" sz="1800" b="0" i="0" u="none" strike="noStrike" cap="none" spc="0" normalizeH="0" baseline="0">
+          <a:defRPr b="0" baseline="0" cap="none" i="0" spc="0" strike="noStrike" sz="1800" u="none" kumimoji="0" normalizeH="0">
             <a:ln>
               <a:noFill/>
             </a:ln>
@@ -8646,7 +8935,7 @@
           <a:buFontTx/>
           <a:buNone/>
           <a:tabLst/>
-          <a:defRPr kumimoji="0" sz="1800" b="0" i="0" u="none" strike="noStrike" cap="none" spc="0" normalizeH="0" baseline="0">
+          <a:defRPr b="0" baseline="0" cap="none" i="0" spc="0" strike="noStrike" sz="1800" u="none" kumimoji="0" normalizeH="0">
             <a:ln>
               <a:noFill/>
             </a:ln>
@@ -8672,7 +8961,7 @@
           <a:buFontTx/>
           <a:buNone/>
           <a:tabLst/>
-          <a:defRPr kumimoji="0" sz="1800" b="0" i="0" u="none" strike="noStrike" cap="none" spc="0" normalizeH="0" baseline="0">
+          <a:defRPr b="0" baseline="0" cap="none" i="0" spc="0" strike="noStrike" sz="1800" u="none" kumimoji="0" normalizeH="0">
             <a:ln>
               <a:noFill/>
             </a:ln>
@@ -8698,7 +8987,7 @@
           <a:buFontTx/>
           <a:buNone/>
           <a:tabLst/>
-          <a:defRPr kumimoji="0" sz="1800" b="0" i="0" u="none" strike="noStrike" cap="none" spc="0" normalizeH="0" baseline="0">
+          <a:defRPr b="0" baseline="0" cap="none" i="0" spc="0" strike="noStrike" sz="1800" u="none" kumimoji="0" normalizeH="0">
             <a:ln>
               <a:noFill/>
             </a:ln>
@@ -8724,7 +9013,7 @@
           <a:buFontTx/>
           <a:buNone/>
           <a:tabLst/>
-          <a:defRPr kumimoji="0" sz="1800" b="0" i="0" u="none" strike="noStrike" cap="none" spc="0" normalizeH="0" baseline="0">
+          <a:defRPr b="0" baseline="0" cap="none" i="0" spc="0" strike="noStrike" sz="1800" u="none" kumimoji="0" normalizeH="0">
             <a:ln>
               <a:noFill/>
             </a:ln>
@@ -8737,15 +9026,9 @@
         </a:lvl9pPr>
       </a:lstStyle>
       <a:style>
-        <a:lnRef idx="0">
-          <a:scrgbClr r="0" g="0" b="0"/>
-        </a:lnRef>
-        <a:fillRef idx="0">
-          <a:scrgbClr r="0" g="0" b="0"/>
-        </a:fillRef>
-        <a:effectRef idx="0">
-          <a:scrgbClr r="0" g="0" b="0"/>
-        </a:effectRef>
+        <a:lnRef idx="0"/>
+        <a:fillRef idx="0"/>
+        <a:effectRef idx="0"/>
         <a:fontRef idx="none"/>
       </a:style>
     </a:spDef>
@@ -8762,7 +9045,7 @@
         <a:effectLst/>
         <a:sp3d/>
       </a:spPr>
-      <a:bodyPr rot="0" spcFirstLastPara="1" vertOverflow="overflow" horzOverflow="overflow" vert="horz" wrap="square" lIns="91439" tIns="45719" rIns="91439" bIns="45719" numCol="1" spcCol="38100" rtlCol="0" anchor="t">
+      <a:bodyPr rot="0" spcFirstLastPara="1" vertOverflow="overflow" horzOverflow="overflow" vert="horz" wrap="square" lIns="91439" tIns="45719" rIns="91439" bIns="45719" numCol="1" spcCol="38100" rtlCol="0" anchor="t" upright="0">
         <a:noAutofit/>
       </a:bodyPr>
       <a:lstStyle>
@@ -8781,7 +9064,7 @@
           <a:buFontTx/>
           <a:buNone/>
           <a:tabLst/>
-          <a:defRPr kumimoji="0" sz="1800" b="0" i="0" u="none" strike="noStrike" cap="none" spc="0" normalizeH="0" baseline="0">
+          <a:defRPr b="0" baseline="0" cap="none" i="0" spc="0" strike="noStrike" sz="1800" u="none" kumimoji="0" normalizeH="0">
             <a:ln>
               <a:noFill/>
             </a:ln>
@@ -8807,7 +9090,7 @@
           <a:buFontTx/>
           <a:buNone/>
           <a:tabLst/>
-          <a:defRPr kumimoji="0" sz="1800" b="0" i="0" u="none" strike="noStrike" cap="none" spc="0" normalizeH="0" baseline="0">
+          <a:defRPr b="0" baseline="0" cap="none" i="0" spc="0" strike="noStrike" sz="1800" u="none" kumimoji="0" normalizeH="0">
             <a:ln>
               <a:noFill/>
             </a:ln>
@@ -8833,7 +9116,7 @@
           <a:buFontTx/>
           <a:buNone/>
           <a:tabLst/>
-          <a:defRPr kumimoji="0" sz="1800" b="0" i="0" u="none" strike="noStrike" cap="none" spc="0" normalizeH="0" baseline="0">
+          <a:defRPr b="0" baseline="0" cap="none" i="0" spc="0" strike="noStrike" sz="1800" u="none" kumimoji="0" normalizeH="0">
             <a:ln>
               <a:noFill/>
             </a:ln>
@@ -8859,7 +9142,7 @@
           <a:buFontTx/>
           <a:buNone/>
           <a:tabLst/>
-          <a:defRPr kumimoji="0" sz="1800" b="0" i="0" u="none" strike="noStrike" cap="none" spc="0" normalizeH="0" baseline="0">
+          <a:defRPr b="0" baseline="0" cap="none" i="0" spc="0" strike="noStrike" sz="1800" u="none" kumimoji="0" normalizeH="0">
             <a:ln>
               <a:noFill/>
             </a:ln>
@@ -8885,7 +9168,7 @@
           <a:buFontTx/>
           <a:buNone/>
           <a:tabLst/>
-          <a:defRPr kumimoji="0" sz="1800" b="0" i="0" u="none" strike="noStrike" cap="none" spc="0" normalizeH="0" baseline="0">
+          <a:defRPr b="0" baseline="0" cap="none" i="0" spc="0" strike="noStrike" sz="1800" u="none" kumimoji="0" normalizeH="0">
             <a:ln>
               <a:noFill/>
             </a:ln>
@@ -8911,7 +9194,7 @@
           <a:buFontTx/>
           <a:buNone/>
           <a:tabLst/>
-          <a:defRPr kumimoji="0" sz="1800" b="0" i="0" u="none" strike="noStrike" cap="none" spc="0" normalizeH="0" baseline="0">
+          <a:defRPr b="0" baseline="0" cap="none" i="0" spc="0" strike="noStrike" sz="1800" u="none" kumimoji="0" normalizeH="0">
             <a:ln>
               <a:noFill/>
             </a:ln>
@@ -8937,7 +9220,7 @@
           <a:buFontTx/>
           <a:buNone/>
           <a:tabLst/>
-          <a:defRPr kumimoji="0" sz="1800" b="0" i="0" u="none" strike="noStrike" cap="none" spc="0" normalizeH="0" baseline="0">
+          <a:defRPr b="0" baseline="0" cap="none" i="0" spc="0" strike="noStrike" sz="1800" u="none" kumimoji="0" normalizeH="0">
             <a:ln>
               <a:noFill/>
             </a:ln>
@@ -8963,7 +9246,7 @@
           <a:buFontTx/>
           <a:buNone/>
           <a:tabLst/>
-          <a:defRPr kumimoji="0" sz="1800" b="0" i="0" u="none" strike="noStrike" cap="none" spc="0" normalizeH="0" baseline="0">
+          <a:defRPr b="0" baseline="0" cap="none" i="0" spc="0" strike="noStrike" sz="1800" u="none" kumimoji="0" normalizeH="0">
             <a:ln>
               <a:noFill/>
             </a:ln>
@@ -8989,7 +9272,7 @@
           <a:buFontTx/>
           <a:buNone/>
           <a:tabLst/>
-          <a:defRPr kumimoji="0" sz="1800" b="0" i="0" u="none" strike="noStrike" cap="none" spc="0" normalizeH="0" baseline="0">
+          <a:defRPr b="0" baseline="0" cap="none" i="0" spc="0" strike="noStrike" sz="1800" u="none" kumimoji="0" normalizeH="0">
             <a:ln>
               <a:noFill/>
             </a:ln>
@@ -9015,7 +9298,7 @@
           <a:buFontTx/>
           <a:buNone/>
           <a:tabLst/>
-          <a:defRPr kumimoji="0" sz="1800" b="0" i="0" u="none" strike="noStrike" cap="none" spc="0" normalizeH="0" baseline="0">
+          <a:defRPr b="0" baseline="0" cap="none" i="0" spc="0" strike="noStrike" sz="1800" u="none" kumimoji="0" normalizeH="0">
             <a:ln>
               <a:noFill/>
             </a:ln>
@@ -9028,15 +9311,9 @@
         </a:lvl9pPr>
       </a:lstStyle>
       <a:style>
-        <a:lnRef idx="0">
-          <a:scrgbClr r="0" g="0" b="0"/>
-        </a:lnRef>
-        <a:fillRef idx="0">
-          <a:scrgbClr r="0" g="0" b="0"/>
-        </a:fillRef>
-        <a:effectRef idx="0">
-          <a:scrgbClr r="0" g="0" b="0"/>
-        </a:effectRef>
+        <a:lnRef idx="0"/>
+        <a:fillRef idx="0"/>
+        <a:effectRef idx="0"/>
         <a:fontRef idx="none"/>
       </a:style>
     </a:lnDef>
@@ -9050,7 +9327,7 @@
         <a:effectLst/>
         <a:sp3d/>
       </a:spPr>
-      <a:bodyPr rot="0" spcFirstLastPara="1" vertOverflow="overflow" horzOverflow="overflow" vert="horz" wrap="square" lIns="45718" tIns="45718" rIns="45718" bIns="45718" numCol="1" spcCol="38100" rtlCol="0" anchor="t">
+      <a:bodyPr rot="0" spcFirstLastPara="1" vertOverflow="overflow" horzOverflow="overflow" vert="horz" wrap="square" lIns="45718" tIns="45718" rIns="45718" bIns="45718" numCol="1" spcCol="38100" rtlCol="0" anchor="t" upright="0">
         <a:spAutoFit/>
       </a:bodyPr>
       <a:lstStyle>
@@ -9069,7 +9346,7 @@
           <a:buFontTx/>
           <a:buNone/>
           <a:tabLst/>
-          <a:defRPr kumimoji="0" sz="1800" b="0" i="0" u="none" strike="noStrike" cap="none" spc="0" normalizeH="0" baseline="0">
+          <a:defRPr b="0" baseline="0" cap="none" i="0" spc="0" strike="noStrike" sz="1800" u="none" kumimoji="0" normalizeH="0">
             <a:ln>
               <a:noFill/>
             </a:ln>
@@ -9099,7 +9376,7 @@
           <a:buFontTx/>
           <a:buNone/>
           <a:tabLst/>
-          <a:defRPr kumimoji="0" sz="1800" b="0" i="0" u="none" strike="noStrike" cap="none" spc="0" normalizeH="0" baseline="0">
+          <a:defRPr b="0" baseline="0" cap="none" i="0" spc="0" strike="noStrike" sz="1800" u="none" kumimoji="0" normalizeH="0">
             <a:ln>
               <a:noFill/>
             </a:ln>
@@ -9125,7 +9402,7 @@
           <a:buFontTx/>
           <a:buNone/>
           <a:tabLst/>
-          <a:defRPr kumimoji="0" sz="1800" b="0" i="0" u="none" strike="noStrike" cap="none" spc="0" normalizeH="0" baseline="0">
+          <a:defRPr b="0" baseline="0" cap="none" i="0" spc="0" strike="noStrike" sz="1800" u="none" kumimoji="0" normalizeH="0">
             <a:ln>
               <a:noFill/>
             </a:ln>
@@ -9151,7 +9428,7 @@
           <a:buFontTx/>
           <a:buNone/>
           <a:tabLst/>
-          <a:defRPr kumimoji="0" sz="1800" b="0" i="0" u="none" strike="noStrike" cap="none" spc="0" normalizeH="0" baseline="0">
+          <a:defRPr b="0" baseline="0" cap="none" i="0" spc="0" strike="noStrike" sz="1800" u="none" kumimoji="0" normalizeH="0">
             <a:ln>
               <a:noFill/>
             </a:ln>
@@ -9177,7 +9454,7 @@
           <a:buFontTx/>
           <a:buNone/>
           <a:tabLst/>
-          <a:defRPr kumimoji="0" sz="1800" b="0" i="0" u="none" strike="noStrike" cap="none" spc="0" normalizeH="0" baseline="0">
+          <a:defRPr b="0" baseline="0" cap="none" i="0" spc="0" strike="noStrike" sz="1800" u="none" kumimoji="0" normalizeH="0">
             <a:ln>
               <a:noFill/>
             </a:ln>
@@ -9203,7 +9480,7 @@
           <a:buFontTx/>
           <a:buNone/>
           <a:tabLst/>
-          <a:defRPr kumimoji="0" sz="1800" b="0" i="0" u="none" strike="noStrike" cap="none" spc="0" normalizeH="0" baseline="0">
+          <a:defRPr b="0" baseline="0" cap="none" i="0" spc="0" strike="noStrike" sz="1800" u="none" kumimoji="0" normalizeH="0">
             <a:ln>
               <a:noFill/>
             </a:ln>
@@ -9229,7 +9506,7 @@
           <a:buFontTx/>
           <a:buNone/>
           <a:tabLst/>
-          <a:defRPr kumimoji="0" sz="1800" b="0" i="0" u="none" strike="noStrike" cap="none" spc="0" normalizeH="0" baseline="0">
+          <a:defRPr b="0" baseline="0" cap="none" i="0" spc="0" strike="noStrike" sz="1800" u="none" kumimoji="0" normalizeH="0">
             <a:ln>
               <a:noFill/>
             </a:ln>
@@ -9255,7 +9532,7 @@
           <a:buFontTx/>
           <a:buNone/>
           <a:tabLst/>
-          <a:defRPr kumimoji="0" sz="1800" b="0" i="0" u="none" strike="noStrike" cap="none" spc="0" normalizeH="0" baseline="0">
+          <a:defRPr b="0" baseline="0" cap="none" i="0" spc="0" strike="noStrike" sz="1800" u="none" kumimoji="0" normalizeH="0">
             <a:ln>
               <a:noFill/>
             </a:ln>
@@ -9281,7 +9558,7 @@
           <a:buFontTx/>
           <a:buNone/>
           <a:tabLst/>
-          <a:defRPr kumimoji="0" sz="1800" b="0" i="0" u="none" strike="noStrike" cap="none" spc="0" normalizeH="0" baseline="0">
+          <a:defRPr b="0" baseline="0" cap="none" i="0" spc="0" strike="noStrike" sz="1800" u="none" kumimoji="0" normalizeH="0">
             <a:ln>
               <a:noFill/>
             </a:ln>
@@ -9307,7 +9584,7 @@
           <a:buFontTx/>
           <a:buNone/>
           <a:tabLst/>
-          <a:defRPr kumimoji="0" sz="1800" b="0" i="0" u="none" strike="noStrike" cap="none" spc="0" normalizeH="0" baseline="0">
+          <a:defRPr b="0" baseline="0" cap="none" i="0" spc="0" strike="noStrike" sz="1800" u="none" kumimoji="0" normalizeH="0">
             <a:ln>
               <a:noFill/>
             </a:ln>
@@ -9320,25 +9597,18 @@
         </a:lvl9pPr>
       </a:lstStyle>
       <a:style>
-        <a:lnRef idx="0">
-          <a:scrgbClr r="0" g="0" b="0"/>
-        </a:lnRef>
-        <a:fillRef idx="0">
-          <a:scrgbClr r="0" g="0" b="0"/>
-        </a:fillRef>
-        <a:effectRef idx="0">
-          <a:scrgbClr r="0" g="0" b="0"/>
-        </a:effectRef>
+        <a:lnRef idx="0"/>
+        <a:fillRef idx="0"/>
+        <a:effectRef idx="0"/>
         <a:fontRef idx="none"/>
       </a:style>
     </a:txDef>
   </a:objectDefaults>
-  <a:extraClrSchemeLst/>
 </a:theme>
 </file>
 
 <file path=ppt/theme/theme2.xml><?xml version="1.0" encoding="utf-8"?>
-<a:theme xmlns:a="http://schemas.openxmlformats.org/drawingml/2006/main" name="Office">
+<a:theme xmlns:a="http://schemas.openxmlformats.org/drawingml/2006/main" xmlns:r="http://schemas.openxmlformats.org/officeDocument/2006/relationships" name="Office">
   <a:themeElements>
     <a:clrScheme name="Office">
       <a:dk1>
@@ -9540,7 +9810,7 @@
         <a:effectLst/>
         <a:sp3d/>
       </a:spPr>
-      <a:bodyPr rot="0" spcFirstLastPara="1" vertOverflow="overflow" horzOverflow="overflow" vert="horz" wrap="square" lIns="45718" tIns="45718" rIns="45718" bIns="45718" numCol="1" spcCol="38100" rtlCol="0" anchor="ctr">
+      <a:bodyPr rot="0" spcFirstLastPara="1" vertOverflow="overflow" horzOverflow="overflow" vert="horz" wrap="square" lIns="45718" tIns="45718" rIns="45718" bIns="45718" numCol="1" spcCol="38100" rtlCol="0" anchor="ctr" upright="0">
         <a:spAutoFit/>
       </a:bodyPr>
       <a:lstStyle>
@@ -9559,7 +9829,7 @@
           <a:buFontTx/>
           <a:buNone/>
           <a:tabLst/>
-          <a:defRPr kumimoji="0" sz="1800" b="0" i="0" u="none" strike="noStrike" cap="none" spc="0" normalizeH="0" baseline="0">
+          <a:defRPr b="0" baseline="0" cap="none" i="0" spc="0" strike="noStrike" sz="1800" u="none" kumimoji="0" normalizeH="0">
             <a:ln>
               <a:noFill/>
             </a:ln>
@@ -9589,7 +9859,7 @@
           <a:buFontTx/>
           <a:buNone/>
           <a:tabLst/>
-          <a:defRPr kumimoji="0" sz="1800" b="0" i="0" u="none" strike="noStrike" cap="none" spc="0" normalizeH="0" baseline="0">
+          <a:defRPr b="0" baseline="0" cap="none" i="0" spc="0" strike="noStrike" sz="1800" u="none" kumimoji="0" normalizeH="0">
             <a:ln>
               <a:noFill/>
             </a:ln>
@@ -9615,7 +9885,7 @@
           <a:buFontTx/>
           <a:buNone/>
           <a:tabLst/>
-          <a:defRPr kumimoji="0" sz="1800" b="0" i="0" u="none" strike="noStrike" cap="none" spc="0" normalizeH="0" baseline="0">
+          <a:defRPr b="0" baseline="0" cap="none" i="0" spc="0" strike="noStrike" sz="1800" u="none" kumimoji="0" normalizeH="0">
             <a:ln>
               <a:noFill/>
             </a:ln>
@@ -9641,7 +9911,7 @@
           <a:buFontTx/>
           <a:buNone/>
           <a:tabLst/>
-          <a:defRPr kumimoji="0" sz="1800" b="0" i="0" u="none" strike="noStrike" cap="none" spc="0" normalizeH="0" baseline="0">
+          <a:defRPr b="0" baseline="0" cap="none" i="0" spc="0" strike="noStrike" sz="1800" u="none" kumimoji="0" normalizeH="0">
             <a:ln>
               <a:noFill/>
             </a:ln>
@@ -9667,7 +9937,7 @@
           <a:buFontTx/>
           <a:buNone/>
           <a:tabLst/>
-          <a:defRPr kumimoji="0" sz="1800" b="0" i="0" u="none" strike="noStrike" cap="none" spc="0" normalizeH="0" baseline="0">
+          <a:defRPr b="0" baseline="0" cap="none" i="0" spc="0" strike="noStrike" sz="1800" u="none" kumimoji="0" normalizeH="0">
             <a:ln>
               <a:noFill/>
             </a:ln>
@@ -9693,7 +9963,7 @@
           <a:buFontTx/>
           <a:buNone/>
           <a:tabLst/>
-          <a:defRPr kumimoji="0" sz="1800" b="0" i="0" u="none" strike="noStrike" cap="none" spc="0" normalizeH="0" baseline="0">
+          <a:defRPr b="0" baseline="0" cap="none" i="0" spc="0" strike="noStrike" sz="1800" u="none" kumimoji="0" normalizeH="0">
             <a:ln>
               <a:noFill/>
             </a:ln>
@@ -9719,7 +9989,7 @@
           <a:buFontTx/>
           <a:buNone/>
           <a:tabLst/>
-          <a:defRPr kumimoji="0" sz="1800" b="0" i="0" u="none" strike="noStrike" cap="none" spc="0" normalizeH="0" baseline="0">
+          <a:defRPr b="0" baseline="0" cap="none" i="0" spc="0" strike="noStrike" sz="1800" u="none" kumimoji="0" normalizeH="0">
             <a:ln>
               <a:noFill/>
             </a:ln>
@@ -9745,7 +10015,7 @@
           <a:buFontTx/>
           <a:buNone/>
           <a:tabLst/>
-          <a:defRPr kumimoji="0" sz="1800" b="0" i="0" u="none" strike="noStrike" cap="none" spc="0" normalizeH="0" baseline="0">
+          <a:defRPr b="0" baseline="0" cap="none" i="0" spc="0" strike="noStrike" sz="1800" u="none" kumimoji="0" normalizeH="0">
             <a:ln>
               <a:noFill/>
             </a:ln>
@@ -9771,7 +10041,7 @@
           <a:buFontTx/>
           <a:buNone/>
           <a:tabLst/>
-          <a:defRPr kumimoji="0" sz="1800" b="0" i="0" u="none" strike="noStrike" cap="none" spc="0" normalizeH="0" baseline="0">
+          <a:defRPr b="0" baseline="0" cap="none" i="0" spc="0" strike="noStrike" sz="1800" u="none" kumimoji="0" normalizeH="0">
             <a:ln>
               <a:noFill/>
             </a:ln>
@@ -9797,7 +10067,7 @@
           <a:buFontTx/>
           <a:buNone/>
           <a:tabLst/>
-          <a:defRPr kumimoji="0" sz="1800" b="0" i="0" u="none" strike="noStrike" cap="none" spc="0" normalizeH="0" baseline="0">
+          <a:defRPr b="0" baseline="0" cap="none" i="0" spc="0" strike="noStrike" sz="1800" u="none" kumimoji="0" normalizeH="0">
             <a:ln>
               <a:noFill/>
             </a:ln>
@@ -9810,15 +10080,9 @@
         </a:lvl9pPr>
       </a:lstStyle>
       <a:style>
-        <a:lnRef idx="0">
-          <a:scrgbClr r="0" g="0" b="0"/>
-        </a:lnRef>
-        <a:fillRef idx="0">
-          <a:scrgbClr r="0" g="0" b="0"/>
-        </a:fillRef>
-        <a:effectRef idx="0">
-          <a:scrgbClr r="0" g="0" b="0"/>
-        </a:effectRef>
+        <a:lnRef idx="0"/>
+        <a:fillRef idx="0"/>
+        <a:effectRef idx="0"/>
         <a:fontRef idx="none"/>
       </a:style>
     </a:spDef>
@@ -9835,7 +10099,7 @@
         <a:effectLst/>
         <a:sp3d/>
       </a:spPr>
-      <a:bodyPr rot="0" spcFirstLastPara="1" vertOverflow="overflow" horzOverflow="overflow" vert="horz" wrap="square" lIns="91439" tIns="45719" rIns="91439" bIns="45719" numCol="1" spcCol="38100" rtlCol="0" anchor="t">
+      <a:bodyPr rot="0" spcFirstLastPara="1" vertOverflow="overflow" horzOverflow="overflow" vert="horz" wrap="square" lIns="91439" tIns="45719" rIns="91439" bIns="45719" numCol="1" spcCol="38100" rtlCol="0" anchor="t" upright="0">
         <a:noAutofit/>
       </a:bodyPr>
       <a:lstStyle>
@@ -9854,7 +10118,7 @@
           <a:buFontTx/>
           <a:buNone/>
           <a:tabLst/>
-          <a:defRPr kumimoji="0" sz="1800" b="0" i="0" u="none" strike="noStrike" cap="none" spc="0" normalizeH="0" baseline="0">
+          <a:defRPr b="0" baseline="0" cap="none" i="0" spc="0" strike="noStrike" sz="1800" u="none" kumimoji="0" normalizeH="0">
             <a:ln>
               <a:noFill/>
             </a:ln>
@@ -9880,7 +10144,7 @@
           <a:buFontTx/>
           <a:buNone/>
           <a:tabLst/>
-          <a:defRPr kumimoji="0" sz="1800" b="0" i="0" u="none" strike="noStrike" cap="none" spc="0" normalizeH="0" baseline="0">
+          <a:defRPr b="0" baseline="0" cap="none" i="0" spc="0" strike="noStrike" sz="1800" u="none" kumimoji="0" normalizeH="0">
             <a:ln>
               <a:noFill/>
             </a:ln>
@@ -9906,7 +10170,7 @@
           <a:buFontTx/>
           <a:buNone/>
           <a:tabLst/>
-          <a:defRPr kumimoji="0" sz="1800" b="0" i="0" u="none" strike="noStrike" cap="none" spc="0" normalizeH="0" baseline="0">
+          <a:defRPr b="0" baseline="0" cap="none" i="0" spc="0" strike="noStrike" sz="1800" u="none" kumimoji="0" normalizeH="0">
             <a:ln>
               <a:noFill/>
             </a:ln>
@@ -9932,7 +10196,7 @@
           <a:buFontTx/>
           <a:buNone/>
           <a:tabLst/>
-          <a:defRPr kumimoji="0" sz="1800" b="0" i="0" u="none" strike="noStrike" cap="none" spc="0" normalizeH="0" baseline="0">
+          <a:defRPr b="0" baseline="0" cap="none" i="0" spc="0" strike="noStrike" sz="1800" u="none" kumimoji="0" normalizeH="0">
             <a:ln>
               <a:noFill/>
             </a:ln>
@@ -9958,7 +10222,7 @@
           <a:buFontTx/>
           <a:buNone/>
           <a:tabLst/>
-          <a:defRPr kumimoji="0" sz="1800" b="0" i="0" u="none" strike="noStrike" cap="none" spc="0" normalizeH="0" baseline="0">
+          <a:defRPr b="0" baseline="0" cap="none" i="0" spc="0" strike="noStrike" sz="1800" u="none" kumimoji="0" normalizeH="0">
             <a:ln>
               <a:noFill/>
             </a:ln>
@@ -9984,7 +10248,7 @@
           <a:buFontTx/>
           <a:buNone/>
           <a:tabLst/>
-          <a:defRPr kumimoji="0" sz="1800" b="0" i="0" u="none" strike="noStrike" cap="none" spc="0" normalizeH="0" baseline="0">
+          <a:defRPr b="0" baseline="0" cap="none" i="0" spc="0" strike="noStrike" sz="1800" u="none" kumimoji="0" normalizeH="0">
             <a:ln>
               <a:noFill/>
             </a:ln>
@@ -10010,7 +10274,7 @@
           <a:buFontTx/>
           <a:buNone/>
           <a:tabLst/>
-          <a:defRPr kumimoji="0" sz="1800" b="0" i="0" u="none" strike="noStrike" cap="none" spc="0" normalizeH="0" baseline="0">
+          <a:defRPr b="0" baseline="0" cap="none" i="0" spc="0" strike="noStrike" sz="1800" u="none" kumimoji="0" normalizeH="0">
             <a:ln>
               <a:noFill/>
             </a:ln>
@@ -10036,7 +10300,7 @@
           <a:buFontTx/>
           <a:buNone/>
           <a:tabLst/>
-          <a:defRPr kumimoji="0" sz="1800" b="0" i="0" u="none" strike="noStrike" cap="none" spc="0" normalizeH="0" baseline="0">
+          <a:defRPr b="0" baseline="0" cap="none" i="0" spc="0" strike="noStrike" sz="1800" u="none" kumimoji="0" normalizeH="0">
             <a:ln>
               <a:noFill/>
             </a:ln>
@@ -10062,7 +10326,7 @@
           <a:buFontTx/>
           <a:buNone/>
           <a:tabLst/>
-          <a:defRPr kumimoji="0" sz="1800" b="0" i="0" u="none" strike="noStrike" cap="none" spc="0" normalizeH="0" baseline="0">
+          <a:defRPr b="0" baseline="0" cap="none" i="0" spc="0" strike="noStrike" sz="1800" u="none" kumimoji="0" normalizeH="0">
             <a:ln>
               <a:noFill/>
             </a:ln>
@@ -10088,7 +10352,7 @@
           <a:buFontTx/>
           <a:buNone/>
           <a:tabLst/>
-          <a:defRPr kumimoji="0" sz="1800" b="0" i="0" u="none" strike="noStrike" cap="none" spc="0" normalizeH="0" baseline="0">
+          <a:defRPr b="0" baseline="0" cap="none" i="0" spc="0" strike="noStrike" sz="1800" u="none" kumimoji="0" normalizeH="0">
             <a:ln>
               <a:noFill/>
             </a:ln>
@@ -10101,15 +10365,9 @@
         </a:lvl9pPr>
       </a:lstStyle>
       <a:style>
-        <a:lnRef idx="0">
-          <a:scrgbClr r="0" g="0" b="0"/>
-        </a:lnRef>
-        <a:fillRef idx="0">
-          <a:scrgbClr r="0" g="0" b="0"/>
-        </a:fillRef>
-        <a:effectRef idx="0">
-          <a:scrgbClr r="0" g="0" b="0"/>
-        </a:effectRef>
+        <a:lnRef idx="0"/>
+        <a:fillRef idx="0"/>
+        <a:effectRef idx="0"/>
         <a:fontRef idx="none"/>
       </a:style>
     </a:lnDef>
@@ -10123,7 +10381,7 @@
         <a:effectLst/>
         <a:sp3d/>
       </a:spPr>
-      <a:bodyPr rot="0" spcFirstLastPara="1" vertOverflow="overflow" horzOverflow="overflow" vert="horz" wrap="square" lIns="45718" tIns="45718" rIns="45718" bIns="45718" numCol="1" spcCol="38100" rtlCol="0" anchor="t">
+      <a:bodyPr rot="0" spcFirstLastPara="1" vertOverflow="overflow" horzOverflow="overflow" vert="horz" wrap="square" lIns="45718" tIns="45718" rIns="45718" bIns="45718" numCol="1" spcCol="38100" rtlCol="0" anchor="t" upright="0">
         <a:spAutoFit/>
       </a:bodyPr>
       <a:lstStyle>
@@ -10142,7 +10400,7 @@
           <a:buFontTx/>
           <a:buNone/>
           <a:tabLst/>
-          <a:defRPr kumimoji="0" sz="1800" b="0" i="0" u="none" strike="noStrike" cap="none" spc="0" normalizeH="0" baseline="0">
+          <a:defRPr b="0" baseline="0" cap="none" i="0" spc="0" strike="noStrike" sz="1800" u="none" kumimoji="0" normalizeH="0">
             <a:ln>
               <a:noFill/>
             </a:ln>
@@ -10172,7 +10430,7 @@
           <a:buFontTx/>
           <a:buNone/>
           <a:tabLst/>
-          <a:defRPr kumimoji="0" sz="1800" b="0" i="0" u="none" strike="noStrike" cap="none" spc="0" normalizeH="0" baseline="0">
+          <a:defRPr b="0" baseline="0" cap="none" i="0" spc="0" strike="noStrike" sz="1800" u="none" kumimoji="0" normalizeH="0">
             <a:ln>
               <a:noFill/>
             </a:ln>
@@ -10198,7 +10456,7 @@
           <a:buFontTx/>
           <a:buNone/>
           <a:tabLst/>
-          <a:defRPr kumimoji="0" sz="1800" b="0" i="0" u="none" strike="noStrike" cap="none" spc="0" normalizeH="0" baseline="0">
+          <a:defRPr b="0" baseline="0" cap="none" i="0" spc="0" strike="noStrike" sz="1800" u="none" kumimoji="0" normalizeH="0">
             <a:ln>
               <a:noFill/>
             </a:ln>
@@ -10224,7 +10482,7 @@
           <a:buFontTx/>
           <a:buNone/>
           <a:tabLst/>
-          <a:defRPr kumimoji="0" sz="1800" b="0" i="0" u="none" strike="noStrike" cap="none" spc="0" normalizeH="0" baseline="0">
+          <a:defRPr b="0" baseline="0" cap="none" i="0" spc="0" strike="noStrike" sz="1800" u="none" kumimoji="0" normalizeH="0">
             <a:ln>
               <a:noFill/>
             </a:ln>
@@ -10250,7 +10508,7 @@
           <a:buFontTx/>
           <a:buNone/>
           <a:tabLst/>
-          <a:defRPr kumimoji="0" sz="1800" b="0" i="0" u="none" strike="noStrike" cap="none" spc="0" normalizeH="0" baseline="0">
+          <a:defRPr b="0" baseline="0" cap="none" i="0" spc="0" strike="noStrike" sz="1800" u="none" kumimoji="0" normalizeH="0">
             <a:ln>
               <a:noFill/>
             </a:ln>
@@ -10276,7 +10534,7 @@
           <a:buFontTx/>
           <a:buNone/>
           <a:tabLst/>
-          <a:defRPr kumimoji="0" sz="1800" b="0" i="0" u="none" strike="noStrike" cap="none" spc="0" normalizeH="0" baseline="0">
+          <a:defRPr b="0" baseline="0" cap="none" i="0" spc="0" strike="noStrike" sz="1800" u="none" kumimoji="0" normalizeH="0">
             <a:ln>
               <a:noFill/>
             </a:ln>
@@ -10302,7 +10560,7 @@
           <a:buFontTx/>
           <a:buNone/>
           <a:tabLst/>
-          <a:defRPr kumimoji="0" sz="1800" b="0" i="0" u="none" strike="noStrike" cap="none" spc="0" normalizeH="0" baseline="0">
+          <a:defRPr b="0" baseline="0" cap="none" i="0" spc="0" strike="noStrike" sz="1800" u="none" kumimoji="0" normalizeH="0">
             <a:ln>
               <a:noFill/>
             </a:ln>
@@ -10328,7 +10586,7 @@
           <a:buFontTx/>
           <a:buNone/>
           <a:tabLst/>
-          <a:defRPr kumimoji="0" sz="1800" b="0" i="0" u="none" strike="noStrike" cap="none" spc="0" normalizeH="0" baseline="0">
+          <a:defRPr b="0" baseline="0" cap="none" i="0" spc="0" strike="noStrike" sz="1800" u="none" kumimoji="0" normalizeH="0">
             <a:ln>
               <a:noFill/>
             </a:ln>
@@ -10354,7 +10612,7 @@
           <a:buFontTx/>
           <a:buNone/>
           <a:tabLst/>
-          <a:defRPr kumimoji="0" sz="1800" b="0" i="0" u="none" strike="noStrike" cap="none" spc="0" normalizeH="0" baseline="0">
+          <a:defRPr b="0" baseline="0" cap="none" i="0" spc="0" strike="noStrike" sz="1800" u="none" kumimoji="0" normalizeH="0">
             <a:ln>
               <a:noFill/>
             </a:ln>
@@ -10380,7 +10638,7 @@
           <a:buFontTx/>
           <a:buNone/>
           <a:tabLst/>
-          <a:defRPr kumimoji="0" sz="1800" b="0" i="0" u="none" strike="noStrike" cap="none" spc="0" normalizeH="0" baseline="0">
+          <a:defRPr b="0" baseline="0" cap="none" i="0" spc="0" strike="noStrike" sz="1800" u="none" kumimoji="0" normalizeH="0">
             <a:ln>
               <a:noFill/>
             </a:ln>
@@ -10393,19 +10651,12 @@
         </a:lvl9pPr>
       </a:lstStyle>
       <a:style>
-        <a:lnRef idx="0">
-          <a:scrgbClr r="0" g="0" b="0"/>
-        </a:lnRef>
-        <a:fillRef idx="0">
-          <a:scrgbClr r="0" g="0" b="0"/>
-        </a:fillRef>
-        <a:effectRef idx="0">
-          <a:scrgbClr r="0" g="0" b="0"/>
-        </a:effectRef>
+        <a:lnRef idx="0"/>
+        <a:fillRef idx="0"/>
+        <a:effectRef idx="0"/>
         <a:fontRef idx="none"/>
       </a:style>
     </a:txDef>
   </a:objectDefaults>
-  <a:extraClrSchemeLst/>
 </a:theme>
 </file>
--- a/00_General/Presentation/MS 5/Presentation_Milestone_v_Master.pptx
+++ b/00_General/Presentation/MS 5/Presentation_Milestone_v_Master.pptx
@@ -533,7 +533,7 @@
         <p:spPr>
           <a:xfrm>
             <a:off x="1524000" y="3602037"/>
-            <a:ext cx="9144000" cy="1655767"/>
+            <a:ext cx="9144000" cy="1655768"/>
           </a:xfrm>
           <a:prstGeom prst="rect">
             <a:avLst/>
@@ -1333,7 +1333,7 @@
         <p:spPr>
           <a:xfrm>
             <a:off x="831850" y="4589462"/>
-            <a:ext cx="10515600" cy="1500192"/>
+            <a:ext cx="10515600" cy="1500193"/>
           </a:xfrm>
           <a:prstGeom prst="rect">
             <a:avLst/>
@@ -1636,7 +1636,7 @@
         <p:spPr>
           <a:xfrm>
             <a:off x="839787" y="1681163"/>
-            <a:ext cx="5157790" cy="823917"/>
+            <a:ext cx="5157790" cy="823918"/>
           </a:xfrm>
           <a:prstGeom prst="rect">
             <a:avLst/>
@@ -2143,8 +2143,8 @@
         </p:nvSpPr>
         <p:spPr>
           <a:xfrm>
-            <a:off x="11089824" y="6404294"/>
-            <a:ext cx="263979" cy="269237"/>
+            <a:off x="11089825" y="6404294"/>
+            <a:ext cx="263978" cy="269237"/>
           </a:xfrm>
           <a:prstGeom prst="rect">
             <a:avLst/>
@@ -3017,7 +3017,7 @@
         <p:spPr>
           <a:xfrm>
             <a:off x="611423" y="473693"/>
-            <a:ext cx="6348578" cy="5345861"/>
+            <a:ext cx="6348578" cy="5345860"/>
           </a:xfrm>
           <a:prstGeom prst="rect">
             <a:avLst/>
@@ -3145,10 +3145,7 @@
               </a:defRPr>
             </a:pPr>
             <a:r>
-              <a:t>Gruppe:</a:t>
-            </a:r>
-            <a:r>
-              <a:t>  </a:t>
+              <a:t>Gruppe:  </a:t>
             </a:r>
             <a:r>
               <a:rPr sz="3200"/>
@@ -3428,8 +3425,8 @@
         </p:blipFill>
         <p:spPr>
           <a:xfrm>
-            <a:off x="611422" y="4067416"/>
-            <a:ext cx="731507" cy="731511"/>
+            <a:off x="611421" y="4067416"/>
+            <a:ext cx="731508" cy="731512"/>
           </a:xfrm>
           <a:prstGeom prst="rect">
             <a:avLst/>
@@ -3457,8 +3454,8 @@
         </p:blipFill>
         <p:spPr>
           <a:xfrm>
-            <a:off x="611422" y="3375143"/>
-            <a:ext cx="731507" cy="731511"/>
+            <a:off x="611421" y="3375142"/>
+            <a:ext cx="731508" cy="731512"/>
           </a:xfrm>
           <a:prstGeom prst="rect">
             <a:avLst/>
@@ -3486,8 +3483,8 @@
         </p:blipFill>
         <p:spPr>
           <a:xfrm>
-            <a:off x="611422" y="4713077"/>
-            <a:ext cx="731507" cy="731507"/>
+            <a:off x="611421" y="4713077"/>
+            <a:ext cx="731508" cy="731508"/>
           </a:xfrm>
           <a:prstGeom prst="rect">
             <a:avLst/>
@@ -3515,8 +3512,8 @@
         </p:blipFill>
         <p:spPr>
           <a:xfrm>
-            <a:off x="611422" y="5343712"/>
-            <a:ext cx="731507" cy="731511"/>
+            <a:off x="611421" y="5343711"/>
+            <a:ext cx="731508" cy="731512"/>
           </a:xfrm>
           <a:prstGeom prst="rect">
             <a:avLst/>
@@ -3544,8 +3541,8 @@
         </p:blipFill>
         <p:spPr>
           <a:xfrm>
-            <a:off x="4522011" y="2342665"/>
-            <a:ext cx="905123" cy="860506"/>
+            <a:off x="4522011" y="2342664"/>
+            <a:ext cx="905124" cy="860507"/>
           </a:xfrm>
           <a:prstGeom prst="rect">
             <a:avLst/>
@@ -3720,22 +3717,15 @@
           <a:bodyPr lIns="45718" tIns="45718" rIns="45718" bIns="45718">
             <a:spAutoFit/>
           </a:bodyPr>
-          <a:lstStyle/>
-          <a:p>
-            <a:pPr algn="ctr">
+          <a:lstStyle>
+            <a:lvl1pPr algn="ctr">
               <a:defRPr b="1" i="1" sz="3200"/>
-            </a:pPr>
-            <a:r>
-              <a:t>Vielen Dank für </a:t>
-            </a:r>
-            <a:r>
-              <a:t>eure</a:t>
-            </a:r>
-            <a:r>
-              <a:t> Aufmerksamkeit</a:t>
-            </a:r>
-            <a:r>
-              <a:t> und viel Erfolg bei den Prüfungen !</a:t>
+            </a:lvl1pPr>
+          </a:lstStyle>
+          <a:p>
+            <a:pPr/>
+            <a:r>
+              <a:t>Vielen Dank für eure Aufmerksamkeit und viel Erfolg bei den Prüfungen !</a:t>
             </a:r>
           </a:p>
         </p:txBody>
@@ -4046,8 +4036,8 @@
         </p:blipFill>
         <p:spPr>
           <a:xfrm>
-            <a:off x="795214" y="2306223"/>
-            <a:ext cx="914404" cy="914403"/>
+            <a:off x="795214" y="2306222"/>
+            <a:ext cx="914404" cy="914404"/>
           </a:xfrm>
           <a:prstGeom prst="rect">
             <a:avLst/>
@@ -4102,8 +4092,8 @@
         </p:nvSpPr>
         <p:spPr>
           <a:xfrm>
-            <a:off x="-16629" y="720436"/>
-            <a:ext cx="3088632" cy="5"/>
+            <a:off x="-16630" y="720436"/>
+            <a:ext cx="3088634" cy="6"/>
           </a:xfrm>
           <a:prstGeom prst="line">
             <a:avLst/>
@@ -4178,7 +4168,7 @@
         <p:spPr>
           <a:xfrm>
             <a:off x="795214" y="1241306"/>
-            <a:ext cx="914403" cy="914404"/>
+            <a:ext cx="914404" cy="914404"/>
           </a:xfrm>
           <a:prstGeom prst="rect">
             <a:avLst/>
@@ -4207,7 +4197,7 @@
         <p:spPr>
           <a:xfrm>
             <a:off x="795217" y="3421174"/>
-            <a:ext cx="914401" cy="914405"/>
+            <a:ext cx="914401" cy="914406"/>
           </a:xfrm>
           <a:prstGeom prst="rect">
             <a:avLst/>
@@ -4236,7 +4226,7 @@
         <p:spPr>
           <a:xfrm>
             <a:off x="795214" y="4536125"/>
-            <a:ext cx="914402" cy="914402"/>
+            <a:ext cx="914403" cy="914403"/>
           </a:xfrm>
           <a:prstGeom prst="rect">
             <a:avLst/>
@@ -4444,7 +4434,7 @@
         </p:nvSpPr>
         <p:spPr>
           <a:xfrm>
-            <a:off x="11169739" y="6404291"/>
+            <a:off x="11169739" y="6404290"/>
             <a:ext cx="184057" cy="269237"/>
           </a:xfrm>
           <a:prstGeom prst="rect">
@@ -4483,8 +4473,8 @@
         </p:blipFill>
         <p:spPr>
           <a:xfrm>
-            <a:off x="795214" y="2306223"/>
-            <a:ext cx="914404" cy="914403"/>
+            <a:off x="795214" y="2306222"/>
+            <a:ext cx="914404" cy="914404"/>
           </a:xfrm>
           <a:prstGeom prst="rect">
             <a:avLst/>
@@ -4539,8 +4529,8 @@
         </p:nvSpPr>
         <p:spPr>
           <a:xfrm>
-            <a:off x="-16629" y="720436"/>
-            <a:ext cx="3088632" cy="4"/>
+            <a:off x="-16630" y="720436"/>
+            <a:ext cx="3088634" cy="5"/>
           </a:xfrm>
           <a:prstGeom prst="line">
             <a:avLst/>
@@ -4615,7 +4605,7 @@
         <p:spPr>
           <a:xfrm>
             <a:off x="795214" y="1241306"/>
-            <a:ext cx="914403" cy="914404"/>
+            <a:ext cx="914404" cy="914404"/>
           </a:xfrm>
           <a:prstGeom prst="rect">
             <a:avLst/>
@@ -4644,7 +4634,7 @@
         <p:spPr>
           <a:xfrm>
             <a:off x="795217" y="3421174"/>
-            <a:ext cx="914401" cy="914405"/>
+            <a:ext cx="914401" cy="914406"/>
           </a:xfrm>
           <a:prstGeom prst="rect">
             <a:avLst/>
@@ -4673,7 +4663,7 @@
         <p:spPr>
           <a:xfrm>
             <a:off x="795214" y="4536125"/>
-            <a:ext cx="914402" cy="914402"/>
+            <a:ext cx="914403" cy="914403"/>
           </a:xfrm>
           <a:prstGeom prst="rect">
             <a:avLst/>
@@ -4830,7 +4820,7 @@
         <p:spPr>
           <a:xfrm>
             <a:off x="-16629" y="720436"/>
-            <a:ext cx="5719161" cy="2"/>
+            <a:ext cx="5719162" cy="3"/>
           </a:xfrm>
           <a:prstGeom prst="line">
             <a:avLst/>
@@ -4888,7 +4878,7 @@
       </p:pic>
       <p:pic>
         <p:nvPicPr>
-          <p:cNvPr id="158" name="skip-bro_screenshot.png"/>
+          <p:cNvPr id="158" name="image11.png"/>
           <p:cNvPicPr>
             <a:picLocks noChangeAspect="1"/>
           </p:cNvPicPr>
@@ -4904,8 +4894,8 @@
         </p:blipFill>
         <p:spPr>
           <a:xfrm>
-            <a:off x="1975362" y="981178"/>
-            <a:ext cx="8241276" cy="5168978"/>
+            <a:off x="1975361" y="981177"/>
+            <a:ext cx="8241278" cy="5168979"/>
           </a:xfrm>
           <a:prstGeom prst="rect">
             <a:avLst/>
@@ -5113,7 +5103,7 @@
         </p:nvSpPr>
         <p:spPr>
           <a:xfrm>
-            <a:off x="11169739" y="6404291"/>
+            <a:off x="11169739" y="6404290"/>
             <a:ext cx="184057" cy="269237"/>
           </a:xfrm>
           <a:prstGeom prst="rect">
@@ -5152,8 +5142,8 @@
         </p:blipFill>
         <p:spPr>
           <a:xfrm>
-            <a:off x="795214" y="2306223"/>
-            <a:ext cx="914404" cy="914403"/>
+            <a:off x="795214" y="2306222"/>
+            <a:ext cx="914404" cy="914404"/>
           </a:xfrm>
           <a:prstGeom prst="rect">
             <a:avLst/>
@@ -5208,8 +5198,8 @@
         </p:nvSpPr>
         <p:spPr>
           <a:xfrm>
-            <a:off x="-16629" y="720436"/>
-            <a:ext cx="3088632" cy="4"/>
+            <a:off x="-16630" y="720436"/>
+            <a:ext cx="3088634" cy="5"/>
           </a:xfrm>
           <a:prstGeom prst="line">
             <a:avLst/>
@@ -5284,7 +5274,7 @@
         <p:spPr>
           <a:xfrm>
             <a:off x="795214" y="1241306"/>
-            <a:ext cx="914403" cy="914404"/>
+            <a:ext cx="914404" cy="914404"/>
           </a:xfrm>
           <a:prstGeom prst="rect">
             <a:avLst/>
@@ -5313,7 +5303,7 @@
         <p:spPr>
           <a:xfrm>
             <a:off x="795217" y="3421174"/>
-            <a:ext cx="914401" cy="914405"/>
+            <a:ext cx="914401" cy="914406"/>
           </a:xfrm>
           <a:prstGeom prst="rect">
             <a:avLst/>
@@ -5342,7 +5332,7 @@
         <p:spPr>
           <a:xfrm>
             <a:off x="795214" y="4536125"/>
-            <a:ext cx="914402" cy="914402"/>
+            <a:ext cx="914403" cy="914403"/>
           </a:xfrm>
           <a:prstGeom prst="rect">
             <a:avLst/>
@@ -5589,8 +5579,8 @@
         </p:blipFill>
         <p:spPr>
           <a:xfrm>
-            <a:off x="795214" y="2306223"/>
-            <a:ext cx="914404" cy="914403"/>
+            <a:off x="795214" y="2306222"/>
+            <a:ext cx="914404" cy="914404"/>
           </a:xfrm>
           <a:prstGeom prst="rect">
             <a:avLst/>
@@ -5645,8 +5635,8 @@
         </p:nvSpPr>
         <p:spPr>
           <a:xfrm>
-            <a:off x="-16629" y="720436"/>
-            <a:ext cx="3088632" cy="5"/>
+            <a:off x="-16630" y="720436"/>
+            <a:ext cx="3088634" cy="6"/>
           </a:xfrm>
           <a:prstGeom prst="line">
             <a:avLst/>
@@ -5721,7 +5711,7 @@
         <p:spPr>
           <a:xfrm>
             <a:off x="795214" y="1241306"/>
-            <a:ext cx="914403" cy="914404"/>
+            <a:ext cx="914404" cy="914404"/>
           </a:xfrm>
           <a:prstGeom prst="rect">
             <a:avLst/>
@@ -5750,7 +5740,7 @@
         <p:spPr>
           <a:xfrm>
             <a:off x="795217" y="3421174"/>
-            <a:ext cx="914401" cy="914405"/>
+            <a:ext cx="914401" cy="914406"/>
           </a:xfrm>
           <a:prstGeom prst="rect">
             <a:avLst/>
@@ -5779,7 +5769,7 @@
         <p:spPr>
           <a:xfrm>
             <a:off x="795214" y="4536125"/>
-            <a:ext cx="914402" cy="914402"/>
+            <a:ext cx="914403" cy="914403"/>
           </a:xfrm>
           <a:prstGeom prst="rect">
             <a:avLst/>
@@ -5935,8 +5925,8 @@
         </p:nvSpPr>
         <p:spPr>
           <a:xfrm>
-            <a:off x="-11086" y="720436"/>
-            <a:ext cx="4584007" cy="5"/>
+            <a:off x="-11087" y="720436"/>
+            <a:ext cx="4584009" cy="6"/>
           </a:xfrm>
           <a:prstGeom prst="line">
             <a:avLst/>
@@ -6000,7 +5990,7 @@
         </p:nvSpPr>
         <p:spPr>
           <a:xfrm>
-            <a:off x="848484" y="1703706"/>
+            <a:off x="848483" y="1703706"/>
             <a:ext cx="5392888" cy="3450587"/>
           </a:xfrm>
           <a:prstGeom prst="rect">
@@ -6021,7 +6011,7 @@
           </a:bodyPr>
           <a:lstStyle/>
           <a:p>
-            <a:pPr marL="180473" indent="-180473">
+            <a:pPr marL="180472" indent="-180472">
               <a:lnSpc>
                 <a:spcPct val="150000"/>
               </a:lnSpc>
@@ -6034,7 +6024,7 @@
             </a:r>
           </a:p>
           <a:p>
-            <a:pPr marL="180473" indent="-180473">
+            <a:pPr marL="180472" indent="-180472">
               <a:lnSpc>
                 <a:spcPct val="120000"/>
               </a:lnSpc>
@@ -6047,7 +6037,7 @@
             </a:r>
           </a:p>
           <a:p>
-            <a:pPr lvl="1" marL="561473" indent="-180473">
+            <a:pPr lvl="1" marL="561472" indent="-180472">
               <a:lnSpc>
                 <a:spcPct val="120000"/>
               </a:lnSpc>
@@ -6060,7 +6050,7 @@
             </a:r>
           </a:p>
           <a:p>
-            <a:pPr lvl="1" marL="561473" indent="-180473">
+            <a:pPr lvl="1" marL="561472" indent="-180472">
               <a:lnSpc>
                 <a:spcPct val="120000"/>
               </a:lnSpc>
@@ -6073,7 +6063,7 @@
             </a:r>
           </a:p>
           <a:p>
-            <a:pPr lvl="1" marL="561473" indent="-180473">
+            <a:pPr lvl="1" marL="561472" indent="-180472">
               <a:lnSpc>
                 <a:spcPct val="150000"/>
               </a:lnSpc>
@@ -6086,7 +6076,7 @@
             </a:r>
           </a:p>
           <a:p>
-            <a:pPr marL="180473" indent="-180473">
+            <a:pPr marL="180472" indent="-180472">
               <a:lnSpc>
                 <a:spcPct val="120000"/>
               </a:lnSpc>
@@ -6099,7 +6089,7 @@
             </a:r>
           </a:p>
           <a:p>
-            <a:pPr lvl="1" marL="561473" indent="-180473">
+            <a:pPr lvl="1" marL="561472" indent="-180472">
               <a:lnSpc>
                 <a:spcPct val="150000"/>
               </a:lnSpc>
@@ -6112,7 +6102,7 @@
             </a:r>
           </a:p>
           <a:p>
-            <a:pPr marL="180473" indent="-180473">
+            <a:pPr marL="180472" indent="-180472">
               <a:lnSpc>
                 <a:spcPct val="120000"/>
               </a:lnSpc>
@@ -6125,7 +6115,7 @@
             </a:r>
           </a:p>
           <a:p>
-            <a:pPr lvl="1" marL="561473" indent="-180473">
+            <a:pPr lvl="1" marL="561472" indent="-180472">
               <a:lnSpc>
                 <a:spcPct val="120000"/>
               </a:lnSpc>
@@ -6376,8 +6366,8 @@
         </p:blipFill>
         <p:spPr>
           <a:xfrm>
-            <a:off x="795214" y="2306223"/>
-            <a:ext cx="914404" cy="914403"/>
+            <a:off x="795214" y="2306222"/>
+            <a:ext cx="914404" cy="914404"/>
           </a:xfrm>
           <a:prstGeom prst="rect">
             <a:avLst/>
@@ -6432,8 +6422,8 @@
         </p:nvSpPr>
         <p:spPr>
           <a:xfrm>
-            <a:off x="-16629" y="720436"/>
-            <a:ext cx="3088632" cy="5"/>
+            <a:off x="-16630" y="720436"/>
+            <a:ext cx="3088634" cy="6"/>
           </a:xfrm>
           <a:prstGeom prst="line">
             <a:avLst/>
@@ -6508,7 +6498,7 @@
         <p:spPr>
           <a:xfrm>
             <a:off x="795214" y="1241306"/>
-            <a:ext cx="914403" cy="914404"/>
+            <a:ext cx="914404" cy="914404"/>
           </a:xfrm>
           <a:prstGeom prst="rect">
             <a:avLst/>
@@ -6537,7 +6527,7 @@
         <p:spPr>
           <a:xfrm>
             <a:off x="795217" y="3421174"/>
-            <a:ext cx="914401" cy="914405"/>
+            <a:ext cx="914401" cy="914406"/>
           </a:xfrm>
           <a:prstGeom prst="rect">
             <a:avLst/>
@@ -6566,7 +6556,7 @@
         <p:spPr>
           <a:xfrm>
             <a:off x="795214" y="4536125"/>
-            <a:ext cx="914402" cy="914402"/>
+            <a:ext cx="914403" cy="914403"/>
           </a:xfrm>
           <a:prstGeom prst="rect">
             <a:avLst/>
@@ -6723,7 +6713,7 @@
         <p:spPr>
           <a:xfrm>
             <a:off x="-11087" y="720436"/>
-            <a:ext cx="5268892" cy="5"/>
+            <a:ext cx="5268893" cy="6"/>
           </a:xfrm>
           <a:prstGeom prst="line">
             <a:avLst/>
@@ -6758,7 +6748,7 @@
         </p:nvSpPr>
         <p:spPr>
           <a:xfrm>
-            <a:off x="340969" y="919995"/>
+            <a:off x="340969" y="919994"/>
             <a:ext cx="9678490" cy="6400797"/>
           </a:xfrm>
           <a:prstGeom prst="rect">
@@ -6799,13 +6789,7 @@
               <a:defRPr sz="2000"/>
             </a:pPr>
             <a:r>
-              <a:t>Mehr Zeit für </a:t>
-            </a:r>
-            <a:r>
-              <a:t>N</a:t>
-            </a:r>
-            <a:r>
-              <a:t>eues einplanen</a:t>
+              <a:t>Mehr Zeit für Neues einplanen</a:t>
             </a:r>
           </a:p>
           <a:p>
@@ -6888,6 +6872,16 @@
             </a:r>
           </a:p>
           <a:p>
+            <a:pPr lvl="1" marL="800100" indent="-342900">
+              <a:buSzPct val="100000"/>
+              <a:buChar char="-"/>
+              <a:defRPr sz="2000"/>
+            </a:pPr>
+            <a:r>
+              <a:t>Testen auch übers JAR</a:t>
+            </a:r>
+          </a:p>
+          <a:p>
             <a:pPr lvl="1" indent="457200">
               <a:defRPr sz="2000"/>
             </a:pPr>
@@ -6910,13 +6904,13 @@
             <a:pPr lvl="1" marL="581525" indent="-200525">
               <a:buSzPct val="100000"/>
               <a:buChar char="-"/>
-              <a:defRPr sz="2000"/>
+              <a:defRPr b="1" sz="2000"/>
             </a:pPr>
             <a:r>
-              <a:rPr b="1"/>
               <a:t>Z</a:t>
             </a:r>
             <a:r>
+              <a:rPr b="0"/>
               <a:t>u Beginn Überlegungen zu den Tests</a:t>
             </a:r>
           </a:p>
@@ -6957,13 +6951,6 @@
           </a:p>
           <a:p>
             <a:pPr lvl="1" indent="457200">
-              <a:defRPr sz="2000"/>
-            </a:pPr>
-          </a:p>
-          <a:p>
-            <a:pPr lvl="1" marL="800100" indent="-342900">
-              <a:buSzPct val="100000"/>
-              <a:buChar char="-"/>
               <a:defRPr sz="2000"/>
             </a:pPr>
           </a:p>
@@ -7000,7 +6987,7 @@
       </p:pic>
       <p:pic>
         <p:nvPicPr>
-          <p:cNvPr id="206" name="image11.png" descr="Harvey Balls 20%"/>
+          <p:cNvPr id="206" name="image12.png" descr="Harvey Balls 20%"/>
           <p:cNvPicPr>
             <a:picLocks noChangeAspect="1"/>
           </p:cNvPicPr>
@@ -7017,7 +7004,7 @@
         <p:spPr>
           <a:xfrm>
             <a:off x="7688804" y="656705"/>
-            <a:ext cx="914400" cy="914400"/>
+            <a:ext cx="914401" cy="914401"/>
           </a:xfrm>
           <a:prstGeom prst="rect">
             <a:avLst/>
@@ -7045,8 +7032,8 @@
         </p:blipFill>
         <p:spPr>
           <a:xfrm>
-            <a:off x="8765924" y="4863455"/>
-            <a:ext cx="914401" cy="914401"/>
+            <a:off x="8765923" y="4863455"/>
+            <a:ext cx="914402" cy="914402"/>
           </a:xfrm>
           <a:prstGeom prst="rect">
             <a:avLst/>
@@ -7058,7 +7045,7 @@
       </p:pic>
       <p:pic>
         <p:nvPicPr>
-          <p:cNvPr id="208" name="image15.png" descr="Irre komische Gesichtskontur"/>
+          <p:cNvPr id="208" name="image14.png" descr="Irre komische Gesichtskontur"/>
           <p:cNvPicPr>
             <a:picLocks noChangeAspect="1"/>
           </p:cNvPicPr>
@@ -7075,7 +7062,7 @@
         <p:spPr>
           <a:xfrm>
             <a:off x="8773468" y="1113904"/>
-            <a:ext cx="914401" cy="914401"/>
+            <a:ext cx="914402" cy="914401"/>
           </a:xfrm>
           <a:prstGeom prst="rect">
             <a:avLst/>
@@ -7087,7 +7074,7 @@
       </p:pic>
       <p:pic>
         <p:nvPicPr>
-          <p:cNvPr id="209" name="image17.png" descr="Höhlenzeichnung"/>
+          <p:cNvPr id="209" name="image15.png" descr="Höhlenzeichnung"/>
           <p:cNvPicPr>
             <a:picLocks noChangeAspect="1"/>
           </p:cNvPicPr>
@@ -7103,8 +7090,8 @@
         </p:blipFill>
         <p:spPr>
           <a:xfrm>
-            <a:off x="8765924" y="2872046"/>
-            <a:ext cx="914401" cy="914401"/>
+            <a:off x="8765923" y="2872046"/>
+            <a:ext cx="914402" cy="914401"/>
           </a:xfrm>
           <a:prstGeom prst="rect">
             <a:avLst/>
@@ -7116,7 +7103,7 @@
       </p:pic>
       <p:pic>
         <p:nvPicPr>
-          <p:cNvPr id="210" name="image19.png" descr="Klemmbrett teilweise angekreuzt"/>
+          <p:cNvPr id="210" name="image16.png" descr="Klemmbrett teilweise angekreuzt"/>
           <p:cNvPicPr>
             <a:picLocks noChangeAspect="1"/>
           </p:cNvPicPr>
@@ -7145,7 +7132,7 @@
       </p:pic>
       <p:pic>
         <p:nvPicPr>
-          <p:cNvPr id="211" name="image21.png" descr="Management"/>
+          <p:cNvPr id="211" name="image17.png" descr="Management"/>
           <p:cNvPicPr>
             <a:picLocks noChangeAspect="1"/>
           </p:cNvPicPr>
@@ -7162,7 +7149,7 @@
         <p:spPr>
           <a:xfrm>
             <a:off x="7684647" y="2414846"/>
-            <a:ext cx="914401" cy="914401"/>
+            <a:ext cx="914402" cy="914401"/>
           </a:xfrm>
           <a:prstGeom prst="rect">
             <a:avLst/>
@@ -7174,7 +7161,7 @@
       </p:pic>
       <p:pic>
         <p:nvPicPr>
-          <p:cNvPr id="212" name="image23.png" descr="Psychische Gesundheit"/>
+          <p:cNvPr id="212" name="image18.png" descr="Psychische Gesundheit"/>
           <p:cNvPicPr>
             <a:picLocks noChangeAspect="1"/>
           </p:cNvPicPr>
@@ -7191,7 +7178,7 @@
         <p:spPr>
           <a:xfrm>
             <a:off x="9884161" y="3329247"/>
-            <a:ext cx="914401" cy="914401"/>
+            <a:ext cx="914401" cy="914402"/>
           </a:xfrm>
           <a:prstGeom prst="rect">
             <a:avLst/>
@@ -7203,7 +7190,7 @@
       </p:pic>
       <p:pic>
         <p:nvPicPr>
-          <p:cNvPr id="213" name="image25.png" descr="Künstliche Intelligenz"/>
+          <p:cNvPr id="213" name="image19.png" descr="Künstliche Intelligenz"/>
           <p:cNvPicPr>
             <a:picLocks noChangeAspect="1"/>
           </p:cNvPicPr>
@@ -7220,7 +7207,7 @@
         <p:spPr>
           <a:xfrm>
             <a:off x="7684647" y="4406255"/>
-            <a:ext cx="914401" cy="914401"/>
+            <a:ext cx="914402" cy="914402"/>
           </a:xfrm>
           <a:prstGeom prst="rect">
             <a:avLst/>
@@ -7232,7 +7219,7 @@
       </p:pic>
       <p:pic>
         <p:nvPicPr>
-          <p:cNvPr id="214" name="image27.png" descr="Blaupause"/>
+          <p:cNvPr id="214" name="image20.png" descr="Blaupause"/>
           <p:cNvPicPr>
             <a:picLocks noChangeAspect="1"/>
           </p:cNvPicPr>
@@ -7249,7 +7236,7 @@
         <p:spPr>
           <a:xfrm>
             <a:off x="9884161" y="5320655"/>
-            <a:ext cx="914401" cy="914401"/>
+            <a:ext cx="914401" cy="914402"/>
           </a:xfrm>
           <a:prstGeom prst="rect">
             <a:avLst/>
@@ -7353,7 +7340,7 @@
                             </p:stCondLst>
                             <p:childTnLst>
                               <p:par>
-                                <p:cTn id="10" presetClass="entr" nodeType="afterEffect" presetSubtype="0" presetID="1" grpId="2" fill="hold">
+                                <p:cTn id="10" presetClass="entr" nodeType="afterEffect" presetSubtype="0" presetID="1" grpId="1" fill="hold">
                                   <p:stCondLst>
                                     <p:cond delay="0"/>
                                   </p:stCondLst>
@@ -7365,7 +7352,11 @@
                                       <p:cBhvr>
                                         <p:cTn id="11" fill="hold"/>
                                         <p:tgtEl>
-                                          <p:spTgt spid="206"/>
+                                          <p:spTgt spid="204">
+                                            <p:txEl>
+                                              <p:pRg st="1" end="1"/>
+                                            </p:txEl>
+                                          </p:spTgt>
                                         </p:tgtEl>
                                         <p:attrNameLst>
                                           <p:attrName>style.visibility</p:attrName>
@@ -7388,7 +7379,7 @@
                             </p:stCondLst>
                             <p:childTnLst>
                               <p:par>
-                                <p:cTn id="13" presetClass="entr" nodeType="afterEffect" presetSubtype="0" presetID="1" grpId="3" fill="hold">
+                                <p:cTn id="13" presetClass="entr" nodeType="afterEffect" presetSubtype="0" presetID="1" grpId="2" fill="hold">
                                   <p:stCondLst>
                                     <p:cond delay="0"/>
                                   </p:stCondLst>
@@ -7400,7 +7391,7 @@
                                       <p:cBhvr>
                                         <p:cTn id="14" fill="hold"/>
                                         <p:tgtEl>
-                                          <p:spTgt spid="208"/>
+                                          <p:spTgt spid="206"/>
                                         </p:tgtEl>
                                         <p:attrNameLst>
                                           <p:attrName>style.visibility</p:attrName>
@@ -7423,7 +7414,7 @@
                             </p:stCondLst>
                             <p:childTnLst>
                               <p:par>
-                                <p:cTn id="16" presetClass="entr" nodeType="afterEffect" presetSubtype="0" presetID="1" grpId="4" fill="hold">
+                                <p:cTn id="16" presetClass="entr" nodeType="afterEffect" presetSubtype="0" presetID="1" grpId="3" fill="hold">
                                   <p:stCondLst>
                                     <p:cond delay="0"/>
                                   </p:stCondLst>
@@ -7435,7 +7426,7 @@
                                       <p:cBhvr>
                                         <p:cTn id="17" fill="hold"/>
                                         <p:tgtEl>
-                                          <p:spTgt spid="210"/>
+                                          <p:spTgt spid="208"/>
                                         </p:tgtEl>
                                         <p:attrNameLst>
                                           <p:attrName>style.visibility</p:attrName>
@@ -7458,7 +7449,7 @@
                             </p:stCondLst>
                             <p:childTnLst>
                               <p:par>
-                                <p:cTn id="19" presetClass="entr" nodeType="afterEffect" presetSubtype="0" presetID="1" grpId="1" fill="hold">
+                                <p:cTn id="19" presetClass="entr" nodeType="afterEffect" presetSubtype="0" presetID="1" grpId="4" fill="hold">
                                   <p:stCondLst>
                                     <p:cond delay="0"/>
                                   </p:stCondLst>
@@ -7470,11 +7461,7 @@
                                       <p:cBhvr>
                                         <p:cTn id="20" fill="hold"/>
                                         <p:tgtEl>
-                                          <p:spTgt spid="204">
-                                            <p:txEl>
-                                              <p:pRg st="1" end="1"/>
-                                            </p:txEl>
-                                          </p:spTgt>
+                                          <p:spTgt spid="210"/>
                                         </p:tgtEl>
                                         <p:attrNameLst>
                                           <p:attrName>style.visibility</p:attrName>
@@ -7607,23 +7594,14 @@
                             </p:childTnLst>
                           </p:cTn>
                         </p:par>
-                      </p:childTnLst>
-                    </p:cTn>
-                  </p:par>
-                  <p:par>
-                    <p:cTn id="30" fill="hold">
-                      <p:stCondLst>
-                        <p:cond delay="indefinite"/>
-                      </p:stCondLst>
-                      <p:childTnLst>
                         <p:par>
-                          <p:cTn id="31" fill="hold">
+                          <p:cTn id="30" fill="hold">
                             <p:stCondLst>
                               <p:cond delay="0"/>
                             </p:stCondLst>
                             <p:childTnLst>
                               <p:par>
-                                <p:cTn id="32" presetClass="entr" nodeType="clickEffect" presetSubtype="0" presetID="1" grpId="1" fill="hold">
+                                <p:cTn id="31" presetClass="entr" nodeType="afterEffect" presetSubtype="0" presetID="1" grpId="1" fill="hold">
                                   <p:stCondLst>
                                     <p:cond delay="0"/>
                                   </p:stCondLst>
@@ -7633,7 +7611,7 @@
                                   <p:childTnLst>
                                     <p:set>
                                       <p:cBhvr>
-                                        <p:cTn id="33" fill="hold"/>
+                                        <p:cTn id="32" fill="hold"/>
                                         <p:tgtEl>
                                           <p:spTgt spid="204">
                                             <p:txEl>
@@ -7655,6 +7633,15 @@
                             </p:childTnLst>
                           </p:cTn>
                         </p:par>
+                      </p:childTnLst>
+                    </p:cTn>
+                  </p:par>
+                  <p:par>
+                    <p:cTn id="33" fill="hold">
+                      <p:stCondLst>
+                        <p:cond delay="indefinite"/>
+                      </p:stCondLst>
+                      <p:childTnLst>
                         <p:par>
                           <p:cTn id="34" fill="hold">
                             <p:stCondLst>
@@ -7662,7 +7649,7 @@
                             </p:stCondLst>
                             <p:childTnLst>
                               <p:par>
-                                <p:cTn id="35" presetClass="entr" nodeType="afterEffect" presetSubtype="0" presetID="1" grpId="1" fill="hold">
+                                <p:cTn id="35" presetClass="entr" nodeType="clickEffect" presetSubtype="0" presetID="1" grpId="1" fill="hold">
                                   <p:stCondLst>
                                     <p:cond delay="0"/>
                                   </p:stCondLst>
@@ -7740,7 +7727,7 @@
                             </p:stCondLst>
                             <p:childTnLst>
                               <p:par>
-                                <p:cTn id="41" presetClass="entr" nodeType="afterEffect" presetSubtype="0" presetID="1" grpId="5" fill="hold">
+                                <p:cTn id="41" presetClass="entr" nodeType="afterEffect" presetSubtype="0" presetID="1" grpId="1" fill="hold">
                                   <p:stCondLst>
                                     <p:cond delay="0"/>
                                   </p:stCondLst>
@@ -7752,7 +7739,11 @@
                                       <p:cBhvr>
                                         <p:cTn id="42" fill="hold"/>
                                         <p:tgtEl>
-                                          <p:spTgt spid="211"/>
+                                          <p:spTgt spid="204">
+                                            <p:txEl>
+                                              <p:pRg st="8" end="8"/>
+                                            </p:txEl>
+                                          </p:spTgt>
                                         </p:tgtEl>
                                         <p:attrNameLst>
                                           <p:attrName>style.visibility</p:attrName>
@@ -7775,7 +7766,7 @@
                             </p:stCondLst>
                             <p:childTnLst>
                               <p:par>
-                                <p:cTn id="44" presetClass="entr" nodeType="afterEffect" presetSubtype="0" presetID="1" grpId="6" fill="hold">
+                                <p:cTn id="44" presetClass="entr" nodeType="afterEffect" presetSubtype="0" presetID="1" grpId="5" fill="hold">
                                   <p:stCondLst>
                                     <p:cond delay="0"/>
                                   </p:stCondLst>
@@ -7787,7 +7778,7 @@
                                       <p:cBhvr>
                                         <p:cTn id="45" fill="hold"/>
                                         <p:tgtEl>
-                                          <p:spTgt spid="209"/>
+                                          <p:spTgt spid="211"/>
                                         </p:tgtEl>
                                         <p:attrNameLst>
                                           <p:attrName>style.visibility</p:attrName>
@@ -7810,7 +7801,7 @@
                             </p:stCondLst>
                             <p:childTnLst>
                               <p:par>
-                                <p:cTn id="47" presetClass="entr" nodeType="afterEffect" presetSubtype="0" presetID="1" grpId="7" fill="hold">
+                                <p:cTn id="47" presetClass="entr" nodeType="afterEffect" presetSubtype="0" presetID="1" grpId="6" fill="hold">
                                   <p:stCondLst>
                                     <p:cond delay="0"/>
                                   </p:stCondLst>
@@ -7822,7 +7813,7 @@
                                       <p:cBhvr>
                                         <p:cTn id="48" fill="hold"/>
                                         <p:tgtEl>
-                                          <p:spTgt spid="212"/>
+                                          <p:spTgt spid="209"/>
                                         </p:tgtEl>
                                         <p:attrNameLst>
                                           <p:attrName>style.visibility</p:attrName>
@@ -7845,7 +7836,7 @@
                             </p:stCondLst>
                             <p:childTnLst>
                               <p:par>
-                                <p:cTn id="50" presetClass="entr" nodeType="afterEffect" presetSubtype="0" presetID="1" grpId="1" fill="hold">
+                                <p:cTn id="50" presetClass="entr" nodeType="afterEffect" presetSubtype="0" presetID="1" grpId="7" fill="hold">
                                   <p:stCondLst>
                                     <p:cond delay="0"/>
                                   </p:stCondLst>
@@ -7857,11 +7848,7 @@
                                       <p:cBhvr>
                                         <p:cTn id="51" fill="hold"/>
                                         <p:tgtEl>
-                                          <p:spTgt spid="204">
-                                            <p:txEl>
-                                              <p:pRg st="8" end="8"/>
-                                            </p:txEl>
-                                          </p:spTgt>
+                                          <p:spTgt spid="212"/>
                                         </p:tgtEl>
                                         <p:attrNameLst>
                                           <p:attrName>style.visibility</p:attrName>
@@ -7955,23 +7942,14 @@
                             </p:childTnLst>
                           </p:cTn>
                         </p:par>
-                      </p:childTnLst>
-                    </p:cTn>
-                  </p:par>
-                  <p:par>
-                    <p:cTn id="58" fill="hold">
-                      <p:stCondLst>
-                        <p:cond delay="indefinite"/>
-                      </p:stCondLst>
-                      <p:childTnLst>
                         <p:par>
-                          <p:cTn id="59" fill="hold">
+                          <p:cTn id="58" fill="hold">
                             <p:stCondLst>
                               <p:cond delay="0"/>
                             </p:stCondLst>
                             <p:childTnLst>
                               <p:par>
-                                <p:cTn id="60" presetClass="entr" nodeType="clickEffect" presetSubtype="0" presetID="1" grpId="1" fill="hold">
+                                <p:cTn id="59" presetClass="entr" nodeType="afterEffect" presetSubtype="0" presetID="1" grpId="1" fill="hold">
                                   <p:stCondLst>
                                     <p:cond delay="0"/>
                                   </p:stCondLst>
@@ -7981,7 +7959,7 @@
                                   <p:childTnLst>
                                     <p:set>
                                       <p:cBhvr>
-                                        <p:cTn id="61" fill="hold"/>
+                                        <p:cTn id="60" fill="hold"/>
                                         <p:tgtEl>
                                           <p:spTgt spid="204">
                                             <p:txEl>
@@ -8003,6 +7981,15 @@
                             </p:childTnLst>
                           </p:cTn>
                         </p:par>
+                      </p:childTnLst>
+                    </p:cTn>
+                  </p:par>
+                  <p:par>
+                    <p:cTn id="61" fill="hold">
+                      <p:stCondLst>
+                        <p:cond delay="indefinite"/>
+                      </p:stCondLst>
+                      <p:childTnLst>
                         <p:par>
                           <p:cTn id="62" fill="hold">
                             <p:stCondLst>
@@ -8010,7 +7997,7 @@
                             </p:stCondLst>
                             <p:childTnLst>
                               <p:par>
-                                <p:cTn id="63" presetClass="entr" nodeType="afterEffect" presetSubtype="0" presetID="1" grpId="1" fill="hold">
+                                <p:cTn id="63" presetClass="entr" nodeType="clickEffect" presetSubtype="0" presetID="1" grpId="1" fill="hold">
                                   <p:stCondLst>
                                     <p:cond delay="0"/>
                                   </p:stCondLst>
@@ -8127,7 +8114,7 @@
                             </p:stCondLst>
                             <p:childTnLst>
                               <p:par>
-                                <p:cTn id="72" presetClass="entr" nodeType="afterEffect" presetSubtype="0" presetID="1" grpId="8" fill="hold">
+                                <p:cTn id="72" presetClass="entr" nodeType="afterEffect" presetSubtype="0" presetID="1" grpId="1" fill="hold">
                                   <p:stCondLst>
                                     <p:cond delay="0"/>
                                   </p:stCondLst>
@@ -8139,7 +8126,11 @@
                                       <p:cBhvr>
                                         <p:cTn id="73" fill="hold"/>
                                         <p:tgtEl>
-                                          <p:spTgt spid="213"/>
+                                          <p:spTgt spid="204">
+                                            <p:txEl>
+                                              <p:pRg st="15" end="15"/>
+                                            </p:txEl>
+                                          </p:spTgt>
                                         </p:tgtEl>
                                         <p:attrNameLst>
                                           <p:attrName>style.visibility</p:attrName>
@@ -8162,7 +8153,7 @@
                             </p:stCondLst>
                             <p:childTnLst>
                               <p:par>
-                                <p:cTn id="75" presetClass="entr" nodeType="afterEffect" presetSubtype="0" presetID="1" grpId="9" fill="hold">
+                                <p:cTn id="75" presetClass="entr" nodeType="afterEffect" presetSubtype="0" presetID="1" grpId="8" fill="hold">
                                   <p:stCondLst>
                                     <p:cond delay="0"/>
                                   </p:stCondLst>
@@ -8174,7 +8165,7 @@
                                       <p:cBhvr>
                                         <p:cTn id="76" fill="hold"/>
                                         <p:tgtEl>
-                                          <p:spTgt spid="207"/>
+                                          <p:spTgt spid="213"/>
                                         </p:tgtEl>
                                         <p:attrNameLst>
                                           <p:attrName>style.visibility</p:attrName>
@@ -8197,7 +8188,7 @@
                             </p:stCondLst>
                             <p:childTnLst>
                               <p:par>
-                                <p:cTn id="78" presetClass="entr" nodeType="afterEffect" presetSubtype="0" presetID="1" grpId="10" fill="hold">
+                                <p:cTn id="78" presetClass="entr" nodeType="afterEffect" presetSubtype="0" presetID="1" grpId="9" fill="hold">
                                   <p:stCondLst>
                                     <p:cond delay="0"/>
                                   </p:stCondLst>
@@ -8208,6 +8199,41 @@
                                     <p:set>
                                       <p:cBhvr>
                                         <p:cTn id="79" fill="hold"/>
+                                        <p:tgtEl>
+                                          <p:spTgt spid="207"/>
+                                        </p:tgtEl>
+                                        <p:attrNameLst>
+                                          <p:attrName>style.visibility</p:attrName>
+                                        </p:attrNameLst>
+                                      </p:cBhvr>
+                                      <p:to>
+                                        <p:strVal val="visible"/>
+                                      </p:to>
+                                    </p:set>
+                                  </p:childTnLst>
+                                </p:cTn>
+                              </p:par>
+                            </p:childTnLst>
+                          </p:cTn>
+                        </p:par>
+                        <p:par>
+                          <p:cTn id="80" fill="hold">
+                            <p:stCondLst>
+                              <p:cond delay="0"/>
+                            </p:stCondLst>
+                            <p:childTnLst>
+                              <p:par>
+                                <p:cTn id="81" presetClass="entr" nodeType="afterEffect" presetSubtype="0" presetID="1" grpId="10" fill="hold">
+                                  <p:stCondLst>
+                                    <p:cond delay="0"/>
+                                  </p:stCondLst>
+                                  <p:iterate type="el" backwards="0">
+                                    <p:tmAbs val="0"/>
+                                  </p:iterate>
+                                  <p:childTnLst>
+                                    <p:set>
+                                      <p:cBhvr>
+                                        <p:cTn id="82" fill="hold"/>
                                         <p:tgtEl>
                                           <p:spTgt spid="214"/>
                                         </p:tgtEl>
@@ -8229,19 +8255,19 @@
                     </p:cTn>
                   </p:par>
                   <p:par>
-                    <p:cTn id="80" fill="hold">
+                    <p:cTn id="83" fill="hold">
                       <p:stCondLst>
                         <p:cond delay="indefinite"/>
                       </p:stCondLst>
                       <p:childTnLst>
                         <p:par>
-                          <p:cTn id="81" fill="hold">
+                          <p:cTn id="84" fill="hold">
                             <p:stCondLst>
                               <p:cond delay="0"/>
                             </p:stCondLst>
                             <p:childTnLst>
                               <p:par>
-                                <p:cTn id="82" presetClass="entr" nodeType="clickEffect" presetSubtype="0" presetID="1" grpId="1" fill="hold">
+                                <p:cTn id="85" presetClass="entr" nodeType="clickEffect" presetSubtype="0" presetID="1" grpId="1" fill="hold">
                                   <p:stCondLst>
                                     <p:cond delay="0"/>
                                   </p:stCondLst>
@@ -8251,55 +8277,7 @@
                                   <p:childTnLst>
                                     <p:set>
                                       <p:cBhvr>
-                                        <p:cTn id="83" fill="hold"/>
-                                        <p:tgtEl>
-                                          <p:spTgt spid="204">
-                                            <p:txEl>
-                                              <p:pRg st="15" end="15"/>
-                                            </p:txEl>
-                                          </p:spTgt>
-                                        </p:tgtEl>
-                                        <p:attrNameLst>
-                                          <p:attrName>style.visibility</p:attrName>
-                                        </p:attrNameLst>
-                                      </p:cBhvr>
-                                      <p:to>
-                                        <p:strVal val="visible"/>
-                                      </p:to>
-                                    </p:set>
-                                  </p:childTnLst>
-                                </p:cTn>
-                              </p:par>
-                            </p:childTnLst>
-                          </p:cTn>
-                        </p:par>
-                      </p:childTnLst>
-                    </p:cTn>
-                  </p:par>
-                  <p:par>
-                    <p:cTn id="84" fill="hold">
-                      <p:stCondLst>
-                        <p:cond delay="indefinite"/>
-                      </p:stCondLst>
-                      <p:childTnLst>
-                        <p:par>
-                          <p:cTn id="85" fill="hold">
-                            <p:stCondLst>
-                              <p:cond delay="0"/>
-                            </p:stCondLst>
-                            <p:childTnLst>
-                              <p:par>
-                                <p:cTn id="86" presetClass="entr" nodeType="clickEffect" presetSubtype="0" presetID="1" grpId="1" fill="hold">
-                                  <p:stCondLst>
-                                    <p:cond delay="0"/>
-                                  </p:stCondLst>
-                                  <p:iterate type="el" backwards="0">
-                                    <p:tmAbs val="0"/>
-                                  </p:iterate>
-                                  <p:childTnLst>
-                                    <p:set>
-                                      <p:cBhvr>
-                                        <p:cTn id="87" fill="hold"/>
+                                        <p:cTn id="86" fill="hold"/>
                                         <p:tgtEl>
                                           <p:spTgt spid="204">
                                             <p:txEl>
@@ -8325,19 +8303,19 @@
                     </p:cTn>
                   </p:par>
                   <p:par>
-                    <p:cTn id="88" fill="hold">
+                    <p:cTn id="87" fill="hold">
                       <p:stCondLst>
                         <p:cond delay="indefinite"/>
                       </p:stCondLst>
                       <p:childTnLst>
                         <p:par>
-                          <p:cTn id="89" fill="hold">
+                          <p:cTn id="88" fill="hold">
                             <p:stCondLst>
                               <p:cond delay="0"/>
                             </p:stCondLst>
                             <p:childTnLst>
                               <p:par>
-                                <p:cTn id="90" presetClass="entr" nodeType="clickEffect" presetSubtype="0" presetID="1" grpId="1" fill="hold">
+                                <p:cTn id="89" presetClass="entr" nodeType="clickEffect" presetSubtype="0" presetID="1" grpId="1" fill="hold">
                                   <p:stCondLst>
                                     <p:cond delay="0"/>
                                   </p:stCondLst>
@@ -8347,7 +8325,7 @@
                                   <p:childTnLst>
                                     <p:set>
                                       <p:cBhvr>
-                                        <p:cTn id="91" fill="hold"/>
+                                        <p:cTn id="90" fill="hold"/>
                                         <p:tgtEl>
                                           <p:spTgt spid="204">
                                             <p:txEl>
@@ -8373,19 +8351,19 @@
                     </p:cTn>
                   </p:par>
                   <p:par>
-                    <p:cTn id="92" fill="hold">
+                    <p:cTn id="91" fill="hold">
                       <p:stCondLst>
                         <p:cond delay="indefinite"/>
                       </p:stCondLst>
                       <p:childTnLst>
                         <p:par>
-                          <p:cTn id="93" fill="hold">
+                          <p:cTn id="92" fill="hold">
                             <p:stCondLst>
                               <p:cond delay="0"/>
                             </p:stCondLst>
                             <p:childTnLst>
                               <p:par>
-                                <p:cTn id="94" presetClass="entr" nodeType="clickEffect" presetSubtype="0" presetID="1" grpId="1" fill="hold">
+                                <p:cTn id="93" presetClass="entr" nodeType="clickEffect" presetSubtype="0" presetID="1" grpId="1" fill="hold">
                                   <p:stCondLst>
                                     <p:cond delay="0"/>
                                   </p:stCondLst>
@@ -8395,7 +8373,7 @@
                                   <p:childTnLst>
                                     <p:set>
                                       <p:cBhvr>
-                                        <p:cTn id="95" fill="hold"/>
+                                        <p:cTn id="94" fill="hold"/>
                                         <p:tgtEl>
                                           <p:spTgt spid="204">
                                             <p:txEl>
@@ -8421,19 +8399,19 @@
                     </p:cTn>
                   </p:par>
                   <p:par>
-                    <p:cTn id="96" fill="hold">
+                    <p:cTn id="95" fill="hold">
                       <p:stCondLst>
                         <p:cond delay="indefinite"/>
                       </p:stCondLst>
                       <p:childTnLst>
                         <p:par>
-                          <p:cTn id="97" fill="hold">
+                          <p:cTn id="96" fill="hold">
                             <p:stCondLst>
                               <p:cond delay="0"/>
                             </p:stCondLst>
                             <p:childTnLst>
                               <p:par>
-                                <p:cTn id="98" presetClass="entr" nodeType="clickEffect" presetSubtype="0" presetID="1" grpId="1" fill="hold">
+                                <p:cTn id="97" presetClass="entr" nodeType="clickEffect" presetSubtype="0" presetID="1" grpId="1" fill="hold">
                                   <p:stCondLst>
                                     <p:cond delay="0"/>
                                   </p:stCondLst>
@@ -8443,7 +8421,7 @@
                                   <p:childTnLst>
                                     <p:set>
                                       <p:cBhvr>
-                                        <p:cTn id="99" fill="hold"/>
+                                        <p:cTn id="98" fill="hold"/>
                                         <p:tgtEl>
                                           <p:spTgt spid="204">
                                             <p:txEl>
@@ -8469,19 +8447,19 @@
                     </p:cTn>
                   </p:par>
                   <p:par>
-                    <p:cTn id="100" fill="hold">
+                    <p:cTn id="99" fill="hold">
                       <p:stCondLst>
                         <p:cond delay="indefinite"/>
                       </p:stCondLst>
                       <p:childTnLst>
                         <p:par>
-                          <p:cTn id="101" fill="hold">
+                          <p:cTn id="100" fill="hold">
                             <p:stCondLst>
                               <p:cond delay="0"/>
                             </p:stCondLst>
                             <p:childTnLst>
                               <p:par>
-                                <p:cTn id="102" presetClass="entr" nodeType="clickEffect" presetSubtype="0" presetID="1" grpId="1" fill="hold">
+                                <p:cTn id="101" presetClass="entr" nodeType="clickEffect" presetSubtype="0" presetID="1" grpId="1" fill="hold">
                                   <p:stCondLst>
                                     <p:cond delay="0"/>
                                   </p:stCondLst>
@@ -8491,7 +8469,7 @@
                                   <p:childTnLst>
                                     <p:set>
                                       <p:cBhvr>
-                                        <p:cTn id="103" fill="hold"/>
+                                        <p:cTn id="102" fill="hold"/>
                                         <p:tgtEl>
                                           <p:spTgt spid="204">
                                             <p:txEl>
@@ -8538,16 +8516,16 @@
       </p:par>
     </p:tnLst>
     <p:bldLst>
+      <p:bldP build="whole" bldLvl="1" animBg="1" rev="0" advAuto="0" spid="210" grpId="4"/>
+      <p:bldP build="whole" bldLvl="1" animBg="1" rev="0" advAuto="0" spid="214" grpId="10"/>
+      <p:bldP build="whole" bldLvl="1" animBg="1" rev="0" advAuto="0" spid="209" grpId="6"/>
+      <p:bldP build="whole" bldLvl="1" animBg="1" rev="0" advAuto="0" spid="211" grpId="5"/>
       <p:bldP build="whole" bldLvl="1" animBg="1" rev="0" advAuto="0" spid="213" grpId="8"/>
-      <p:bldP build="whole" bldLvl="1" animBg="1" rev="0" advAuto="0" spid="211" grpId="5"/>
-      <p:bldP build="whole" bldLvl="1" animBg="1" rev="0" advAuto="0" spid="209" grpId="6"/>
+      <p:bldP build="whole" bldLvl="1" animBg="1" rev="0" advAuto="0" spid="208" grpId="3"/>
+      <p:bldP build="p" bldLvl="5" animBg="1" rev="0" advAuto="0" spid="204" grpId="1"/>
       <p:bldP build="whole" bldLvl="1" animBg="1" rev="0" advAuto="0" spid="207" grpId="9"/>
-      <p:bldP build="whole" bldLvl="1" animBg="1" rev="0" advAuto="0" spid="214" grpId="10"/>
-      <p:bldP build="p" bldLvl="5" animBg="1" rev="0" advAuto="0" spid="204" grpId="1"/>
+      <p:bldP build="whole" bldLvl="1" animBg="1" rev="0" advAuto="0" spid="206" grpId="2"/>
       <p:bldP build="whole" bldLvl="1" animBg="1" rev="0" advAuto="0" spid="212" grpId="7"/>
-      <p:bldP build="whole" bldLvl="1" animBg="1" rev="0" advAuto="0" spid="208" grpId="3"/>
-      <p:bldP build="whole" bldLvl="1" animBg="1" rev="0" advAuto="0" spid="206" grpId="2"/>
-      <p:bldP build="whole" bldLvl="1" animBg="1" rev="0" advAuto="0" spid="210" grpId="4"/>
     </p:bldLst>
   </p:timing>
 </p:sld>

--- a/00_General/Presentation/MS 5/Presentation_Milestone_v_Master.pptx
+++ b/00_General/Presentation/MS 5/Presentation_Milestone_v_Master.pptx
@@ -18,6 +18,7 @@
     <p:sldId id="263" r:id="rId15"/>
     <p:sldId id="264" r:id="rId16"/>
     <p:sldId id="265" r:id="rId17"/>
+    <p:sldId id="266" r:id="rId18"/>
   </p:sldIdLst>
   <p:sldSz cx="12192000" cy="6858000"/>
   <p:notesSz cx="6858000" cy="9144000"/>
@@ -345,7 +346,7 @@
       </p:grpSpPr>
       <p:sp>
         <p:nvSpPr>
-          <p:cNvPr id="118" name="Shape 118"/>
+          <p:cNvPr id="127" name="Shape 127"/>
           <p:cNvSpPr/>
           <p:nvPr>
             <p:ph type="sldImg"/>
@@ -370,7 +371,7 @@
       </p:sp>
       <p:sp>
         <p:nvSpPr>
-          <p:cNvPr id="119" name="Shape 119"/>
+          <p:cNvPr id="128" name="Shape 128"/>
           <p:cNvSpPr/>
           <p:nvPr>
             <p:ph type="body" sz="quarter" idx="1"/>
@@ -533,7 +534,7 @@
         <p:spPr>
           <a:xfrm>
             <a:off x="1524000" y="3602037"/>
-            <a:ext cx="9144000" cy="1655768"/>
+            <a:ext cx="9144000" cy="1655769"/>
           </a:xfrm>
           <a:prstGeom prst="rect">
             <a:avLst/>
@@ -1004,6 +1005,137 @@
           </p:nvPr>
         </p:nvSpPr>
         <p:spPr>
+          <a:prstGeom prst="rect">
+            <a:avLst/>
+          </a:prstGeom>
+        </p:spPr>
+        <p:txBody>
+          <a:bodyPr/>
+          <a:lstStyle/>
+          <a:p>
+            <a:pPr/>
+            <a:fld id="{86CB4B4D-7CA3-9044-876B-883B54F8677D}" type="slidenum"/>
+          </a:p>
+        </p:txBody>
+      </p:sp>
+    </p:spTree>
+  </p:cSld>
+  <p:clrMapOvr>
+    <a:masterClrMapping/>
+  </p:clrMapOvr>
+  <p:transition xmlns:p14="http://schemas.microsoft.com/office/powerpoint/2010/main" spd="med" advClick="1"/>
+</p:sldLayout>
+</file>
+
+<file path=ppt/slideLayouts/slideLayout13.xml><?xml version="1.0" encoding="utf-8"?>
+<p:sldLayout xmlns:a="http://schemas.openxmlformats.org/drawingml/2006/main" xmlns:r="http://schemas.openxmlformats.org/officeDocument/2006/relationships" xmlns:p="http://schemas.openxmlformats.org/presentationml/2006/main" type="tx" showMasterSp="1" showMasterPhAnim="1">
+  <p:cSld name="Titel und Inhalt 0">
+    <p:bg>
+      <p:bgPr>
+        <a:solidFill>
+          <a:srgbClr val="E3FDDB"/>
+        </a:solidFill>
+      </p:bgPr>
+    </p:bg>
+    <p:spTree>
+      <p:nvGrpSpPr>
+        <p:cNvPr id="1" name=""/>
+        <p:cNvGrpSpPr/>
+        <p:nvPr/>
+      </p:nvGrpSpPr>
+      <p:grpSpPr>
+        <a:xfrm>
+          <a:off x="0" y="0"/>
+          <a:ext cx="0" cy="0"/>
+          <a:chOff x="0" y="0"/>
+          <a:chExt cx="0" cy="0"/>
+        </a:xfrm>
+      </p:grpSpPr>
+      <p:sp>
+        <p:nvSpPr>
+          <p:cNvPr id="119" name="Shape 119"/>
+          <p:cNvSpPr/>
+          <p:nvPr>
+            <p:ph type="title"/>
+          </p:nvPr>
+        </p:nvSpPr>
+        <p:spPr>
+          <a:prstGeom prst="rect">
+            <a:avLst/>
+          </a:prstGeom>
+        </p:spPr>
+        <p:txBody>
+          <a:bodyPr/>
+          <a:lstStyle/>
+          <a:p>
+            <a:pPr/>
+            <a:r>
+              <a:t>Titeltext</a:t>
+            </a:r>
+          </a:p>
+        </p:txBody>
+      </p:sp>
+      <p:sp>
+        <p:nvSpPr>
+          <p:cNvPr id="120" name="Shape 120"/>
+          <p:cNvSpPr/>
+          <p:nvPr>
+            <p:ph type="body" idx="1"/>
+          </p:nvPr>
+        </p:nvSpPr>
+        <p:spPr>
+          <a:prstGeom prst="rect">
+            <a:avLst/>
+          </a:prstGeom>
+        </p:spPr>
+        <p:txBody>
+          <a:bodyPr/>
+          <a:lstStyle/>
+          <a:p>
+            <a:pPr/>
+            <a:r>
+              <a:t>Textebene 1</a:t>
+            </a:r>
+          </a:p>
+          <a:p>
+            <a:pPr lvl="1"/>
+            <a:r>
+              <a:t>Textebene 2</a:t>
+            </a:r>
+          </a:p>
+          <a:p>
+            <a:pPr lvl="2"/>
+            <a:r>
+              <a:t>Textebene 3</a:t>
+            </a:r>
+          </a:p>
+          <a:p>
+            <a:pPr lvl="3"/>
+            <a:r>
+              <a:t>Textebene 4</a:t>
+            </a:r>
+          </a:p>
+          <a:p>
+            <a:pPr lvl="4"/>
+            <a:r>
+              <a:t>Textebene 5</a:t>
+            </a:r>
+          </a:p>
+        </p:txBody>
+      </p:sp>
+      <p:sp>
+        <p:nvSpPr>
+          <p:cNvPr id="121" name="Shape 121"/>
+          <p:cNvSpPr/>
+          <p:nvPr>
+            <p:ph type="sldNum" sz="quarter" idx="2"/>
+          </p:nvPr>
+        </p:nvSpPr>
+        <p:spPr>
+          <a:xfrm>
+            <a:off x="11089824" y="6404294"/>
+            <a:ext cx="263979" cy="269237"/>
+          </a:xfrm>
           <a:prstGeom prst="rect">
             <a:avLst/>
           </a:prstGeom>
@@ -1333,7 +1465,7 @@
         <p:spPr>
           <a:xfrm>
             <a:off x="831850" y="4589462"/>
-            <a:ext cx="10515600" cy="1500193"/>
+            <a:ext cx="10515600" cy="1500194"/>
           </a:xfrm>
           <a:prstGeom prst="rect">
             <a:avLst/>
@@ -1636,7 +1768,7 @@
         <p:spPr>
           <a:xfrm>
             <a:off x="839787" y="1681163"/>
-            <a:ext cx="5157790" cy="823918"/>
+            <a:ext cx="5157790" cy="823919"/>
           </a:xfrm>
           <a:prstGeom prst="rect">
             <a:avLst/>
@@ -2188,6 +2320,7 @@
     <p:sldLayoutId id="2147483658" r:id="rId11"/>
     <p:sldLayoutId id="2147483659" r:id="rId12"/>
     <p:sldLayoutId id="2147483660" r:id="rId13"/>
+    <p:sldLayoutId id="2147483661" r:id="rId14"/>
   </p:sldLayoutIdLst>
   <p:transition xmlns:p14="http://schemas.microsoft.com/office/powerpoint/2010/main" spd="med" advClick="1"/>
   <p:txStyles>
@@ -3010,14 +3143,14 @@
       </p:grpSpPr>
       <p:sp>
         <p:nvSpPr>
-          <p:cNvPr id="121" name="Shape 121"/>
+          <p:cNvPr id="130" name="Shape 130"/>
           <p:cNvSpPr/>
           <p:nvPr/>
         </p:nvSpPr>
         <p:spPr>
           <a:xfrm>
-            <a:off x="611423" y="473693"/>
-            <a:ext cx="6348578" cy="5345860"/>
+            <a:off x="611423" y="473692"/>
+            <a:ext cx="6348578" cy="5345861"/>
           </a:xfrm>
           <a:prstGeom prst="rect">
             <a:avLst/>
@@ -3315,7 +3448,7 @@
       </p:sp>
       <p:pic>
         <p:nvPicPr>
-          <p:cNvPr id="122" name="image1.png" descr="Bildergebnis für skip bo"/>
+          <p:cNvPr id="131" name="image1.png" descr="Bildergebnis für skip bo"/>
           <p:cNvPicPr>
             <a:picLocks noChangeAspect="1"/>
           </p:cNvPicPr>
@@ -3344,7 +3477,7 @@
       </p:pic>
       <p:sp>
         <p:nvSpPr>
-          <p:cNvPr id="123" name="Shape 123"/>
+          <p:cNvPr id="132" name="Shape 132"/>
           <p:cNvSpPr/>
           <p:nvPr/>
         </p:nvSpPr>
@@ -3380,7 +3513,7 @@
       </p:sp>
       <p:pic>
         <p:nvPicPr>
-          <p:cNvPr id="124" name="image2.png" descr="Bildergebnis für skip bo"/>
+          <p:cNvPr id="133" name="image2.png" descr="Bildergebnis für skip bo"/>
           <p:cNvPicPr>
             <a:picLocks noChangeAspect="1"/>
           </p:cNvPicPr>
@@ -3409,7 +3542,7 @@
       </p:pic>
       <p:pic>
         <p:nvPicPr>
-          <p:cNvPr id="125" name="image3.png" descr="Schuljunge"/>
+          <p:cNvPr id="134" name="image3.png" descr="Schuljunge"/>
           <p:cNvPicPr>
             <a:picLocks noChangeAspect="1"/>
           </p:cNvPicPr>
@@ -3426,7 +3559,7 @@
         <p:spPr>
           <a:xfrm>
             <a:off x="611421" y="4067416"/>
-            <a:ext cx="731508" cy="731512"/>
+            <a:ext cx="731509" cy="731513"/>
           </a:xfrm>
           <a:prstGeom prst="rect">
             <a:avLst/>
@@ -3438,7 +3571,7 @@
       </p:pic>
       <p:pic>
         <p:nvPicPr>
-          <p:cNvPr id="126" name="image4.png" descr="Schulmädchen"/>
+          <p:cNvPr id="135" name="image4.png" descr="Schulmädchen"/>
           <p:cNvPicPr>
             <a:picLocks noChangeAspect="1"/>
           </p:cNvPicPr>
@@ -3455,7 +3588,7 @@
         <p:spPr>
           <a:xfrm>
             <a:off x="611421" y="3375142"/>
-            <a:ext cx="731508" cy="731512"/>
+            <a:ext cx="731509" cy="731513"/>
           </a:xfrm>
           <a:prstGeom prst="rect">
             <a:avLst/>
@@ -3467,7 +3600,7 @@
       </p:pic>
       <p:pic>
         <p:nvPicPr>
-          <p:cNvPr id="127" name="image3.png" descr="Schuljunge"/>
+          <p:cNvPr id="136" name="image3.png" descr="Schuljunge"/>
           <p:cNvPicPr>
             <a:picLocks noChangeAspect="1"/>
           </p:cNvPicPr>
@@ -3484,7 +3617,7 @@
         <p:spPr>
           <a:xfrm>
             <a:off x="611421" y="4713077"/>
-            <a:ext cx="731508" cy="731508"/>
+            <a:ext cx="731509" cy="731509"/>
           </a:xfrm>
           <a:prstGeom prst="rect">
             <a:avLst/>
@@ -3496,7 +3629,7 @@
       </p:pic>
       <p:pic>
         <p:nvPicPr>
-          <p:cNvPr id="128" name="image3.png" descr="Schuljunge"/>
+          <p:cNvPr id="137" name="image3.png" descr="Schuljunge"/>
           <p:cNvPicPr>
             <a:picLocks noChangeAspect="1"/>
           </p:cNvPicPr>
@@ -3513,7 +3646,7 @@
         <p:spPr>
           <a:xfrm>
             <a:off x="611421" y="5343711"/>
-            <a:ext cx="731508" cy="731512"/>
+            <a:ext cx="731509" cy="731513"/>
           </a:xfrm>
           <a:prstGeom prst="rect">
             <a:avLst/>
@@ -3525,7 +3658,7 @@
       </p:pic>
       <p:pic>
         <p:nvPicPr>
-          <p:cNvPr id="129" name="image5.png"/>
+          <p:cNvPr id="138" name="image5.png"/>
           <p:cNvPicPr>
             <a:picLocks noChangeAspect="1"/>
           </p:cNvPicPr>
@@ -3541,8 +3674,8 @@
         </p:blipFill>
         <p:spPr>
           <a:xfrm>
-            <a:off x="4522011" y="2342664"/>
-            <a:ext cx="905124" cy="860507"/>
+            <a:off x="4522011" y="2342663"/>
+            <a:ext cx="905125" cy="860508"/>
           </a:xfrm>
           <a:prstGeom prst="rect">
             <a:avLst/>
@@ -3654,7 +3787,7 @@
           <a:p>
             <a:pPr/>
             <a:r>
-              <a:t>	</a:t>
+              <a:t>	Lektion gelernt</a:t>
             </a:r>
           </a:p>
         </p:txBody>
@@ -3669,8 +3802,8 @@
         </p:nvSpPr>
         <p:spPr>
           <a:xfrm>
-            <a:off x="11089816" y="6404292"/>
-            <a:ext cx="263978" cy="269237"/>
+            <a:off x="11089818" y="6404292"/>
+            <a:ext cx="263979" cy="269237"/>
           </a:xfrm>
           <a:prstGeom prst="rect">
             <a:avLst/>
@@ -3698,8 +3831,44 @@
         </p:nvSpPr>
         <p:spPr>
           <a:xfrm>
-            <a:off x="4535399" y="3136612"/>
-            <a:ext cx="7236002" cy="1501137"/>
+            <a:off x="-11088" y="720436"/>
+            <a:ext cx="5268895" cy="7"/>
+          </a:xfrm>
+          <a:prstGeom prst="line">
+            <a:avLst/>
+          </a:prstGeom>
+          <a:ln w="28575">
+            <a:solidFill>
+              <a:srgbClr val="000000"/>
+            </a:solidFill>
+            <a:miter/>
+          </a:ln>
+          <a:effectLst>
+            <a:outerShdw sx="100000" sy="100000" kx="0" ky="0" algn="b" rotWithShape="0" blurRad="50800" dist="38100" dir="2700000">
+              <a:srgbClr val="000000">
+                <a:alpha val="40000"/>
+              </a:srgbClr>
+            </a:outerShdw>
+          </a:effectLst>
+        </p:spPr>
+        <p:txBody>
+          <a:bodyPr lIns="45718" tIns="45718" rIns="45718" bIns="45718"/>
+          <a:lstStyle/>
+          <a:p>
+            <a:pPr/>
+          </a:p>
+        </p:txBody>
+      </p:sp>
+      <p:sp>
+        <p:nvSpPr>
+          <p:cNvPr id="220" name="Shape 220"/>
+          <p:cNvSpPr/>
+          <p:nvPr/>
+        </p:nvSpPr>
+        <p:spPr>
+          <a:xfrm>
+            <a:off x="340969" y="919993"/>
+            <a:ext cx="9678490" cy="6108697"/>
           </a:xfrm>
           <a:prstGeom prst="rect">
             <a:avLst/>
@@ -3717,22 +3886,193 @@
           <a:bodyPr lIns="45718" tIns="45718" rIns="45718" bIns="45718">
             <a:spAutoFit/>
           </a:bodyPr>
-          <a:lstStyle>
-            <a:lvl1pPr algn="ctr">
-              <a:defRPr b="1" i="1" sz="3200"/>
-            </a:lvl1pPr>
-          </a:lstStyle>
-          <a:p>
-            <a:pPr/>
-            <a:r>
-              <a:t>Vielen Dank für eure Aufmerksamkeit und viel Erfolg bei den Prüfungen !</a:t>
-            </a:r>
+          <a:lstStyle/>
+          <a:p>
+            <a:pPr marL="342900" indent="-342900">
+              <a:lnSpc>
+                <a:spcPct val="120000"/>
+              </a:lnSpc>
+              <a:buSzPct val="100000"/>
+              <a:buFont typeface="Arial"/>
+              <a:buChar char="•"/>
+              <a:defRPr b="1" sz="2000"/>
+            </a:pPr>
+            <a:r>
+              <a:t>Organisatorisch:</a:t>
+            </a:r>
+          </a:p>
+          <a:p>
+            <a:pPr lvl="1" marL="800100" indent="-342900">
+              <a:buSzPct val="100000"/>
+              <a:buChar char="-"/>
+              <a:defRPr sz="2000"/>
+            </a:pPr>
+            <a:r>
+              <a:t>Mehr Zeit für Neues einplanen</a:t>
+            </a:r>
+          </a:p>
+          <a:p>
+            <a:pPr lvl="1" marL="800100" indent="-342900">
+              <a:buSzPct val="100000"/>
+              <a:buChar char="-"/>
+              <a:defRPr sz="2000"/>
+            </a:pPr>
+            <a:r>
+              <a:t>Code der Anderen laufend überfliegen</a:t>
+            </a:r>
+          </a:p>
+          <a:p>
+            <a:pPr lvl="1" marL="800100" indent="-342900">
+              <a:buSzPct val="100000"/>
+              <a:buChar char="-"/>
+              <a:defRPr sz="2000"/>
+            </a:pPr>
+            <a:r>
+              <a:t>Bessere Strukturierung von Beginn an</a:t>
+            </a:r>
+          </a:p>
+          <a:p>
+            <a:pPr lvl="1" indent="457200">
+              <a:defRPr sz="2000"/>
+            </a:pPr>
+          </a:p>
+          <a:p>
+            <a:pPr marL="342900" indent="-342900">
+              <a:lnSpc>
+                <a:spcPct val="120000"/>
+              </a:lnSpc>
+              <a:buSzPct val="100000"/>
+              <a:buFont typeface="Arial"/>
+              <a:buChar char="•"/>
+              <a:defRPr b="1" sz="2000"/>
+            </a:pPr>
+            <a:r>
+              <a:t>Code vom Spiel:</a:t>
+            </a:r>
+          </a:p>
+          <a:p>
+            <a:pPr lvl="1" marL="800100" indent="-342900">
+              <a:buSzPct val="100000"/>
+              <a:buChar char="-"/>
+              <a:defRPr sz="2000"/>
+            </a:pPr>
+            <a:r>
+              <a:t>Mehr Vererbung</a:t>
+            </a:r>
+          </a:p>
+          <a:p>
+            <a:pPr lvl="1" marL="800100" indent="-342900">
+              <a:buSzPct val="100000"/>
+              <a:buChar char="-"/>
+              <a:defRPr sz="2000"/>
+            </a:pPr>
+            <a:r>
+              <a:t>Wo möglich Enum-Typen</a:t>
+            </a:r>
+          </a:p>
+          <a:p>
+            <a:pPr lvl="1" marL="800100" indent="-342900">
+              <a:buSzPct val="100000"/>
+              <a:buChar char="-"/>
+              <a:defRPr sz="2000"/>
+            </a:pPr>
+            <a:r>
+              <a:t>Strukturierte Vergabe von Variablennamen</a:t>
+            </a:r>
+          </a:p>
+          <a:p>
+            <a:pPr lvl="1" marL="800100" indent="-342900">
+              <a:buSzPct val="100000"/>
+              <a:buChar char="-"/>
+              <a:defRPr sz="2000"/>
+            </a:pPr>
+            <a:r>
+              <a:t>Verwendung von JavaFX</a:t>
+            </a:r>
+          </a:p>
+          <a:p>
+            <a:pPr lvl="1" marL="800100" indent="-342900">
+              <a:buSzPct val="100000"/>
+              <a:buChar char="-"/>
+              <a:defRPr sz="2000"/>
+            </a:pPr>
+            <a:r>
+              <a:t>Testen auch übers JAR</a:t>
+            </a:r>
+          </a:p>
+          <a:p>
+            <a:pPr lvl="1" indent="457200">
+              <a:defRPr sz="2000"/>
+            </a:pPr>
+          </a:p>
+          <a:p>
+            <a:pPr marL="342900" indent="-342900">
+              <a:lnSpc>
+                <a:spcPct val="120000"/>
+              </a:lnSpc>
+              <a:buSzPct val="100000"/>
+              <a:buFont typeface="Arial"/>
+              <a:buChar char="•"/>
+              <a:defRPr b="1" sz="2000"/>
+            </a:pPr>
+            <a:r>
+              <a:t>JUnit-Tests:</a:t>
+            </a:r>
+          </a:p>
+          <a:p>
+            <a:pPr lvl="1" marL="581525" indent="-200525">
+              <a:buSzPct val="100000"/>
+              <a:buChar char="-"/>
+              <a:defRPr b="1" sz="2000"/>
+            </a:pPr>
+            <a:r>
+              <a:t>Z</a:t>
+            </a:r>
+            <a:r>
+              <a:rPr b="0"/>
+              <a:t>u Beginn Überlegungen zu den Tests</a:t>
+            </a:r>
+          </a:p>
+          <a:p>
+            <a:pPr lvl="1" marL="581525" indent="-200525">
+              <a:buSzPct val="100000"/>
+              <a:buChar char="-"/>
+              <a:defRPr sz="2000"/>
+            </a:pPr>
+            <a:r>
+              <a:t>Genauer informieren </a:t>
+            </a:r>
+          </a:p>
+          <a:p>
+            <a:pPr lvl="1" marL="581525" indent="-200525">
+              <a:buSzPct val="100000"/>
+              <a:buChar char="-"/>
+              <a:defRPr sz="2000"/>
+            </a:pPr>
+            <a:r>
+              <a:t>Vererbung und Interfaces erhöhen Testbarkeit</a:t>
+            </a:r>
+          </a:p>
+          <a:p>
+            <a:pPr lvl="1" indent="381000">
+              <a:defRPr sz="2000"/>
+            </a:pPr>
+          </a:p>
+          <a:p>
+            <a:pPr lvl="1" indent="457200">
+              <a:defRPr sz="2000"/>
+            </a:pPr>
+          </a:p>
+          <a:p>
+            <a:pPr lvl="1" indent="457200">
+              <a:defRPr sz="2000"/>
+            </a:pPr>
           </a:p>
         </p:txBody>
       </p:sp>
       <p:pic>
         <p:nvPicPr>
-          <p:cNvPr id="220" name="image2.png" descr="Bildergebnis für skip bo"/>
+          <p:cNvPr id="221" name="image10.png" descr="Idee"/>
           <p:cNvPicPr>
             <a:picLocks noChangeAspect="1"/>
           </p:cNvPicPr>
@@ -3747,9 +4087,9 @@
           </a:stretch>
         </p:blipFill>
         <p:spPr>
-          <a:xfrm rot="20942087">
-            <a:off x="-485571" y="736124"/>
-            <a:ext cx="5815389" cy="5168056"/>
+          <a:xfrm>
+            <a:off x="122067" y="63730"/>
+            <a:ext cx="592977" cy="592975"/>
           </a:xfrm>
           <a:prstGeom prst="rect">
             <a:avLst/>
@@ -3759,370 +4099,9 @@
           </a:ln>
         </p:spPr>
       </p:pic>
-      <p:sp>
-        <p:nvSpPr>
-          <p:cNvPr id="221" name="Shape 221"/>
-          <p:cNvSpPr/>
-          <p:nvPr/>
-        </p:nvSpPr>
-        <p:spPr>
-          <a:xfrm>
-            <a:off x="1207435" y="5952201"/>
-            <a:ext cx="2246852" cy="294637"/>
-          </a:xfrm>
-          <a:prstGeom prst="rect">
-            <a:avLst/>
-          </a:prstGeom>
-          <a:ln w="12700">
-            <a:miter lim="400000"/>
-          </a:ln>
-          <a:extLst>
-            <a:ext uri="{C572A759-6A51-4108-AA02-DFA0A04FC94B}">
-              <ma14:wrappingTextBoxFlag xmlns:ma14="http://schemas.microsoft.com/office/mac/drawingml/2011/main" val="1"/>
-            </a:ext>
-          </a:extLst>
-        </p:spPr>
-        <p:txBody>
-          <a:bodyPr wrap="none" lIns="45718" tIns="45718" rIns="45718" bIns="45718">
-            <a:spAutoFit/>
-          </a:bodyPr>
-          <a:lstStyle>
-            <a:lvl1pPr>
-              <a:defRPr sz="1400"/>
-            </a:lvl1pPr>
-          </a:lstStyle>
-          <a:p>
-            <a:pPr/>
-            <a:r>
-              <a:t>Quelle:  mercadolibre.com</a:t>
-            </a:r>
-          </a:p>
-        </p:txBody>
-      </p:sp>
-    </p:spTree>
-  </p:cSld>
-  <p:clrMapOvr>
-    <a:masterClrMapping/>
-  </p:clrMapOvr>
-  <p:transition xmlns:p14="http://schemas.microsoft.com/office/powerpoint/2010/main" spd="med" advClick="1" p14:dur="1000"/>
-</p:sld>
-</file>
-
-<file path=ppt/slides/slide2.xml><?xml version="1.0" encoding="utf-8"?>
-<p:sld xmlns:a="http://schemas.openxmlformats.org/drawingml/2006/main" xmlns:r="http://schemas.openxmlformats.org/officeDocument/2006/relationships" xmlns:p="http://schemas.openxmlformats.org/presentationml/2006/main" showMasterSp="1" showMasterPhAnim="1">
-  <p:cSld>
-    <p:spTree>
-      <p:nvGrpSpPr>
-        <p:cNvPr id="1" name=""/>
-        <p:cNvGrpSpPr/>
-        <p:nvPr/>
-      </p:nvGrpSpPr>
-      <p:grpSpPr>
-        <a:xfrm>
-          <a:off x="0" y="0"/>
-          <a:ext cx="0" cy="0"/>
-          <a:chOff x="0" y="0"/>
-          <a:chExt cx="0" cy="0"/>
-        </a:xfrm>
-      </p:grpSpPr>
-      <p:sp>
-        <p:nvSpPr>
-          <p:cNvPr id="131" name="Shape 131"/>
-          <p:cNvSpPr/>
-          <p:nvPr/>
-        </p:nvSpPr>
-        <p:spPr>
-          <a:xfrm>
-            <a:off x="4038600" y="6404292"/>
-            <a:ext cx="4114800" cy="269237"/>
-          </a:xfrm>
-          <a:prstGeom prst="rect">
-            <a:avLst/>
-          </a:prstGeom>
-          <a:ln w="12700">
-            <a:miter lim="400000"/>
-          </a:ln>
-          <a:extLst>
-            <a:ext uri="{C572A759-6A51-4108-AA02-DFA0A04FC94B}">
-              <ma14:wrappingTextBoxFlag xmlns:ma14="http://schemas.microsoft.com/office/mac/drawingml/2011/main" val="1"/>
-            </a:ext>
-          </a:extLst>
-        </p:spPr>
-        <p:txBody>
-          <a:bodyPr lIns="45718" tIns="45718" rIns="45718" bIns="45718" anchor="ctr">
-            <a:spAutoFit/>
-          </a:bodyPr>
-          <a:lstStyle>
-            <a:lvl1pPr algn="ctr">
-              <a:defRPr sz="1200">
-                <a:solidFill>
-                  <a:srgbClr val="888888"/>
-                </a:solidFill>
-              </a:defRPr>
-            </a:lvl1pPr>
-          </a:lstStyle>
-          <a:p>
-            <a:pPr/>
-            <a:r>
-              <a:t>Mlst.-Präsentation Nr. V  /  Gruppe 15</a:t>
-            </a:r>
-          </a:p>
-        </p:txBody>
-      </p:sp>
-      <p:sp>
-        <p:nvSpPr>
-          <p:cNvPr id="132" name="Shape 132"/>
-          <p:cNvSpPr/>
-          <p:nvPr>
-            <p:ph type="body" sz="half" idx="1"/>
-          </p:nvPr>
-        </p:nvSpPr>
-        <p:spPr>
-          <a:xfrm>
-            <a:off x="1889727" y="1485000"/>
-            <a:ext cx="7622080" cy="4351338"/>
-          </a:xfrm>
-          <a:prstGeom prst="rect">
-            <a:avLst/>
-          </a:prstGeom>
-        </p:spPr>
-        <p:txBody>
-          <a:bodyPr/>
-          <a:lstStyle/>
-          <a:p>
-            <a:pPr marL="0" indent="0">
-              <a:buSzTx/>
-              <a:buNone/>
-              <a:defRPr sz="3000">
-                <a:latin typeface="Arial"/>
-                <a:ea typeface="Arial"/>
-                <a:cs typeface="Arial"/>
-                <a:sym typeface="Arial"/>
-              </a:defRPr>
-            </a:pPr>
-            <a:r>
-              <a:t>Skip-Bro: Regeln, Ziel, Mechanik</a:t>
-            </a:r>
-          </a:p>
-          <a:p>
-            <a:pPr marL="0" indent="0">
-              <a:buSzTx/>
-              <a:buNone/>
-              <a:defRPr sz="3000">
-                <a:latin typeface="Arial"/>
-                <a:ea typeface="Arial"/>
-                <a:cs typeface="Arial"/>
-                <a:sym typeface="Arial"/>
-              </a:defRPr>
-            </a:pPr>
-          </a:p>
-          <a:p>
-            <a:pPr marL="0" indent="0">
-              <a:buSzTx/>
-              <a:buNone/>
-              <a:defRPr sz="3000">
-                <a:latin typeface="Arial"/>
-                <a:ea typeface="Arial"/>
-                <a:cs typeface="Arial"/>
-                <a:sym typeface="Arial"/>
-              </a:defRPr>
-            </a:pPr>
-            <a:r>
-              <a:t>Spieldemonstration</a:t>
-            </a:r>
-          </a:p>
-          <a:p>
-            <a:pPr marL="0" indent="0">
-              <a:buSzTx/>
-              <a:buNone/>
-              <a:defRPr sz="3000">
-                <a:latin typeface="Arial"/>
-                <a:ea typeface="Arial"/>
-                <a:cs typeface="Arial"/>
-                <a:sym typeface="Arial"/>
-              </a:defRPr>
-            </a:pPr>
-          </a:p>
-          <a:p>
-            <a:pPr marL="0" indent="0">
-              <a:buSzTx/>
-              <a:buNone/>
-              <a:defRPr sz="3000">
-                <a:latin typeface="Arial"/>
-                <a:ea typeface="Arial"/>
-                <a:cs typeface="Arial"/>
-                <a:sym typeface="Arial"/>
-              </a:defRPr>
-            </a:pPr>
-            <a:r>
-              <a:t>Technische Eigenheiten</a:t>
-            </a:r>
-          </a:p>
-          <a:p>
-            <a:pPr marL="0" indent="0">
-              <a:buSzTx/>
-              <a:buNone/>
-              <a:defRPr sz="3000">
-                <a:latin typeface="Arial"/>
-                <a:ea typeface="Arial"/>
-                <a:cs typeface="Arial"/>
-                <a:sym typeface="Arial"/>
-              </a:defRPr>
-            </a:pPr>
-          </a:p>
-          <a:p>
-            <a:pPr marL="0" indent="0">
-              <a:buSzTx/>
-              <a:buNone/>
-              <a:defRPr sz="3000">
-                <a:latin typeface="Arial"/>
-                <a:ea typeface="Arial"/>
-                <a:cs typeface="Arial"/>
-                <a:sym typeface="Arial"/>
-              </a:defRPr>
-            </a:pPr>
-            <a:r>
-              <a:t>Lektion gelernt</a:t>
-            </a:r>
-          </a:p>
-        </p:txBody>
-      </p:sp>
-      <p:sp>
-        <p:nvSpPr>
-          <p:cNvPr id="133" name="Shape 133"/>
-          <p:cNvSpPr/>
-          <p:nvPr>
-            <p:ph type="sldNum" sz="quarter" idx="4294967295"/>
-          </p:nvPr>
-        </p:nvSpPr>
-        <p:spPr>
-          <a:xfrm>
-            <a:off x="11169739" y="6404292"/>
-            <a:ext cx="184057" cy="269237"/>
-          </a:xfrm>
-          <a:prstGeom prst="rect">
-            <a:avLst/>
-          </a:prstGeom>
-          <a:extLst>
-            <a:ext uri="{C572A759-6A51-4108-AA02-DFA0A04FC94B}">
-              <ma14:wrappingTextBoxFlag xmlns:ma14="http://schemas.microsoft.com/office/mac/drawingml/2011/main" val="1"/>
-            </a:ext>
-          </a:extLst>
-        </p:spPr>
-        <p:txBody>
-          <a:bodyPr/>
-          <a:lstStyle/>
-          <a:p>
-            <a:pPr/>
-            <a:fld id="{86CB4B4D-7CA3-9044-876B-883B54F8677D}" type="slidenum"/>
-          </a:p>
-        </p:txBody>
-      </p:sp>
       <p:pic>
         <p:nvPicPr>
-          <p:cNvPr id="134" name="image6.png" descr="Gamecontroller"/>
-          <p:cNvPicPr>
-            <a:picLocks noChangeAspect="1"/>
-          </p:cNvPicPr>
-          <p:nvPr/>
-        </p:nvPicPr>
-        <p:blipFill>
-          <a:blip r:embed="rId2">
-            <a:extLst/>
-          </a:blip>
-          <a:stretch>
-            <a:fillRect/>
-          </a:stretch>
-        </p:blipFill>
-        <p:spPr>
-          <a:xfrm>
-            <a:off x="795214" y="2306222"/>
-            <a:ext cx="914404" cy="914404"/>
-          </a:xfrm>
-          <a:prstGeom prst="rect">
-            <a:avLst/>
-          </a:prstGeom>
-          <a:ln w="12700">
-            <a:miter lim="400000"/>
-          </a:ln>
-        </p:spPr>
-      </p:pic>
-      <p:sp>
-        <p:nvSpPr>
-          <p:cNvPr id="135" name="Shape 135"/>
-          <p:cNvSpPr/>
-          <p:nvPr>
-            <p:ph type="title"/>
-          </p:nvPr>
-        </p:nvSpPr>
-        <p:spPr>
-          <a:xfrm>
-            <a:off x="0" y="-2"/>
-            <a:ext cx="10515600" cy="720440"/>
-          </a:xfrm>
-          <a:prstGeom prst="rect">
-            <a:avLst/>
-          </a:prstGeom>
-        </p:spPr>
-        <p:txBody>
-          <a:bodyPr/>
-          <a:lstStyle>
-            <a:lvl1pPr>
-              <a:defRPr b="1" sz="2000">
-                <a:latin typeface="Arial"/>
-                <a:ea typeface="Arial"/>
-                <a:cs typeface="Arial"/>
-                <a:sym typeface="Arial"/>
-              </a:defRPr>
-            </a:lvl1pPr>
-          </a:lstStyle>
-          <a:p>
-            <a:pPr/>
-            <a:r>
-              <a:t>	 Übersicht</a:t>
-            </a:r>
-          </a:p>
-        </p:txBody>
-      </p:sp>
-      <p:sp>
-        <p:nvSpPr>
-          <p:cNvPr id="136" name="Shape 136"/>
-          <p:cNvSpPr/>
-          <p:nvPr/>
-        </p:nvSpPr>
-        <p:spPr>
-          <a:xfrm>
-            <a:off x="-16630" y="720436"/>
-            <a:ext cx="3088634" cy="6"/>
-          </a:xfrm>
-          <a:prstGeom prst="line">
-            <a:avLst/>
-          </a:prstGeom>
-          <a:ln w="28575">
-            <a:solidFill>
-              <a:srgbClr val="000000"/>
-            </a:solidFill>
-            <a:miter/>
-          </a:ln>
-          <a:effectLst>
-            <a:outerShdw sx="100000" sy="100000" kx="0" ky="0" algn="b" rotWithShape="0" blurRad="50800" dist="38100" dir="2700000">
-              <a:srgbClr val="000000">
-                <a:alpha val="40000"/>
-              </a:srgbClr>
-            </a:outerShdw>
-          </a:effectLst>
-        </p:spPr>
-        <p:txBody>
-          <a:bodyPr lIns="45718" tIns="45718" rIns="45718" bIns="45718"/>
-          <a:lstStyle/>
-          <a:p>
-            <a:pPr/>
-          </a:p>
-        </p:txBody>
-      </p:sp>
-      <p:pic>
-        <p:nvPicPr>
-          <p:cNvPr id="137" name="image7.png" descr="Präsentation mit Checkliste RNL"/>
+          <p:cNvPr id="222" name="image12.png" descr="Harvey Balls 20%"/>
           <p:cNvPicPr>
             <a:picLocks noChangeAspect="1"/>
           </p:cNvPicPr>
@@ -4138,8 +4117,8 @@
         </p:blipFill>
         <p:spPr>
           <a:xfrm>
-            <a:off x="298859" y="90214"/>
-            <a:ext cx="540000" cy="540006"/>
+            <a:off x="7688804" y="656705"/>
+            <a:ext cx="914402" cy="914401"/>
           </a:xfrm>
           <a:prstGeom prst="rect">
             <a:avLst/>
@@ -4151,7 +4130,7 @@
       </p:pic>
       <p:pic>
         <p:nvPicPr>
-          <p:cNvPr id="138" name="image8.png" descr="Glühbirne und Zahnrad"/>
+          <p:cNvPr id="223" name="image13.png" descr="Geschichten erzählen"/>
           <p:cNvPicPr>
             <a:picLocks noChangeAspect="1"/>
           </p:cNvPicPr>
@@ -4167,8 +4146,8 @@
         </p:blipFill>
         <p:spPr>
           <a:xfrm>
-            <a:off x="795214" y="1241306"/>
-            <a:ext cx="914404" cy="914404"/>
+            <a:off x="8765923" y="4863455"/>
+            <a:ext cx="914403" cy="914403"/>
           </a:xfrm>
           <a:prstGeom prst="rect">
             <a:avLst/>
@@ -4180,7 +4159,7 @@
       </p:pic>
       <p:pic>
         <p:nvPicPr>
-          <p:cNvPr id="139" name="image9.png" descr="Fingerabdruck"/>
+          <p:cNvPr id="224" name="image14.png" descr="Irre komische Gesichtskontur"/>
           <p:cNvPicPr>
             <a:picLocks noChangeAspect="1"/>
           </p:cNvPicPr>
@@ -4196,8 +4175,8 @@
         </p:blipFill>
         <p:spPr>
           <a:xfrm>
-            <a:off x="795217" y="3421174"/>
-            <a:ext cx="914401" cy="914406"/>
+            <a:off x="8773468" y="1113904"/>
+            <a:ext cx="914403" cy="914401"/>
           </a:xfrm>
           <a:prstGeom prst="rect">
             <a:avLst/>
@@ -4209,7 +4188,7 @@
       </p:pic>
       <p:pic>
         <p:nvPicPr>
-          <p:cNvPr id="140" name="image10.png" descr="Idee"/>
+          <p:cNvPr id="225" name="image15.png" descr="Höhlenzeichnung"/>
           <p:cNvPicPr>
             <a:picLocks noChangeAspect="1"/>
           </p:cNvPicPr>
@@ -4225,8 +4204,8 @@
         </p:blipFill>
         <p:spPr>
           <a:xfrm>
-            <a:off x="795214" y="4536125"/>
-            <a:ext cx="914403" cy="914403"/>
+            <a:off x="8765923" y="2872046"/>
+            <a:ext cx="914403" cy="914401"/>
           </a:xfrm>
           <a:prstGeom prst="rect">
             <a:avLst/>
@@ -4236,2874 +4215,9 @@
           </a:ln>
         </p:spPr>
       </p:pic>
-    </p:spTree>
-  </p:cSld>
-  <p:clrMapOvr>
-    <a:masterClrMapping/>
-  </p:clrMapOvr>
-  <p:transition xmlns:p14="http://schemas.microsoft.com/office/powerpoint/2010/main" spd="med" advClick="1" p14:dur="1000"/>
-</p:sld>
-</file>
-
-<file path=ppt/slides/slide3.xml><?xml version="1.0" encoding="utf-8"?>
-<p:sld xmlns:a="http://schemas.openxmlformats.org/drawingml/2006/main" xmlns:r="http://schemas.openxmlformats.org/officeDocument/2006/relationships" xmlns:p="http://schemas.openxmlformats.org/presentationml/2006/main" showMasterSp="1" showMasterPhAnim="1">
-  <p:cSld>
-    <p:spTree>
-      <p:nvGrpSpPr>
-        <p:cNvPr id="1" name=""/>
-        <p:cNvGrpSpPr/>
-        <p:nvPr/>
-      </p:nvGrpSpPr>
-      <p:grpSpPr>
-        <a:xfrm>
-          <a:off x="0" y="0"/>
-          <a:ext cx="0" cy="0"/>
-          <a:chOff x="0" y="0"/>
-          <a:chExt cx="0" cy="0"/>
-        </a:xfrm>
-      </p:grpSpPr>
-      <p:sp>
-        <p:nvSpPr>
-          <p:cNvPr id="142" name="Shape 142"/>
-          <p:cNvSpPr/>
-          <p:nvPr/>
-        </p:nvSpPr>
-        <p:spPr>
-          <a:xfrm>
-            <a:off x="4038600" y="6404292"/>
-            <a:ext cx="4114800" cy="269237"/>
-          </a:xfrm>
-          <a:prstGeom prst="rect">
-            <a:avLst/>
-          </a:prstGeom>
-          <a:ln w="12700">
-            <a:miter lim="400000"/>
-          </a:ln>
-          <a:extLst>
-            <a:ext uri="{C572A759-6A51-4108-AA02-DFA0A04FC94B}">
-              <ma14:wrappingTextBoxFlag xmlns:ma14="http://schemas.microsoft.com/office/mac/drawingml/2011/main" val="1"/>
-            </a:ext>
-          </a:extLst>
-        </p:spPr>
-        <p:txBody>
-          <a:bodyPr lIns="45718" tIns="45718" rIns="45718" bIns="45718" anchor="ctr">
-            <a:spAutoFit/>
-          </a:bodyPr>
-          <a:lstStyle>
-            <a:lvl1pPr algn="ctr">
-              <a:defRPr sz="1200">
-                <a:solidFill>
-                  <a:srgbClr val="888888"/>
-                </a:solidFill>
-              </a:defRPr>
-            </a:lvl1pPr>
-          </a:lstStyle>
-          <a:p>
-            <a:pPr/>
-            <a:r>
-              <a:t>Mlst.-Präsentation Nr. V  /  Gruppe 15</a:t>
-            </a:r>
-          </a:p>
-        </p:txBody>
-      </p:sp>
-      <p:sp>
-        <p:nvSpPr>
-          <p:cNvPr id="143" name="Shape 143"/>
-          <p:cNvSpPr/>
-          <p:nvPr>
-            <p:ph type="body" sz="half" idx="1"/>
-          </p:nvPr>
-        </p:nvSpPr>
-        <p:spPr>
-          <a:xfrm>
-            <a:off x="1889727" y="1485000"/>
-            <a:ext cx="7622080" cy="4351338"/>
-          </a:xfrm>
-          <a:prstGeom prst="rect">
-            <a:avLst/>
-          </a:prstGeom>
-        </p:spPr>
-        <p:txBody>
-          <a:bodyPr/>
-          <a:lstStyle/>
-          <a:p>
-            <a:pPr marL="0" indent="0">
-              <a:buSzTx/>
-              <a:buNone/>
-              <a:defRPr b="1" sz="3000">
-                <a:latin typeface="Arial"/>
-                <a:ea typeface="Arial"/>
-                <a:cs typeface="Arial"/>
-                <a:sym typeface="Arial"/>
-              </a:defRPr>
-            </a:pPr>
-            <a:r>
-              <a:t>Skip-Bro: Regeln, Ziel und Mechanik</a:t>
-            </a:r>
-          </a:p>
-          <a:p>
-            <a:pPr marL="0" indent="0">
-              <a:buSzTx/>
-              <a:buNone/>
-              <a:defRPr sz="3000">
-                <a:latin typeface="Arial"/>
-                <a:ea typeface="Arial"/>
-                <a:cs typeface="Arial"/>
-                <a:sym typeface="Arial"/>
-              </a:defRPr>
-            </a:pPr>
-          </a:p>
-          <a:p>
-            <a:pPr marL="0" indent="0">
-              <a:buSzTx/>
-              <a:buNone/>
-              <a:defRPr sz="3000">
-                <a:latin typeface="Arial"/>
-                <a:ea typeface="Arial"/>
-                <a:cs typeface="Arial"/>
-                <a:sym typeface="Arial"/>
-              </a:defRPr>
-            </a:pPr>
-            <a:r>
-              <a:t>Spieldemonstration</a:t>
-            </a:r>
-          </a:p>
-          <a:p>
-            <a:pPr marL="0" indent="0">
-              <a:buSzTx/>
-              <a:buNone/>
-              <a:defRPr sz="3000">
-                <a:latin typeface="Arial"/>
-                <a:ea typeface="Arial"/>
-                <a:cs typeface="Arial"/>
-                <a:sym typeface="Arial"/>
-              </a:defRPr>
-            </a:pPr>
-          </a:p>
-          <a:p>
-            <a:pPr marL="0" indent="0">
-              <a:buSzTx/>
-              <a:buNone/>
-              <a:defRPr sz="3000">
-                <a:latin typeface="Arial"/>
-                <a:ea typeface="Arial"/>
-                <a:cs typeface="Arial"/>
-                <a:sym typeface="Arial"/>
-              </a:defRPr>
-            </a:pPr>
-            <a:r>
-              <a:t>Technische Eigenheiten</a:t>
-            </a:r>
-          </a:p>
-          <a:p>
-            <a:pPr marL="0" indent="0">
-              <a:buSzTx/>
-              <a:buNone/>
-              <a:defRPr sz="3000">
-                <a:latin typeface="Arial"/>
-                <a:ea typeface="Arial"/>
-                <a:cs typeface="Arial"/>
-                <a:sym typeface="Arial"/>
-              </a:defRPr>
-            </a:pPr>
-          </a:p>
-          <a:p>
-            <a:pPr marL="0" indent="0">
-              <a:buSzTx/>
-              <a:buNone/>
-              <a:defRPr sz="3000">
-                <a:latin typeface="Arial"/>
-                <a:ea typeface="Arial"/>
-                <a:cs typeface="Arial"/>
-                <a:sym typeface="Arial"/>
-              </a:defRPr>
-            </a:pPr>
-            <a:r>
-              <a:t>Lektion gelernt</a:t>
-            </a:r>
-          </a:p>
-        </p:txBody>
-      </p:sp>
-      <p:sp>
-        <p:nvSpPr>
-          <p:cNvPr id="144" name="Shape 144"/>
-          <p:cNvSpPr/>
-          <p:nvPr>
-            <p:ph type="sldNum" sz="quarter" idx="4294967295"/>
-          </p:nvPr>
-        </p:nvSpPr>
-        <p:spPr>
-          <a:xfrm>
-            <a:off x="11169739" y="6404290"/>
-            <a:ext cx="184057" cy="269237"/>
-          </a:xfrm>
-          <a:prstGeom prst="rect">
-            <a:avLst/>
-          </a:prstGeom>
-          <a:extLst>
-            <a:ext uri="{C572A759-6A51-4108-AA02-DFA0A04FC94B}">
-              <ma14:wrappingTextBoxFlag xmlns:ma14="http://schemas.microsoft.com/office/mac/drawingml/2011/main" val="1"/>
-            </a:ext>
-          </a:extLst>
-        </p:spPr>
-        <p:txBody>
-          <a:bodyPr/>
-          <a:lstStyle/>
-          <a:p>
-            <a:pPr/>
-            <a:fld id="{86CB4B4D-7CA3-9044-876B-883B54F8677D}" type="slidenum"/>
-          </a:p>
-        </p:txBody>
-      </p:sp>
       <p:pic>
         <p:nvPicPr>
-          <p:cNvPr id="145" name="image6.png" descr="Gamecontroller"/>
-          <p:cNvPicPr>
-            <a:picLocks noChangeAspect="1"/>
-          </p:cNvPicPr>
-          <p:nvPr/>
-        </p:nvPicPr>
-        <p:blipFill>
-          <a:blip r:embed="rId2">
-            <a:extLst/>
-          </a:blip>
-          <a:stretch>
-            <a:fillRect/>
-          </a:stretch>
-        </p:blipFill>
-        <p:spPr>
-          <a:xfrm>
-            <a:off x="795214" y="2306222"/>
-            <a:ext cx="914404" cy="914404"/>
-          </a:xfrm>
-          <a:prstGeom prst="rect">
-            <a:avLst/>
-          </a:prstGeom>
-          <a:ln w="12700">
-            <a:miter lim="400000"/>
-          </a:ln>
-        </p:spPr>
-      </p:pic>
-      <p:sp>
-        <p:nvSpPr>
-          <p:cNvPr id="146" name="Shape 146"/>
-          <p:cNvSpPr/>
-          <p:nvPr>
-            <p:ph type="title"/>
-          </p:nvPr>
-        </p:nvSpPr>
-        <p:spPr>
-          <a:xfrm>
-            <a:off x="0" y="-2"/>
-            <a:ext cx="10515600" cy="720440"/>
-          </a:xfrm>
-          <a:prstGeom prst="rect">
-            <a:avLst/>
-          </a:prstGeom>
-        </p:spPr>
-        <p:txBody>
-          <a:bodyPr/>
-          <a:lstStyle>
-            <a:lvl1pPr>
-              <a:defRPr b="1" sz="2000">
-                <a:latin typeface="Arial"/>
-                <a:ea typeface="Arial"/>
-                <a:cs typeface="Arial"/>
-                <a:sym typeface="Arial"/>
-              </a:defRPr>
-            </a:lvl1pPr>
-          </a:lstStyle>
-          <a:p>
-            <a:pPr/>
-            <a:r>
-              <a:t>	 Übersicht</a:t>
-            </a:r>
-          </a:p>
-        </p:txBody>
-      </p:sp>
-      <p:sp>
-        <p:nvSpPr>
-          <p:cNvPr id="147" name="Shape 147"/>
-          <p:cNvSpPr/>
-          <p:nvPr/>
-        </p:nvSpPr>
-        <p:spPr>
-          <a:xfrm>
-            <a:off x="-16630" y="720436"/>
-            <a:ext cx="3088634" cy="5"/>
-          </a:xfrm>
-          <a:prstGeom prst="line">
-            <a:avLst/>
-          </a:prstGeom>
-          <a:ln w="28575">
-            <a:solidFill>
-              <a:srgbClr val="000000"/>
-            </a:solidFill>
-            <a:miter/>
-          </a:ln>
-          <a:effectLst>
-            <a:outerShdw sx="100000" sy="100000" kx="0" ky="0" algn="b" rotWithShape="0" blurRad="50800" dist="38100" dir="2700000">
-              <a:srgbClr val="000000">
-                <a:alpha val="40000"/>
-              </a:srgbClr>
-            </a:outerShdw>
-          </a:effectLst>
-        </p:spPr>
-        <p:txBody>
-          <a:bodyPr lIns="45718" tIns="45718" rIns="45718" bIns="45718"/>
-          <a:lstStyle/>
-          <a:p>
-            <a:pPr/>
-          </a:p>
-        </p:txBody>
-      </p:sp>
-      <p:pic>
-        <p:nvPicPr>
-          <p:cNvPr id="148" name="image7.png" descr="Präsentation mit Checkliste RNL"/>
-          <p:cNvPicPr>
-            <a:picLocks noChangeAspect="1"/>
-          </p:cNvPicPr>
-          <p:nvPr/>
-        </p:nvPicPr>
-        <p:blipFill>
-          <a:blip r:embed="rId3">
-            <a:extLst/>
-          </a:blip>
-          <a:stretch>
-            <a:fillRect/>
-          </a:stretch>
-        </p:blipFill>
-        <p:spPr>
-          <a:xfrm>
-            <a:off x="298859" y="90214"/>
-            <a:ext cx="540000" cy="540006"/>
-          </a:xfrm>
-          <a:prstGeom prst="rect">
-            <a:avLst/>
-          </a:prstGeom>
-          <a:ln w="12700">
-            <a:miter lim="400000"/>
-          </a:ln>
-        </p:spPr>
-      </p:pic>
-      <p:pic>
-        <p:nvPicPr>
-          <p:cNvPr id="149" name="image8.png" descr="Glühbirne und Zahnrad"/>
-          <p:cNvPicPr>
-            <a:picLocks noChangeAspect="1"/>
-          </p:cNvPicPr>
-          <p:nvPr/>
-        </p:nvPicPr>
-        <p:blipFill>
-          <a:blip r:embed="rId4">
-            <a:extLst/>
-          </a:blip>
-          <a:stretch>
-            <a:fillRect/>
-          </a:stretch>
-        </p:blipFill>
-        <p:spPr>
-          <a:xfrm>
-            <a:off x="795214" y="1241306"/>
-            <a:ext cx="914404" cy="914404"/>
-          </a:xfrm>
-          <a:prstGeom prst="rect">
-            <a:avLst/>
-          </a:prstGeom>
-          <a:ln w="12700">
-            <a:miter lim="400000"/>
-          </a:ln>
-        </p:spPr>
-      </p:pic>
-      <p:pic>
-        <p:nvPicPr>
-          <p:cNvPr id="150" name="image9.png" descr="Fingerabdruck"/>
-          <p:cNvPicPr>
-            <a:picLocks noChangeAspect="1"/>
-          </p:cNvPicPr>
-          <p:nvPr/>
-        </p:nvPicPr>
-        <p:blipFill>
-          <a:blip r:embed="rId5">
-            <a:extLst/>
-          </a:blip>
-          <a:stretch>
-            <a:fillRect/>
-          </a:stretch>
-        </p:blipFill>
-        <p:spPr>
-          <a:xfrm>
-            <a:off x="795217" y="3421174"/>
-            <a:ext cx="914401" cy="914406"/>
-          </a:xfrm>
-          <a:prstGeom prst="rect">
-            <a:avLst/>
-          </a:prstGeom>
-          <a:ln w="12700">
-            <a:miter lim="400000"/>
-          </a:ln>
-        </p:spPr>
-      </p:pic>
-      <p:pic>
-        <p:nvPicPr>
-          <p:cNvPr id="151" name="image10.png" descr="Idee"/>
-          <p:cNvPicPr>
-            <a:picLocks noChangeAspect="1"/>
-          </p:cNvPicPr>
-          <p:nvPr/>
-        </p:nvPicPr>
-        <p:blipFill>
-          <a:blip r:embed="rId6">
-            <a:extLst/>
-          </a:blip>
-          <a:stretch>
-            <a:fillRect/>
-          </a:stretch>
-        </p:blipFill>
-        <p:spPr>
-          <a:xfrm>
-            <a:off x="795214" y="4536125"/>
-            <a:ext cx="914403" cy="914403"/>
-          </a:xfrm>
-          <a:prstGeom prst="rect">
-            <a:avLst/>
-          </a:prstGeom>
-          <a:ln w="12700">
-            <a:miter lim="400000"/>
-          </a:ln>
-        </p:spPr>
-      </p:pic>
-    </p:spTree>
-  </p:cSld>
-  <p:clrMapOvr>
-    <a:masterClrMapping/>
-  </p:clrMapOvr>
-  <p:transition xmlns:p14="http://schemas.microsoft.com/office/powerpoint/2010/main" spd="med" advClick="1" p14:dur="1000"/>
-</p:sld>
-</file>
-
-<file path=ppt/slides/slide4.xml><?xml version="1.0" encoding="utf-8"?>
-<p:sld xmlns:a="http://schemas.openxmlformats.org/drawingml/2006/main" xmlns:r="http://schemas.openxmlformats.org/officeDocument/2006/relationships" xmlns:p="http://schemas.openxmlformats.org/presentationml/2006/main" showMasterSp="1" showMasterPhAnim="1">
-  <p:cSld>
-    <p:spTree>
-      <p:nvGrpSpPr>
-        <p:cNvPr id="1" name=""/>
-        <p:cNvGrpSpPr/>
-        <p:nvPr/>
-      </p:nvGrpSpPr>
-      <p:grpSpPr>
-        <a:xfrm>
-          <a:off x="0" y="0"/>
-          <a:ext cx="0" cy="0"/>
-          <a:chOff x="0" y="0"/>
-          <a:chExt cx="0" cy="0"/>
-        </a:xfrm>
-      </p:grpSpPr>
-      <p:sp>
-        <p:nvSpPr>
-          <p:cNvPr id="153" name="Shape 153"/>
-          <p:cNvSpPr/>
-          <p:nvPr/>
-        </p:nvSpPr>
-        <p:spPr>
-          <a:xfrm>
-            <a:off x="3935998" y="6396609"/>
-            <a:ext cx="4114806" cy="269237"/>
-          </a:xfrm>
-          <a:prstGeom prst="rect">
-            <a:avLst/>
-          </a:prstGeom>
-          <a:ln w="12700">
-            <a:miter lim="400000"/>
-          </a:ln>
-          <a:extLst>
-            <a:ext uri="{C572A759-6A51-4108-AA02-DFA0A04FC94B}">
-              <ma14:wrappingTextBoxFlag xmlns:ma14="http://schemas.microsoft.com/office/mac/drawingml/2011/main" val="1"/>
-            </a:ext>
-          </a:extLst>
-        </p:spPr>
-        <p:txBody>
-          <a:bodyPr lIns="45718" tIns="45718" rIns="45718" bIns="45718" anchor="ctr">
-            <a:spAutoFit/>
-          </a:bodyPr>
-          <a:lstStyle>
-            <a:lvl1pPr algn="ctr">
-              <a:defRPr sz="1200">
-                <a:solidFill>
-                  <a:srgbClr val="888888"/>
-                </a:solidFill>
-              </a:defRPr>
-            </a:lvl1pPr>
-          </a:lstStyle>
-          <a:p>
-            <a:pPr/>
-            <a:r>
-              <a:t>Mlst.-Präsentation Nr. V /  Gruppe 15</a:t>
-            </a:r>
-          </a:p>
-        </p:txBody>
-      </p:sp>
-      <p:sp>
-        <p:nvSpPr>
-          <p:cNvPr id="154" name="Shape 154"/>
-          <p:cNvSpPr/>
-          <p:nvPr>
-            <p:ph type="sldNum" sz="quarter" idx="4294967295"/>
-          </p:nvPr>
-        </p:nvSpPr>
-        <p:spPr>
-          <a:xfrm>
-            <a:off x="11169739" y="6404292"/>
-            <a:ext cx="184057" cy="269237"/>
-          </a:xfrm>
-          <a:prstGeom prst="rect">
-            <a:avLst/>
-          </a:prstGeom>
-          <a:extLst>
-            <a:ext uri="{C572A759-6A51-4108-AA02-DFA0A04FC94B}">
-              <ma14:wrappingTextBoxFlag xmlns:ma14="http://schemas.microsoft.com/office/mac/drawingml/2011/main" val="1"/>
-            </a:ext>
-          </a:extLst>
-        </p:spPr>
-        <p:txBody>
-          <a:bodyPr/>
-          <a:lstStyle/>
-          <a:p>
-            <a:pPr/>
-            <a:fld id="{86CB4B4D-7CA3-9044-876B-883B54F8677D}" type="slidenum"/>
-          </a:p>
-        </p:txBody>
-      </p:sp>
-      <p:sp>
-        <p:nvSpPr>
-          <p:cNvPr id="155" name="Shape 155"/>
-          <p:cNvSpPr/>
-          <p:nvPr>
-            <p:ph type="title"/>
-          </p:nvPr>
-        </p:nvSpPr>
-        <p:spPr>
-          <a:xfrm>
-            <a:off x="0" y="-2"/>
-            <a:ext cx="10515600" cy="720440"/>
-          </a:xfrm>
-          <a:prstGeom prst="rect">
-            <a:avLst/>
-          </a:prstGeom>
-        </p:spPr>
-        <p:txBody>
-          <a:bodyPr/>
-          <a:lstStyle>
-            <a:lvl1pPr>
-              <a:defRPr b="1" sz="2000">
-                <a:latin typeface="Arial"/>
-                <a:ea typeface="Arial"/>
-                <a:cs typeface="Arial"/>
-                <a:sym typeface="Arial"/>
-              </a:defRPr>
-            </a:lvl1pPr>
-          </a:lstStyle>
-          <a:p>
-            <a:pPr/>
-            <a:r>
-              <a:t>	 Skip-Bro: Regeln, Ziel und Mechanik</a:t>
-            </a:r>
-          </a:p>
-        </p:txBody>
-      </p:sp>
-      <p:sp>
-        <p:nvSpPr>
-          <p:cNvPr id="156" name="Shape 156"/>
-          <p:cNvSpPr/>
-          <p:nvPr/>
-        </p:nvSpPr>
-        <p:spPr>
-          <a:xfrm>
-            <a:off x="-16629" y="720436"/>
-            <a:ext cx="5719162" cy="3"/>
-          </a:xfrm>
-          <a:prstGeom prst="line">
-            <a:avLst/>
-          </a:prstGeom>
-          <a:ln w="28575">
-            <a:solidFill>
-              <a:srgbClr val="000000"/>
-            </a:solidFill>
-            <a:miter/>
-          </a:ln>
-          <a:effectLst>
-            <a:outerShdw sx="100000" sy="100000" kx="0" ky="0" algn="b" rotWithShape="0" blurRad="50800" dist="38100" dir="2700000">
-              <a:srgbClr val="000000">
-                <a:alpha val="40000"/>
-              </a:srgbClr>
-            </a:outerShdw>
-          </a:effectLst>
-        </p:spPr>
-        <p:txBody>
-          <a:bodyPr lIns="45718" tIns="45718" rIns="45718" bIns="45718"/>
-          <a:lstStyle/>
-          <a:p>
-            <a:pPr/>
-          </a:p>
-        </p:txBody>
-      </p:sp>
-      <p:pic>
-        <p:nvPicPr>
-          <p:cNvPr id="157" name="image8.png" descr="Glühbirne und Zahnrad"/>
-          <p:cNvPicPr>
-            <a:picLocks noChangeAspect="1"/>
-          </p:cNvPicPr>
-          <p:nvPr/>
-        </p:nvPicPr>
-        <p:blipFill>
-          <a:blip r:embed="rId2">
-            <a:extLst/>
-          </a:blip>
-          <a:stretch>
-            <a:fillRect/>
-          </a:stretch>
-        </p:blipFill>
-        <p:spPr>
-          <a:xfrm>
-            <a:off x="155999" y="90214"/>
-            <a:ext cx="540003" cy="540006"/>
-          </a:xfrm>
-          <a:prstGeom prst="rect">
-            <a:avLst/>
-          </a:prstGeom>
-          <a:ln w="12700">
-            <a:miter lim="400000"/>
-          </a:ln>
-        </p:spPr>
-      </p:pic>
-      <p:pic>
-        <p:nvPicPr>
-          <p:cNvPr id="158" name="image11.png"/>
-          <p:cNvPicPr>
-            <a:picLocks noChangeAspect="1"/>
-          </p:cNvPicPr>
-          <p:nvPr/>
-        </p:nvPicPr>
-        <p:blipFill>
-          <a:blip r:embed="rId3">
-            <a:extLst/>
-          </a:blip>
-          <a:stretch>
-            <a:fillRect/>
-          </a:stretch>
-        </p:blipFill>
-        <p:spPr>
-          <a:xfrm>
-            <a:off x="1975361" y="981177"/>
-            <a:ext cx="8241278" cy="5168979"/>
-          </a:xfrm>
-          <a:prstGeom prst="rect">
-            <a:avLst/>
-          </a:prstGeom>
-          <a:ln w="12700">
-            <a:miter lim="400000"/>
-          </a:ln>
-        </p:spPr>
-      </p:pic>
-    </p:spTree>
-  </p:cSld>
-  <p:clrMapOvr>
-    <a:masterClrMapping/>
-  </p:clrMapOvr>
-  <p:transition xmlns:p14="http://schemas.microsoft.com/office/powerpoint/2010/main" spd="med" advClick="1" p14:dur="1000"/>
-</p:sld>
-</file>
-
-<file path=ppt/slides/slide5.xml><?xml version="1.0" encoding="utf-8"?>
-<p:sld xmlns:a="http://schemas.openxmlformats.org/drawingml/2006/main" xmlns:r="http://schemas.openxmlformats.org/officeDocument/2006/relationships" xmlns:p="http://schemas.openxmlformats.org/presentationml/2006/main" showMasterSp="1" showMasterPhAnim="1">
-  <p:cSld>
-    <p:spTree>
-      <p:nvGrpSpPr>
-        <p:cNvPr id="1" name=""/>
-        <p:cNvGrpSpPr/>
-        <p:nvPr/>
-      </p:nvGrpSpPr>
-      <p:grpSpPr>
-        <a:xfrm>
-          <a:off x="0" y="0"/>
-          <a:ext cx="0" cy="0"/>
-          <a:chOff x="0" y="0"/>
-          <a:chExt cx="0" cy="0"/>
-        </a:xfrm>
-      </p:grpSpPr>
-      <p:sp>
-        <p:nvSpPr>
-          <p:cNvPr id="160" name="Shape 160"/>
-          <p:cNvSpPr/>
-          <p:nvPr/>
-        </p:nvSpPr>
-        <p:spPr>
-          <a:xfrm>
-            <a:off x="4038600" y="6404292"/>
-            <a:ext cx="4114800" cy="269237"/>
-          </a:xfrm>
-          <a:prstGeom prst="rect">
-            <a:avLst/>
-          </a:prstGeom>
-          <a:ln w="12700">
-            <a:miter lim="400000"/>
-          </a:ln>
-          <a:extLst>
-            <a:ext uri="{C572A759-6A51-4108-AA02-DFA0A04FC94B}">
-              <ma14:wrappingTextBoxFlag xmlns:ma14="http://schemas.microsoft.com/office/mac/drawingml/2011/main" val="1"/>
-            </a:ext>
-          </a:extLst>
-        </p:spPr>
-        <p:txBody>
-          <a:bodyPr lIns="45718" tIns="45718" rIns="45718" bIns="45718" anchor="ctr">
-            <a:spAutoFit/>
-          </a:bodyPr>
-          <a:lstStyle>
-            <a:lvl1pPr algn="ctr">
-              <a:defRPr sz="1200">
-                <a:solidFill>
-                  <a:srgbClr val="888888"/>
-                </a:solidFill>
-              </a:defRPr>
-            </a:lvl1pPr>
-          </a:lstStyle>
-          <a:p>
-            <a:pPr/>
-            <a:r>
-              <a:t>Mlst.-Präsentation Nr. V  /  Gruppe 15</a:t>
-            </a:r>
-          </a:p>
-        </p:txBody>
-      </p:sp>
-      <p:sp>
-        <p:nvSpPr>
-          <p:cNvPr id="161" name="Shape 161"/>
-          <p:cNvSpPr/>
-          <p:nvPr>
-            <p:ph type="body" sz="half" idx="1"/>
-          </p:nvPr>
-        </p:nvSpPr>
-        <p:spPr>
-          <a:xfrm>
-            <a:off x="1889727" y="1485000"/>
-            <a:ext cx="7622080" cy="4351338"/>
-          </a:xfrm>
-          <a:prstGeom prst="rect">
-            <a:avLst/>
-          </a:prstGeom>
-        </p:spPr>
-        <p:txBody>
-          <a:bodyPr/>
-          <a:lstStyle/>
-          <a:p>
-            <a:pPr marL="0" indent="0">
-              <a:buSzTx/>
-              <a:buNone/>
-              <a:defRPr sz="3000">
-                <a:latin typeface="Arial"/>
-                <a:ea typeface="Arial"/>
-                <a:cs typeface="Arial"/>
-                <a:sym typeface="Arial"/>
-              </a:defRPr>
-            </a:pPr>
-            <a:r>
-              <a:t>Skip-Bro: Regeln, Ziel, Mechanik</a:t>
-            </a:r>
-          </a:p>
-          <a:p>
-            <a:pPr marL="0" indent="0">
-              <a:buSzTx/>
-              <a:buNone/>
-              <a:defRPr sz="3000">
-                <a:latin typeface="Arial"/>
-                <a:ea typeface="Arial"/>
-                <a:cs typeface="Arial"/>
-                <a:sym typeface="Arial"/>
-              </a:defRPr>
-            </a:pPr>
-          </a:p>
-          <a:p>
-            <a:pPr marL="0" indent="0">
-              <a:buSzTx/>
-              <a:buNone/>
-              <a:defRPr b="1" sz="3000">
-                <a:latin typeface="Arial"/>
-                <a:ea typeface="Arial"/>
-                <a:cs typeface="Arial"/>
-                <a:sym typeface="Arial"/>
-              </a:defRPr>
-            </a:pPr>
-            <a:r>
-              <a:t>Spieldemonstration</a:t>
-            </a:r>
-          </a:p>
-          <a:p>
-            <a:pPr marL="0" indent="0">
-              <a:buSzTx/>
-              <a:buNone/>
-              <a:defRPr sz="3000">
-                <a:latin typeface="Arial"/>
-                <a:ea typeface="Arial"/>
-                <a:cs typeface="Arial"/>
-                <a:sym typeface="Arial"/>
-              </a:defRPr>
-            </a:pPr>
-          </a:p>
-          <a:p>
-            <a:pPr marL="0" indent="0">
-              <a:buSzTx/>
-              <a:buNone/>
-              <a:defRPr sz="3000">
-                <a:latin typeface="Arial"/>
-                <a:ea typeface="Arial"/>
-                <a:cs typeface="Arial"/>
-                <a:sym typeface="Arial"/>
-              </a:defRPr>
-            </a:pPr>
-            <a:r>
-              <a:t>Technische Eigenheiten</a:t>
-            </a:r>
-          </a:p>
-          <a:p>
-            <a:pPr marL="0" indent="0">
-              <a:buSzTx/>
-              <a:buNone/>
-              <a:defRPr sz="3000">
-                <a:latin typeface="Arial"/>
-                <a:ea typeface="Arial"/>
-                <a:cs typeface="Arial"/>
-                <a:sym typeface="Arial"/>
-              </a:defRPr>
-            </a:pPr>
-          </a:p>
-          <a:p>
-            <a:pPr marL="0" indent="0">
-              <a:buSzTx/>
-              <a:buNone/>
-              <a:defRPr sz="3000">
-                <a:latin typeface="Arial"/>
-                <a:ea typeface="Arial"/>
-                <a:cs typeface="Arial"/>
-                <a:sym typeface="Arial"/>
-              </a:defRPr>
-            </a:pPr>
-            <a:r>
-              <a:t>Lektion gelernt</a:t>
-            </a:r>
-          </a:p>
-        </p:txBody>
-      </p:sp>
-      <p:sp>
-        <p:nvSpPr>
-          <p:cNvPr id="162" name="Shape 162"/>
-          <p:cNvSpPr/>
-          <p:nvPr>
-            <p:ph type="sldNum" sz="quarter" idx="4294967295"/>
-          </p:nvPr>
-        </p:nvSpPr>
-        <p:spPr>
-          <a:xfrm>
-            <a:off x="11169739" y="6404290"/>
-            <a:ext cx="184057" cy="269237"/>
-          </a:xfrm>
-          <a:prstGeom prst="rect">
-            <a:avLst/>
-          </a:prstGeom>
-          <a:extLst>
-            <a:ext uri="{C572A759-6A51-4108-AA02-DFA0A04FC94B}">
-              <ma14:wrappingTextBoxFlag xmlns:ma14="http://schemas.microsoft.com/office/mac/drawingml/2011/main" val="1"/>
-            </a:ext>
-          </a:extLst>
-        </p:spPr>
-        <p:txBody>
-          <a:bodyPr/>
-          <a:lstStyle/>
-          <a:p>
-            <a:pPr/>
-            <a:fld id="{86CB4B4D-7CA3-9044-876B-883B54F8677D}" type="slidenum"/>
-          </a:p>
-        </p:txBody>
-      </p:sp>
-      <p:pic>
-        <p:nvPicPr>
-          <p:cNvPr id="163" name="image6.png" descr="Gamecontroller"/>
-          <p:cNvPicPr>
-            <a:picLocks noChangeAspect="1"/>
-          </p:cNvPicPr>
-          <p:nvPr/>
-        </p:nvPicPr>
-        <p:blipFill>
-          <a:blip r:embed="rId2">
-            <a:extLst/>
-          </a:blip>
-          <a:stretch>
-            <a:fillRect/>
-          </a:stretch>
-        </p:blipFill>
-        <p:spPr>
-          <a:xfrm>
-            <a:off x="795214" y="2306222"/>
-            <a:ext cx="914404" cy="914404"/>
-          </a:xfrm>
-          <a:prstGeom prst="rect">
-            <a:avLst/>
-          </a:prstGeom>
-          <a:ln w="12700">
-            <a:miter lim="400000"/>
-          </a:ln>
-        </p:spPr>
-      </p:pic>
-      <p:sp>
-        <p:nvSpPr>
-          <p:cNvPr id="164" name="Shape 164"/>
-          <p:cNvSpPr/>
-          <p:nvPr>
-            <p:ph type="title"/>
-          </p:nvPr>
-        </p:nvSpPr>
-        <p:spPr>
-          <a:xfrm>
-            <a:off x="0" y="-2"/>
-            <a:ext cx="10515600" cy="720440"/>
-          </a:xfrm>
-          <a:prstGeom prst="rect">
-            <a:avLst/>
-          </a:prstGeom>
-        </p:spPr>
-        <p:txBody>
-          <a:bodyPr/>
-          <a:lstStyle>
-            <a:lvl1pPr>
-              <a:defRPr b="1" sz="2000">
-                <a:latin typeface="Arial"/>
-                <a:ea typeface="Arial"/>
-                <a:cs typeface="Arial"/>
-                <a:sym typeface="Arial"/>
-              </a:defRPr>
-            </a:lvl1pPr>
-          </a:lstStyle>
-          <a:p>
-            <a:pPr/>
-            <a:r>
-              <a:t>	 Übersicht</a:t>
-            </a:r>
-          </a:p>
-        </p:txBody>
-      </p:sp>
-      <p:sp>
-        <p:nvSpPr>
-          <p:cNvPr id="165" name="Shape 165"/>
-          <p:cNvSpPr/>
-          <p:nvPr/>
-        </p:nvSpPr>
-        <p:spPr>
-          <a:xfrm>
-            <a:off x="-16630" y="720436"/>
-            <a:ext cx="3088634" cy="5"/>
-          </a:xfrm>
-          <a:prstGeom prst="line">
-            <a:avLst/>
-          </a:prstGeom>
-          <a:ln w="28575">
-            <a:solidFill>
-              <a:srgbClr val="000000"/>
-            </a:solidFill>
-            <a:miter/>
-          </a:ln>
-          <a:effectLst>
-            <a:outerShdw sx="100000" sy="100000" kx="0" ky="0" algn="b" rotWithShape="0" blurRad="50800" dist="38100" dir="2700000">
-              <a:srgbClr val="000000">
-                <a:alpha val="40000"/>
-              </a:srgbClr>
-            </a:outerShdw>
-          </a:effectLst>
-        </p:spPr>
-        <p:txBody>
-          <a:bodyPr lIns="45718" tIns="45718" rIns="45718" bIns="45718"/>
-          <a:lstStyle/>
-          <a:p>
-            <a:pPr/>
-          </a:p>
-        </p:txBody>
-      </p:sp>
-      <p:pic>
-        <p:nvPicPr>
-          <p:cNvPr id="166" name="image7.png" descr="Präsentation mit Checkliste RNL"/>
-          <p:cNvPicPr>
-            <a:picLocks noChangeAspect="1"/>
-          </p:cNvPicPr>
-          <p:nvPr/>
-        </p:nvPicPr>
-        <p:blipFill>
-          <a:blip r:embed="rId3">
-            <a:extLst/>
-          </a:blip>
-          <a:stretch>
-            <a:fillRect/>
-          </a:stretch>
-        </p:blipFill>
-        <p:spPr>
-          <a:xfrm>
-            <a:off x="298859" y="90214"/>
-            <a:ext cx="540000" cy="540006"/>
-          </a:xfrm>
-          <a:prstGeom prst="rect">
-            <a:avLst/>
-          </a:prstGeom>
-          <a:ln w="12700">
-            <a:miter lim="400000"/>
-          </a:ln>
-        </p:spPr>
-      </p:pic>
-      <p:pic>
-        <p:nvPicPr>
-          <p:cNvPr id="167" name="image8.png" descr="Glühbirne und Zahnrad"/>
-          <p:cNvPicPr>
-            <a:picLocks noChangeAspect="1"/>
-          </p:cNvPicPr>
-          <p:nvPr/>
-        </p:nvPicPr>
-        <p:blipFill>
-          <a:blip r:embed="rId4">
-            <a:extLst/>
-          </a:blip>
-          <a:stretch>
-            <a:fillRect/>
-          </a:stretch>
-        </p:blipFill>
-        <p:spPr>
-          <a:xfrm>
-            <a:off x="795214" y="1241306"/>
-            <a:ext cx="914404" cy="914404"/>
-          </a:xfrm>
-          <a:prstGeom prst="rect">
-            <a:avLst/>
-          </a:prstGeom>
-          <a:ln w="12700">
-            <a:miter lim="400000"/>
-          </a:ln>
-        </p:spPr>
-      </p:pic>
-      <p:pic>
-        <p:nvPicPr>
-          <p:cNvPr id="168" name="image9.png" descr="Fingerabdruck"/>
-          <p:cNvPicPr>
-            <a:picLocks noChangeAspect="1"/>
-          </p:cNvPicPr>
-          <p:nvPr/>
-        </p:nvPicPr>
-        <p:blipFill>
-          <a:blip r:embed="rId5">
-            <a:extLst/>
-          </a:blip>
-          <a:stretch>
-            <a:fillRect/>
-          </a:stretch>
-        </p:blipFill>
-        <p:spPr>
-          <a:xfrm>
-            <a:off x="795217" y="3421174"/>
-            <a:ext cx="914401" cy="914406"/>
-          </a:xfrm>
-          <a:prstGeom prst="rect">
-            <a:avLst/>
-          </a:prstGeom>
-          <a:ln w="12700">
-            <a:miter lim="400000"/>
-          </a:ln>
-        </p:spPr>
-      </p:pic>
-      <p:pic>
-        <p:nvPicPr>
-          <p:cNvPr id="169" name="image10.png" descr="Idee"/>
-          <p:cNvPicPr>
-            <a:picLocks noChangeAspect="1"/>
-          </p:cNvPicPr>
-          <p:nvPr/>
-        </p:nvPicPr>
-        <p:blipFill>
-          <a:blip r:embed="rId6">
-            <a:extLst/>
-          </a:blip>
-          <a:stretch>
-            <a:fillRect/>
-          </a:stretch>
-        </p:blipFill>
-        <p:spPr>
-          <a:xfrm>
-            <a:off x="795214" y="4536125"/>
-            <a:ext cx="914403" cy="914403"/>
-          </a:xfrm>
-          <a:prstGeom prst="rect">
-            <a:avLst/>
-          </a:prstGeom>
-          <a:ln w="12700">
-            <a:miter lim="400000"/>
-          </a:ln>
-        </p:spPr>
-      </p:pic>
-    </p:spTree>
-  </p:cSld>
-  <p:clrMapOvr>
-    <a:masterClrMapping/>
-  </p:clrMapOvr>
-  <p:transition xmlns:p14="http://schemas.microsoft.com/office/powerpoint/2010/main" spd="med" advClick="1" p14:dur="1000"/>
-</p:sld>
-</file>
-
-<file path=ppt/slides/slide6.xml><?xml version="1.0" encoding="utf-8"?>
-<p:sld xmlns:a="http://schemas.openxmlformats.org/drawingml/2006/main" xmlns:r="http://schemas.openxmlformats.org/officeDocument/2006/relationships" xmlns:p="http://schemas.openxmlformats.org/presentationml/2006/main" showMasterSp="1" showMasterPhAnim="1">
-  <p:cSld>
-    <p:spTree>
-      <p:nvGrpSpPr>
-        <p:cNvPr id="1" name=""/>
-        <p:cNvGrpSpPr/>
-        <p:nvPr/>
-      </p:nvGrpSpPr>
-      <p:grpSpPr>
-        <a:xfrm>
-          <a:off x="0" y="0"/>
-          <a:ext cx="0" cy="0"/>
-          <a:chOff x="0" y="0"/>
-          <a:chExt cx="0" cy="0"/>
-        </a:xfrm>
-      </p:grpSpPr>
-      <p:sp>
-        <p:nvSpPr>
-          <p:cNvPr id="171" name="Shape 171"/>
-          <p:cNvSpPr/>
-          <p:nvPr/>
-        </p:nvSpPr>
-        <p:spPr>
-          <a:xfrm>
-            <a:off x="4038600" y="6404292"/>
-            <a:ext cx="4114800" cy="269237"/>
-          </a:xfrm>
-          <a:prstGeom prst="rect">
-            <a:avLst/>
-          </a:prstGeom>
-          <a:ln w="12700">
-            <a:miter lim="400000"/>
-          </a:ln>
-          <a:extLst>
-            <a:ext uri="{C572A759-6A51-4108-AA02-DFA0A04FC94B}">
-              <ma14:wrappingTextBoxFlag xmlns:ma14="http://schemas.microsoft.com/office/mac/drawingml/2011/main" val="1"/>
-            </a:ext>
-          </a:extLst>
-        </p:spPr>
-        <p:txBody>
-          <a:bodyPr lIns="45718" tIns="45718" rIns="45718" bIns="45718" anchor="ctr">
-            <a:spAutoFit/>
-          </a:bodyPr>
-          <a:lstStyle>
-            <a:lvl1pPr algn="ctr">
-              <a:defRPr sz="1200">
-                <a:solidFill>
-                  <a:srgbClr val="888888"/>
-                </a:solidFill>
-              </a:defRPr>
-            </a:lvl1pPr>
-          </a:lstStyle>
-          <a:p>
-            <a:pPr/>
-            <a:r>
-              <a:t>Mlst.-Präsentation Nr. V  /  Gruppe 15</a:t>
-            </a:r>
-          </a:p>
-        </p:txBody>
-      </p:sp>
-      <p:sp>
-        <p:nvSpPr>
-          <p:cNvPr id="172" name="Shape 172"/>
-          <p:cNvSpPr/>
-          <p:nvPr>
-            <p:ph type="body" sz="half" idx="1"/>
-          </p:nvPr>
-        </p:nvSpPr>
-        <p:spPr>
-          <a:xfrm>
-            <a:off x="1889727" y="1485000"/>
-            <a:ext cx="7622080" cy="4351338"/>
-          </a:xfrm>
-          <a:prstGeom prst="rect">
-            <a:avLst/>
-          </a:prstGeom>
-        </p:spPr>
-        <p:txBody>
-          <a:bodyPr/>
-          <a:lstStyle/>
-          <a:p>
-            <a:pPr marL="0" indent="0">
-              <a:buSzTx/>
-              <a:buNone/>
-              <a:defRPr sz="3000">
-                <a:latin typeface="Arial"/>
-                <a:ea typeface="Arial"/>
-                <a:cs typeface="Arial"/>
-                <a:sym typeface="Arial"/>
-              </a:defRPr>
-            </a:pPr>
-            <a:r>
-              <a:t>Skip-Bro: Regeln, Ziel, Mechanik</a:t>
-            </a:r>
-          </a:p>
-          <a:p>
-            <a:pPr marL="0" indent="0">
-              <a:buSzTx/>
-              <a:buNone/>
-              <a:defRPr sz="3000">
-                <a:latin typeface="Arial"/>
-                <a:ea typeface="Arial"/>
-                <a:cs typeface="Arial"/>
-                <a:sym typeface="Arial"/>
-              </a:defRPr>
-            </a:pPr>
-          </a:p>
-          <a:p>
-            <a:pPr marL="0" indent="0">
-              <a:buSzTx/>
-              <a:buNone/>
-              <a:defRPr sz="3000">
-                <a:latin typeface="Arial"/>
-                <a:ea typeface="Arial"/>
-                <a:cs typeface="Arial"/>
-                <a:sym typeface="Arial"/>
-              </a:defRPr>
-            </a:pPr>
-            <a:r>
-              <a:t>Spieldemonstration</a:t>
-            </a:r>
-          </a:p>
-          <a:p>
-            <a:pPr marL="0" indent="0">
-              <a:buSzTx/>
-              <a:buNone/>
-              <a:defRPr sz="3000">
-                <a:latin typeface="Arial"/>
-                <a:ea typeface="Arial"/>
-                <a:cs typeface="Arial"/>
-                <a:sym typeface="Arial"/>
-              </a:defRPr>
-            </a:pPr>
-          </a:p>
-          <a:p>
-            <a:pPr marL="0" indent="0">
-              <a:buSzTx/>
-              <a:buNone/>
-              <a:defRPr b="1" sz="3000">
-                <a:latin typeface="Arial"/>
-                <a:ea typeface="Arial"/>
-                <a:cs typeface="Arial"/>
-                <a:sym typeface="Arial"/>
-              </a:defRPr>
-            </a:pPr>
-            <a:r>
-              <a:t>Technische Eigenheiten</a:t>
-            </a:r>
-          </a:p>
-          <a:p>
-            <a:pPr marL="0" indent="0">
-              <a:buSzTx/>
-              <a:buNone/>
-              <a:defRPr sz="3000">
-                <a:latin typeface="Arial"/>
-                <a:ea typeface="Arial"/>
-                <a:cs typeface="Arial"/>
-                <a:sym typeface="Arial"/>
-              </a:defRPr>
-            </a:pPr>
-          </a:p>
-          <a:p>
-            <a:pPr marL="0" indent="0">
-              <a:buSzTx/>
-              <a:buNone/>
-              <a:defRPr sz="3000">
-                <a:latin typeface="Arial"/>
-                <a:ea typeface="Arial"/>
-                <a:cs typeface="Arial"/>
-                <a:sym typeface="Arial"/>
-              </a:defRPr>
-            </a:pPr>
-            <a:r>
-              <a:t>Lektion gelernt</a:t>
-            </a:r>
-          </a:p>
-        </p:txBody>
-      </p:sp>
-      <p:sp>
-        <p:nvSpPr>
-          <p:cNvPr id="173" name="Shape 173"/>
-          <p:cNvSpPr/>
-          <p:nvPr>
-            <p:ph type="sldNum" sz="quarter" idx="4294967295"/>
-          </p:nvPr>
-        </p:nvSpPr>
-        <p:spPr>
-          <a:xfrm>
-            <a:off x="11169739" y="6404292"/>
-            <a:ext cx="184057" cy="269237"/>
-          </a:xfrm>
-          <a:prstGeom prst="rect">
-            <a:avLst/>
-          </a:prstGeom>
-          <a:extLst>
-            <a:ext uri="{C572A759-6A51-4108-AA02-DFA0A04FC94B}">
-              <ma14:wrappingTextBoxFlag xmlns:ma14="http://schemas.microsoft.com/office/mac/drawingml/2011/main" val="1"/>
-            </a:ext>
-          </a:extLst>
-        </p:spPr>
-        <p:txBody>
-          <a:bodyPr/>
-          <a:lstStyle/>
-          <a:p>
-            <a:pPr/>
-            <a:fld id="{86CB4B4D-7CA3-9044-876B-883B54F8677D}" type="slidenum"/>
-          </a:p>
-        </p:txBody>
-      </p:sp>
-      <p:pic>
-        <p:nvPicPr>
-          <p:cNvPr id="174" name="image6.png" descr="Gamecontroller"/>
-          <p:cNvPicPr>
-            <a:picLocks noChangeAspect="1"/>
-          </p:cNvPicPr>
-          <p:nvPr/>
-        </p:nvPicPr>
-        <p:blipFill>
-          <a:blip r:embed="rId2">
-            <a:extLst/>
-          </a:blip>
-          <a:stretch>
-            <a:fillRect/>
-          </a:stretch>
-        </p:blipFill>
-        <p:spPr>
-          <a:xfrm>
-            <a:off x="795214" y="2306222"/>
-            <a:ext cx="914404" cy="914404"/>
-          </a:xfrm>
-          <a:prstGeom prst="rect">
-            <a:avLst/>
-          </a:prstGeom>
-          <a:ln w="12700">
-            <a:miter lim="400000"/>
-          </a:ln>
-        </p:spPr>
-      </p:pic>
-      <p:sp>
-        <p:nvSpPr>
-          <p:cNvPr id="175" name="Shape 175"/>
-          <p:cNvSpPr/>
-          <p:nvPr>
-            <p:ph type="title"/>
-          </p:nvPr>
-        </p:nvSpPr>
-        <p:spPr>
-          <a:xfrm>
-            <a:off x="0" y="-2"/>
-            <a:ext cx="10515600" cy="720440"/>
-          </a:xfrm>
-          <a:prstGeom prst="rect">
-            <a:avLst/>
-          </a:prstGeom>
-        </p:spPr>
-        <p:txBody>
-          <a:bodyPr/>
-          <a:lstStyle>
-            <a:lvl1pPr>
-              <a:defRPr b="1" sz="2000">
-                <a:latin typeface="Arial"/>
-                <a:ea typeface="Arial"/>
-                <a:cs typeface="Arial"/>
-                <a:sym typeface="Arial"/>
-              </a:defRPr>
-            </a:lvl1pPr>
-          </a:lstStyle>
-          <a:p>
-            <a:pPr/>
-            <a:r>
-              <a:t>	 Übersicht</a:t>
-            </a:r>
-          </a:p>
-        </p:txBody>
-      </p:sp>
-      <p:sp>
-        <p:nvSpPr>
-          <p:cNvPr id="176" name="Shape 176"/>
-          <p:cNvSpPr/>
-          <p:nvPr/>
-        </p:nvSpPr>
-        <p:spPr>
-          <a:xfrm>
-            <a:off x="-16630" y="720436"/>
-            <a:ext cx="3088634" cy="6"/>
-          </a:xfrm>
-          <a:prstGeom prst="line">
-            <a:avLst/>
-          </a:prstGeom>
-          <a:ln w="28575">
-            <a:solidFill>
-              <a:srgbClr val="000000"/>
-            </a:solidFill>
-            <a:miter/>
-          </a:ln>
-          <a:effectLst>
-            <a:outerShdw sx="100000" sy="100000" kx="0" ky="0" algn="b" rotWithShape="0" blurRad="50800" dist="38100" dir="2700000">
-              <a:srgbClr val="000000">
-                <a:alpha val="40000"/>
-              </a:srgbClr>
-            </a:outerShdw>
-          </a:effectLst>
-        </p:spPr>
-        <p:txBody>
-          <a:bodyPr lIns="45718" tIns="45718" rIns="45718" bIns="45718"/>
-          <a:lstStyle/>
-          <a:p>
-            <a:pPr/>
-          </a:p>
-        </p:txBody>
-      </p:sp>
-      <p:pic>
-        <p:nvPicPr>
-          <p:cNvPr id="177" name="image7.png" descr="Präsentation mit Checkliste RNL"/>
-          <p:cNvPicPr>
-            <a:picLocks noChangeAspect="1"/>
-          </p:cNvPicPr>
-          <p:nvPr/>
-        </p:nvPicPr>
-        <p:blipFill>
-          <a:blip r:embed="rId3">
-            <a:extLst/>
-          </a:blip>
-          <a:stretch>
-            <a:fillRect/>
-          </a:stretch>
-        </p:blipFill>
-        <p:spPr>
-          <a:xfrm>
-            <a:off x="298859" y="90214"/>
-            <a:ext cx="540000" cy="540006"/>
-          </a:xfrm>
-          <a:prstGeom prst="rect">
-            <a:avLst/>
-          </a:prstGeom>
-          <a:ln w="12700">
-            <a:miter lim="400000"/>
-          </a:ln>
-        </p:spPr>
-      </p:pic>
-      <p:pic>
-        <p:nvPicPr>
-          <p:cNvPr id="178" name="image8.png" descr="Glühbirne und Zahnrad"/>
-          <p:cNvPicPr>
-            <a:picLocks noChangeAspect="1"/>
-          </p:cNvPicPr>
-          <p:nvPr/>
-        </p:nvPicPr>
-        <p:blipFill>
-          <a:blip r:embed="rId4">
-            <a:extLst/>
-          </a:blip>
-          <a:stretch>
-            <a:fillRect/>
-          </a:stretch>
-        </p:blipFill>
-        <p:spPr>
-          <a:xfrm>
-            <a:off x="795214" y="1241306"/>
-            <a:ext cx="914404" cy="914404"/>
-          </a:xfrm>
-          <a:prstGeom prst="rect">
-            <a:avLst/>
-          </a:prstGeom>
-          <a:ln w="12700">
-            <a:miter lim="400000"/>
-          </a:ln>
-        </p:spPr>
-      </p:pic>
-      <p:pic>
-        <p:nvPicPr>
-          <p:cNvPr id="179" name="image9.png" descr="Fingerabdruck"/>
-          <p:cNvPicPr>
-            <a:picLocks noChangeAspect="1"/>
-          </p:cNvPicPr>
-          <p:nvPr/>
-        </p:nvPicPr>
-        <p:blipFill>
-          <a:blip r:embed="rId5">
-            <a:extLst/>
-          </a:blip>
-          <a:stretch>
-            <a:fillRect/>
-          </a:stretch>
-        </p:blipFill>
-        <p:spPr>
-          <a:xfrm>
-            <a:off x="795217" y="3421174"/>
-            <a:ext cx="914401" cy="914406"/>
-          </a:xfrm>
-          <a:prstGeom prst="rect">
-            <a:avLst/>
-          </a:prstGeom>
-          <a:ln w="12700">
-            <a:miter lim="400000"/>
-          </a:ln>
-        </p:spPr>
-      </p:pic>
-      <p:pic>
-        <p:nvPicPr>
-          <p:cNvPr id="180" name="image10.png" descr="Idee"/>
-          <p:cNvPicPr>
-            <a:picLocks noChangeAspect="1"/>
-          </p:cNvPicPr>
-          <p:nvPr/>
-        </p:nvPicPr>
-        <p:blipFill>
-          <a:blip r:embed="rId6">
-            <a:extLst/>
-          </a:blip>
-          <a:stretch>
-            <a:fillRect/>
-          </a:stretch>
-        </p:blipFill>
-        <p:spPr>
-          <a:xfrm>
-            <a:off x="795214" y="4536125"/>
-            <a:ext cx="914403" cy="914403"/>
-          </a:xfrm>
-          <a:prstGeom prst="rect">
-            <a:avLst/>
-          </a:prstGeom>
-          <a:ln w="12700">
-            <a:miter lim="400000"/>
-          </a:ln>
-        </p:spPr>
-      </p:pic>
-    </p:spTree>
-  </p:cSld>
-  <p:clrMapOvr>
-    <a:masterClrMapping/>
-  </p:clrMapOvr>
-  <p:transition xmlns:p14="http://schemas.microsoft.com/office/powerpoint/2010/main" spd="med" advClick="1" p14:dur="1000"/>
-</p:sld>
-</file>
-
-<file path=ppt/slides/slide7.xml><?xml version="1.0" encoding="utf-8"?>
-<p:sld xmlns:a="http://schemas.openxmlformats.org/drawingml/2006/main" xmlns:r="http://schemas.openxmlformats.org/officeDocument/2006/relationships" xmlns:p="http://schemas.openxmlformats.org/presentationml/2006/main" showMasterSp="1" showMasterPhAnim="1">
-  <p:cSld>
-    <p:spTree>
-      <p:nvGrpSpPr>
-        <p:cNvPr id="1" name=""/>
-        <p:cNvGrpSpPr/>
-        <p:nvPr/>
-      </p:nvGrpSpPr>
-      <p:grpSpPr>
-        <a:xfrm>
-          <a:off x="0" y="0"/>
-          <a:ext cx="0" cy="0"/>
-          <a:chOff x="0" y="0"/>
-          <a:chExt cx="0" cy="0"/>
-        </a:xfrm>
-      </p:grpSpPr>
-      <p:sp>
-        <p:nvSpPr>
-          <p:cNvPr id="182" name="Shape 182"/>
-          <p:cNvSpPr/>
-          <p:nvPr/>
-        </p:nvSpPr>
-        <p:spPr>
-          <a:xfrm>
-            <a:off x="4038600" y="6404292"/>
-            <a:ext cx="4114800" cy="269237"/>
-          </a:xfrm>
-          <a:prstGeom prst="rect">
-            <a:avLst/>
-          </a:prstGeom>
-          <a:ln w="12700">
-            <a:miter lim="400000"/>
-          </a:ln>
-          <a:extLst>
-            <a:ext uri="{C572A759-6A51-4108-AA02-DFA0A04FC94B}">
-              <ma14:wrappingTextBoxFlag xmlns:ma14="http://schemas.microsoft.com/office/mac/drawingml/2011/main" val="1"/>
-            </a:ext>
-          </a:extLst>
-        </p:spPr>
-        <p:txBody>
-          <a:bodyPr lIns="45718" tIns="45718" rIns="45718" bIns="45718" anchor="ctr">
-            <a:spAutoFit/>
-          </a:bodyPr>
-          <a:lstStyle>
-            <a:lvl1pPr algn="ctr">
-              <a:defRPr sz="1200">
-                <a:solidFill>
-                  <a:srgbClr val="888888"/>
-                </a:solidFill>
-              </a:defRPr>
-            </a:lvl1pPr>
-          </a:lstStyle>
-          <a:p>
-            <a:pPr/>
-            <a:r>
-              <a:t>Mlst.-Präsentation Nr. V  /  Gruppe 15</a:t>
-            </a:r>
-          </a:p>
-        </p:txBody>
-      </p:sp>
-      <p:sp>
-        <p:nvSpPr>
-          <p:cNvPr id="183" name="Shape 183"/>
-          <p:cNvSpPr/>
-          <p:nvPr>
-            <p:ph type="title"/>
-          </p:nvPr>
-        </p:nvSpPr>
-        <p:spPr>
-          <a:xfrm>
-            <a:off x="0" y="-2"/>
-            <a:ext cx="10515600" cy="720440"/>
-          </a:xfrm>
-          <a:prstGeom prst="rect">
-            <a:avLst/>
-          </a:prstGeom>
-        </p:spPr>
-        <p:txBody>
-          <a:bodyPr/>
-          <a:lstStyle>
-            <a:lvl1pPr>
-              <a:defRPr b="1" sz="2000">
-                <a:latin typeface="Arial"/>
-                <a:ea typeface="Arial"/>
-                <a:cs typeface="Arial"/>
-                <a:sym typeface="Arial"/>
-              </a:defRPr>
-            </a:lvl1pPr>
-          </a:lstStyle>
-          <a:p>
-            <a:pPr/>
-            <a:r>
-              <a:t>	Technische Eigenheiten</a:t>
-            </a:r>
-          </a:p>
-        </p:txBody>
-      </p:sp>
-      <p:sp>
-        <p:nvSpPr>
-          <p:cNvPr id="184" name="Shape 184"/>
-          <p:cNvSpPr/>
-          <p:nvPr>
-            <p:ph type="sldNum" sz="quarter" idx="4294967295"/>
-          </p:nvPr>
-        </p:nvSpPr>
-        <p:spPr>
-          <a:xfrm>
-            <a:off x="11169739" y="6404292"/>
-            <a:ext cx="184057" cy="269237"/>
-          </a:xfrm>
-          <a:prstGeom prst="rect">
-            <a:avLst/>
-          </a:prstGeom>
-          <a:extLst>
-            <a:ext uri="{C572A759-6A51-4108-AA02-DFA0A04FC94B}">
-              <ma14:wrappingTextBoxFlag xmlns:ma14="http://schemas.microsoft.com/office/mac/drawingml/2011/main" val="1"/>
-            </a:ext>
-          </a:extLst>
-        </p:spPr>
-        <p:txBody>
-          <a:bodyPr/>
-          <a:lstStyle/>
-          <a:p>
-            <a:pPr/>
-            <a:fld id="{86CB4B4D-7CA3-9044-876B-883B54F8677D}" type="slidenum"/>
-          </a:p>
-        </p:txBody>
-      </p:sp>
-      <p:sp>
-        <p:nvSpPr>
-          <p:cNvPr id="185" name="Shape 185"/>
-          <p:cNvSpPr/>
-          <p:nvPr/>
-        </p:nvSpPr>
-        <p:spPr>
-          <a:xfrm>
-            <a:off x="-11087" y="720436"/>
-            <a:ext cx="4584009" cy="6"/>
-          </a:xfrm>
-          <a:prstGeom prst="line">
-            <a:avLst/>
-          </a:prstGeom>
-          <a:ln w="28575">
-            <a:solidFill>
-              <a:srgbClr val="000000"/>
-            </a:solidFill>
-            <a:miter/>
-          </a:ln>
-          <a:effectLst>
-            <a:outerShdw sx="100000" sy="100000" kx="0" ky="0" algn="b" rotWithShape="0" blurRad="50800" dist="38100" dir="2700000">
-              <a:srgbClr val="000000">
-                <a:alpha val="40000"/>
-              </a:srgbClr>
-            </a:outerShdw>
-          </a:effectLst>
-        </p:spPr>
-        <p:txBody>
-          <a:bodyPr lIns="45718" tIns="45718" rIns="45718" bIns="45718"/>
-          <a:lstStyle/>
-          <a:p>
-            <a:pPr/>
-          </a:p>
-        </p:txBody>
-      </p:sp>
-      <p:pic>
-        <p:nvPicPr>
-          <p:cNvPr id="186" name="image9.png" descr="Fingerabdruck"/>
-          <p:cNvPicPr>
-            <a:picLocks noChangeAspect="1"/>
-          </p:cNvPicPr>
-          <p:nvPr/>
-        </p:nvPicPr>
-        <p:blipFill>
-          <a:blip r:embed="rId2">
-            <a:extLst/>
-          </a:blip>
-          <a:stretch>
-            <a:fillRect/>
-          </a:stretch>
-        </p:blipFill>
-        <p:spPr>
-          <a:xfrm>
-            <a:off x="263999" y="86301"/>
-            <a:ext cx="547828" cy="547833"/>
-          </a:xfrm>
-          <a:prstGeom prst="rect">
-            <a:avLst/>
-          </a:prstGeom>
-          <a:ln w="12700">
-            <a:miter lim="400000"/>
-          </a:ln>
-        </p:spPr>
-      </p:pic>
-      <p:sp>
-        <p:nvSpPr>
-          <p:cNvPr id="187" name="Shape 187"/>
-          <p:cNvSpPr/>
-          <p:nvPr/>
-        </p:nvSpPr>
-        <p:spPr>
-          <a:xfrm>
-            <a:off x="848483" y="1703706"/>
-            <a:ext cx="5392888" cy="3450587"/>
-          </a:xfrm>
-          <a:prstGeom prst="rect">
-            <a:avLst/>
-          </a:prstGeom>
-          <a:ln w="12700">
-            <a:miter lim="400000"/>
-          </a:ln>
-          <a:extLst>
-            <a:ext uri="{C572A759-6A51-4108-AA02-DFA0A04FC94B}">
-              <ma14:wrappingTextBoxFlag xmlns:ma14="http://schemas.microsoft.com/office/mac/drawingml/2011/main" val="1"/>
-            </a:ext>
-          </a:extLst>
-        </p:spPr>
-        <p:txBody>
-          <a:bodyPr wrap="none" lIns="45718" tIns="45718" rIns="45718" bIns="45718">
-            <a:spAutoFit/>
-          </a:bodyPr>
-          <a:lstStyle/>
-          <a:p>
-            <a:pPr marL="180472" indent="-180472">
-              <a:lnSpc>
-                <a:spcPct val="150000"/>
-              </a:lnSpc>
-              <a:buSzPct val="100000"/>
-              <a:buChar char="•"/>
-              <a:defRPr b="1" sz="2000"/>
-            </a:pPr>
-            <a:r>
-              <a:t>Apache Log4j2</a:t>
-            </a:r>
-          </a:p>
-          <a:p>
-            <a:pPr marL="180472" indent="-180472">
-              <a:lnSpc>
-                <a:spcPct val="120000"/>
-              </a:lnSpc>
-              <a:buSzPct val="100000"/>
-              <a:buChar char="•"/>
-              <a:defRPr b="1" sz="2000"/>
-            </a:pPr>
-            <a:r>
-              <a:t>MP3SPI</a:t>
-            </a:r>
-          </a:p>
-          <a:p>
-            <a:pPr lvl="1" marL="561472" indent="-180472">
-              <a:lnSpc>
-                <a:spcPct val="120000"/>
-              </a:lnSpc>
-              <a:buSzPct val="100000"/>
-              <a:buChar char="•"/>
-              <a:defRPr sz="2000"/>
-            </a:pPr>
-            <a:r>
-              <a:t>Ermöglicht abspielen von mp3 Dateien</a:t>
-            </a:r>
-          </a:p>
-          <a:p>
-            <a:pPr lvl="1" marL="561472" indent="-180472">
-              <a:lnSpc>
-                <a:spcPct val="120000"/>
-              </a:lnSpc>
-              <a:buSzPct val="100000"/>
-              <a:buChar char="•"/>
-              <a:defRPr sz="2000"/>
-            </a:pPr>
-            <a:r>
-              <a:t>Intuitive Implementation</a:t>
-            </a:r>
-          </a:p>
-          <a:p>
-            <a:pPr lvl="1" marL="561472" indent="-180472">
-              <a:lnSpc>
-                <a:spcPct val="150000"/>
-              </a:lnSpc>
-              <a:buSzPct val="100000"/>
-              <a:buChar char="•"/>
-              <a:defRPr sz="2000"/>
-            </a:pPr>
-            <a:r>
-              <a:t>Eigenhändige Ergänzungen</a:t>
-            </a:r>
-          </a:p>
-          <a:p>
-            <a:pPr marL="180472" indent="-180472">
-              <a:lnSpc>
-                <a:spcPct val="120000"/>
-              </a:lnSpc>
-              <a:buSzPct val="100000"/>
-              <a:buChar char="•"/>
-              <a:defRPr b="1" sz="2000"/>
-            </a:pPr>
-            <a:r>
-              <a:t>WrapEditorKit Klasse</a:t>
-            </a:r>
-          </a:p>
-          <a:p>
-            <a:pPr lvl="1" marL="561472" indent="-180472">
-              <a:lnSpc>
-                <a:spcPct val="150000"/>
-              </a:lnSpc>
-              <a:buSzPct val="100000"/>
-              <a:buChar char="•"/>
-              <a:defRPr sz="2000"/>
-            </a:pPr>
-            <a:r>
-              <a:t>Hilft zur korrekten Darstellung des Chats</a:t>
-            </a:r>
-          </a:p>
-          <a:p>
-            <a:pPr marL="180472" indent="-180472">
-              <a:lnSpc>
-                <a:spcPct val="120000"/>
-              </a:lnSpc>
-              <a:buSzPct val="100000"/>
-              <a:buChar char="•"/>
-              <a:defRPr b="1" sz="2000"/>
-            </a:pPr>
-            <a:r>
-              <a:t>Timer</a:t>
-            </a:r>
-          </a:p>
-          <a:p>
-            <a:pPr lvl="1" marL="561472" indent="-180472">
-              <a:lnSpc>
-                <a:spcPct val="120000"/>
-              </a:lnSpc>
-              <a:buSzPct val="100000"/>
-              <a:buChar char="•"/>
-              <a:defRPr sz="2000"/>
-            </a:pPr>
-            <a:r>
-              <a:t>Verzögerter Ausführung von Tasks</a:t>
-            </a:r>
-          </a:p>
-        </p:txBody>
-      </p:sp>
-    </p:spTree>
-  </p:cSld>
-  <p:clrMapOvr>
-    <a:masterClrMapping/>
-  </p:clrMapOvr>
-  <p:transition xmlns:p14="http://schemas.microsoft.com/office/powerpoint/2010/main" spd="med" advClick="1" p14:dur="1000"/>
-</p:sld>
-</file>
-
-<file path=ppt/slides/slide8.xml><?xml version="1.0" encoding="utf-8"?>
-<p:sld xmlns:a="http://schemas.openxmlformats.org/drawingml/2006/main" xmlns:r="http://schemas.openxmlformats.org/officeDocument/2006/relationships" xmlns:p="http://schemas.openxmlformats.org/presentationml/2006/main" showMasterSp="1" showMasterPhAnim="1">
-  <p:cSld>
-    <p:spTree>
-      <p:nvGrpSpPr>
-        <p:cNvPr id="1" name=""/>
-        <p:cNvGrpSpPr/>
-        <p:nvPr/>
-      </p:nvGrpSpPr>
-      <p:grpSpPr>
-        <a:xfrm>
-          <a:off x="0" y="0"/>
-          <a:ext cx="0" cy="0"/>
-          <a:chOff x="0" y="0"/>
-          <a:chExt cx="0" cy="0"/>
-        </a:xfrm>
-      </p:grpSpPr>
-      <p:sp>
-        <p:nvSpPr>
-          <p:cNvPr id="189" name="Shape 189"/>
-          <p:cNvSpPr/>
-          <p:nvPr/>
-        </p:nvSpPr>
-        <p:spPr>
-          <a:xfrm>
-            <a:off x="4038600" y="6404292"/>
-            <a:ext cx="4114800" cy="269237"/>
-          </a:xfrm>
-          <a:prstGeom prst="rect">
-            <a:avLst/>
-          </a:prstGeom>
-          <a:ln w="12700">
-            <a:miter lim="400000"/>
-          </a:ln>
-          <a:extLst>
-            <a:ext uri="{C572A759-6A51-4108-AA02-DFA0A04FC94B}">
-              <ma14:wrappingTextBoxFlag xmlns:ma14="http://schemas.microsoft.com/office/mac/drawingml/2011/main" val="1"/>
-            </a:ext>
-          </a:extLst>
-        </p:spPr>
-        <p:txBody>
-          <a:bodyPr lIns="45718" tIns="45718" rIns="45718" bIns="45718" anchor="ctr">
-            <a:spAutoFit/>
-          </a:bodyPr>
-          <a:lstStyle>
-            <a:lvl1pPr algn="ctr">
-              <a:defRPr sz="1200">
-                <a:solidFill>
-                  <a:srgbClr val="888888"/>
-                </a:solidFill>
-              </a:defRPr>
-            </a:lvl1pPr>
-          </a:lstStyle>
-          <a:p>
-            <a:pPr/>
-            <a:r>
-              <a:t>Mlst.-Präsentation Nr. V  /  Gruppe 15</a:t>
-            </a:r>
-          </a:p>
-        </p:txBody>
-      </p:sp>
-      <p:sp>
-        <p:nvSpPr>
-          <p:cNvPr id="190" name="Shape 190"/>
-          <p:cNvSpPr/>
-          <p:nvPr>
-            <p:ph type="body" sz="half" idx="1"/>
-          </p:nvPr>
-        </p:nvSpPr>
-        <p:spPr>
-          <a:xfrm>
-            <a:off x="1889727" y="1485000"/>
-            <a:ext cx="7622080" cy="4351338"/>
-          </a:xfrm>
-          <a:prstGeom prst="rect">
-            <a:avLst/>
-          </a:prstGeom>
-        </p:spPr>
-        <p:txBody>
-          <a:bodyPr/>
-          <a:lstStyle/>
-          <a:p>
-            <a:pPr marL="0" indent="0">
-              <a:buSzTx/>
-              <a:buNone/>
-              <a:defRPr sz="3000">
-                <a:latin typeface="Arial"/>
-                <a:ea typeface="Arial"/>
-                <a:cs typeface="Arial"/>
-                <a:sym typeface="Arial"/>
-              </a:defRPr>
-            </a:pPr>
-            <a:r>
-              <a:t>Skip-Bro: Regeln, Ziel, Mechanik</a:t>
-            </a:r>
-          </a:p>
-          <a:p>
-            <a:pPr marL="0" indent="0">
-              <a:buSzTx/>
-              <a:buNone/>
-              <a:defRPr sz="3000">
-                <a:latin typeface="Arial"/>
-                <a:ea typeface="Arial"/>
-                <a:cs typeface="Arial"/>
-                <a:sym typeface="Arial"/>
-              </a:defRPr>
-            </a:pPr>
-          </a:p>
-          <a:p>
-            <a:pPr marL="0" indent="0">
-              <a:buSzTx/>
-              <a:buNone/>
-              <a:defRPr sz="3000">
-                <a:latin typeface="Arial"/>
-                <a:ea typeface="Arial"/>
-                <a:cs typeface="Arial"/>
-                <a:sym typeface="Arial"/>
-              </a:defRPr>
-            </a:pPr>
-            <a:r>
-              <a:t>Spieldemonstration</a:t>
-            </a:r>
-          </a:p>
-          <a:p>
-            <a:pPr marL="0" indent="0">
-              <a:buSzTx/>
-              <a:buNone/>
-              <a:defRPr sz="3000">
-                <a:latin typeface="Arial"/>
-                <a:ea typeface="Arial"/>
-                <a:cs typeface="Arial"/>
-                <a:sym typeface="Arial"/>
-              </a:defRPr>
-            </a:pPr>
-          </a:p>
-          <a:p>
-            <a:pPr marL="0" indent="0">
-              <a:buSzTx/>
-              <a:buNone/>
-              <a:defRPr sz="3000">
-                <a:latin typeface="Arial"/>
-                <a:ea typeface="Arial"/>
-                <a:cs typeface="Arial"/>
-                <a:sym typeface="Arial"/>
-              </a:defRPr>
-            </a:pPr>
-            <a:r>
-              <a:t>Technische Eigenheiten</a:t>
-            </a:r>
-          </a:p>
-          <a:p>
-            <a:pPr marL="0" indent="0">
-              <a:buSzTx/>
-              <a:buNone/>
-              <a:defRPr sz="3000">
-                <a:latin typeface="Arial"/>
-                <a:ea typeface="Arial"/>
-                <a:cs typeface="Arial"/>
-                <a:sym typeface="Arial"/>
-              </a:defRPr>
-            </a:pPr>
-          </a:p>
-          <a:p>
-            <a:pPr marL="0" indent="0">
-              <a:buSzTx/>
-              <a:buNone/>
-              <a:defRPr b="1" sz="3000">
-                <a:latin typeface="Arial"/>
-                <a:ea typeface="Arial"/>
-                <a:cs typeface="Arial"/>
-                <a:sym typeface="Arial"/>
-              </a:defRPr>
-            </a:pPr>
-            <a:r>
-              <a:t>Lektion gelernt</a:t>
-            </a:r>
-          </a:p>
-        </p:txBody>
-      </p:sp>
-      <p:sp>
-        <p:nvSpPr>
-          <p:cNvPr id="191" name="Shape 191"/>
-          <p:cNvSpPr/>
-          <p:nvPr>
-            <p:ph type="sldNum" sz="quarter" idx="4294967295"/>
-          </p:nvPr>
-        </p:nvSpPr>
-        <p:spPr>
-          <a:xfrm>
-            <a:off x="11169739" y="6404292"/>
-            <a:ext cx="184057" cy="269237"/>
-          </a:xfrm>
-          <a:prstGeom prst="rect">
-            <a:avLst/>
-          </a:prstGeom>
-          <a:extLst>
-            <a:ext uri="{C572A759-6A51-4108-AA02-DFA0A04FC94B}">
-              <ma14:wrappingTextBoxFlag xmlns:ma14="http://schemas.microsoft.com/office/mac/drawingml/2011/main" val="1"/>
-            </a:ext>
-          </a:extLst>
-        </p:spPr>
-        <p:txBody>
-          <a:bodyPr/>
-          <a:lstStyle/>
-          <a:p>
-            <a:pPr/>
-            <a:fld id="{86CB4B4D-7CA3-9044-876B-883B54F8677D}" type="slidenum"/>
-          </a:p>
-        </p:txBody>
-      </p:sp>
-      <p:pic>
-        <p:nvPicPr>
-          <p:cNvPr id="192" name="image6.png" descr="Gamecontroller"/>
-          <p:cNvPicPr>
-            <a:picLocks noChangeAspect="1"/>
-          </p:cNvPicPr>
-          <p:nvPr/>
-        </p:nvPicPr>
-        <p:blipFill>
-          <a:blip r:embed="rId2">
-            <a:extLst/>
-          </a:blip>
-          <a:stretch>
-            <a:fillRect/>
-          </a:stretch>
-        </p:blipFill>
-        <p:spPr>
-          <a:xfrm>
-            <a:off x="795214" y="2306222"/>
-            <a:ext cx="914404" cy="914404"/>
-          </a:xfrm>
-          <a:prstGeom prst="rect">
-            <a:avLst/>
-          </a:prstGeom>
-          <a:ln w="12700">
-            <a:miter lim="400000"/>
-          </a:ln>
-        </p:spPr>
-      </p:pic>
-      <p:sp>
-        <p:nvSpPr>
-          <p:cNvPr id="193" name="Shape 193"/>
-          <p:cNvSpPr/>
-          <p:nvPr>
-            <p:ph type="title"/>
-          </p:nvPr>
-        </p:nvSpPr>
-        <p:spPr>
-          <a:xfrm>
-            <a:off x="0" y="-2"/>
-            <a:ext cx="10515600" cy="720440"/>
-          </a:xfrm>
-          <a:prstGeom prst="rect">
-            <a:avLst/>
-          </a:prstGeom>
-        </p:spPr>
-        <p:txBody>
-          <a:bodyPr/>
-          <a:lstStyle>
-            <a:lvl1pPr>
-              <a:defRPr b="1" sz="2000">
-                <a:latin typeface="Arial"/>
-                <a:ea typeface="Arial"/>
-                <a:cs typeface="Arial"/>
-                <a:sym typeface="Arial"/>
-              </a:defRPr>
-            </a:lvl1pPr>
-          </a:lstStyle>
-          <a:p>
-            <a:pPr/>
-            <a:r>
-              <a:t>	 Übersicht</a:t>
-            </a:r>
-          </a:p>
-        </p:txBody>
-      </p:sp>
-      <p:sp>
-        <p:nvSpPr>
-          <p:cNvPr id="194" name="Shape 194"/>
-          <p:cNvSpPr/>
-          <p:nvPr/>
-        </p:nvSpPr>
-        <p:spPr>
-          <a:xfrm>
-            <a:off x="-16630" y="720436"/>
-            <a:ext cx="3088634" cy="6"/>
-          </a:xfrm>
-          <a:prstGeom prst="line">
-            <a:avLst/>
-          </a:prstGeom>
-          <a:ln w="28575">
-            <a:solidFill>
-              <a:srgbClr val="000000"/>
-            </a:solidFill>
-            <a:miter/>
-          </a:ln>
-          <a:effectLst>
-            <a:outerShdw sx="100000" sy="100000" kx="0" ky="0" algn="b" rotWithShape="0" blurRad="50800" dist="38100" dir="2700000">
-              <a:srgbClr val="000000">
-                <a:alpha val="40000"/>
-              </a:srgbClr>
-            </a:outerShdw>
-          </a:effectLst>
-        </p:spPr>
-        <p:txBody>
-          <a:bodyPr lIns="45718" tIns="45718" rIns="45718" bIns="45718"/>
-          <a:lstStyle/>
-          <a:p>
-            <a:pPr/>
-          </a:p>
-        </p:txBody>
-      </p:sp>
-      <p:pic>
-        <p:nvPicPr>
-          <p:cNvPr id="195" name="image7.png" descr="Präsentation mit Checkliste RNL"/>
-          <p:cNvPicPr>
-            <a:picLocks noChangeAspect="1"/>
-          </p:cNvPicPr>
-          <p:nvPr/>
-        </p:nvPicPr>
-        <p:blipFill>
-          <a:blip r:embed="rId3">
-            <a:extLst/>
-          </a:blip>
-          <a:stretch>
-            <a:fillRect/>
-          </a:stretch>
-        </p:blipFill>
-        <p:spPr>
-          <a:xfrm>
-            <a:off x="298859" y="90214"/>
-            <a:ext cx="540000" cy="540006"/>
-          </a:xfrm>
-          <a:prstGeom prst="rect">
-            <a:avLst/>
-          </a:prstGeom>
-          <a:ln w="12700">
-            <a:miter lim="400000"/>
-          </a:ln>
-        </p:spPr>
-      </p:pic>
-      <p:pic>
-        <p:nvPicPr>
-          <p:cNvPr id="196" name="image8.png" descr="Glühbirne und Zahnrad"/>
-          <p:cNvPicPr>
-            <a:picLocks noChangeAspect="1"/>
-          </p:cNvPicPr>
-          <p:nvPr/>
-        </p:nvPicPr>
-        <p:blipFill>
-          <a:blip r:embed="rId4">
-            <a:extLst/>
-          </a:blip>
-          <a:stretch>
-            <a:fillRect/>
-          </a:stretch>
-        </p:blipFill>
-        <p:spPr>
-          <a:xfrm>
-            <a:off x="795214" y="1241306"/>
-            <a:ext cx="914404" cy="914404"/>
-          </a:xfrm>
-          <a:prstGeom prst="rect">
-            <a:avLst/>
-          </a:prstGeom>
-          <a:ln w="12700">
-            <a:miter lim="400000"/>
-          </a:ln>
-        </p:spPr>
-      </p:pic>
-      <p:pic>
-        <p:nvPicPr>
-          <p:cNvPr id="197" name="image9.png" descr="Fingerabdruck"/>
-          <p:cNvPicPr>
-            <a:picLocks noChangeAspect="1"/>
-          </p:cNvPicPr>
-          <p:nvPr/>
-        </p:nvPicPr>
-        <p:blipFill>
-          <a:blip r:embed="rId5">
-            <a:extLst/>
-          </a:blip>
-          <a:stretch>
-            <a:fillRect/>
-          </a:stretch>
-        </p:blipFill>
-        <p:spPr>
-          <a:xfrm>
-            <a:off x="795217" y="3421174"/>
-            <a:ext cx="914401" cy="914406"/>
-          </a:xfrm>
-          <a:prstGeom prst="rect">
-            <a:avLst/>
-          </a:prstGeom>
-          <a:ln w="12700">
-            <a:miter lim="400000"/>
-          </a:ln>
-        </p:spPr>
-      </p:pic>
-      <p:pic>
-        <p:nvPicPr>
-          <p:cNvPr id="198" name="image10.png" descr="Idee"/>
-          <p:cNvPicPr>
-            <a:picLocks noChangeAspect="1"/>
-          </p:cNvPicPr>
-          <p:nvPr/>
-        </p:nvPicPr>
-        <p:blipFill>
-          <a:blip r:embed="rId6">
-            <a:extLst/>
-          </a:blip>
-          <a:stretch>
-            <a:fillRect/>
-          </a:stretch>
-        </p:blipFill>
-        <p:spPr>
-          <a:xfrm>
-            <a:off x="795214" y="4536125"/>
-            <a:ext cx="914403" cy="914403"/>
-          </a:xfrm>
-          <a:prstGeom prst="rect">
-            <a:avLst/>
-          </a:prstGeom>
-          <a:ln w="12700">
-            <a:miter lim="400000"/>
-          </a:ln>
-        </p:spPr>
-      </p:pic>
-    </p:spTree>
-  </p:cSld>
-  <p:clrMapOvr>
-    <a:masterClrMapping/>
-  </p:clrMapOvr>
-  <p:transition xmlns:p14="http://schemas.microsoft.com/office/powerpoint/2010/main" spd="med" advClick="1" p14:dur="1000"/>
-</p:sld>
-</file>
-
-<file path=ppt/slides/slide9.xml><?xml version="1.0" encoding="utf-8"?>
-<p:sld xmlns:a="http://schemas.openxmlformats.org/drawingml/2006/main" xmlns:r="http://schemas.openxmlformats.org/officeDocument/2006/relationships" xmlns:p="http://schemas.openxmlformats.org/presentationml/2006/main" showMasterSp="1" showMasterPhAnim="1">
-  <p:cSld>
-    <p:spTree>
-      <p:nvGrpSpPr>
-        <p:cNvPr id="1" name=""/>
-        <p:cNvGrpSpPr/>
-        <p:nvPr/>
-      </p:nvGrpSpPr>
-      <p:grpSpPr>
-        <a:xfrm>
-          <a:off x="0" y="0"/>
-          <a:ext cx="0" cy="0"/>
-          <a:chOff x="0" y="0"/>
-          <a:chExt cx="0" cy="0"/>
-        </a:xfrm>
-      </p:grpSpPr>
-      <p:sp>
-        <p:nvSpPr>
-          <p:cNvPr id="200" name="Shape 200"/>
-          <p:cNvSpPr/>
-          <p:nvPr/>
-        </p:nvSpPr>
-        <p:spPr>
-          <a:xfrm>
-            <a:off x="4038600" y="6404292"/>
-            <a:ext cx="4114800" cy="269237"/>
-          </a:xfrm>
-          <a:prstGeom prst="rect">
-            <a:avLst/>
-          </a:prstGeom>
-          <a:ln w="12700">
-            <a:miter lim="400000"/>
-          </a:ln>
-          <a:extLst>
-            <a:ext uri="{C572A759-6A51-4108-AA02-DFA0A04FC94B}">
-              <ma14:wrappingTextBoxFlag xmlns:ma14="http://schemas.microsoft.com/office/mac/drawingml/2011/main" val="1"/>
-            </a:ext>
-          </a:extLst>
-        </p:spPr>
-        <p:txBody>
-          <a:bodyPr lIns="45718" tIns="45718" rIns="45718" bIns="45718" anchor="ctr">
-            <a:spAutoFit/>
-          </a:bodyPr>
-          <a:lstStyle>
-            <a:lvl1pPr algn="ctr">
-              <a:defRPr sz="1200">
-                <a:solidFill>
-                  <a:srgbClr val="888888"/>
-                </a:solidFill>
-              </a:defRPr>
-            </a:lvl1pPr>
-          </a:lstStyle>
-          <a:p>
-            <a:pPr/>
-            <a:r>
-              <a:t>Mlst.-Präsentation Nr. V  /  Gruppe 15</a:t>
-            </a:r>
-          </a:p>
-        </p:txBody>
-      </p:sp>
-      <p:sp>
-        <p:nvSpPr>
-          <p:cNvPr id="201" name="Shape 201"/>
-          <p:cNvSpPr/>
-          <p:nvPr>
-            <p:ph type="title"/>
-          </p:nvPr>
-        </p:nvSpPr>
-        <p:spPr>
-          <a:xfrm>
-            <a:off x="0" y="-2"/>
-            <a:ext cx="10515600" cy="720440"/>
-          </a:xfrm>
-          <a:prstGeom prst="rect">
-            <a:avLst/>
-          </a:prstGeom>
-        </p:spPr>
-        <p:txBody>
-          <a:bodyPr/>
-          <a:lstStyle>
-            <a:lvl1pPr>
-              <a:defRPr b="1" sz="2000">
-                <a:latin typeface="Arial"/>
-                <a:ea typeface="Arial"/>
-                <a:cs typeface="Arial"/>
-                <a:sym typeface="Arial"/>
-              </a:defRPr>
-            </a:lvl1pPr>
-          </a:lstStyle>
-          <a:p>
-            <a:pPr/>
-            <a:r>
-              <a:t>	Lektion gelernt</a:t>
-            </a:r>
-          </a:p>
-        </p:txBody>
-      </p:sp>
-      <p:sp>
-        <p:nvSpPr>
-          <p:cNvPr id="202" name="Shape 202"/>
-          <p:cNvSpPr/>
-          <p:nvPr>
-            <p:ph type="sldNum" sz="quarter" idx="4294967295"/>
-          </p:nvPr>
-        </p:nvSpPr>
-        <p:spPr>
-          <a:xfrm>
-            <a:off x="11169738" y="6404292"/>
-            <a:ext cx="184058" cy="269237"/>
-          </a:xfrm>
-          <a:prstGeom prst="rect">
-            <a:avLst/>
-          </a:prstGeom>
-          <a:extLst>
-            <a:ext uri="{C572A759-6A51-4108-AA02-DFA0A04FC94B}">
-              <ma14:wrappingTextBoxFlag xmlns:ma14="http://schemas.microsoft.com/office/mac/drawingml/2011/main" val="1"/>
-            </a:ext>
-          </a:extLst>
-        </p:spPr>
-        <p:txBody>
-          <a:bodyPr/>
-          <a:lstStyle/>
-          <a:p>
-            <a:pPr/>
-            <a:fld id="{86CB4B4D-7CA3-9044-876B-883B54F8677D}" type="slidenum"/>
-          </a:p>
-        </p:txBody>
-      </p:sp>
-      <p:sp>
-        <p:nvSpPr>
-          <p:cNvPr id="203" name="Shape 203"/>
-          <p:cNvSpPr/>
-          <p:nvPr/>
-        </p:nvSpPr>
-        <p:spPr>
-          <a:xfrm>
-            <a:off x="-11087" y="720436"/>
-            <a:ext cx="5268893" cy="6"/>
-          </a:xfrm>
-          <a:prstGeom prst="line">
-            <a:avLst/>
-          </a:prstGeom>
-          <a:ln w="28575">
-            <a:solidFill>
-              <a:srgbClr val="000000"/>
-            </a:solidFill>
-            <a:miter/>
-          </a:ln>
-          <a:effectLst>
-            <a:outerShdw sx="100000" sy="100000" kx="0" ky="0" algn="b" rotWithShape="0" blurRad="50800" dist="38100" dir="2700000">
-              <a:srgbClr val="000000">
-                <a:alpha val="40000"/>
-              </a:srgbClr>
-            </a:outerShdw>
-          </a:effectLst>
-        </p:spPr>
-        <p:txBody>
-          <a:bodyPr lIns="45718" tIns="45718" rIns="45718" bIns="45718"/>
-          <a:lstStyle/>
-          <a:p>
-            <a:pPr/>
-          </a:p>
-        </p:txBody>
-      </p:sp>
-      <p:sp>
-        <p:nvSpPr>
-          <p:cNvPr id="204" name="Shape 204"/>
-          <p:cNvSpPr/>
-          <p:nvPr/>
-        </p:nvSpPr>
-        <p:spPr>
-          <a:xfrm>
-            <a:off x="340969" y="919994"/>
-            <a:ext cx="9678490" cy="6400797"/>
-          </a:xfrm>
-          <a:prstGeom prst="rect">
-            <a:avLst/>
-          </a:prstGeom>
-          <a:ln w="12700">
-            <a:miter lim="400000"/>
-          </a:ln>
-          <a:extLst>
-            <a:ext uri="{C572A759-6A51-4108-AA02-DFA0A04FC94B}">
-              <ma14:wrappingTextBoxFlag xmlns:ma14="http://schemas.microsoft.com/office/mac/drawingml/2011/main" val="1"/>
-            </a:ext>
-          </a:extLst>
-        </p:spPr>
-        <p:txBody>
-          <a:bodyPr lIns="45718" tIns="45718" rIns="45718" bIns="45718">
-            <a:spAutoFit/>
-          </a:bodyPr>
-          <a:lstStyle/>
-          <a:p>
-            <a:pPr marL="342900" indent="-342900">
-              <a:lnSpc>
-                <a:spcPct val="120000"/>
-              </a:lnSpc>
-              <a:buSzPct val="100000"/>
-              <a:buFont typeface="Arial"/>
-              <a:buChar char="•"/>
-              <a:defRPr b="1" sz="2000"/>
-            </a:pPr>
-            <a:r>
-              <a:t>Organisatorisch:</a:t>
-            </a:r>
-          </a:p>
-          <a:p>
-            <a:pPr lvl="1" marL="800100" indent="-342900">
-              <a:buSzPct val="100000"/>
-              <a:buChar char="-"/>
-              <a:defRPr sz="2000"/>
-            </a:pPr>
-            <a:r>
-              <a:t>Mehr Zeit für Neues einplanen</a:t>
-            </a:r>
-          </a:p>
-          <a:p>
-            <a:pPr lvl="1" marL="800100" indent="-342900">
-              <a:buSzPct val="100000"/>
-              <a:buChar char="-"/>
-              <a:defRPr sz="2000"/>
-            </a:pPr>
-            <a:r>
-              <a:t>Code der Anderen laufend überfliegen</a:t>
-            </a:r>
-          </a:p>
-          <a:p>
-            <a:pPr lvl="1" marL="800100" indent="-342900">
-              <a:buSzPct val="100000"/>
-              <a:buChar char="-"/>
-              <a:defRPr sz="2000"/>
-            </a:pPr>
-            <a:r>
-              <a:t>Bessere Strukturierung von Beginn an</a:t>
-            </a:r>
-          </a:p>
-          <a:p>
-            <a:pPr lvl="1" indent="457200">
-              <a:defRPr sz="2000"/>
-            </a:pPr>
-          </a:p>
-          <a:p>
-            <a:pPr marL="342900" indent="-342900">
-              <a:lnSpc>
-                <a:spcPct val="120000"/>
-              </a:lnSpc>
-              <a:buSzPct val="100000"/>
-              <a:buFont typeface="Arial"/>
-              <a:buChar char="•"/>
-              <a:defRPr b="1" sz="2000"/>
-            </a:pPr>
-            <a:r>
-              <a:t>Code vom Spiel:</a:t>
-            </a:r>
-          </a:p>
-          <a:p>
-            <a:pPr lvl="1" marL="800100" indent="-342900">
-              <a:buSzPct val="100000"/>
-              <a:buChar char="-"/>
-              <a:defRPr sz="2000"/>
-            </a:pPr>
-            <a:r>
-              <a:t>Mehr Vererbung</a:t>
-            </a:r>
-          </a:p>
-          <a:p>
-            <a:pPr lvl="1" marL="800100" indent="-342900">
-              <a:buSzPct val="100000"/>
-              <a:buChar char="-"/>
-              <a:defRPr sz="2000"/>
-            </a:pPr>
-            <a:r>
-              <a:t>Wo möglich Enum-Typen</a:t>
-            </a:r>
-          </a:p>
-          <a:p>
-            <a:pPr lvl="1" marL="800100" indent="-342900">
-              <a:buSzPct val="100000"/>
-              <a:buChar char="-"/>
-              <a:defRPr sz="2000"/>
-            </a:pPr>
-            <a:r>
-              <a:t>Strukturierte Vergabe von Variablennamen</a:t>
-            </a:r>
-          </a:p>
-          <a:p>
-            <a:pPr lvl="1" marL="800100" indent="-342900">
-              <a:buSzPct val="100000"/>
-              <a:buChar char="-"/>
-              <a:defRPr sz="2000"/>
-            </a:pPr>
-            <a:r>
-              <a:t>Verwendung von JavaFX</a:t>
-            </a:r>
-          </a:p>
-          <a:p>
-            <a:pPr lvl="1" marL="800100" indent="-342900">
-              <a:buSzPct val="100000"/>
-              <a:buChar char="-"/>
-              <a:defRPr sz="2000"/>
-            </a:pPr>
-            <a:r>
-              <a:t>Testen auch übers JAR</a:t>
-            </a:r>
-          </a:p>
-          <a:p>
-            <a:pPr lvl="1" indent="457200">
-              <a:defRPr sz="2000"/>
-            </a:pPr>
-          </a:p>
-          <a:p>
-            <a:pPr marL="342900" indent="-342900">
-              <a:lnSpc>
-                <a:spcPct val="120000"/>
-              </a:lnSpc>
-              <a:buSzPct val="100000"/>
-              <a:buFont typeface="Arial"/>
-              <a:buChar char="•"/>
-              <a:defRPr b="1" sz="2000"/>
-            </a:pPr>
-            <a:r>
-              <a:t>JUnit-Tests:</a:t>
-            </a:r>
-          </a:p>
-          <a:p>
-            <a:pPr lvl="1" marL="581525" indent="-200525">
-              <a:buSzPct val="100000"/>
-              <a:buChar char="-"/>
-              <a:defRPr b="1" sz="2000"/>
-            </a:pPr>
-            <a:r>
-              <a:t>Z</a:t>
-            </a:r>
-            <a:r>
-              <a:rPr b="0"/>
-              <a:t>u Beginn Überlegungen zu den Tests</a:t>
-            </a:r>
-          </a:p>
-          <a:p>
-            <a:pPr lvl="1" marL="581525" indent="-200525">
-              <a:buSzPct val="100000"/>
-              <a:buChar char="-"/>
-              <a:defRPr sz="2000"/>
-            </a:pPr>
-            <a:r>
-              <a:t>Genauer informieren </a:t>
-            </a:r>
-          </a:p>
-          <a:p>
-            <a:pPr lvl="1" marL="581525" indent="-200525">
-              <a:buSzPct val="100000"/>
-              <a:buChar char="-"/>
-              <a:defRPr sz="2000"/>
-            </a:pPr>
-            <a:r>
-              <a:t>Vererbung und Interfaces erhöhen Testbarkeit</a:t>
-            </a:r>
-          </a:p>
-          <a:p>
-            <a:pPr lvl="1" indent="381000">
-              <a:defRPr sz="2000"/>
-            </a:pPr>
-          </a:p>
-          <a:p>
-            <a:pPr lvl="1" indent="457200">
-              <a:defRPr sz="2000"/>
-            </a:pPr>
-          </a:p>
-          <a:p>
-            <a:pPr lvl="1" indent="457200">
-              <a:defRPr sz="2000"/>
-            </a:pPr>
-          </a:p>
-          <a:p>
-            <a:pPr lvl="1" indent="457200">
-              <a:defRPr sz="2000"/>
-            </a:pPr>
-          </a:p>
-        </p:txBody>
-      </p:sp>
-      <p:pic>
-        <p:nvPicPr>
-          <p:cNvPr id="205" name="image10.png" descr="Idee"/>
-          <p:cNvPicPr>
-            <a:picLocks noChangeAspect="1"/>
-          </p:cNvPicPr>
-          <p:nvPr/>
-        </p:nvPicPr>
-        <p:blipFill>
-          <a:blip r:embed="rId2">
-            <a:extLst/>
-          </a:blip>
-          <a:stretch>
-            <a:fillRect/>
-          </a:stretch>
-        </p:blipFill>
-        <p:spPr>
-          <a:xfrm>
-            <a:off x="122067" y="63730"/>
-            <a:ext cx="592977" cy="592975"/>
-          </a:xfrm>
-          <a:prstGeom prst="rect">
-            <a:avLst/>
-          </a:prstGeom>
-          <a:ln w="12700">
-            <a:miter lim="400000"/>
-          </a:ln>
-        </p:spPr>
-      </p:pic>
-      <p:pic>
-        <p:nvPicPr>
-          <p:cNvPr id="206" name="image12.png" descr="Harvey Balls 20%"/>
-          <p:cNvPicPr>
-            <a:picLocks noChangeAspect="1"/>
-          </p:cNvPicPr>
-          <p:nvPr/>
-        </p:nvPicPr>
-        <p:blipFill>
-          <a:blip r:embed="rId3">
-            <a:extLst/>
-          </a:blip>
-          <a:stretch>
-            <a:fillRect/>
-          </a:stretch>
-        </p:blipFill>
-        <p:spPr>
-          <a:xfrm>
-            <a:off x="7688804" y="656705"/>
-            <a:ext cx="914401" cy="914401"/>
-          </a:xfrm>
-          <a:prstGeom prst="rect">
-            <a:avLst/>
-          </a:prstGeom>
-          <a:ln w="12700">
-            <a:miter lim="400000"/>
-          </a:ln>
-        </p:spPr>
-      </p:pic>
-      <p:pic>
-        <p:nvPicPr>
-          <p:cNvPr id="207" name="image13.png" descr="Geschichten erzählen"/>
-          <p:cNvPicPr>
-            <a:picLocks noChangeAspect="1"/>
-          </p:cNvPicPr>
-          <p:nvPr/>
-        </p:nvPicPr>
-        <p:blipFill>
-          <a:blip r:embed="rId4">
-            <a:extLst/>
-          </a:blip>
-          <a:stretch>
-            <a:fillRect/>
-          </a:stretch>
-        </p:blipFill>
-        <p:spPr>
-          <a:xfrm>
-            <a:off x="8765923" y="4863455"/>
-            <a:ext cx="914402" cy="914402"/>
-          </a:xfrm>
-          <a:prstGeom prst="rect">
-            <a:avLst/>
-          </a:prstGeom>
-          <a:ln w="12700">
-            <a:miter lim="400000"/>
-          </a:ln>
-        </p:spPr>
-      </p:pic>
-      <p:pic>
-        <p:nvPicPr>
-          <p:cNvPr id="208" name="image14.png" descr="Irre komische Gesichtskontur"/>
-          <p:cNvPicPr>
-            <a:picLocks noChangeAspect="1"/>
-          </p:cNvPicPr>
-          <p:nvPr/>
-        </p:nvPicPr>
-        <p:blipFill>
-          <a:blip r:embed="rId5">
-            <a:extLst/>
-          </a:blip>
-          <a:stretch>
-            <a:fillRect/>
-          </a:stretch>
-        </p:blipFill>
-        <p:spPr>
-          <a:xfrm>
-            <a:off x="8773468" y="1113904"/>
-            <a:ext cx="914402" cy="914401"/>
-          </a:xfrm>
-          <a:prstGeom prst="rect">
-            <a:avLst/>
-          </a:prstGeom>
-          <a:ln w="12700">
-            <a:miter lim="400000"/>
-          </a:ln>
-        </p:spPr>
-      </p:pic>
-      <p:pic>
-        <p:nvPicPr>
-          <p:cNvPr id="209" name="image15.png" descr="Höhlenzeichnung"/>
-          <p:cNvPicPr>
-            <a:picLocks noChangeAspect="1"/>
-          </p:cNvPicPr>
-          <p:nvPr/>
-        </p:nvPicPr>
-        <p:blipFill>
-          <a:blip r:embed="rId6">
-            <a:extLst/>
-          </a:blip>
-          <a:stretch>
-            <a:fillRect/>
-          </a:stretch>
-        </p:blipFill>
-        <p:spPr>
-          <a:xfrm>
-            <a:off x="8765923" y="2872046"/>
-            <a:ext cx="914402" cy="914401"/>
-          </a:xfrm>
-          <a:prstGeom prst="rect">
-            <a:avLst/>
-          </a:prstGeom>
-          <a:ln w="12700">
-            <a:miter lim="400000"/>
-          </a:ln>
-        </p:spPr>
-      </p:pic>
-      <p:pic>
-        <p:nvPicPr>
-          <p:cNvPr id="210" name="image16.png" descr="Klemmbrett teilweise angekreuzt"/>
+          <p:cNvPr id="226" name="image16.png" descr="Klemmbrett teilweise angekreuzt"/>
           <p:cNvPicPr>
             <a:picLocks noChangeAspect="1"/>
           </p:cNvPicPr>
@@ -7132,7 +4246,7 @@
       </p:pic>
       <p:pic>
         <p:nvPicPr>
-          <p:cNvPr id="211" name="image17.png" descr="Management"/>
+          <p:cNvPr id="227" name="image17.png" descr="Management"/>
           <p:cNvPicPr>
             <a:picLocks noChangeAspect="1"/>
           </p:cNvPicPr>
@@ -7149,7 +4263,7 @@
         <p:spPr>
           <a:xfrm>
             <a:off x="7684647" y="2414846"/>
-            <a:ext cx="914402" cy="914401"/>
+            <a:ext cx="914403" cy="914401"/>
           </a:xfrm>
           <a:prstGeom prst="rect">
             <a:avLst/>
@@ -7161,7 +4275,7 @@
       </p:pic>
       <p:pic>
         <p:nvPicPr>
-          <p:cNvPr id="212" name="image18.png" descr="Psychische Gesundheit"/>
+          <p:cNvPr id="228" name="image18.png" descr="Psychische Gesundheit"/>
           <p:cNvPicPr>
             <a:picLocks noChangeAspect="1"/>
           </p:cNvPicPr>
@@ -7178,7 +4292,7 @@
         <p:spPr>
           <a:xfrm>
             <a:off x="9884161" y="3329247"/>
-            <a:ext cx="914401" cy="914402"/>
+            <a:ext cx="914401" cy="914403"/>
           </a:xfrm>
           <a:prstGeom prst="rect">
             <a:avLst/>
@@ -7190,7 +4304,7 @@
       </p:pic>
       <p:pic>
         <p:nvPicPr>
-          <p:cNvPr id="213" name="image19.png" descr="Künstliche Intelligenz"/>
+          <p:cNvPr id="229" name="image19.png" descr="Künstliche Intelligenz"/>
           <p:cNvPicPr>
             <a:picLocks noChangeAspect="1"/>
           </p:cNvPicPr>
@@ -7207,7 +4321,7 @@
         <p:spPr>
           <a:xfrm>
             <a:off x="7684647" y="4406255"/>
-            <a:ext cx="914402" cy="914402"/>
+            <a:ext cx="914403" cy="914403"/>
           </a:xfrm>
           <a:prstGeom prst="rect">
             <a:avLst/>
@@ -7219,7 +4333,7 @@
       </p:pic>
       <p:pic>
         <p:nvPicPr>
-          <p:cNvPr id="214" name="image20.png" descr="Blaupause"/>
+          <p:cNvPr id="230" name="image20.png" descr="Blaupause"/>
           <p:cNvPicPr>
             <a:picLocks noChangeAspect="1"/>
           </p:cNvPicPr>
@@ -7236,7 +4350,7 @@
         <p:spPr>
           <a:xfrm>
             <a:off x="9884161" y="5320655"/>
-            <a:ext cx="914401" cy="914402"/>
+            <a:ext cx="914401" cy="914403"/>
           </a:xfrm>
           <a:prstGeom prst="rect">
             <a:avLst/>
@@ -7285,7 +4399,7 @@
                                       <p:cBhvr>
                                         <p:cTn id="6" fill="hold"/>
                                         <p:tgtEl>
-                                          <p:spTgt spid="204">
+                                          <p:spTgt spid="220">
                                             <p:bg/>
                                           </p:spTgt>
                                         </p:tgtEl>
@@ -7313,7 +4427,7 @@
                                       <p:cBhvr>
                                         <p:cTn id="8" fill="hold"/>
                                         <p:tgtEl>
-                                          <p:spTgt spid="204">
+                                          <p:spTgt spid="220">
                                             <p:txEl>
                                               <p:pRg st="0" end="0"/>
                                             </p:txEl>
@@ -7352,7 +4466,7 @@
                                       <p:cBhvr>
                                         <p:cTn id="11" fill="hold"/>
                                         <p:tgtEl>
-                                          <p:spTgt spid="204">
+                                          <p:spTgt spid="220">
                                             <p:txEl>
                                               <p:pRg st="1" end="1"/>
                                             </p:txEl>
@@ -7379,7 +4493,7 @@
                             </p:stCondLst>
                             <p:childTnLst>
                               <p:par>
-                                <p:cTn id="13" presetClass="entr" nodeType="afterEffect" presetSubtype="0" presetID="1" grpId="2" fill="hold">
+                                <p:cTn id="13" presetClass="entr" nodeType="afterEffect" presetSubtype="0" presetID="1" grpId="1" fill="hold">
                                   <p:stCondLst>
                                     <p:cond delay="0"/>
                                   </p:stCondLst>
@@ -7391,7 +4505,11 @@
                                       <p:cBhvr>
                                         <p:cTn id="14" fill="hold"/>
                                         <p:tgtEl>
-                                          <p:spTgt spid="206"/>
+                                          <p:spTgt spid="220">
+                                            <p:txEl>
+                                              <p:pRg st="2" end="2"/>
+                                            </p:txEl>
+                                          </p:spTgt>
                                         </p:tgtEl>
                                         <p:attrNameLst>
                                           <p:attrName>style.visibility</p:attrName>
@@ -7414,7 +4532,7 @@
                             </p:stCondLst>
                             <p:childTnLst>
                               <p:par>
-                                <p:cTn id="16" presetClass="entr" nodeType="afterEffect" presetSubtype="0" presetID="1" grpId="3" fill="hold">
+                                <p:cTn id="16" presetClass="entr" nodeType="afterEffect" presetSubtype="0" presetID="1" grpId="2" fill="hold">
                                   <p:stCondLst>
                                     <p:cond delay="0"/>
                                   </p:stCondLst>
@@ -7426,7 +4544,7 @@
                                       <p:cBhvr>
                                         <p:cTn id="17" fill="hold"/>
                                         <p:tgtEl>
-                                          <p:spTgt spid="208"/>
+                                          <p:spTgt spid="222"/>
                                         </p:tgtEl>
                                         <p:attrNameLst>
                                           <p:attrName>style.visibility</p:attrName>
@@ -7449,7 +4567,7 @@
                             </p:stCondLst>
                             <p:childTnLst>
                               <p:par>
-                                <p:cTn id="19" presetClass="entr" nodeType="afterEffect" presetSubtype="0" presetID="1" grpId="4" fill="hold">
+                                <p:cTn id="19" presetClass="entr" nodeType="afterEffect" presetSubtype="0" presetID="1" grpId="3" fill="hold">
                                   <p:stCondLst>
                                     <p:cond delay="0"/>
                                   </p:stCondLst>
@@ -7461,7 +4579,7 @@
                                       <p:cBhvr>
                                         <p:cTn id="20" fill="hold"/>
                                         <p:tgtEl>
-                                          <p:spTgt spid="210"/>
+                                          <p:spTgt spid="224"/>
                                         </p:tgtEl>
                                         <p:attrNameLst>
                                           <p:attrName>style.visibility</p:attrName>
@@ -7484,7 +4602,7 @@
                             </p:stCondLst>
                             <p:childTnLst>
                               <p:par>
-                                <p:cTn id="22" presetClass="entr" nodeType="afterEffect" presetSubtype="0" presetID="1" grpId="1" fill="hold">
+                                <p:cTn id="22" presetClass="entr" nodeType="afterEffect" presetSubtype="0" presetID="1" grpId="4" fill="hold">
                                   <p:stCondLst>
                                     <p:cond delay="0"/>
                                   </p:stCondLst>
@@ -7496,11 +4614,7 @@
                                       <p:cBhvr>
                                         <p:cTn id="23" fill="hold"/>
                                         <p:tgtEl>
-                                          <p:spTgt spid="204">
-                                            <p:txEl>
-                                              <p:pRg st="2" end="2"/>
-                                            </p:txEl>
-                                          </p:spTgt>
+                                          <p:spTgt spid="226"/>
                                         </p:tgtEl>
                                         <p:attrNameLst>
                                           <p:attrName>style.visibility</p:attrName>
@@ -7535,7 +4649,7 @@
                                       <p:cBhvr>
                                         <p:cTn id="26" fill="hold"/>
                                         <p:tgtEl>
-                                          <p:spTgt spid="204">
+                                          <p:spTgt spid="220">
                                             <p:txEl>
                                               <p:pRg st="3" end="3"/>
                                             </p:txEl>
@@ -7574,7 +4688,7 @@
                                       <p:cBhvr>
                                         <p:cTn id="29" fill="hold"/>
                                         <p:tgtEl>
-                                          <p:spTgt spid="204">
+                                          <p:spTgt spid="220">
                                             <p:txEl>
                                               <p:pRg st="4" end="4"/>
                                             </p:txEl>
@@ -7613,9 +4727,48 @@
                                       <p:cBhvr>
                                         <p:cTn id="32" fill="hold"/>
                                         <p:tgtEl>
-                                          <p:spTgt spid="204">
+                                          <p:spTgt spid="220">
                                             <p:txEl>
                                               <p:pRg st="5" end="5"/>
+                                            </p:txEl>
+                                          </p:spTgt>
+                                        </p:tgtEl>
+                                        <p:attrNameLst>
+                                          <p:attrName>style.visibility</p:attrName>
+                                        </p:attrNameLst>
+                                      </p:cBhvr>
+                                      <p:to>
+                                        <p:strVal val="visible"/>
+                                      </p:to>
+                                    </p:set>
+                                  </p:childTnLst>
+                                </p:cTn>
+                              </p:par>
+                            </p:childTnLst>
+                          </p:cTn>
+                        </p:par>
+                        <p:par>
+                          <p:cTn id="33" fill="hold">
+                            <p:stCondLst>
+                              <p:cond delay="0"/>
+                            </p:stCondLst>
+                            <p:childTnLst>
+                              <p:par>
+                                <p:cTn id="34" presetClass="entr" nodeType="afterEffect" presetSubtype="0" presetID="1" grpId="1" fill="hold">
+                                  <p:stCondLst>
+                                    <p:cond delay="0"/>
+                                  </p:stCondLst>
+                                  <p:iterate type="el" backwards="0">
+                                    <p:tmAbs val="0"/>
+                                  </p:iterate>
+                                  <p:childTnLst>
+                                    <p:set>
+                                      <p:cBhvr>
+                                        <p:cTn id="35" fill="hold"/>
+                                        <p:tgtEl>
+                                          <p:spTgt spid="220">
+                                            <p:txEl>
+                                              <p:pRg st="6" end="6"/>
                                             </p:txEl>
                                           </p:spTgt>
                                         </p:tgtEl>
@@ -7637,50 +4790,11 @@
                     </p:cTn>
                   </p:par>
                   <p:par>
-                    <p:cTn id="33" fill="hold">
+                    <p:cTn id="36" fill="hold">
                       <p:stCondLst>
                         <p:cond delay="indefinite"/>
                       </p:stCondLst>
                       <p:childTnLst>
-                        <p:par>
-                          <p:cTn id="34" fill="hold">
-                            <p:stCondLst>
-                              <p:cond delay="0"/>
-                            </p:stCondLst>
-                            <p:childTnLst>
-                              <p:par>
-                                <p:cTn id="35" presetClass="entr" nodeType="clickEffect" presetSubtype="0" presetID="1" grpId="1" fill="hold">
-                                  <p:stCondLst>
-                                    <p:cond delay="0"/>
-                                  </p:stCondLst>
-                                  <p:iterate type="el" backwards="0">
-                                    <p:tmAbs val="0"/>
-                                  </p:iterate>
-                                  <p:childTnLst>
-                                    <p:set>
-                                      <p:cBhvr>
-                                        <p:cTn id="36" fill="hold"/>
-                                        <p:tgtEl>
-                                          <p:spTgt spid="204">
-                                            <p:txEl>
-                                              <p:pRg st="6" end="6"/>
-                                            </p:txEl>
-                                          </p:spTgt>
-                                        </p:tgtEl>
-                                        <p:attrNameLst>
-                                          <p:attrName>style.visibility</p:attrName>
-                                        </p:attrNameLst>
-                                      </p:cBhvr>
-                                      <p:to>
-                                        <p:strVal val="visible"/>
-                                      </p:to>
-                                    </p:set>
-                                  </p:childTnLst>
-                                </p:cTn>
-                              </p:par>
-                            </p:childTnLst>
-                          </p:cTn>
-                        </p:par>
                         <p:par>
                           <p:cTn id="37" fill="hold">
                             <p:stCondLst>
@@ -7688,7 +4802,7 @@
                             </p:stCondLst>
                             <p:childTnLst>
                               <p:par>
-                                <p:cTn id="38" presetClass="entr" nodeType="afterEffect" presetSubtype="0" presetID="1" grpId="1" fill="hold">
+                                <p:cTn id="38" presetClass="entr" nodeType="clickEffect" presetSubtype="0" presetID="1" grpId="1" fill="hold">
                                   <p:stCondLst>
                                     <p:cond delay="0"/>
                                   </p:stCondLst>
@@ -7700,7 +4814,7 @@
                                       <p:cBhvr>
                                         <p:cTn id="39" fill="hold"/>
                                         <p:tgtEl>
-                                          <p:spTgt spid="204">
+                                          <p:spTgt spid="220">
                                             <p:txEl>
                                               <p:pRg st="7" end="7"/>
                                             </p:txEl>
@@ -7739,7 +4853,7 @@
                                       <p:cBhvr>
                                         <p:cTn id="42" fill="hold"/>
                                         <p:tgtEl>
-                                          <p:spTgt spid="204">
+                                          <p:spTgt spid="220">
                                             <p:txEl>
                                               <p:pRg st="8" end="8"/>
                                             </p:txEl>
@@ -7766,7 +4880,7 @@
                             </p:stCondLst>
                             <p:childTnLst>
                               <p:par>
-                                <p:cTn id="44" presetClass="entr" nodeType="afterEffect" presetSubtype="0" presetID="1" grpId="5" fill="hold">
+                                <p:cTn id="44" presetClass="entr" nodeType="afterEffect" presetSubtype="0" presetID="1" grpId="1" fill="hold">
                                   <p:stCondLst>
                                     <p:cond delay="0"/>
                                   </p:stCondLst>
@@ -7778,7 +4892,11 @@
                                       <p:cBhvr>
                                         <p:cTn id="45" fill="hold"/>
                                         <p:tgtEl>
-                                          <p:spTgt spid="211"/>
+                                          <p:spTgt spid="220">
+                                            <p:txEl>
+                                              <p:pRg st="9" end="9"/>
+                                            </p:txEl>
+                                          </p:spTgt>
                                         </p:tgtEl>
                                         <p:attrNameLst>
                                           <p:attrName>style.visibility</p:attrName>
@@ -7801,7 +4919,7 @@
                             </p:stCondLst>
                             <p:childTnLst>
                               <p:par>
-                                <p:cTn id="47" presetClass="entr" nodeType="afterEffect" presetSubtype="0" presetID="1" grpId="6" fill="hold">
+                                <p:cTn id="47" presetClass="entr" nodeType="afterEffect" presetSubtype="0" presetID="1" grpId="5" fill="hold">
                                   <p:stCondLst>
                                     <p:cond delay="0"/>
                                   </p:stCondLst>
@@ -7813,7 +4931,7 @@
                                       <p:cBhvr>
                                         <p:cTn id="48" fill="hold"/>
                                         <p:tgtEl>
-                                          <p:spTgt spid="209"/>
+                                          <p:spTgt spid="227"/>
                                         </p:tgtEl>
                                         <p:attrNameLst>
                                           <p:attrName>style.visibility</p:attrName>
@@ -7836,7 +4954,7 @@
                             </p:stCondLst>
                             <p:childTnLst>
                               <p:par>
-                                <p:cTn id="50" presetClass="entr" nodeType="afterEffect" presetSubtype="0" presetID="1" grpId="7" fill="hold">
+                                <p:cTn id="50" presetClass="entr" nodeType="afterEffect" presetSubtype="0" presetID="1" grpId="6" fill="hold">
                                   <p:stCondLst>
                                     <p:cond delay="0"/>
                                   </p:stCondLst>
@@ -7848,7 +4966,7 @@
                                       <p:cBhvr>
                                         <p:cTn id="51" fill="hold"/>
                                         <p:tgtEl>
-                                          <p:spTgt spid="212"/>
+                                          <p:spTgt spid="225"/>
                                         </p:tgtEl>
                                         <p:attrNameLst>
                                           <p:attrName>style.visibility</p:attrName>
@@ -7871,7 +4989,7 @@
                             </p:stCondLst>
                             <p:childTnLst>
                               <p:par>
-                                <p:cTn id="53" presetClass="entr" nodeType="afterEffect" presetSubtype="0" presetID="1" grpId="1" fill="hold">
+                                <p:cTn id="53" presetClass="entr" nodeType="afterEffect" presetSubtype="0" presetID="1" grpId="7" fill="hold">
                                   <p:stCondLst>
                                     <p:cond delay="0"/>
                                   </p:stCondLst>
@@ -7883,11 +5001,7 @@
                                       <p:cBhvr>
                                         <p:cTn id="54" fill="hold"/>
                                         <p:tgtEl>
-                                          <p:spTgt spid="204">
-                                            <p:txEl>
-                                              <p:pRg st="9" end="9"/>
-                                            </p:txEl>
-                                          </p:spTgt>
+                                          <p:spTgt spid="228"/>
                                         </p:tgtEl>
                                         <p:attrNameLst>
                                           <p:attrName>style.visibility</p:attrName>
@@ -7922,7 +5036,7 @@
                                       <p:cBhvr>
                                         <p:cTn id="57" fill="hold"/>
                                         <p:tgtEl>
-                                          <p:spTgt spid="204">
+                                          <p:spTgt spid="220">
                                             <p:txEl>
                                               <p:pRg st="10" end="10"/>
                                             </p:txEl>
@@ -7961,9 +5075,48 @@
                                       <p:cBhvr>
                                         <p:cTn id="60" fill="hold"/>
                                         <p:tgtEl>
-                                          <p:spTgt spid="204">
+                                          <p:spTgt spid="220">
                                             <p:txEl>
                                               <p:pRg st="11" end="11"/>
+                                            </p:txEl>
+                                          </p:spTgt>
+                                        </p:tgtEl>
+                                        <p:attrNameLst>
+                                          <p:attrName>style.visibility</p:attrName>
+                                        </p:attrNameLst>
+                                      </p:cBhvr>
+                                      <p:to>
+                                        <p:strVal val="visible"/>
+                                      </p:to>
+                                    </p:set>
+                                  </p:childTnLst>
+                                </p:cTn>
+                              </p:par>
+                            </p:childTnLst>
+                          </p:cTn>
+                        </p:par>
+                        <p:par>
+                          <p:cTn id="61" fill="hold">
+                            <p:stCondLst>
+                              <p:cond delay="0"/>
+                            </p:stCondLst>
+                            <p:childTnLst>
+                              <p:par>
+                                <p:cTn id="62" presetClass="entr" nodeType="afterEffect" presetSubtype="0" presetID="1" grpId="1" fill="hold">
+                                  <p:stCondLst>
+                                    <p:cond delay="0"/>
+                                  </p:stCondLst>
+                                  <p:iterate type="el" backwards="0">
+                                    <p:tmAbs val="0"/>
+                                  </p:iterate>
+                                  <p:childTnLst>
+                                    <p:set>
+                                      <p:cBhvr>
+                                        <p:cTn id="63" fill="hold"/>
+                                        <p:tgtEl>
+                                          <p:spTgt spid="220">
+                                            <p:txEl>
+                                              <p:pRg st="12" end="12"/>
                                             </p:txEl>
                                           </p:spTgt>
                                         </p:tgtEl>
@@ -7985,50 +5138,11 @@
                     </p:cTn>
                   </p:par>
                   <p:par>
-                    <p:cTn id="61" fill="hold">
+                    <p:cTn id="64" fill="hold">
                       <p:stCondLst>
                         <p:cond delay="indefinite"/>
                       </p:stCondLst>
                       <p:childTnLst>
-                        <p:par>
-                          <p:cTn id="62" fill="hold">
-                            <p:stCondLst>
-                              <p:cond delay="0"/>
-                            </p:stCondLst>
-                            <p:childTnLst>
-                              <p:par>
-                                <p:cTn id="63" presetClass="entr" nodeType="clickEffect" presetSubtype="0" presetID="1" grpId="1" fill="hold">
-                                  <p:stCondLst>
-                                    <p:cond delay="0"/>
-                                  </p:stCondLst>
-                                  <p:iterate type="el" backwards="0">
-                                    <p:tmAbs val="0"/>
-                                  </p:iterate>
-                                  <p:childTnLst>
-                                    <p:set>
-                                      <p:cBhvr>
-                                        <p:cTn id="64" fill="hold"/>
-                                        <p:tgtEl>
-                                          <p:spTgt spid="204">
-                                            <p:txEl>
-                                              <p:pRg st="12" end="12"/>
-                                            </p:txEl>
-                                          </p:spTgt>
-                                        </p:tgtEl>
-                                        <p:attrNameLst>
-                                          <p:attrName>style.visibility</p:attrName>
-                                        </p:attrNameLst>
-                                      </p:cBhvr>
-                                      <p:to>
-                                        <p:strVal val="visible"/>
-                                      </p:to>
-                                    </p:set>
-                                  </p:childTnLst>
-                                </p:cTn>
-                              </p:par>
-                            </p:childTnLst>
-                          </p:cTn>
-                        </p:par>
                         <p:par>
                           <p:cTn id="65" fill="hold">
                             <p:stCondLst>
@@ -8036,7 +5150,7 @@
                             </p:stCondLst>
                             <p:childTnLst>
                               <p:par>
-                                <p:cTn id="66" presetClass="entr" nodeType="afterEffect" presetSubtype="0" presetID="1" grpId="1" fill="hold">
+                                <p:cTn id="66" presetClass="entr" nodeType="clickEffect" presetSubtype="0" presetID="1" grpId="1" fill="hold">
                                   <p:stCondLst>
                                     <p:cond delay="0"/>
                                   </p:stCondLst>
@@ -8048,7 +5162,7 @@
                                       <p:cBhvr>
                                         <p:cTn id="67" fill="hold"/>
                                         <p:tgtEl>
-                                          <p:spTgt spid="204">
+                                          <p:spTgt spid="220">
                                             <p:txEl>
                                               <p:pRg st="13" end="13"/>
                                             </p:txEl>
@@ -8087,7 +5201,7 @@
                                       <p:cBhvr>
                                         <p:cTn id="70" fill="hold"/>
                                         <p:tgtEl>
-                                          <p:spTgt spid="204">
+                                          <p:spTgt spid="220">
                                             <p:txEl>
                                               <p:pRg st="14" end="14"/>
                                             </p:txEl>
@@ -8126,7 +5240,7 @@
                                       <p:cBhvr>
                                         <p:cTn id="73" fill="hold"/>
                                         <p:tgtEl>
-                                          <p:spTgt spid="204">
+                                          <p:spTgt spid="220">
                                             <p:txEl>
                                               <p:pRg st="15" end="15"/>
                                             </p:txEl>
@@ -8153,7 +5267,7 @@
                             </p:stCondLst>
                             <p:childTnLst>
                               <p:par>
-                                <p:cTn id="75" presetClass="entr" nodeType="afterEffect" presetSubtype="0" presetID="1" grpId="8" fill="hold">
+                                <p:cTn id="75" presetClass="entr" nodeType="afterEffect" presetSubtype="0" presetID="1" grpId="1" fill="hold">
                                   <p:stCondLst>
                                     <p:cond delay="0"/>
                                   </p:stCondLst>
@@ -8165,7 +5279,11 @@
                                       <p:cBhvr>
                                         <p:cTn id="76" fill="hold"/>
                                         <p:tgtEl>
-                                          <p:spTgt spid="213"/>
+                                          <p:spTgt spid="220">
+                                            <p:txEl>
+                                              <p:pRg st="16" end="16"/>
+                                            </p:txEl>
+                                          </p:spTgt>
                                         </p:tgtEl>
                                         <p:attrNameLst>
                                           <p:attrName>style.visibility</p:attrName>
@@ -8188,7 +5306,7 @@
                             </p:stCondLst>
                             <p:childTnLst>
                               <p:par>
-                                <p:cTn id="78" presetClass="entr" nodeType="afterEffect" presetSubtype="0" presetID="1" grpId="9" fill="hold">
+                                <p:cTn id="78" presetClass="entr" nodeType="afterEffect" presetSubtype="0" presetID="1" grpId="8" fill="hold">
                                   <p:stCondLst>
                                     <p:cond delay="0"/>
                                   </p:stCondLst>
@@ -8200,7 +5318,7 @@
                                       <p:cBhvr>
                                         <p:cTn id="79" fill="hold"/>
                                         <p:tgtEl>
-                                          <p:spTgt spid="207"/>
+                                          <p:spTgt spid="229"/>
                                         </p:tgtEl>
                                         <p:attrNameLst>
                                           <p:attrName>style.visibility</p:attrName>
@@ -8223,7 +5341,7 @@
                             </p:stCondLst>
                             <p:childTnLst>
                               <p:par>
-                                <p:cTn id="81" presetClass="entr" nodeType="afterEffect" presetSubtype="0" presetID="1" grpId="10" fill="hold">
+                                <p:cTn id="81" presetClass="entr" nodeType="afterEffect" presetSubtype="0" presetID="1" grpId="9" fill="hold">
                                   <p:stCondLst>
                                     <p:cond delay="0"/>
                                   </p:stCondLst>
@@ -8235,7 +5353,42 @@
                                       <p:cBhvr>
                                         <p:cTn id="82" fill="hold"/>
                                         <p:tgtEl>
-                                          <p:spTgt spid="214"/>
+                                          <p:spTgt spid="223"/>
+                                        </p:tgtEl>
+                                        <p:attrNameLst>
+                                          <p:attrName>style.visibility</p:attrName>
+                                        </p:attrNameLst>
+                                      </p:cBhvr>
+                                      <p:to>
+                                        <p:strVal val="visible"/>
+                                      </p:to>
+                                    </p:set>
+                                  </p:childTnLst>
+                                </p:cTn>
+                              </p:par>
+                            </p:childTnLst>
+                          </p:cTn>
+                        </p:par>
+                        <p:par>
+                          <p:cTn id="83" fill="hold">
+                            <p:stCondLst>
+                              <p:cond delay="0"/>
+                            </p:stCondLst>
+                            <p:childTnLst>
+                              <p:par>
+                                <p:cTn id="84" presetClass="entr" nodeType="afterEffect" presetSubtype="0" presetID="1" grpId="10" fill="hold">
+                                  <p:stCondLst>
+                                    <p:cond delay="0"/>
+                                  </p:stCondLst>
+                                  <p:iterate type="el" backwards="0">
+                                    <p:tmAbs val="0"/>
+                                  </p:iterate>
+                                  <p:childTnLst>
+                                    <p:set>
+                                      <p:cBhvr>
+                                        <p:cTn id="85" fill="hold"/>
+                                        <p:tgtEl>
+                                          <p:spTgt spid="230"/>
                                         </p:tgtEl>
                                         <p:attrNameLst>
                                           <p:attrName>style.visibility</p:attrName>
@@ -8255,19 +5408,19 @@
                     </p:cTn>
                   </p:par>
                   <p:par>
-                    <p:cTn id="83" fill="hold">
+                    <p:cTn id="86" fill="hold">
                       <p:stCondLst>
                         <p:cond delay="indefinite"/>
                       </p:stCondLst>
                       <p:childTnLst>
                         <p:par>
-                          <p:cTn id="84" fill="hold">
+                          <p:cTn id="87" fill="hold">
                             <p:stCondLst>
                               <p:cond delay="0"/>
                             </p:stCondLst>
                             <p:childTnLst>
                               <p:par>
-                                <p:cTn id="85" presetClass="entr" nodeType="clickEffect" presetSubtype="0" presetID="1" grpId="1" fill="hold">
+                                <p:cTn id="88" presetClass="entr" nodeType="clickEffect" presetSubtype="0" presetID="1" grpId="1" fill="hold">
                                   <p:stCondLst>
                                     <p:cond delay="0"/>
                                   </p:stCondLst>
@@ -8277,57 +5430,9 @@
                                   <p:childTnLst>
                                     <p:set>
                                       <p:cBhvr>
-                                        <p:cTn id="86" fill="hold"/>
+                                        <p:cTn id="89" fill="hold"/>
                                         <p:tgtEl>
-                                          <p:spTgt spid="204">
-                                            <p:txEl>
-                                              <p:pRg st="16" end="16"/>
-                                            </p:txEl>
-                                          </p:spTgt>
-                                        </p:tgtEl>
-                                        <p:attrNameLst>
-                                          <p:attrName>style.visibility</p:attrName>
-                                        </p:attrNameLst>
-                                      </p:cBhvr>
-                                      <p:to>
-                                        <p:strVal val="visible"/>
-                                      </p:to>
-                                    </p:set>
-                                  </p:childTnLst>
-                                </p:cTn>
-                              </p:par>
-                            </p:childTnLst>
-                          </p:cTn>
-                        </p:par>
-                      </p:childTnLst>
-                    </p:cTn>
-                  </p:par>
-                  <p:par>
-                    <p:cTn id="87" fill="hold">
-                      <p:stCondLst>
-                        <p:cond delay="indefinite"/>
-                      </p:stCondLst>
-                      <p:childTnLst>
-                        <p:par>
-                          <p:cTn id="88" fill="hold">
-                            <p:stCondLst>
-                              <p:cond delay="0"/>
-                            </p:stCondLst>
-                            <p:childTnLst>
-                              <p:par>
-                                <p:cTn id="89" presetClass="entr" nodeType="clickEffect" presetSubtype="0" presetID="1" grpId="1" fill="hold">
-                                  <p:stCondLst>
-                                    <p:cond delay="0"/>
-                                  </p:stCondLst>
-                                  <p:iterate type="el" backwards="0">
-                                    <p:tmAbs val="0"/>
-                                  </p:iterate>
-                                  <p:childTnLst>
-                                    <p:set>
-                                      <p:cBhvr>
-                                        <p:cTn id="90" fill="hold"/>
-                                        <p:tgtEl>
-                                          <p:spTgt spid="204">
+                                          <p:spTgt spid="220">
                                             <p:txEl>
                                               <p:pRg st="17" end="17"/>
                                             </p:txEl>
@@ -8351,19 +5456,19 @@
                     </p:cTn>
                   </p:par>
                   <p:par>
-                    <p:cTn id="91" fill="hold">
+                    <p:cTn id="90" fill="hold">
                       <p:stCondLst>
                         <p:cond delay="indefinite"/>
                       </p:stCondLst>
                       <p:childTnLst>
                         <p:par>
-                          <p:cTn id="92" fill="hold">
+                          <p:cTn id="91" fill="hold">
                             <p:stCondLst>
                               <p:cond delay="0"/>
                             </p:stCondLst>
                             <p:childTnLst>
                               <p:par>
-                                <p:cTn id="93" presetClass="entr" nodeType="clickEffect" presetSubtype="0" presetID="1" grpId="1" fill="hold">
+                                <p:cTn id="92" presetClass="entr" nodeType="clickEffect" presetSubtype="0" presetID="1" grpId="1" fill="hold">
                                   <p:stCondLst>
                                     <p:cond delay="0"/>
                                   </p:stCondLst>
@@ -8373,9 +5478,9 @@
                                   <p:childTnLst>
                                     <p:set>
                                       <p:cBhvr>
-                                        <p:cTn id="94" fill="hold"/>
+                                        <p:cTn id="93" fill="hold"/>
                                         <p:tgtEl>
-                                          <p:spTgt spid="204">
+                                          <p:spTgt spid="220">
                                             <p:txEl>
                                               <p:pRg st="18" end="18"/>
                                             </p:txEl>
@@ -8399,19 +5504,19 @@
                     </p:cTn>
                   </p:par>
                   <p:par>
-                    <p:cTn id="95" fill="hold">
+                    <p:cTn id="94" fill="hold">
                       <p:stCondLst>
                         <p:cond delay="indefinite"/>
                       </p:stCondLst>
                       <p:childTnLst>
                         <p:par>
-                          <p:cTn id="96" fill="hold">
+                          <p:cTn id="95" fill="hold">
                             <p:stCondLst>
                               <p:cond delay="0"/>
                             </p:stCondLst>
                             <p:childTnLst>
                               <p:par>
-                                <p:cTn id="97" presetClass="entr" nodeType="clickEffect" presetSubtype="0" presetID="1" grpId="1" fill="hold">
+                                <p:cTn id="96" presetClass="entr" nodeType="clickEffect" presetSubtype="0" presetID="1" grpId="1" fill="hold">
                                   <p:stCondLst>
                                     <p:cond delay="0"/>
                                   </p:stCondLst>
@@ -8421,59 +5526,11 @@
                                   <p:childTnLst>
                                     <p:set>
                                       <p:cBhvr>
-                                        <p:cTn id="98" fill="hold"/>
+                                        <p:cTn id="97" fill="hold"/>
                                         <p:tgtEl>
-                                          <p:spTgt spid="204">
+                                          <p:spTgt spid="220">
                                             <p:txEl>
                                               <p:pRg st="19" end="19"/>
-                                            </p:txEl>
-                                          </p:spTgt>
-                                        </p:tgtEl>
-                                        <p:attrNameLst>
-                                          <p:attrName>style.visibility</p:attrName>
-                                        </p:attrNameLst>
-                                      </p:cBhvr>
-                                      <p:to>
-                                        <p:strVal val="visible"/>
-                                      </p:to>
-                                    </p:set>
-                                  </p:childTnLst>
-                                </p:cTn>
-                              </p:par>
-                            </p:childTnLst>
-                          </p:cTn>
-                        </p:par>
-                      </p:childTnLst>
-                    </p:cTn>
-                  </p:par>
-                  <p:par>
-                    <p:cTn id="99" fill="hold">
-                      <p:stCondLst>
-                        <p:cond delay="indefinite"/>
-                      </p:stCondLst>
-                      <p:childTnLst>
-                        <p:par>
-                          <p:cTn id="100" fill="hold">
-                            <p:stCondLst>
-                              <p:cond delay="0"/>
-                            </p:stCondLst>
-                            <p:childTnLst>
-                              <p:par>
-                                <p:cTn id="101" presetClass="entr" nodeType="clickEffect" presetSubtype="0" presetID="1" grpId="1" fill="hold">
-                                  <p:stCondLst>
-                                    <p:cond delay="0"/>
-                                  </p:stCondLst>
-                                  <p:iterate type="el" backwards="0">
-                                    <p:tmAbs val="0"/>
-                                  </p:iterate>
-                                  <p:childTnLst>
-                                    <p:set>
-                                      <p:cBhvr>
-                                        <p:cTn id="102" fill="hold"/>
-                                        <p:tgtEl>
-                                          <p:spTgt spid="204">
-                                            <p:txEl>
-                                              <p:pRg st="20" end="20"/>
                                             </p:txEl>
                                           </p:spTgt>
                                         </p:tgtEl>
@@ -8516,18 +5573,3383 @@
       </p:par>
     </p:tnLst>
     <p:bldLst>
-      <p:bldP build="whole" bldLvl="1" animBg="1" rev="0" advAuto="0" spid="210" grpId="4"/>
-      <p:bldP build="whole" bldLvl="1" animBg="1" rev="0" advAuto="0" spid="214" grpId="10"/>
-      <p:bldP build="whole" bldLvl="1" animBg="1" rev="0" advAuto="0" spid="209" grpId="6"/>
-      <p:bldP build="whole" bldLvl="1" animBg="1" rev="0" advAuto="0" spid="211" grpId="5"/>
-      <p:bldP build="whole" bldLvl="1" animBg="1" rev="0" advAuto="0" spid="213" grpId="8"/>
-      <p:bldP build="whole" bldLvl="1" animBg="1" rev="0" advAuto="0" spid="208" grpId="3"/>
-      <p:bldP build="p" bldLvl="5" animBg="1" rev="0" advAuto="0" spid="204" grpId="1"/>
-      <p:bldP build="whole" bldLvl="1" animBg="1" rev="0" advAuto="0" spid="207" grpId="9"/>
-      <p:bldP build="whole" bldLvl="1" animBg="1" rev="0" advAuto="0" spid="206" grpId="2"/>
-      <p:bldP build="whole" bldLvl="1" animBg="1" rev="0" advAuto="0" spid="212" grpId="7"/>
+      <p:bldP build="whole" bldLvl="1" animBg="1" rev="0" advAuto="0" spid="226" grpId="4"/>
+      <p:bldP build="whole" bldLvl="1" animBg="1" rev="0" advAuto="0" spid="229" grpId="8"/>
+      <p:bldP build="whole" bldLvl="1" animBg="1" rev="0" advAuto="0" spid="223" grpId="9"/>
+      <p:bldP build="whole" bldLvl="1" animBg="1" rev="0" advAuto="0" spid="230" grpId="10"/>
+      <p:bldP build="p" bldLvl="5" animBg="1" rev="0" advAuto="0" spid="220" grpId="1"/>
+      <p:bldP build="whole" bldLvl="1" animBg="1" rev="0" advAuto="0" spid="224" grpId="3"/>
+      <p:bldP build="whole" bldLvl="1" animBg="1" rev="0" advAuto="0" spid="227" grpId="5"/>
+      <p:bldP build="whole" bldLvl="1" animBg="1" rev="0" advAuto="0" spid="228" grpId="7"/>
+      <p:bldP build="whole" bldLvl="1" animBg="1" rev="0" advAuto="0" spid="225" grpId="6"/>
+      <p:bldP build="whole" bldLvl="1" animBg="1" rev="0" advAuto="0" spid="222" grpId="2"/>
     </p:bldLst>
   </p:timing>
+</p:sld>
+</file>
+
+<file path=ppt/slides/slide11.xml><?xml version="1.0" encoding="utf-8"?>
+<p:sld xmlns:a="http://schemas.openxmlformats.org/drawingml/2006/main" xmlns:r="http://schemas.openxmlformats.org/officeDocument/2006/relationships" xmlns:p="http://schemas.openxmlformats.org/presentationml/2006/main" showMasterSp="1" showMasterPhAnim="1">
+  <p:cSld>
+    <p:spTree>
+      <p:nvGrpSpPr>
+        <p:cNvPr id="1" name=""/>
+        <p:cNvGrpSpPr/>
+        <p:nvPr/>
+      </p:nvGrpSpPr>
+      <p:grpSpPr>
+        <a:xfrm>
+          <a:off x="0" y="0"/>
+          <a:ext cx="0" cy="0"/>
+          <a:chOff x="0" y="0"/>
+          <a:chExt cx="0" cy="0"/>
+        </a:xfrm>
+      </p:grpSpPr>
+      <p:sp>
+        <p:nvSpPr>
+          <p:cNvPr id="232" name="Shape 232"/>
+          <p:cNvSpPr/>
+          <p:nvPr/>
+        </p:nvSpPr>
+        <p:spPr>
+          <a:xfrm>
+            <a:off x="4038600" y="6404292"/>
+            <a:ext cx="4114800" cy="269237"/>
+          </a:xfrm>
+          <a:prstGeom prst="rect">
+            <a:avLst/>
+          </a:prstGeom>
+          <a:ln w="12700">
+            <a:miter lim="400000"/>
+          </a:ln>
+          <a:extLst>
+            <a:ext uri="{C572A759-6A51-4108-AA02-DFA0A04FC94B}">
+              <ma14:wrappingTextBoxFlag xmlns:ma14="http://schemas.microsoft.com/office/mac/drawingml/2011/main" val="1"/>
+            </a:ext>
+          </a:extLst>
+        </p:spPr>
+        <p:txBody>
+          <a:bodyPr lIns="45718" tIns="45718" rIns="45718" bIns="45718" anchor="ctr">
+            <a:spAutoFit/>
+          </a:bodyPr>
+          <a:lstStyle>
+            <a:lvl1pPr algn="ctr">
+              <a:defRPr sz="1200">
+                <a:solidFill>
+                  <a:srgbClr val="888888"/>
+                </a:solidFill>
+              </a:defRPr>
+            </a:lvl1pPr>
+          </a:lstStyle>
+          <a:p>
+            <a:pPr/>
+            <a:r>
+              <a:t>Mlst.-Präsentation Nr. V  /  Gruppe 15</a:t>
+            </a:r>
+          </a:p>
+        </p:txBody>
+      </p:sp>
+      <p:sp>
+        <p:nvSpPr>
+          <p:cNvPr id="233" name="Shape 233"/>
+          <p:cNvSpPr/>
+          <p:nvPr>
+            <p:ph type="title"/>
+          </p:nvPr>
+        </p:nvSpPr>
+        <p:spPr>
+          <a:xfrm>
+            <a:off x="0" y="-2"/>
+            <a:ext cx="10515600" cy="720440"/>
+          </a:xfrm>
+          <a:prstGeom prst="rect">
+            <a:avLst/>
+          </a:prstGeom>
+        </p:spPr>
+        <p:txBody>
+          <a:bodyPr/>
+          <a:lstStyle>
+            <a:lvl1pPr>
+              <a:defRPr b="1" sz="2000">
+                <a:latin typeface="Arial"/>
+                <a:ea typeface="Arial"/>
+                <a:cs typeface="Arial"/>
+                <a:sym typeface="Arial"/>
+              </a:defRPr>
+            </a:lvl1pPr>
+          </a:lstStyle>
+          <a:p>
+            <a:pPr/>
+            <a:r>
+              <a:t>	</a:t>
+            </a:r>
+          </a:p>
+        </p:txBody>
+      </p:sp>
+      <p:sp>
+        <p:nvSpPr>
+          <p:cNvPr id="234" name="Shape 234"/>
+          <p:cNvSpPr/>
+          <p:nvPr>
+            <p:ph type="sldNum" sz="quarter" idx="4294967295"/>
+          </p:nvPr>
+        </p:nvSpPr>
+        <p:spPr>
+          <a:xfrm>
+            <a:off x="11089816" y="6404292"/>
+            <a:ext cx="263978" cy="269237"/>
+          </a:xfrm>
+          <a:prstGeom prst="rect">
+            <a:avLst/>
+          </a:prstGeom>
+          <a:extLst>
+            <a:ext uri="{C572A759-6A51-4108-AA02-DFA0A04FC94B}">
+              <ma14:wrappingTextBoxFlag xmlns:ma14="http://schemas.microsoft.com/office/mac/drawingml/2011/main" val="1"/>
+            </a:ext>
+          </a:extLst>
+        </p:spPr>
+        <p:txBody>
+          <a:bodyPr/>
+          <a:lstStyle/>
+          <a:p>
+            <a:pPr/>
+            <a:fld id="{86CB4B4D-7CA3-9044-876B-883B54F8677D}" type="slidenum"/>
+          </a:p>
+        </p:txBody>
+      </p:sp>
+      <p:sp>
+        <p:nvSpPr>
+          <p:cNvPr id="235" name="Shape 235"/>
+          <p:cNvSpPr/>
+          <p:nvPr/>
+        </p:nvSpPr>
+        <p:spPr>
+          <a:xfrm>
+            <a:off x="4535399" y="3136612"/>
+            <a:ext cx="7236002" cy="1501137"/>
+          </a:xfrm>
+          <a:prstGeom prst="rect">
+            <a:avLst/>
+          </a:prstGeom>
+          <a:ln w="12700">
+            <a:miter lim="400000"/>
+          </a:ln>
+          <a:extLst>
+            <a:ext uri="{C572A759-6A51-4108-AA02-DFA0A04FC94B}">
+              <ma14:wrappingTextBoxFlag xmlns:ma14="http://schemas.microsoft.com/office/mac/drawingml/2011/main" val="1"/>
+            </a:ext>
+          </a:extLst>
+        </p:spPr>
+        <p:txBody>
+          <a:bodyPr lIns="45718" tIns="45718" rIns="45718" bIns="45718">
+            <a:spAutoFit/>
+          </a:bodyPr>
+          <a:lstStyle>
+            <a:lvl1pPr algn="ctr">
+              <a:defRPr b="1" i="1" sz="3200"/>
+            </a:lvl1pPr>
+          </a:lstStyle>
+          <a:p>
+            <a:pPr/>
+            <a:r>
+              <a:t>Vielen Dank für eure Aufmerksamkeit und viel Erfolg bei den Prüfungen !</a:t>
+            </a:r>
+          </a:p>
+        </p:txBody>
+      </p:sp>
+      <p:pic>
+        <p:nvPicPr>
+          <p:cNvPr id="236" name="image2.png" descr="Bildergebnis für skip bo"/>
+          <p:cNvPicPr>
+            <a:picLocks noChangeAspect="1"/>
+          </p:cNvPicPr>
+          <p:nvPr/>
+        </p:nvPicPr>
+        <p:blipFill>
+          <a:blip r:embed="rId2">
+            <a:extLst/>
+          </a:blip>
+          <a:stretch>
+            <a:fillRect/>
+          </a:stretch>
+        </p:blipFill>
+        <p:spPr>
+          <a:xfrm rot="20942087">
+            <a:off x="-485571" y="736124"/>
+            <a:ext cx="5815389" cy="5168056"/>
+          </a:xfrm>
+          <a:prstGeom prst="rect">
+            <a:avLst/>
+          </a:prstGeom>
+          <a:ln w="12700">
+            <a:miter lim="400000"/>
+          </a:ln>
+        </p:spPr>
+      </p:pic>
+      <p:sp>
+        <p:nvSpPr>
+          <p:cNvPr id="237" name="Shape 237"/>
+          <p:cNvSpPr/>
+          <p:nvPr/>
+        </p:nvSpPr>
+        <p:spPr>
+          <a:xfrm>
+            <a:off x="1207435" y="5952201"/>
+            <a:ext cx="2246852" cy="294637"/>
+          </a:xfrm>
+          <a:prstGeom prst="rect">
+            <a:avLst/>
+          </a:prstGeom>
+          <a:ln w="12700">
+            <a:miter lim="400000"/>
+          </a:ln>
+          <a:extLst>
+            <a:ext uri="{C572A759-6A51-4108-AA02-DFA0A04FC94B}">
+              <ma14:wrappingTextBoxFlag xmlns:ma14="http://schemas.microsoft.com/office/mac/drawingml/2011/main" val="1"/>
+            </a:ext>
+          </a:extLst>
+        </p:spPr>
+        <p:txBody>
+          <a:bodyPr wrap="none" lIns="45718" tIns="45718" rIns="45718" bIns="45718">
+            <a:spAutoFit/>
+          </a:bodyPr>
+          <a:lstStyle>
+            <a:lvl1pPr>
+              <a:defRPr sz="1400"/>
+            </a:lvl1pPr>
+          </a:lstStyle>
+          <a:p>
+            <a:pPr/>
+            <a:r>
+              <a:t>Quelle:  mercadolibre.com</a:t>
+            </a:r>
+          </a:p>
+        </p:txBody>
+      </p:sp>
+    </p:spTree>
+  </p:cSld>
+  <p:clrMapOvr>
+    <a:masterClrMapping/>
+  </p:clrMapOvr>
+  <p:transition xmlns:p14="http://schemas.microsoft.com/office/powerpoint/2010/main" spd="med" advClick="1" p14:dur="1000"/>
+</p:sld>
+</file>
+
+<file path=ppt/slides/slide2.xml><?xml version="1.0" encoding="utf-8"?>
+<p:sld xmlns:a="http://schemas.openxmlformats.org/drawingml/2006/main" xmlns:r="http://schemas.openxmlformats.org/officeDocument/2006/relationships" xmlns:p="http://schemas.openxmlformats.org/presentationml/2006/main" showMasterSp="1" showMasterPhAnim="1">
+  <p:cSld>
+    <p:spTree>
+      <p:nvGrpSpPr>
+        <p:cNvPr id="1" name=""/>
+        <p:cNvGrpSpPr/>
+        <p:nvPr/>
+      </p:nvGrpSpPr>
+      <p:grpSpPr>
+        <a:xfrm>
+          <a:off x="0" y="0"/>
+          <a:ext cx="0" cy="0"/>
+          <a:chOff x="0" y="0"/>
+          <a:chExt cx="0" cy="0"/>
+        </a:xfrm>
+      </p:grpSpPr>
+      <p:sp>
+        <p:nvSpPr>
+          <p:cNvPr id="140" name="Shape 140"/>
+          <p:cNvSpPr/>
+          <p:nvPr/>
+        </p:nvSpPr>
+        <p:spPr>
+          <a:xfrm>
+            <a:off x="4038600" y="6404292"/>
+            <a:ext cx="4114800" cy="269237"/>
+          </a:xfrm>
+          <a:prstGeom prst="rect">
+            <a:avLst/>
+          </a:prstGeom>
+          <a:ln w="12700">
+            <a:miter lim="400000"/>
+          </a:ln>
+          <a:extLst>
+            <a:ext uri="{C572A759-6A51-4108-AA02-DFA0A04FC94B}">
+              <ma14:wrappingTextBoxFlag xmlns:ma14="http://schemas.microsoft.com/office/mac/drawingml/2011/main" val="1"/>
+            </a:ext>
+          </a:extLst>
+        </p:spPr>
+        <p:txBody>
+          <a:bodyPr lIns="45718" tIns="45718" rIns="45718" bIns="45718" anchor="ctr">
+            <a:spAutoFit/>
+          </a:bodyPr>
+          <a:lstStyle>
+            <a:lvl1pPr algn="ctr">
+              <a:defRPr sz="1200">
+                <a:solidFill>
+                  <a:srgbClr val="888888"/>
+                </a:solidFill>
+              </a:defRPr>
+            </a:lvl1pPr>
+          </a:lstStyle>
+          <a:p>
+            <a:pPr/>
+            <a:r>
+              <a:t>Mlst.-Präsentation Nr. V  /  Gruppe 15</a:t>
+            </a:r>
+          </a:p>
+        </p:txBody>
+      </p:sp>
+      <p:sp>
+        <p:nvSpPr>
+          <p:cNvPr id="141" name="Shape 141"/>
+          <p:cNvSpPr/>
+          <p:nvPr>
+            <p:ph type="body" sz="half" idx="1"/>
+          </p:nvPr>
+        </p:nvSpPr>
+        <p:spPr>
+          <a:xfrm>
+            <a:off x="1889727" y="1485000"/>
+            <a:ext cx="7622080" cy="4351338"/>
+          </a:xfrm>
+          <a:prstGeom prst="rect">
+            <a:avLst/>
+          </a:prstGeom>
+        </p:spPr>
+        <p:txBody>
+          <a:bodyPr/>
+          <a:lstStyle/>
+          <a:p>
+            <a:pPr marL="0" indent="0">
+              <a:buSzTx/>
+              <a:buNone/>
+              <a:defRPr sz="3000">
+                <a:latin typeface="Arial"/>
+                <a:ea typeface="Arial"/>
+                <a:cs typeface="Arial"/>
+                <a:sym typeface="Arial"/>
+              </a:defRPr>
+            </a:pPr>
+            <a:r>
+              <a:t>Skip-Bro: Regeln, Ziel, Mechanik</a:t>
+            </a:r>
+          </a:p>
+          <a:p>
+            <a:pPr marL="0" indent="0">
+              <a:buSzTx/>
+              <a:buNone/>
+              <a:defRPr sz="3000">
+                <a:latin typeface="Arial"/>
+                <a:ea typeface="Arial"/>
+                <a:cs typeface="Arial"/>
+                <a:sym typeface="Arial"/>
+              </a:defRPr>
+            </a:pPr>
+          </a:p>
+          <a:p>
+            <a:pPr marL="0" indent="0">
+              <a:buSzTx/>
+              <a:buNone/>
+              <a:defRPr sz="3000">
+                <a:latin typeface="Arial"/>
+                <a:ea typeface="Arial"/>
+                <a:cs typeface="Arial"/>
+                <a:sym typeface="Arial"/>
+              </a:defRPr>
+            </a:pPr>
+            <a:r>
+              <a:t>Spieldemonstration</a:t>
+            </a:r>
+          </a:p>
+          <a:p>
+            <a:pPr marL="0" indent="0">
+              <a:buSzTx/>
+              <a:buNone/>
+              <a:defRPr sz="3000">
+                <a:latin typeface="Arial"/>
+                <a:ea typeface="Arial"/>
+                <a:cs typeface="Arial"/>
+                <a:sym typeface="Arial"/>
+              </a:defRPr>
+            </a:pPr>
+          </a:p>
+          <a:p>
+            <a:pPr marL="0" indent="0">
+              <a:buSzTx/>
+              <a:buNone/>
+              <a:defRPr sz="3000">
+                <a:latin typeface="Arial"/>
+                <a:ea typeface="Arial"/>
+                <a:cs typeface="Arial"/>
+                <a:sym typeface="Arial"/>
+              </a:defRPr>
+            </a:pPr>
+            <a:r>
+              <a:t>Technische Eigenheiten</a:t>
+            </a:r>
+          </a:p>
+          <a:p>
+            <a:pPr marL="0" indent="0">
+              <a:buSzTx/>
+              <a:buNone/>
+              <a:defRPr sz="3000">
+                <a:latin typeface="Arial"/>
+                <a:ea typeface="Arial"/>
+                <a:cs typeface="Arial"/>
+                <a:sym typeface="Arial"/>
+              </a:defRPr>
+            </a:pPr>
+          </a:p>
+          <a:p>
+            <a:pPr marL="0" indent="0">
+              <a:buSzTx/>
+              <a:buNone/>
+              <a:defRPr sz="3000">
+                <a:latin typeface="Arial"/>
+                <a:ea typeface="Arial"/>
+                <a:cs typeface="Arial"/>
+                <a:sym typeface="Arial"/>
+              </a:defRPr>
+            </a:pPr>
+            <a:r>
+              <a:t>Lektion gelernt</a:t>
+            </a:r>
+          </a:p>
+        </p:txBody>
+      </p:sp>
+      <p:sp>
+        <p:nvSpPr>
+          <p:cNvPr id="142" name="Shape 142"/>
+          <p:cNvSpPr/>
+          <p:nvPr>
+            <p:ph type="sldNum" sz="quarter" idx="4294967295"/>
+          </p:nvPr>
+        </p:nvSpPr>
+        <p:spPr>
+          <a:xfrm>
+            <a:off x="11169739" y="6404292"/>
+            <a:ext cx="184057" cy="269237"/>
+          </a:xfrm>
+          <a:prstGeom prst="rect">
+            <a:avLst/>
+          </a:prstGeom>
+          <a:extLst>
+            <a:ext uri="{C572A759-6A51-4108-AA02-DFA0A04FC94B}">
+              <ma14:wrappingTextBoxFlag xmlns:ma14="http://schemas.microsoft.com/office/mac/drawingml/2011/main" val="1"/>
+            </a:ext>
+          </a:extLst>
+        </p:spPr>
+        <p:txBody>
+          <a:bodyPr/>
+          <a:lstStyle/>
+          <a:p>
+            <a:pPr/>
+            <a:fld id="{86CB4B4D-7CA3-9044-876B-883B54F8677D}" type="slidenum"/>
+          </a:p>
+        </p:txBody>
+      </p:sp>
+      <p:pic>
+        <p:nvPicPr>
+          <p:cNvPr id="143" name="image6.png" descr="Gamecontroller"/>
+          <p:cNvPicPr>
+            <a:picLocks noChangeAspect="1"/>
+          </p:cNvPicPr>
+          <p:nvPr/>
+        </p:nvPicPr>
+        <p:blipFill>
+          <a:blip r:embed="rId2">
+            <a:extLst/>
+          </a:blip>
+          <a:stretch>
+            <a:fillRect/>
+          </a:stretch>
+        </p:blipFill>
+        <p:spPr>
+          <a:xfrm>
+            <a:off x="795214" y="2306222"/>
+            <a:ext cx="914404" cy="914404"/>
+          </a:xfrm>
+          <a:prstGeom prst="rect">
+            <a:avLst/>
+          </a:prstGeom>
+          <a:ln w="12700">
+            <a:miter lim="400000"/>
+          </a:ln>
+        </p:spPr>
+      </p:pic>
+      <p:sp>
+        <p:nvSpPr>
+          <p:cNvPr id="144" name="Shape 144"/>
+          <p:cNvSpPr/>
+          <p:nvPr>
+            <p:ph type="title"/>
+          </p:nvPr>
+        </p:nvSpPr>
+        <p:spPr>
+          <a:xfrm>
+            <a:off x="0" y="-2"/>
+            <a:ext cx="10515600" cy="720440"/>
+          </a:xfrm>
+          <a:prstGeom prst="rect">
+            <a:avLst/>
+          </a:prstGeom>
+        </p:spPr>
+        <p:txBody>
+          <a:bodyPr/>
+          <a:lstStyle>
+            <a:lvl1pPr>
+              <a:defRPr b="1" sz="2000">
+                <a:latin typeface="Arial"/>
+                <a:ea typeface="Arial"/>
+                <a:cs typeface="Arial"/>
+                <a:sym typeface="Arial"/>
+              </a:defRPr>
+            </a:lvl1pPr>
+          </a:lstStyle>
+          <a:p>
+            <a:pPr/>
+            <a:r>
+              <a:t>	 Übersicht</a:t>
+            </a:r>
+          </a:p>
+        </p:txBody>
+      </p:sp>
+      <p:sp>
+        <p:nvSpPr>
+          <p:cNvPr id="145" name="Shape 145"/>
+          <p:cNvSpPr/>
+          <p:nvPr/>
+        </p:nvSpPr>
+        <p:spPr>
+          <a:xfrm>
+            <a:off x="-16630" y="720436"/>
+            <a:ext cx="3088635" cy="7"/>
+          </a:xfrm>
+          <a:prstGeom prst="line">
+            <a:avLst/>
+          </a:prstGeom>
+          <a:ln w="28575">
+            <a:solidFill>
+              <a:srgbClr val="000000"/>
+            </a:solidFill>
+            <a:miter/>
+          </a:ln>
+          <a:effectLst>
+            <a:outerShdw sx="100000" sy="100000" kx="0" ky="0" algn="b" rotWithShape="0" blurRad="50800" dist="38100" dir="2700000">
+              <a:srgbClr val="000000">
+                <a:alpha val="40000"/>
+              </a:srgbClr>
+            </a:outerShdw>
+          </a:effectLst>
+        </p:spPr>
+        <p:txBody>
+          <a:bodyPr lIns="45718" tIns="45718" rIns="45718" bIns="45718"/>
+          <a:lstStyle/>
+          <a:p>
+            <a:pPr/>
+          </a:p>
+        </p:txBody>
+      </p:sp>
+      <p:pic>
+        <p:nvPicPr>
+          <p:cNvPr id="146" name="image7.png" descr="Präsentation mit Checkliste RNL"/>
+          <p:cNvPicPr>
+            <a:picLocks noChangeAspect="1"/>
+          </p:cNvPicPr>
+          <p:nvPr/>
+        </p:nvPicPr>
+        <p:blipFill>
+          <a:blip r:embed="rId3">
+            <a:extLst/>
+          </a:blip>
+          <a:stretch>
+            <a:fillRect/>
+          </a:stretch>
+        </p:blipFill>
+        <p:spPr>
+          <a:xfrm>
+            <a:off x="298859" y="90214"/>
+            <a:ext cx="540000" cy="540006"/>
+          </a:xfrm>
+          <a:prstGeom prst="rect">
+            <a:avLst/>
+          </a:prstGeom>
+          <a:ln w="12700">
+            <a:miter lim="400000"/>
+          </a:ln>
+        </p:spPr>
+      </p:pic>
+      <p:pic>
+        <p:nvPicPr>
+          <p:cNvPr id="147" name="image8.png" descr="Glühbirne und Zahnrad"/>
+          <p:cNvPicPr>
+            <a:picLocks noChangeAspect="1"/>
+          </p:cNvPicPr>
+          <p:nvPr/>
+        </p:nvPicPr>
+        <p:blipFill>
+          <a:blip r:embed="rId4">
+            <a:extLst/>
+          </a:blip>
+          <a:stretch>
+            <a:fillRect/>
+          </a:stretch>
+        </p:blipFill>
+        <p:spPr>
+          <a:xfrm>
+            <a:off x="795214" y="1241306"/>
+            <a:ext cx="914404" cy="914404"/>
+          </a:xfrm>
+          <a:prstGeom prst="rect">
+            <a:avLst/>
+          </a:prstGeom>
+          <a:ln w="12700">
+            <a:miter lim="400000"/>
+          </a:ln>
+        </p:spPr>
+      </p:pic>
+      <p:pic>
+        <p:nvPicPr>
+          <p:cNvPr id="148" name="image9.png" descr="Fingerabdruck"/>
+          <p:cNvPicPr>
+            <a:picLocks noChangeAspect="1"/>
+          </p:cNvPicPr>
+          <p:nvPr/>
+        </p:nvPicPr>
+        <p:blipFill>
+          <a:blip r:embed="rId5">
+            <a:extLst/>
+          </a:blip>
+          <a:stretch>
+            <a:fillRect/>
+          </a:stretch>
+        </p:blipFill>
+        <p:spPr>
+          <a:xfrm>
+            <a:off x="795217" y="3421174"/>
+            <a:ext cx="914401" cy="914407"/>
+          </a:xfrm>
+          <a:prstGeom prst="rect">
+            <a:avLst/>
+          </a:prstGeom>
+          <a:ln w="12700">
+            <a:miter lim="400000"/>
+          </a:ln>
+        </p:spPr>
+      </p:pic>
+      <p:pic>
+        <p:nvPicPr>
+          <p:cNvPr id="149" name="image10.png" descr="Idee"/>
+          <p:cNvPicPr>
+            <a:picLocks noChangeAspect="1"/>
+          </p:cNvPicPr>
+          <p:nvPr/>
+        </p:nvPicPr>
+        <p:blipFill>
+          <a:blip r:embed="rId6">
+            <a:extLst/>
+          </a:blip>
+          <a:stretch>
+            <a:fillRect/>
+          </a:stretch>
+        </p:blipFill>
+        <p:spPr>
+          <a:xfrm>
+            <a:off x="795214" y="4536125"/>
+            <a:ext cx="914404" cy="914404"/>
+          </a:xfrm>
+          <a:prstGeom prst="rect">
+            <a:avLst/>
+          </a:prstGeom>
+          <a:ln w="12700">
+            <a:miter lim="400000"/>
+          </a:ln>
+        </p:spPr>
+      </p:pic>
+    </p:spTree>
+  </p:cSld>
+  <p:clrMapOvr>
+    <a:masterClrMapping/>
+  </p:clrMapOvr>
+  <p:transition xmlns:p14="http://schemas.microsoft.com/office/powerpoint/2010/main" spd="med" advClick="1" p14:dur="1000"/>
+</p:sld>
+</file>
+
+<file path=ppt/slides/slide3.xml><?xml version="1.0" encoding="utf-8"?>
+<p:sld xmlns:a="http://schemas.openxmlformats.org/drawingml/2006/main" xmlns:r="http://schemas.openxmlformats.org/officeDocument/2006/relationships" xmlns:p="http://schemas.openxmlformats.org/presentationml/2006/main" showMasterSp="1" showMasterPhAnim="1">
+  <p:cSld>
+    <p:spTree>
+      <p:nvGrpSpPr>
+        <p:cNvPr id="1" name=""/>
+        <p:cNvGrpSpPr/>
+        <p:nvPr/>
+      </p:nvGrpSpPr>
+      <p:grpSpPr>
+        <a:xfrm>
+          <a:off x="0" y="0"/>
+          <a:ext cx="0" cy="0"/>
+          <a:chOff x="0" y="0"/>
+          <a:chExt cx="0" cy="0"/>
+        </a:xfrm>
+      </p:grpSpPr>
+      <p:sp>
+        <p:nvSpPr>
+          <p:cNvPr id="151" name="Shape 151"/>
+          <p:cNvSpPr/>
+          <p:nvPr/>
+        </p:nvSpPr>
+        <p:spPr>
+          <a:xfrm>
+            <a:off x="4038600" y="6404291"/>
+            <a:ext cx="4114800" cy="269237"/>
+          </a:xfrm>
+          <a:prstGeom prst="rect">
+            <a:avLst/>
+          </a:prstGeom>
+          <a:ln w="12700">
+            <a:miter lim="400000"/>
+          </a:ln>
+          <a:extLst>
+            <a:ext uri="{C572A759-6A51-4108-AA02-DFA0A04FC94B}">
+              <ma14:wrappingTextBoxFlag xmlns:ma14="http://schemas.microsoft.com/office/mac/drawingml/2011/main" val="1"/>
+            </a:ext>
+          </a:extLst>
+        </p:spPr>
+        <p:txBody>
+          <a:bodyPr lIns="45718" tIns="45718" rIns="45718" bIns="45718" anchor="ctr">
+            <a:spAutoFit/>
+          </a:bodyPr>
+          <a:lstStyle>
+            <a:lvl1pPr algn="ctr">
+              <a:defRPr sz="1200">
+                <a:solidFill>
+                  <a:srgbClr val="888888"/>
+                </a:solidFill>
+              </a:defRPr>
+            </a:lvl1pPr>
+          </a:lstStyle>
+          <a:p>
+            <a:pPr/>
+            <a:r>
+              <a:t>Mlst.-Präsentation Nr. V  /  Gruppe 15</a:t>
+            </a:r>
+          </a:p>
+        </p:txBody>
+      </p:sp>
+      <p:sp>
+        <p:nvSpPr>
+          <p:cNvPr id="152" name="Shape 152"/>
+          <p:cNvSpPr/>
+          <p:nvPr>
+            <p:ph type="body" sz="half" idx="1"/>
+          </p:nvPr>
+        </p:nvSpPr>
+        <p:spPr>
+          <a:xfrm>
+            <a:off x="1446760" y="1253331"/>
+            <a:ext cx="7622080" cy="4351338"/>
+          </a:xfrm>
+          <a:prstGeom prst="rect">
+            <a:avLst/>
+          </a:prstGeom>
+        </p:spPr>
+        <p:txBody>
+          <a:bodyPr anchor="ctr"/>
+          <a:lstStyle/>
+          <a:p>
+            <a:pPr marL="0" indent="0" algn="ctr" defTabSz="457200">
+              <a:lnSpc>
+                <a:spcPct val="100000"/>
+              </a:lnSpc>
+              <a:spcBef>
+                <a:spcPts val="0"/>
+              </a:spcBef>
+              <a:buSzTx/>
+              <a:buFontTx/>
+              <a:buNone/>
+              <a:defRPr b="1" sz="2600">
+                <a:latin typeface="Trebuchet MS"/>
+                <a:ea typeface="Trebuchet MS"/>
+                <a:cs typeface="Trebuchet MS"/>
+                <a:sym typeface="Trebuchet MS"/>
+              </a:defRPr>
+            </a:pPr>
+            <a:r>
+              <a:t>Um mitzuspielen:</a:t>
+            </a:r>
+          </a:p>
+          <a:p>
+            <a:pPr marL="0" indent="0" algn="ctr" defTabSz="457200">
+              <a:lnSpc>
+                <a:spcPct val="100000"/>
+              </a:lnSpc>
+              <a:spcBef>
+                <a:spcPts val="0"/>
+              </a:spcBef>
+              <a:buSzTx/>
+              <a:buFontTx/>
+              <a:buNone/>
+              <a:defRPr b="1" sz="2600">
+                <a:latin typeface="Trebuchet MS"/>
+                <a:ea typeface="Trebuchet MS"/>
+                <a:cs typeface="Trebuchet MS"/>
+                <a:sym typeface="Trebuchet MS"/>
+              </a:defRPr>
+            </a:pPr>
+          </a:p>
+          <a:p>
+            <a:pPr marL="0" indent="0" algn="ctr" defTabSz="457200">
+              <a:lnSpc>
+                <a:spcPct val="100000"/>
+              </a:lnSpc>
+              <a:spcBef>
+                <a:spcPts val="0"/>
+              </a:spcBef>
+              <a:buSzTx/>
+              <a:buFontTx/>
+              <a:buNone/>
+              <a:defRPr b="1" sz="2600">
+                <a:latin typeface="Trebuchet MS"/>
+                <a:ea typeface="Trebuchet MS"/>
+                <a:cs typeface="Trebuchet MS"/>
+                <a:sym typeface="Trebuchet MS"/>
+              </a:defRPr>
+            </a:pPr>
+            <a:r>
+              <a:t>IP Adresse: 10.34.58.178:8015</a:t>
+            </a:r>
+          </a:p>
+          <a:p>
+            <a:pPr marL="0" indent="0" algn="ctr" defTabSz="457200">
+              <a:lnSpc>
+                <a:spcPct val="100000"/>
+              </a:lnSpc>
+              <a:spcBef>
+                <a:spcPts val="0"/>
+              </a:spcBef>
+              <a:buSzTx/>
+              <a:buFontTx/>
+              <a:buNone/>
+              <a:defRPr b="1" sz="2600">
+                <a:latin typeface="Trebuchet MS"/>
+                <a:ea typeface="Trebuchet MS"/>
+                <a:cs typeface="Trebuchet MS"/>
+                <a:sym typeface="Trebuchet MS"/>
+              </a:defRPr>
+            </a:pPr>
+            <a:r>
+              <a:t>Port: 8015</a:t>
+            </a:r>
+          </a:p>
+          <a:p>
+            <a:pPr marL="0" indent="0" algn="ctr" defTabSz="457200">
+              <a:lnSpc>
+                <a:spcPct val="100000"/>
+              </a:lnSpc>
+              <a:spcBef>
+                <a:spcPts val="0"/>
+              </a:spcBef>
+              <a:buSzTx/>
+              <a:buFontTx/>
+              <a:buNone/>
+              <a:defRPr b="1" sz="2600">
+                <a:latin typeface="Trebuchet MS"/>
+                <a:ea typeface="Trebuchet MS"/>
+                <a:cs typeface="Trebuchet MS"/>
+                <a:sym typeface="Trebuchet MS"/>
+              </a:defRPr>
+            </a:pPr>
+          </a:p>
+          <a:p>
+            <a:pPr marL="0" indent="0" algn="ctr" defTabSz="457200">
+              <a:lnSpc>
+                <a:spcPct val="100000"/>
+              </a:lnSpc>
+              <a:spcBef>
+                <a:spcPts val="0"/>
+              </a:spcBef>
+              <a:buSzTx/>
+              <a:buFontTx/>
+              <a:buNone/>
+              <a:defRPr b="1" sz="2600">
+                <a:latin typeface="Trebuchet MS"/>
+                <a:ea typeface="Trebuchet MS"/>
+                <a:cs typeface="Trebuchet MS"/>
+                <a:sym typeface="Trebuchet MS"/>
+              </a:defRPr>
+            </a:pPr>
+            <a:r>
+              <a:t>Link zum Download des JARs im Chat</a:t>
+            </a:r>
+          </a:p>
+        </p:txBody>
+      </p:sp>
+      <p:sp>
+        <p:nvSpPr>
+          <p:cNvPr id="153" name="Shape 153"/>
+          <p:cNvSpPr/>
+          <p:nvPr>
+            <p:ph type="sldNum" sz="quarter" idx="4294967295"/>
+          </p:nvPr>
+        </p:nvSpPr>
+        <p:spPr>
+          <a:xfrm>
+            <a:off x="11169739" y="6404291"/>
+            <a:ext cx="184057" cy="269237"/>
+          </a:xfrm>
+          <a:prstGeom prst="rect">
+            <a:avLst/>
+          </a:prstGeom>
+          <a:extLst>
+            <a:ext uri="{C572A759-6A51-4108-AA02-DFA0A04FC94B}">
+              <ma14:wrappingTextBoxFlag xmlns:ma14="http://schemas.microsoft.com/office/mac/drawingml/2011/main" val="1"/>
+            </a:ext>
+          </a:extLst>
+        </p:spPr>
+        <p:txBody>
+          <a:bodyPr/>
+          <a:lstStyle/>
+          <a:p>
+            <a:pPr/>
+            <a:fld id="{86CB4B4D-7CA3-9044-876B-883B54F8677D}" type="slidenum"/>
+          </a:p>
+        </p:txBody>
+      </p:sp>
+      <p:sp>
+        <p:nvSpPr>
+          <p:cNvPr id="154" name="Shape 154"/>
+          <p:cNvSpPr/>
+          <p:nvPr>
+            <p:ph type="title"/>
+          </p:nvPr>
+        </p:nvSpPr>
+        <p:spPr>
+          <a:xfrm>
+            <a:off x="0" y="-2"/>
+            <a:ext cx="10515600" cy="720440"/>
+          </a:xfrm>
+          <a:prstGeom prst="rect">
+            <a:avLst/>
+          </a:prstGeom>
+        </p:spPr>
+        <p:txBody>
+          <a:bodyPr/>
+          <a:lstStyle>
+            <a:lvl1pPr>
+              <a:defRPr b="1" sz="2000">
+                <a:latin typeface="Arial"/>
+                <a:ea typeface="Arial"/>
+                <a:cs typeface="Arial"/>
+                <a:sym typeface="Arial"/>
+              </a:defRPr>
+            </a:lvl1pPr>
+          </a:lstStyle>
+          <a:p>
+            <a:pPr/>
+            <a:r>
+              <a:t>	 Übersicht</a:t>
+            </a:r>
+          </a:p>
+        </p:txBody>
+      </p:sp>
+      <p:sp>
+        <p:nvSpPr>
+          <p:cNvPr id="155" name="Shape 155"/>
+          <p:cNvSpPr/>
+          <p:nvPr/>
+        </p:nvSpPr>
+        <p:spPr>
+          <a:xfrm>
+            <a:off x="-16630" y="720435"/>
+            <a:ext cx="3088634" cy="8"/>
+          </a:xfrm>
+          <a:prstGeom prst="line">
+            <a:avLst/>
+          </a:prstGeom>
+          <a:ln w="28575">
+            <a:solidFill>
+              <a:srgbClr val="000000"/>
+            </a:solidFill>
+            <a:miter/>
+          </a:ln>
+          <a:effectLst>
+            <a:outerShdw sx="100000" sy="100000" kx="0" ky="0" algn="b" rotWithShape="0" blurRad="50800" dist="38100" dir="2700000">
+              <a:srgbClr val="000000">
+                <a:alpha val="40000"/>
+              </a:srgbClr>
+            </a:outerShdw>
+          </a:effectLst>
+        </p:spPr>
+        <p:txBody>
+          <a:bodyPr lIns="45718" tIns="45718" rIns="45718" bIns="45718"/>
+          <a:lstStyle/>
+          <a:p>
+            <a:pPr/>
+          </a:p>
+        </p:txBody>
+      </p:sp>
+      <p:pic>
+        <p:nvPicPr>
+          <p:cNvPr id="156" name="image7.png" descr="Präsentation mit Checkliste RNL"/>
+          <p:cNvPicPr>
+            <a:picLocks noChangeAspect="1"/>
+          </p:cNvPicPr>
+          <p:nvPr/>
+        </p:nvPicPr>
+        <p:blipFill>
+          <a:blip r:embed="rId2">
+            <a:extLst/>
+          </a:blip>
+          <a:stretch>
+            <a:fillRect/>
+          </a:stretch>
+        </p:blipFill>
+        <p:spPr>
+          <a:xfrm>
+            <a:off x="298859" y="90214"/>
+            <a:ext cx="540000" cy="540006"/>
+          </a:xfrm>
+          <a:prstGeom prst="rect">
+            <a:avLst/>
+          </a:prstGeom>
+          <a:ln w="12700">
+            <a:miter lim="400000"/>
+          </a:ln>
+        </p:spPr>
+      </p:pic>
+    </p:spTree>
+  </p:cSld>
+  <p:clrMapOvr>
+    <a:masterClrMapping/>
+  </p:clrMapOvr>
+  <p:transition xmlns:p14="http://schemas.microsoft.com/office/powerpoint/2010/main" spd="med" advClick="1" p14:dur="1000"/>
+</p:sld>
+</file>
+
+<file path=ppt/slides/slide4.xml><?xml version="1.0" encoding="utf-8"?>
+<p:sld xmlns:a="http://schemas.openxmlformats.org/drawingml/2006/main" xmlns:r="http://schemas.openxmlformats.org/officeDocument/2006/relationships" xmlns:p="http://schemas.openxmlformats.org/presentationml/2006/main" showMasterSp="1" showMasterPhAnim="1">
+  <p:cSld>
+    <p:spTree>
+      <p:nvGrpSpPr>
+        <p:cNvPr id="1" name=""/>
+        <p:cNvGrpSpPr/>
+        <p:nvPr/>
+      </p:nvGrpSpPr>
+      <p:grpSpPr>
+        <a:xfrm>
+          <a:off x="0" y="0"/>
+          <a:ext cx="0" cy="0"/>
+          <a:chOff x="0" y="0"/>
+          <a:chExt cx="0" cy="0"/>
+        </a:xfrm>
+      </p:grpSpPr>
+      <p:sp>
+        <p:nvSpPr>
+          <p:cNvPr id="158" name="Shape 158"/>
+          <p:cNvSpPr/>
+          <p:nvPr/>
+        </p:nvSpPr>
+        <p:spPr>
+          <a:xfrm>
+            <a:off x="4038600" y="6404292"/>
+            <a:ext cx="4114800" cy="269237"/>
+          </a:xfrm>
+          <a:prstGeom prst="rect">
+            <a:avLst/>
+          </a:prstGeom>
+          <a:ln w="12700">
+            <a:miter lim="400000"/>
+          </a:ln>
+          <a:extLst>
+            <a:ext uri="{C572A759-6A51-4108-AA02-DFA0A04FC94B}">
+              <ma14:wrappingTextBoxFlag xmlns:ma14="http://schemas.microsoft.com/office/mac/drawingml/2011/main" val="1"/>
+            </a:ext>
+          </a:extLst>
+        </p:spPr>
+        <p:txBody>
+          <a:bodyPr lIns="45718" tIns="45718" rIns="45718" bIns="45718" anchor="ctr">
+            <a:spAutoFit/>
+          </a:bodyPr>
+          <a:lstStyle>
+            <a:lvl1pPr algn="ctr">
+              <a:defRPr sz="1200">
+                <a:solidFill>
+                  <a:srgbClr val="888888"/>
+                </a:solidFill>
+              </a:defRPr>
+            </a:lvl1pPr>
+          </a:lstStyle>
+          <a:p>
+            <a:pPr/>
+            <a:r>
+              <a:t>Mlst.-Präsentation Nr. V  /  Gruppe 15</a:t>
+            </a:r>
+          </a:p>
+        </p:txBody>
+      </p:sp>
+      <p:sp>
+        <p:nvSpPr>
+          <p:cNvPr id="159" name="Shape 159"/>
+          <p:cNvSpPr/>
+          <p:nvPr>
+            <p:ph type="body" sz="half" idx="1"/>
+          </p:nvPr>
+        </p:nvSpPr>
+        <p:spPr>
+          <a:xfrm>
+            <a:off x="1889727" y="1485000"/>
+            <a:ext cx="7622080" cy="4351338"/>
+          </a:xfrm>
+          <a:prstGeom prst="rect">
+            <a:avLst/>
+          </a:prstGeom>
+        </p:spPr>
+        <p:txBody>
+          <a:bodyPr/>
+          <a:lstStyle/>
+          <a:p>
+            <a:pPr marL="0" indent="0">
+              <a:buSzTx/>
+              <a:buNone/>
+              <a:defRPr b="1" sz="3000">
+                <a:latin typeface="Arial"/>
+                <a:ea typeface="Arial"/>
+                <a:cs typeface="Arial"/>
+                <a:sym typeface="Arial"/>
+              </a:defRPr>
+            </a:pPr>
+            <a:r>
+              <a:t>Skip-Bro: Regeln, Ziel und Mechanik</a:t>
+            </a:r>
+          </a:p>
+          <a:p>
+            <a:pPr marL="0" indent="0">
+              <a:buSzTx/>
+              <a:buNone/>
+              <a:defRPr sz="3000">
+                <a:latin typeface="Arial"/>
+                <a:ea typeface="Arial"/>
+                <a:cs typeface="Arial"/>
+                <a:sym typeface="Arial"/>
+              </a:defRPr>
+            </a:pPr>
+          </a:p>
+          <a:p>
+            <a:pPr marL="0" indent="0">
+              <a:buSzTx/>
+              <a:buNone/>
+              <a:defRPr sz="3000">
+                <a:latin typeface="Arial"/>
+                <a:ea typeface="Arial"/>
+                <a:cs typeface="Arial"/>
+                <a:sym typeface="Arial"/>
+              </a:defRPr>
+            </a:pPr>
+            <a:r>
+              <a:t>Spieldemonstration</a:t>
+            </a:r>
+          </a:p>
+          <a:p>
+            <a:pPr marL="0" indent="0">
+              <a:buSzTx/>
+              <a:buNone/>
+              <a:defRPr sz="3000">
+                <a:latin typeface="Arial"/>
+                <a:ea typeface="Arial"/>
+                <a:cs typeface="Arial"/>
+                <a:sym typeface="Arial"/>
+              </a:defRPr>
+            </a:pPr>
+          </a:p>
+          <a:p>
+            <a:pPr marL="0" indent="0">
+              <a:buSzTx/>
+              <a:buNone/>
+              <a:defRPr sz="3000">
+                <a:latin typeface="Arial"/>
+                <a:ea typeface="Arial"/>
+                <a:cs typeface="Arial"/>
+                <a:sym typeface="Arial"/>
+              </a:defRPr>
+            </a:pPr>
+            <a:r>
+              <a:t>Technische Eigenheiten</a:t>
+            </a:r>
+          </a:p>
+          <a:p>
+            <a:pPr marL="0" indent="0">
+              <a:buSzTx/>
+              <a:buNone/>
+              <a:defRPr sz="3000">
+                <a:latin typeface="Arial"/>
+                <a:ea typeface="Arial"/>
+                <a:cs typeface="Arial"/>
+                <a:sym typeface="Arial"/>
+              </a:defRPr>
+            </a:pPr>
+          </a:p>
+          <a:p>
+            <a:pPr marL="0" indent="0">
+              <a:buSzTx/>
+              <a:buNone/>
+              <a:defRPr sz="3000">
+                <a:latin typeface="Arial"/>
+                <a:ea typeface="Arial"/>
+                <a:cs typeface="Arial"/>
+                <a:sym typeface="Arial"/>
+              </a:defRPr>
+            </a:pPr>
+            <a:r>
+              <a:t>Lektion gelernt</a:t>
+            </a:r>
+          </a:p>
+        </p:txBody>
+      </p:sp>
+      <p:sp>
+        <p:nvSpPr>
+          <p:cNvPr id="160" name="Shape 160"/>
+          <p:cNvSpPr/>
+          <p:nvPr>
+            <p:ph type="sldNum" sz="quarter" idx="4294967295"/>
+          </p:nvPr>
+        </p:nvSpPr>
+        <p:spPr>
+          <a:xfrm>
+            <a:off x="11169739" y="6404290"/>
+            <a:ext cx="184057" cy="269237"/>
+          </a:xfrm>
+          <a:prstGeom prst="rect">
+            <a:avLst/>
+          </a:prstGeom>
+          <a:extLst>
+            <a:ext uri="{C572A759-6A51-4108-AA02-DFA0A04FC94B}">
+              <ma14:wrappingTextBoxFlag xmlns:ma14="http://schemas.microsoft.com/office/mac/drawingml/2011/main" val="1"/>
+            </a:ext>
+          </a:extLst>
+        </p:spPr>
+        <p:txBody>
+          <a:bodyPr/>
+          <a:lstStyle/>
+          <a:p>
+            <a:pPr/>
+            <a:fld id="{86CB4B4D-7CA3-9044-876B-883B54F8677D}" type="slidenum"/>
+          </a:p>
+        </p:txBody>
+      </p:sp>
+      <p:pic>
+        <p:nvPicPr>
+          <p:cNvPr id="161" name="image6.png" descr="Gamecontroller"/>
+          <p:cNvPicPr>
+            <a:picLocks noChangeAspect="1"/>
+          </p:cNvPicPr>
+          <p:nvPr/>
+        </p:nvPicPr>
+        <p:blipFill>
+          <a:blip r:embed="rId2">
+            <a:extLst/>
+          </a:blip>
+          <a:stretch>
+            <a:fillRect/>
+          </a:stretch>
+        </p:blipFill>
+        <p:spPr>
+          <a:xfrm>
+            <a:off x="795214" y="2306222"/>
+            <a:ext cx="914404" cy="914404"/>
+          </a:xfrm>
+          <a:prstGeom prst="rect">
+            <a:avLst/>
+          </a:prstGeom>
+          <a:ln w="12700">
+            <a:miter lim="400000"/>
+          </a:ln>
+        </p:spPr>
+      </p:pic>
+      <p:sp>
+        <p:nvSpPr>
+          <p:cNvPr id="162" name="Shape 162"/>
+          <p:cNvSpPr/>
+          <p:nvPr>
+            <p:ph type="title"/>
+          </p:nvPr>
+        </p:nvSpPr>
+        <p:spPr>
+          <a:xfrm>
+            <a:off x="0" y="-2"/>
+            <a:ext cx="10515600" cy="720440"/>
+          </a:xfrm>
+          <a:prstGeom prst="rect">
+            <a:avLst/>
+          </a:prstGeom>
+        </p:spPr>
+        <p:txBody>
+          <a:bodyPr/>
+          <a:lstStyle>
+            <a:lvl1pPr>
+              <a:defRPr b="1" sz="2000">
+                <a:latin typeface="Arial"/>
+                <a:ea typeface="Arial"/>
+                <a:cs typeface="Arial"/>
+                <a:sym typeface="Arial"/>
+              </a:defRPr>
+            </a:lvl1pPr>
+          </a:lstStyle>
+          <a:p>
+            <a:pPr/>
+            <a:r>
+              <a:t>	 Übersicht</a:t>
+            </a:r>
+          </a:p>
+        </p:txBody>
+      </p:sp>
+      <p:sp>
+        <p:nvSpPr>
+          <p:cNvPr id="163" name="Shape 163"/>
+          <p:cNvSpPr/>
+          <p:nvPr/>
+        </p:nvSpPr>
+        <p:spPr>
+          <a:xfrm>
+            <a:off x="-16630" y="720436"/>
+            <a:ext cx="3088635" cy="6"/>
+          </a:xfrm>
+          <a:prstGeom prst="line">
+            <a:avLst/>
+          </a:prstGeom>
+          <a:ln w="28575">
+            <a:solidFill>
+              <a:srgbClr val="000000"/>
+            </a:solidFill>
+            <a:miter/>
+          </a:ln>
+          <a:effectLst>
+            <a:outerShdw sx="100000" sy="100000" kx="0" ky="0" algn="b" rotWithShape="0" blurRad="50800" dist="38100" dir="2700000">
+              <a:srgbClr val="000000">
+                <a:alpha val="40000"/>
+              </a:srgbClr>
+            </a:outerShdw>
+          </a:effectLst>
+        </p:spPr>
+        <p:txBody>
+          <a:bodyPr lIns="45718" tIns="45718" rIns="45718" bIns="45718"/>
+          <a:lstStyle/>
+          <a:p>
+            <a:pPr/>
+          </a:p>
+        </p:txBody>
+      </p:sp>
+      <p:pic>
+        <p:nvPicPr>
+          <p:cNvPr id="164" name="image7.png" descr="Präsentation mit Checkliste RNL"/>
+          <p:cNvPicPr>
+            <a:picLocks noChangeAspect="1"/>
+          </p:cNvPicPr>
+          <p:nvPr/>
+        </p:nvPicPr>
+        <p:blipFill>
+          <a:blip r:embed="rId3">
+            <a:extLst/>
+          </a:blip>
+          <a:stretch>
+            <a:fillRect/>
+          </a:stretch>
+        </p:blipFill>
+        <p:spPr>
+          <a:xfrm>
+            <a:off x="298859" y="90214"/>
+            <a:ext cx="540000" cy="540006"/>
+          </a:xfrm>
+          <a:prstGeom prst="rect">
+            <a:avLst/>
+          </a:prstGeom>
+          <a:ln w="12700">
+            <a:miter lim="400000"/>
+          </a:ln>
+        </p:spPr>
+      </p:pic>
+      <p:pic>
+        <p:nvPicPr>
+          <p:cNvPr id="165" name="image8.png" descr="Glühbirne und Zahnrad"/>
+          <p:cNvPicPr>
+            <a:picLocks noChangeAspect="1"/>
+          </p:cNvPicPr>
+          <p:nvPr/>
+        </p:nvPicPr>
+        <p:blipFill>
+          <a:blip r:embed="rId4">
+            <a:extLst/>
+          </a:blip>
+          <a:stretch>
+            <a:fillRect/>
+          </a:stretch>
+        </p:blipFill>
+        <p:spPr>
+          <a:xfrm>
+            <a:off x="795214" y="1241306"/>
+            <a:ext cx="914404" cy="914404"/>
+          </a:xfrm>
+          <a:prstGeom prst="rect">
+            <a:avLst/>
+          </a:prstGeom>
+          <a:ln w="12700">
+            <a:miter lim="400000"/>
+          </a:ln>
+        </p:spPr>
+      </p:pic>
+      <p:pic>
+        <p:nvPicPr>
+          <p:cNvPr id="166" name="image9.png" descr="Fingerabdruck"/>
+          <p:cNvPicPr>
+            <a:picLocks noChangeAspect="1"/>
+          </p:cNvPicPr>
+          <p:nvPr/>
+        </p:nvPicPr>
+        <p:blipFill>
+          <a:blip r:embed="rId5">
+            <a:extLst/>
+          </a:blip>
+          <a:stretch>
+            <a:fillRect/>
+          </a:stretch>
+        </p:blipFill>
+        <p:spPr>
+          <a:xfrm>
+            <a:off x="795217" y="3421174"/>
+            <a:ext cx="914401" cy="914407"/>
+          </a:xfrm>
+          <a:prstGeom prst="rect">
+            <a:avLst/>
+          </a:prstGeom>
+          <a:ln w="12700">
+            <a:miter lim="400000"/>
+          </a:ln>
+        </p:spPr>
+      </p:pic>
+      <p:pic>
+        <p:nvPicPr>
+          <p:cNvPr id="167" name="image10.png" descr="Idee"/>
+          <p:cNvPicPr>
+            <a:picLocks noChangeAspect="1"/>
+          </p:cNvPicPr>
+          <p:nvPr/>
+        </p:nvPicPr>
+        <p:blipFill>
+          <a:blip r:embed="rId6">
+            <a:extLst/>
+          </a:blip>
+          <a:stretch>
+            <a:fillRect/>
+          </a:stretch>
+        </p:blipFill>
+        <p:spPr>
+          <a:xfrm>
+            <a:off x="795214" y="4536125"/>
+            <a:ext cx="914404" cy="914404"/>
+          </a:xfrm>
+          <a:prstGeom prst="rect">
+            <a:avLst/>
+          </a:prstGeom>
+          <a:ln w="12700">
+            <a:miter lim="400000"/>
+          </a:ln>
+        </p:spPr>
+      </p:pic>
+    </p:spTree>
+  </p:cSld>
+  <p:clrMapOvr>
+    <a:masterClrMapping/>
+  </p:clrMapOvr>
+  <p:transition xmlns:p14="http://schemas.microsoft.com/office/powerpoint/2010/main" spd="med" advClick="1" p14:dur="1000"/>
+</p:sld>
+</file>
+
+<file path=ppt/slides/slide5.xml><?xml version="1.0" encoding="utf-8"?>
+<p:sld xmlns:a="http://schemas.openxmlformats.org/drawingml/2006/main" xmlns:r="http://schemas.openxmlformats.org/officeDocument/2006/relationships" xmlns:p="http://schemas.openxmlformats.org/presentationml/2006/main" showMasterSp="1" showMasterPhAnim="1">
+  <p:cSld>
+    <p:spTree>
+      <p:nvGrpSpPr>
+        <p:cNvPr id="1" name=""/>
+        <p:cNvGrpSpPr/>
+        <p:nvPr/>
+      </p:nvGrpSpPr>
+      <p:grpSpPr>
+        <a:xfrm>
+          <a:off x="0" y="0"/>
+          <a:ext cx="0" cy="0"/>
+          <a:chOff x="0" y="0"/>
+          <a:chExt cx="0" cy="0"/>
+        </a:xfrm>
+      </p:grpSpPr>
+      <p:sp>
+        <p:nvSpPr>
+          <p:cNvPr id="169" name="Shape 169"/>
+          <p:cNvSpPr/>
+          <p:nvPr/>
+        </p:nvSpPr>
+        <p:spPr>
+          <a:xfrm>
+            <a:off x="3935998" y="6396609"/>
+            <a:ext cx="4114806" cy="269237"/>
+          </a:xfrm>
+          <a:prstGeom prst="rect">
+            <a:avLst/>
+          </a:prstGeom>
+          <a:ln w="12700">
+            <a:miter lim="400000"/>
+          </a:ln>
+          <a:extLst>
+            <a:ext uri="{C572A759-6A51-4108-AA02-DFA0A04FC94B}">
+              <ma14:wrappingTextBoxFlag xmlns:ma14="http://schemas.microsoft.com/office/mac/drawingml/2011/main" val="1"/>
+            </a:ext>
+          </a:extLst>
+        </p:spPr>
+        <p:txBody>
+          <a:bodyPr lIns="45718" tIns="45718" rIns="45718" bIns="45718" anchor="ctr">
+            <a:spAutoFit/>
+          </a:bodyPr>
+          <a:lstStyle>
+            <a:lvl1pPr algn="ctr">
+              <a:defRPr sz="1200">
+                <a:solidFill>
+                  <a:srgbClr val="888888"/>
+                </a:solidFill>
+              </a:defRPr>
+            </a:lvl1pPr>
+          </a:lstStyle>
+          <a:p>
+            <a:pPr/>
+            <a:r>
+              <a:t>Mlst.-Präsentation Nr. V /  Gruppe 15</a:t>
+            </a:r>
+          </a:p>
+        </p:txBody>
+      </p:sp>
+      <p:sp>
+        <p:nvSpPr>
+          <p:cNvPr id="170" name="Shape 170"/>
+          <p:cNvSpPr/>
+          <p:nvPr>
+            <p:ph type="sldNum" sz="quarter" idx="4294967295"/>
+          </p:nvPr>
+        </p:nvSpPr>
+        <p:spPr>
+          <a:xfrm>
+            <a:off x="11169739" y="6404292"/>
+            <a:ext cx="184057" cy="269237"/>
+          </a:xfrm>
+          <a:prstGeom prst="rect">
+            <a:avLst/>
+          </a:prstGeom>
+          <a:extLst>
+            <a:ext uri="{C572A759-6A51-4108-AA02-DFA0A04FC94B}">
+              <ma14:wrappingTextBoxFlag xmlns:ma14="http://schemas.microsoft.com/office/mac/drawingml/2011/main" val="1"/>
+            </a:ext>
+          </a:extLst>
+        </p:spPr>
+        <p:txBody>
+          <a:bodyPr/>
+          <a:lstStyle/>
+          <a:p>
+            <a:pPr/>
+            <a:fld id="{86CB4B4D-7CA3-9044-876B-883B54F8677D}" type="slidenum"/>
+          </a:p>
+        </p:txBody>
+      </p:sp>
+      <p:sp>
+        <p:nvSpPr>
+          <p:cNvPr id="171" name="Shape 171"/>
+          <p:cNvSpPr/>
+          <p:nvPr>
+            <p:ph type="title"/>
+          </p:nvPr>
+        </p:nvSpPr>
+        <p:spPr>
+          <a:xfrm>
+            <a:off x="0" y="-2"/>
+            <a:ext cx="10515600" cy="720440"/>
+          </a:xfrm>
+          <a:prstGeom prst="rect">
+            <a:avLst/>
+          </a:prstGeom>
+        </p:spPr>
+        <p:txBody>
+          <a:bodyPr/>
+          <a:lstStyle>
+            <a:lvl1pPr>
+              <a:defRPr b="1" sz="2000">
+                <a:latin typeface="Arial"/>
+                <a:ea typeface="Arial"/>
+                <a:cs typeface="Arial"/>
+                <a:sym typeface="Arial"/>
+              </a:defRPr>
+            </a:lvl1pPr>
+          </a:lstStyle>
+          <a:p>
+            <a:pPr/>
+            <a:r>
+              <a:t>	 Skip-Bro: Regeln, Ziel und Mechanik</a:t>
+            </a:r>
+          </a:p>
+        </p:txBody>
+      </p:sp>
+      <p:sp>
+        <p:nvSpPr>
+          <p:cNvPr id="172" name="Shape 172"/>
+          <p:cNvSpPr/>
+          <p:nvPr/>
+        </p:nvSpPr>
+        <p:spPr>
+          <a:xfrm>
+            <a:off x="-16630" y="720436"/>
+            <a:ext cx="5719164" cy="4"/>
+          </a:xfrm>
+          <a:prstGeom prst="line">
+            <a:avLst/>
+          </a:prstGeom>
+          <a:ln w="28575">
+            <a:solidFill>
+              <a:srgbClr val="000000"/>
+            </a:solidFill>
+            <a:miter/>
+          </a:ln>
+          <a:effectLst>
+            <a:outerShdw sx="100000" sy="100000" kx="0" ky="0" algn="b" rotWithShape="0" blurRad="50800" dist="38100" dir="2700000">
+              <a:srgbClr val="000000">
+                <a:alpha val="40000"/>
+              </a:srgbClr>
+            </a:outerShdw>
+          </a:effectLst>
+        </p:spPr>
+        <p:txBody>
+          <a:bodyPr lIns="45718" tIns="45718" rIns="45718" bIns="45718"/>
+          <a:lstStyle/>
+          <a:p>
+            <a:pPr/>
+          </a:p>
+        </p:txBody>
+      </p:sp>
+      <p:pic>
+        <p:nvPicPr>
+          <p:cNvPr id="173" name="image8.png" descr="Glühbirne und Zahnrad"/>
+          <p:cNvPicPr>
+            <a:picLocks noChangeAspect="1"/>
+          </p:cNvPicPr>
+          <p:nvPr/>
+        </p:nvPicPr>
+        <p:blipFill>
+          <a:blip r:embed="rId2">
+            <a:extLst/>
+          </a:blip>
+          <a:stretch>
+            <a:fillRect/>
+          </a:stretch>
+        </p:blipFill>
+        <p:spPr>
+          <a:xfrm>
+            <a:off x="155999" y="90214"/>
+            <a:ext cx="540003" cy="540006"/>
+          </a:xfrm>
+          <a:prstGeom prst="rect">
+            <a:avLst/>
+          </a:prstGeom>
+          <a:ln w="12700">
+            <a:miter lim="400000"/>
+          </a:ln>
+        </p:spPr>
+      </p:pic>
+      <p:pic>
+        <p:nvPicPr>
+          <p:cNvPr id="174" name="image11.png"/>
+          <p:cNvPicPr>
+            <a:picLocks noChangeAspect="1"/>
+          </p:cNvPicPr>
+          <p:nvPr/>
+        </p:nvPicPr>
+        <p:blipFill>
+          <a:blip r:embed="rId3">
+            <a:extLst/>
+          </a:blip>
+          <a:stretch>
+            <a:fillRect/>
+          </a:stretch>
+        </p:blipFill>
+        <p:spPr>
+          <a:xfrm>
+            <a:off x="1975361" y="981177"/>
+            <a:ext cx="8241279" cy="5168980"/>
+          </a:xfrm>
+          <a:prstGeom prst="rect">
+            <a:avLst/>
+          </a:prstGeom>
+          <a:ln w="12700">
+            <a:miter lim="400000"/>
+          </a:ln>
+        </p:spPr>
+      </p:pic>
+    </p:spTree>
+  </p:cSld>
+  <p:clrMapOvr>
+    <a:masterClrMapping/>
+  </p:clrMapOvr>
+  <p:transition xmlns:p14="http://schemas.microsoft.com/office/powerpoint/2010/main" spd="med" advClick="1" p14:dur="1000"/>
+</p:sld>
+</file>
+
+<file path=ppt/slides/slide6.xml><?xml version="1.0" encoding="utf-8"?>
+<p:sld xmlns:a="http://schemas.openxmlformats.org/drawingml/2006/main" xmlns:r="http://schemas.openxmlformats.org/officeDocument/2006/relationships" xmlns:p="http://schemas.openxmlformats.org/presentationml/2006/main" showMasterSp="1" showMasterPhAnim="1">
+  <p:cSld>
+    <p:spTree>
+      <p:nvGrpSpPr>
+        <p:cNvPr id="1" name=""/>
+        <p:cNvGrpSpPr/>
+        <p:nvPr/>
+      </p:nvGrpSpPr>
+      <p:grpSpPr>
+        <a:xfrm>
+          <a:off x="0" y="0"/>
+          <a:ext cx="0" cy="0"/>
+          <a:chOff x="0" y="0"/>
+          <a:chExt cx="0" cy="0"/>
+        </a:xfrm>
+      </p:grpSpPr>
+      <p:sp>
+        <p:nvSpPr>
+          <p:cNvPr id="176" name="Shape 176"/>
+          <p:cNvSpPr/>
+          <p:nvPr/>
+        </p:nvSpPr>
+        <p:spPr>
+          <a:xfrm>
+            <a:off x="4038600" y="6404292"/>
+            <a:ext cx="4114800" cy="269237"/>
+          </a:xfrm>
+          <a:prstGeom prst="rect">
+            <a:avLst/>
+          </a:prstGeom>
+          <a:ln w="12700">
+            <a:miter lim="400000"/>
+          </a:ln>
+          <a:extLst>
+            <a:ext uri="{C572A759-6A51-4108-AA02-DFA0A04FC94B}">
+              <ma14:wrappingTextBoxFlag xmlns:ma14="http://schemas.microsoft.com/office/mac/drawingml/2011/main" val="1"/>
+            </a:ext>
+          </a:extLst>
+        </p:spPr>
+        <p:txBody>
+          <a:bodyPr lIns="45718" tIns="45718" rIns="45718" bIns="45718" anchor="ctr">
+            <a:spAutoFit/>
+          </a:bodyPr>
+          <a:lstStyle>
+            <a:lvl1pPr algn="ctr">
+              <a:defRPr sz="1200">
+                <a:solidFill>
+                  <a:srgbClr val="888888"/>
+                </a:solidFill>
+              </a:defRPr>
+            </a:lvl1pPr>
+          </a:lstStyle>
+          <a:p>
+            <a:pPr/>
+            <a:r>
+              <a:t>Mlst.-Präsentation Nr. V  /  Gruppe 15</a:t>
+            </a:r>
+          </a:p>
+        </p:txBody>
+      </p:sp>
+      <p:sp>
+        <p:nvSpPr>
+          <p:cNvPr id="177" name="Shape 177"/>
+          <p:cNvSpPr/>
+          <p:nvPr>
+            <p:ph type="body" sz="half" idx="1"/>
+          </p:nvPr>
+        </p:nvSpPr>
+        <p:spPr>
+          <a:xfrm>
+            <a:off x="1889727" y="1485000"/>
+            <a:ext cx="7622080" cy="4351338"/>
+          </a:xfrm>
+          <a:prstGeom prst="rect">
+            <a:avLst/>
+          </a:prstGeom>
+        </p:spPr>
+        <p:txBody>
+          <a:bodyPr/>
+          <a:lstStyle/>
+          <a:p>
+            <a:pPr marL="0" indent="0">
+              <a:buSzTx/>
+              <a:buNone/>
+              <a:defRPr sz="3000">
+                <a:latin typeface="Arial"/>
+                <a:ea typeface="Arial"/>
+                <a:cs typeface="Arial"/>
+                <a:sym typeface="Arial"/>
+              </a:defRPr>
+            </a:pPr>
+            <a:r>
+              <a:t>Skip-Bro: Regeln, Ziel, Mechanik</a:t>
+            </a:r>
+          </a:p>
+          <a:p>
+            <a:pPr marL="0" indent="0">
+              <a:buSzTx/>
+              <a:buNone/>
+              <a:defRPr sz="3000">
+                <a:latin typeface="Arial"/>
+                <a:ea typeface="Arial"/>
+                <a:cs typeface="Arial"/>
+                <a:sym typeface="Arial"/>
+              </a:defRPr>
+            </a:pPr>
+          </a:p>
+          <a:p>
+            <a:pPr marL="0" indent="0">
+              <a:buSzTx/>
+              <a:buNone/>
+              <a:defRPr b="1" sz="3000">
+                <a:latin typeface="Arial"/>
+                <a:ea typeface="Arial"/>
+                <a:cs typeface="Arial"/>
+                <a:sym typeface="Arial"/>
+              </a:defRPr>
+            </a:pPr>
+            <a:r>
+              <a:t>Spieldemonstration</a:t>
+            </a:r>
+          </a:p>
+          <a:p>
+            <a:pPr marL="0" indent="0">
+              <a:buSzTx/>
+              <a:buNone/>
+              <a:defRPr sz="3000">
+                <a:latin typeface="Arial"/>
+                <a:ea typeface="Arial"/>
+                <a:cs typeface="Arial"/>
+                <a:sym typeface="Arial"/>
+              </a:defRPr>
+            </a:pPr>
+          </a:p>
+          <a:p>
+            <a:pPr marL="0" indent="0">
+              <a:buSzTx/>
+              <a:buNone/>
+              <a:defRPr sz="3000">
+                <a:latin typeface="Arial"/>
+                <a:ea typeface="Arial"/>
+                <a:cs typeface="Arial"/>
+                <a:sym typeface="Arial"/>
+              </a:defRPr>
+            </a:pPr>
+            <a:r>
+              <a:t>Technische Eigenheiten</a:t>
+            </a:r>
+          </a:p>
+          <a:p>
+            <a:pPr marL="0" indent="0">
+              <a:buSzTx/>
+              <a:buNone/>
+              <a:defRPr sz="3000">
+                <a:latin typeface="Arial"/>
+                <a:ea typeface="Arial"/>
+                <a:cs typeface="Arial"/>
+                <a:sym typeface="Arial"/>
+              </a:defRPr>
+            </a:pPr>
+          </a:p>
+          <a:p>
+            <a:pPr marL="0" indent="0">
+              <a:buSzTx/>
+              <a:buNone/>
+              <a:defRPr sz="3000">
+                <a:latin typeface="Arial"/>
+                <a:ea typeface="Arial"/>
+                <a:cs typeface="Arial"/>
+                <a:sym typeface="Arial"/>
+              </a:defRPr>
+            </a:pPr>
+            <a:r>
+              <a:t>Lektion gelernt</a:t>
+            </a:r>
+          </a:p>
+        </p:txBody>
+      </p:sp>
+      <p:sp>
+        <p:nvSpPr>
+          <p:cNvPr id="178" name="Shape 178"/>
+          <p:cNvSpPr/>
+          <p:nvPr>
+            <p:ph type="sldNum" sz="quarter" idx="4294967295"/>
+          </p:nvPr>
+        </p:nvSpPr>
+        <p:spPr>
+          <a:xfrm>
+            <a:off x="11169739" y="6404290"/>
+            <a:ext cx="184057" cy="269237"/>
+          </a:xfrm>
+          <a:prstGeom prst="rect">
+            <a:avLst/>
+          </a:prstGeom>
+          <a:extLst>
+            <a:ext uri="{C572A759-6A51-4108-AA02-DFA0A04FC94B}">
+              <ma14:wrappingTextBoxFlag xmlns:ma14="http://schemas.microsoft.com/office/mac/drawingml/2011/main" val="1"/>
+            </a:ext>
+          </a:extLst>
+        </p:spPr>
+        <p:txBody>
+          <a:bodyPr/>
+          <a:lstStyle/>
+          <a:p>
+            <a:pPr/>
+            <a:fld id="{86CB4B4D-7CA3-9044-876B-883B54F8677D}" type="slidenum"/>
+          </a:p>
+        </p:txBody>
+      </p:sp>
+      <p:pic>
+        <p:nvPicPr>
+          <p:cNvPr id="179" name="image6.png" descr="Gamecontroller"/>
+          <p:cNvPicPr>
+            <a:picLocks noChangeAspect="1"/>
+          </p:cNvPicPr>
+          <p:nvPr/>
+        </p:nvPicPr>
+        <p:blipFill>
+          <a:blip r:embed="rId2">
+            <a:extLst/>
+          </a:blip>
+          <a:stretch>
+            <a:fillRect/>
+          </a:stretch>
+        </p:blipFill>
+        <p:spPr>
+          <a:xfrm>
+            <a:off x="795214" y="2306222"/>
+            <a:ext cx="914404" cy="914404"/>
+          </a:xfrm>
+          <a:prstGeom prst="rect">
+            <a:avLst/>
+          </a:prstGeom>
+          <a:ln w="12700">
+            <a:miter lim="400000"/>
+          </a:ln>
+        </p:spPr>
+      </p:pic>
+      <p:sp>
+        <p:nvSpPr>
+          <p:cNvPr id="180" name="Shape 180"/>
+          <p:cNvSpPr/>
+          <p:nvPr>
+            <p:ph type="title"/>
+          </p:nvPr>
+        </p:nvSpPr>
+        <p:spPr>
+          <a:xfrm>
+            <a:off x="0" y="-2"/>
+            <a:ext cx="10515600" cy="720440"/>
+          </a:xfrm>
+          <a:prstGeom prst="rect">
+            <a:avLst/>
+          </a:prstGeom>
+        </p:spPr>
+        <p:txBody>
+          <a:bodyPr/>
+          <a:lstStyle>
+            <a:lvl1pPr>
+              <a:defRPr b="1" sz="2000">
+                <a:latin typeface="Arial"/>
+                <a:ea typeface="Arial"/>
+                <a:cs typeface="Arial"/>
+                <a:sym typeface="Arial"/>
+              </a:defRPr>
+            </a:lvl1pPr>
+          </a:lstStyle>
+          <a:p>
+            <a:pPr/>
+            <a:r>
+              <a:t>	 Übersicht</a:t>
+            </a:r>
+          </a:p>
+        </p:txBody>
+      </p:sp>
+      <p:sp>
+        <p:nvSpPr>
+          <p:cNvPr id="181" name="Shape 181"/>
+          <p:cNvSpPr/>
+          <p:nvPr/>
+        </p:nvSpPr>
+        <p:spPr>
+          <a:xfrm>
+            <a:off x="-16630" y="720436"/>
+            <a:ext cx="3088635" cy="6"/>
+          </a:xfrm>
+          <a:prstGeom prst="line">
+            <a:avLst/>
+          </a:prstGeom>
+          <a:ln w="28575">
+            <a:solidFill>
+              <a:srgbClr val="000000"/>
+            </a:solidFill>
+            <a:miter/>
+          </a:ln>
+          <a:effectLst>
+            <a:outerShdw sx="100000" sy="100000" kx="0" ky="0" algn="b" rotWithShape="0" blurRad="50800" dist="38100" dir="2700000">
+              <a:srgbClr val="000000">
+                <a:alpha val="40000"/>
+              </a:srgbClr>
+            </a:outerShdw>
+          </a:effectLst>
+        </p:spPr>
+        <p:txBody>
+          <a:bodyPr lIns="45718" tIns="45718" rIns="45718" bIns="45718"/>
+          <a:lstStyle/>
+          <a:p>
+            <a:pPr/>
+          </a:p>
+        </p:txBody>
+      </p:sp>
+      <p:pic>
+        <p:nvPicPr>
+          <p:cNvPr id="182" name="image7.png" descr="Präsentation mit Checkliste RNL"/>
+          <p:cNvPicPr>
+            <a:picLocks noChangeAspect="1"/>
+          </p:cNvPicPr>
+          <p:nvPr/>
+        </p:nvPicPr>
+        <p:blipFill>
+          <a:blip r:embed="rId3">
+            <a:extLst/>
+          </a:blip>
+          <a:stretch>
+            <a:fillRect/>
+          </a:stretch>
+        </p:blipFill>
+        <p:spPr>
+          <a:xfrm>
+            <a:off x="298859" y="90214"/>
+            <a:ext cx="540000" cy="540006"/>
+          </a:xfrm>
+          <a:prstGeom prst="rect">
+            <a:avLst/>
+          </a:prstGeom>
+          <a:ln w="12700">
+            <a:miter lim="400000"/>
+          </a:ln>
+        </p:spPr>
+      </p:pic>
+      <p:pic>
+        <p:nvPicPr>
+          <p:cNvPr id="183" name="image8.png" descr="Glühbirne und Zahnrad"/>
+          <p:cNvPicPr>
+            <a:picLocks noChangeAspect="1"/>
+          </p:cNvPicPr>
+          <p:nvPr/>
+        </p:nvPicPr>
+        <p:blipFill>
+          <a:blip r:embed="rId4">
+            <a:extLst/>
+          </a:blip>
+          <a:stretch>
+            <a:fillRect/>
+          </a:stretch>
+        </p:blipFill>
+        <p:spPr>
+          <a:xfrm>
+            <a:off x="795214" y="1241306"/>
+            <a:ext cx="914404" cy="914404"/>
+          </a:xfrm>
+          <a:prstGeom prst="rect">
+            <a:avLst/>
+          </a:prstGeom>
+          <a:ln w="12700">
+            <a:miter lim="400000"/>
+          </a:ln>
+        </p:spPr>
+      </p:pic>
+      <p:pic>
+        <p:nvPicPr>
+          <p:cNvPr id="184" name="image9.png" descr="Fingerabdruck"/>
+          <p:cNvPicPr>
+            <a:picLocks noChangeAspect="1"/>
+          </p:cNvPicPr>
+          <p:nvPr/>
+        </p:nvPicPr>
+        <p:blipFill>
+          <a:blip r:embed="rId5">
+            <a:extLst/>
+          </a:blip>
+          <a:stretch>
+            <a:fillRect/>
+          </a:stretch>
+        </p:blipFill>
+        <p:spPr>
+          <a:xfrm>
+            <a:off x="795217" y="3421174"/>
+            <a:ext cx="914401" cy="914407"/>
+          </a:xfrm>
+          <a:prstGeom prst="rect">
+            <a:avLst/>
+          </a:prstGeom>
+          <a:ln w="12700">
+            <a:miter lim="400000"/>
+          </a:ln>
+        </p:spPr>
+      </p:pic>
+      <p:pic>
+        <p:nvPicPr>
+          <p:cNvPr id="185" name="image10.png" descr="Idee"/>
+          <p:cNvPicPr>
+            <a:picLocks noChangeAspect="1"/>
+          </p:cNvPicPr>
+          <p:nvPr/>
+        </p:nvPicPr>
+        <p:blipFill>
+          <a:blip r:embed="rId6">
+            <a:extLst/>
+          </a:blip>
+          <a:stretch>
+            <a:fillRect/>
+          </a:stretch>
+        </p:blipFill>
+        <p:spPr>
+          <a:xfrm>
+            <a:off x="795214" y="4536125"/>
+            <a:ext cx="914404" cy="914404"/>
+          </a:xfrm>
+          <a:prstGeom prst="rect">
+            <a:avLst/>
+          </a:prstGeom>
+          <a:ln w="12700">
+            <a:miter lim="400000"/>
+          </a:ln>
+        </p:spPr>
+      </p:pic>
+    </p:spTree>
+  </p:cSld>
+  <p:clrMapOvr>
+    <a:masterClrMapping/>
+  </p:clrMapOvr>
+  <p:transition xmlns:p14="http://schemas.microsoft.com/office/powerpoint/2010/main" spd="med" advClick="1" p14:dur="1000"/>
+</p:sld>
+</file>
+
+<file path=ppt/slides/slide7.xml><?xml version="1.0" encoding="utf-8"?>
+<p:sld xmlns:a="http://schemas.openxmlformats.org/drawingml/2006/main" xmlns:r="http://schemas.openxmlformats.org/officeDocument/2006/relationships" xmlns:p="http://schemas.openxmlformats.org/presentationml/2006/main" showMasterSp="1" showMasterPhAnim="1">
+  <p:cSld>
+    <p:spTree>
+      <p:nvGrpSpPr>
+        <p:cNvPr id="1" name=""/>
+        <p:cNvGrpSpPr/>
+        <p:nvPr/>
+      </p:nvGrpSpPr>
+      <p:grpSpPr>
+        <a:xfrm>
+          <a:off x="0" y="0"/>
+          <a:ext cx="0" cy="0"/>
+          <a:chOff x="0" y="0"/>
+          <a:chExt cx="0" cy="0"/>
+        </a:xfrm>
+      </p:grpSpPr>
+      <p:sp>
+        <p:nvSpPr>
+          <p:cNvPr id="187" name="Shape 187"/>
+          <p:cNvSpPr/>
+          <p:nvPr/>
+        </p:nvSpPr>
+        <p:spPr>
+          <a:xfrm>
+            <a:off x="4038600" y="6404292"/>
+            <a:ext cx="4114800" cy="269237"/>
+          </a:xfrm>
+          <a:prstGeom prst="rect">
+            <a:avLst/>
+          </a:prstGeom>
+          <a:ln w="12700">
+            <a:miter lim="400000"/>
+          </a:ln>
+          <a:extLst>
+            <a:ext uri="{C572A759-6A51-4108-AA02-DFA0A04FC94B}">
+              <ma14:wrappingTextBoxFlag xmlns:ma14="http://schemas.microsoft.com/office/mac/drawingml/2011/main" val="1"/>
+            </a:ext>
+          </a:extLst>
+        </p:spPr>
+        <p:txBody>
+          <a:bodyPr lIns="45718" tIns="45718" rIns="45718" bIns="45718" anchor="ctr">
+            <a:spAutoFit/>
+          </a:bodyPr>
+          <a:lstStyle>
+            <a:lvl1pPr algn="ctr">
+              <a:defRPr sz="1200">
+                <a:solidFill>
+                  <a:srgbClr val="888888"/>
+                </a:solidFill>
+              </a:defRPr>
+            </a:lvl1pPr>
+          </a:lstStyle>
+          <a:p>
+            <a:pPr/>
+            <a:r>
+              <a:t>Mlst.-Präsentation Nr. V  /  Gruppe 15</a:t>
+            </a:r>
+          </a:p>
+        </p:txBody>
+      </p:sp>
+      <p:sp>
+        <p:nvSpPr>
+          <p:cNvPr id="188" name="Shape 188"/>
+          <p:cNvSpPr/>
+          <p:nvPr>
+            <p:ph type="body" sz="half" idx="1"/>
+          </p:nvPr>
+        </p:nvSpPr>
+        <p:spPr>
+          <a:xfrm>
+            <a:off x="1889727" y="1485000"/>
+            <a:ext cx="7622080" cy="4351338"/>
+          </a:xfrm>
+          <a:prstGeom prst="rect">
+            <a:avLst/>
+          </a:prstGeom>
+        </p:spPr>
+        <p:txBody>
+          <a:bodyPr/>
+          <a:lstStyle/>
+          <a:p>
+            <a:pPr marL="0" indent="0">
+              <a:buSzTx/>
+              <a:buNone/>
+              <a:defRPr sz="3000">
+                <a:latin typeface="Arial"/>
+                <a:ea typeface="Arial"/>
+                <a:cs typeface="Arial"/>
+                <a:sym typeface="Arial"/>
+              </a:defRPr>
+            </a:pPr>
+            <a:r>
+              <a:t>Skip-Bro: Regeln, Ziel, Mechanik</a:t>
+            </a:r>
+          </a:p>
+          <a:p>
+            <a:pPr marL="0" indent="0">
+              <a:buSzTx/>
+              <a:buNone/>
+              <a:defRPr sz="3000">
+                <a:latin typeface="Arial"/>
+                <a:ea typeface="Arial"/>
+                <a:cs typeface="Arial"/>
+                <a:sym typeface="Arial"/>
+              </a:defRPr>
+            </a:pPr>
+          </a:p>
+          <a:p>
+            <a:pPr marL="0" indent="0">
+              <a:buSzTx/>
+              <a:buNone/>
+              <a:defRPr sz="3000">
+                <a:latin typeface="Arial"/>
+                <a:ea typeface="Arial"/>
+                <a:cs typeface="Arial"/>
+                <a:sym typeface="Arial"/>
+              </a:defRPr>
+            </a:pPr>
+            <a:r>
+              <a:t>Spieldemonstration</a:t>
+            </a:r>
+          </a:p>
+          <a:p>
+            <a:pPr marL="0" indent="0">
+              <a:buSzTx/>
+              <a:buNone/>
+              <a:defRPr sz="3000">
+                <a:latin typeface="Arial"/>
+                <a:ea typeface="Arial"/>
+                <a:cs typeface="Arial"/>
+                <a:sym typeface="Arial"/>
+              </a:defRPr>
+            </a:pPr>
+          </a:p>
+          <a:p>
+            <a:pPr marL="0" indent="0">
+              <a:buSzTx/>
+              <a:buNone/>
+              <a:defRPr b="1" sz="3000">
+                <a:latin typeface="Arial"/>
+                <a:ea typeface="Arial"/>
+                <a:cs typeface="Arial"/>
+                <a:sym typeface="Arial"/>
+              </a:defRPr>
+            </a:pPr>
+            <a:r>
+              <a:t>Technische Eigenheiten</a:t>
+            </a:r>
+          </a:p>
+          <a:p>
+            <a:pPr marL="0" indent="0">
+              <a:buSzTx/>
+              <a:buNone/>
+              <a:defRPr sz="3000">
+                <a:latin typeface="Arial"/>
+                <a:ea typeface="Arial"/>
+                <a:cs typeface="Arial"/>
+                <a:sym typeface="Arial"/>
+              </a:defRPr>
+            </a:pPr>
+          </a:p>
+          <a:p>
+            <a:pPr marL="0" indent="0">
+              <a:buSzTx/>
+              <a:buNone/>
+              <a:defRPr sz="3000">
+                <a:latin typeface="Arial"/>
+                <a:ea typeface="Arial"/>
+                <a:cs typeface="Arial"/>
+                <a:sym typeface="Arial"/>
+              </a:defRPr>
+            </a:pPr>
+            <a:r>
+              <a:t>Lektion gelernt</a:t>
+            </a:r>
+          </a:p>
+        </p:txBody>
+      </p:sp>
+      <p:sp>
+        <p:nvSpPr>
+          <p:cNvPr id="189" name="Shape 189"/>
+          <p:cNvSpPr/>
+          <p:nvPr>
+            <p:ph type="sldNum" sz="quarter" idx="4294967295"/>
+          </p:nvPr>
+        </p:nvSpPr>
+        <p:spPr>
+          <a:xfrm>
+            <a:off x="11169739" y="6404292"/>
+            <a:ext cx="184057" cy="269237"/>
+          </a:xfrm>
+          <a:prstGeom prst="rect">
+            <a:avLst/>
+          </a:prstGeom>
+          <a:extLst>
+            <a:ext uri="{C572A759-6A51-4108-AA02-DFA0A04FC94B}">
+              <ma14:wrappingTextBoxFlag xmlns:ma14="http://schemas.microsoft.com/office/mac/drawingml/2011/main" val="1"/>
+            </a:ext>
+          </a:extLst>
+        </p:spPr>
+        <p:txBody>
+          <a:bodyPr/>
+          <a:lstStyle/>
+          <a:p>
+            <a:pPr/>
+            <a:fld id="{86CB4B4D-7CA3-9044-876B-883B54F8677D}" type="slidenum"/>
+          </a:p>
+        </p:txBody>
+      </p:sp>
+      <p:pic>
+        <p:nvPicPr>
+          <p:cNvPr id="190" name="image6.png" descr="Gamecontroller"/>
+          <p:cNvPicPr>
+            <a:picLocks noChangeAspect="1"/>
+          </p:cNvPicPr>
+          <p:nvPr/>
+        </p:nvPicPr>
+        <p:blipFill>
+          <a:blip r:embed="rId2">
+            <a:extLst/>
+          </a:blip>
+          <a:stretch>
+            <a:fillRect/>
+          </a:stretch>
+        </p:blipFill>
+        <p:spPr>
+          <a:xfrm>
+            <a:off x="795214" y="2306222"/>
+            <a:ext cx="914404" cy="914404"/>
+          </a:xfrm>
+          <a:prstGeom prst="rect">
+            <a:avLst/>
+          </a:prstGeom>
+          <a:ln w="12700">
+            <a:miter lim="400000"/>
+          </a:ln>
+        </p:spPr>
+      </p:pic>
+      <p:sp>
+        <p:nvSpPr>
+          <p:cNvPr id="191" name="Shape 191"/>
+          <p:cNvSpPr/>
+          <p:nvPr>
+            <p:ph type="title"/>
+          </p:nvPr>
+        </p:nvSpPr>
+        <p:spPr>
+          <a:xfrm>
+            <a:off x="0" y="-2"/>
+            <a:ext cx="10515600" cy="720440"/>
+          </a:xfrm>
+          <a:prstGeom prst="rect">
+            <a:avLst/>
+          </a:prstGeom>
+        </p:spPr>
+        <p:txBody>
+          <a:bodyPr/>
+          <a:lstStyle>
+            <a:lvl1pPr>
+              <a:defRPr b="1" sz="2000">
+                <a:latin typeface="Arial"/>
+                <a:ea typeface="Arial"/>
+                <a:cs typeface="Arial"/>
+                <a:sym typeface="Arial"/>
+              </a:defRPr>
+            </a:lvl1pPr>
+          </a:lstStyle>
+          <a:p>
+            <a:pPr/>
+            <a:r>
+              <a:t>	 Übersicht</a:t>
+            </a:r>
+          </a:p>
+        </p:txBody>
+      </p:sp>
+      <p:sp>
+        <p:nvSpPr>
+          <p:cNvPr id="192" name="Shape 192"/>
+          <p:cNvSpPr/>
+          <p:nvPr/>
+        </p:nvSpPr>
+        <p:spPr>
+          <a:xfrm>
+            <a:off x="-16630" y="720436"/>
+            <a:ext cx="3088635" cy="7"/>
+          </a:xfrm>
+          <a:prstGeom prst="line">
+            <a:avLst/>
+          </a:prstGeom>
+          <a:ln w="28575">
+            <a:solidFill>
+              <a:srgbClr val="000000"/>
+            </a:solidFill>
+            <a:miter/>
+          </a:ln>
+          <a:effectLst>
+            <a:outerShdw sx="100000" sy="100000" kx="0" ky="0" algn="b" rotWithShape="0" blurRad="50800" dist="38100" dir="2700000">
+              <a:srgbClr val="000000">
+                <a:alpha val="40000"/>
+              </a:srgbClr>
+            </a:outerShdw>
+          </a:effectLst>
+        </p:spPr>
+        <p:txBody>
+          <a:bodyPr lIns="45718" tIns="45718" rIns="45718" bIns="45718"/>
+          <a:lstStyle/>
+          <a:p>
+            <a:pPr/>
+          </a:p>
+        </p:txBody>
+      </p:sp>
+      <p:pic>
+        <p:nvPicPr>
+          <p:cNvPr id="193" name="image7.png" descr="Präsentation mit Checkliste RNL"/>
+          <p:cNvPicPr>
+            <a:picLocks noChangeAspect="1"/>
+          </p:cNvPicPr>
+          <p:nvPr/>
+        </p:nvPicPr>
+        <p:blipFill>
+          <a:blip r:embed="rId3">
+            <a:extLst/>
+          </a:blip>
+          <a:stretch>
+            <a:fillRect/>
+          </a:stretch>
+        </p:blipFill>
+        <p:spPr>
+          <a:xfrm>
+            <a:off x="298859" y="90214"/>
+            <a:ext cx="540000" cy="540006"/>
+          </a:xfrm>
+          <a:prstGeom prst="rect">
+            <a:avLst/>
+          </a:prstGeom>
+          <a:ln w="12700">
+            <a:miter lim="400000"/>
+          </a:ln>
+        </p:spPr>
+      </p:pic>
+      <p:pic>
+        <p:nvPicPr>
+          <p:cNvPr id="194" name="image8.png" descr="Glühbirne und Zahnrad"/>
+          <p:cNvPicPr>
+            <a:picLocks noChangeAspect="1"/>
+          </p:cNvPicPr>
+          <p:nvPr/>
+        </p:nvPicPr>
+        <p:blipFill>
+          <a:blip r:embed="rId4">
+            <a:extLst/>
+          </a:blip>
+          <a:stretch>
+            <a:fillRect/>
+          </a:stretch>
+        </p:blipFill>
+        <p:spPr>
+          <a:xfrm>
+            <a:off x="795214" y="1241306"/>
+            <a:ext cx="914404" cy="914404"/>
+          </a:xfrm>
+          <a:prstGeom prst="rect">
+            <a:avLst/>
+          </a:prstGeom>
+          <a:ln w="12700">
+            <a:miter lim="400000"/>
+          </a:ln>
+        </p:spPr>
+      </p:pic>
+      <p:pic>
+        <p:nvPicPr>
+          <p:cNvPr id="195" name="image9.png" descr="Fingerabdruck"/>
+          <p:cNvPicPr>
+            <a:picLocks noChangeAspect="1"/>
+          </p:cNvPicPr>
+          <p:nvPr/>
+        </p:nvPicPr>
+        <p:blipFill>
+          <a:blip r:embed="rId5">
+            <a:extLst/>
+          </a:blip>
+          <a:stretch>
+            <a:fillRect/>
+          </a:stretch>
+        </p:blipFill>
+        <p:spPr>
+          <a:xfrm>
+            <a:off x="795217" y="3421174"/>
+            <a:ext cx="914401" cy="914407"/>
+          </a:xfrm>
+          <a:prstGeom prst="rect">
+            <a:avLst/>
+          </a:prstGeom>
+          <a:ln w="12700">
+            <a:miter lim="400000"/>
+          </a:ln>
+        </p:spPr>
+      </p:pic>
+      <p:pic>
+        <p:nvPicPr>
+          <p:cNvPr id="196" name="image10.png" descr="Idee"/>
+          <p:cNvPicPr>
+            <a:picLocks noChangeAspect="1"/>
+          </p:cNvPicPr>
+          <p:nvPr/>
+        </p:nvPicPr>
+        <p:blipFill>
+          <a:blip r:embed="rId6">
+            <a:extLst/>
+          </a:blip>
+          <a:stretch>
+            <a:fillRect/>
+          </a:stretch>
+        </p:blipFill>
+        <p:spPr>
+          <a:xfrm>
+            <a:off x="795214" y="4536125"/>
+            <a:ext cx="914404" cy="914404"/>
+          </a:xfrm>
+          <a:prstGeom prst="rect">
+            <a:avLst/>
+          </a:prstGeom>
+          <a:ln w="12700">
+            <a:miter lim="400000"/>
+          </a:ln>
+        </p:spPr>
+      </p:pic>
+    </p:spTree>
+  </p:cSld>
+  <p:clrMapOvr>
+    <a:masterClrMapping/>
+  </p:clrMapOvr>
+  <p:transition xmlns:p14="http://schemas.microsoft.com/office/powerpoint/2010/main" spd="med" advClick="1" p14:dur="1000"/>
+</p:sld>
+</file>
+
+<file path=ppt/slides/slide8.xml><?xml version="1.0" encoding="utf-8"?>
+<p:sld xmlns:a="http://schemas.openxmlformats.org/drawingml/2006/main" xmlns:r="http://schemas.openxmlformats.org/officeDocument/2006/relationships" xmlns:p="http://schemas.openxmlformats.org/presentationml/2006/main" showMasterSp="1" showMasterPhAnim="1">
+  <p:cSld>
+    <p:spTree>
+      <p:nvGrpSpPr>
+        <p:cNvPr id="1" name=""/>
+        <p:cNvGrpSpPr/>
+        <p:nvPr/>
+      </p:nvGrpSpPr>
+      <p:grpSpPr>
+        <a:xfrm>
+          <a:off x="0" y="0"/>
+          <a:ext cx="0" cy="0"/>
+          <a:chOff x="0" y="0"/>
+          <a:chExt cx="0" cy="0"/>
+        </a:xfrm>
+      </p:grpSpPr>
+      <p:sp>
+        <p:nvSpPr>
+          <p:cNvPr id="198" name="Shape 198"/>
+          <p:cNvSpPr/>
+          <p:nvPr/>
+        </p:nvSpPr>
+        <p:spPr>
+          <a:xfrm>
+            <a:off x="4038600" y="6404292"/>
+            <a:ext cx="4114800" cy="269237"/>
+          </a:xfrm>
+          <a:prstGeom prst="rect">
+            <a:avLst/>
+          </a:prstGeom>
+          <a:ln w="12700">
+            <a:miter lim="400000"/>
+          </a:ln>
+          <a:extLst>
+            <a:ext uri="{C572A759-6A51-4108-AA02-DFA0A04FC94B}">
+              <ma14:wrappingTextBoxFlag xmlns:ma14="http://schemas.microsoft.com/office/mac/drawingml/2011/main" val="1"/>
+            </a:ext>
+          </a:extLst>
+        </p:spPr>
+        <p:txBody>
+          <a:bodyPr lIns="45718" tIns="45718" rIns="45718" bIns="45718" anchor="ctr">
+            <a:spAutoFit/>
+          </a:bodyPr>
+          <a:lstStyle>
+            <a:lvl1pPr algn="ctr">
+              <a:defRPr sz="1200">
+                <a:solidFill>
+                  <a:srgbClr val="888888"/>
+                </a:solidFill>
+              </a:defRPr>
+            </a:lvl1pPr>
+          </a:lstStyle>
+          <a:p>
+            <a:pPr/>
+            <a:r>
+              <a:t>Mlst.-Präsentation Nr. V  /  Gruppe 15</a:t>
+            </a:r>
+          </a:p>
+        </p:txBody>
+      </p:sp>
+      <p:sp>
+        <p:nvSpPr>
+          <p:cNvPr id="199" name="Shape 199"/>
+          <p:cNvSpPr/>
+          <p:nvPr>
+            <p:ph type="title"/>
+          </p:nvPr>
+        </p:nvSpPr>
+        <p:spPr>
+          <a:xfrm>
+            <a:off x="0" y="-2"/>
+            <a:ext cx="10515600" cy="720440"/>
+          </a:xfrm>
+          <a:prstGeom prst="rect">
+            <a:avLst/>
+          </a:prstGeom>
+        </p:spPr>
+        <p:txBody>
+          <a:bodyPr/>
+          <a:lstStyle>
+            <a:lvl1pPr>
+              <a:defRPr b="1" sz="2000">
+                <a:latin typeface="Arial"/>
+                <a:ea typeface="Arial"/>
+                <a:cs typeface="Arial"/>
+                <a:sym typeface="Arial"/>
+              </a:defRPr>
+            </a:lvl1pPr>
+          </a:lstStyle>
+          <a:p>
+            <a:pPr/>
+            <a:r>
+              <a:t>	Technische Eigenheiten</a:t>
+            </a:r>
+          </a:p>
+        </p:txBody>
+      </p:sp>
+      <p:sp>
+        <p:nvSpPr>
+          <p:cNvPr id="200" name="Shape 200"/>
+          <p:cNvSpPr/>
+          <p:nvPr>
+            <p:ph type="sldNum" sz="quarter" idx="4294967295"/>
+          </p:nvPr>
+        </p:nvSpPr>
+        <p:spPr>
+          <a:xfrm>
+            <a:off x="11169739" y="6404292"/>
+            <a:ext cx="184057" cy="269237"/>
+          </a:xfrm>
+          <a:prstGeom prst="rect">
+            <a:avLst/>
+          </a:prstGeom>
+          <a:extLst>
+            <a:ext uri="{C572A759-6A51-4108-AA02-DFA0A04FC94B}">
+              <ma14:wrappingTextBoxFlag xmlns:ma14="http://schemas.microsoft.com/office/mac/drawingml/2011/main" val="1"/>
+            </a:ext>
+          </a:extLst>
+        </p:spPr>
+        <p:txBody>
+          <a:bodyPr/>
+          <a:lstStyle/>
+          <a:p>
+            <a:pPr/>
+            <a:fld id="{86CB4B4D-7CA3-9044-876B-883B54F8677D}" type="slidenum"/>
+          </a:p>
+        </p:txBody>
+      </p:sp>
+      <p:sp>
+        <p:nvSpPr>
+          <p:cNvPr id="201" name="Shape 201"/>
+          <p:cNvSpPr/>
+          <p:nvPr/>
+        </p:nvSpPr>
+        <p:spPr>
+          <a:xfrm>
+            <a:off x="-11087" y="720436"/>
+            <a:ext cx="4584010" cy="7"/>
+          </a:xfrm>
+          <a:prstGeom prst="line">
+            <a:avLst/>
+          </a:prstGeom>
+          <a:ln w="28575">
+            <a:solidFill>
+              <a:srgbClr val="000000"/>
+            </a:solidFill>
+            <a:miter/>
+          </a:ln>
+          <a:effectLst>
+            <a:outerShdw sx="100000" sy="100000" kx="0" ky="0" algn="b" rotWithShape="0" blurRad="50800" dist="38100" dir="2700000">
+              <a:srgbClr val="000000">
+                <a:alpha val="40000"/>
+              </a:srgbClr>
+            </a:outerShdw>
+          </a:effectLst>
+        </p:spPr>
+        <p:txBody>
+          <a:bodyPr lIns="45718" tIns="45718" rIns="45718" bIns="45718"/>
+          <a:lstStyle/>
+          <a:p>
+            <a:pPr/>
+          </a:p>
+        </p:txBody>
+      </p:sp>
+      <p:pic>
+        <p:nvPicPr>
+          <p:cNvPr id="202" name="image9.png" descr="Fingerabdruck"/>
+          <p:cNvPicPr>
+            <a:picLocks noChangeAspect="1"/>
+          </p:cNvPicPr>
+          <p:nvPr/>
+        </p:nvPicPr>
+        <p:blipFill>
+          <a:blip r:embed="rId2">
+            <a:extLst/>
+          </a:blip>
+          <a:stretch>
+            <a:fillRect/>
+          </a:stretch>
+        </p:blipFill>
+        <p:spPr>
+          <a:xfrm>
+            <a:off x="263999" y="86301"/>
+            <a:ext cx="547828" cy="547833"/>
+          </a:xfrm>
+          <a:prstGeom prst="rect">
+            <a:avLst/>
+          </a:prstGeom>
+          <a:ln w="12700">
+            <a:miter lim="400000"/>
+          </a:ln>
+        </p:spPr>
+      </p:pic>
+      <p:sp>
+        <p:nvSpPr>
+          <p:cNvPr id="203" name="Shape 203"/>
+          <p:cNvSpPr/>
+          <p:nvPr/>
+        </p:nvSpPr>
+        <p:spPr>
+          <a:xfrm>
+            <a:off x="848482" y="1703706"/>
+            <a:ext cx="5392887" cy="3450587"/>
+          </a:xfrm>
+          <a:prstGeom prst="rect">
+            <a:avLst/>
+          </a:prstGeom>
+          <a:ln w="12700">
+            <a:miter lim="400000"/>
+          </a:ln>
+          <a:extLst>
+            <a:ext uri="{C572A759-6A51-4108-AA02-DFA0A04FC94B}">
+              <ma14:wrappingTextBoxFlag xmlns:ma14="http://schemas.microsoft.com/office/mac/drawingml/2011/main" val="1"/>
+            </a:ext>
+          </a:extLst>
+        </p:spPr>
+        <p:txBody>
+          <a:bodyPr wrap="none" lIns="45718" tIns="45718" rIns="45718" bIns="45718">
+            <a:spAutoFit/>
+          </a:bodyPr>
+          <a:lstStyle/>
+          <a:p>
+            <a:pPr marL="180472" indent="-180472">
+              <a:lnSpc>
+                <a:spcPct val="150000"/>
+              </a:lnSpc>
+              <a:buSzPct val="100000"/>
+              <a:buChar char="•"/>
+              <a:defRPr b="1" sz="2000"/>
+            </a:pPr>
+            <a:r>
+              <a:t>Apache Log4j2</a:t>
+            </a:r>
+          </a:p>
+          <a:p>
+            <a:pPr marL="180472" indent="-180472">
+              <a:lnSpc>
+                <a:spcPct val="120000"/>
+              </a:lnSpc>
+              <a:buSzPct val="100000"/>
+              <a:buChar char="•"/>
+              <a:defRPr b="1" sz="2000"/>
+            </a:pPr>
+            <a:r>
+              <a:t>MP3SPI</a:t>
+            </a:r>
+          </a:p>
+          <a:p>
+            <a:pPr lvl="1" marL="561471" indent="-180472">
+              <a:lnSpc>
+                <a:spcPct val="120000"/>
+              </a:lnSpc>
+              <a:buSzPct val="100000"/>
+              <a:buChar char="•"/>
+              <a:defRPr sz="2000"/>
+            </a:pPr>
+            <a:r>
+              <a:t>Ermöglicht abspielen von mp3 Dateien</a:t>
+            </a:r>
+          </a:p>
+          <a:p>
+            <a:pPr lvl="1" marL="561471" indent="-180472">
+              <a:lnSpc>
+                <a:spcPct val="120000"/>
+              </a:lnSpc>
+              <a:buSzPct val="100000"/>
+              <a:buChar char="•"/>
+              <a:defRPr sz="2000"/>
+            </a:pPr>
+            <a:r>
+              <a:t>Intuitive Implementation</a:t>
+            </a:r>
+          </a:p>
+          <a:p>
+            <a:pPr lvl="1" marL="561471" indent="-180472">
+              <a:lnSpc>
+                <a:spcPct val="150000"/>
+              </a:lnSpc>
+              <a:buSzPct val="100000"/>
+              <a:buChar char="•"/>
+              <a:defRPr sz="2000"/>
+            </a:pPr>
+            <a:r>
+              <a:t>Eigenhändige Ergänzungen</a:t>
+            </a:r>
+          </a:p>
+          <a:p>
+            <a:pPr marL="180472" indent="-180472">
+              <a:lnSpc>
+                <a:spcPct val="120000"/>
+              </a:lnSpc>
+              <a:buSzPct val="100000"/>
+              <a:buChar char="•"/>
+              <a:defRPr b="1" sz="2000"/>
+            </a:pPr>
+            <a:r>
+              <a:t>WrapEditorKit Klasse</a:t>
+            </a:r>
+          </a:p>
+          <a:p>
+            <a:pPr lvl="1" marL="561471" indent="-180472">
+              <a:lnSpc>
+                <a:spcPct val="150000"/>
+              </a:lnSpc>
+              <a:buSzPct val="100000"/>
+              <a:buChar char="•"/>
+              <a:defRPr sz="2000"/>
+            </a:pPr>
+            <a:r>
+              <a:t>Hilft zur korrekten Darstellung des Chats</a:t>
+            </a:r>
+          </a:p>
+          <a:p>
+            <a:pPr marL="180472" indent="-180472">
+              <a:lnSpc>
+                <a:spcPct val="120000"/>
+              </a:lnSpc>
+              <a:buSzPct val="100000"/>
+              <a:buChar char="•"/>
+              <a:defRPr b="1" sz="2000"/>
+            </a:pPr>
+            <a:r>
+              <a:t>Timer</a:t>
+            </a:r>
+          </a:p>
+          <a:p>
+            <a:pPr lvl="1" marL="561471" indent="-180472">
+              <a:lnSpc>
+                <a:spcPct val="120000"/>
+              </a:lnSpc>
+              <a:buSzPct val="100000"/>
+              <a:buChar char="•"/>
+              <a:defRPr sz="2000"/>
+            </a:pPr>
+            <a:r>
+              <a:t>Verzögerter Ausführung von Tasks</a:t>
+            </a:r>
+          </a:p>
+        </p:txBody>
+      </p:sp>
+    </p:spTree>
+  </p:cSld>
+  <p:clrMapOvr>
+    <a:masterClrMapping/>
+  </p:clrMapOvr>
+  <p:transition xmlns:p14="http://schemas.microsoft.com/office/powerpoint/2010/main" spd="med" advClick="1" p14:dur="1000"/>
+</p:sld>
+</file>
+
+<file path=ppt/slides/slide9.xml><?xml version="1.0" encoding="utf-8"?>
+<p:sld xmlns:a="http://schemas.openxmlformats.org/drawingml/2006/main" xmlns:r="http://schemas.openxmlformats.org/officeDocument/2006/relationships" xmlns:p="http://schemas.openxmlformats.org/presentationml/2006/main" showMasterSp="1" showMasterPhAnim="1">
+  <p:cSld>
+    <p:spTree>
+      <p:nvGrpSpPr>
+        <p:cNvPr id="1" name=""/>
+        <p:cNvGrpSpPr/>
+        <p:nvPr/>
+      </p:nvGrpSpPr>
+      <p:grpSpPr>
+        <a:xfrm>
+          <a:off x="0" y="0"/>
+          <a:ext cx="0" cy="0"/>
+          <a:chOff x="0" y="0"/>
+          <a:chExt cx="0" cy="0"/>
+        </a:xfrm>
+      </p:grpSpPr>
+      <p:sp>
+        <p:nvSpPr>
+          <p:cNvPr id="205" name="Shape 205"/>
+          <p:cNvSpPr/>
+          <p:nvPr/>
+        </p:nvSpPr>
+        <p:spPr>
+          <a:xfrm>
+            <a:off x="4038600" y="6404292"/>
+            <a:ext cx="4114800" cy="269237"/>
+          </a:xfrm>
+          <a:prstGeom prst="rect">
+            <a:avLst/>
+          </a:prstGeom>
+          <a:ln w="12700">
+            <a:miter lim="400000"/>
+          </a:ln>
+          <a:extLst>
+            <a:ext uri="{C572A759-6A51-4108-AA02-DFA0A04FC94B}">
+              <ma14:wrappingTextBoxFlag xmlns:ma14="http://schemas.microsoft.com/office/mac/drawingml/2011/main" val="1"/>
+            </a:ext>
+          </a:extLst>
+        </p:spPr>
+        <p:txBody>
+          <a:bodyPr lIns="45718" tIns="45718" rIns="45718" bIns="45718" anchor="ctr">
+            <a:spAutoFit/>
+          </a:bodyPr>
+          <a:lstStyle>
+            <a:lvl1pPr algn="ctr">
+              <a:defRPr sz="1200">
+                <a:solidFill>
+                  <a:srgbClr val="888888"/>
+                </a:solidFill>
+              </a:defRPr>
+            </a:lvl1pPr>
+          </a:lstStyle>
+          <a:p>
+            <a:pPr/>
+            <a:r>
+              <a:t>Mlst.-Präsentation Nr. V  /  Gruppe 15</a:t>
+            </a:r>
+          </a:p>
+        </p:txBody>
+      </p:sp>
+      <p:sp>
+        <p:nvSpPr>
+          <p:cNvPr id="206" name="Shape 206"/>
+          <p:cNvSpPr/>
+          <p:nvPr>
+            <p:ph type="body" sz="half" idx="1"/>
+          </p:nvPr>
+        </p:nvSpPr>
+        <p:spPr>
+          <a:xfrm>
+            <a:off x="1889727" y="1485000"/>
+            <a:ext cx="7622080" cy="4351338"/>
+          </a:xfrm>
+          <a:prstGeom prst="rect">
+            <a:avLst/>
+          </a:prstGeom>
+        </p:spPr>
+        <p:txBody>
+          <a:bodyPr/>
+          <a:lstStyle/>
+          <a:p>
+            <a:pPr marL="0" indent="0">
+              <a:buSzTx/>
+              <a:buNone/>
+              <a:defRPr sz="3000">
+                <a:latin typeface="Arial"/>
+                <a:ea typeface="Arial"/>
+                <a:cs typeface="Arial"/>
+                <a:sym typeface="Arial"/>
+              </a:defRPr>
+            </a:pPr>
+            <a:r>
+              <a:t>Skip-Bro: Regeln, Ziel, Mechanik</a:t>
+            </a:r>
+          </a:p>
+          <a:p>
+            <a:pPr marL="0" indent="0">
+              <a:buSzTx/>
+              <a:buNone/>
+              <a:defRPr sz="3000">
+                <a:latin typeface="Arial"/>
+                <a:ea typeface="Arial"/>
+                <a:cs typeface="Arial"/>
+                <a:sym typeface="Arial"/>
+              </a:defRPr>
+            </a:pPr>
+          </a:p>
+          <a:p>
+            <a:pPr marL="0" indent="0">
+              <a:buSzTx/>
+              <a:buNone/>
+              <a:defRPr sz="3000">
+                <a:latin typeface="Arial"/>
+                <a:ea typeface="Arial"/>
+                <a:cs typeface="Arial"/>
+                <a:sym typeface="Arial"/>
+              </a:defRPr>
+            </a:pPr>
+            <a:r>
+              <a:t>Spieldemonstration</a:t>
+            </a:r>
+          </a:p>
+          <a:p>
+            <a:pPr marL="0" indent="0">
+              <a:buSzTx/>
+              <a:buNone/>
+              <a:defRPr sz="3000">
+                <a:latin typeface="Arial"/>
+                <a:ea typeface="Arial"/>
+                <a:cs typeface="Arial"/>
+                <a:sym typeface="Arial"/>
+              </a:defRPr>
+            </a:pPr>
+          </a:p>
+          <a:p>
+            <a:pPr marL="0" indent="0">
+              <a:buSzTx/>
+              <a:buNone/>
+              <a:defRPr sz="3000">
+                <a:latin typeface="Arial"/>
+                <a:ea typeface="Arial"/>
+                <a:cs typeface="Arial"/>
+                <a:sym typeface="Arial"/>
+              </a:defRPr>
+            </a:pPr>
+            <a:r>
+              <a:t>Technische Eigenheiten</a:t>
+            </a:r>
+          </a:p>
+          <a:p>
+            <a:pPr marL="0" indent="0">
+              <a:buSzTx/>
+              <a:buNone/>
+              <a:defRPr sz="3000">
+                <a:latin typeface="Arial"/>
+                <a:ea typeface="Arial"/>
+                <a:cs typeface="Arial"/>
+                <a:sym typeface="Arial"/>
+              </a:defRPr>
+            </a:pPr>
+          </a:p>
+          <a:p>
+            <a:pPr marL="0" indent="0">
+              <a:buSzTx/>
+              <a:buNone/>
+              <a:defRPr b="1" sz="3000">
+                <a:latin typeface="Arial"/>
+                <a:ea typeface="Arial"/>
+                <a:cs typeface="Arial"/>
+                <a:sym typeface="Arial"/>
+              </a:defRPr>
+            </a:pPr>
+            <a:r>
+              <a:t>Lektion gelernt</a:t>
+            </a:r>
+          </a:p>
+        </p:txBody>
+      </p:sp>
+      <p:sp>
+        <p:nvSpPr>
+          <p:cNvPr id="207" name="Shape 207"/>
+          <p:cNvSpPr/>
+          <p:nvPr>
+            <p:ph type="sldNum" sz="quarter" idx="4294967295"/>
+          </p:nvPr>
+        </p:nvSpPr>
+        <p:spPr>
+          <a:xfrm>
+            <a:off x="11169739" y="6404292"/>
+            <a:ext cx="184057" cy="269237"/>
+          </a:xfrm>
+          <a:prstGeom prst="rect">
+            <a:avLst/>
+          </a:prstGeom>
+          <a:extLst>
+            <a:ext uri="{C572A759-6A51-4108-AA02-DFA0A04FC94B}">
+              <ma14:wrappingTextBoxFlag xmlns:ma14="http://schemas.microsoft.com/office/mac/drawingml/2011/main" val="1"/>
+            </a:ext>
+          </a:extLst>
+        </p:spPr>
+        <p:txBody>
+          <a:bodyPr/>
+          <a:lstStyle/>
+          <a:p>
+            <a:pPr/>
+            <a:fld id="{86CB4B4D-7CA3-9044-876B-883B54F8677D}" type="slidenum"/>
+          </a:p>
+        </p:txBody>
+      </p:sp>
+      <p:pic>
+        <p:nvPicPr>
+          <p:cNvPr id="208" name="image6.png" descr="Gamecontroller"/>
+          <p:cNvPicPr>
+            <a:picLocks noChangeAspect="1"/>
+          </p:cNvPicPr>
+          <p:nvPr/>
+        </p:nvPicPr>
+        <p:blipFill>
+          <a:blip r:embed="rId2">
+            <a:extLst/>
+          </a:blip>
+          <a:stretch>
+            <a:fillRect/>
+          </a:stretch>
+        </p:blipFill>
+        <p:spPr>
+          <a:xfrm>
+            <a:off x="795214" y="2306222"/>
+            <a:ext cx="914404" cy="914404"/>
+          </a:xfrm>
+          <a:prstGeom prst="rect">
+            <a:avLst/>
+          </a:prstGeom>
+          <a:ln w="12700">
+            <a:miter lim="400000"/>
+          </a:ln>
+        </p:spPr>
+      </p:pic>
+      <p:sp>
+        <p:nvSpPr>
+          <p:cNvPr id="209" name="Shape 209"/>
+          <p:cNvSpPr/>
+          <p:nvPr>
+            <p:ph type="title"/>
+          </p:nvPr>
+        </p:nvSpPr>
+        <p:spPr>
+          <a:xfrm>
+            <a:off x="0" y="-2"/>
+            <a:ext cx="10515600" cy="720440"/>
+          </a:xfrm>
+          <a:prstGeom prst="rect">
+            <a:avLst/>
+          </a:prstGeom>
+        </p:spPr>
+        <p:txBody>
+          <a:bodyPr/>
+          <a:lstStyle>
+            <a:lvl1pPr>
+              <a:defRPr b="1" sz="2000">
+                <a:latin typeface="Arial"/>
+                <a:ea typeface="Arial"/>
+                <a:cs typeface="Arial"/>
+                <a:sym typeface="Arial"/>
+              </a:defRPr>
+            </a:lvl1pPr>
+          </a:lstStyle>
+          <a:p>
+            <a:pPr/>
+            <a:r>
+              <a:t>	 Übersicht</a:t>
+            </a:r>
+          </a:p>
+        </p:txBody>
+      </p:sp>
+      <p:sp>
+        <p:nvSpPr>
+          <p:cNvPr id="210" name="Shape 210"/>
+          <p:cNvSpPr/>
+          <p:nvPr/>
+        </p:nvSpPr>
+        <p:spPr>
+          <a:xfrm>
+            <a:off x="-16630" y="720436"/>
+            <a:ext cx="3088635" cy="7"/>
+          </a:xfrm>
+          <a:prstGeom prst="line">
+            <a:avLst/>
+          </a:prstGeom>
+          <a:ln w="28575">
+            <a:solidFill>
+              <a:srgbClr val="000000"/>
+            </a:solidFill>
+            <a:miter/>
+          </a:ln>
+          <a:effectLst>
+            <a:outerShdw sx="100000" sy="100000" kx="0" ky="0" algn="b" rotWithShape="0" blurRad="50800" dist="38100" dir="2700000">
+              <a:srgbClr val="000000">
+                <a:alpha val="40000"/>
+              </a:srgbClr>
+            </a:outerShdw>
+          </a:effectLst>
+        </p:spPr>
+        <p:txBody>
+          <a:bodyPr lIns="45718" tIns="45718" rIns="45718" bIns="45718"/>
+          <a:lstStyle/>
+          <a:p>
+            <a:pPr/>
+          </a:p>
+        </p:txBody>
+      </p:sp>
+      <p:pic>
+        <p:nvPicPr>
+          <p:cNvPr id="211" name="image7.png" descr="Präsentation mit Checkliste RNL"/>
+          <p:cNvPicPr>
+            <a:picLocks noChangeAspect="1"/>
+          </p:cNvPicPr>
+          <p:nvPr/>
+        </p:nvPicPr>
+        <p:blipFill>
+          <a:blip r:embed="rId3">
+            <a:extLst/>
+          </a:blip>
+          <a:stretch>
+            <a:fillRect/>
+          </a:stretch>
+        </p:blipFill>
+        <p:spPr>
+          <a:xfrm>
+            <a:off x="298859" y="90214"/>
+            <a:ext cx="540000" cy="540006"/>
+          </a:xfrm>
+          <a:prstGeom prst="rect">
+            <a:avLst/>
+          </a:prstGeom>
+          <a:ln w="12700">
+            <a:miter lim="400000"/>
+          </a:ln>
+        </p:spPr>
+      </p:pic>
+      <p:pic>
+        <p:nvPicPr>
+          <p:cNvPr id="212" name="image8.png" descr="Glühbirne und Zahnrad"/>
+          <p:cNvPicPr>
+            <a:picLocks noChangeAspect="1"/>
+          </p:cNvPicPr>
+          <p:nvPr/>
+        </p:nvPicPr>
+        <p:blipFill>
+          <a:blip r:embed="rId4">
+            <a:extLst/>
+          </a:blip>
+          <a:stretch>
+            <a:fillRect/>
+          </a:stretch>
+        </p:blipFill>
+        <p:spPr>
+          <a:xfrm>
+            <a:off x="795214" y="1241306"/>
+            <a:ext cx="914404" cy="914404"/>
+          </a:xfrm>
+          <a:prstGeom prst="rect">
+            <a:avLst/>
+          </a:prstGeom>
+          <a:ln w="12700">
+            <a:miter lim="400000"/>
+          </a:ln>
+        </p:spPr>
+      </p:pic>
+      <p:pic>
+        <p:nvPicPr>
+          <p:cNvPr id="213" name="image9.png" descr="Fingerabdruck"/>
+          <p:cNvPicPr>
+            <a:picLocks noChangeAspect="1"/>
+          </p:cNvPicPr>
+          <p:nvPr/>
+        </p:nvPicPr>
+        <p:blipFill>
+          <a:blip r:embed="rId5">
+            <a:extLst/>
+          </a:blip>
+          <a:stretch>
+            <a:fillRect/>
+          </a:stretch>
+        </p:blipFill>
+        <p:spPr>
+          <a:xfrm>
+            <a:off x="795217" y="3421174"/>
+            <a:ext cx="914401" cy="914407"/>
+          </a:xfrm>
+          <a:prstGeom prst="rect">
+            <a:avLst/>
+          </a:prstGeom>
+          <a:ln w="12700">
+            <a:miter lim="400000"/>
+          </a:ln>
+        </p:spPr>
+      </p:pic>
+      <p:pic>
+        <p:nvPicPr>
+          <p:cNvPr id="214" name="image10.png" descr="Idee"/>
+          <p:cNvPicPr>
+            <a:picLocks noChangeAspect="1"/>
+          </p:cNvPicPr>
+          <p:nvPr/>
+        </p:nvPicPr>
+        <p:blipFill>
+          <a:blip r:embed="rId6">
+            <a:extLst/>
+          </a:blip>
+          <a:stretch>
+            <a:fillRect/>
+          </a:stretch>
+        </p:blipFill>
+        <p:spPr>
+          <a:xfrm>
+            <a:off x="795214" y="4536125"/>
+            <a:ext cx="914404" cy="914404"/>
+          </a:xfrm>
+          <a:prstGeom prst="rect">
+            <a:avLst/>
+          </a:prstGeom>
+          <a:ln w="12700">
+            <a:miter lim="400000"/>
+          </a:ln>
+        </p:spPr>
+      </p:pic>
+    </p:spTree>
+  </p:cSld>
+  <p:clrMapOvr>
+    <a:masterClrMapping/>
+  </p:clrMapOvr>
+  <p:transition xmlns:p14="http://schemas.microsoft.com/office/powerpoint/2010/main" spd="med" advClick="1" p14:dur="1000"/>
 </p:sld>
 </file>
 

--- a/00_General/Presentation/MS 5/Presentation_Milestone_v_Master.pptx
+++ b/00_General/Presentation/MS 5/Presentation_Milestone_v_Master.pptx
@@ -2,23 +2,23 @@
 <file path=ppt/presentation.xml><?xml version="1.0" encoding="utf-8"?>
 <p:presentation xmlns:a="http://schemas.openxmlformats.org/drawingml/2006/main" xmlns:r="http://schemas.openxmlformats.org/officeDocument/2006/relationships" xmlns:p="http://schemas.openxmlformats.org/presentationml/2006/main">
   <p:sldMasterIdLst>
-    <p:sldMasterId id="2147483648" r:id="rId5"/>
+    <p:sldMasterId id="2147483648" r:id="rId1"/>
   </p:sldMasterIdLst>
   <p:notesMasterIdLst>
-    <p:notesMasterId r:id="rId7"/>
+    <p:notesMasterId r:id="rId13"/>
   </p:notesMasterIdLst>
   <p:sldIdLst>
-    <p:sldId id="256" r:id="rId8"/>
-    <p:sldId id="257" r:id="rId9"/>
-    <p:sldId id="258" r:id="rId10"/>
-    <p:sldId id="259" r:id="rId11"/>
-    <p:sldId id="260" r:id="rId12"/>
-    <p:sldId id="261" r:id="rId13"/>
-    <p:sldId id="262" r:id="rId14"/>
-    <p:sldId id="263" r:id="rId15"/>
-    <p:sldId id="264" r:id="rId16"/>
-    <p:sldId id="265" r:id="rId17"/>
-    <p:sldId id="266" r:id="rId18"/>
+    <p:sldId id="256" r:id="rId2"/>
+    <p:sldId id="257" r:id="rId3"/>
+    <p:sldId id="258" r:id="rId4"/>
+    <p:sldId id="259" r:id="rId5"/>
+    <p:sldId id="260" r:id="rId6"/>
+    <p:sldId id="261" r:id="rId7"/>
+    <p:sldId id="262" r:id="rId8"/>
+    <p:sldId id="263" r:id="rId9"/>
+    <p:sldId id="264" r:id="rId10"/>
+    <p:sldId id="265" r:id="rId11"/>
+    <p:sldId id="266" r:id="rId12"/>
   </p:sldIdLst>
   <p:sldSz cx="12192000" cy="6858000"/>
   <p:notesSz cx="6858000" cy="9144000"/>
@@ -38,7 +38,7 @@
       <a:buFontTx/>
       <a:buNone/>
       <a:tabLst/>
-      <a:defRPr b="0" baseline="0" cap="none" i="0" spc="0" strike="noStrike" sz="1800" u="none" kumimoji="0" normalizeH="0">
+      <a:defRPr kumimoji="0" sz="1800" b="0" i="0" u="none" strike="noStrike" cap="none" spc="0" normalizeH="0" baseline="0">
         <a:ln>
           <a:noFill/>
         </a:ln>
@@ -64,7 +64,7 @@
       <a:buFontTx/>
       <a:buNone/>
       <a:tabLst/>
-      <a:defRPr b="0" baseline="0" cap="none" i="0" spc="0" strike="noStrike" sz="1800" u="none" kumimoji="0" normalizeH="0">
+      <a:defRPr kumimoji="0" sz="1800" b="0" i="0" u="none" strike="noStrike" cap="none" spc="0" normalizeH="0" baseline="0">
         <a:ln>
           <a:noFill/>
         </a:ln>
@@ -94,7 +94,7 @@
       <a:buFontTx/>
       <a:buNone/>
       <a:tabLst/>
-      <a:defRPr b="0" baseline="0" cap="none" i="0" spc="0" strike="noStrike" sz="1800" u="none" kumimoji="0" normalizeH="0">
+      <a:defRPr kumimoji="0" sz="1800" b="0" i="0" u="none" strike="noStrike" cap="none" spc="0" normalizeH="0" baseline="0">
         <a:ln>
           <a:noFill/>
         </a:ln>
@@ -124,7 +124,7 @@
       <a:buFontTx/>
       <a:buNone/>
       <a:tabLst/>
-      <a:defRPr b="0" baseline="0" cap="none" i="0" spc="0" strike="noStrike" sz="1800" u="none" kumimoji="0" normalizeH="0">
+      <a:defRPr kumimoji="0" sz="1800" b="0" i="0" u="none" strike="noStrike" cap="none" spc="0" normalizeH="0" baseline="0">
         <a:ln>
           <a:noFill/>
         </a:ln>
@@ -154,7 +154,7 @@
       <a:buFontTx/>
       <a:buNone/>
       <a:tabLst/>
-      <a:defRPr b="0" baseline="0" cap="none" i="0" spc="0" strike="noStrike" sz="1800" u="none" kumimoji="0" normalizeH="0">
+      <a:defRPr kumimoji="0" sz="1800" b="0" i="0" u="none" strike="noStrike" cap="none" spc="0" normalizeH="0" baseline="0">
         <a:ln>
           <a:noFill/>
         </a:ln>
@@ -184,7 +184,7 @@
       <a:buFontTx/>
       <a:buNone/>
       <a:tabLst/>
-      <a:defRPr b="0" baseline="0" cap="none" i="0" spc="0" strike="noStrike" sz="1800" u="none" kumimoji="0" normalizeH="0">
+      <a:defRPr kumimoji="0" sz="1800" b="0" i="0" u="none" strike="noStrike" cap="none" spc="0" normalizeH="0" baseline="0">
         <a:ln>
           <a:noFill/>
         </a:ln>
@@ -214,7 +214,7 @@
       <a:buFontTx/>
       <a:buNone/>
       <a:tabLst/>
-      <a:defRPr b="0" baseline="0" cap="none" i="0" spc="0" strike="noStrike" sz="1800" u="none" kumimoji="0" normalizeH="0">
+      <a:defRPr kumimoji="0" sz="1800" b="0" i="0" u="none" strike="noStrike" cap="none" spc="0" normalizeH="0" baseline="0">
         <a:ln>
           <a:noFill/>
         </a:ln>
@@ -244,7 +244,7 @@
       <a:buFontTx/>
       <a:buNone/>
       <a:tabLst/>
-      <a:defRPr b="0" baseline="0" cap="none" i="0" spc="0" strike="noStrike" sz="1800" u="none" kumimoji="0" normalizeH="0">
+      <a:defRPr kumimoji="0" sz="1800" b="0" i="0" u="none" strike="noStrike" cap="none" spc="0" normalizeH="0" baseline="0">
         <a:ln>
           <a:noFill/>
         </a:ln>
@@ -274,7 +274,7 @@
       <a:buFontTx/>
       <a:buNone/>
       <a:tabLst/>
-      <a:defRPr b="0" baseline="0" cap="none" i="0" spc="0" strike="noStrike" sz="1800" u="none" kumimoji="0" normalizeH="0">
+      <a:defRPr kumimoji="0" sz="1800" b="0" i="0" u="none" strike="noStrike" cap="none" spc="0" normalizeH="0" baseline="0">
         <a:ln>
           <a:noFill/>
         </a:ln>
@@ -304,7 +304,7 @@
       <a:buFontTx/>
       <a:buNone/>
       <a:tabLst/>
-      <a:defRPr b="0" baseline="0" cap="none" i="0" spc="0" strike="noStrike" sz="1800" u="none" kumimoji="0" normalizeH="0">
+      <a:defRPr kumimoji="0" sz="1800" b="0" i="0" u="none" strike="noStrike" cap="none" spc="0" normalizeH="0" baseline="0">
         <a:ln>
           <a:noFill/>
         </a:ln>
@@ -323,13 +323,14 @@
 </p:presentation>
 </file>
 
-<file path=ppt/commentAuthors.xml><?xml version="1.0" encoding="utf-8"?>
-<p:cmAuthorLst xmlns:a="http://schemas.openxmlformats.org/drawingml/2006/main" xmlns:r="http://schemas.openxmlformats.org/officeDocument/2006/relationships" xmlns:p="http://schemas.openxmlformats.org/presentationml/2006/main"/>
-</file>
-
 <file path=ppt/notesMasters/notesMaster1.xml><?xml version="1.0" encoding="utf-8"?>
 <p:notesMaster xmlns:a="http://schemas.openxmlformats.org/drawingml/2006/main" xmlns:r="http://schemas.openxmlformats.org/officeDocument/2006/relationships" xmlns:p="http://schemas.openxmlformats.org/presentationml/2006/main">
   <p:cSld>
+    <p:bg>
+      <p:bgRef idx="1001">
+        <a:schemeClr val="bg1"/>
+      </p:bgRef>
+    </p:bg>
     <p:spTree>
       <p:nvGrpSpPr>
         <p:cNvPr id="1" name=""/>
@@ -347,7 +348,9 @@
       <p:sp>
         <p:nvSpPr>
           <p:cNvPr id="127" name="Shape 127"/>
-          <p:cNvSpPr/>
+          <p:cNvSpPr>
+            <a:spLocks noGrp="1" noRot="1" noChangeAspect="1"/>
+          </p:cNvSpPr>
           <p:nvPr>
             <p:ph type="sldImg"/>
           </p:nvPr>
@@ -365,14 +368,16 @@
           <a:bodyPr/>
           <a:lstStyle/>
           <a:p>
-            <a:pPr/>
+            <a:endParaRPr/>
           </a:p>
         </p:txBody>
       </p:sp>
       <p:sp>
         <p:nvSpPr>
           <p:cNvPr id="128" name="Shape 128"/>
-          <p:cNvSpPr/>
+          <p:cNvSpPr>
+            <a:spLocks noGrp="1"/>
+          </p:cNvSpPr>
           <p:nvPr>
             <p:ph type="body" sz="quarter" idx="1"/>
           </p:nvPr>
@@ -390,11 +395,16 @@
           <a:bodyPr/>
           <a:lstStyle/>
           <a:p>
-            <a:pPr/>
+            <a:endParaRPr/>
           </a:p>
         </p:txBody>
       </p:sp>
     </p:spTree>
+    <p:extLst>
+      <p:ext uri="{BB962C8B-B14F-4D97-AF65-F5344CB8AC3E}">
+        <p14:creationId xmlns:p14="http://schemas.microsoft.com/office/powerpoint/2010/main" val="2968751252"/>
+      </p:ext>
+    </p:extLst>
   </p:cSld>
   <p:clrMap bg1="lt1" tx1="dk1" bg2="lt2" tx2="dk2" accent1="accent1" accent2="accent2" accent3="accent3" accent4="accent4" accent5="accent5" accent6="accent6" hlink="hlink" folHlink="folHlink"/>
   <p:notesStyle>
@@ -475,7 +485,7 @@
 </file>
 
 <file path=ppt/slideLayouts/slideLayout1.xml><?xml version="1.0" encoding="utf-8"?>
-<p:sldLayout xmlns:a="http://schemas.openxmlformats.org/drawingml/2006/main" xmlns:r="http://schemas.openxmlformats.org/officeDocument/2006/relationships" xmlns:p="http://schemas.openxmlformats.org/presentationml/2006/main" type="title" showMasterSp="1" showMasterPhAnim="1">
+<p:sldLayout xmlns:a="http://schemas.openxmlformats.org/drawingml/2006/main" xmlns:r="http://schemas.openxmlformats.org/officeDocument/2006/relationships" xmlns:p="http://schemas.openxmlformats.org/presentationml/2006/main" type="title">
   <p:cSld name="Titelfolie">
     <p:spTree>
       <p:nvGrpSpPr>
@@ -494,7 +504,9 @@
       <p:sp>
         <p:nvSpPr>
           <p:cNvPr id="11" name="Shape 11"/>
-          <p:cNvSpPr/>
+          <p:cNvSpPr>
+            <a:spLocks noGrp="1"/>
+          </p:cNvSpPr>
           <p:nvPr>
             <p:ph type="title"/>
           </p:nvPr>
@@ -516,7 +528,6 @@
             </a:lvl1pPr>
           </a:lstStyle>
           <a:p>
-            <a:pPr/>
             <a:r>
               <a:t>Mastertitelformat bearbeiten</a:t>
             </a:r>
@@ -526,7 +537,9 @@
       <p:sp>
         <p:nvSpPr>
           <p:cNvPr id="12" name="Shape 12"/>
-          <p:cNvSpPr/>
+          <p:cNvSpPr>
+            <a:spLocks noGrp="1"/>
+          </p:cNvSpPr>
           <p:nvPr>
             <p:ph type="body" sz="quarter" idx="1"/>
           </p:nvPr>
@@ -551,7 +564,6 @@
             </a:lvl1pPr>
           </a:lstStyle>
           <a:p>
-            <a:pPr/>
             <a:r>
               <a:t>Master-Untertitelformat bearbeiten</a:t>
             </a:r>
@@ -561,7 +573,9 @@
       <p:sp>
         <p:nvSpPr>
           <p:cNvPr id="13" name="Shape 13"/>
-          <p:cNvSpPr/>
+          <p:cNvSpPr>
+            <a:spLocks noGrp="1"/>
+          </p:cNvSpPr>
           <p:nvPr>
             <p:ph type="sldNum" sz="quarter" idx="2"/>
           </p:nvPr>
@@ -575,8 +589,10 @@
           <a:bodyPr/>
           <a:lstStyle/>
           <a:p>
-            <a:pPr/>
-            <a:fld id="{86CB4B4D-7CA3-9044-876B-883B54F8677D}" type="slidenum"/>
+            <a:fld id="{86CB4B4D-7CA3-9044-876B-883B54F8677D}" type="slidenum">
+              <a:t>‹Nr.›</a:t>
+            </a:fld>
+            <a:endParaRPr/>
           </a:p>
         </p:txBody>
       </p:sp>
@@ -585,12 +601,12 @@
   <p:clrMapOvr>
     <a:masterClrMapping/>
   </p:clrMapOvr>
-  <p:transition xmlns:p14="http://schemas.microsoft.com/office/powerpoint/2010/main" spd="med" advClick="1"/>
+  <p:transition xmlns:p14="http://schemas.microsoft.com/office/powerpoint/2010/main" spd="med"/>
 </p:sldLayout>
 </file>
 
 <file path=ppt/slideLayouts/slideLayout10.xml><?xml version="1.0" encoding="utf-8"?>
-<p:sldLayout xmlns:a="http://schemas.openxmlformats.org/drawingml/2006/main" xmlns:r="http://schemas.openxmlformats.org/officeDocument/2006/relationships" xmlns:p="http://schemas.openxmlformats.org/presentationml/2006/main" type="tx" showMasterSp="1" showMasterPhAnim="1">
+<p:sldLayout xmlns:a="http://schemas.openxmlformats.org/drawingml/2006/main" xmlns:r="http://schemas.openxmlformats.org/officeDocument/2006/relationships" xmlns:p="http://schemas.openxmlformats.org/presentationml/2006/main" type="tx">
   <p:cSld name="Bild mit Überschrift">
     <p:spTree>
       <p:nvGrpSpPr>
@@ -609,7 +625,9 @@
       <p:sp>
         <p:nvSpPr>
           <p:cNvPr id="91" name="Shape 91"/>
-          <p:cNvSpPr/>
+          <p:cNvSpPr>
+            <a:spLocks noGrp="1"/>
+          </p:cNvSpPr>
           <p:nvPr>
             <p:ph type="title"/>
           </p:nvPr>
@@ -631,7 +649,6 @@
             </a:lvl1pPr>
           </a:lstStyle>
           <a:p>
-            <a:pPr/>
             <a:r>
               <a:t>Titeltext</a:t>
             </a:r>
@@ -641,7 +658,9 @@
       <p:sp>
         <p:nvSpPr>
           <p:cNvPr id="92" name="Shape 92"/>
-          <p:cNvSpPr/>
+          <p:cNvSpPr>
+            <a:spLocks noGrp="1"/>
+          </p:cNvSpPr>
           <p:nvPr>
             <p:ph type="pic" sz="half" idx="13"/>
           </p:nvPr>
@@ -661,14 +680,16 @@
           </a:bodyPr>
           <a:lstStyle/>
           <a:p>
-            <a:pPr/>
+            <a:endParaRPr/>
           </a:p>
         </p:txBody>
       </p:sp>
       <p:sp>
         <p:nvSpPr>
           <p:cNvPr id="93" name="Shape 93"/>
-          <p:cNvSpPr/>
+          <p:cNvSpPr>
+            <a:spLocks noGrp="1"/>
+          </p:cNvSpPr>
           <p:nvPr>
             <p:ph type="body" sz="quarter" idx="1"/>
           </p:nvPr>
@@ -717,7 +738,6 @@
             </a:lvl5pPr>
           </a:lstStyle>
           <a:p>
-            <a:pPr/>
             <a:r>
               <a:t>Textebene 1</a:t>
             </a:r>
@@ -751,7 +771,9 @@
       <p:sp>
         <p:nvSpPr>
           <p:cNvPr id="94" name="Shape 94"/>
-          <p:cNvSpPr/>
+          <p:cNvSpPr>
+            <a:spLocks noGrp="1"/>
+          </p:cNvSpPr>
           <p:nvPr>
             <p:ph type="sldNum" sz="quarter" idx="2"/>
           </p:nvPr>
@@ -765,8 +787,10 @@
           <a:bodyPr/>
           <a:lstStyle/>
           <a:p>
-            <a:pPr/>
-            <a:fld id="{86CB4B4D-7CA3-9044-876B-883B54F8677D}" type="slidenum"/>
+            <a:fld id="{86CB4B4D-7CA3-9044-876B-883B54F8677D}" type="slidenum">
+              <a:t>‹Nr.›</a:t>
+            </a:fld>
+            <a:endParaRPr/>
           </a:p>
         </p:txBody>
       </p:sp>
@@ -775,12 +799,12 @@
   <p:clrMapOvr>
     <a:masterClrMapping/>
   </p:clrMapOvr>
-  <p:transition xmlns:p14="http://schemas.microsoft.com/office/powerpoint/2010/main" spd="med" advClick="1"/>
+  <p:transition xmlns:p14="http://schemas.microsoft.com/office/powerpoint/2010/main" spd="med"/>
 </p:sldLayout>
 </file>
 
 <file path=ppt/slideLayouts/slideLayout11.xml><?xml version="1.0" encoding="utf-8"?>
-<p:sldLayout xmlns:a="http://schemas.openxmlformats.org/drawingml/2006/main" xmlns:r="http://schemas.openxmlformats.org/officeDocument/2006/relationships" xmlns:p="http://schemas.openxmlformats.org/presentationml/2006/main" type="tx" showMasterSp="1" showMasterPhAnim="1">
+<p:sldLayout xmlns:a="http://schemas.openxmlformats.org/drawingml/2006/main" xmlns:r="http://schemas.openxmlformats.org/officeDocument/2006/relationships" xmlns:p="http://schemas.openxmlformats.org/presentationml/2006/main" type="tx">
   <p:cSld name="Titel und vertikaler Text">
     <p:spTree>
       <p:nvGrpSpPr>
@@ -799,7 +823,9 @@
       <p:sp>
         <p:nvSpPr>
           <p:cNvPr id="101" name="Shape 101"/>
-          <p:cNvSpPr/>
+          <p:cNvSpPr>
+            <a:spLocks noGrp="1"/>
+          </p:cNvSpPr>
           <p:nvPr>
             <p:ph type="title"/>
           </p:nvPr>
@@ -813,7 +839,6 @@
           <a:bodyPr/>
           <a:lstStyle/>
           <a:p>
-            <a:pPr/>
             <a:r>
               <a:t>Titeltext</a:t>
             </a:r>
@@ -823,7 +848,9 @@
       <p:sp>
         <p:nvSpPr>
           <p:cNvPr id="102" name="Shape 102"/>
-          <p:cNvSpPr/>
+          <p:cNvSpPr>
+            <a:spLocks noGrp="1"/>
+          </p:cNvSpPr>
           <p:nvPr>
             <p:ph type="body" idx="1"/>
           </p:nvPr>
@@ -837,7 +864,6 @@
           <a:bodyPr/>
           <a:lstStyle/>
           <a:p>
-            <a:pPr/>
             <a:r>
               <a:t>Textebene 1</a:t>
             </a:r>
@@ -871,7 +897,9 @@
       <p:sp>
         <p:nvSpPr>
           <p:cNvPr id="103" name="Shape 103"/>
-          <p:cNvSpPr/>
+          <p:cNvSpPr>
+            <a:spLocks noGrp="1"/>
+          </p:cNvSpPr>
           <p:nvPr>
             <p:ph type="sldNum" sz="quarter" idx="2"/>
           </p:nvPr>
@@ -885,8 +913,10 @@
           <a:bodyPr/>
           <a:lstStyle/>
           <a:p>
-            <a:pPr/>
-            <a:fld id="{86CB4B4D-7CA3-9044-876B-883B54F8677D}" type="slidenum"/>
+            <a:fld id="{86CB4B4D-7CA3-9044-876B-883B54F8677D}" type="slidenum">
+              <a:t>‹Nr.›</a:t>
+            </a:fld>
+            <a:endParaRPr/>
           </a:p>
         </p:txBody>
       </p:sp>
@@ -895,12 +925,12 @@
   <p:clrMapOvr>
     <a:masterClrMapping/>
   </p:clrMapOvr>
-  <p:transition xmlns:p14="http://schemas.microsoft.com/office/powerpoint/2010/main" spd="med" advClick="1"/>
+  <p:transition xmlns:p14="http://schemas.microsoft.com/office/powerpoint/2010/main" spd="med"/>
 </p:sldLayout>
 </file>
 
 <file path=ppt/slideLayouts/slideLayout12.xml><?xml version="1.0" encoding="utf-8"?>
-<p:sldLayout xmlns:a="http://schemas.openxmlformats.org/drawingml/2006/main" xmlns:r="http://schemas.openxmlformats.org/officeDocument/2006/relationships" xmlns:p="http://schemas.openxmlformats.org/presentationml/2006/main" type="tx" showMasterSp="1" showMasterPhAnim="1">
+<p:sldLayout xmlns:a="http://schemas.openxmlformats.org/drawingml/2006/main" xmlns:r="http://schemas.openxmlformats.org/officeDocument/2006/relationships" xmlns:p="http://schemas.openxmlformats.org/presentationml/2006/main" type="tx">
   <p:cSld name="Vertikaler Titel und Text">
     <p:spTree>
       <p:nvGrpSpPr>
@@ -919,7 +949,9 @@
       <p:sp>
         <p:nvSpPr>
           <p:cNvPr id="110" name="Shape 110"/>
-          <p:cNvSpPr/>
+          <p:cNvSpPr>
+            <a:spLocks noGrp="1"/>
+          </p:cNvSpPr>
           <p:nvPr>
             <p:ph type="title"/>
           </p:nvPr>
@@ -937,7 +969,6 @@
           <a:bodyPr/>
           <a:lstStyle/>
           <a:p>
-            <a:pPr/>
             <a:r>
               <a:t>Mastertitelformat bearbeiten</a:t>
             </a:r>
@@ -947,7 +978,9 @@
       <p:sp>
         <p:nvSpPr>
           <p:cNvPr id="111" name="Shape 111"/>
-          <p:cNvSpPr/>
+          <p:cNvSpPr>
+            <a:spLocks noGrp="1"/>
+          </p:cNvSpPr>
           <p:nvPr>
             <p:ph type="body" idx="1"/>
           </p:nvPr>
@@ -965,7 +998,6 @@
           <a:bodyPr/>
           <a:lstStyle/>
           <a:p>
-            <a:pPr/>
             <a:r>
               <a:t>Mastertextformat bearbeiten</a:t>
             </a:r>
@@ -999,7 +1031,9 @@
       <p:sp>
         <p:nvSpPr>
           <p:cNvPr id="112" name="Shape 112"/>
-          <p:cNvSpPr/>
+          <p:cNvSpPr>
+            <a:spLocks noGrp="1"/>
+          </p:cNvSpPr>
           <p:nvPr>
             <p:ph type="sldNum" sz="quarter" idx="2"/>
           </p:nvPr>
@@ -1013,8 +1047,10 @@
           <a:bodyPr/>
           <a:lstStyle/>
           <a:p>
-            <a:pPr/>
-            <a:fld id="{86CB4B4D-7CA3-9044-876B-883B54F8677D}" type="slidenum"/>
+            <a:fld id="{86CB4B4D-7CA3-9044-876B-883B54F8677D}" type="slidenum">
+              <a:t>‹Nr.›</a:t>
+            </a:fld>
+            <a:endParaRPr/>
           </a:p>
         </p:txBody>
       </p:sp>
@@ -1023,18 +1059,19 @@
   <p:clrMapOvr>
     <a:masterClrMapping/>
   </p:clrMapOvr>
-  <p:transition xmlns:p14="http://schemas.microsoft.com/office/powerpoint/2010/main" spd="med" advClick="1"/>
+  <p:transition xmlns:p14="http://schemas.microsoft.com/office/powerpoint/2010/main" spd="med"/>
 </p:sldLayout>
 </file>
 
 <file path=ppt/slideLayouts/slideLayout13.xml><?xml version="1.0" encoding="utf-8"?>
-<p:sldLayout xmlns:a="http://schemas.openxmlformats.org/drawingml/2006/main" xmlns:r="http://schemas.openxmlformats.org/officeDocument/2006/relationships" xmlns:p="http://schemas.openxmlformats.org/presentationml/2006/main" type="tx" showMasterSp="1" showMasterPhAnim="1">
+<p:sldLayout xmlns:a="http://schemas.openxmlformats.org/drawingml/2006/main" xmlns:r="http://schemas.openxmlformats.org/officeDocument/2006/relationships" xmlns:p="http://schemas.openxmlformats.org/presentationml/2006/main" type="tx">
   <p:cSld name="Titel und Inhalt 0">
     <p:bg>
       <p:bgPr>
         <a:solidFill>
           <a:srgbClr val="E3FDDB"/>
         </a:solidFill>
+        <a:effectLst/>
       </p:bgPr>
     </p:bg>
     <p:spTree>
@@ -1054,7 +1091,9 @@
       <p:sp>
         <p:nvSpPr>
           <p:cNvPr id="119" name="Shape 119"/>
-          <p:cNvSpPr/>
+          <p:cNvSpPr>
+            <a:spLocks noGrp="1"/>
+          </p:cNvSpPr>
           <p:nvPr>
             <p:ph type="title"/>
           </p:nvPr>
@@ -1068,7 +1107,6 @@
           <a:bodyPr/>
           <a:lstStyle/>
           <a:p>
-            <a:pPr/>
             <a:r>
               <a:t>Titeltext</a:t>
             </a:r>
@@ -1078,7 +1116,9 @@
       <p:sp>
         <p:nvSpPr>
           <p:cNvPr id="120" name="Shape 120"/>
-          <p:cNvSpPr/>
+          <p:cNvSpPr>
+            <a:spLocks noGrp="1"/>
+          </p:cNvSpPr>
           <p:nvPr>
             <p:ph type="body" idx="1"/>
           </p:nvPr>
@@ -1092,7 +1132,6 @@
           <a:bodyPr/>
           <a:lstStyle/>
           <a:p>
-            <a:pPr/>
             <a:r>
               <a:t>Textebene 1</a:t>
             </a:r>
@@ -1126,7 +1165,9 @@
       <p:sp>
         <p:nvSpPr>
           <p:cNvPr id="121" name="Shape 121"/>
-          <p:cNvSpPr/>
+          <p:cNvSpPr>
+            <a:spLocks noGrp="1"/>
+          </p:cNvSpPr>
           <p:nvPr>
             <p:ph type="sldNum" sz="quarter" idx="2"/>
           </p:nvPr>
@@ -1144,8 +1185,10 @@
           <a:bodyPr/>
           <a:lstStyle/>
           <a:p>
-            <a:pPr/>
-            <a:fld id="{86CB4B4D-7CA3-9044-876B-883B54F8677D}" type="slidenum"/>
+            <a:fld id="{86CB4B4D-7CA3-9044-876B-883B54F8677D}" type="slidenum">
+              <a:t>‹Nr.›</a:t>
+            </a:fld>
+            <a:endParaRPr/>
           </a:p>
         </p:txBody>
       </p:sp>
@@ -1154,12 +1197,12 @@
   <p:clrMapOvr>
     <a:masterClrMapping/>
   </p:clrMapOvr>
-  <p:transition xmlns:p14="http://schemas.microsoft.com/office/powerpoint/2010/main" spd="med" advClick="1"/>
+  <p:transition xmlns:p14="http://schemas.microsoft.com/office/powerpoint/2010/main" spd="med"/>
 </p:sldLayout>
 </file>
 
 <file path=ppt/slideLayouts/slideLayout2.xml><?xml version="1.0" encoding="utf-8"?>
-<p:sldLayout xmlns:a="http://schemas.openxmlformats.org/drawingml/2006/main" xmlns:r="http://schemas.openxmlformats.org/officeDocument/2006/relationships" xmlns:p="http://schemas.openxmlformats.org/presentationml/2006/main" type="tx" showMasterSp="1" showMasterPhAnim="1">
+<p:sldLayout xmlns:a="http://schemas.openxmlformats.org/drawingml/2006/main" xmlns:r="http://schemas.openxmlformats.org/officeDocument/2006/relationships" xmlns:p="http://schemas.openxmlformats.org/presentationml/2006/main" type="tx">
   <p:cSld name="Titel und Inhalt">
     <p:spTree>
       <p:nvGrpSpPr>
@@ -1178,7 +1221,9 @@
       <p:sp>
         <p:nvSpPr>
           <p:cNvPr id="20" name="Shape 20"/>
-          <p:cNvSpPr/>
+          <p:cNvSpPr>
+            <a:spLocks noGrp="1"/>
+          </p:cNvSpPr>
           <p:nvPr>
             <p:ph type="title"/>
           </p:nvPr>
@@ -1192,7 +1237,6 @@
           <a:bodyPr/>
           <a:lstStyle/>
           <a:p>
-            <a:pPr/>
             <a:r>
               <a:t>Titeltext</a:t>
             </a:r>
@@ -1202,7 +1246,9 @@
       <p:sp>
         <p:nvSpPr>
           <p:cNvPr id="21" name="Shape 21"/>
-          <p:cNvSpPr/>
+          <p:cNvSpPr>
+            <a:spLocks noGrp="1"/>
+          </p:cNvSpPr>
           <p:nvPr>
             <p:ph type="body" idx="1"/>
           </p:nvPr>
@@ -1216,7 +1262,6 @@
           <a:bodyPr/>
           <a:lstStyle/>
           <a:p>
-            <a:pPr/>
             <a:r>
               <a:t>Textebene 1</a:t>
             </a:r>
@@ -1250,7 +1295,9 @@
       <p:sp>
         <p:nvSpPr>
           <p:cNvPr id="22" name="Shape 22"/>
-          <p:cNvSpPr/>
+          <p:cNvSpPr>
+            <a:spLocks noGrp="1"/>
+          </p:cNvSpPr>
           <p:nvPr>
             <p:ph type="sldNum" sz="quarter" idx="2"/>
           </p:nvPr>
@@ -1264,8 +1311,10 @@
           <a:bodyPr/>
           <a:lstStyle/>
           <a:p>
-            <a:pPr/>
-            <a:fld id="{86CB4B4D-7CA3-9044-876B-883B54F8677D}" type="slidenum"/>
+            <a:fld id="{86CB4B4D-7CA3-9044-876B-883B54F8677D}" type="slidenum">
+              <a:t>‹Nr.›</a:t>
+            </a:fld>
+            <a:endParaRPr/>
           </a:p>
         </p:txBody>
       </p:sp>
@@ -1274,18 +1323,19 @@
   <p:clrMapOvr>
     <a:masterClrMapping/>
   </p:clrMapOvr>
-  <p:transition xmlns:p14="http://schemas.microsoft.com/office/powerpoint/2010/main" spd="med" advClick="1"/>
+  <p:transition xmlns:p14="http://schemas.microsoft.com/office/powerpoint/2010/main" spd="med"/>
 </p:sldLayout>
 </file>
 
 <file path=ppt/slideLayouts/slideLayout3.xml><?xml version="1.0" encoding="utf-8"?>
-<p:sldLayout xmlns:a="http://schemas.openxmlformats.org/drawingml/2006/main" xmlns:r="http://schemas.openxmlformats.org/officeDocument/2006/relationships" xmlns:p="http://schemas.openxmlformats.org/presentationml/2006/main" type="tx" showMasterSp="1" showMasterPhAnim="1">
+<p:sldLayout xmlns:a="http://schemas.openxmlformats.org/drawingml/2006/main" xmlns:r="http://schemas.openxmlformats.org/officeDocument/2006/relationships" xmlns:p="http://schemas.openxmlformats.org/presentationml/2006/main" type="tx">
   <p:cSld name="Titel und Inhalt 0">
     <p:bg>
       <p:bgPr>
         <a:solidFill>
           <a:srgbClr val="E3FDDB"/>
         </a:solidFill>
+        <a:effectLst/>
       </p:bgPr>
     </p:bg>
     <p:spTree>
@@ -1305,7 +1355,9 @@
       <p:sp>
         <p:nvSpPr>
           <p:cNvPr id="29" name="Shape 29"/>
-          <p:cNvSpPr/>
+          <p:cNvSpPr>
+            <a:spLocks noGrp="1"/>
+          </p:cNvSpPr>
           <p:nvPr>
             <p:ph type="title"/>
           </p:nvPr>
@@ -1319,7 +1371,6 @@
           <a:bodyPr/>
           <a:lstStyle/>
           <a:p>
-            <a:pPr/>
             <a:r>
               <a:t>Mastertitelformat bearbeiten</a:t>
             </a:r>
@@ -1329,7 +1380,9 @@
       <p:sp>
         <p:nvSpPr>
           <p:cNvPr id="30" name="Shape 30"/>
-          <p:cNvSpPr/>
+          <p:cNvSpPr>
+            <a:spLocks noGrp="1"/>
+          </p:cNvSpPr>
           <p:nvPr>
             <p:ph type="body" idx="1"/>
           </p:nvPr>
@@ -1343,7 +1396,6 @@
           <a:bodyPr/>
           <a:lstStyle/>
           <a:p>
-            <a:pPr/>
             <a:r>
               <a:t>Mastertextformat bearbeiten</a:t>
             </a:r>
@@ -1377,7 +1429,9 @@
       <p:sp>
         <p:nvSpPr>
           <p:cNvPr id="31" name="Shape 31"/>
-          <p:cNvSpPr/>
+          <p:cNvSpPr>
+            <a:spLocks noGrp="1"/>
+          </p:cNvSpPr>
           <p:nvPr>
             <p:ph type="sldNum" sz="quarter" idx="2"/>
           </p:nvPr>
@@ -1391,8 +1445,10 @@
           <a:bodyPr/>
           <a:lstStyle/>
           <a:p>
-            <a:pPr/>
-            <a:fld id="{86CB4B4D-7CA3-9044-876B-883B54F8677D}" type="slidenum"/>
+            <a:fld id="{86CB4B4D-7CA3-9044-876B-883B54F8677D}" type="slidenum">
+              <a:t>‹Nr.›</a:t>
+            </a:fld>
+            <a:endParaRPr/>
           </a:p>
         </p:txBody>
       </p:sp>
@@ -1401,12 +1457,12 @@
   <p:clrMapOvr>
     <a:masterClrMapping/>
   </p:clrMapOvr>
-  <p:transition xmlns:p14="http://schemas.microsoft.com/office/powerpoint/2010/main" spd="med" advClick="1"/>
+  <p:transition xmlns:p14="http://schemas.microsoft.com/office/powerpoint/2010/main" spd="med"/>
 </p:sldLayout>
 </file>
 
 <file path=ppt/slideLayouts/slideLayout4.xml><?xml version="1.0" encoding="utf-8"?>
-<p:sldLayout xmlns:a="http://schemas.openxmlformats.org/drawingml/2006/main" xmlns:r="http://schemas.openxmlformats.org/officeDocument/2006/relationships" xmlns:p="http://schemas.openxmlformats.org/presentationml/2006/main" type="tx" showMasterSp="1" showMasterPhAnim="1">
+<p:sldLayout xmlns:a="http://schemas.openxmlformats.org/drawingml/2006/main" xmlns:r="http://schemas.openxmlformats.org/officeDocument/2006/relationships" xmlns:p="http://schemas.openxmlformats.org/presentationml/2006/main" type="tx">
   <p:cSld name="Abschnitts-&#10;überschrift">
     <p:spTree>
       <p:nvGrpSpPr>
@@ -1425,7 +1481,9 @@
       <p:sp>
         <p:nvSpPr>
           <p:cNvPr id="38" name="Shape 38"/>
-          <p:cNvSpPr/>
+          <p:cNvSpPr>
+            <a:spLocks noGrp="1"/>
+          </p:cNvSpPr>
           <p:nvPr>
             <p:ph type="title"/>
           </p:nvPr>
@@ -1447,7 +1505,6 @@
             </a:lvl1pPr>
           </a:lstStyle>
           <a:p>
-            <a:pPr/>
             <a:r>
               <a:t>Titeltext</a:t>
             </a:r>
@@ -1457,7 +1514,9 @@
       <p:sp>
         <p:nvSpPr>
           <p:cNvPr id="39" name="Shape 39"/>
-          <p:cNvSpPr/>
+          <p:cNvSpPr>
+            <a:spLocks noGrp="1"/>
+          </p:cNvSpPr>
           <p:nvPr>
             <p:ph type="body" sz="quarter" idx="1"/>
           </p:nvPr>
@@ -1526,7 +1585,6 @@
             </a:lvl5pPr>
           </a:lstStyle>
           <a:p>
-            <a:pPr/>
             <a:r>
               <a:t>Textebene 1</a:t>
             </a:r>
@@ -1560,7 +1618,9 @@
       <p:sp>
         <p:nvSpPr>
           <p:cNvPr id="40" name="Shape 40"/>
-          <p:cNvSpPr/>
+          <p:cNvSpPr>
+            <a:spLocks noGrp="1"/>
+          </p:cNvSpPr>
           <p:nvPr>
             <p:ph type="sldNum" sz="quarter" idx="2"/>
           </p:nvPr>
@@ -1574,8 +1634,10 @@
           <a:bodyPr/>
           <a:lstStyle/>
           <a:p>
-            <a:pPr/>
-            <a:fld id="{86CB4B4D-7CA3-9044-876B-883B54F8677D}" type="slidenum"/>
+            <a:fld id="{86CB4B4D-7CA3-9044-876B-883B54F8677D}" type="slidenum">
+              <a:t>‹Nr.›</a:t>
+            </a:fld>
+            <a:endParaRPr/>
           </a:p>
         </p:txBody>
       </p:sp>
@@ -1584,12 +1646,12 @@
   <p:clrMapOvr>
     <a:masterClrMapping/>
   </p:clrMapOvr>
-  <p:transition xmlns:p14="http://schemas.microsoft.com/office/powerpoint/2010/main" spd="med" advClick="1"/>
+  <p:transition xmlns:p14="http://schemas.microsoft.com/office/powerpoint/2010/main" spd="med"/>
 </p:sldLayout>
 </file>
 
 <file path=ppt/slideLayouts/slideLayout5.xml><?xml version="1.0" encoding="utf-8"?>
-<p:sldLayout xmlns:a="http://schemas.openxmlformats.org/drawingml/2006/main" xmlns:r="http://schemas.openxmlformats.org/officeDocument/2006/relationships" xmlns:p="http://schemas.openxmlformats.org/presentationml/2006/main" type="tx" showMasterSp="1" showMasterPhAnim="1">
+<p:sldLayout xmlns:a="http://schemas.openxmlformats.org/drawingml/2006/main" xmlns:r="http://schemas.openxmlformats.org/officeDocument/2006/relationships" xmlns:p="http://schemas.openxmlformats.org/presentationml/2006/main" type="tx">
   <p:cSld name="Zwei Inhalte">
     <p:spTree>
       <p:nvGrpSpPr>
@@ -1608,7 +1670,9 @@
       <p:sp>
         <p:nvSpPr>
           <p:cNvPr id="47" name="Shape 47"/>
-          <p:cNvSpPr/>
+          <p:cNvSpPr>
+            <a:spLocks noGrp="1"/>
+          </p:cNvSpPr>
           <p:nvPr>
             <p:ph type="title"/>
           </p:nvPr>
@@ -1622,7 +1686,6 @@
           <a:bodyPr/>
           <a:lstStyle/>
           <a:p>
-            <a:pPr/>
             <a:r>
               <a:t>Mastertitelformat bearbeiten</a:t>
             </a:r>
@@ -1632,7 +1695,9 @@
       <p:sp>
         <p:nvSpPr>
           <p:cNvPr id="48" name="Shape 48"/>
-          <p:cNvSpPr/>
+          <p:cNvSpPr>
+            <a:spLocks noGrp="1"/>
+          </p:cNvSpPr>
           <p:nvPr>
             <p:ph type="body" sz="half" idx="1"/>
           </p:nvPr>
@@ -1650,7 +1715,6 @@
           <a:bodyPr/>
           <a:lstStyle/>
           <a:p>
-            <a:pPr/>
             <a:r>
               <a:t>Mastertextformat bearbeiten</a:t>
             </a:r>
@@ -1684,7 +1748,9 @@
       <p:sp>
         <p:nvSpPr>
           <p:cNvPr id="49" name="Shape 49"/>
-          <p:cNvSpPr/>
+          <p:cNvSpPr>
+            <a:spLocks noGrp="1"/>
+          </p:cNvSpPr>
           <p:nvPr>
             <p:ph type="sldNum" sz="quarter" idx="2"/>
           </p:nvPr>
@@ -1698,8 +1764,10 @@
           <a:bodyPr/>
           <a:lstStyle/>
           <a:p>
-            <a:pPr/>
-            <a:fld id="{86CB4B4D-7CA3-9044-876B-883B54F8677D}" type="slidenum"/>
+            <a:fld id="{86CB4B4D-7CA3-9044-876B-883B54F8677D}" type="slidenum">
+              <a:t>‹Nr.›</a:t>
+            </a:fld>
+            <a:endParaRPr/>
           </a:p>
         </p:txBody>
       </p:sp>
@@ -1708,12 +1776,12 @@
   <p:clrMapOvr>
     <a:masterClrMapping/>
   </p:clrMapOvr>
-  <p:transition xmlns:p14="http://schemas.microsoft.com/office/powerpoint/2010/main" spd="med" advClick="1"/>
+  <p:transition xmlns:p14="http://schemas.microsoft.com/office/powerpoint/2010/main" spd="med"/>
 </p:sldLayout>
 </file>
 
 <file path=ppt/slideLayouts/slideLayout6.xml><?xml version="1.0" encoding="utf-8"?>
-<p:sldLayout xmlns:a="http://schemas.openxmlformats.org/drawingml/2006/main" xmlns:r="http://schemas.openxmlformats.org/officeDocument/2006/relationships" xmlns:p="http://schemas.openxmlformats.org/presentationml/2006/main" type="tx" showMasterSp="1" showMasterPhAnim="1">
+<p:sldLayout xmlns:a="http://schemas.openxmlformats.org/drawingml/2006/main" xmlns:r="http://schemas.openxmlformats.org/officeDocument/2006/relationships" xmlns:p="http://schemas.openxmlformats.org/presentationml/2006/main" type="tx">
   <p:cSld name="Vergleich">
     <p:spTree>
       <p:nvGrpSpPr>
@@ -1732,7 +1800,9 @@
       <p:sp>
         <p:nvSpPr>
           <p:cNvPr id="56" name="Shape 56"/>
-          <p:cNvSpPr/>
+          <p:cNvSpPr>
+            <a:spLocks noGrp="1"/>
+          </p:cNvSpPr>
           <p:nvPr>
             <p:ph type="title"/>
           </p:nvPr>
@@ -1750,7 +1820,6 @@
           <a:bodyPr/>
           <a:lstStyle/>
           <a:p>
-            <a:pPr/>
             <a:r>
               <a:t>Mastertitelformat bearbeiten</a:t>
             </a:r>
@@ -1760,7 +1829,9 @@
       <p:sp>
         <p:nvSpPr>
           <p:cNvPr id="57" name="Shape 57"/>
-          <p:cNvSpPr/>
+          <p:cNvSpPr>
+            <a:spLocks noGrp="1"/>
+          </p:cNvSpPr>
           <p:nvPr>
             <p:ph type="body" sz="quarter" idx="1"/>
           </p:nvPr>
@@ -1781,11 +1852,10 @@
               <a:buSzTx/>
               <a:buFontTx/>
               <a:buNone/>
-              <a:defRPr b="1" sz="2400"/>
+              <a:defRPr sz="2400" b="1"/>
             </a:lvl1pPr>
           </a:lstStyle>
           <a:p>
-            <a:pPr/>
             <a:r>
               <a:t>Mastertextformat bearbeiten</a:t>
             </a:r>
@@ -1795,7 +1865,9 @@
       <p:sp>
         <p:nvSpPr>
           <p:cNvPr id="58" name="Shape 58"/>
-          <p:cNvSpPr/>
+          <p:cNvSpPr>
+            <a:spLocks noGrp="1"/>
+          </p:cNvSpPr>
           <p:nvPr>
             <p:ph type="body" sz="quarter" idx="13"/>
           </p:nvPr>
@@ -1813,14 +1885,16 @@
           <a:bodyPr anchor="b"/>
           <a:lstStyle/>
           <a:p>
-            <a:pPr/>
+            <a:endParaRPr/>
           </a:p>
         </p:txBody>
       </p:sp>
       <p:sp>
         <p:nvSpPr>
           <p:cNvPr id="59" name="Shape 59"/>
-          <p:cNvSpPr/>
+          <p:cNvSpPr>
+            <a:spLocks noGrp="1"/>
+          </p:cNvSpPr>
           <p:nvPr>
             <p:ph type="sldNum" sz="quarter" idx="2"/>
           </p:nvPr>
@@ -1834,8 +1908,10 @@
           <a:bodyPr/>
           <a:lstStyle/>
           <a:p>
-            <a:pPr/>
-            <a:fld id="{86CB4B4D-7CA3-9044-876B-883B54F8677D}" type="slidenum"/>
+            <a:fld id="{86CB4B4D-7CA3-9044-876B-883B54F8677D}" type="slidenum">
+              <a:t>‹Nr.›</a:t>
+            </a:fld>
+            <a:endParaRPr/>
           </a:p>
         </p:txBody>
       </p:sp>
@@ -1844,12 +1920,12 @@
   <p:clrMapOvr>
     <a:masterClrMapping/>
   </p:clrMapOvr>
-  <p:transition xmlns:p14="http://schemas.microsoft.com/office/powerpoint/2010/main" spd="med" advClick="1"/>
+  <p:transition xmlns:p14="http://schemas.microsoft.com/office/powerpoint/2010/main" spd="med"/>
 </p:sldLayout>
 </file>
 
 <file path=ppt/slideLayouts/slideLayout7.xml><?xml version="1.0" encoding="utf-8"?>
-<p:sldLayout xmlns:a="http://schemas.openxmlformats.org/drawingml/2006/main" xmlns:r="http://schemas.openxmlformats.org/officeDocument/2006/relationships" xmlns:p="http://schemas.openxmlformats.org/presentationml/2006/main" type="tx" showMasterSp="1" showMasterPhAnim="1">
+<p:sldLayout xmlns:a="http://schemas.openxmlformats.org/drawingml/2006/main" xmlns:r="http://schemas.openxmlformats.org/officeDocument/2006/relationships" xmlns:p="http://schemas.openxmlformats.org/presentationml/2006/main" type="tx">
   <p:cSld name="Nur Titel">
     <p:spTree>
       <p:nvGrpSpPr>
@@ -1868,7 +1944,9 @@
       <p:sp>
         <p:nvSpPr>
           <p:cNvPr id="66" name="Shape 66"/>
-          <p:cNvSpPr/>
+          <p:cNvSpPr>
+            <a:spLocks noGrp="1"/>
+          </p:cNvSpPr>
           <p:nvPr>
             <p:ph type="title"/>
           </p:nvPr>
@@ -1882,7 +1960,6 @@
           <a:bodyPr/>
           <a:lstStyle/>
           <a:p>
-            <a:pPr/>
             <a:r>
               <a:t>Titeltext</a:t>
             </a:r>
@@ -1892,7 +1969,9 @@
       <p:sp>
         <p:nvSpPr>
           <p:cNvPr id="67" name="Shape 67"/>
-          <p:cNvSpPr/>
+          <p:cNvSpPr>
+            <a:spLocks noGrp="1"/>
+          </p:cNvSpPr>
           <p:nvPr>
             <p:ph type="sldNum" sz="quarter" idx="2"/>
           </p:nvPr>
@@ -1906,8 +1985,10 @@
           <a:bodyPr/>
           <a:lstStyle/>
           <a:p>
-            <a:pPr/>
-            <a:fld id="{86CB4B4D-7CA3-9044-876B-883B54F8677D}" type="slidenum"/>
+            <a:fld id="{86CB4B4D-7CA3-9044-876B-883B54F8677D}" type="slidenum">
+              <a:t>‹Nr.›</a:t>
+            </a:fld>
+            <a:endParaRPr/>
           </a:p>
         </p:txBody>
       </p:sp>
@@ -1916,12 +1997,12 @@
   <p:clrMapOvr>
     <a:masterClrMapping/>
   </p:clrMapOvr>
-  <p:transition xmlns:p14="http://schemas.microsoft.com/office/powerpoint/2010/main" spd="med" advClick="1"/>
+  <p:transition xmlns:p14="http://schemas.microsoft.com/office/powerpoint/2010/main" spd="med"/>
 </p:sldLayout>
 </file>
 
 <file path=ppt/slideLayouts/slideLayout8.xml><?xml version="1.0" encoding="utf-8"?>
-<p:sldLayout xmlns:a="http://schemas.openxmlformats.org/drawingml/2006/main" xmlns:r="http://schemas.openxmlformats.org/officeDocument/2006/relationships" xmlns:p="http://schemas.openxmlformats.org/presentationml/2006/main" type="tx" showMasterSp="1" showMasterPhAnim="1">
+<p:sldLayout xmlns:a="http://schemas.openxmlformats.org/drawingml/2006/main" xmlns:r="http://schemas.openxmlformats.org/officeDocument/2006/relationships" xmlns:p="http://schemas.openxmlformats.org/presentationml/2006/main" type="tx">
   <p:cSld name="Leer">
     <p:spTree>
       <p:nvGrpSpPr>
@@ -1940,7 +2021,9 @@
       <p:sp>
         <p:nvSpPr>
           <p:cNvPr id="74" name="Shape 74"/>
-          <p:cNvSpPr/>
+          <p:cNvSpPr>
+            <a:spLocks noGrp="1"/>
+          </p:cNvSpPr>
           <p:nvPr>
             <p:ph type="sldNum" sz="quarter" idx="2"/>
           </p:nvPr>
@@ -1954,8 +2037,10 @@
           <a:bodyPr/>
           <a:lstStyle/>
           <a:p>
-            <a:pPr/>
-            <a:fld id="{86CB4B4D-7CA3-9044-876B-883B54F8677D}" type="slidenum"/>
+            <a:fld id="{86CB4B4D-7CA3-9044-876B-883B54F8677D}" type="slidenum">
+              <a:t>‹Nr.›</a:t>
+            </a:fld>
+            <a:endParaRPr/>
           </a:p>
         </p:txBody>
       </p:sp>
@@ -1964,12 +2049,12 @@
   <p:clrMapOvr>
     <a:masterClrMapping/>
   </p:clrMapOvr>
-  <p:transition xmlns:p14="http://schemas.microsoft.com/office/powerpoint/2010/main" spd="med" advClick="1"/>
+  <p:transition xmlns:p14="http://schemas.microsoft.com/office/powerpoint/2010/main" spd="med"/>
 </p:sldLayout>
 </file>
 
 <file path=ppt/slideLayouts/slideLayout9.xml><?xml version="1.0" encoding="utf-8"?>
-<p:sldLayout xmlns:a="http://schemas.openxmlformats.org/drawingml/2006/main" xmlns:r="http://schemas.openxmlformats.org/officeDocument/2006/relationships" xmlns:p="http://schemas.openxmlformats.org/presentationml/2006/main" type="tx" showMasterSp="1" showMasterPhAnim="1">
+<p:sldLayout xmlns:a="http://schemas.openxmlformats.org/drawingml/2006/main" xmlns:r="http://schemas.openxmlformats.org/officeDocument/2006/relationships" xmlns:p="http://schemas.openxmlformats.org/presentationml/2006/main" type="tx">
   <p:cSld name="Inhalt mit Überschrift">
     <p:spTree>
       <p:nvGrpSpPr>
@@ -1988,7 +2073,9 @@
       <p:sp>
         <p:nvSpPr>
           <p:cNvPr id="81" name="Shape 81"/>
-          <p:cNvSpPr/>
+          <p:cNvSpPr>
+            <a:spLocks noGrp="1"/>
+          </p:cNvSpPr>
           <p:nvPr>
             <p:ph type="title"/>
           </p:nvPr>
@@ -2010,7 +2097,6 @@
             </a:lvl1pPr>
           </a:lstStyle>
           <a:p>
-            <a:pPr/>
             <a:r>
               <a:t>Titeltext</a:t>
             </a:r>
@@ -2020,7 +2106,9 @@
       <p:sp>
         <p:nvSpPr>
           <p:cNvPr id="82" name="Shape 82"/>
-          <p:cNvSpPr/>
+          <p:cNvSpPr>
+            <a:spLocks noGrp="1"/>
+          </p:cNvSpPr>
           <p:nvPr>
             <p:ph type="body" sz="half" idx="1"/>
           </p:nvPr>
@@ -2054,7 +2142,6 @@
             </a:lvl5pPr>
           </a:lstStyle>
           <a:p>
-            <a:pPr/>
             <a:r>
               <a:t>Textebene 1</a:t>
             </a:r>
@@ -2088,7 +2175,9 @@
       <p:sp>
         <p:nvSpPr>
           <p:cNvPr id="83" name="Shape 83"/>
-          <p:cNvSpPr/>
+          <p:cNvSpPr>
+            <a:spLocks noGrp="1"/>
+          </p:cNvSpPr>
           <p:nvPr>
             <p:ph type="body" sz="quarter" idx="13"/>
           </p:nvPr>
@@ -2106,14 +2195,16 @@
           <a:bodyPr/>
           <a:lstStyle/>
           <a:p>
-            <a:pPr/>
+            <a:endParaRPr/>
           </a:p>
         </p:txBody>
       </p:sp>
       <p:sp>
         <p:nvSpPr>
           <p:cNvPr id="84" name="Shape 84"/>
-          <p:cNvSpPr/>
+          <p:cNvSpPr>
+            <a:spLocks noGrp="1"/>
+          </p:cNvSpPr>
           <p:nvPr>
             <p:ph type="sldNum" sz="quarter" idx="2"/>
           </p:nvPr>
@@ -2127,8 +2218,10 @@
           <a:bodyPr/>
           <a:lstStyle/>
           <a:p>
-            <a:pPr/>
-            <a:fld id="{86CB4B4D-7CA3-9044-876B-883B54F8677D}" type="slidenum"/>
+            <a:fld id="{86CB4B4D-7CA3-9044-876B-883B54F8677D}" type="slidenum">
+              <a:t>‹Nr.›</a:t>
+            </a:fld>
+            <a:endParaRPr/>
           </a:p>
         </p:txBody>
       </p:sp>
@@ -2137,7 +2230,7 @@
   <p:clrMapOvr>
     <a:masterClrMapping/>
   </p:clrMapOvr>
-  <p:transition xmlns:p14="http://schemas.microsoft.com/office/powerpoint/2010/main" spd="med" advClick="1"/>
+  <p:transition xmlns:p14="http://schemas.microsoft.com/office/powerpoint/2010/main" spd="med"/>
 </p:sldLayout>
 </file>
 
@@ -2149,6 +2242,7 @@
         <a:solidFill>
           <a:srgbClr val="FFFFFF"/>
         </a:solidFill>
+        <a:effectLst/>
       </p:bgPr>
     </p:bg>
     <p:spTree>
@@ -2168,7 +2262,9 @@
       <p:sp>
         <p:nvSpPr>
           <p:cNvPr id="2" name="Shape 2"/>
-          <p:cNvSpPr/>
+          <p:cNvSpPr>
+            <a:spLocks noGrp="1"/>
+          </p:cNvSpPr>
           <p:nvPr>
             <p:ph type="title"/>
           </p:nvPr>
@@ -2192,11 +2288,10 @@
         </p:spPr>
         <p:txBody>
           <a:bodyPr lIns="45718" tIns="45718" rIns="45718" bIns="45718" anchor="ctr">
-            <a:normAutofit fontScale="100000" lnSpcReduction="0"/>
+            <a:normAutofit/>
           </a:bodyPr>
           <a:lstStyle/>
           <a:p>
-            <a:pPr/>
             <a:r>
               <a:t>Titeltext</a:t>
             </a:r>
@@ -2206,7 +2301,9 @@
       <p:sp>
         <p:nvSpPr>
           <p:cNvPr id="3" name="Shape 3"/>
-          <p:cNvSpPr/>
+          <p:cNvSpPr>
+            <a:spLocks noGrp="1"/>
+          </p:cNvSpPr>
           <p:nvPr>
             <p:ph type="body" idx="1"/>
           </p:nvPr>
@@ -2230,11 +2327,10 @@
         </p:spPr>
         <p:txBody>
           <a:bodyPr lIns="45718" tIns="45718" rIns="45718" bIns="45718">
-            <a:normAutofit fontScale="100000" lnSpcReduction="0"/>
+            <a:normAutofit/>
           </a:bodyPr>
           <a:lstStyle/>
           <a:p>
-            <a:pPr/>
             <a:r>
               <a:t>Textebene 1</a:t>
             </a:r>
@@ -2268,7 +2364,9 @@
       <p:sp>
         <p:nvSpPr>
           <p:cNvPr id="4" name="Shape 4"/>
-          <p:cNvSpPr/>
+          <p:cNvSpPr>
+            <a:spLocks noGrp="1"/>
+          </p:cNvSpPr>
           <p:nvPr>
             <p:ph type="sldNum" sz="quarter" idx="2"/>
           </p:nvPr>
@@ -2299,8 +2397,10 @@
             </a:lvl1pPr>
           </a:lstStyle>
           <a:p>
-            <a:pPr/>
-            <a:fld id="{86CB4B4D-7CA3-9044-876B-883B54F8677D}" type="slidenum"/>
+            <a:fld id="{86CB4B4D-7CA3-9044-876B-883B54F8677D}" type="slidenum">
+              <a:t>‹Nr.›</a:t>
+            </a:fld>
+            <a:endParaRPr/>
           </a:p>
         </p:txBody>
       </p:sp>
@@ -2308,21 +2408,21 @@
   </p:cSld>
   <p:clrMap bg1="lt1" tx1="dk1" bg2="lt2" tx2="dk2" accent1="accent1" accent2="accent2" accent3="accent3" accent4="accent4" accent5="accent5" accent6="accent6" hlink="hlink" folHlink="folHlink"/>
   <p:sldLayoutIdLst>
-    <p:sldLayoutId id="2147483649" r:id="rId2"/>
-    <p:sldLayoutId id="2147483650" r:id="rId3"/>
-    <p:sldLayoutId id="2147483651" r:id="rId4"/>
-    <p:sldLayoutId id="2147483652" r:id="rId5"/>
-    <p:sldLayoutId id="2147483653" r:id="rId6"/>
-    <p:sldLayoutId id="2147483654" r:id="rId7"/>
-    <p:sldLayoutId id="2147483655" r:id="rId8"/>
-    <p:sldLayoutId id="2147483656" r:id="rId9"/>
-    <p:sldLayoutId id="2147483657" r:id="rId10"/>
-    <p:sldLayoutId id="2147483658" r:id="rId11"/>
-    <p:sldLayoutId id="2147483659" r:id="rId12"/>
-    <p:sldLayoutId id="2147483660" r:id="rId13"/>
-    <p:sldLayoutId id="2147483661" r:id="rId14"/>
+    <p:sldLayoutId id="2147483649" r:id="rId1"/>
+    <p:sldLayoutId id="2147483650" r:id="rId2"/>
+    <p:sldLayoutId id="2147483651" r:id="rId3"/>
+    <p:sldLayoutId id="2147483652" r:id="rId4"/>
+    <p:sldLayoutId id="2147483653" r:id="rId5"/>
+    <p:sldLayoutId id="2147483654" r:id="rId6"/>
+    <p:sldLayoutId id="2147483655" r:id="rId7"/>
+    <p:sldLayoutId id="2147483656" r:id="rId8"/>
+    <p:sldLayoutId id="2147483657" r:id="rId9"/>
+    <p:sldLayoutId id="2147483658" r:id="rId10"/>
+    <p:sldLayoutId id="2147483659" r:id="rId11"/>
+    <p:sldLayoutId id="2147483660" r:id="rId12"/>
+    <p:sldLayoutId id="2147483661" r:id="rId13"/>
   </p:sldLayoutIdLst>
-  <p:transition xmlns:p14="http://schemas.microsoft.com/office/powerpoint/2010/main" spd="med" advClick="1"/>
+  <p:transition xmlns:p14="http://schemas.microsoft.com/office/powerpoint/2010/main" spd="med"/>
   <p:txStyles>
     <p:titleStyle>
       <a:lvl1pPr marL="0" marR="0" indent="0" algn="l" defTabSz="914400" rtl="0" latinLnBrk="0">
@@ -2340,7 +2440,7 @@
         <a:buFontTx/>
         <a:buNone/>
         <a:tabLst/>
-        <a:defRPr b="0" baseline="0" cap="none" i="0" spc="0" strike="noStrike" sz="4400" u="none">
+        <a:defRPr sz="4400" b="0" i="0" u="none" strike="noStrike" cap="none" spc="0" baseline="0">
           <a:ln>
             <a:noFill/>
           </a:ln>
@@ -2369,7 +2469,7 @@
         <a:buFontTx/>
         <a:buNone/>
         <a:tabLst/>
-        <a:defRPr b="0" baseline="0" cap="none" i="0" spc="0" strike="noStrike" sz="4400" u="none">
+        <a:defRPr sz="4400" b="0" i="0" u="none" strike="noStrike" cap="none" spc="0" baseline="0">
           <a:ln>
             <a:noFill/>
           </a:ln>
@@ -2398,7 +2498,7 @@
         <a:buFontTx/>
         <a:buNone/>
         <a:tabLst/>
-        <a:defRPr b="0" baseline="0" cap="none" i="0" spc="0" strike="noStrike" sz="4400" u="none">
+        <a:defRPr sz="4400" b="0" i="0" u="none" strike="noStrike" cap="none" spc="0" baseline="0">
           <a:ln>
             <a:noFill/>
           </a:ln>
@@ -2427,7 +2527,7 @@
         <a:buFontTx/>
         <a:buNone/>
         <a:tabLst/>
-        <a:defRPr b="0" baseline="0" cap="none" i="0" spc="0" strike="noStrike" sz="4400" u="none">
+        <a:defRPr sz="4400" b="0" i="0" u="none" strike="noStrike" cap="none" spc="0" baseline="0">
           <a:ln>
             <a:noFill/>
           </a:ln>
@@ -2456,7 +2556,7 @@
         <a:buFontTx/>
         <a:buNone/>
         <a:tabLst/>
-        <a:defRPr b="0" baseline="0" cap="none" i="0" spc="0" strike="noStrike" sz="4400" u="none">
+        <a:defRPr sz="4400" b="0" i="0" u="none" strike="noStrike" cap="none" spc="0" baseline="0">
           <a:ln>
             <a:noFill/>
           </a:ln>
@@ -2485,7 +2585,7 @@
         <a:buFontTx/>
         <a:buNone/>
         <a:tabLst/>
-        <a:defRPr b="0" baseline="0" cap="none" i="0" spc="0" strike="noStrike" sz="4400" u="none">
+        <a:defRPr sz="4400" b="0" i="0" u="none" strike="noStrike" cap="none" spc="0" baseline="0">
           <a:ln>
             <a:noFill/>
           </a:ln>
@@ -2514,7 +2614,7 @@
         <a:buFontTx/>
         <a:buNone/>
         <a:tabLst/>
-        <a:defRPr b="0" baseline="0" cap="none" i="0" spc="0" strike="noStrike" sz="4400" u="none">
+        <a:defRPr sz="4400" b="0" i="0" u="none" strike="noStrike" cap="none" spc="0" baseline="0">
           <a:ln>
             <a:noFill/>
           </a:ln>
@@ -2543,7 +2643,7 @@
         <a:buFontTx/>
         <a:buNone/>
         <a:tabLst/>
-        <a:defRPr b="0" baseline="0" cap="none" i="0" spc="0" strike="noStrike" sz="4400" u="none">
+        <a:defRPr sz="4400" b="0" i="0" u="none" strike="noStrike" cap="none" spc="0" baseline="0">
           <a:ln>
             <a:noFill/>
           </a:ln>
@@ -2572,7 +2672,7 @@
         <a:buFontTx/>
         <a:buNone/>
         <a:tabLst/>
-        <a:defRPr b="0" baseline="0" cap="none" i="0" spc="0" strike="noStrike" sz="4400" u="none">
+        <a:defRPr sz="4400" b="0" i="0" u="none" strike="noStrike" cap="none" spc="0" baseline="0">
           <a:ln>
             <a:noFill/>
           </a:ln>
@@ -2603,7 +2703,7 @@
         <a:buFont typeface="Arial"/>
         <a:buChar char="•"/>
         <a:tabLst/>
-        <a:defRPr b="0" baseline="0" cap="none" i="0" spc="0" strike="noStrike" sz="2800" u="none">
+        <a:defRPr sz="2800" b="0" i="0" u="none" strike="noStrike" cap="none" spc="0" baseline="0">
           <a:ln>
             <a:noFill/>
           </a:ln>
@@ -2632,7 +2732,7 @@
         <a:buFont typeface="Arial"/>
         <a:buChar char="•"/>
         <a:tabLst/>
-        <a:defRPr b="0" baseline="0" cap="none" i="0" spc="0" strike="noStrike" sz="2800" u="none">
+        <a:defRPr sz="2800" b="0" i="0" u="none" strike="noStrike" cap="none" spc="0" baseline="0">
           <a:ln>
             <a:noFill/>
           </a:ln>
@@ -2661,7 +2761,7 @@
         <a:buFont typeface="Arial"/>
         <a:buChar char="•"/>
         <a:tabLst/>
-        <a:defRPr b="0" baseline="0" cap="none" i="0" spc="0" strike="noStrike" sz="2800" u="none">
+        <a:defRPr sz="2800" b="0" i="0" u="none" strike="noStrike" cap="none" spc="0" baseline="0">
           <a:ln>
             <a:noFill/>
           </a:ln>
@@ -2690,7 +2790,7 @@
         <a:buFont typeface="Arial"/>
         <a:buChar char="•"/>
         <a:tabLst/>
-        <a:defRPr b="0" baseline="0" cap="none" i="0" spc="0" strike="noStrike" sz="2800" u="none">
+        <a:defRPr sz="2800" b="0" i="0" u="none" strike="noStrike" cap="none" spc="0" baseline="0">
           <a:ln>
             <a:noFill/>
           </a:ln>
@@ -2719,7 +2819,7 @@
         <a:buFont typeface="Arial"/>
         <a:buChar char="•"/>
         <a:tabLst/>
-        <a:defRPr b="0" baseline="0" cap="none" i="0" spc="0" strike="noStrike" sz="2800" u="none">
+        <a:defRPr sz="2800" b="0" i="0" u="none" strike="noStrike" cap="none" spc="0" baseline="0">
           <a:ln>
             <a:noFill/>
           </a:ln>
@@ -2748,7 +2848,7 @@
         <a:buFont typeface="Arial"/>
         <a:buChar char="•"/>
         <a:tabLst/>
-        <a:defRPr b="0" baseline="0" cap="none" i="0" spc="0" strike="noStrike" sz="2800" u="none">
+        <a:defRPr sz="2800" b="0" i="0" u="none" strike="noStrike" cap="none" spc="0" baseline="0">
           <a:ln>
             <a:noFill/>
           </a:ln>
@@ -2777,7 +2877,7 @@
         <a:buFont typeface="Arial"/>
         <a:buChar char="•"/>
         <a:tabLst/>
-        <a:defRPr b="0" baseline="0" cap="none" i="0" spc="0" strike="noStrike" sz="2800" u="none">
+        <a:defRPr sz="2800" b="0" i="0" u="none" strike="noStrike" cap="none" spc="0" baseline="0">
           <a:ln>
             <a:noFill/>
           </a:ln>
@@ -2806,7 +2906,7 @@
         <a:buFont typeface="Arial"/>
         <a:buChar char="•"/>
         <a:tabLst/>
-        <a:defRPr b="0" baseline="0" cap="none" i="0" spc="0" strike="noStrike" sz="2800" u="none">
+        <a:defRPr sz="2800" b="0" i="0" u="none" strike="noStrike" cap="none" spc="0" baseline="0">
           <a:ln>
             <a:noFill/>
           </a:ln>
@@ -2835,7 +2935,7 @@
         <a:buFont typeface="Arial"/>
         <a:buChar char="•"/>
         <a:tabLst/>
-        <a:defRPr b="0" baseline="0" cap="none" i="0" spc="0" strike="noStrike" sz="2800" u="none">
+        <a:defRPr sz="2800" b="0" i="0" u="none" strike="noStrike" cap="none" spc="0" baseline="0">
           <a:ln>
             <a:noFill/>
           </a:ln>
@@ -2866,7 +2966,7 @@
         <a:buFontTx/>
         <a:buNone/>
         <a:tabLst/>
-        <a:defRPr b="0" baseline="0" cap="none" i="0" spc="0" strike="noStrike" sz="1200" u="none">
+        <a:defRPr sz="1200" b="0" i="0" u="none" strike="noStrike" cap="none" spc="0" baseline="0">
           <a:ln>
             <a:noFill/>
           </a:ln>
@@ -2895,7 +2995,7 @@
         <a:buFontTx/>
         <a:buNone/>
         <a:tabLst/>
-        <a:defRPr b="0" baseline="0" cap="none" i="0" spc="0" strike="noStrike" sz="1200" u="none">
+        <a:defRPr sz="1200" b="0" i="0" u="none" strike="noStrike" cap="none" spc="0" baseline="0">
           <a:ln>
             <a:noFill/>
           </a:ln>
@@ -2924,7 +3024,7 @@
         <a:buFontTx/>
         <a:buNone/>
         <a:tabLst/>
-        <a:defRPr b="0" baseline="0" cap="none" i="0" spc="0" strike="noStrike" sz="1200" u="none">
+        <a:defRPr sz="1200" b="0" i="0" u="none" strike="noStrike" cap="none" spc="0" baseline="0">
           <a:ln>
             <a:noFill/>
           </a:ln>
@@ -2953,7 +3053,7 @@
         <a:buFontTx/>
         <a:buNone/>
         <a:tabLst/>
-        <a:defRPr b="0" baseline="0" cap="none" i="0" spc="0" strike="noStrike" sz="1200" u="none">
+        <a:defRPr sz="1200" b="0" i="0" u="none" strike="noStrike" cap="none" spc="0" baseline="0">
           <a:ln>
             <a:noFill/>
           </a:ln>
@@ -2982,7 +3082,7 @@
         <a:buFontTx/>
         <a:buNone/>
         <a:tabLst/>
-        <a:defRPr b="0" baseline="0" cap="none" i="0" spc="0" strike="noStrike" sz="1200" u="none">
+        <a:defRPr sz="1200" b="0" i="0" u="none" strike="noStrike" cap="none" spc="0" baseline="0">
           <a:ln>
             <a:noFill/>
           </a:ln>
@@ -3011,7 +3111,7 @@
         <a:buFontTx/>
         <a:buNone/>
         <a:tabLst/>
-        <a:defRPr b="0" baseline="0" cap="none" i="0" spc="0" strike="noStrike" sz="1200" u="none">
+        <a:defRPr sz="1200" b="0" i="0" u="none" strike="noStrike" cap="none" spc="0" baseline="0">
           <a:ln>
             <a:noFill/>
           </a:ln>
@@ -3040,7 +3140,7 @@
         <a:buFontTx/>
         <a:buNone/>
         <a:tabLst/>
-        <a:defRPr b="0" baseline="0" cap="none" i="0" spc="0" strike="noStrike" sz="1200" u="none">
+        <a:defRPr sz="1200" b="0" i="0" u="none" strike="noStrike" cap="none" spc="0" baseline="0">
           <a:ln>
             <a:noFill/>
           </a:ln>
@@ -3069,7 +3169,7 @@
         <a:buFontTx/>
         <a:buNone/>
         <a:tabLst/>
-        <a:defRPr b="0" baseline="0" cap="none" i="0" spc="0" strike="noStrike" sz="1200" u="none">
+        <a:defRPr sz="1200" b="0" i="0" u="none" strike="noStrike" cap="none" spc="0" baseline="0">
           <a:ln>
             <a:noFill/>
           </a:ln>
@@ -3098,7 +3198,7 @@
         <a:buFontTx/>
         <a:buNone/>
         <a:tabLst/>
-        <a:defRPr b="0" baseline="0" cap="none" i="0" spc="0" strike="noStrike" sz="1200" u="none">
+        <a:defRPr sz="1200" b="0" i="0" u="none" strike="noStrike" cap="none" spc="0" baseline="0">
           <a:ln>
             <a:noFill/>
           </a:ln>
@@ -3118,13 +3218,14 @@
 </file>
 
 <file path=ppt/slides/slide1.xml><?xml version="1.0" encoding="utf-8"?>
-<p:sld xmlns:a="http://schemas.openxmlformats.org/drawingml/2006/main" xmlns:r="http://schemas.openxmlformats.org/officeDocument/2006/relationships" xmlns:p="http://schemas.openxmlformats.org/presentationml/2006/main" showMasterSp="1" showMasterPhAnim="1">
+<p:sld xmlns:a="http://schemas.openxmlformats.org/drawingml/2006/main" xmlns:r="http://schemas.openxmlformats.org/officeDocument/2006/relationships" xmlns:p="http://schemas.openxmlformats.org/presentationml/2006/main">
   <p:cSld>
     <p:bg>
       <p:bgPr>
         <a:solidFill>
           <a:srgbClr val="E3FDDB"/>
         </a:solidFill>
+        <a:effectLst/>
       </p:bgPr>
     </p:bg>
     <p:spTree>
@@ -3177,7 +3278,7 @@
               <a:spcBef>
                 <a:spcPts val="600"/>
               </a:spcBef>
-              <a:defRPr b="1" sz="3500" u="sng">
+              <a:defRPr sz="3500" b="1" u="sng">
                 <a:latin typeface="Arial"/>
                 <a:ea typeface="Arial"/>
                 <a:cs typeface="Arial"/>
@@ -3185,6 +3286,7 @@
               </a:defRPr>
             </a:pPr>
             <a:r>
+              <a:rPr dirty="0"/>
               <a:t>Meilensteinpräsentation V</a:t>
             </a:r>
           </a:p>
@@ -3203,6 +3305,7 @@
                 <a:sym typeface="Arial"/>
               </a:defRPr>
             </a:pPr>
+            <a:endParaRPr dirty="0"/>
           </a:p>
           <a:p>
             <a:pPr>
@@ -3220,6 +3323,7 @@
               </a:defRPr>
             </a:pPr>
             <a:r>
+              <a:rPr dirty="0"/>
               <a:t>Programmierprojekt 2020 </a:t>
             </a:r>
           </a:p>
@@ -3239,10 +3343,11 @@
               </a:defRPr>
             </a:pPr>
             <a:r>
+              <a:rPr dirty="0"/>
               <a:t>Implementierung von </a:t>
             </a:r>
             <a:r>
-              <a:rPr b="1"/>
+              <a:rPr b="1" dirty="0"/>
               <a:t>Skip-Bo ©</a:t>
             </a:r>
           </a:p>
@@ -3254,13 +3359,14 @@
               <a:spcBef>
                 <a:spcPts val="600"/>
               </a:spcBef>
-              <a:defRPr b="1" sz="3000">
+              <a:defRPr sz="3000" b="1">
                 <a:latin typeface="Arial"/>
                 <a:ea typeface="Arial"/>
                 <a:cs typeface="Arial"/>
                 <a:sym typeface="Arial"/>
               </a:defRPr>
             </a:pPr>
+            <a:endParaRPr b="1" dirty="0"/>
           </a:p>
           <a:p>
             <a:pPr>
@@ -3270,7 +3376,7 @@
               <a:spcBef>
                 <a:spcPts val="600"/>
               </a:spcBef>
-              <a:defRPr b="1" sz="3000" u="sng">
+              <a:defRPr sz="3000" b="1" u="sng">
                 <a:latin typeface="Arial"/>
                 <a:ea typeface="Arial"/>
                 <a:cs typeface="Arial"/>
@@ -3278,10 +3384,11 @@
               </a:defRPr>
             </a:pPr>
             <a:r>
+              <a:rPr dirty="0"/>
               <a:t>Gruppe:  </a:t>
             </a:r>
             <a:r>
-              <a:rPr sz="3200"/>
+              <a:rPr sz="3200" dirty="0"/>
               <a:t>Skip-Bros</a:t>
             </a:r>
           </a:p>
@@ -3293,13 +3400,14 @@
               <a:spcBef>
                 <a:spcPts val="600"/>
               </a:spcBef>
-              <a:defRPr b="1" sz="1000" u="sng">
+              <a:defRPr sz="1000" b="1" u="sng">
                 <a:latin typeface="Arial"/>
                 <a:ea typeface="Arial"/>
                 <a:cs typeface="Arial"/>
                 <a:sym typeface="Arial"/>
               </a:defRPr>
             </a:pPr>
+            <a:endParaRPr sz="3200" dirty="0"/>
           </a:p>
           <a:p>
             <a:pPr>
@@ -3317,6 +3425,7 @@
               </a:defRPr>
             </a:pPr>
             <a:r>
+              <a:rPr dirty="0"/>
               <a:t> 	</a:t>
             </a:r>
           </a:p>
@@ -3336,6 +3445,7 @@
               </a:defRPr>
             </a:pPr>
             <a:r>
+              <a:rPr dirty="0"/>
               <a:t>	Manuela Wildi</a:t>
             </a:r>
           </a:p>
@@ -3354,6 +3464,7 @@
                 <a:sym typeface="Arial"/>
               </a:defRPr>
             </a:pPr>
+            <a:endParaRPr dirty="0"/>
           </a:p>
           <a:p>
             <a:pPr>
@@ -3371,6 +3482,7 @@
               </a:defRPr>
             </a:pPr>
             <a:r>
+              <a:rPr dirty="0"/>
               <a:t> 	Rao Rohan Girish</a:t>
             </a:r>
           </a:p>
@@ -3389,6 +3501,7 @@
                 <a:sym typeface="Arial"/>
               </a:defRPr>
             </a:pPr>
+            <a:endParaRPr dirty="0"/>
           </a:p>
           <a:p>
             <a:pPr>
@@ -3406,6 +3519,7 @@
               </a:defRPr>
             </a:pPr>
             <a:r>
+              <a:rPr dirty="0"/>
               <a:t> 	Guillaume Joyet</a:t>
             </a:r>
           </a:p>
@@ -3424,6 +3538,7 @@
                 <a:sym typeface="Arial"/>
               </a:defRPr>
             </a:pPr>
+            <a:endParaRPr dirty="0"/>
           </a:p>
           <a:p>
             <a:pPr>
@@ -3441,6 +3556,7 @@
               </a:defRPr>
             </a:pPr>
             <a:r>
+              <a:rPr dirty="0"/>
               <a:t> 	Janni Batsilas</a:t>
             </a:r>
           </a:p>
@@ -3504,7 +3620,6 @@
           </a:bodyPr>
           <a:lstStyle/>
           <a:p>
-            <a:pPr/>
             <a:r>
               <a:t>Quelle:  mercadolibre.com</a:t>
             </a:r>
@@ -3558,7 +3673,7 @@
         </p:blipFill>
         <p:spPr>
           <a:xfrm>
-            <a:off x="611421" y="4067416"/>
+            <a:off x="611421" y="4358377"/>
             <a:ext cx="731509" cy="731513"/>
           </a:xfrm>
           <a:prstGeom prst="rect">
@@ -3587,7 +3702,7 @@
         </p:blipFill>
         <p:spPr>
           <a:xfrm>
-            <a:off x="611421" y="3375142"/>
+            <a:off x="611421" y="3706957"/>
             <a:ext cx="731509" cy="731513"/>
           </a:xfrm>
           <a:prstGeom prst="rect">
@@ -3616,7 +3731,7 @@
         </p:blipFill>
         <p:spPr>
           <a:xfrm>
-            <a:off x="611421" y="4713077"/>
+            <a:off x="611421" y="4987892"/>
             <a:ext cx="731509" cy="731509"/>
           </a:xfrm>
           <a:prstGeom prst="rect">
@@ -3645,7 +3760,7 @@
         </p:blipFill>
         <p:spPr>
           <a:xfrm>
-            <a:off x="611421" y="5343711"/>
+            <a:off x="611423" y="5636084"/>
             <a:ext cx="731509" cy="731513"/>
           </a:xfrm>
           <a:prstGeom prst="rect">
@@ -3690,12 +3805,19 @@
   <p:clrMapOvr>
     <a:masterClrMapping/>
   </p:clrMapOvr>
-  <p:transition xmlns:p14="http://schemas.microsoft.com/office/powerpoint/2010/main" spd="med" advClick="1"/>
+  <p:transition xmlns:p14="http://schemas.microsoft.com/office/powerpoint/2010/main" spd="med"/>
+  <p:timing>
+    <p:tnLst>
+      <p:par>
+        <p:cTn xmlns:p14="http://schemas.microsoft.com/office/powerpoint/2010/main" id="1" dur="indefinite" restart="never" nodeType="tmRoot"/>
+      </p:par>
+    </p:tnLst>
+  </p:timing>
 </p:sld>
 </file>
 
 <file path=ppt/slides/slide10.xml><?xml version="1.0" encoding="utf-8"?>
-<p:sld xmlns:a="http://schemas.openxmlformats.org/drawingml/2006/main" xmlns:r="http://schemas.openxmlformats.org/officeDocument/2006/relationships" xmlns:p="http://schemas.openxmlformats.org/presentationml/2006/main" showMasterSp="1" showMasterPhAnim="1">
+<p:sld xmlns:a="http://schemas.openxmlformats.org/drawingml/2006/main" xmlns:r="http://schemas.openxmlformats.org/officeDocument/2006/relationships" xmlns:p="http://schemas.openxmlformats.org/presentationml/2006/main">
   <p:cSld>
     <p:spTree>
       <p:nvGrpSpPr>
@@ -3748,7 +3870,6 @@
             </a:lvl1pPr>
           </a:lstStyle>
           <a:p>
-            <a:pPr/>
             <a:r>
               <a:t>Mlst.-Präsentation Nr. V  /  Gruppe 15</a:t>
             </a:r>
@@ -3758,7 +3879,9 @@
       <p:sp>
         <p:nvSpPr>
           <p:cNvPr id="217" name="Shape 217"/>
-          <p:cNvSpPr/>
+          <p:cNvSpPr>
+            <a:spLocks noGrp="1"/>
+          </p:cNvSpPr>
           <p:nvPr>
             <p:ph type="title"/>
           </p:nvPr>
@@ -3776,7 +3899,7 @@
           <a:bodyPr/>
           <a:lstStyle>
             <a:lvl1pPr>
-              <a:defRPr b="1" sz="2000">
+              <a:defRPr sz="2000" b="1">
                 <a:latin typeface="Arial"/>
                 <a:ea typeface="Arial"/>
                 <a:cs typeface="Arial"/>
@@ -3785,7 +3908,6 @@
             </a:lvl1pPr>
           </a:lstStyle>
           <a:p>
-            <a:pPr/>
             <a:r>
               <a:t>	Lektion gelernt</a:t>
             </a:r>
@@ -3795,7 +3917,9 @@
       <p:sp>
         <p:nvSpPr>
           <p:cNvPr id="218" name="Shape 218"/>
-          <p:cNvSpPr/>
+          <p:cNvSpPr>
+            <a:spLocks noGrp="1"/>
+          </p:cNvSpPr>
           <p:nvPr>
             <p:ph type="sldNum" sz="quarter" idx="4294967295"/>
           </p:nvPr>
@@ -3818,8 +3942,10 @@
           <a:bodyPr/>
           <a:lstStyle/>
           <a:p>
-            <a:pPr/>
-            <a:fld id="{86CB4B4D-7CA3-9044-876B-883B54F8677D}" type="slidenum"/>
+            <a:fld id="{86CB4B4D-7CA3-9044-876B-883B54F8677D}" type="slidenum">
+              <a:t>10</a:t>
+            </a:fld>
+            <a:endParaRPr/>
           </a:p>
         </p:txBody>
       </p:sp>
@@ -3844,7 +3970,7 @@
             <a:miter/>
           </a:ln>
           <a:effectLst>
-            <a:outerShdw sx="100000" sy="100000" kx="0" ky="0" algn="b" rotWithShape="0" blurRad="50800" dist="38100" dir="2700000">
+            <a:outerShdw blurRad="50800" dist="38100" dir="2700000" rotWithShape="0">
               <a:srgbClr val="000000">
                 <a:alpha val="40000"/>
               </a:srgbClr>
@@ -3855,7 +3981,7 @@
           <a:bodyPr lIns="45718" tIns="45718" rIns="45718" bIns="45718"/>
           <a:lstStyle/>
           <a:p>
-            <a:pPr/>
+            <a:endParaRPr/>
           </a:p>
         </p:txBody>
       </p:sp>
@@ -3868,7 +3994,7 @@
         <p:spPr>
           <a:xfrm>
             <a:off x="340969" y="919993"/>
-            <a:ext cx="9678490" cy="6108697"/>
+            <a:ext cx="9678490" cy="6124750"/>
           </a:xfrm>
           <a:prstGeom prst="rect">
             <a:avLst/>
@@ -3895,39 +4021,43 @@
               <a:buSzPct val="100000"/>
               <a:buFont typeface="Arial"/>
               <a:buChar char="•"/>
-              <a:defRPr b="1" sz="2000"/>
+              <a:defRPr sz="2000" b="1"/>
             </a:pPr>
             <a:r>
+              <a:rPr dirty="0"/>
               <a:t>Organisatorisch:</a:t>
             </a:r>
           </a:p>
           <a:p>
-            <a:pPr lvl="1" marL="800100" indent="-342900">
+            <a:pPr marL="800100" lvl="1" indent="-342900">
               <a:buSzPct val="100000"/>
               <a:buChar char="-"/>
               <a:defRPr sz="2000"/>
             </a:pPr>
             <a:r>
+              <a:rPr dirty="0"/>
               <a:t>Mehr Zeit für Neues einplanen</a:t>
             </a:r>
           </a:p>
           <a:p>
-            <a:pPr lvl="1" marL="800100" indent="-342900">
+            <a:pPr marL="800100" lvl="1" indent="-342900">
               <a:buSzPct val="100000"/>
               <a:buChar char="-"/>
               <a:defRPr sz="2000"/>
             </a:pPr>
             <a:r>
+              <a:rPr dirty="0"/>
               <a:t>Code der Anderen laufend überfliegen</a:t>
             </a:r>
           </a:p>
           <a:p>
-            <a:pPr lvl="1" marL="800100" indent="-342900">
+            <a:pPr marL="800100" lvl="1" indent="-342900">
               <a:buSzPct val="100000"/>
               <a:buChar char="-"/>
               <a:defRPr sz="2000"/>
             </a:pPr>
             <a:r>
+              <a:rPr dirty="0"/>
               <a:t>Bessere Strukturierung von Beginn an</a:t>
             </a:r>
           </a:p>
@@ -3935,6 +4065,7 @@
             <a:pPr lvl="1" indent="457200">
               <a:defRPr sz="2000"/>
             </a:pPr>
+            <a:endParaRPr dirty="0"/>
           </a:p>
           <a:p>
             <a:pPr marL="342900" indent="-342900">
@@ -3944,66 +4075,82 @@
               <a:buSzPct val="100000"/>
               <a:buFont typeface="Arial"/>
               <a:buChar char="•"/>
-              <a:defRPr b="1" sz="2000"/>
+              <a:defRPr sz="2000" b="1"/>
             </a:pPr>
             <a:r>
+              <a:rPr dirty="0"/>
               <a:t>Code vom Spiel:</a:t>
             </a:r>
           </a:p>
           <a:p>
-            <a:pPr lvl="1" marL="800100" indent="-342900">
+            <a:pPr marL="800100" lvl="1" indent="-342900">
               <a:buSzPct val="100000"/>
               <a:buChar char="-"/>
               <a:defRPr sz="2000"/>
             </a:pPr>
             <a:r>
+              <a:rPr dirty="0"/>
               <a:t>Mehr Vererbung</a:t>
             </a:r>
           </a:p>
           <a:p>
-            <a:pPr lvl="1" marL="800100" indent="-342900">
+            <a:pPr marL="800100" lvl="1" indent="-342900">
               <a:buSzPct val="100000"/>
               <a:buChar char="-"/>
               <a:defRPr sz="2000"/>
             </a:pPr>
             <a:r>
+              <a:rPr dirty="0"/>
               <a:t>Wo möglich Enum-Typen</a:t>
             </a:r>
           </a:p>
           <a:p>
-            <a:pPr lvl="1" marL="800100" indent="-342900">
+            <a:pPr marL="800100" lvl="1" indent="-342900">
               <a:buSzPct val="100000"/>
               <a:buChar char="-"/>
               <a:defRPr sz="2000"/>
             </a:pPr>
             <a:r>
+              <a:rPr dirty="0"/>
               <a:t>Strukturierte Vergabe von Variablennamen</a:t>
             </a:r>
           </a:p>
           <a:p>
-            <a:pPr lvl="1" marL="800100" indent="-342900">
+            <a:pPr marL="800100" lvl="1" indent="-342900">
               <a:buSzPct val="100000"/>
               <a:buChar char="-"/>
               <a:defRPr sz="2000"/>
             </a:pPr>
             <a:r>
+              <a:rPr dirty="0"/>
               <a:t>Verwendung von JavaFX</a:t>
             </a:r>
           </a:p>
           <a:p>
-            <a:pPr lvl="1" marL="800100" indent="-342900">
+            <a:pPr marL="800100" lvl="1" indent="-342900">
               <a:buSzPct val="100000"/>
               <a:buChar char="-"/>
               <a:defRPr sz="2000"/>
             </a:pPr>
             <a:r>
-              <a:t>Testen auch übers JAR</a:t>
-            </a:r>
+              <a:rPr dirty="0"/>
+              <a:t>Testen </a:t>
+            </a:r>
+            <a:r>
+              <a:rPr lang="de-CH" dirty="0" smtClean="0"/>
+              <a:t>der </a:t>
+            </a:r>
+            <a:r>
+              <a:rPr dirty="0" smtClean="0"/>
+              <a:t>JAR</a:t>
+            </a:r>
+            <a:endParaRPr dirty="0"/>
           </a:p>
           <a:p>
             <a:pPr lvl="1" indent="457200">
               <a:defRPr sz="2000"/>
             </a:pPr>
+            <a:endParaRPr dirty="0"/>
           </a:p>
           <a:p>
             <a:pPr marL="342900" indent="-342900">
@@ -4013,60 +4160,80 @@
               <a:buSzPct val="100000"/>
               <a:buFont typeface="Arial"/>
               <a:buChar char="•"/>
-              <a:defRPr b="1" sz="2000"/>
+              <a:defRPr sz="2000" b="1"/>
             </a:pPr>
             <a:r>
-              <a:t>JUnit-Tests:</a:t>
-            </a:r>
-          </a:p>
-          <a:p>
-            <a:pPr lvl="1" marL="581525" indent="-200525">
+              <a:rPr dirty="0"/>
+              <a:t>JUnit-Tests</a:t>
+            </a:r>
+            <a:r>
+              <a:rPr dirty="0" smtClean="0"/>
+              <a:t>:</a:t>
+            </a:r>
+            <a:endParaRPr lang="de-CH" sz="2000" dirty="0"/>
+          </a:p>
+          <a:p>
+            <a:pPr marL="581525" lvl="1" indent="-200525">
               <a:buSzPct val="100000"/>
               <a:buChar char="-"/>
-              <a:defRPr b="1" sz="2000"/>
+              <a:defRPr sz="2000" b="1"/>
             </a:pPr>
             <a:r>
-              <a:t>Z</a:t>
-            </a:r>
-            <a:r>
-              <a:rPr b="0"/>
-              <a:t>u Beginn Überlegungen zu den Tests</a:t>
-            </a:r>
-          </a:p>
-          <a:p>
-            <a:pPr lvl="1" marL="581525" indent="-200525">
+              <a:rPr lang="de-CH" b="0" smtClean="0"/>
+              <a:t>Genauer informieren</a:t>
+            </a:r>
+          </a:p>
+          <a:p>
+            <a:pPr marL="581525" lvl="1" indent="-200525">
+              <a:buSzPct val="100000"/>
+              <a:buChar char="-"/>
+              <a:defRPr sz="2000" b="1"/>
+            </a:pPr>
+            <a:r>
+              <a:rPr lang="de-CH" b="0" dirty="0" smtClean="0"/>
+              <a:t>Zu B</a:t>
+            </a:r>
+            <a:r>
+              <a:rPr b="0" dirty="0" smtClean="0"/>
+              <a:t>eginn </a:t>
+            </a:r>
+            <a:r>
+              <a:rPr b="0" dirty="0"/>
+              <a:t>Überlegungen zu den Tests</a:t>
+            </a:r>
+          </a:p>
+          <a:p>
+            <a:pPr marL="581525" lvl="1" indent="-200525">
               <a:buSzPct val="100000"/>
               <a:buChar char="-"/>
               <a:defRPr sz="2000"/>
             </a:pPr>
             <a:r>
-              <a:t>Genauer informieren </a:t>
-            </a:r>
-          </a:p>
-          <a:p>
-            <a:pPr lvl="1" marL="581525" indent="-200525">
-              <a:buSzPct val="100000"/>
-              <a:buChar char="-"/>
-              <a:defRPr sz="2000"/>
-            </a:pPr>
-            <a:r>
-              <a:t>Vererbung und Interfaces erhöhen Testbarkeit</a:t>
+              <a:rPr dirty="0" smtClean="0"/>
+              <a:t>Vererbung </a:t>
+            </a:r>
+            <a:r>
+              <a:rPr dirty="0"/>
+              <a:t>und Interfaces erhöhen Testbarkeit</a:t>
             </a:r>
           </a:p>
           <a:p>
             <a:pPr lvl="1" indent="381000">
               <a:defRPr sz="2000"/>
             </a:pPr>
+            <a:endParaRPr dirty="0"/>
           </a:p>
           <a:p>
             <a:pPr lvl="1" indent="457200">
               <a:defRPr sz="2000"/>
             </a:pPr>
+            <a:endParaRPr dirty="0"/>
           </a:p>
           <a:p>
             <a:pPr lvl="1" indent="457200">
               <a:defRPr sz="2000"/>
             </a:pPr>
+            <a:endParaRPr dirty="0"/>
           </a:p>
         </p:txBody>
       </p:sp>
@@ -4365,14 +4532,14 @@
   <p:clrMapOvr>
     <a:masterClrMapping/>
   </p:clrMapOvr>
-  <p:transition xmlns:p14="http://schemas.microsoft.com/office/powerpoint/2010/main" spd="med" advClick="1" p14:dur="1000"/>
+  <p:transition xmlns:p14="http://schemas.microsoft.com/office/powerpoint/2010/main" spd="slow"/>
   <p:timing>
     <p:tnLst>
       <p:par>
-        <p:cTn id="1" nodeType="tmRoot" restart="never" dur="indefinite" fill="hold">
+        <p:cTn xmlns:p14="http://schemas.microsoft.com/office/powerpoint/2010/main" id="1" dur="indefinite" restart="never" fill="hold" nodeType="tmRoot">
           <p:childTnLst>
             <p:seq concurrent="1" prevAc="none" nextAc="seek">
-              <p:cTn id="2" nodeType="mainSeq" dur="indefinite" fill="hold">
+              <p:cTn id="2" dur="indefinite" fill="hold" nodeType="mainSeq">
                 <p:childTnLst>
                   <p:par>
                     <p:cTn id="3" fill="hold">
@@ -4387,11 +4554,11 @@
                             </p:stCondLst>
                             <p:childTnLst>
                               <p:par>
-                                <p:cTn id="5" presetClass="entr" nodeType="clickEffect" presetSubtype="0" presetID="1" grpId="1" fill="hold">
+                                <p:cTn id="5" presetID="1" presetClass="entr" presetSubtype="0" fill="hold" grpId="1" nodeType="clickEffect">
                                   <p:stCondLst>
                                     <p:cond delay="0"/>
                                   </p:stCondLst>
-                                  <p:iterate type="el" backwards="0">
+                                  <p:iterate>
                                     <p:tmAbs val="0"/>
                                   </p:iterate>
                                   <p:childTnLst>
@@ -4415,11 +4582,11 @@
                                 </p:cTn>
                               </p:par>
                               <p:par>
-                                <p:cTn id="7" presetClass="entr" nodeType="withEffect" presetSubtype="0" presetID="1" grpId="1" fill="hold">
+                                <p:cTn id="7" presetID="1" presetClass="entr" presetSubtype="0" fill="hold" grpId="1" nodeType="withEffect">
                                   <p:stCondLst>
                                     <p:cond delay="0"/>
                                   </p:stCondLst>
-                                  <p:iterate type="el" backwards="0">
+                                  <p:iterate>
                                     <p:tmAbs val="0"/>
                                   </p:iterate>
                                   <p:childTnLst>
@@ -4454,11 +4621,11 @@
                             </p:stCondLst>
                             <p:childTnLst>
                               <p:par>
-                                <p:cTn id="10" presetClass="entr" nodeType="afterEffect" presetSubtype="0" presetID="1" grpId="1" fill="hold">
+                                <p:cTn id="10" presetID="1" presetClass="entr" presetSubtype="0" fill="hold" grpId="1" nodeType="afterEffect">
                                   <p:stCondLst>
                                     <p:cond delay="0"/>
                                   </p:stCondLst>
-                                  <p:iterate type="el" backwards="0">
+                                  <p:iterate>
                                     <p:tmAbs val="0"/>
                                   </p:iterate>
                                   <p:childTnLst>
@@ -4493,11 +4660,11 @@
                             </p:stCondLst>
                             <p:childTnLst>
                               <p:par>
-                                <p:cTn id="13" presetClass="entr" nodeType="afterEffect" presetSubtype="0" presetID="1" grpId="1" fill="hold">
+                                <p:cTn id="13" presetID="1" presetClass="entr" presetSubtype="0" fill="hold" grpId="1" nodeType="afterEffect">
                                   <p:stCondLst>
                                     <p:cond delay="0"/>
                                   </p:stCondLst>
-                                  <p:iterate type="el" backwards="0">
+                                  <p:iterate>
                                     <p:tmAbs val="0"/>
                                   </p:iterate>
                                   <p:childTnLst>
@@ -4522,132 +4689,18 @@
                                   </p:childTnLst>
                                 </p:cTn>
                               </p:par>
-                            </p:childTnLst>
-                          </p:cTn>
-                        </p:par>
-                        <p:par>
-                          <p:cTn id="15" fill="hold">
-                            <p:stCondLst>
-                              <p:cond delay="0"/>
-                            </p:stCondLst>
-                            <p:childTnLst>
                               <p:par>
-                                <p:cTn id="16" presetClass="entr" nodeType="afterEffect" presetSubtype="0" presetID="1" grpId="2" fill="hold">
+                                <p:cTn id="15" presetID="1" presetClass="entr" presetSubtype="0" fill="hold" grpId="1" nodeType="withEffect">
                                   <p:stCondLst>
                                     <p:cond delay="0"/>
                                   </p:stCondLst>
-                                  <p:iterate type="el" backwards="0">
+                                  <p:iterate>
                                     <p:tmAbs val="0"/>
                                   </p:iterate>
                                   <p:childTnLst>
                                     <p:set>
                                       <p:cBhvr>
-                                        <p:cTn id="17" fill="hold"/>
-                                        <p:tgtEl>
-                                          <p:spTgt spid="222"/>
-                                        </p:tgtEl>
-                                        <p:attrNameLst>
-                                          <p:attrName>style.visibility</p:attrName>
-                                        </p:attrNameLst>
-                                      </p:cBhvr>
-                                      <p:to>
-                                        <p:strVal val="visible"/>
-                                      </p:to>
-                                    </p:set>
-                                  </p:childTnLst>
-                                </p:cTn>
-                              </p:par>
-                            </p:childTnLst>
-                          </p:cTn>
-                        </p:par>
-                        <p:par>
-                          <p:cTn id="18" fill="hold">
-                            <p:stCondLst>
-                              <p:cond delay="0"/>
-                            </p:stCondLst>
-                            <p:childTnLst>
-                              <p:par>
-                                <p:cTn id="19" presetClass="entr" nodeType="afterEffect" presetSubtype="0" presetID="1" grpId="3" fill="hold">
-                                  <p:stCondLst>
-                                    <p:cond delay="0"/>
-                                  </p:stCondLst>
-                                  <p:iterate type="el" backwards="0">
-                                    <p:tmAbs val="0"/>
-                                  </p:iterate>
-                                  <p:childTnLst>
-                                    <p:set>
-                                      <p:cBhvr>
-                                        <p:cTn id="20" fill="hold"/>
-                                        <p:tgtEl>
-                                          <p:spTgt spid="224"/>
-                                        </p:tgtEl>
-                                        <p:attrNameLst>
-                                          <p:attrName>style.visibility</p:attrName>
-                                        </p:attrNameLst>
-                                      </p:cBhvr>
-                                      <p:to>
-                                        <p:strVal val="visible"/>
-                                      </p:to>
-                                    </p:set>
-                                  </p:childTnLst>
-                                </p:cTn>
-                              </p:par>
-                            </p:childTnLst>
-                          </p:cTn>
-                        </p:par>
-                        <p:par>
-                          <p:cTn id="21" fill="hold">
-                            <p:stCondLst>
-                              <p:cond delay="0"/>
-                            </p:stCondLst>
-                            <p:childTnLst>
-                              <p:par>
-                                <p:cTn id="22" presetClass="entr" nodeType="afterEffect" presetSubtype="0" presetID="1" grpId="4" fill="hold">
-                                  <p:stCondLst>
-                                    <p:cond delay="0"/>
-                                  </p:stCondLst>
-                                  <p:iterate type="el" backwards="0">
-                                    <p:tmAbs val="0"/>
-                                  </p:iterate>
-                                  <p:childTnLst>
-                                    <p:set>
-                                      <p:cBhvr>
-                                        <p:cTn id="23" fill="hold"/>
-                                        <p:tgtEl>
-                                          <p:spTgt spid="226"/>
-                                        </p:tgtEl>
-                                        <p:attrNameLst>
-                                          <p:attrName>style.visibility</p:attrName>
-                                        </p:attrNameLst>
-                                      </p:cBhvr>
-                                      <p:to>
-                                        <p:strVal val="visible"/>
-                                      </p:to>
-                                    </p:set>
-                                  </p:childTnLst>
-                                </p:cTn>
-                              </p:par>
-                            </p:childTnLst>
-                          </p:cTn>
-                        </p:par>
-                        <p:par>
-                          <p:cTn id="24" fill="hold">
-                            <p:stCondLst>
-                              <p:cond delay="0"/>
-                            </p:stCondLst>
-                            <p:childTnLst>
-                              <p:par>
-                                <p:cTn id="25" presetClass="entr" nodeType="afterEffect" presetSubtype="0" presetID="1" grpId="1" fill="hold">
-                                  <p:stCondLst>
-                                    <p:cond delay="0"/>
-                                  </p:stCondLst>
-                                  <p:iterate type="el" backwards="0">
-                                    <p:tmAbs val="0"/>
-                                  </p:iterate>
-                                  <p:childTnLst>
-                                    <p:set>
-                                      <p:cBhvr>
-                                        <p:cTn id="26" fill="hold"/>
+                                        <p:cTn id="16" fill="hold"/>
                                         <p:tgtEl>
                                           <p:spTgt spid="220">
                                             <p:txEl>
@@ -4670,29 +4723,25 @@
                           </p:cTn>
                         </p:par>
                         <p:par>
-                          <p:cTn id="27" fill="hold">
+                          <p:cTn id="17" fill="hold">
                             <p:stCondLst>
                               <p:cond delay="0"/>
                             </p:stCondLst>
                             <p:childTnLst>
                               <p:par>
-                                <p:cTn id="28" presetClass="entr" nodeType="afterEffect" presetSubtype="0" presetID="1" grpId="1" fill="hold">
+                                <p:cTn id="18" presetID="1" presetClass="entr" presetSubtype="0" fill="hold" grpId="2" nodeType="afterEffect">
                                   <p:stCondLst>
                                     <p:cond delay="0"/>
                                   </p:stCondLst>
-                                  <p:iterate type="el" backwards="0">
+                                  <p:iterate>
                                     <p:tmAbs val="0"/>
                                   </p:iterate>
                                   <p:childTnLst>
                                     <p:set>
                                       <p:cBhvr>
-                                        <p:cTn id="29" fill="hold"/>
+                                        <p:cTn id="19" fill="hold"/>
                                         <p:tgtEl>
-                                          <p:spTgt spid="220">
-                                            <p:txEl>
-                                              <p:pRg st="4" end="4"/>
-                                            </p:txEl>
-                                          </p:spTgt>
+                                          <p:spTgt spid="222"/>
                                         </p:tgtEl>
                                         <p:attrNameLst>
                                           <p:attrName>style.visibility</p:attrName>
@@ -4709,29 +4758,25 @@
                           </p:cTn>
                         </p:par>
                         <p:par>
-                          <p:cTn id="30" fill="hold">
+                          <p:cTn id="20" fill="hold">
                             <p:stCondLst>
                               <p:cond delay="0"/>
                             </p:stCondLst>
                             <p:childTnLst>
                               <p:par>
-                                <p:cTn id="31" presetClass="entr" nodeType="afterEffect" presetSubtype="0" presetID="1" grpId="1" fill="hold">
+                                <p:cTn id="21" presetID="1" presetClass="entr" presetSubtype="0" fill="hold" grpId="3" nodeType="afterEffect">
                                   <p:stCondLst>
                                     <p:cond delay="0"/>
                                   </p:stCondLst>
-                                  <p:iterate type="el" backwards="0">
+                                  <p:iterate>
                                     <p:tmAbs val="0"/>
                                   </p:iterate>
                                   <p:childTnLst>
                                     <p:set>
                                       <p:cBhvr>
-                                        <p:cTn id="32" fill="hold"/>
+                                        <p:cTn id="22" fill="hold"/>
                                         <p:tgtEl>
-                                          <p:spTgt spid="220">
-                                            <p:txEl>
-                                              <p:pRg st="5" end="5"/>
-                                            </p:txEl>
-                                          </p:spTgt>
+                                          <p:spTgt spid="224"/>
                                         </p:tgtEl>
                                         <p:attrNameLst>
                                           <p:attrName>style.visibility</p:attrName>
@@ -4748,29 +4793,25 @@
                           </p:cTn>
                         </p:par>
                         <p:par>
-                          <p:cTn id="33" fill="hold">
+                          <p:cTn id="23" fill="hold">
                             <p:stCondLst>
                               <p:cond delay="0"/>
                             </p:stCondLst>
                             <p:childTnLst>
                               <p:par>
-                                <p:cTn id="34" presetClass="entr" nodeType="afterEffect" presetSubtype="0" presetID="1" grpId="1" fill="hold">
+                                <p:cTn id="24" presetID="1" presetClass="entr" presetSubtype="0" fill="hold" grpId="4" nodeType="afterEffect">
                                   <p:stCondLst>
                                     <p:cond delay="0"/>
                                   </p:stCondLst>
-                                  <p:iterate type="el" backwards="0">
+                                  <p:iterate>
                                     <p:tmAbs val="0"/>
                                   </p:iterate>
                                   <p:childTnLst>
                                     <p:set>
                                       <p:cBhvr>
-                                        <p:cTn id="35" fill="hold"/>
+                                        <p:cTn id="25" fill="hold"/>
                                         <p:tgtEl>
-                                          <p:spTgt spid="220">
-                                            <p:txEl>
-                                              <p:pRg st="6" end="6"/>
-                                            </p:txEl>
-                                          </p:spTgt>
+                                          <p:spTgt spid="226"/>
                                         </p:tgtEl>
                                         <p:attrNameLst>
                                           <p:attrName>style.visibility</p:attrName>
@@ -4790,29 +4831,185 @@
                     </p:cTn>
                   </p:par>
                   <p:par>
-                    <p:cTn id="36" fill="hold">
+                    <p:cTn id="26" fill="hold">
                       <p:stCondLst>
                         <p:cond delay="indefinite"/>
                       </p:stCondLst>
                       <p:childTnLst>
                         <p:par>
-                          <p:cTn id="37" fill="hold">
+                          <p:cTn id="27" fill="hold">
                             <p:stCondLst>
                               <p:cond delay="0"/>
                             </p:stCondLst>
                             <p:childTnLst>
                               <p:par>
-                                <p:cTn id="38" presetClass="entr" nodeType="clickEffect" presetSubtype="0" presetID="1" grpId="1" fill="hold">
+                                <p:cTn id="28" presetID="1" presetClass="entr" presetSubtype="0" fill="hold" grpId="1" nodeType="clickEffect">
                                   <p:stCondLst>
                                     <p:cond delay="0"/>
                                   </p:stCondLst>
-                                  <p:iterate type="el" backwards="0">
+                                  <p:iterate>
                                     <p:tmAbs val="0"/>
                                   </p:iterate>
                                   <p:childTnLst>
                                     <p:set>
                                       <p:cBhvr>
-                                        <p:cTn id="39" fill="hold"/>
+                                        <p:cTn id="29" fill="hold"/>
+                                        <p:tgtEl>
+                                          <p:spTgt spid="220">
+                                            <p:txEl>
+                                              <p:pRg st="5" end="5"/>
+                                            </p:txEl>
+                                          </p:spTgt>
+                                        </p:tgtEl>
+                                        <p:attrNameLst>
+                                          <p:attrName>style.visibility</p:attrName>
+                                        </p:attrNameLst>
+                                      </p:cBhvr>
+                                      <p:to>
+                                        <p:strVal val="visible"/>
+                                      </p:to>
+                                    </p:set>
+                                  </p:childTnLst>
+                                </p:cTn>
+                              </p:par>
+                              <p:par>
+                                <p:cTn id="30" presetID="1" presetClass="entr" presetSubtype="0" fill="hold" grpId="6" nodeType="withEffect">
+                                  <p:stCondLst>
+                                    <p:cond delay="0"/>
+                                  </p:stCondLst>
+                                  <p:iterate>
+                                    <p:tmAbs val="0"/>
+                                  </p:iterate>
+                                  <p:childTnLst>
+                                    <p:set>
+                                      <p:cBhvr>
+                                        <p:cTn id="31" fill="hold"/>
+                                        <p:tgtEl>
+                                          <p:spTgt spid="225"/>
+                                        </p:tgtEl>
+                                        <p:attrNameLst>
+                                          <p:attrName>style.visibility</p:attrName>
+                                        </p:attrNameLst>
+                                      </p:cBhvr>
+                                      <p:to>
+                                        <p:strVal val="visible"/>
+                                      </p:to>
+                                    </p:set>
+                                  </p:childTnLst>
+                                </p:cTn>
+                              </p:par>
+                              <p:par>
+                                <p:cTn id="32" presetID="1" presetClass="entr" presetSubtype="0" fill="hold" grpId="5" nodeType="withEffect">
+                                  <p:stCondLst>
+                                    <p:cond delay="0"/>
+                                  </p:stCondLst>
+                                  <p:iterate>
+                                    <p:tmAbs val="0"/>
+                                  </p:iterate>
+                                  <p:childTnLst>
+                                    <p:set>
+                                      <p:cBhvr>
+                                        <p:cTn id="33" fill="hold"/>
+                                        <p:tgtEl>
+                                          <p:spTgt spid="227"/>
+                                        </p:tgtEl>
+                                        <p:attrNameLst>
+                                          <p:attrName>style.visibility</p:attrName>
+                                        </p:attrNameLst>
+                                      </p:cBhvr>
+                                      <p:to>
+                                        <p:strVal val="visible"/>
+                                      </p:to>
+                                    </p:set>
+                                  </p:childTnLst>
+                                </p:cTn>
+                              </p:par>
+                            </p:childTnLst>
+                          </p:cTn>
+                        </p:par>
+                        <p:par>
+                          <p:cTn id="34" fill="hold">
+                            <p:stCondLst>
+                              <p:cond delay="0"/>
+                            </p:stCondLst>
+                            <p:childTnLst>
+                              <p:par>
+                                <p:cTn id="35" presetID="1" presetClass="entr" presetSubtype="0" fill="hold" grpId="1" nodeType="afterEffect">
+                                  <p:stCondLst>
+                                    <p:cond delay="0"/>
+                                  </p:stCondLst>
+                                  <p:iterate>
+                                    <p:tmAbs val="0"/>
+                                  </p:iterate>
+                                  <p:childTnLst>
+                                    <p:set>
+                                      <p:cBhvr>
+                                        <p:cTn id="36" fill="hold"/>
+                                        <p:tgtEl>
+                                          <p:spTgt spid="220">
+                                            <p:txEl>
+                                              <p:pRg st="6" end="6"/>
+                                            </p:txEl>
+                                          </p:spTgt>
+                                        </p:tgtEl>
+                                        <p:attrNameLst>
+                                          <p:attrName>style.visibility</p:attrName>
+                                        </p:attrNameLst>
+                                      </p:cBhvr>
+                                      <p:to>
+                                        <p:strVal val="visible"/>
+                                      </p:to>
+                                    </p:set>
+                                  </p:childTnLst>
+                                </p:cTn>
+                              </p:par>
+                              <p:par>
+                                <p:cTn id="37" presetID="1" presetClass="entr" presetSubtype="0" fill="hold" grpId="7" nodeType="withEffect">
+                                  <p:stCondLst>
+                                    <p:cond delay="0"/>
+                                  </p:stCondLst>
+                                  <p:iterate>
+                                    <p:tmAbs val="0"/>
+                                  </p:iterate>
+                                  <p:childTnLst>
+                                    <p:set>
+                                      <p:cBhvr>
+                                        <p:cTn id="38" fill="hold"/>
+                                        <p:tgtEl>
+                                          <p:spTgt spid="228"/>
+                                        </p:tgtEl>
+                                        <p:attrNameLst>
+                                          <p:attrName>style.visibility</p:attrName>
+                                        </p:attrNameLst>
+                                      </p:cBhvr>
+                                      <p:to>
+                                        <p:strVal val="visible"/>
+                                      </p:to>
+                                    </p:set>
+                                  </p:childTnLst>
+                                </p:cTn>
+                              </p:par>
+                            </p:childTnLst>
+                          </p:cTn>
+                        </p:par>
+                        <p:par>
+                          <p:cTn id="39" fill="hold">
+                            <p:stCondLst>
+                              <p:cond delay="0"/>
+                            </p:stCondLst>
+                            <p:childTnLst>
+                              <p:par>
+                                <p:cTn id="40" presetID="1" presetClass="entr" presetSubtype="0" fill="hold" grpId="1" nodeType="afterEffect">
+                                  <p:stCondLst>
+                                    <p:cond delay="0"/>
+                                  </p:stCondLst>
+                                  <p:iterate>
+                                    <p:tmAbs val="0"/>
+                                  </p:iterate>
+                                  <p:childTnLst>
+                                    <p:set>
+                                      <p:cBhvr>
+                                        <p:cTn id="41" fill="hold"/>
                                         <p:tgtEl>
                                           <p:spTgt spid="220">
                                             <p:txEl>
@@ -4835,23 +5032,23 @@
                           </p:cTn>
                         </p:par>
                         <p:par>
-                          <p:cTn id="40" fill="hold">
+                          <p:cTn id="42" fill="hold">
                             <p:stCondLst>
                               <p:cond delay="0"/>
                             </p:stCondLst>
                             <p:childTnLst>
                               <p:par>
-                                <p:cTn id="41" presetClass="entr" nodeType="afterEffect" presetSubtype="0" presetID="1" grpId="1" fill="hold">
+                                <p:cTn id="43" presetID="1" presetClass="entr" presetSubtype="0" fill="hold" grpId="1" nodeType="afterEffect">
                                   <p:stCondLst>
                                     <p:cond delay="0"/>
                                   </p:stCondLst>
-                                  <p:iterate type="el" backwards="0">
+                                  <p:iterate>
                                     <p:tmAbs val="0"/>
                                   </p:iterate>
                                   <p:childTnLst>
                                     <p:set>
                                       <p:cBhvr>
-                                        <p:cTn id="42" fill="hold"/>
+                                        <p:cTn id="44" fill="hold"/>
                                         <p:tgtEl>
                                           <p:spTgt spid="220">
                                             <p:txEl>
@@ -4874,23 +5071,23 @@
                           </p:cTn>
                         </p:par>
                         <p:par>
-                          <p:cTn id="43" fill="hold">
+                          <p:cTn id="45" fill="hold">
                             <p:stCondLst>
                               <p:cond delay="0"/>
                             </p:stCondLst>
                             <p:childTnLst>
                               <p:par>
-                                <p:cTn id="44" presetClass="entr" nodeType="afterEffect" presetSubtype="0" presetID="1" grpId="1" fill="hold">
+                                <p:cTn id="46" presetID="1" presetClass="entr" presetSubtype="0" fill="hold" grpId="1" nodeType="afterEffect">
                                   <p:stCondLst>
                                     <p:cond delay="0"/>
                                   </p:stCondLst>
-                                  <p:iterate type="el" backwards="0">
+                                  <p:iterate>
                                     <p:tmAbs val="0"/>
                                   </p:iterate>
                                   <p:childTnLst>
                                     <p:set>
                                       <p:cBhvr>
-                                        <p:cTn id="45" fill="hold"/>
+                                        <p:cTn id="47" fill="hold"/>
                                         <p:tgtEl>
                                           <p:spTgt spid="220">
                                             <p:txEl>
@@ -4913,25 +5110,29 @@
                           </p:cTn>
                         </p:par>
                         <p:par>
-                          <p:cTn id="46" fill="hold">
+                          <p:cTn id="48" fill="hold">
                             <p:stCondLst>
                               <p:cond delay="0"/>
                             </p:stCondLst>
                             <p:childTnLst>
                               <p:par>
-                                <p:cTn id="47" presetClass="entr" nodeType="afterEffect" presetSubtype="0" presetID="1" grpId="5" fill="hold">
+                                <p:cTn id="49" presetID="1" presetClass="entr" presetSubtype="0" fill="hold" grpId="1" nodeType="afterEffect">
                                   <p:stCondLst>
                                     <p:cond delay="0"/>
                                   </p:stCondLst>
-                                  <p:iterate type="el" backwards="0">
+                                  <p:iterate>
                                     <p:tmAbs val="0"/>
                                   </p:iterate>
                                   <p:childTnLst>
                                     <p:set>
                                       <p:cBhvr>
-                                        <p:cTn id="48" fill="hold"/>
+                                        <p:cTn id="50" fill="hold"/>
                                         <p:tgtEl>
-                                          <p:spTgt spid="227"/>
+                                          <p:spTgt spid="220">
+                                            <p:txEl>
+                                              <p:pRg st="10" end="10"/>
+                                            </p:txEl>
+                                          </p:spTgt>
                                         </p:tgtEl>
                                         <p:attrNameLst>
                                           <p:attrName>style.visibility</p:attrName>
@@ -4947,41 +5148,15 @@
                             </p:childTnLst>
                           </p:cTn>
                         </p:par>
-                        <p:par>
-                          <p:cTn id="49" fill="hold">
-                            <p:stCondLst>
-                              <p:cond delay="0"/>
-                            </p:stCondLst>
-                            <p:childTnLst>
-                              <p:par>
-                                <p:cTn id="50" presetClass="entr" nodeType="afterEffect" presetSubtype="0" presetID="1" grpId="6" fill="hold">
-                                  <p:stCondLst>
-                                    <p:cond delay="0"/>
-                                  </p:stCondLst>
-                                  <p:iterate type="el" backwards="0">
-                                    <p:tmAbs val="0"/>
-                                  </p:iterate>
-                                  <p:childTnLst>
-                                    <p:set>
-                                      <p:cBhvr>
-                                        <p:cTn id="51" fill="hold"/>
-                                        <p:tgtEl>
-                                          <p:spTgt spid="225"/>
-                                        </p:tgtEl>
-                                        <p:attrNameLst>
-                                          <p:attrName>style.visibility</p:attrName>
-                                        </p:attrNameLst>
-                                      </p:cBhvr>
-                                      <p:to>
-                                        <p:strVal val="visible"/>
-                                      </p:to>
-                                    </p:set>
-                                  </p:childTnLst>
-                                </p:cTn>
-                              </p:par>
-                            </p:childTnLst>
-                          </p:cTn>
-                        </p:par>
+                      </p:childTnLst>
+                    </p:cTn>
+                  </p:par>
+                  <p:par>
+                    <p:cTn id="51" fill="hold">
+                      <p:stCondLst>
+                        <p:cond delay="indefinite"/>
+                      </p:stCondLst>
+                      <p:childTnLst>
                         <p:par>
                           <p:cTn id="52" fill="hold">
                             <p:stCondLst>
@@ -4989,11 +5164,11 @@
                             </p:stCondLst>
                             <p:childTnLst>
                               <p:par>
-                                <p:cTn id="53" presetClass="entr" nodeType="afterEffect" presetSubtype="0" presetID="1" grpId="7" fill="hold">
+                                <p:cTn id="53" presetID="1" presetClass="entr" presetSubtype="0" fill="hold" grpId="1" nodeType="clickEffect">
                                   <p:stCondLst>
                                     <p:cond delay="0"/>
                                   </p:stCondLst>
-                                  <p:iterate type="el" backwards="0">
+                                  <p:iterate>
                                     <p:tmAbs val="0"/>
                                   </p:iterate>
                                   <p:childTnLst>
@@ -5001,7 +5176,11 @@
                                       <p:cBhvr>
                                         <p:cTn id="54" fill="hold"/>
                                         <p:tgtEl>
-                                          <p:spTgt spid="228"/>
+                                          <p:spTgt spid="220">
+                                            <p:txEl>
+                                              <p:pRg st="12" end="12"/>
+                                            </p:txEl>
+                                          </p:spTgt>
                                         </p:tgtEl>
                                         <p:attrNameLst>
                                           <p:attrName>style.visibility</p:attrName>
@@ -5024,11 +5203,11 @@
                             </p:stCondLst>
                             <p:childTnLst>
                               <p:par>
-                                <p:cTn id="56" presetClass="entr" nodeType="afterEffect" presetSubtype="0" presetID="1" grpId="1" fill="hold">
+                                <p:cTn id="56" presetID="1" presetClass="entr" presetSubtype="0" fill="hold" grpId="1" nodeType="afterEffect">
                                   <p:stCondLst>
                                     <p:cond delay="0"/>
                                   </p:stCondLst>
-                                  <p:iterate type="el" backwards="0">
+                                  <p:iterate>
                                     <p:tmAbs val="0"/>
                                   </p:iterate>
                                   <p:childTnLst>
@@ -5038,7 +5217,7 @@
                                         <p:tgtEl>
                                           <p:spTgt spid="220">
                                             <p:txEl>
-                                              <p:pRg st="10" end="10"/>
+                                              <p:pRg st="13" end="13"/>
                                             </p:txEl>
                                           </p:spTgt>
                                         </p:tgtEl>
@@ -5063,11 +5242,11 @@
                             </p:stCondLst>
                             <p:childTnLst>
                               <p:par>
-                                <p:cTn id="59" presetClass="entr" nodeType="afterEffect" presetSubtype="0" presetID="1" grpId="1" fill="hold">
+                                <p:cTn id="59" presetID="1" presetClass="entr" presetSubtype="0" fill="hold" grpId="1" nodeType="afterEffect">
                                   <p:stCondLst>
                                     <p:cond delay="0"/>
                                   </p:stCondLst>
-                                  <p:iterate type="el" backwards="0">
+                                  <p:iterate>
                                     <p:tmAbs val="0"/>
                                   </p:iterate>
                                   <p:childTnLst>
@@ -5077,7 +5256,7 @@
                                         <p:tgtEl>
                                           <p:spTgt spid="220">
                                             <p:txEl>
-                                              <p:pRg st="11" end="11"/>
+                                              <p:pRg st="14" end="14"/>
                                             </p:txEl>
                                           </p:spTgt>
                                         </p:tgtEl>
@@ -5102,143 +5281,17 @@
                             </p:stCondLst>
                             <p:childTnLst>
                               <p:par>
-                                <p:cTn id="62" presetClass="entr" nodeType="afterEffect" presetSubtype="0" presetID="1" grpId="1" fill="hold">
+                                <p:cTn id="62" presetID="1" presetClass="entr" presetSubtype="0" fill="hold" grpId="1" nodeType="afterEffect">
                                   <p:stCondLst>
                                     <p:cond delay="0"/>
                                   </p:stCondLst>
-                                  <p:iterate type="el" backwards="0">
+                                  <p:iterate>
                                     <p:tmAbs val="0"/>
                                   </p:iterate>
                                   <p:childTnLst>
                                     <p:set>
                                       <p:cBhvr>
                                         <p:cTn id="63" fill="hold"/>
-                                        <p:tgtEl>
-                                          <p:spTgt spid="220">
-                                            <p:txEl>
-                                              <p:pRg st="12" end="12"/>
-                                            </p:txEl>
-                                          </p:spTgt>
-                                        </p:tgtEl>
-                                        <p:attrNameLst>
-                                          <p:attrName>style.visibility</p:attrName>
-                                        </p:attrNameLst>
-                                      </p:cBhvr>
-                                      <p:to>
-                                        <p:strVal val="visible"/>
-                                      </p:to>
-                                    </p:set>
-                                  </p:childTnLst>
-                                </p:cTn>
-                              </p:par>
-                            </p:childTnLst>
-                          </p:cTn>
-                        </p:par>
-                      </p:childTnLst>
-                    </p:cTn>
-                  </p:par>
-                  <p:par>
-                    <p:cTn id="64" fill="hold">
-                      <p:stCondLst>
-                        <p:cond delay="indefinite"/>
-                      </p:stCondLst>
-                      <p:childTnLst>
-                        <p:par>
-                          <p:cTn id="65" fill="hold">
-                            <p:stCondLst>
-                              <p:cond delay="0"/>
-                            </p:stCondLst>
-                            <p:childTnLst>
-                              <p:par>
-                                <p:cTn id="66" presetClass="entr" nodeType="clickEffect" presetSubtype="0" presetID="1" grpId="1" fill="hold">
-                                  <p:stCondLst>
-                                    <p:cond delay="0"/>
-                                  </p:stCondLst>
-                                  <p:iterate type="el" backwards="0">
-                                    <p:tmAbs val="0"/>
-                                  </p:iterate>
-                                  <p:childTnLst>
-                                    <p:set>
-                                      <p:cBhvr>
-                                        <p:cTn id="67" fill="hold"/>
-                                        <p:tgtEl>
-                                          <p:spTgt spid="220">
-                                            <p:txEl>
-                                              <p:pRg st="13" end="13"/>
-                                            </p:txEl>
-                                          </p:spTgt>
-                                        </p:tgtEl>
-                                        <p:attrNameLst>
-                                          <p:attrName>style.visibility</p:attrName>
-                                        </p:attrNameLst>
-                                      </p:cBhvr>
-                                      <p:to>
-                                        <p:strVal val="visible"/>
-                                      </p:to>
-                                    </p:set>
-                                  </p:childTnLst>
-                                </p:cTn>
-                              </p:par>
-                            </p:childTnLst>
-                          </p:cTn>
-                        </p:par>
-                        <p:par>
-                          <p:cTn id="68" fill="hold">
-                            <p:stCondLst>
-                              <p:cond delay="0"/>
-                            </p:stCondLst>
-                            <p:childTnLst>
-                              <p:par>
-                                <p:cTn id="69" presetClass="entr" nodeType="afterEffect" presetSubtype="0" presetID="1" grpId="1" fill="hold">
-                                  <p:stCondLst>
-                                    <p:cond delay="0"/>
-                                  </p:stCondLst>
-                                  <p:iterate type="el" backwards="0">
-                                    <p:tmAbs val="0"/>
-                                  </p:iterate>
-                                  <p:childTnLst>
-                                    <p:set>
-                                      <p:cBhvr>
-                                        <p:cTn id="70" fill="hold"/>
-                                        <p:tgtEl>
-                                          <p:spTgt spid="220">
-                                            <p:txEl>
-                                              <p:pRg st="14" end="14"/>
-                                            </p:txEl>
-                                          </p:spTgt>
-                                        </p:tgtEl>
-                                        <p:attrNameLst>
-                                          <p:attrName>style.visibility</p:attrName>
-                                        </p:attrNameLst>
-                                      </p:cBhvr>
-                                      <p:to>
-                                        <p:strVal val="visible"/>
-                                      </p:to>
-                                    </p:set>
-                                  </p:childTnLst>
-                                </p:cTn>
-                              </p:par>
-                            </p:childTnLst>
-                          </p:cTn>
-                        </p:par>
-                        <p:par>
-                          <p:cTn id="71" fill="hold">
-                            <p:stCondLst>
-                              <p:cond delay="0"/>
-                            </p:stCondLst>
-                            <p:childTnLst>
-                              <p:par>
-                                <p:cTn id="72" presetClass="entr" nodeType="afterEffect" presetSubtype="0" presetID="1" grpId="1" fill="hold">
-                                  <p:stCondLst>
-                                    <p:cond delay="0"/>
-                                  </p:stCondLst>
-                                  <p:iterate type="el" backwards="0">
-                                    <p:tmAbs val="0"/>
-                                  </p:iterate>
-                                  <p:childTnLst>
-                                    <p:set>
-                                      <p:cBhvr>
-                                        <p:cTn id="73" fill="hold"/>
                                         <p:tgtEl>
                                           <p:spTgt spid="220">
                                             <p:txEl>
@@ -5261,62 +5314,23 @@
                           </p:cTn>
                         </p:par>
                         <p:par>
-                          <p:cTn id="74" fill="hold">
+                          <p:cTn id="64" fill="hold">
                             <p:stCondLst>
                               <p:cond delay="0"/>
                             </p:stCondLst>
                             <p:childTnLst>
                               <p:par>
-                                <p:cTn id="75" presetClass="entr" nodeType="afterEffect" presetSubtype="0" presetID="1" grpId="1" fill="hold">
+                                <p:cTn id="65" presetID="1" presetClass="entr" presetSubtype="0" fill="hold" grpId="8" nodeType="afterEffect">
                                   <p:stCondLst>
                                     <p:cond delay="0"/>
                                   </p:stCondLst>
-                                  <p:iterate type="el" backwards="0">
+                                  <p:iterate>
                                     <p:tmAbs val="0"/>
                                   </p:iterate>
                                   <p:childTnLst>
                                     <p:set>
                                       <p:cBhvr>
-                                        <p:cTn id="76" fill="hold"/>
-                                        <p:tgtEl>
-                                          <p:spTgt spid="220">
-                                            <p:txEl>
-                                              <p:pRg st="16" end="16"/>
-                                            </p:txEl>
-                                          </p:spTgt>
-                                        </p:tgtEl>
-                                        <p:attrNameLst>
-                                          <p:attrName>style.visibility</p:attrName>
-                                        </p:attrNameLst>
-                                      </p:cBhvr>
-                                      <p:to>
-                                        <p:strVal val="visible"/>
-                                      </p:to>
-                                    </p:set>
-                                  </p:childTnLst>
-                                </p:cTn>
-                              </p:par>
-                            </p:childTnLst>
-                          </p:cTn>
-                        </p:par>
-                        <p:par>
-                          <p:cTn id="77" fill="hold">
-                            <p:stCondLst>
-                              <p:cond delay="0"/>
-                            </p:stCondLst>
-                            <p:childTnLst>
-                              <p:par>
-                                <p:cTn id="78" presetClass="entr" nodeType="afterEffect" presetSubtype="0" presetID="1" grpId="8" fill="hold">
-                                  <p:stCondLst>
-                                    <p:cond delay="0"/>
-                                  </p:stCondLst>
-                                  <p:iterate type="el" backwards="0">
-                                    <p:tmAbs val="0"/>
-                                  </p:iterate>
-                                  <p:childTnLst>
-                                    <p:set>
-                                      <p:cBhvr>
-                                        <p:cTn id="79" fill="hold"/>
+                                        <p:cTn id="66" fill="hold"/>
                                         <p:tgtEl>
                                           <p:spTgt spid="229"/>
                                         </p:tgtEl>
@@ -5335,23 +5349,23 @@
                           </p:cTn>
                         </p:par>
                         <p:par>
-                          <p:cTn id="80" fill="hold">
+                          <p:cTn id="67" fill="hold">
                             <p:stCondLst>
                               <p:cond delay="0"/>
                             </p:stCondLst>
                             <p:childTnLst>
                               <p:par>
-                                <p:cTn id="81" presetClass="entr" nodeType="afterEffect" presetSubtype="0" presetID="1" grpId="9" fill="hold">
+                                <p:cTn id="68" presetID="1" presetClass="entr" presetSubtype="0" fill="hold" grpId="9" nodeType="afterEffect">
                                   <p:stCondLst>
                                     <p:cond delay="0"/>
                                   </p:stCondLst>
-                                  <p:iterate type="el" backwards="0">
+                                  <p:iterate>
                                     <p:tmAbs val="0"/>
                                   </p:iterate>
                                   <p:childTnLst>
                                     <p:set>
                                       <p:cBhvr>
-                                        <p:cTn id="82" fill="hold"/>
+                                        <p:cTn id="69" fill="hold"/>
                                         <p:tgtEl>
                                           <p:spTgt spid="223"/>
                                         </p:tgtEl>
@@ -5370,169 +5384,25 @@
                           </p:cTn>
                         </p:par>
                         <p:par>
-                          <p:cTn id="83" fill="hold">
+                          <p:cTn id="70" fill="hold">
                             <p:stCondLst>
                               <p:cond delay="0"/>
                             </p:stCondLst>
                             <p:childTnLst>
                               <p:par>
-                                <p:cTn id="84" presetClass="entr" nodeType="afterEffect" presetSubtype="0" presetID="1" grpId="10" fill="hold">
+                                <p:cTn id="71" presetID="1" presetClass="entr" presetSubtype="0" fill="hold" grpId="10" nodeType="afterEffect">
                                   <p:stCondLst>
                                     <p:cond delay="0"/>
                                   </p:stCondLst>
-                                  <p:iterate type="el" backwards="0">
+                                  <p:iterate>
                                     <p:tmAbs val="0"/>
                                   </p:iterate>
                                   <p:childTnLst>
                                     <p:set>
                                       <p:cBhvr>
-                                        <p:cTn id="85" fill="hold"/>
+                                        <p:cTn id="72" fill="hold"/>
                                         <p:tgtEl>
                                           <p:spTgt spid="230"/>
-                                        </p:tgtEl>
-                                        <p:attrNameLst>
-                                          <p:attrName>style.visibility</p:attrName>
-                                        </p:attrNameLst>
-                                      </p:cBhvr>
-                                      <p:to>
-                                        <p:strVal val="visible"/>
-                                      </p:to>
-                                    </p:set>
-                                  </p:childTnLst>
-                                </p:cTn>
-                              </p:par>
-                            </p:childTnLst>
-                          </p:cTn>
-                        </p:par>
-                      </p:childTnLst>
-                    </p:cTn>
-                  </p:par>
-                  <p:par>
-                    <p:cTn id="86" fill="hold">
-                      <p:stCondLst>
-                        <p:cond delay="indefinite"/>
-                      </p:stCondLst>
-                      <p:childTnLst>
-                        <p:par>
-                          <p:cTn id="87" fill="hold">
-                            <p:stCondLst>
-                              <p:cond delay="0"/>
-                            </p:stCondLst>
-                            <p:childTnLst>
-                              <p:par>
-                                <p:cTn id="88" presetClass="entr" nodeType="clickEffect" presetSubtype="0" presetID="1" grpId="1" fill="hold">
-                                  <p:stCondLst>
-                                    <p:cond delay="0"/>
-                                  </p:stCondLst>
-                                  <p:iterate type="el" backwards="0">
-                                    <p:tmAbs val="0"/>
-                                  </p:iterate>
-                                  <p:childTnLst>
-                                    <p:set>
-                                      <p:cBhvr>
-                                        <p:cTn id="89" fill="hold"/>
-                                        <p:tgtEl>
-                                          <p:spTgt spid="220">
-                                            <p:txEl>
-                                              <p:pRg st="17" end="17"/>
-                                            </p:txEl>
-                                          </p:spTgt>
-                                        </p:tgtEl>
-                                        <p:attrNameLst>
-                                          <p:attrName>style.visibility</p:attrName>
-                                        </p:attrNameLst>
-                                      </p:cBhvr>
-                                      <p:to>
-                                        <p:strVal val="visible"/>
-                                      </p:to>
-                                    </p:set>
-                                  </p:childTnLst>
-                                </p:cTn>
-                              </p:par>
-                            </p:childTnLst>
-                          </p:cTn>
-                        </p:par>
-                      </p:childTnLst>
-                    </p:cTn>
-                  </p:par>
-                  <p:par>
-                    <p:cTn id="90" fill="hold">
-                      <p:stCondLst>
-                        <p:cond delay="indefinite"/>
-                      </p:stCondLst>
-                      <p:childTnLst>
-                        <p:par>
-                          <p:cTn id="91" fill="hold">
-                            <p:stCondLst>
-                              <p:cond delay="0"/>
-                            </p:stCondLst>
-                            <p:childTnLst>
-                              <p:par>
-                                <p:cTn id="92" presetClass="entr" nodeType="clickEffect" presetSubtype="0" presetID="1" grpId="1" fill="hold">
-                                  <p:stCondLst>
-                                    <p:cond delay="0"/>
-                                  </p:stCondLst>
-                                  <p:iterate type="el" backwards="0">
-                                    <p:tmAbs val="0"/>
-                                  </p:iterate>
-                                  <p:childTnLst>
-                                    <p:set>
-                                      <p:cBhvr>
-                                        <p:cTn id="93" fill="hold"/>
-                                        <p:tgtEl>
-                                          <p:spTgt spid="220">
-                                            <p:txEl>
-                                              <p:pRg st="18" end="18"/>
-                                            </p:txEl>
-                                          </p:spTgt>
-                                        </p:tgtEl>
-                                        <p:attrNameLst>
-                                          <p:attrName>style.visibility</p:attrName>
-                                        </p:attrNameLst>
-                                      </p:cBhvr>
-                                      <p:to>
-                                        <p:strVal val="visible"/>
-                                      </p:to>
-                                    </p:set>
-                                  </p:childTnLst>
-                                </p:cTn>
-                              </p:par>
-                            </p:childTnLst>
-                          </p:cTn>
-                        </p:par>
-                      </p:childTnLst>
-                    </p:cTn>
-                  </p:par>
-                  <p:par>
-                    <p:cTn id="94" fill="hold">
-                      <p:stCondLst>
-                        <p:cond delay="indefinite"/>
-                      </p:stCondLst>
-                      <p:childTnLst>
-                        <p:par>
-                          <p:cTn id="95" fill="hold">
-                            <p:stCondLst>
-                              <p:cond delay="0"/>
-                            </p:stCondLst>
-                            <p:childTnLst>
-                              <p:par>
-                                <p:cTn id="96" presetClass="entr" nodeType="clickEffect" presetSubtype="0" presetID="1" grpId="1" fill="hold">
-                                  <p:stCondLst>
-                                    <p:cond delay="0"/>
-                                  </p:stCondLst>
-                                  <p:iterate type="el" backwards="0">
-                                    <p:tmAbs val="0"/>
-                                  </p:iterate>
-                                  <p:childTnLst>
-                                    <p:set>
-                                      <p:cBhvr>
-                                        <p:cTn id="97" fill="hold"/>
-                                        <p:tgtEl>
-                                          <p:spTgt spid="220">
-                                            <p:txEl>
-                                              <p:pRg st="19" end="19"/>
-                                            </p:txEl>
-                                          </p:spTgt>
                                         </p:tgtEl>
                                         <p:attrNameLst>
                                           <p:attrName>style.visibility</p:attrName>
@@ -5554,14 +5424,14 @@
                 </p:childTnLst>
               </p:cTn>
               <p:prevCondLst>
-                <p:cond evt="onPrev">
+                <p:cond evt="onPrev" delay="0">
                   <p:tgtEl>
                     <p:sldTgt/>
                   </p:tgtEl>
                 </p:cond>
               </p:prevCondLst>
               <p:nextCondLst>
-                <p:cond evt="onNext">
+                <p:cond evt="onNext" delay="0">
                   <p:tgtEl>
                     <p:sldTgt/>
                   </p:tgtEl>
@@ -5573,23 +5443,23 @@
       </p:par>
     </p:tnLst>
     <p:bldLst>
-      <p:bldP build="whole" bldLvl="1" animBg="1" rev="0" advAuto="0" spid="226" grpId="4"/>
-      <p:bldP build="whole" bldLvl="1" animBg="1" rev="0" advAuto="0" spid="229" grpId="8"/>
-      <p:bldP build="whole" bldLvl="1" animBg="1" rev="0" advAuto="0" spid="223" grpId="9"/>
-      <p:bldP build="whole" bldLvl="1" animBg="1" rev="0" advAuto="0" spid="230" grpId="10"/>
-      <p:bldP build="p" bldLvl="5" animBg="1" rev="0" advAuto="0" spid="220" grpId="1"/>
-      <p:bldP build="whole" bldLvl="1" animBg="1" rev="0" advAuto="0" spid="224" grpId="3"/>
-      <p:bldP build="whole" bldLvl="1" animBg="1" rev="0" advAuto="0" spid="227" grpId="5"/>
-      <p:bldP build="whole" bldLvl="1" animBg="1" rev="0" advAuto="0" spid="228" grpId="7"/>
-      <p:bldP build="whole" bldLvl="1" animBg="1" rev="0" advAuto="0" spid="225" grpId="6"/>
-      <p:bldP build="whole" bldLvl="1" animBg="1" rev="0" advAuto="0" spid="222" grpId="2"/>
+      <p:bldP spid="220" grpId="1" build="p" bldLvl="5" animBg="1" advAuto="0"/>
+      <p:bldP spid="222" grpId="2" uiExpand="1" animBg="1" advAuto="0"/>
+      <p:bldP spid="223" grpId="9" animBg="1" advAuto="0"/>
+      <p:bldP spid="224" grpId="3" uiExpand="1" animBg="1" advAuto="0"/>
+      <p:bldP spid="225" grpId="6" animBg="1" advAuto="0"/>
+      <p:bldP spid="226" grpId="4" uiExpand="1" animBg="1" advAuto="0"/>
+      <p:bldP spid="227" grpId="5" animBg="1" advAuto="0"/>
+      <p:bldP spid="228" grpId="7" animBg="1" advAuto="0"/>
+      <p:bldP spid="229" grpId="8" animBg="1" advAuto="0"/>
+      <p:bldP spid="230" grpId="10" animBg="1" advAuto="0"/>
     </p:bldLst>
   </p:timing>
 </p:sld>
 </file>
 
 <file path=ppt/slides/slide11.xml><?xml version="1.0" encoding="utf-8"?>
-<p:sld xmlns:a="http://schemas.openxmlformats.org/drawingml/2006/main" xmlns:r="http://schemas.openxmlformats.org/officeDocument/2006/relationships" xmlns:p="http://schemas.openxmlformats.org/presentationml/2006/main" showMasterSp="1" showMasterPhAnim="1">
+<p:sld xmlns:a="http://schemas.openxmlformats.org/drawingml/2006/main" xmlns:r="http://schemas.openxmlformats.org/officeDocument/2006/relationships" xmlns:p="http://schemas.openxmlformats.org/presentationml/2006/main">
   <p:cSld>
     <p:spTree>
       <p:nvGrpSpPr>
@@ -5642,7 +5512,6 @@
             </a:lvl1pPr>
           </a:lstStyle>
           <a:p>
-            <a:pPr/>
             <a:r>
               <a:t>Mlst.-Präsentation Nr. V  /  Gruppe 15</a:t>
             </a:r>
@@ -5652,7 +5521,9 @@
       <p:sp>
         <p:nvSpPr>
           <p:cNvPr id="233" name="Shape 233"/>
-          <p:cNvSpPr/>
+          <p:cNvSpPr>
+            <a:spLocks noGrp="1"/>
+          </p:cNvSpPr>
           <p:nvPr>
             <p:ph type="title"/>
           </p:nvPr>
@@ -5670,7 +5541,7 @@
           <a:bodyPr/>
           <a:lstStyle>
             <a:lvl1pPr>
-              <a:defRPr b="1" sz="2000">
+              <a:defRPr sz="2000" b="1">
                 <a:latin typeface="Arial"/>
                 <a:ea typeface="Arial"/>
                 <a:cs typeface="Arial"/>
@@ -5679,7 +5550,6 @@
             </a:lvl1pPr>
           </a:lstStyle>
           <a:p>
-            <a:pPr/>
             <a:r>
               <a:t>	</a:t>
             </a:r>
@@ -5689,7 +5559,9 @@
       <p:sp>
         <p:nvSpPr>
           <p:cNvPr id="234" name="Shape 234"/>
-          <p:cNvSpPr/>
+          <p:cNvSpPr>
+            <a:spLocks noGrp="1"/>
+          </p:cNvSpPr>
           <p:nvPr>
             <p:ph type="sldNum" sz="quarter" idx="4294967295"/>
           </p:nvPr>
@@ -5712,8 +5584,10 @@
           <a:bodyPr/>
           <a:lstStyle/>
           <a:p>
-            <a:pPr/>
-            <a:fld id="{86CB4B4D-7CA3-9044-876B-883B54F8677D}" type="slidenum"/>
+            <a:fld id="{86CB4B4D-7CA3-9044-876B-883B54F8677D}" type="slidenum">
+              <a:t>11</a:t>
+            </a:fld>
+            <a:endParaRPr/>
           </a:p>
         </p:txBody>
       </p:sp>
@@ -5726,7 +5600,7 @@
         <p:spPr>
           <a:xfrm>
             <a:off x="4535399" y="3136612"/>
-            <a:ext cx="7236002" cy="1501137"/>
+            <a:ext cx="7236002" cy="584771"/>
           </a:xfrm>
           <a:prstGeom prst="rect">
             <a:avLst/>
@@ -5746,14 +5620,19 @@
           </a:bodyPr>
           <a:lstStyle>
             <a:lvl1pPr algn="ctr">
-              <a:defRPr b="1" i="1" sz="3200"/>
+              <a:defRPr sz="3200" b="1" i="1"/>
             </a:lvl1pPr>
           </a:lstStyle>
           <a:p>
-            <a:pPr/>
-            <a:r>
-              <a:t>Vielen Dank für eure Aufmerksamkeit und viel Erfolg bei den Prüfungen !</a:t>
-            </a:r>
+            <a:r>
+              <a:rPr dirty="0"/>
+              <a:t>Vielen Dank für eure </a:t>
+            </a:r>
+            <a:r>
+              <a:rPr dirty="0" smtClean="0"/>
+              <a:t>Aufmerksamkeit!</a:t>
+            </a:r>
+            <a:endParaRPr dirty="0"/>
           </a:p>
         </p:txBody>
       </p:sp>
@@ -5819,7 +5698,6 @@
             </a:lvl1pPr>
           </a:lstStyle>
           <a:p>
-            <a:pPr/>
             <a:r>
               <a:t>Quelle:  mercadolibre.com</a:t>
             </a:r>
@@ -5831,12 +5709,19 @@
   <p:clrMapOvr>
     <a:masterClrMapping/>
   </p:clrMapOvr>
-  <p:transition xmlns:p14="http://schemas.microsoft.com/office/powerpoint/2010/main" spd="med" advClick="1" p14:dur="1000"/>
+  <p:transition xmlns:p14="http://schemas.microsoft.com/office/powerpoint/2010/main" spd="slow"/>
+  <p:timing>
+    <p:tnLst>
+      <p:par>
+        <p:cTn xmlns:p14="http://schemas.microsoft.com/office/powerpoint/2010/main" id="1" dur="indefinite" restart="never" nodeType="tmRoot"/>
+      </p:par>
+    </p:tnLst>
+  </p:timing>
 </p:sld>
 </file>
 
 <file path=ppt/slides/slide2.xml><?xml version="1.0" encoding="utf-8"?>
-<p:sld xmlns:a="http://schemas.openxmlformats.org/drawingml/2006/main" xmlns:r="http://schemas.openxmlformats.org/officeDocument/2006/relationships" xmlns:p="http://schemas.openxmlformats.org/presentationml/2006/main" showMasterSp="1" showMasterPhAnim="1">
+<p:sld xmlns:a="http://schemas.openxmlformats.org/drawingml/2006/main" xmlns:r="http://schemas.openxmlformats.org/officeDocument/2006/relationships" xmlns:p="http://schemas.openxmlformats.org/presentationml/2006/main">
   <p:cSld>
     <p:spTree>
       <p:nvGrpSpPr>
@@ -5889,7 +5774,6 @@
             </a:lvl1pPr>
           </a:lstStyle>
           <a:p>
-            <a:pPr/>
             <a:r>
               <a:t>Mlst.-Präsentation Nr. V  /  Gruppe 15</a:t>
             </a:r>
@@ -5899,7 +5783,9 @@
       <p:sp>
         <p:nvSpPr>
           <p:cNvPr id="141" name="Shape 141"/>
-          <p:cNvSpPr/>
+          <p:cNvSpPr>
+            <a:spLocks noGrp="1"/>
+          </p:cNvSpPr>
           <p:nvPr>
             <p:ph type="body" sz="half" idx="1"/>
           </p:nvPr>
@@ -5942,6 +5828,7 @@
                 <a:sym typeface="Arial"/>
               </a:defRPr>
             </a:pPr>
+            <a:endParaRPr/>
           </a:p>
           <a:p>
             <a:pPr marL="0" indent="0">
@@ -5969,6 +5856,7 @@
                 <a:sym typeface="Arial"/>
               </a:defRPr>
             </a:pPr>
+            <a:endParaRPr/>
           </a:p>
           <a:p>
             <a:pPr marL="0" indent="0">
@@ -5996,6 +5884,7 @@
                 <a:sym typeface="Arial"/>
               </a:defRPr>
             </a:pPr>
+            <a:endParaRPr/>
           </a:p>
           <a:p>
             <a:pPr marL="0" indent="0">
@@ -6017,7 +5906,9 @@
       <p:sp>
         <p:nvSpPr>
           <p:cNvPr id="142" name="Shape 142"/>
-          <p:cNvSpPr/>
+          <p:cNvSpPr>
+            <a:spLocks noGrp="1"/>
+          </p:cNvSpPr>
           <p:nvPr>
             <p:ph type="sldNum" sz="quarter" idx="4294967295"/>
           </p:nvPr>
@@ -6040,8 +5931,10 @@
           <a:bodyPr/>
           <a:lstStyle/>
           <a:p>
-            <a:pPr/>
-            <a:fld id="{86CB4B4D-7CA3-9044-876B-883B54F8677D}" type="slidenum"/>
+            <a:fld id="{86CB4B4D-7CA3-9044-876B-883B54F8677D}" type="slidenum">
+              <a:t>2</a:t>
+            </a:fld>
+            <a:endParaRPr/>
           </a:p>
         </p:txBody>
       </p:sp>
@@ -6077,7 +5970,9 @@
       <p:sp>
         <p:nvSpPr>
           <p:cNvPr id="144" name="Shape 144"/>
-          <p:cNvSpPr/>
+          <p:cNvSpPr>
+            <a:spLocks noGrp="1"/>
+          </p:cNvSpPr>
           <p:nvPr>
             <p:ph type="title"/>
           </p:nvPr>
@@ -6095,7 +5990,7 @@
           <a:bodyPr/>
           <a:lstStyle>
             <a:lvl1pPr>
-              <a:defRPr b="1" sz="2000">
+              <a:defRPr sz="2000" b="1">
                 <a:latin typeface="Arial"/>
                 <a:ea typeface="Arial"/>
                 <a:cs typeface="Arial"/>
@@ -6104,7 +5999,6 @@
             </a:lvl1pPr>
           </a:lstStyle>
           <a:p>
-            <a:pPr/>
             <a:r>
               <a:t>	 Übersicht</a:t>
             </a:r>
@@ -6132,7 +6026,7 @@
             <a:miter/>
           </a:ln>
           <a:effectLst>
-            <a:outerShdw sx="100000" sy="100000" kx="0" ky="0" algn="b" rotWithShape="0" blurRad="50800" dist="38100" dir="2700000">
+            <a:outerShdw blurRad="50800" dist="38100" dir="2700000" rotWithShape="0">
               <a:srgbClr val="000000">
                 <a:alpha val="40000"/>
               </a:srgbClr>
@@ -6143,7 +6037,7 @@
           <a:bodyPr lIns="45718" tIns="45718" rIns="45718" bIns="45718"/>
           <a:lstStyle/>
           <a:p>
-            <a:pPr/>
+            <a:endParaRPr/>
           </a:p>
         </p:txBody>
       </p:sp>
@@ -6268,12 +6162,19 @@
   <p:clrMapOvr>
     <a:masterClrMapping/>
   </p:clrMapOvr>
-  <p:transition xmlns:p14="http://schemas.microsoft.com/office/powerpoint/2010/main" spd="med" advClick="1" p14:dur="1000"/>
+  <p:transition xmlns:p14="http://schemas.microsoft.com/office/powerpoint/2010/main" spd="slow"/>
+  <p:timing>
+    <p:tnLst>
+      <p:par>
+        <p:cTn xmlns:p14="http://schemas.microsoft.com/office/powerpoint/2010/main" id="1" dur="indefinite" restart="never" nodeType="tmRoot"/>
+      </p:par>
+    </p:tnLst>
+  </p:timing>
 </p:sld>
 </file>
 
 <file path=ppt/slides/slide3.xml><?xml version="1.0" encoding="utf-8"?>
-<p:sld xmlns:a="http://schemas.openxmlformats.org/drawingml/2006/main" xmlns:r="http://schemas.openxmlformats.org/officeDocument/2006/relationships" xmlns:p="http://schemas.openxmlformats.org/presentationml/2006/main" showMasterSp="1" showMasterPhAnim="1">
+<p:sld xmlns:a="http://schemas.openxmlformats.org/drawingml/2006/main" xmlns:r="http://schemas.openxmlformats.org/officeDocument/2006/relationships" xmlns:p="http://schemas.openxmlformats.org/presentationml/2006/main">
   <p:cSld>
     <p:spTree>
       <p:nvGrpSpPr>
@@ -6326,7 +6227,6 @@
             </a:lvl1pPr>
           </a:lstStyle>
           <a:p>
-            <a:pPr/>
             <a:r>
               <a:t>Mlst.-Präsentation Nr. V  /  Gruppe 15</a:t>
             </a:r>
@@ -6336,14 +6236,16 @@
       <p:sp>
         <p:nvSpPr>
           <p:cNvPr id="152" name="Shape 152"/>
-          <p:cNvSpPr/>
+          <p:cNvSpPr>
+            <a:spLocks noGrp="1"/>
+          </p:cNvSpPr>
           <p:nvPr>
             <p:ph type="body" sz="half" idx="1"/>
           </p:nvPr>
         </p:nvSpPr>
         <p:spPr>
           <a:xfrm>
-            <a:off x="1446760" y="1253331"/>
+            <a:off x="2270524" y="1253331"/>
             <a:ext cx="7622080" cy="4351338"/>
           </a:xfrm>
           <a:prstGeom prst="rect">
@@ -6364,7 +6266,7 @@
               <a:buSzTx/>
               <a:buFontTx/>
               <a:buNone/>
-              <a:defRPr b="1" sz="2600">
+              <a:defRPr sz="2600" b="1">
                 <a:latin typeface="Trebuchet MS"/>
                 <a:ea typeface="Trebuchet MS"/>
                 <a:cs typeface="Trebuchet MS"/>
@@ -6372,6 +6274,7 @@
               </a:defRPr>
             </a:pPr>
             <a:r>
+              <a:rPr dirty="0"/>
               <a:t>Um mitzuspielen:</a:t>
             </a:r>
           </a:p>
@@ -6386,13 +6289,14 @@
               <a:buSzTx/>
               <a:buFontTx/>
               <a:buNone/>
-              <a:defRPr b="1" sz="2600">
+              <a:defRPr sz="2600" b="1">
                 <a:latin typeface="Trebuchet MS"/>
                 <a:ea typeface="Trebuchet MS"/>
                 <a:cs typeface="Trebuchet MS"/>
                 <a:sym typeface="Trebuchet MS"/>
               </a:defRPr>
             </a:pPr>
+            <a:endParaRPr dirty="0"/>
           </a:p>
           <a:p>
             <a:pPr marL="0" indent="0" algn="ctr" defTabSz="457200">
@@ -6405,7 +6309,7 @@
               <a:buSzTx/>
               <a:buFontTx/>
               <a:buNone/>
-              <a:defRPr b="1" sz="2600">
+              <a:defRPr sz="2600" b="1">
                 <a:latin typeface="Trebuchet MS"/>
                 <a:ea typeface="Trebuchet MS"/>
                 <a:cs typeface="Trebuchet MS"/>
@@ -6413,8 +6317,14 @@
               </a:defRPr>
             </a:pPr>
             <a:r>
-              <a:t>IP Adresse: 10.34.58.178:8015</a:t>
-            </a:r>
+              <a:rPr dirty="0"/>
+              <a:t>IP Adresse: </a:t>
+            </a:r>
+            <a:r>
+              <a:rPr dirty="0" smtClean="0"/>
+              <a:t>10.34.58.178</a:t>
+            </a:r>
+            <a:endParaRPr lang="de-CH" dirty="0" smtClean="0"/>
           </a:p>
           <a:p>
             <a:pPr marL="0" indent="0" algn="ctr" defTabSz="457200">
@@ -6427,7 +6337,7 @@
               <a:buSzTx/>
               <a:buFontTx/>
               <a:buNone/>
-              <a:defRPr b="1" sz="2600">
+              <a:defRPr sz="2600" b="1">
                 <a:latin typeface="Trebuchet MS"/>
                 <a:ea typeface="Trebuchet MS"/>
                 <a:cs typeface="Trebuchet MS"/>
@@ -6435,7 +6345,12 @@
               </a:defRPr>
             </a:pPr>
             <a:r>
-              <a:t>Port: 8015</a:t>
+              <a:rPr dirty="0" smtClean="0"/>
+              <a:t>Port</a:t>
+            </a:r>
+            <a:r>
+              <a:rPr dirty="0"/>
+              <a:t>: 8015</a:t>
             </a:r>
           </a:p>
           <a:p>
@@ -6449,13 +6364,14 @@
               <a:buSzTx/>
               <a:buFontTx/>
               <a:buNone/>
-              <a:defRPr b="1" sz="2600">
+              <a:defRPr sz="2600" b="1">
                 <a:latin typeface="Trebuchet MS"/>
                 <a:ea typeface="Trebuchet MS"/>
                 <a:cs typeface="Trebuchet MS"/>
                 <a:sym typeface="Trebuchet MS"/>
               </a:defRPr>
             </a:pPr>
+            <a:endParaRPr dirty="0"/>
           </a:p>
           <a:p>
             <a:pPr marL="0" indent="0" algn="ctr" defTabSz="457200">
@@ -6468,7 +6384,7 @@
               <a:buSzTx/>
               <a:buFontTx/>
               <a:buNone/>
-              <a:defRPr b="1" sz="2600">
+              <a:defRPr sz="2600" b="1">
                 <a:latin typeface="Trebuchet MS"/>
                 <a:ea typeface="Trebuchet MS"/>
                 <a:cs typeface="Trebuchet MS"/>
@@ -6476,6 +6392,7 @@
               </a:defRPr>
             </a:pPr>
             <a:r>
+              <a:rPr dirty="0"/>
               <a:t>Link zum Download des JARs im Chat</a:t>
             </a:r>
           </a:p>
@@ -6484,7 +6401,9 @@
       <p:sp>
         <p:nvSpPr>
           <p:cNvPr id="153" name="Shape 153"/>
-          <p:cNvSpPr/>
+          <p:cNvSpPr>
+            <a:spLocks noGrp="1"/>
+          </p:cNvSpPr>
           <p:nvPr>
             <p:ph type="sldNum" sz="quarter" idx="4294967295"/>
           </p:nvPr>
@@ -6507,15 +6426,19 @@
           <a:bodyPr/>
           <a:lstStyle/>
           <a:p>
-            <a:pPr/>
-            <a:fld id="{86CB4B4D-7CA3-9044-876B-883B54F8677D}" type="slidenum"/>
+            <a:fld id="{86CB4B4D-7CA3-9044-876B-883B54F8677D}" type="slidenum">
+              <a:t>3</a:t>
+            </a:fld>
+            <a:endParaRPr/>
           </a:p>
         </p:txBody>
       </p:sp>
       <p:sp>
         <p:nvSpPr>
           <p:cNvPr id="154" name="Shape 154"/>
-          <p:cNvSpPr/>
+          <p:cNvSpPr>
+            <a:spLocks noGrp="1"/>
+          </p:cNvSpPr>
           <p:nvPr>
             <p:ph type="title"/>
           </p:nvPr>
@@ -6533,7 +6456,7 @@
           <a:bodyPr/>
           <a:lstStyle>
             <a:lvl1pPr>
-              <a:defRPr b="1" sz="2000">
+              <a:defRPr sz="2000" b="1">
                 <a:latin typeface="Arial"/>
                 <a:ea typeface="Arial"/>
                 <a:cs typeface="Arial"/>
@@ -6542,7 +6465,6 @@
             </a:lvl1pPr>
           </a:lstStyle>
           <a:p>
-            <a:pPr/>
             <a:r>
               <a:t>	 Übersicht</a:t>
             </a:r>
@@ -6570,7 +6492,7 @@
             <a:miter/>
           </a:ln>
           <a:effectLst>
-            <a:outerShdw sx="100000" sy="100000" kx="0" ky="0" algn="b" rotWithShape="0" blurRad="50800" dist="38100" dir="2700000">
+            <a:outerShdw blurRad="50800" dist="38100" dir="2700000" rotWithShape="0">
               <a:srgbClr val="000000">
                 <a:alpha val="40000"/>
               </a:srgbClr>
@@ -6581,7 +6503,7 @@
           <a:bodyPr lIns="45718" tIns="45718" rIns="45718" bIns="45718"/>
           <a:lstStyle/>
           <a:p>
-            <a:pPr/>
+            <a:endParaRPr/>
           </a:p>
         </p:txBody>
       </p:sp>
@@ -6619,12 +6541,19 @@
   <p:clrMapOvr>
     <a:masterClrMapping/>
   </p:clrMapOvr>
-  <p:transition xmlns:p14="http://schemas.microsoft.com/office/powerpoint/2010/main" spd="med" advClick="1" p14:dur="1000"/>
+  <p:transition xmlns:p14="http://schemas.microsoft.com/office/powerpoint/2010/main" spd="slow"/>
+  <p:timing>
+    <p:tnLst>
+      <p:par>
+        <p:cTn xmlns:p14="http://schemas.microsoft.com/office/powerpoint/2010/main" id="1" dur="indefinite" restart="never" nodeType="tmRoot"/>
+      </p:par>
+    </p:tnLst>
+  </p:timing>
 </p:sld>
 </file>
 
 <file path=ppt/slides/slide4.xml><?xml version="1.0" encoding="utf-8"?>
-<p:sld xmlns:a="http://schemas.openxmlformats.org/drawingml/2006/main" xmlns:r="http://schemas.openxmlformats.org/officeDocument/2006/relationships" xmlns:p="http://schemas.openxmlformats.org/presentationml/2006/main" showMasterSp="1" showMasterPhAnim="1">
+<p:sld xmlns:a="http://schemas.openxmlformats.org/drawingml/2006/main" xmlns:r="http://schemas.openxmlformats.org/officeDocument/2006/relationships" xmlns:p="http://schemas.openxmlformats.org/presentationml/2006/main">
   <p:cSld>
     <p:spTree>
       <p:nvGrpSpPr>
@@ -6677,7 +6606,6 @@
             </a:lvl1pPr>
           </a:lstStyle>
           <a:p>
-            <a:pPr/>
             <a:r>
               <a:t>Mlst.-Präsentation Nr. V  /  Gruppe 15</a:t>
             </a:r>
@@ -6687,7 +6615,9 @@
       <p:sp>
         <p:nvSpPr>
           <p:cNvPr id="159" name="Shape 159"/>
-          <p:cNvSpPr/>
+          <p:cNvSpPr>
+            <a:spLocks noGrp="1"/>
+          </p:cNvSpPr>
           <p:nvPr>
             <p:ph type="body" sz="half" idx="1"/>
           </p:nvPr>
@@ -6708,7 +6638,7 @@
             <a:pPr marL="0" indent="0">
               <a:buSzTx/>
               <a:buNone/>
-              <a:defRPr b="1" sz="3000">
+              <a:defRPr sz="3000" b="1">
                 <a:latin typeface="Arial"/>
                 <a:ea typeface="Arial"/>
                 <a:cs typeface="Arial"/>
@@ -6730,6 +6660,7 @@
                 <a:sym typeface="Arial"/>
               </a:defRPr>
             </a:pPr>
+            <a:endParaRPr/>
           </a:p>
           <a:p>
             <a:pPr marL="0" indent="0">
@@ -6757,6 +6688,7 @@
                 <a:sym typeface="Arial"/>
               </a:defRPr>
             </a:pPr>
+            <a:endParaRPr/>
           </a:p>
           <a:p>
             <a:pPr marL="0" indent="0">
@@ -6784,6 +6716,7 @@
                 <a:sym typeface="Arial"/>
               </a:defRPr>
             </a:pPr>
+            <a:endParaRPr/>
           </a:p>
           <a:p>
             <a:pPr marL="0" indent="0">
@@ -6805,7 +6738,9 @@
       <p:sp>
         <p:nvSpPr>
           <p:cNvPr id="160" name="Shape 160"/>
-          <p:cNvSpPr/>
+          <p:cNvSpPr>
+            <a:spLocks noGrp="1"/>
+          </p:cNvSpPr>
           <p:nvPr>
             <p:ph type="sldNum" sz="quarter" idx="4294967295"/>
           </p:nvPr>
@@ -6828,8 +6763,10 @@
           <a:bodyPr/>
           <a:lstStyle/>
           <a:p>
-            <a:pPr/>
-            <a:fld id="{86CB4B4D-7CA3-9044-876B-883B54F8677D}" type="slidenum"/>
+            <a:fld id="{86CB4B4D-7CA3-9044-876B-883B54F8677D}" type="slidenum">
+              <a:t>4</a:t>
+            </a:fld>
+            <a:endParaRPr/>
           </a:p>
         </p:txBody>
       </p:sp>
@@ -6865,7 +6802,9 @@
       <p:sp>
         <p:nvSpPr>
           <p:cNvPr id="162" name="Shape 162"/>
-          <p:cNvSpPr/>
+          <p:cNvSpPr>
+            <a:spLocks noGrp="1"/>
+          </p:cNvSpPr>
           <p:nvPr>
             <p:ph type="title"/>
           </p:nvPr>
@@ -6883,7 +6822,7 @@
           <a:bodyPr/>
           <a:lstStyle>
             <a:lvl1pPr>
-              <a:defRPr b="1" sz="2000">
+              <a:defRPr sz="2000" b="1">
                 <a:latin typeface="Arial"/>
                 <a:ea typeface="Arial"/>
                 <a:cs typeface="Arial"/>
@@ -6892,7 +6831,6 @@
             </a:lvl1pPr>
           </a:lstStyle>
           <a:p>
-            <a:pPr/>
             <a:r>
               <a:t>	 Übersicht</a:t>
             </a:r>
@@ -6920,7 +6858,7 @@
             <a:miter/>
           </a:ln>
           <a:effectLst>
-            <a:outerShdw sx="100000" sy="100000" kx="0" ky="0" algn="b" rotWithShape="0" blurRad="50800" dist="38100" dir="2700000">
+            <a:outerShdw blurRad="50800" dist="38100" dir="2700000" rotWithShape="0">
               <a:srgbClr val="000000">
                 <a:alpha val="40000"/>
               </a:srgbClr>
@@ -6931,7 +6869,7 @@
           <a:bodyPr lIns="45718" tIns="45718" rIns="45718" bIns="45718"/>
           <a:lstStyle/>
           <a:p>
-            <a:pPr/>
+            <a:endParaRPr/>
           </a:p>
         </p:txBody>
       </p:sp>
@@ -7056,12 +6994,19 @@
   <p:clrMapOvr>
     <a:masterClrMapping/>
   </p:clrMapOvr>
-  <p:transition xmlns:p14="http://schemas.microsoft.com/office/powerpoint/2010/main" spd="med" advClick="1" p14:dur="1000"/>
+  <p:transition xmlns:p14="http://schemas.microsoft.com/office/powerpoint/2010/main" spd="slow"/>
+  <p:timing>
+    <p:tnLst>
+      <p:par>
+        <p:cTn xmlns:p14="http://schemas.microsoft.com/office/powerpoint/2010/main" id="1" dur="indefinite" restart="never" nodeType="tmRoot"/>
+      </p:par>
+    </p:tnLst>
+  </p:timing>
 </p:sld>
 </file>
 
 <file path=ppt/slides/slide5.xml><?xml version="1.0" encoding="utf-8"?>
-<p:sld xmlns:a="http://schemas.openxmlformats.org/drawingml/2006/main" xmlns:r="http://schemas.openxmlformats.org/officeDocument/2006/relationships" xmlns:p="http://schemas.openxmlformats.org/presentationml/2006/main" showMasterSp="1" showMasterPhAnim="1">
+<p:sld xmlns:a="http://schemas.openxmlformats.org/drawingml/2006/main" xmlns:r="http://schemas.openxmlformats.org/officeDocument/2006/relationships" xmlns:p="http://schemas.openxmlformats.org/presentationml/2006/main">
   <p:cSld>
     <p:spTree>
       <p:nvGrpSpPr>
@@ -7114,7 +7059,6 @@
             </a:lvl1pPr>
           </a:lstStyle>
           <a:p>
-            <a:pPr/>
             <a:r>
               <a:t>Mlst.-Präsentation Nr. V /  Gruppe 15</a:t>
             </a:r>
@@ -7124,7 +7068,9 @@
       <p:sp>
         <p:nvSpPr>
           <p:cNvPr id="170" name="Shape 170"/>
-          <p:cNvSpPr/>
+          <p:cNvSpPr>
+            <a:spLocks noGrp="1"/>
+          </p:cNvSpPr>
           <p:nvPr>
             <p:ph type="sldNum" sz="quarter" idx="4294967295"/>
           </p:nvPr>
@@ -7147,15 +7093,19 @@
           <a:bodyPr/>
           <a:lstStyle/>
           <a:p>
-            <a:pPr/>
-            <a:fld id="{86CB4B4D-7CA3-9044-876B-883B54F8677D}" type="slidenum"/>
+            <a:fld id="{86CB4B4D-7CA3-9044-876B-883B54F8677D}" type="slidenum">
+              <a:t>5</a:t>
+            </a:fld>
+            <a:endParaRPr/>
           </a:p>
         </p:txBody>
       </p:sp>
       <p:sp>
         <p:nvSpPr>
           <p:cNvPr id="171" name="Shape 171"/>
-          <p:cNvSpPr/>
+          <p:cNvSpPr>
+            <a:spLocks noGrp="1"/>
+          </p:cNvSpPr>
           <p:nvPr>
             <p:ph type="title"/>
           </p:nvPr>
@@ -7173,7 +7123,7 @@
           <a:bodyPr/>
           <a:lstStyle>
             <a:lvl1pPr>
-              <a:defRPr b="1" sz="2000">
+              <a:defRPr sz="2000" b="1">
                 <a:latin typeface="Arial"/>
                 <a:ea typeface="Arial"/>
                 <a:cs typeface="Arial"/>
@@ -7182,7 +7132,6 @@
             </a:lvl1pPr>
           </a:lstStyle>
           <a:p>
-            <a:pPr/>
             <a:r>
               <a:t>	 Skip-Bro: Regeln, Ziel und Mechanik</a:t>
             </a:r>
@@ -7210,7 +7159,7 @@
             <a:miter/>
           </a:ln>
           <a:effectLst>
-            <a:outerShdw sx="100000" sy="100000" kx="0" ky="0" algn="b" rotWithShape="0" blurRad="50800" dist="38100" dir="2700000">
+            <a:outerShdw blurRad="50800" dist="38100" dir="2700000" rotWithShape="0">
               <a:srgbClr val="000000">
                 <a:alpha val="40000"/>
               </a:srgbClr>
@@ -7221,7 +7170,7 @@
           <a:bodyPr lIns="45718" tIns="45718" rIns="45718" bIns="45718"/>
           <a:lstStyle/>
           <a:p>
-            <a:pPr/>
+            <a:endParaRPr/>
           </a:p>
         </p:txBody>
       </p:sp>
@@ -7288,12 +7237,19 @@
   <p:clrMapOvr>
     <a:masterClrMapping/>
   </p:clrMapOvr>
-  <p:transition xmlns:p14="http://schemas.microsoft.com/office/powerpoint/2010/main" spd="med" advClick="1" p14:dur="1000"/>
+  <p:transition xmlns:p14="http://schemas.microsoft.com/office/powerpoint/2010/main" spd="slow"/>
+  <p:timing>
+    <p:tnLst>
+      <p:par>
+        <p:cTn xmlns:p14="http://schemas.microsoft.com/office/powerpoint/2010/main" id="1" dur="indefinite" restart="never" nodeType="tmRoot"/>
+      </p:par>
+    </p:tnLst>
+  </p:timing>
 </p:sld>
 </file>
 
 <file path=ppt/slides/slide6.xml><?xml version="1.0" encoding="utf-8"?>
-<p:sld xmlns:a="http://schemas.openxmlformats.org/drawingml/2006/main" xmlns:r="http://schemas.openxmlformats.org/officeDocument/2006/relationships" xmlns:p="http://schemas.openxmlformats.org/presentationml/2006/main" showMasterSp="1" showMasterPhAnim="1">
+<p:sld xmlns:a="http://schemas.openxmlformats.org/drawingml/2006/main" xmlns:r="http://schemas.openxmlformats.org/officeDocument/2006/relationships" xmlns:p="http://schemas.openxmlformats.org/presentationml/2006/main">
   <p:cSld>
     <p:spTree>
       <p:nvGrpSpPr>
@@ -7346,7 +7302,6 @@
             </a:lvl1pPr>
           </a:lstStyle>
           <a:p>
-            <a:pPr/>
             <a:r>
               <a:t>Mlst.-Präsentation Nr. V  /  Gruppe 15</a:t>
             </a:r>
@@ -7356,7 +7311,9 @@
       <p:sp>
         <p:nvSpPr>
           <p:cNvPr id="177" name="Shape 177"/>
-          <p:cNvSpPr/>
+          <p:cNvSpPr>
+            <a:spLocks noGrp="1"/>
+          </p:cNvSpPr>
           <p:nvPr>
             <p:ph type="body" sz="half" idx="1"/>
           </p:nvPr>
@@ -7399,12 +7356,13 @@
                 <a:sym typeface="Arial"/>
               </a:defRPr>
             </a:pPr>
+            <a:endParaRPr/>
           </a:p>
           <a:p>
             <a:pPr marL="0" indent="0">
               <a:buSzTx/>
               <a:buNone/>
-              <a:defRPr b="1" sz="3000">
+              <a:defRPr sz="3000" b="1">
                 <a:latin typeface="Arial"/>
                 <a:ea typeface="Arial"/>
                 <a:cs typeface="Arial"/>
@@ -7426,6 +7384,7 @@
                 <a:sym typeface="Arial"/>
               </a:defRPr>
             </a:pPr>
+            <a:endParaRPr/>
           </a:p>
           <a:p>
             <a:pPr marL="0" indent="0">
@@ -7453,6 +7412,7 @@
                 <a:sym typeface="Arial"/>
               </a:defRPr>
             </a:pPr>
+            <a:endParaRPr/>
           </a:p>
           <a:p>
             <a:pPr marL="0" indent="0">
@@ -7474,7 +7434,9 @@
       <p:sp>
         <p:nvSpPr>
           <p:cNvPr id="178" name="Shape 178"/>
-          <p:cNvSpPr/>
+          <p:cNvSpPr>
+            <a:spLocks noGrp="1"/>
+          </p:cNvSpPr>
           <p:nvPr>
             <p:ph type="sldNum" sz="quarter" idx="4294967295"/>
           </p:nvPr>
@@ -7497,8 +7459,10 @@
           <a:bodyPr/>
           <a:lstStyle/>
           <a:p>
-            <a:pPr/>
-            <a:fld id="{86CB4B4D-7CA3-9044-876B-883B54F8677D}" type="slidenum"/>
+            <a:fld id="{86CB4B4D-7CA3-9044-876B-883B54F8677D}" type="slidenum">
+              <a:t>6</a:t>
+            </a:fld>
+            <a:endParaRPr/>
           </a:p>
         </p:txBody>
       </p:sp>
@@ -7534,7 +7498,9 @@
       <p:sp>
         <p:nvSpPr>
           <p:cNvPr id="180" name="Shape 180"/>
-          <p:cNvSpPr/>
+          <p:cNvSpPr>
+            <a:spLocks noGrp="1"/>
+          </p:cNvSpPr>
           <p:nvPr>
             <p:ph type="title"/>
           </p:nvPr>
@@ -7552,7 +7518,7 @@
           <a:bodyPr/>
           <a:lstStyle>
             <a:lvl1pPr>
-              <a:defRPr b="1" sz="2000">
+              <a:defRPr sz="2000" b="1">
                 <a:latin typeface="Arial"/>
                 <a:ea typeface="Arial"/>
                 <a:cs typeface="Arial"/>
@@ -7561,7 +7527,6 @@
             </a:lvl1pPr>
           </a:lstStyle>
           <a:p>
-            <a:pPr/>
             <a:r>
               <a:t>	 Übersicht</a:t>
             </a:r>
@@ -7589,7 +7554,7 @@
             <a:miter/>
           </a:ln>
           <a:effectLst>
-            <a:outerShdw sx="100000" sy="100000" kx="0" ky="0" algn="b" rotWithShape="0" blurRad="50800" dist="38100" dir="2700000">
+            <a:outerShdw blurRad="50800" dist="38100" dir="2700000" rotWithShape="0">
               <a:srgbClr val="000000">
                 <a:alpha val="40000"/>
               </a:srgbClr>
@@ -7600,7 +7565,7 @@
           <a:bodyPr lIns="45718" tIns="45718" rIns="45718" bIns="45718"/>
           <a:lstStyle/>
           <a:p>
-            <a:pPr/>
+            <a:endParaRPr/>
           </a:p>
         </p:txBody>
       </p:sp>
@@ -7725,12 +7690,19 @@
   <p:clrMapOvr>
     <a:masterClrMapping/>
   </p:clrMapOvr>
-  <p:transition xmlns:p14="http://schemas.microsoft.com/office/powerpoint/2010/main" spd="med" advClick="1" p14:dur="1000"/>
+  <p:transition xmlns:p14="http://schemas.microsoft.com/office/powerpoint/2010/main" spd="slow"/>
+  <p:timing>
+    <p:tnLst>
+      <p:par>
+        <p:cTn xmlns:p14="http://schemas.microsoft.com/office/powerpoint/2010/main" id="1" dur="indefinite" restart="never" nodeType="tmRoot"/>
+      </p:par>
+    </p:tnLst>
+  </p:timing>
 </p:sld>
 </file>
 
 <file path=ppt/slides/slide7.xml><?xml version="1.0" encoding="utf-8"?>
-<p:sld xmlns:a="http://schemas.openxmlformats.org/drawingml/2006/main" xmlns:r="http://schemas.openxmlformats.org/officeDocument/2006/relationships" xmlns:p="http://schemas.openxmlformats.org/presentationml/2006/main" showMasterSp="1" showMasterPhAnim="1">
+<p:sld xmlns:a="http://schemas.openxmlformats.org/drawingml/2006/main" xmlns:r="http://schemas.openxmlformats.org/officeDocument/2006/relationships" xmlns:p="http://schemas.openxmlformats.org/presentationml/2006/main">
   <p:cSld>
     <p:spTree>
       <p:nvGrpSpPr>
@@ -7783,7 +7755,6 @@
             </a:lvl1pPr>
           </a:lstStyle>
           <a:p>
-            <a:pPr/>
             <a:r>
               <a:t>Mlst.-Präsentation Nr. V  /  Gruppe 15</a:t>
             </a:r>
@@ -7793,7 +7764,9 @@
       <p:sp>
         <p:nvSpPr>
           <p:cNvPr id="188" name="Shape 188"/>
-          <p:cNvSpPr/>
+          <p:cNvSpPr>
+            <a:spLocks noGrp="1"/>
+          </p:cNvSpPr>
           <p:nvPr>
             <p:ph type="body" sz="half" idx="1"/>
           </p:nvPr>
@@ -7836,6 +7809,7 @@
                 <a:sym typeface="Arial"/>
               </a:defRPr>
             </a:pPr>
+            <a:endParaRPr/>
           </a:p>
           <a:p>
             <a:pPr marL="0" indent="0">
@@ -7863,12 +7837,13 @@
                 <a:sym typeface="Arial"/>
               </a:defRPr>
             </a:pPr>
+            <a:endParaRPr/>
           </a:p>
           <a:p>
             <a:pPr marL="0" indent="0">
               <a:buSzTx/>
               <a:buNone/>
-              <a:defRPr b="1" sz="3000">
+              <a:defRPr sz="3000" b="1">
                 <a:latin typeface="Arial"/>
                 <a:ea typeface="Arial"/>
                 <a:cs typeface="Arial"/>
@@ -7890,6 +7865,7 @@
                 <a:sym typeface="Arial"/>
               </a:defRPr>
             </a:pPr>
+            <a:endParaRPr/>
           </a:p>
           <a:p>
             <a:pPr marL="0" indent="0">
@@ -7911,7 +7887,9 @@
       <p:sp>
         <p:nvSpPr>
           <p:cNvPr id="189" name="Shape 189"/>
-          <p:cNvSpPr/>
+          <p:cNvSpPr>
+            <a:spLocks noGrp="1"/>
+          </p:cNvSpPr>
           <p:nvPr>
             <p:ph type="sldNum" sz="quarter" idx="4294967295"/>
           </p:nvPr>
@@ -7934,8 +7912,10 @@
           <a:bodyPr/>
           <a:lstStyle/>
           <a:p>
-            <a:pPr/>
-            <a:fld id="{86CB4B4D-7CA3-9044-876B-883B54F8677D}" type="slidenum"/>
+            <a:fld id="{86CB4B4D-7CA3-9044-876B-883B54F8677D}" type="slidenum">
+              <a:t>7</a:t>
+            </a:fld>
+            <a:endParaRPr/>
           </a:p>
         </p:txBody>
       </p:sp>
@@ -7971,7 +7951,9 @@
       <p:sp>
         <p:nvSpPr>
           <p:cNvPr id="191" name="Shape 191"/>
-          <p:cNvSpPr/>
+          <p:cNvSpPr>
+            <a:spLocks noGrp="1"/>
+          </p:cNvSpPr>
           <p:nvPr>
             <p:ph type="title"/>
           </p:nvPr>
@@ -7989,7 +7971,7 @@
           <a:bodyPr/>
           <a:lstStyle>
             <a:lvl1pPr>
-              <a:defRPr b="1" sz="2000">
+              <a:defRPr sz="2000" b="1">
                 <a:latin typeface="Arial"/>
                 <a:ea typeface="Arial"/>
                 <a:cs typeface="Arial"/>
@@ -7998,7 +7980,6 @@
             </a:lvl1pPr>
           </a:lstStyle>
           <a:p>
-            <a:pPr/>
             <a:r>
               <a:t>	 Übersicht</a:t>
             </a:r>
@@ -8026,7 +8007,7 @@
             <a:miter/>
           </a:ln>
           <a:effectLst>
-            <a:outerShdw sx="100000" sy="100000" kx="0" ky="0" algn="b" rotWithShape="0" blurRad="50800" dist="38100" dir="2700000">
+            <a:outerShdw blurRad="50800" dist="38100" dir="2700000" rotWithShape="0">
               <a:srgbClr val="000000">
                 <a:alpha val="40000"/>
               </a:srgbClr>
@@ -8037,7 +8018,7 @@
           <a:bodyPr lIns="45718" tIns="45718" rIns="45718" bIns="45718"/>
           <a:lstStyle/>
           <a:p>
-            <a:pPr/>
+            <a:endParaRPr/>
           </a:p>
         </p:txBody>
       </p:sp>
@@ -8162,12 +8143,19 @@
   <p:clrMapOvr>
     <a:masterClrMapping/>
   </p:clrMapOvr>
-  <p:transition xmlns:p14="http://schemas.microsoft.com/office/powerpoint/2010/main" spd="med" advClick="1" p14:dur="1000"/>
+  <p:transition xmlns:p14="http://schemas.microsoft.com/office/powerpoint/2010/main" spd="slow"/>
+  <p:timing>
+    <p:tnLst>
+      <p:par>
+        <p:cTn xmlns:p14="http://schemas.microsoft.com/office/powerpoint/2010/main" id="1" dur="indefinite" restart="never" nodeType="tmRoot"/>
+      </p:par>
+    </p:tnLst>
+  </p:timing>
 </p:sld>
 </file>
 
 <file path=ppt/slides/slide8.xml><?xml version="1.0" encoding="utf-8"?>
-<p:sld xmlns:a="http://schemas.openxmlformats.org/drawingml/2006/main" xmlns:r="http://schemas.openxmlformats.org/officeDocument/2006/relationships" xmlns:p="http://schemas.openxmlformats.org/presentationml/2006/main" showMasterSp="1" showMasterPhAnim="1">
+<p:sld xmlns:a="http://schemas.openxmlformats.org/drawingml/2006/main" xmlns:r="http://schemas.openxmlformats.org/officeDocument/2006/relationships" xmlns:p="http://schemas.openxmlformats.org/presentationml/2006/main">
   <p:cSld>
     <p:spTree>
       <p:nvGrpSpPr>
@@ -8220,7 +8208,6 @@
             </a:lvl1pPr>
           </a:lstStyle>
           <a:p>
-            <a:pPr/>
             <a:r>
               <a:t>Mlst.-Präsentation Nr. V  /  Gruppe 15</a:t>
             </a:r>
@@ -8230,7 +8217,9 @@
       <p:sp>
         <p:nvSpPr>
           <p:cNvPr id="199" name="Shape 199"/>
-          <p:cNvSpPr/>
+          <p:cNvSpPr>
+            <a:spLocks noGrp="1"/>
+          </p:cNvSpPr>
           <p:nvPr>
             <p:ph type="title"/>
           </p:nvPr>
@@ -8248,7 +8237,7 @@
           <a:bodyPr/>
           <a:lstStyle>
             <a:lvl1pPr>
-              <a:defRPr b="1" sz="2000">
+              <a:defRPr sz="2000" b="1">
                 <a:latin typeface="Arial"/>
                 <a:ea typeface="Arial"/>
                 <a:cs typeface="Arial"/>
@@ -8257,7 +8246,6 @@
             </a:lvl1pPr>
           </a:lstStyle>
           <a:p>
-            <a:pPr/>
             <a:r>
               <a:t>	Technische Eigenheiten</a:t>
             </a:r>
@@ -8267,7 +8255,9 @@
       <p:sp>
         <p:nvSpPr>
           <p:cNvPr id="200" name="Shape 200"/>
-          <p:cNvSpPr/>
+          <p:cNvSpPr>
+            <a:spLocks noGrp="1"/>
+          </p:cNvSpPr>
           <p:nvPr>
             <p:ph type="sldNum" sz="quarter" idx="4294967295"/>
           </p:nvPr>
@@ -8290,8 +8280,10 @@
           <a:bodyPr/>
           <a:lstStyle/>
           <a:p>
-            <a:pPr/>
-            <a:fld id="{86CB4B4D-7CA3-9044-876B-883B54F8677D}" type="slidenum"/>
+            <a:fld id="{86CB4B4D-7CA3-9044-876B-883B54F8677D}" type="slidenum">
+              <a:t>8</a:t>
+            </a:fld>
+            <a:endParaRPr/>
           </a:p>
         </p:txBody>
       </p:sp>
@@ -8316,7 +8308,7 @@
             <a:miter/>
           </a:ln>
           <a:effectLst>
-            <a:outerShdw sx="100000" sy="100000" kx="0" ky="0" algn="b" rotWithShape="0" blurRad="50800" dist="38100" dir="2700000">
+            <a:outerShdw blurRad="50800" dist="38100" dir="2700000" rotWithShape="0">
               <a:srgbClr val="000000">
                 <a:alpha val="40000"/>
               </a:srgbClr>
@@ -8327,7 +8319,7 @@
           <a:bodyPr lIns="45718" tIns="45718" rIns="45718" bIns="45718"/>
           <a:lstStyle/>
           <a:p>
-            <a:pPr/>
+            <a:endParaRPr/>
           </a:p>
         </p:txBody>
       </p:sp>
@@ -8395,7 +8387,7 @@
               </a:lnSpc>
               <a:buSzPct val="100000"/>
               <a:buChar char="•"/>
-              <a:defRPr b="1" sz="2000"/>
+              <a:defRPr sz="2000" b="1"/>
             </a:pPr>
             <a:r>
               <a:t>Apache Log4j2</a:t>
@@ -8408,14 +8400,14 @@
               </a:lnSpc>
               <a:buSzPct val="100000"/>
               <a:buChar char="•"/>
-              <a:defRPr b="1" sz="2000"/>
+              <a:defRPr sz="2000" b="1"/>
             </a:pPr>
             <a:r>
               <a:t>MP3SPI</a:t>
             </a:r>
           </a:p>
           <a:p>
-            <a:pPr lvl="1" marL="561471" indent="-180472">
+            <a:pPr marL="561471" lvl="1" indent="-180472">
               <a:lnSpc>
                 <a:spcPct val="120000"/>
               </a:lnSpc>
@@ -8428,7 +8420,7 @@
             </a:r>
           </a:p>
           <a:p>
-            <a:pPr lvl="1" marL="561471" indent="-180472">
+            <a:pPr marL="561471" lvl="1" indent="-180472">
               <a:lnSpc>
                 <a:spcPct val="120000"/>
               </a:lnSpc>
@@ -8441,7 +8433,7 @@
             </a:r>
           </a:p>
           <a:p>
-            <a:pPr lvl="1" marL="561471" indent="-180472">
+            <a:pPr marL="561471" lvl="1" indent="-180472">
               <a:lnSpc>
                 <a:spcPct val="150000"/>
               </a:lnSpc>
@@ -8460,14 +8452,14 @@
               </a:lnSpc>
               <a:buSzPct val="100000"/>
               <a:buChar char="•"/>
-              <a:defRPr b="1" sz="2000"/>
+              <a:defRPr sz="2000" b="1"/>
             </a:pPr>
             <a:r>
               <a:t>WrapEditorKit Klasse</a:t>
             </a:r>
           </a:p>
           <a:p>
-            <a:pPr lvl="1" marL="561471" indent="-180472">
+            <a:pPr marL="561471" lvl="1" indent="-180472">
               <a:lnSpc>
                 <a:spcPct val="150000"/>
               </a:lnSpc>
@@ -8486,14 +8478,14 @@
               </a:lnSpc>
               <a:buSzPct val="100000"/>
               <a:buChar char="•"/>
-              <a:defRPr b="1" sz="2000"/>
+              <a:defRPr sz="2000" b="1"/>
             </a:pPr>
             <a:r>
               <a:t>Timer</a:t>
             </a:r>
           </a:p>
           <a:p>
-            <a:pPr lvl="1" marL="561471" indent="-180472">
+            <a:pPr marL="561471" lvl="1" indent="-180472">
               <a:lnSpc>
                 <a:spcPct val="120000"/>
               </a:lnSpc>
@@ -8512,12 +8504,19 @@
   <p:clrMapOvr>
     <a:masterClrMapping/>
   </p:clrMapOvr>
-  <p:transition xmlns:p14="http://schemas.microsoft.com/office/powerpoint/2010/main" spd="med" advClick="1" p14:dur="1000"/>
+  <p:transition xmlns:p14="http://schemas.microsoft.com/office/powerpoint/2010/main" spd="slow"/>
+  <p:timing>
+    <p:tnLst>
+      <p:par>
+        <p:cTn xmlns:p14="http://schemas.microsoft.com/office/powerpoint/2010/main" id="1" dur="indefinite" restart="never" nodeType="tmRoot"/>
+      </p:par>
+    </p:tnLst>
+  </p:timing>
 </p:sld>
 </file>
 
 <file path=ppt/slides/slide9.xml><?xml version="1.0" encoding="utf-8"?>
-<p:sld xmlns:a="http://schemas.openxmlformats.org/drawingml/2006/main" xmlns:r="http://schemas.openxmlformats.org/officeDocument/2006/relationships" xmlns:p="http://schemas.openxmlformats.org/presentationml/2006/main" showMasterSp="1" showMasterPhAnim="1">
+<p:sld xmlns:a="http://schemas.openxmlformats.org/drawingml/2006/main" xmlns:r="http://schemas.openxmlformats.org/officeDocument/2006/relationships" xmlns:p="http://schemas.openxmlformats.org/presentationml/2006/main">
   <p:cSld>
     <p:spTree>
       <p:nvGrpSpPr>
@@ -8570,7 +8569,6 @@
             </a:lvl1pPr>
           </a:lstStyle>
           <a:p>
-            <a:pPr/>
             <a:r>
               <a:t>Mlst.-Präsentation Nr. V  /  Gruppe 15</a:t>
             </a:r>
@@ -8580,7 +8578,9 @@
       <p:sp>
         <p:nvSpPr>
           <p:cNvPr id="206" name="Shape 206"/>
-          <p:cNvSpPr/>
+          <p:cNvSpPr>
+            <a:spLocks noGrp="1"/>
+          </p:cNvSpPr>
           <p:nvPr>
             <p:ph type="body" sz="half" idx="1"/>
           </p:nvPr>
@@ -8623,6 +8623,7 @@
                 <a:sym typeface="Arial"/>
               </a:defRPr>
             </a:pPr>
+            <a:endParaRPr/>
           </a:p>
           <a:p>
             <a:pPr marL="0" indent="0">
@@ -8650,6 +8651,7 @@
                 <a:sym typeface="Arial"/>
               </a:defRPr>
             </a:pPr>
+            <a:endParaRPr/>
           </a:p>
           <a:p>
             <a:pPr marL="0" indent="0">
@@ -8677,12 +8679,13 @@
                 <a:sym typeface="Arial"/>
               </a:defRPr>
             </a:pPr>
+            <a:endParaRPr/>
           </a:p>
           <a:p>
             <a:pPr marL="0" indent="0">
               <a:buSzTx/>
               <a:buNone/>
-              <a:defRPr b="1" sz="3000">
+              <a:defRPr sz="3000" b="1">
                 <a:latin typeface="Arial"/>
                 <a:ea typeface="Arial"/>
                 <a:cs typeface="Arial"/>
@@ -8698,7 +8701,9 @@
       <p:sp>
         <p:nvSpPr>
           <p:cNvPr id="207" name="Shape 207"/>
-          <p:cNvSpPr/>
+          <p:cNvSpPr>
+            <a:spLocks noGrp="1"/>
+          </p:cNvSpPr>
           <p:nvPr>
             <p:ph type="sldNum" sz="quarter" idx="4294967295"/>
           </p:nvPr>
@@ -8721,8 +8726,10 @@
           <a:bodyPr/>
           <a:lstStyle/>
           <a:p>
-            <a:pPr/>
-            <a:fld id="{86CB4B4D-7CA3-9044-876B-883B54F8677D}" type="slidenum"/>
+            <a:fld id="{86CB4B4D-7CA3-9044-876B-883B54F8677D}" type="slidenum">
+              <a:t>9</a:t>
+            </a:fld>
+            <a:endParaRPr/>
           </a:p>
         </p:txBody>
       </p:sp>
@@ -8758,7 +8765,9 @@
       <p:sp>
         <p:nvSpPr>
           <p:cNvPr id="209" name="Shape 209"/>
-          <p:cNvSpPr/>
+          <p:cNvSpPr>
+            <a:spLocks noGrp="1"/>
+          </p:cNvSpPr>
           <p:nvPr>
             <p:ph type="title"/>
           </p:nvPr>
@@ -8776,7 +8785,7 @@
           <a:bodyPr/>
           <a:lstStyle>
             <a:lvl1pPr>
-              <a:defRPr b="1" sz="2000">
+              <a:defRPr sz="2000" b="1">
                 <a:latin typeface="Arial"/>
                 <a:ea typeface="Arial"/>
                 <a:cs typeface="Arial"/>
@@ -8785,7 +8794,6 @@
             </a:lvl1pPr>
           </a:lstStyle>
           <a:p>
-            <a:pPr/>
             <a:r>
               <a:t>	 Übersicht</a:t>
             </a:r>
@@ -8813,7 +8821,7 @@
             <a:miter/>
           </a:ln>
           <a:effectLst>
-            <a:outerShdw sx="100000" sy="100000" kx="0" ky="0" algn="b" rotWithShape="0" blurRad="50800" dist="38100" dir="2700000">
+            <a:outerShdw blurRad="50800" dist="38100" dir="2700000" rotWithShape="0">
               <a:srgbClr val="000000">
                 <a:alpha val="40000"/>
               </a:srgbClr>
@@ -8824,7 +8832,7 @@
           <a:bodyPr lIns="45718" tIns="45718" rIns="45718" bIns="45718"/>
           <a:lstStyle/>
           <a:p>
-            <a:pPr/>
+            <a:endParaRPr/>
           </a:p>
         </p:txBody>
       </p:sp>
@@ -8949,12 +8957,19 @@
   <p:clrMapOvr>
     <a:masterClrMapping/>
   </p:clrMapOvr>
-  <p:transition xmlns:p14="http://schemas.microsoft.com/office/powerpoint/2010/main" spd="med" advClick="1" p14:dur="1000"/>
+  <p:transition xmlns:p14="http://schemas.microsoft.com/office/powerpoint/2010/main" spd="slow"/>
+  <p:timing>
+    <p:tnLst>
+      <p:par>
+        <p:cTn xmlns:p14="http://schemas.microsoft.com/office/powerpoint/2010/main" id="1" dur="indefinite" restart="never" nodeType="tmRoot"/>
+      </p:par>
+    </p:tnLst>
+  </p:timing>
 </p:sld>
 </file>
 
 <file path=ppt/theme/theme1.xml><?xml version="1.0" encoding="utf-8"?>
-<a:theme xmlns:a="http://schemas.openxmlformats.org/drawingml/2006/main" xmlns:r="http://schemas.openxmlformats.org/officeDocument/2006/relationships" name="Office">
+<a:theme xmlns:a="http://schemas.openxmlformats.org/drawingml/2006/main" name="Office">
   <a:themeElements>
     <a:clrScheme name="Office">
       <a:dk1>
@@ -9156,7 +9171,7 @@
         <a:effectLst/>
         <a:sp3d/>
       </a:spPr>
-      <a:bodyPr rot="0" spcFirstLastPara="1" vertOverflow="overflow" horzOverflow="overflow" vert="horz" wrap="square" lIns="45718" tIns="45718" rIns="45718" bIns="45718" numCol="1" spcCol="38100" rtlCol="0" anchor="ctr" upright="0">
+      <a:bodyPr rot="0" spcFirstLastPara="1" vertOverflow="overflow" horzOverflow="overflow" vert="horz" wrap="square" lIns="45718" tIns="45718" rIns="45718" bIns="45718" numCol="1" spcCol="38100" rtlCol="0" anchor="ctr">
         <a:spAutoFit/>
       </a:bodyPr>
       <a:lstStyle>
@@ -9175,7 +9190,7 @@
           <a:buFontTx/>
           <a:buNone/>
           <a:tabLst/>
-          <a:defRPr b="0" baseline="0" cap="none" i="0" spc="0" strike="noStrike" sz="1800" u="none" kumimoji="0" normalizeH="0">
+          <a:defRPr kumimoji="0" sz="1800" b="0" i="0" u="none" strike="noStrike" cap="none" spc="0" normalizeH="0" baseline="0">
             <a:ln>
               <a:noFill/>
             </a:ln>
@@ -9205,7 +9220,7 @@
           <a:buFontTx/>
           <a:buNone/>
           <a:tabLst/>
-          <a:defRPr b="0" baseline="0" cap="none" i="0" spc="0" strike="noStrike" sz="1800" u="none" kumimoji="0" normalizeH="0">
+          <a:defRPr kumimoji="0" sz="1800" b="0" i="0" u="none" strike="noStrike" cap="none" spc="0" normalizeH="0" baseline="0">
             <a:ln>
               <a:noFill/>
             </a:ln>
@@ -9231,7 +9246,7 @@
           <a:buFontTx/>
           <a:buNone/>
           <a:tabLst/>
-          <a:defRPr b="0" baseline="0" cap="none" i="0" spc="0" strike="noStrike" sz="1800" u="none" kumimoji="0" normalizeH="0">
+          <a:defRPr kumimoji="0" sz="1800" b="0" i="0" u="none" strike="noStrike" cap="none" spc="0" normalizeH="0" baseline="0">
             <a:ln>
               <a:noFill/>
             </a:ln>
@@ -9257,7 +9272,7 @@
           <a:buFontTx/>
           <a:buNone/>
           <a:tabLst/>
-          <a:defRPr b="0" baseline="0" cap="none" i="0" spc="0" strike="noStrike" sz="1800" u="none" kumimoji="0" normalizeH="0">
+          <a:defRPr kumimoji="0" sz="1800" b="0" i="0" u="none" strike="noStrike" cap="none" spc="0" normalizeH="0" baseline="0">
             <a:ln>
               <a:noFill/>
             </a:ln>
@@ -9283,7 +9298,7 @@
           <a:buFontTx/>
           <a:buNone/>
           <a:tabLst/>
-          <a:defRPr b="0" baseline="0" cap="none" i="0" spc="0" strike="noStrike" sz="1800" u="none" kumimoji="0" normalizeH="0">
+          <a:defRPr kumimoji="0" sz="1800" b="0" i="0" u="none" strike="noStrike" cap="none" spc="0" normalizeH="0" baseline="0">
             <a:ln>
               <a:noFill/>
             </a:ln>
@@ -9309,7 +9324,7 @@
           <a:buFontTx/>
           <a:buNone/>
           <a:tabLst/>
-          <a:defRPr b="0" baseline="0" cap="none" i="0" spc="0" strike="noStrike" sz="1800" u="none" kumimoji="0" normalizeH="0">
+          <a:defRPr kumimoji="0" sz="1800" b="0" i="0" u="none" strike="noStrike" cap="none" spc="0" normalizeH="0" baseline="0">
             <a:ln>
               <a:noFill/>
             </a:ln>
@@ -9335,7 +9350,7 @@
           <a:buFontTx/>
           <a:buNone/>
           <a:tabLst/>
-          <a:defRPr b="0" baseline="0" cap="none" i="0" spc="0" strike="noStrike" sz="1800" u="none" kumimoji="0" normalizeH="0">
+          <a:defRPr kumimoji="0" sz="1800" b="0" i="0" u="none" strike="noStrike" cap="none" spc="0" normalizeH="0" baseline="0">
             <a:ln>
               <a:noFill/>
             </a:ln>
@@ -9361,7 +9376,7 @@
           <a:buFontTx/>
           <a:buNone/>
           <a:tabLst/>
-          <a:defRPr b="0" baseline="0" cap="none" i="0" spc="0" strike="noStrike" sz="1800" u="none" kumimoji="0" normalizeH="0">
+          <a:defRPr kumimoji="0" sz="1800" b="0" i="0" u="none" strike="noStrike" cap="none" spc="0" normalizeH="0" baseline="0">
             <a:ln>
               <a:noFill/>
             </a:ln>
@@ -9387,7 +9402,7 @@
           <a:buFontTx/>
           <a:buNone/>
           <a:tabLst/>
-          <a:defRPr b="0" baseline="0" cap="none" i="0" spc="0" strike="noStrike" sz="1800" u="none" kumimoji="0" normalizeH="0">
+          <a:defRPr kumimoji="0" sz="1800" b="0" i="0" u="none" strike="noStrike" cap="none" spc="0" normalizeH="0" baseline="0">
             <a:ln>
               <a:noFill/>
             </a:ln>
@@ -9413,7 +9428,7 @@
           <a:buFontTx/>
           <a:buNone/>
           <a:tabLst/>
-          <a:defRPr b="0" baseline="0" cap="none" i="0" spc="0" strike="noStrike" sz="1800" u="none" kumimoji="0" normalizeH="0">
+          <a:defRPr kumimoji="0" sz="1800" b="0" i="0" u="none" strike="noStrike" cap="none" spc="0" normalizeH="0" baseline="0">
             <a:ln>
               <a:noFill/>
             </a:ln>
@@ -9426,9 +9441,15 @@
         </a:lvl9pPr>
       </a:lstStyle>
       <a:style>
-        <a:lnRef idx="0"/>
-        <a:fillRef idx="0"/>
-        <a:effectRef idx="0"/>
+        <a:lnRef idx="0">
+          <a:scrgbClr r="0" g="0" b="0"/>
+        </a:lnRef>
+        <a:fillRef idx="0">
+          <a:scrgbClr r="0" g="0" b="0"/>
+        </a:fillRef>
+        <a:effectRef idx="0">
+          <a:scrgbClr r="0" g="0" b="0"/>
+        </a:effectRef>
         <a:fontRef idx="none"/>
       </a:style>
     </a:spDef>
@@ -9445,7 +9466,7 @@
         <a:effectLst/>
         <a:sp3d/>
       </a:spPr>
-      <a:bodyPr rot="0" spcFirstLastPara="1" vertOverflow="overflow" horzOverflow="overflow" vert="horz" wrap="square" lIns="91439" tIns="45719" rIns="91439" bIns="45719" numCol="1" spcCol="38100" rtlCol="0" anchor="t" upright="0">
+      <a:bodyPr rot="0" spcFirstLastPara="1" vertOverflow="overflow" horzOverflow="overflow" vert="horz" wrap="square" lIns="91439" tIns="45719" rIns="91439" bIns="45719" numCol="1" spcCol="38100" rtlCol="0" anchor="t">
         <a:noAutofit/>
       </a:bodyPr>
       <a:lstStyle>
@@ -9464,7 +9485,7 @@
           <a:buFontTx/>
           <a:buNone/>
           <a:tabLst/>
-          <a:defRPr b="0" baseline="0" cap="none" i="0" spc="0" strike="noStrike" sz="1800" u="none" kumimoji="0" normalizeH="0">
+          <a:defRPr kumimoji="0" sz="1800" b="0" i="0" u="none" strike="noStrike" cap="none" spc="0" normalizeH="0" baseline="0">
             <a:ln>
               <a:noFill/>
             </a:ln>
@@ -9490,7 +9511,7 @@
           <a:buFontTx/>
           <a:buNone/>
           <a:tabLst/>
-          <a:defRPr b="0" baseline="0" cap="none" i="0" spc="0" strike="noStrike" sz="1800" u="none" kumimoji="0" normalizeH="0">
+          <a:defRPr kumimoji="0" sz="1800" b="0" i="0" u="none" strike="noStrike" cap="none" spc="0" normalizeH="0" baseline="0">
             <a:ln>
               <a:noFill/>
             </a:ln>
@@ -9516,7 +9537,7 @@
           <a:buFontTx/>
           <a:buNone/>
           <a:tabLst/>
-          <a:defRPr b="0" baseline="0" cap="none" i="0" spc="0" strike="noStrike" sz="1800" u="none" kumimoji="0" normalizeH="0">
+          <a:defRPr kumimoji="0" sz="1800" b="0" i="0" u="none" strike="noStrike" cap="none" spc="0" normalizeH="0" baseline="0">
             <a:ln>
               <a:noFill/>
             </a:ln>
@@ -9542,7 +9563,7 @@
           <a:buFontTx/>
           <a:buNone/>
           <a:tabLst/>
-          <a:defRPr b="0" baseline="0" cap="none" i="0" spc="0" strike="noStrike" sz="1800" u="none" kumimoji="0" normalizeH="0">
+          <a:defRPr kumimoji="0" sz="1800" b="0" i="0" u="none" strike="noStrike" cap="none" spc="0" normalizeH="0" baseline="0">
             <a:ln>
               <a:noFill/>
             </a:ln>
@@ -9568,7 +9589,7 @@
           <a:buFontTx/>
           <a:buNone/>
           <a:tabLst/>
-          <a:defRPr b="0" baseline="0" cap="none" i="0" spc="0" strike="noStrike" sz="1800" u="none" kumimoji="0" normalizeH="0">
+          <a:defRPr kumimoji="0" sz="1800" b="0" i="0" u="none" strike="noStrike" cap="none" spc="0" normalizeH="0" baseline="0">
             <a:ln>
               <a:noFill/>
             </a:ln>
@@ -9594,7 +9615,7 @@
           <a:buFontTx/>
           <a:buNone/>
           <a:tabLst/>
-          <a:defRPr b="0" baseline="0" cap="none" i="0" spc="0" strike="noStrike" sz="1800" u="none" kumimoji="0" normalizeH="0">
+          <a:defRPr kumimoji="0" sz="1800" b="0" i="0" u="none" strike="noStrike" cap="none" spc="0" normalizeH="0" baseline="0">
             <a:ln>
               <a:noFill/>
             </a:ln>
@@ -9620,7 +9641,7 @@
           <a:buFontTx/>
           <a:buNone/>
           <a:tabLst/>
-          <a:defRPr b="0" baseline="0" cap="none" i="0" spc="0" strike="noStrike" sz="1800" u="none" kumimoji="0" normalizeH="0">
+          <a:defRPr kumimoji="0" sz="1800" b="0" i="0" u="none" strike="noStrike" cap="none" spc="0" normalizeH="0" baseline="0">
             <a:ln>
               <a:noFill/>
             </a:ln>
@@ -9646,7 +9667,7 @@
           <a:buFontTx/>
           <a:buNone/>
           <a:tabLst/>
-          <a:defRPr b="0" baseline="0" cap="none" i="0" spc="0" strike="noStrike" sz="1800" u="none" kumimoji="0" normalizeH="0">
+          <a:defRPr kumimoji="0" sz="1800" b="0" i="0" u="none" strike="noStrike" cap="none" spc="0" normalizeH="0" baseline="0">
             <a:ln>
               <a:noFill/>
             </a:ln>
@@ -9672,7 +9693,7 @@
           <a:buFontTx/>
           <a:buNone/>
           <a:tabLst/>
-          <a:defRPr b="0" baseline="0" cap="none" i="0" spc="0" strike="noStrike" sz="1800" u="none" kumimoji="0" normalizeH="0">
+          <a:defRPr kumimoji="0" sz="1800" b="0" i="0" u="none" strike="noStrike" cap="none" spc="0" normalizeH="0" baseline="0">
             <a:ln>
               <a:noFill/>
             </a:ln>
@@ -9698,7 +9719,7 @@
           <a:buFontTx/>
           <a:buNone/>
           <a:tabLst/>
-          <a:defRPr b="0" baseline="0" cap="none" i="0" spc="0" strike="noStrike" sz="1800" u="none" kumimoji="0" normalizeH="0">
+          <a:defRPr kumimoji="0" sz="1800" b="0" i="0" u="none" strike="noStrike" cap="none" spc="0" normalizeH="0" baseline="0">
             <a:ln>
               <a:noFill/>
             </a:ln>
@@ -9711,9 +9732,15 @@
         </a:lvl9pPr>
       </a:lstStyle>
       <a:style>
-        <a:lnRef idx="0"/>
-        <a:fillRef idx="0"/>
-        <a:effectRef idx="0"/>
+        <a:lnRef idx="0">
+          <a:scrgbClr r="0" g="0" b="0"/>
+        </a:lnRef>
+        <a:fillRef idx="0">
+          <a:scrgbClr r="0" g="0" b="0"/>
+        </a:fillRef>
+        <a:effectRef idx="0">
+          <a:scrgbClr r="0" g="0" b="0"/>
+        </a:effectRef>
         <a:fontRef idx="none"/>
       </a:style>
     </a:lnDef>
@@ -9727,7 +9754,7 @@
         <a:effectLst/>
         <a:sp3d/>
       </a:spPr>
-      <a:bodyPr rot="0" spcFirstLastPara="1" vertOverflow="overflow" horzOverflow="overflow" vert="horz" wrap="square" lIns="45718" tIns="45718" rIns="45718" bIns="45718" numCol="1" spcCol="38100" rtlCol="0" anchor="t" upright="0">
+      <a:bodyPr rot="0" spcFirstLastPara="1" vertOverflow="overflow" horzOverflow="overflow" vert="horz" wrap="square" lIns="45718" tIns="45718" rIns="45718" bIns="45718" numCol="1" spcCol="38100" rtlCol="0" anchor="t">
         <a:spAutoFit/>
       </a:bodyPr>
       <a:lstStyle>
@@ -9746,7 +9773,7 @@
           <a:buFontTx/>
           <a:buNone/>
           <a:tabLst/>
-          <a:defRPr b="0" baseline="0" cap="none" i="0" spc="0" strike="noStrike" sz="1800" u="none" kumimoji="0" normalizeH="0">
+          <a:defRPr kumimoji="0" sz="1800" b="0" i="0" u="none" strike="noStrike" cap="none" spc="0" normalizeH="0" baseline="0">
             <a:ln>
               <a:noFill/>
             </a:ln>
@@ -9776,7 +9803,7 @@
           <a:buFontTx/>
           <a:buNone/>
           <a:tabLst/>
-          <a:defRPr b="0" baseline="0" cap="none" i="0" spc="0" strike="noStrike" sz="1800" u="none" kumimoji="0" normalizeH="0">
+          <a:defRPr kumimoji="0" sz="1800" b="0" i="0" u="none" strike="noStrike" cap="none" spc="0" normalizeH="0" baseline="0">
             <a:ln>
               <a:noFill/>
             </a:ln>
@@ -9802,7 +9829,7 @@
           <a:buFontTx/>
           <a:buNone/>
           <a:tabLst/>
-          <a:defRPr b="0" baseline="0" cap="none" i="0" spc="0" strike="noStrike" sz="1800" u="none" kumimoji="0" normalizeH="0">
+          <a:defRPr kumimoji="0" sz="1800" b="0" i="0" u="none" strike="noStrike" cap="none" spc="0" normalizeH="0" baseline="0">
             <a:ln>
               <a:noFill/>
             </a:ln>
@@ -9828,7 +9855,7 @@
           <a:buFontTx/>
           <a:buNone/>
           <a:tabLst/>
-          <a:defRPr b="0" baseline="0" cap="none" i="0" spc="0" strike="noStrike" sz="1800" u="none" kumimoji="0" normalizeH="0">
+          <a:defRPr kumimoji="0" sz="1800" b="0" i="0" u="none" strike="noStrike" cap="none" spc="0" normalizeH="0" baseline="0">
             <a:ln>
               <a:noFill/>
             </a:ln>
@@ -9854,7 +9881,7 @@
           <a:buFontTx/>
           <a:buNone/>
           <a:tabLst/>
-          <a:defRPr b="0" baseline="0" cap="none" i="0" spc="0" strike="noStrike" sz="1800" u="none" kumimoji="0" normalizeH="0">
+          <a:defRPr kumimoji="0" sz="1800" b="0" i="0" u="none" strike="noStrike" cap="none" spc="0" normalizeH="0" baseline="0">
             <a:ln>
               <a:noFill/>
             </a:ln>
@@ -9880,7 +9907,7 @@
           <a:buFontTx/>
           <a:buNone/>
           <a:tabLst/>
-          <a:defRPr b="0" baseline="0" cap="none" i="0" spc="0" strike="noStrike" sz="1800" u="none" kumimoji="0" normalizeH="0">
+          <a:defRPr kumimoji="0" sz="1800" b="0" i="0" u="none" strike="noStrike" cap="none" spc="0" normalizeH="0" baseline="0">
             <a:ln>
               <a:noFill/>
             </a:ln>
@@ -9906,7 +9933,7 @@
           <a:buFontTx/>
           <a:buNone/>
           <a:tabLst/>
-          <a:defRPr b="0" baseline="0" cap="none" i="0" spc="0" strike="noStrike" sz="1800" u="none" kumimoji="0" normalizeH="0">
+          <a:defRPr kumimoji="0" sz="1800" b="0" i="0" u="none" strike="noStrike" cap="none" spc="0" normalizeH="0" baseline="0">
             <a:ln>
               <a:noFill/>
             </a:ln>
@@ -9932,7 +9959,7 @@
           <a:buFontTx/>
           <a:buNone/>
           <a:tabLst/>
-          <a:defRPr b="0" baseline="0" cap="none" i="0" spc="0" strike="noStrike" sz="1800" u="none" kumimoji="0" normalizeH="0">
+          <a:defRPr kumimoji="0" sz="1800" b="0" i="0" u="none" strike="noStrike" cap="none" spc="0" normalizeH="0" baseline="0">
             <a:ln>
               <a:noFill/>
             </a:ln>
@@ -9958,7 +9985,7 @@
           <a:buFontTx/>
           <a:buNone/>
           <a:tabLst/>
-          <a:defRPr b="0" baseline="0" cap="none" i="0" spc="0" strike="noStrike" sz="1800" u="none" kumimoji="0" normalizeH="0">
+          <a:defRPr kumimoji="0" sz="1800" b="0" i="0" u="none" strike="noStrike" cap="none" spc="0" normalizeH="0" baseline="0">
             <a:ln>
               <a:noFill/>
             </a:ln>
@@ -9984,7 +10011,7 @@
           <a:buFontTx/>
           <a:buNone/>
           <a:tabLst/>
-          <a:defRPr b="0" baseline="0" cap="none" i="0" spc="0" strike="noStrike" sz="1800" u="none" kumimoji="0" normalizeH="0">
+          <a:defRPr kumimoji="0" sz="1800" b="0" i="0" u="none" strike="noStrike" cap="none" spc="0" normalizeH="0" baseline="0">
             <a:ln>
               <a:noFill/>
             </a:ln>
@@ -9997,18 +10024,25 @@
         </a:lvl9pPr>
       </a:lstStyle>
       <a:style>
-        <a:lnRef idx="0"/>
-        <a:fillRef idx="0"/>
-        <a:effectRef idx="0"/>
+        <a:lnRef idx="0">
+          <a:scrgbClr r="0" g="0" b="0"/>
+        </a:lnRef>
+        <a:fillRef idx="0">
+          <a:scrgbClr r="0" g="0" b="0"/>
+        </a:fillRef>
+        <a:effectRef idx="0">
+          <a:scrgbClr r="0" g="0" b="0"/>
+        </a:effectRef>
         <a:fontRef idx="none"/>
       </a:style>
     </a:txDef>
   </a:objectDefaults>
+  <a:extraClrSchemeLst/>
 </a:theme>
 </file>
 
 <file path=ppt/theme/theme2.xml><?xml version="1.0" encoding="utf-8"?>
-<a:theme xmlns:a="http://schemas.openxmlformats.org/drawingml/2006/main" xmlns:r="http://schemas.openxmlformats.org/officeDocument/2006/relationships" name="Office">
+<a:theme xmlns:a="http://schemas.openxmlformats.org/drawingml/2006/main" name="Office">
   <a:themeElements>
     <a:clrScheme name="Office">
       <a:dk1>
@@ -10210,7 +10244,7 @@
         <a:effectLst/>
         <a:sp3d/>
       </a:spPr>
-      <a:bodyPr rot="0" spcFirstLastPara="1" vertOverflow="overflow" horzOverflow="overflow" vert="horz" wrap="square" lIns="45718" tIns="45718" rIns="45718" bIns="45718" numCol="1" spcCol="38100" rtlCol="0" anchor="ctr" upright="0">
+      <a:bodyPr rot="0" spcFirstLastPara="1" vertOverflow="overflow" horzOverflow="overflow" vert="horz" wrap="square" lIns="45718" tIns="45718" rIns="45718" bIns="45718" numCol="1" spcCol="38100" rtlCol="0" anchor="ctr">
         <a:spAutoFit/>
       </a:bodyPr>
       <a:lstStyle>
@@ -10229,7 +10263,7 @@
           <a:buFontTx/>
           <a:buNone/>
           <a:tabLst/>
-          <a:defRPr b="0" baseline="0" cap="none" i="0" spc="0" strike="noStrike" sz="1800" u="none" kumimoji="0" normalizeH="0">
+          <a:defRPr kumimoji="0" sz="1800" b="0" i="0" u="none" strike="noStrike" cap="none" spc="0" normalizeH="0" baseline="0">
             <a:ln>
               <a:noFill/>
             </a:ln>
@@ -10259,7 +10293,7 @@
           <a:buFontTx/>
           <a:buNone/>
           <a:tabLst/>
-          <a:defRPr b="0" baseline="0" cap="none" i="0" spc="0" strike="noStrike" sz="1800" u="none" kumimoji="0" normalizeH="0">
+          <a:defRPr kumimoji="0" sz="1800" b="0" i="0" u="none" strike="noStrike" cap="none" spc="0" normalizeH="0" baseline="0">
             <a:ln>
               <a:noFill/>
             </a:ln>
@@ -10285,7 +10319,7 @@
           <a:buFontTx/>
           <a:buNone/>
           <a:tabLst/>
-          <a:defRPr b="0" baseline="0" cap="none" i="0" spc="0" strike="noStrike" sz="1800" u="none" kumimoji="0" normalizeH="0">
+          <a:defRPr kumimoji="0" sz="1800" b="0" i="0" u="none" strike="noStrike" cap="none" spc="0" normalizeH="0" baseline="0">
             <a:ln>
               <a:noFill/>
             </a:ln>
@@ -10311,7 +10345,7 @@
           <a:buFontTx/>
           <a:buNone/>
           <a:tabLst/>
-          <a:defRPr b="0" baseline="0" cap="none" i="0" spc="0" strike="noStrike" sz="1800" u="none" kumimoji="0" normalizeH="0">
+          <a:defRPr kumimoji="0" sz="1800" b="0" i="0" u="none" strike="noStrike" cap="none" spc="0" normalizeH="0" baseline="0">
             <a:ln>
               <a:noFill/>
             </a:ln>
@@ -10337,7 +10371,7 @@
           <a:buFontTx/>
           <a:buNone/>
           <a:tabLst/>
-          <a:defRPr b="0" baseline="0" cap="none" i="0" spc="0" strike="noStrike" sz="1800" u="none" kumimoji="0" normalizeH="0">
+          <a:defRPr kumimoji="0" sz="1800" b="0" i="0" u="none" strike="noStrike" cap="none" spc="0" normalizeH="0" baseline="0">
             <a:ln>
               <a:noFill/>
             </a:ln>
@@ -10363,7 +10397,7 @@
           <a:buFontTx/>
           <a:buNone/>
           <a:tabLst/>
-          <a:defRPr b="0" baseline="0" cap="none" i="0" spc="0" strike="noStrike" sz="1800" u="none" kumimoji="0" normalizeH="0">
+          <a:defRPr kumimoji="0" sz="1800" b="0" i="0" u="none" strike="noStrike" cap="none" spc="0" normalizeH="0" baseline="0">
             <a:ln>
               <a:noFill/>
             </a:ln>
@@ -10389,7 +10423,7 @@
           <a:buFontTx/>
           <a:buNone/>
           <a:tabLst/>
-          <a:defRPr b="0" baseline="0" cap="none" i="0" spc="0" strike="noStrike" sz="1800" u="none" kumimoji="0" normalizeH="0">
+          <a:defRPr kumimoji="0" sz="1800" b="0" i="0" u="none" strike="noStrike" cap="none" spc="0" normalizeH="0" baseline="0">
             <a:ln>
               <a:noFill/>
             </a:ln>
@@ -10415,7 +10449,7 @@
           <a:buFontTx/>
           <a:buNone/>
           <a:tabLst/>
-          <a:defRPr b="0" baseline="0" cap="none" i="0" spc="0" strike="noStrike" sz="1800" u="none" kumimoji="0" normalizeH="0">
+          <a:defRPr kumimoji="0" sz="1800" b="0" i="0" u="none" strike="noStrike" cap="none" spc="0" normalizeH="0" baseline="0">
             <a:ln>
               <a:noFill/>
             </a:ln>
@@ -10441,7 +10475,7 @@
           <a:buFontTx/>
           <a:buNone/>
           <a:tabLst/>
-          <a:defRPr b="0" baseline="0" cap="none" i="0" spc="0" strike="noStrike" sz="1800" u="none" kumimoji="0" normalizeH="0">
+          <a:defRPr kumimoji="0" sz="1800" b="0" i="0" u="none" strike="noStrike" cap="none" spc="0" normalizeH="0" baseline="0">
             <a:ln>
               <a:noFill/>
             </a:ln>
@@ -10467,7 +10501,7 @@
           <a:buFontTx/>
           <a:buNone/>
           <a:tabLst/>
-          <a:defRPr b="0" baseline="0" cap="none" i="0" spc="0" strike="noStrike" sz="1800" u="none" kumimoji="0" normalizeH="0">
+          <a:defRPr kumimoji="0" sz="1800" b="0" i="0" u="none" strike="noStrike" cap="none" spc="0" normalizeH="0" baseline="0">
             <a:ln>
               <a:noFill/>
             </a:ln>
@@ -10480,9 +10514,15 @@
         </a:lvl9pPr>
       </a:lstStyle>
       <a:style>
-        <a:lnRef idx="0"/>
-        <a:fillRef idx="0"/>
-        <a:effectRef idx="0"/>
+        <a:lnRef idx="0">
+          <a:scrgbClr r="0" g="0" b="0"/>
+        </a:lnRef>
+        <a:fillRef idx="0">
+          <a:scrgbClr r="0" g="0" b="0"/>
+        </a:fillRef>
+        <a:effectRef idx="0">
+          <a:scrgbClr r="0" g="0" b="0"/>
+        </a:effectRef>
         <a:fontRef idx="none"/>
       </a:style>
     </a:spDef>
@@ -10499,7 +10539,7 @@
         <a:effectLst/>
         <a:sp3d/>
       </a:spPr>
-      <a:bodyPr rot="0" spcFirstLastPara="1" vertOverflow="overflow" horzOverflow="overflow" vert="horz" wrap="square" lIns="91439" tIns="45719" rIns="91439" bIns="45719" numCol="1" spcCol="38100" rtlCol="0" anchor="t" upright="0">
+      <a:bodyPr rot="0" spcFirstLastPara="1" vertOverflow="overflow" horzOverflow="overflow" vert="horz" wrap="square" lIns="91439" tIns="45719" rIns="91439" bIns="45719" numCol="1" spcCol="38100" rtlCol="0" anchor="t">
         <a:noAutofit/>
       </a:bodyPr>
       <a:lstStyle>
@@ -10518,7 +10558,7 @@
           <a:buFontTx/>
           <a:buNone/>
           <a:tabLst/>
-          <a:defRPr b="0" baseline="0" cap="none" i="0" spc="0" strike="noStrike" sz="1800" u="none" kumimoji="0" normalizeH="0">
+          <a:defRPr kumimoji="0" sz="1800" b="0" i="0" u="none" strike="noStrike" cap="none" spc="0" normalizeH="0" baseline="0">
             <a:ln>
               <a:noFill/>
             </a:ln>
@@ -10544,7 +10584,7 @@
           <a:buFontTx/>
           <a:buNone/>
           <a:tabLst/>
-          <a:defRPr b="0" baseline="0" cap="none" i="0" spc="0" strike="noStrike" sz="1800" u="none" kumimoji="0" normalizeH="0">
+          <a:defRPr kumimoji="0" sz="1800" b="0" i="0" u="none" strike="noStrike" cap="none" spc="0" normalizeH="0" baseline="0">
             <a:ln>
               <a:noFill/>
             </a:ln>
@@ -10570,7 +10610,7 @@
           <a:buFontTx/>
           <a:buNone/>
           <a:tabLst/>
-          <a:defRPr b="0" baseline="0" cap="none" i="0" spc="0" strike="noStrike" sz="1800" u="none" kumimoji="0" normalizeH="0">
+          <a:defRPr kumimoji="0" sz="1800" b="0" i="0" u="none" strike="noStrike" cap="none" spc="0" normalizeH="0" baseline="0">
             <a:ln>
               <a:noFill/>
             </a:ln>
@@ -10596,7 +10636,7 @@
           <a:buFontTx/>
           <a:buNone/>
           <a:tabLst/>
-          <a:defRPr b="0" baseline="0" cap="none" i="0" spc="0" strike="noStrike" sz="1800" u="none" kumimoji="0" normalizeH="0">
+          <a:defRPr kumimoji="0" sz="1800" b="0" i="0" u="none" strike="noStrike" cap="none" spc="0" normalizeH="0" baseline="0">
             <a:ln>
               <a:noFill/>
             </a:ln>
@@ -10622,7 +10662,7 @@
           <a:buFontTx/>
           <a:buNone/>
           <a:tabLst/>
-          <a:defRPr b="0" baseline="0" cap="none" i="0" spc="0" strike="noStrike" sz="1800" u="none" kumimoji="0" normalizeH="0">
+          <a:defRPr kumimoji="0" sz="1800" b="0" i="0" u="none" strike="noStrike" cap="none" spc="0" normalizeH="0" baseline="0">
             <a:ln>
               <a:noFill/>
             </a:ln>
@@ -10648,7 +10688,7 @@
           <a:buFontTx/>
           <a:buNone/>
           <a:tabLst/>
-          <a:defRPr b="0" baseline="0" cap="none" i="0" spc="0" strike="noStrike" sz="1800" u="none" kumimoji="0" normalizeH="0">
+          <a:defRPr kumimoji="0" sz="1800" b="0" i="0" u="none" strike="noStrike" cap="none" spc="0" normalizeH="0" baseline="0">
             <a:ln>
               <a:noFill/>
             </a:ln>
@@ -10674,7 +10714,7 @@
           <a:buFontTx/>
           <a:buNone/>
           <a:tabLst/>
-          <a:defRPr b="0" baseline="0" cap="none" i="0" spc="0" strike="noStrike" sz="1800" u="none" kumimoji="0" normalizeH="0">
+          <a:defRPr kumimoji="0" sz="1800" b="0" i="0" u="none" strike="noStrike" cap="none" spc="0" normalizeH="0" baseline="0">
             <a:ln>
               <a:noFill/>
             </a:ln>
@@ -10700,7 +10740,7 @@
           <a:buFontTx/>
           <a:buNone/>
           <a:tabLst/>
-          <a:defRPr b="0" baseline="0" cap="none" i="0" spc="0" strike="noStrike" sz="1800" u="none" kumimoji="0" normalizeH="0">
+          <a:defRPr kumimoji="0" sz="1800" b="0" i="0" u="none" strike="noStrike" cap="none" spc="0" normalizeH="0" baseline="0">
             <a:ln>
               <a:noFill/>
             </a:ln>
@@ -10726,7 +10766,7 @@
           <a:buFontTx/>
           <a:buNone/>
           <a:tabLst/>
-          <a:defRPr b="0" baseline="0" cap="none" i="0" spc="0" strike="noStrike" sz="1800" u="none" kumimoji="0" normalizeH="0">
+          <a:defRPr kumimoji="0" sz="1800" b="0" i="0" u="none" strike="noStrike" cap="none" spc="0" normalizeH="0" baseline="0">
             <a:ln>
               <a:noFill/>
             </a:ln>
@@ -10752,7 +10792,7 @@
           <a:buFontTx/>
           <a:buNone/>
           <a:tabLst/>
-          <a:defRPr b="0" baseline="0" cap="none" i="0" spc="0" strike="noStrike" sz="1800" u="none" kumimoji="0" normalizeH="0">
+          <a:defRPr kumimoji="0" sz="1800" b="0" i="0" u="none" strike="noStrike" cap="none" spc="0" normalizeH="0" baseline="0">
             <a:ln>
               <a:noFill/>
             </a:ln>
@@ -10765,9 +10805,15 @@
         </a:lvl9pPr>
       </a:lstStyle>
       <a:style>
-        <a:lnRef idx="0"/>
-        <a:fillRef idx="0"/>
-        <a:effectRef idx="0"/>
+        <a:lnRef idx="0">
+          <a:scrgbClr r="0" g="0" b="0"/>
+        </a:lnRef>
+        <a:fillRef idx="0">
+          <a:scrgbClr r="0" g="0" b="0"/>
+        </a:fillRef>
+        <a:effectRef idx="0">
+          <a:scrgbClr r="0" g="0" b="0"/>
+        </a:effectRef>
         <a:fontRef idx="none"/>
       </a:style>
     </a:lnDef>
@@ -10781,7 +10827,7 @@
         <a:effectLst/>
         <a:sp3d/>
       </a:spPr>
-      <a:bodyPr rot="0" spcFirstLastPara="1" vertOverflow="overflow" horzOverflow="overflow" vert="horz" wrap="square" lIns="45718" tIns="45718" rIns="45718" bIns="45718" numCol="1" spcCol="38100" rtlCol="0" anchor="t" upright="0">
+      <a:bodyPr rot="0" spcFirstLastPara="1" vertOverflow="overflow" horzOverflow="overflow" vert="horz" wrap="square" lIns="45718" tIns="45718" rIns="45718" bIns="45718" numCol="1" spcCol="38100" rtlCol="0" anchor="t">
         <a:spAutoFit/>
       </a:bodyPr>
       <a:lstStyle>
@@ -10800,7 +10846,7 @@
           <a:buFontTx/>
           <a:buNone/>
           <a:tabLst/>
-          <a:defRPr b="0" baseline="0" cap="none" i="0" spc="0" strike="noStrike" sz="1800" u="none" kumimoji="0" normalizeH="0">
+          <a:defRPr kumimoji="0" sz="1800" b="0" i="0" u="none" strike="noStrike" cap="none" spc="0" normalizeH="0" baseline="0">
             <a:ln>
               <a:noFill/>
             </a:ln>
@@ -10830,7 +10876,7 @@
           <a:buFontTx/>
           <a:buNone/>
           <a:tabLst/>
-          <a:defRPr b="0" baseline="0" cap="none" i="0" spc="0" strike="noStrike" sz="1800" u="none" kumimoji="0" normalizeH="0">
+          <a:defRPr kumimoji="0" sz="1800" b="0" i="0" u="none" strike="noStrike" cap="none" spc="0" normalizeH="0" baseline="0">
             <a:ln>
               <a:noFill/>
             </a:ln>
@@ -10856,7 +10902,7 @@
           <a:buFontTx/>
           <a:buNone/>
           <a:tabLst/>
-          <a:defRPr b="0" baseline="0" cap="none" i="0" spc="0" strike="noStrike" sz="1800" u="none" kumimoji="0" normalizeH="0">
+          <a:defRPr kumimoji="0" sz="1800" b="0" i="0" u="none" strike="noStrike" cap="none" spc="0" normalizeH="0" baseline="0">
             <a:ln>
               <a:noFill/>
             </a:ln>
@@ -10882,7 +10928,7 @@
           <a:buFontTx/>
           <a:buNone/>
           <a:tabLst/>
-          <a:defRPr b="0" baseline="0" cap="none" i="0" spc="0" strike="noStrike" sz="1800" u="none" kumimoji="0" normalizeH="0">
+          <a:defRPr kumimoji="0" sz="1800" b="0" i="0" u="none" strike="noStrike" cap="none" spc="0" normalizeH="0" baseline="0">
             <a:ln>
               <a:noFill/>
             </a:ln>
@@ -10908,7 +10954,7 @@
           <a:buFontTx/>
           <a:buNone/>
           <a:tabLst/>
-          <a:defRPr b="0" baseline="0" cap="none" i="0" spc="0" strike="noStrike" sz="1800" u="none" kumimoji="0" normalizeH="0">
+          <a:defRPr kumimoji="0" sz="1800" b="0" i="0" u="none" strike="noStrike" cap="none" spc="0" normalizeH="0" baseline="0">
             <a:ln>
               <a:noFill/>
             </a:ln>
@@ -10934,7 +10980,7 @@
           <a:buFontTx/>
           <a:buNone/>
           <a:tabLst/>
-          <a:defRPr b="0" baseline="0" cap="none" i="0" spc="0" strike="noStrike" sz="1800" u="none" kumimoji="0" normalizeH="0">
+          <a:defRPr kumimoji="0" sz="1800" b="0" i="0" u="none" strike="noStrike" cap="none" spc="0" normalizeH="0" baseline="0">
             <a:ln>
               <a:noFill/>
             </a:ln>
@@ -10960,7 +11006,7 @@
           <a:buFontTx/>
           <a:buNone/>
           <a:tabLst/>
-          <a:defRPr b="0" baseline="0" cap="none" i="0" spc="0" strike="noStrike" sz="1800" u="none" kumimoji="0" normalizeH="0">
+          <a:defRPr kumimoji="0" sz="1800" b="0" i="0" u="none" strike="noStrike" cap="none" spc="0" normalizeH="0" baseline="0">
             <a:ln>
               <a:noFill/>
             </a:ln>
@@ -10986,7 +11032,7 @@
           <a:buFontTx/>
           <a:buNone/>
           <a:tabLst/>
-          <a:defRPr b="0" baseline="0" cap="none" i="0" spc="0" strike="noStrike" sz="1800" u="none" kumimoji="0" normalizeH="0">
+          <a:defRPr kumimoji="0" sz="1800" b="0" i="0" u="none" strike="noStrike" cap="none" spc="0" normalizeH="0" baseline="0">
             <a:ln>
               <a:noFill/>
             </a:ln>
@@ -11012,7 +11058,7 @@
           <a:buFontTx/>
           <a:buNone/>
           <a:tabLst/>
-          <a:defRPr b="0" baseline="0" cap="none" i="0" spc="0" strike="noStrike" sz="1800" u="none" kumimoji="0" normalizeH="0">
+          <a:defRPr kumimoji="0" sz="1800" b="0" i="0" u="none" strike="noStrike" cap="none" spc="0" normalizeH="0" baseline="0">
             <a:ln>
               <a:noFill/>
             </a:ln>
@@ -11038,7 +11084,7 @@
           <a:buFontTx/>
           <a:buNone/>
           <a:tabLst/>
-          <a:defRPr b="0" baseline="0" cap="none" i="0" spc="0" strike="noStrike" sz="1800" u="none" kumimoji="0" normalizeH="0">
+          <a:defRPr kumimoji="0" sz="1800" b="0" i="0" u="none" strike="noStrike" cap="none" spc="0" normalizeH="0" baseline="0">
             <a:ln>
               <a:noFill/>
             </a:ln>
@@ -11051,12 +11097,19 @@
         </a:lvl9pPr>
       </a:lstStyle>
       <a:style>
-        <a:lnRef idx="0"/>
-        <a:fillRef idx="0"/>
-        <a:effectRef idx="0"/>
+        <a:lnRef idx="0">
+          <a:scrgbClr r="0" g="0" b="0"/>
+        </a:lnRef>
+        <a:fillRef idx="0">
+          <a:scrgbClr r="0" g="0" b="0"/>
+        </a:fillRef>
+        <a:effectRef idx="0">
+          <a:scrgbClr r="0" g="0" b="0"/>
+        </a:effectRef>
         <a:fontRef idx="none"/>
       </a:style>
     </a:txDef>
   </a:objectDefaults>
+  <a:extraClrSchemeLst/>
 </a:theme>
 </file>